--- a/study/7_Stack, Queue, List.pptx
+++ b/study/7_Stack, Queue, List.pptx
@@ -16,17 +16,13 @@
     <p:sldId id="363" r:id="rId10"/>
     <p:sldId id="365" r:id="rId11"/>
     <p:sldId id="366" r:id="rId12"/>
-    <p:sldId id="277" r:id="rId13"/>
-    <p:sldId id="278" r:id="rId14"/>
-    <p:sldId id="367" r:id="rId15"/>
-    <p:sldId id="368" r:id="rId16"/>
-    <p:sldId id="370" r:id="rId17"/>
-    <p:sldId id="371" r:id="rId18"/>
-    <p:sldId id="372" r:id="rId19"/>
-    <p:sldId id="373" r:id="rId20"/>
-    <p:sldId id="374" r:id="rId21"/>
-    <p:sldId id="375" r:id="rId22"/>
-    <p:sldId id="298" r:id="rId23"/>
+    <p:sldId id="400" r:id="rId13"/>
+    <p:sldId id="401" r:id="rId14"/>
+    <p:sldId id="277" r:id="rId15"/>
+    <p:sldId id="278" r:id="rId16"/>
+    <p:sldId id="367" r:id="rId17"/>
+    <p:sldId id="368" r:id="rId18"/>
+    <p:sldId id="298" r:id="rId19"/>
   </p:sldIdLst>
   <p:sldSz cx="12192000" cy="6858000"/>
   <p:notesSz cx="6858000" cy="9144000"/>
@@ -3898,7 +3894,7 @@
           <p:cNvPr id="2" name="TextBox 1">
             <a:extLst>
               <a:ext uri="{FF2B5EF4-FFF2-40B4-BE49-F238E27FC236}">
-                <a16:creationId xmlns:a16="http://schemas.microsoft.com/office/drawing/2014/main" id="{7A9F668B-4598-7703-B5DB-B80899A1C734}"/>
+                <a16:creationId xmlns:a16="http://schemas.microsoft.com/office/drawing/2014/main" id="{18D39D5A-64F9-9DF0-96C3-E9A433FB9C19}"/>
               </a:ext>
             </a:extLst>
           </p:cNvPr>
@@ -3908,7 +3904,7 @@
         <p:spPr>
           <a:xfrm>
             <a:off x="331694" y="177505"/>
-            <a:ext cx="2499402" cy="523220"/>
+            <a:ext cx="3897221" cy="523220"/>
           </a:xfrm>
           <a:prstGeom prst="rect">
             <a:avLst/>
@@ -3940,15 +3936,26 @@
                 <a:latin typeface="나눔스퀘어 Bold" panose="020B0600000101010101" pitchFamily="50" charset="-127"/>
                 <a:ea typeface="나눔스퀘어 Bold" panose="020B0600000101010101" pitchFamily="50" charset="-127"/>
               </a:rPr>
-              <a:t>– 10845 </a:t>
+              <a:t>– 1935 </a:t>
             </a:r>
             <a:r>
               <a:rPr lang="ko-KR" altLang="en-US" sz="2800" dirty="0">
                 <a:latin typeface="나눔스퀘어 Bold" panose="020B0600000101010101" pitchFamily="50" charset="-127"/>
                 <a:ea typeface="나눔스퀘어 Bold" panose="020B0600000101010101" pitchFamily="50" charset="-127"/>
               </a:rPr>
-              <a:t>큐</a:t>
-            </a:r>
+              <a:t>후위 표기식</a:t>
+            </a:r>
+            <a:r>
+              <a:rPr lang="en-US" altLang="ko-KR" sz="2800" dirty="0">
+                <a:latin typeface="나눔스퀘어 Bold" panose="020B0600000101010101" pitchFamily="50" charset="-127"/>
+                <a:ea typeface="나눔스퀘어 Bold" panose="020B0600000101010101" pitchFamily="50" charset="-127"/>
+              </a:rPr>
+              <a:t>2</a:t>
+            </a:r>
+            <a:endParaRPr lang="ko-KR" altLang="en-US" sz="2800" dirty="0">
+              <a:latin typeface="나눔스퀘어 Bold" panose="020B0600000101010101" pitchFamily="50" charset="-127"/>
+              <a:ea typeface="나눔스퀘어 Bold" panose="020B0600000101010101" pitchFamily="50" charset="-127"/>
+            </a:endParaRPr>
           </a:p>
         </p:txBody>
       </p:sp>
@@ -3957,7 +3964,7 @@
           <p:cNvPr id="6" name="그림 5">
             <a:extLst>
               <a:ext uri="{FF2B5EF4-FFF2-40B4-BE49-F238E27FC236}">
-                <a16:creationId xmlns:a16="http://schemas.microsoft.com/office/drawing/2014/main" id="{BA7E89D0-EC5B-949F-2F86-BB48EDA301A3}"/>
+                <a16:creationId xmlns:a16="http://schemas.microsoft.com/office/drawing/2014/main" id="{F0ABB7DE-C9D8-CA58-35D0-43FCBADD0B54}"/>
               </a:ext>
             </a:extLst>
           </p:cNvPr>
@@ -3974,8 +3981,128 @@
         </p:blipFill>
         <p:spPr>
           <a:xfrm>
-            <a:off x="331694" y="998873"/>
-            <a:ext cx="10869542" cy="5525271"/>
+            <a:off x="331693" y="955017"/>
+            <a:ext cx="10377155" cy="3778161"/>
+          </a:xfrm>
+          <a:prstGeom prst="rect">
+            <a:avLst/>
+          </a:prstGeom>
+        </p:spPr>
+      </p:pic>
+      <p:pic>
+        <p:nvPicPr>
+          <p:cNvPr id="8" name="그림 7">
+            <a:extLst>
+              <a:ext uri="{FF2B5EF4-FFF2-40B4-BE49-F238E27FC236}">
+                <a16:creationId xmlns:a16="http://schemas.microsoft.com/office/drawing/2014/main" id="{D28CB359-D073-379E-E5C6-1B49EB657574}"/>
+              </a:ext>
+            </a:extLst>
+          </p:cNvPr>
+          <p:cNvPicPr>
+            <a:picLocks noChangeAspect="1"/>
+          </p:cNvPicPr>
+          <p:nvPr/>
+        </p:nvPicPr>
+        <p:blipFill>
+          <a:blip r:embed="rId3"/>
+          <a:stretch>
+            <a:fillRect/>
+          </a:stretch>
+        </p:blipFill>
+        <p:spPr>
+          <a:xfrm>
+            <a:off x="4373497" y="3921551"/>
+            <a:ext cx="1395682" cy="2346254"/>
+          </a:xfrm>
+          <a:prstGeom prst="rect">
+            <a:avLst/>
+          </a:prstGeom>
+        </p:spPr>
+      </p:pic>
+      <p:pic>
+        <p:nvPicPr>
+          <p:cNvPr id="10" name="그림 9">
+            <a:extLst>
+              <a:ext uri="{FF2B5EF4-FFF2-40B4-BE49-F238E27FC236}">
+                <a16:creationId xmlns:a16="http://schemas.microsoft.com/office/drawing/2014/main" id="{EA41C19E-CF69-A11F-2F0A-B63A51307F4C}"/>
+              </a:ext>
+            </a:extLst>
+          </p:cNvPr>
+          <p:cNvPicPr>
+            <a:picLocks noChangeAspect="1"/>
+          </p:cNvPicPr>
+          <p:nvPr/>
+        </p:nvPicPr>
+        <p:blipFill>
+          <a:blip r:embed="rId4"/>
+          <a:stretch>
+            <a:fillRect/>
+          </a:stretch>
+        </p:blipFill>
+        <p:spPr>
+          <a:xfrm>
+            <a:off x="5940117" y="3902697"/>
+            <a:ext cx="1370135" cy="969871"/>
+          </a:xfrm>
+          <a:prstGeom prst="rect">
+            <a:avLst/>
+          </a:prstGeom>
+        </p:spPr>
+      </p:pic>
+      <p:pic>
+        <p:nvPicPr>
+          <p:cNvPr id="12" name="그림 11">
+            <a:extLst>
+              <a:ext uri="{FF2B5EF4-FFF2-40B4-BE49-F238E27FC236}">
+                <a16:creationId xmlns:a16="http://schemas.microsoft.com/office/drawing/2014/main" id="{FD6BDE1B-C3EE-148A-4DF3-717360C0B15F}"/>
+              </a:ext>
+            </a:extLst>
+          </p:cNvPr>
+          <p:cNvPicPr>
+            <a:picLocks noChangeAspect="1"/>
+          </p:cNvPicPr>
+          <p:nvPr/>
+        </p:nvPicPr>
+        <p:blipFill>
+          <a:blip r:embed="rId5"/>
+          <a:stretch>
+            <a:fillRect/>
+          </a:stretch>
+        </p:blipFill>
+        <p:spPr>
+          <a:xfrm>
+            <a:off x="8692884" y="3883843"/>
+            <a:ext cx="1376699" cy="1452342"/>
+          </a:xfrm>
+          <a:prstGeom prst="rect">
+            <a:avLst/>
+          </a:prstGeom>
+        </p:spPr>
+      </p:pic>
+      <p:pic>
+        <p:nvPicPr>
+          <p:cNvPr id="14" name="그림 13">
+            <a:extLst>
+              <a:ext uri="{FF2B5EF4-FFF2-40B4-BE49-F238E27FC236}">
+                <a16:creationId xmlns:a16="http://schemas.microsoft.com/office/drawing/2014/main" id="{70E1C66A-1D27-B642-20B5-DB494DE8AF16}"/>
+              </a:ext>
+            </a:extLst>
+          </p:cNvPr>
+          <p:cNvPicPr>
+            <a:picLocks noChangeAspect="1"/>
+          </p:cNvPicPr>
+          <p:nvPr/>
+        </p:nvPicPr>
+        <p:blipFill>
+          <a:blip r:embed="rId6"/>
+          <a:stretch>
+            <a:fillRect/>
+          </a:stretch>
+        </p:blipFill>
+        <p:spPr>
+          <a:xfrm>
+            <a:off x="10233957" y="3883843"/>
+            <a:ext cx="1372839" cy="951017"/>
           </a:xfrm>
           <a:prstGeom prst="rect">
             <a:avLst/>
@@ -3985,7 +4112,7 @@
     </p:spTree>
     <p:extLst>
       <p:ext uri="{BB962C8B-B14F-4D97-AF65-F5344CB8AC3E}">
-        <p14:creationId xmlns:p14="http://schemas.microsoft.com/office/powerpoint/2010/main" val="3852066961"/>
+        <p14:creationId xmlns:p14="http://schemas.microsoft.com/office/powerpoint/2010/main" val="1907416354"/>
       </p:ext>
     </p:extLst>
   </p:cSld>
@@ -4061,7 +4188,7 @@
           <p:cNvPr id="3" name="TextBox 2">
             <a:extLst>
               <a:ext uri="{FF2B5EF4-FFF2-40B4-BE49-F238E27FC236}">
-                <a16:creationId xmlns:a16="http://schemas.microsoft.com/office/drawing/2014/main" id="{2929977D-4B28-4A77-BFAA-69E6FF174D27}"/>
+                <a16:creationId xmlns:a16="http://schemas.microsoft.com/office/drawing/2014/main" id="{DED99750-0EE1-C88D-2F22-1EE36DBD23B3}"/>
               </a:ext>
             </a:extLst>
           </p:cNvPr>
@@ -4089,21 +4216,7 @@
                 <a:latin typeface="나눔스퀘어 Light" panose="020B0600000101010101" pitchFamily="50" charset="-127"/>
                 <a:ea typeface="나눔스퀘어 Light" panose="020B0600000101010101" pitchFamily="50" charset="-127"/>
               </a:rPr>
-              <a:t>스택과 마찬가지로</a:t>
-            </a:r>
-            <a:r>
-              <a:rPr lang="en-US" altLang="ko-KR" dirty="0">
-                <a:latin typeface="나눔스퀘어 Light" panose="020B0600000101010101" pitchFamily="50" charset="-127"/>
-                <a:ea typeface="나눔스퀘어 Light" panose="020B0600000101010101" pitchFamily="50" charset="-127"/>
-              </a:rPr>
-              <a:t>, </a:t>
-            </a:r>
-            <a:r>
-              <a:rPr lang="ko-KR" altLang="en-US" dirty="0">
-                <a:latin typeface="나눔스퀘어 Light" panose="020B0600000101010101" pitchFamily="50" charset="-127"/>
-                <a:ea typeface="나눔스퀘어 Light" panose="020B0600000101010101" pitchFamily="50" charset="-127"/>
-              </a:rPr>
-              <a:t>구현해본 큐를 채점할 수 있는 문제</a:t>
+              <a:t>올바른 괄호 문자열인지 판별하는 문제</a:t>
             </a:r>
           </a:p>
         </p:txBody>
@@ -4113,7 +4226,7 @@
           <p:cNvPr id="2" name="TextBox 1">
             <a:extLst>
               <a:ext uri="{FF2B5EF4-FFF2-40B4-BE49-F238E27FC236}">
-                <a16:creationId xmlns:a16="http://schemas.microsoft.com/office/drawing/2014/main" id="{CC1A2188-D131-F96B-08B1-C61DDBFCF482}"/>
+                <a16:creationId xmlns:a16="http://schemas.microsoft.com/office/drawing/2014/main" id="{18D39D5A-64F9-9DF0-96C3-E9A433FB9C19}"/>
               </a:ext>
             </a:extLst>
           </p:cNvPr>
@@ -4123,7 +4236,7 @@
         <p:spPr>
           <a:xfrm>
             <a:off x="331694" y="177505"/>
-            <a:ext cx="2499402" cy="523220"/>
+            <a:ext cx="3897221" cy="523220"/>
           </a:xfrm>
           <a:prstGeom prst="rect">
             <a:avLst/>
@@ -4155,74 +4268,33 @@
                 <a:latin typeface="나눔스퀘어 Bold" panose="020B0600000101010101" pitchFamily="50" charset="-127"/>
                 <a:ea typeface="나눔스퀘어 Bold" panose="020B0600000101010101" pitchFamily="50" charset="-127"/>
               </a:rPr>
-              <a:t>– 10845 </a:t>
+              <a:t>– 1935 </a:t>
             </a:r>
             <a:r>
               <a:rPr lang="ko-KR" altLang="en-US" sz="2800" dirty="0">
                 <a:latin typeface="나눔스퀘어 Bold" panose="020B0600000101010101" pitchFamily="50" charset="-127"/>
                 <a:ea typeface="나눔스퀘어 Bold" panose="020B0600000101010101" pitchFamily="50" charset="-127"/>
               </a:rPr>
-              <a:t>큐</a:t>
-            </a:r>
-          </a:p>
-        </p:txBody>
-      </p:sp>
-      <p:sp>
-        <p:nvSpPr>
-          <p:cNvPr id="11" name="TextBox 10">
-            <a:extLst>
-              <a:ext uri="{FF2B5EF4-FFF2-40B4-BE49-F238E27FC236}">
-                <a16:creationId xmlns:a16="http://schemas.microsoft.com/office/drawing/2014/main" id="{55838BC7-EF0F-5B81-2952-60BCF736A512}"/>
-              </a:ext>
-            </a:extLst>
-          </p:cNvPr>
-          <p:cNvSpPr txBox="1"/>
-          <p:nvPr/>
-        </p:nvSpPr>
-        <p:spPr>
-          <a:xfrm>
-            <a:off x="942387" y="1559356"/>
-            <a:ext cx="10237694" cy="369332"/>
-          </a:xfrm>
-          <a:prstGeom prst="rect">
-            <a:avLst/>
-          </a:prstGeom>
-          <a:noFill/>
-        </p:spPr>
-        <p:txBody>
-          <a:bodyPr wrap="square" rtlCol="0">
-            <a:spAutoFit/>
-          </a:bodyPr>
-          <a:lstStyle/>
-          <a:p>
-            <a:r>
-              <a:rPr lang="ko-KR" altLang="en-US" dirty="0">
-                <a:latin typeface="나눔스퀘어 Light" panose="020B0600000101010101" pitchFamily="50" charset="-127"/>
-                <a:ea typeface="나눔스퀘어 Light" panose="020B0600000101010101" pitchFamily="50" charset="-127"/>
-              </a:rPr>
-              <a:t>직접 구현을 해봤다면</a:t>
-            </a:r>
-            <a:r>
-              <a:rPr lang="en-US" altLang="ko-KR" dirty="0">
-                <a:latin typeface="나눔스퀘어 Light" panose="020B0600000101010101" pitchFamily="50" charset="-127"/>
-                <a:ea typeface="나눔스퀘어 Light" panose="020B0600000101010101" pitchFamily="50" charset="-127"/>
-              </a:rPr>
-              <a:t>, </a:t>
-            </a:r>
-            <a:r>
-              <a:rPr lang="ko-KR" altLang="en-US" dirty="0">
-                <a:latin typeface="나눔스퀘어 Light" panose="020B0600000101010101" pitchFamily="50" charset="-127"/>
-                <a:ea typeface="나눔스퀘어 Light" panose="020B0600000101010101" pitchFamily="50" charset="-127"/>
-              </a:rPr>
-              <a:t>라이브러리를 사용</a:t>
-            </a:r>
+              <a:t>후위 표기식</a:t>
+            </a:r>
+            <a:r>
+              <a:rPr lang="en-US" altLang="ko-KR" sz="2800" dirty="0">
+                <a:latin typeface="나눔스퀘어 Bold" panose="020B0600000101010101" pitchFamily="50" charset="-127"/>
+                <a:ea typeface="나눔스퀘어 Bold" panose="020B0600000101010101" pitchFamily="50" charset="-127"/>
+              </a:rPr>
+              <a:t>2</a:t>
+            </a:r>
+            <a:endParaRPr lang="ko-KR" altLang="en-US" sz="2800" dirty="0">
+              <a:latin typeface="나눔스퀘어 Bold" panose="020B0600000101010101" pitchFamily="50" charset="-127"/>
+              <a:ea typeface="나눔스퀘어 Bold" panose="020B0600000101010101" pitchFamily="50" charset="-127"/>
+            </a:endParaRPr>
           </a:p>
         </p:txBody>
       </p:sp>
     </p:spTree>
     <p:extLst>
       <p:ext uri="{BB962C8B-B14F-4D97-AF65-F5344CB8AC3E}">
-        <p14:creationId xmlns:p14="http://schemas.microsoft.com/office/powerpoint/2010/main" val="36971579"/>
+        <p14:creationId xmlns:p14="http://schemas.microsoft.com/office/powerpoint/2010/main" val="4187972177"/>
       </p:ext>
     </p:extLst>
   </p:cSld>
@@ -4295,10 +4367,10 @@
       </p:cxnSp>
       <p:sp>
         <p:nvSpPr>
-          <p:cNvPr id="6" name="TextBox 5">
-            <a:extLst>
-              <a:ext uri="{FF2B5EF4-FFF2-40B4-BE49-F238E27FC236}">
-                <a16:creationId xmlns:a16="http://schemas.microsoft.com/office/drawing/2014/main" id="{4D81AF7D-5258-8E15-FF02-E90D5EDB63A3}"/>
+          <p:cNvPr id="2" name="TextBox 1">
+            <a:extLst>
+              <a:ext uri="{FF2B5EF4-FFF2-40B4-BE49-F238E27FC236}">
+                <a16:creationId xmlns:a16="http://schemas.microsoft.com/office/drawing/2014/main" id="{7A9F668B-4598-7703-B5DB-B80899A1C734}"/>
               </a:ext>
             </a:extLst>
           </p:cNvPr>
@@ -4308,7 +4380,7 @@
         <p:spPr>
           <a:xfrm>
             <a:off x="331694" y="177505"/>
-            <a:ext cx="4607864" cy="523220"/>
+            <a:ext cx="2499402" cy="523220"/>
           </a:xfrm>
           <a:prstGeom prst="rect">
             <a:avLst/>
@@ -4326,7 +4398,7 @@
                 <a:latin typeface="나눔스퀘어 Bold" panose="020B0600000101010101" pitchFamily="50" charset="-127"/>
                 <a:ea typeface="나눔스퀘어 Bold" panose="020B0600000101010101" pitchFamily="50" charset="-127"/>
               </a:rPr>
-              <a:t>Greedy</a:t>
+              <a:t>DS</a:t>
             </a:r>
             <a:r>
               <a:rPr lang="ko-KR" altLang="en-US" sz="2800" dirty="0">
@@ -4340,38 +4412,24 @@
                 <a:latin typeface="나눔스퀘어 Bold" panose="020B0600000101010101" pitchFamily="50" charset="-127"/>
                 <a:ea typeface="나눔스퀘어 Bold" panose="020B0600000101010101" pitchFamily="50" charset="-127"/>
               </a:rPr>
-              <a:t>– 2864 5</a:t>
+              <a:t>– 10845 </a:t>
             </a:r>
             <a:r>
               <a:rPr lang="ko-KR" altLang="en-US" sz="2800" dirty="0">
                 <a:latin typeface="나눔스퀘어 Bold" panose="020B0600000101010101" pitchFamily="50" charset="-127"/>
                 <a:ea typeface="나눔스퀘어 Bold" panose="020B0600000101010101" pitchFamily="50" charset="-127"/>
               </a:rPr>
-              <a:t>와 </a:t>
-            </a:r>
-            <a:r>
-              <a:rPr lang="en-US" altLang="ko-KR" sz="2800" dirty="0">
-                <a:latin typeface="나눔스퀘어 Bold" panose="020B0600000101010101" pitchFamily="50" charset="-127"/>
-                <a:ea typeface="나눔스퀘어 Bold" panose="020B0600000101010101" pitchFamily="50" charset="-127"/>
-              </a:rPr>
-              <a:t>6</a:t>
-            </a:r>
-            <a:r>
-              <a:rPr lang="ko-KR" altLang="en-US" sz="2800" dirty="0">
-                <a:latin typeface="나눔스퀘어 Bold" panose="020B0600000101010101" pitchFamily="50" charset="-127"/>
-                <a:ea typeface="나눔스퀘어 Bold" panose="020B0600000101010101" pitchFamily="50" charset="-127"/>
-              </a:rPr>
-              <a:t>의 차이</a:t>
+              <a:t>큐</a:t>
             </a:r>
           </a:p>
         </p:txBody>
       </p:sp>
       <p:pic>
         <p:nvPicPr>
-          <p:cNvPr id="7" name="그림 6">
-            <a:extLst>
-              <a:ext uri="{FF2B5EF4-FFF2-40B4-BE49-F238E27FC236}">
-                <a16:creationId xmlns:a16="http://schemas.microsoft.com/office/drawing/2014/main" id="{90EFE020-B054-8B5A-6EEC-A1C3D30CAF1D}"/>
+          <p:cNvPr id="6" name="그림 5">
+            <a:extLst>
+              <a:ext uri="{FF2B5EF4-FFF2-40B4-BE49-F238E27FC236}">
+                <a16:creationId xmlns:a16="http://schemas.microsoft.com/office/drawing/2014/main" id="{BA7E89D0-EC5B-949F-2F86-BB48EDA301A3}"/>
               </a:ext>
             </a:extLst>
           </p:cNvPr>
@@ -4388,188 +4446,8 @@
         </p:blipFill>
         <p:spPr>
           <a:xfrm>
-            <a:off x="331694" y="986479"/>
-            <a:ext cx="10897386" cy="3810599"/>
-          </a:xfrm>
-          <a:prstGeom prst="rect">
-            <a:avLst/>
-          </a:prstGeom>
-        </p:spPr>
-      </p:pic>
-      <p:pic>
-        <p:nvPicPr>
-          <p:cNvPr id="9" name="그림 8">
-            <a:extLst>
-              <a:ext uri="{FF2B5EF4-FFF2-40B4-BE49-F238E27FC236}">
-                <a16:creationId xmlns:a16="http://schemas.microsoft.com/office/drawing/2014/main" id="{9C854AD4-CA17-4C2F-D554-5D0DF78A5558}"/>
-              </a:ext>
-            </a:extLst>
-          </p:cNvPr>
-          <p:cNvPicPr>
-            <a:picLocks noChangeAspect="1"/>
-          </p:cNvPicPr>
-          <p:nvPr/>
-        </p:nvPicPr>
-        <p:blipFill>
-          <a:blip r:embed="rId3"/>
-          <a:stretch>
-            <a:fillRect/>
-          </a:stretch>
-        </p:blipFill>
-        <p:spPr>
-          <a:xfrm>
-            <a:off x="331694" y="5088194"/>
-            <a:ext cx="1338436" cy="975470"/>
-          </a:xfrm>
-          <a:prstGeom prst="rect">
-            <a:avLst/>
-          </a:prstGeom>
-        </p:spPr>
-      </p:pic>
-      <p:pic>
-        <p:nvPicPr>
-          <p:cNvPr id="11" name="그림 10">
-            <a:extLst>
-              <a:ext uri="{FF2B5EF4-FFF2-40B4-BE49-F238E27FC236}">
-                <a16:creationId xmlns:a16="http://schemas.microsoft.com/office/drawing/2014/main" id="{3874EC50-3ED4-0898-9D24-CA2CC1E996C7}"/>
-              </a:ext>
-            </a:extLst>
-          </p:cNvPr>
-          <p:cNvPicPr>
-            <a:picLocks noChangeAspect="1"/>
-          </p:cNvPicPr>
-          <p:nvPr/>
-        </p:nvPicPr>
-        <p:blipFill>
-          <a:blip r:embed="rId4"/>
-          <a:stretch>
-            <a:fillRect/>
-          </a:stretch>
-        </p:blipFill>
-        <p:spPr>
-          <a:xfrm>
-            <a:off x="1802072" y="5088194"/>
-            <a:ext cx="1338436" cy="994267"/>
-          </a:xfrm>
-          <a:prstGeom prst="rect">
-            <a:avLst/>
-          </a:prstGeom>
-        </p:spPr>
-      </p:pic>
-      <p:pic>
-        <p:nvPicPr>
-          <p:cNvPr id="13" name="그림 12">
-            <a:extLst>
-              <a:ext uri="{FF2B5EF4-FFF2-40B4-BE49-F238E27FC236}">
-                <a16:creationId xmlns:a16="http://schemas.microsoft.com/office/drawing/2014/main" id="{39A82E04-062E-89C9-A60F-07E1CE30F39C}"/>
-              </a:ext>
-            </a:extLst>
-          </p:cNvPr>
-          <p:cNvPicPr>
-            <a:picLocks noChangeAspect="1"/>
-          </p:cNvPicPr>
-          <p:nvPr/>
-        </p:nvPicPr>
-        <p:blipFill>
-          <a:blip r:embed="rId5"/>
-          <a:stretch>
-            <a:fillRect/>
-          </a:stretch>
-        </p:blipFill>
-        <p:spPr>
-          <a:xfrm>
-            <a:off x="3852989" y="5088194"/>
-            <a:ext cx="1415837" cy="994267"/>
-          </a:xfrm>
-          <a:prstGeom prst="rect">
-            <a:avLst/>
-          </a:prstGeom>
-        </p:spPr>
-      </p:pic>
-      <p:pic>
-        <p:nvPicPr>
-          <p:cNvPr id="15" name="그림 14">
-            <a:extLst>
-              <a:ext uri="{FF2B5EF4-FFF2-40B4-BE49-F238E27FC236}">
-                <a16:creationId xmlns:a16="http://schemas.microsoft.com/office/drawing/2014/main" id="{89CD5639-F39D-75A4-A70C-60E25CE236DC}"/>
-              </a:ext>
-            </a:extLst>
-          </p:cNvPr>
-          <p:cNvPicPr>
-            <a:picLocks noChangeAspect="1"/>
-          </p:cNvPicPr>
-          <p:nvPr/>
-        </p:nvPicPr>
-        <p:blipFill>
-          <a:blip r:embed="rId6"/>
-          <a:stretch>
-            <a:fillRect/>
-          </a:stretch>
-        </p:blipFill>
-        <p:spPr>
-          <a:xfrm>
-            <a:off x="5394520" y="5088193"/>
-            <a:ext cx="1373925" cy="1000663"/>
-          </a:xfrm>
-          <a:prstGeom prst="rect">
-            <a:avLst/>
-          </a:prstGeom>
-        </p:spPr>
-      </p:pic>
-      <p:pic>
-        <p:nvPicPr>
-          <p:cNvPr id="17" name="그림 16">
-            <a:extLst>
-              <a:ext uri="{FF2B5EF4-FFF2-40B4-BE49-F238E27FC236}">
-                <a16:creationId xmlns:a16="http://schemas.microsoft.com/office/drawing/2014/main" id="{88034E11-583C-EB4C-DD86-E5D5C2BB3304}"/>
-              </a:ext>
-            </a:extLst>
-          </p:cNvPr>
-          <p:cNvPicPr>
-            <a:picLocks noChangeAspect="1"/>
-          </p:cNvPicPr>
-          <p:nvPr/>
-        </p:nvPicPr>
-        <p:blipFill>
-          <a:blip r:embed="rId7"/>
-          <a:stretch>
-            <a:fillRect/>
-          </a:stretch>
-        </p:blipFill>
-        <p:spPr>
-          <a:xfrm>
-            <a:off x="7491415" y="5114117"/>
-            <a:ext cx="1435378" cy="1000663"/>
-          </a:xfrm>
-          <a:prstGeom prst="rect">
-            <a:avLst/>
-          </a:prstGeom>
-        </p:spPr>
-      </p:pic>
-      <p:pic>
-        <p:nvPicPr>
-          <p:cNvPr id="19" name="그림 18">
-            <a:extLst>
-              <a:ext uri="{FF2B5EF4-FFF2-40B4-BE49-F238E27FC236}">
-                <a16:creationId xmlns:a16="http://schemas.microsoft.com/office/drawing/2014/main" id="{74A0D0A7-521C-E7BB-8E7F-C20AEE070B9C}"/>
-              </a:ext>
-            </a:extLst>
-          </p:cNvPr>
-          <p:cNvPicPr>
-            <a:picLocks noChangeAspect="1"/>
-          </p:cNvPicPr>
-          <p:nvPr/>
-        </p:nvPicPr>
-        <p:blipFill>
-          <a:blip r:embed="rId8"/>
-          <a:stretch>
-            <a:fillRect/>
-          </a:stretch>
-        </p:blipFill>
-        <p:spPr>
-          <a:xfrm>
-            <a:off x="9060760" y="5109278"/>
-            <a:ext cx="1412228" cy="1000664"/>
+            <a:off x="331694" y="998873"/>
+            <a:ext cx="10869542" cy="5525271"/>
           </a:xfrm>
           <a:prstGeom prst="rect">
             <a:avLst/>
@@ -4579,7 +4457,7 @@
     </p:spTree>
     <p:extLst>
       <p:ext uri="{BB962C8B-B14F-4D97-AF65-F5344CB8AC3E}">
-        <p14:creationId xmlns:p14="http://schemas.microsoft.com/office/powerpoint/2010/main" val="2401598668"/>
+        <p14:creationId xmlns:p14="http://schemas.microsoft.com/office/powerpoint/2010/main" val="3852066961"/>
       </p:ext>
     </p:extLst>
   </p:cSld>
@@ -4652,10 +4530,10 @@
       </p:cxnSp>
       <p:sp>
         <p:nvSpPr>
-          <p:cNvPr id="6" name="TextBox 5">
-            <a:extLst>
-              <a:ext uri="{FF2B5EF4-FFF2-40B4-BE49-F238E27FC236}">
-                <a16:creationId xmlns:a16="http://schemas.microsoft.com/office/drawing/2014/main" id="{4D81AF7D-5258-8E15-FF02-E90D5EDB63A3}"/>
+          <p:cNvPr id="3" name="TextBox 2">
+            <a:extLst>
+              <a:ext uri="{FF2B5EF4-FFF2-40B4-BE49-F238E27FC236}">
+                <a16:creationId xmlns:a16="http://schemas.microsoft.com/office/drawing/2014/main" id="{2929977D-4B28-4A77-BFAA-69E6FF174D27}"/>
               </a:ext>
             </a:extLst>
           </p:cNvPr>
@@ -4664,8 +4542,60 @@
         </p:nvSpPr>
         <p:spPr>
           <a:xfrm>
+            <a:off x="942387" y="1190024"/>
+            <a:ext cx="10237694" cy="369332"/>
+          </a:xfrm>
+          <a:prstGeom prst="rect">
+            <a:avLst/>
+          </a:prstGeom>
+          <a:noFill/>
+        </p:spPr>
+        <p:txBody>
+          <a:bodyPr wrap="square" rtlCol="0">
+            <a:spAutoFit/>
+          </a:bodyPr>
+          <a:lstStyle/>
+          <a:p>
+            <a:r>
+              <a:rPr lang="ko-KR" altLang="en-US" dirty="0">
+                <a:latin typeface="나눔스퀘어 Light" panose="020B0600000101010101" pitchFamily="50" charset="-127"/>
+                <a:ea typeface="나눔스퀘어 Light" panose="020B0600000101010101" pitchFamily="50" charset="-127"/>
+              </a:rPr>
+              <a:t>스택과 마찬가지로</a:t>
+            </a:r>
+            <a:r>
+              <a:rPr lang="en-US" altLang="ko-KR" dirty="0">
+                <a:latin typeface="나눔스퀘어 Light" panose="020B0600000101010101" pitchFamily="50" charset="-127"/>
+                <a:ea typeface="나눔스퀘어 Light" panose="020B0600000101010101" pitchFamily="50" charset="-127"/>
+              </a:rPr>
+              <a:t>, </a:t>
+            </a:r>
+            <a:r>
+              <a:rPr lang="ko-KR" altLang="en-US" dirty="0">
+                <a:latin typeface="나눔스퀘어 Light" panose="020B0600000101010101" pitchFamily="50" charset="-127"/>
+                <a:ea typeface="나눔스퀘어 Light" panose="020B0600000101010101" pitchFamily="50" charset="-127"/>
+              </a:rPr>
+              <a:t>구현해본 큐를 채점할 수 있는 문제</a:t>
+            </a:r>
+          </a:p>
+        </p:txBody>
+      </p:sp>
+      <p:sp>
+        <p:nvSpPr>
+          <p:cNvPr id="2" name="TextBox 1">
+            <a:extLst>
+              <a:ext uri="{FF2B5EF4-FFF2-40B4-BE49-F238E27FC236}">
+                <a16:creationId xmlns:a16="http://schemas.microsoft.com/office/drawing/2014/main" id="{CC1A2188-D131-F96B-08B1-C61DDBFCF482}"/>
+              </a:ext>
+            </a:extLst>
+          </p:cNvPr>
+          <p:cNvSpPr txBox="1"/>
+          <p:nvPr/>
+        </p:nvSpPr>
+        <p:spPr>
+          <a:xfrm>
             <a:off x="331694" y="177505"/>
-            <a:ext cx="4607864" cy="523220"/>
+            <a:ext cx="2499402" cy="523220"/>
           </a:xfrm>
           <a:prstGeom prst="rect">
             <a:avLst/>
@@ -4683,7 +4613,7 @@
                 <a:latin typeface="나눔스퀘어 Bold" panose="020B0600000101010101" pitchFamily="50" charset="-127"/>
                 <a:ea typeface="나눔스퀘어 Bold" panose="020B0600000101010101" pitchFamily="50" charset="-127"/>
               </a:rPr>
-              <a:t>Greedy</a:t>
+              <a:t>DS</a:t>
             </a:r>
             <a:r>
               <a:rPr lang="ko-KR" altLang="en-US" sz="2800" dirty="0">
@@ -4697,38 +4627,24 @@
                 <a:latin typeface="나눔스퀘어 Bold" panose="020B0600000101010101" pitchFamily="50" charset="-127"/>
                 <a:ea typeface="나눔스퀘어 Bold" panose="020B0600000101010101" pitchFamily="50" charset="-127"/>
               </a:rPr>
-              <a:t>– 2864 5</a:t>
+              <a:t>– 10845 </a:t>
             </a:r>
             <a:r>
               <a:rPr lang="ko-KR" altLang="en-US" sz="2800" dirty="0">
                 <a:latin typeface="나눔스퀘어 Bold" panose="020B0600000101010101" pitchFamily="50" charset="-127"/>
                 <a:ea typeface="나눔스퀘어 Bold" panose="020B0600000101010101" pitchFamily="50" charset="-127"/>
               </a:rPr>
-              <a:t>와 </a:t>
-            </a:r>
-            <a:r>
-              <a:rPr lang="en-US" altLang="ko-KR" sz="2800" dirty="0">
-                <a:latin typeface="나눔스퀘어 Bold" panose="020B0600000101010101" pitchFamily="50" charset="-127"/>
-                <a:ea typeface="나눔스퀘어 Bold" panose="020B0600000101010101" pitchFamily="50" charset="-127"/>
-              </a:rPr>
-              <a:t>6</a:t>
-            </a:r>
-            <a:r>
-              <a:rPr lang="ko-KR" altLang="en-US" sz="2800" dirty="0">
-                <a:latin typeface="나눔스퀘어 Bold" panose="020B0600000101010101" pitchFamily="50" charset="-127"/>
-                <a:ea typeface="나눔스퀘어 Bold" panose="020B0600000101010101" pitchFamily="50" charset="-127"/>
-              </a:rPr>
-              <a:t>의 차이</a:t>
-            </a:r>
-          </a:p>
-        </p:txBody>
-      </p:sp>
-      <p:sp>
-        <p:nvSpPr>
-          <p:cNvPr id="3" name="TextBox 2">
-            <a:extLst>
-              <a:ext uri="{FF2B5EF4-FFF2-40B4-BE49-F238E27FC236}">
-                <a16:creationId xmlns:a16="http://schemas.microsoft.com/office/drawing/2014/main" id="{582E9E24-F263-5FE2-A044-DC8692C463F8}"/>
+              <a:t>큐</a:t>
+            </a:r>
+          </a:p>
+        </p:txBody>
+      </p:sp>
+      <p:sp>
+        <p:nvSpPr>
+          <p:cNvPr id="11" name="TextBox 10">
+            <a:extLst>
+              <a:ext uri="{FF2B5EF4-FFF2-40B4-BE49-F238E27FC236}">
+                <a16:creationId xmlns:a16="http://schemas.microsoft.com/office/drawing/2014/main" id="{55838BC7-EF0F-5B81-2952-60BCF736A512}"/>
               </a:ext>
             </a:extLst>
           </p:cNvPr>
@@ -4737,7 +4653,7 @@
         </p:nvSpPr>
         <p:spPr>
           <a:xfrm>
-            <a:off x="942387" y="1190024"/>
+            <a:off x="942387" y="1559356"/>
             <a:ext cx="10237694" cy="369332"/>
           </a:xfrm>
           <a:prstGeom prst="rect">
@@ -4756,460 +4672,29 @@
                 <a:latin typeface="나눔스퀘어 Light" panose="020B0600000101010101" pitchFamily="50" charset="-127"/>
                 <a:ea typeface="나눔스퀘어 Light" panose="020B0600000101010101" pitchFamily="50" charset="-127"/>
               </a:rPr>
-              <a:t>값을 최대화 할 땐 숫자의 </a:t>
+              <a:t>직접 구현을 해봤다면</a:t>
             </a:r>
             <a:r>
               <a:rPr lang="en-US" altLang="ko-KR" dirty="0">
                 <a:latin typeface="나눔스퀘어 Light" panose="020B0600000101010101" pitchFamily="50" charset="-127"/>
                 <a:ea typeface="나눔스퀘어 Light" panose="020B0600000101010101" pitchFamily="50" charset="-127"/>
               </a:rPr>
-              <a:t>5</a:t>
+              <a:t>, </a:t>
             </a:r>
             <a:r>
               <a:rPr lang="ko-KR" altLang="en-US" dirty="0">
                 <a:latin typeface="나눔스퀘어 Light" panose="020B0600000101010101" pitchFamily="50" charset="-127"/>
                 <a:ea typeface="나눔스퀘어 Light" panose="020B0600000101010101" pitchFamily="50" charset="-127"/>
               </a:rPr>
-              <a:t>또는 </a:t>
-            </a:r>
-            <a:r>
-              <a:rPr lang="en-US" altLang="ko-KR" dirty="0">
-                <a:latin typeface="나눔스퀘어 Light" panose="020B0600000101010101" pitchFamily="50" charset="-127"/>
-                <a:ea typeface="나눔스퀘어 Light" panose="020B0600000101010101" pitchFamily="50" charset="-127"/>
-              </a:rPr>
-              <a:t>6</a:t>
-            </a:r>
-            <a:r>
-              <a:rPr lang="ko-KR" altLang="en-US" dirty="0">
-                <a:latin typeface="나눔스퀘어 Light" panose="020B0600000101010101" pitchFamily="50" charset="-127"/>
-                <a:ea typeface="나눔스퀘어 Light" panose="020B0600000101010101" pitchFamily="50" charset="-127"/>
-              </a:rPr>
-              <a:t>을 전부 </a:t>
-            </a:r>
-            <a:r>
-              <a:rPr lang="en-US" altLang="ko-KR" dirty="0">
-                <a:latin typeface="나눔스퀘어 Light" panose="020B0600000101010101" pitchFamily="50" charset="-127"/>
-                <a:ea typeface="나눔스퀘어 Light" panose="020B0600000101010101" pitchFamily="50" charset="-127"/>
-              </a:rPr>
-              <a:t>6</a:t>
-            </a:r>
-            <a:r>
-              <a:rPr lang="ko-KR" altLang="en-US" dirty="0">
-                <a:latin typeface="나눔스퀘어 Light" panose="020B0600000101010101" pitchFamily="50" charset="-127"/>
-                <a:ea typeface="나눔스퀘어 Light" panose="020B0600000101010101" pitchFamily="50" charset="-127"/>
-              </a:rPr>
-              <a:t>으로 바꿔야함</a:t>
-            </a:r>
-          </a:p>
-        </p:txBody>
-      </p:sp>
-      <p:sp>
-        <p:nvSpPr>
-          <p:cNvPr id="4" name="TextBox 3">
-            <a:extLst>
-              <a:ext uri="{FF2B5EF4-FFF2-40B4-BE49-F238E27FC236}">
-                <a16:creationId xmlns:a16="http://schemas.microsoft.com/office/drawing/2014/main" id="{4FDDEF5F-C352-C7C8-3221-673D9CB18F39}"/>
-              </a:ext>
-            </a:extLst>
-          </p:cNvPr>
-          <p:cNvSpPr txBox="1"/>
-          <p:nvPr/>
-        </p:nvSpPr>
-        <p:spPr>
-          <a:xfrm>
-            <a:off x="942387" y="1559356"/>
-            <a:ext cx="10237694" cy="369332"/>
-          </a:xfrm>
-          <a:prstGeom prst="rect">
-            <a:avLst/>
-          </a:prstGeom>
-          <a:noFill/>
-        </p:spPr>
-        <p:txBody>
-          <a:bodyPr wrap="square" rtlCol="0">
-            <a:spAutoFit/>
-          </a:bodyPr>
-          <a:lstStyle/>
-          <a:p>
-            <a:r>
-              <a:rPr lang="ko-KR" altLang="en-US" dirty="0">
-                <a:latin typeface="나눔스퀘어 Light" panose="020B0600000101010101" pitchFamily="50" charset="-127"/>
-                <a:ea typeface="나눔스퀘어 Light" panose="020B0600000101010101" pitchFamily="50" charset="-127"/>
-              </a:rPr>
-              <a:t>최소화 할 땐 숫자의 </a:t>
-            </a:r>
-            <a:r>
-              <a:rPr lang="en-US" altLang="ko-KR" dirty="0">
-                <a:latin typeface="나눔스퀘어 Light" panose="020B0600000101010101" pitchFamily="50" charset="-127"/>
-                <a:ea typeface="나눔스퀘어 Light" panose="020B0600000101010101" pitchFamily="50" charset="-127"/>
-              </a:rPr>
-              <a:t>5 </a:t>
-            </a:r>
-            <a:r>
-              <a:rPr lang="ko-KR" altLang="en-US" dirty="0">
-                <a:latin typeface="나눔스퀘어 Light" panose="020B0600000101010101" pitchFamily="50" charset="-127"/>
-                <a:ea typeface="나눔스퀘어 Light" panose="020B0600000101010101" pitchFamily="50" charset="-127"/>
-              </a:rPr>
-              <a:t>또는 </a:t>
-            </a:r>
-            <a:r>
-              <a:rPr lang="en-US" altLang="ko-KR" dirty="0">
-                <a:latin typeface="나눔스퀘어 Light" panose="020B0600000101010101" pitchFamily="50" charset="-127"/>
-                <a:ea typeface="나눔스퀘어 Light" panose="020B0600000101010101" pitchFamily="50" charset="-127"/>
-              </a:rPr>
-              <a:t>6</a:t>
-            </a:r>
-            <a:r>
-              <a:rPr lang="ko-KR" altLang="en-US" dirty="0">
-                <a:latin typeface="나눔스퀘어 Light" panose="020B0600000101010101" pitchFamily="50" charset="-127"/>
-                <a:ea typeface="나눔스퀘어 Light" panose="020B0600000101010101" pitchFamily="50" charset="-127"/>
-              </a:rPr>
-              <a:t>을 전부 </a:t>
-            </a:r>
-            <a:r>
-              <a:rPr lang="en-US" altLang="ko-KR" dirty="0">
-                <a:latin typeface="나눔스퀘어 Light" panose="020B0600000101010101" pitchFamily="50" charset="-127"/>
-                <a:ea typeface="나눔스퀘어 Light" panose="020B0600000101010101" pitchFamily="50" charset="-127"/>
-              </a:rPr>
-              <a:t>5</a:t>
-            </a:r>
-            <a:r>
-              <a:rPr lang="ko-KR" altLang="en-US" dirty="0">
-                <a:latin typeface="나눔스퀘어 Light" panose="020B0600000101010101" pitchFamily="50" charset="-127"/>
-                <a:ea typeface="나눔스퀘어 Light" panose="020B0600000101010101" pitchFamily="50" charset="-127"/>
-              </a:rPr>
-              <a:t>로 바꾸면 수가 </a:t>
-            </a:r>
-            <a:r>
-              <a:rPr lang="ko-KR" altLang="en-US" dirty="0" err="1">
-                <a:latin typeface="나눔스퀘어 Light" panose="020B0600000101010101" pitchFamily="50" charset="-127"/>
-                <a:ea typeface="나눔스퀘어 Light" panose="020B0600000101010101" pitchFamily="50" charset="-127"/>
-              </a:rPr>
-              <a:t>작아짐</a:t>
-            </a:r>
-            <a:endParaRPr lang="ko-KR" altLang="en-US" dirty="0">
-              <a:latin typeface="나눔스퀘어 Light" panose="020B0600000101010101" pitchFamily="50" charset="-127"/>
-              <a:ea typeface="나눔스퀘어 Light" panose="020B0600000101010101" pitchFamily="50" charset="-127"/>
-            </a:endParaRPr>
-          </a:p>
-        </p:txBody>
-      </p:sp>
-      <p:sp>
-        <p:nvSpPr>
-          <p:cNvPr id="7" name="TextBox 6">
-            <a:extLst>
-              <a:ext uri="{FF2B5EF4-FFF2-40B4-BE49-F238E27FC236}">
-                <a16:creationId xmlns:a16="http://schemas.microsoft.com/office/drawing/2014/main" id="{7225289C-FF61-4F4C-C8C9-BC45955A3175}"/>
-              </a:ext>
-            </a:extLst>
-          </p:cNvPr>
-          <p:cNvSpPr txBox="1"/>
-          <p:nvPr/>
-        </p:nvSpPr>
-        <p:spPr>
-          <a:xfrm>
-            <a:off x="942387" y="2298020"/>
-            <a:ext cx="10237694" cy="369332"/>
-          </a:xfrm>
-          <a:prstGeom prst="rect">
-            <a:avLst/>
-          </a:prstGeom>
-          <a:noFill/>
-        </p:spPr>
-        <p:txBody>
-          <a:bodyPr wrap="square" rtlCol="0">
-            <a:spAutoFit/>
-          </a:bodyPr>
-          <a:lstStyle/>
-          <a:p>
-            <a:r>
-              <a:rPr lang="ko-KR" altLang="en-US" dirty="0">
-                <a:latin typeface="나눔스퀘어 Light" panose="020B0600000101010101" pitchFamily="50" charset="-127"/>
-                <a:ea typeface="나눔스퀘어 Light" panose="020B0600000101010101" pitchFamily="50" charset="-127"/>
-              </a:rPr>
-              <a:t>수 중간중간의 숫자들을 바꾸니</a:t>
-            </a:r>
-            <a:r>
-              <a:rPr lang="en-US" altLang="ko-KR" dirty="0">
-                <a:latin typeface="나눔스퀘어 Light" panose="020B0600000101010101" pitchFamily="50" charset="-127"/>
-                <a:ea typeface="나눔스퀘어 Light" panose="020B0600000101010101" pitchFamily="50" charset="-127"/>
-              </a:rPr>
-              <a:t>, </a:t>
-            </a:r>
-            <a:r>
-              <a:rPr lang="ko-KR" altLang="en-US" dirty="0">
-                <a:latin typeface="나눔스퀘어 Light" panose="020B0600000101010101" pitchFamily="50" charset="-127"/>
-                <a:ea typeface="나눔스퀘어 Light" panose="020B0600000101010101" pitchFamily="50" charset="-127"/>
-              </a:rPr>
-              <a:t>문자열로 다루는 게 편할 듯</a:t>
-            </a:r>
-            <a:r>
-              <a:rPr lang="en-US" altLang="ko-KR" dirty="0">
-                <a:latin typeface="나눔스퀘어 Light" panose="020B0600000101010101" pitchFamily="50" charset="-127"/>
-                <a:ea typeface="나눔스퀘어 Light" panose="020B0600000101010101" pitchFamily="50" charset="-127"/>
-              </a:rPr>
-              <a:t>(Implement,</a:t>
-            </a:r>
-            <a:r>
-              <a:rPr lang="ko-KR" altLang="en-US" dirty="0">
-                <a:latin typeface="나눔스퀘어 Light" panose="020B0600000101010101" pitchFamily="50" charset="-127"/>
-                <a:ea typeface="나눔스퀘어 Light" panose="020B0600000101010101" pitchFamily="50" charset="-127"/>
-              </a:rPr>
-              <a:t> </a:t>
-            </a:r>
-            <a:r>
-              <a:rPr lang="en-US" altLang="ko-KR" dirty="0">
-                <a:latin typeface="나눔스퀘어 Light" panose="020B0600000101010101" pitchFamily="50" charset="-127"/>
-                <a:ea typeface="나눔스퀘어 Light" panose="020B0600000101010101" pitchFamily="50" charset="-127"/>
-              </a:rPr>
-              <a:t>String</a:t>
-            </a:r>
-            <a:r>
-              <a:rPr lang="ko-KR" altLang="en-US" dirty="0">
-                <a:latin typeface="나눔스퀘어 Light" panose="020B0600000101010101" pitchFamily="50" charset="-127"/>
-                <a:ea typeface="나눔스퀘어 Light" panose="020B0600000101010101" pitchFamily="50" charset="-127"/>
-              </a:rPr>
-              <a:t> 관점</a:t>
-            </a:r>
-            <a:r>
-              <a:rPr lang="en-US" altLang="ko-KR" dirty="0">
-                <a:latin typeface="나눔스퀘어 Light" panose="020B0600000101010101" pitchFamily="50" charset="-127"/>
-                <a:ea typeface="나눔스퀘어 Light" panose="020B0600000101010101" pitchFamily="50" charset="-127"/>
-              </a:rPr>
-              <a:t>)</a:t>
-            </a:r>
-            <a:endParaRPr lang="ko-KR" altLang="en-US" dirty="0">
-              <a:latin typeface="나눔스퀘어 Light" panose="020B0600000101010101" pitchFamily="50" charset="-127"/>
-              <a:ea typeface="나눔스퀘어 Light" panose="020B0600000101010101" pitchFamily="50" charset="-127"/>
-            </a:endParaRPr>
-          </a:p>
-        </p:txBody>
-      </p:sp>
-      <p:pic>
-        <p:nvPicPr>
-          <p:cNvPr id="9" name="그림 8">
-            <a:extLst>
-              <a:ext uri="{FF2B5EF4-FFF2-40B4-BE49-F238E27FC236}">
-                <a16:creationId xmlns:a16="http://schemas.microsoft.com/office/drawing/2014/main" id="{86920FB3-CCDA-A581-5C1C-C2CB95CFB3AA}"/>
-              </a:ext>
-            </a:extLst>
-          </p:cNvPr>
-          <p:cNvPicPr>
-            <a:picLocks noChangeAspect="1"/>
-          </p:cNvPicPr>
-          <p:nvPr/>
-        </p:nvPicPr>
-        <p:blipFill>
-          <a:blip r:embed="rId2"/>
-          <a:stretch>
-            <a:fillRect/>
-          </a:stretch>
-        </p:blipFill>
-        <p:spPr>
-          <a:xfrm>
-            <a:off x="942387" y="2667352"/>
-            <a:ext cx="6966398" cy="3921984"/>
-          </a:xfrm>
-          <a:prstGeom prst="rect">
-            <a:avLst/>
-          </a:prstGeom>
-        </p:spPr>
-      </p:pic>
-      <p:sp>
-        <p:nvSpPr>
-          <p:cNvPr id="10" name="TextBox 9">
-            <a:extLst>
-              <a:ext uri="{FF2B5EF4-FFF2-40B4-BE49-F238E27FC236}">
-                <a16:creationId xmlns:a16="http://schemas.microsoft.com/office/drawing/2014/main" id="{2AA938F4-4857-834F-3BB2-891524DCE994}"/>
-              </a:ext>
-            </a:extLst>
-          </p:cNvPr>
-          <p:cNvSpPr txBox="1"/>
-          <p:nvPr/>
-        </p:nvSpPr>
-        <p:spPr>
-          <a:xfrm>
-            <a:off x="8050491" y="3705014"/>
-            <a:ext cx="3129590" cy="369332"/>
-          </a:xfrm>
-          <a:prstGeom prst="rect">
-            <a:avLst/>
-          </a:prstGeom>
-          <a:noFill/>
-        </p:spPr>
-        <p:txBody>
-          <a:bodyPr wrap="square" rtlCol="0">
-            <a:spAutoFit/>
-          </a:bodyPr>
-          <a:lstStyle/>
-          <a:p>
-            <a:r>
-              <a:rPr lang="ko-KR" altLang="en-US" dirty="0">
-                <a:latin typeface="나눔스퀘어 Light" panose="020B0600000101010101" pitchFamily="50" charset="-127"/>
-                <a:ea typeface="나눔스퀘어 Light" panose="020B0600000101010101" pitchFamily="50" charset="-127"/>
-              </a:rPr>
-              <a:t>정말 다양한 구현 방식의</a:t>
-            </a:r>
-          </a:p>
-        </p:txBody>
-      </p:sp>
-      <p:sp>
-        <p:nvSpPr>
-          <p:cNvPr id="11" name="TextBox 10">
-            <a:extLst>
-              <a:ext uri="{FF2B5EF4-FFF2-40B4-BE49-F238E27FC236}">
-                <a16:creationId xmlns:a16="http://schemas.microsoft.com/office/drawing/2014/main" id="{CD3CE99E-C0BC-B780-60B2-9504EAAD090E}"/>
-              </a:ext>
-            </a:extLst>
-          </p:cNvPr>
-          <p:cNvSpPr txBox="1"/>
-          <p:nvPr/>
-        </p:nvSpPr>
-        <p:spPr>
-          <a:xfrm>
-            <a:off x="8050491" y="4066886"/>
-            <a:ext cx="3129590" cy="369332"/>
-          </a:xfrm>
-          <a:prstGeom prst="rect">
-            <a:avLst/>
-          </a:prstGeom>
-          <a:noFill/>
-        </p:spPr>
-        <p:txBody>
-          <a:bodyPr wrap="square" rtlCol="0">
-            <a:spAutoFit/>
-          </a:bodyPr>
-          <a:lstStyle/>
-          <a:p>
-            <a:r>
-              <a:rPr lang="ko-KR" altLang="en-US" dirty="0">
-                <a:latin typeface="나눔스퀘어 Light" panose="020B0600000101010101" pitchFamily="50" charset="-127"/>
-                <a:ea typeface="나눔스퀘어 Light" panose="020B0600000101010101" pitchFamily="50" charset="-127"/>
-              </a:rPr>
-              <a:t>코드가 나올 </a:t>
-            </a:r>
-            <a:r>
-              <a:rPr lang="ko-KR" altLang="en-US">
-                <a:latin typeface="나눔스퀘어 Light" panose="020B0600000101010101" pitchFamily="50" charset="-127"/>
-                <a:ea typeface="나눔스퀘어 Light" panose="020B0600000101010101" pitchFamily="50" charset="-127"/>
-              </a:rPr>
-              <a:t>수 </a:t>
-            </a:r>
-            <a:r>
-              <a:rPr lang="ko-KR" altLang="en-US" dirty="0" err="1">
-                <a:latin typeface="나눔스퀘어 Light" panose="020B0600000101010101" pitchFamily="50" charset="-127"/>
-                <a:ea typeface="나눔스퀘어 Light" panose="020B0600000101010101" pitchFamily="50" charset="-127"/>
-              </a:rPr>
-              <a:t>있을법한</a:t>
-            </a:r>
-            <a:r>
-              <a:rPr lang="ko-KR" altLang="en-US" dirty="0">
-                <a:latin typeface="나눔스퀘어 Light" panose="020B0600000101010101" pitchFamily="50" charset="-127"/>
-                <a:ea typeface="나눔스퀘어 Light" panose="020B0600000101010101" pitchFamily="50" charset="-127"/>
-              </a:rPr>
-              <a:t> 문제</a:t>
-            </a:r>
-          </a:p>
-        </p:txBody>
-      </p:sp>
-      <p:sp>
-        <p:nvSpPr>
-          <p:cNvPr id="12" name="TextBox 11">
-            <a:extLst>
-              <a:ext uri="{FF2B5EF4-FFF2-40B4-BE49-F238E27FC236}">
-                <a16:creationId xmlns:a16="http://schemas.microsoft.com/office/drawing/2014/main" id="{A4B26BED-2E8C-B366-ED73-9A4C5ECC378E}"/>
-              </a:ext>
-            </a:extLst>
-          </p:cNvPr>
-          <p:cNvSpPr txBox="1"/>
-          <p:nvPr/>
-        </p:nvSpPr>
-        <p:spPr>
-          <a:xfrm>
-            <a:off x="8050491" y="4742676"/>
-            <a:ext cx="3129590" cy="369332"/>
-          </a:xfrm>
-          <a:prstGeom prst="rect">
-            <a:avLst/>
-          </a:prstGeom>
-          <a:noFill/>
-        </p:spPr>
-        <p:txBody>
-          <a:bodyPr wrap="square" rtlCol="0">
-            <a:spAutoFit/>
-          </a:bodyPr>
-          <a:lstStyle/>
-          <a:p>
-            <a:r>
-              <a:rPr lang="en-US" altLang="ko-KR" dirty="0">
-                <a:latin typeface="나눔스퀘어 Light" panose="020B0600000101010101" pitchFamily="50" charset="-127"/>
-                <a:ea typeface="나눔스퀘어 Light" panose="020B0600000101010101" pitchFamily="50" charset="-127"/>
-              </a:rPr>
-              <a:t>(</a:t>
-            </a:r>
-            <a:r>
-              <a:rPr lang="ko-KR" altLang="en-US" dirty="0">
-                <a:latin typeface="나눔스퀘어 Light" panose="020B0600000101010101" pitchFamily="50" charset="-127"/>
-                <a:ea typeface="나눔스퀘어 Light" panose="020B0600000101010101" pitchFamily="50" charset="-127"/>
-              </a:rPr>
-              <a:t>이 코드가 정해는</a:t>
-            </a:r>
-          </a:p>
-        </p:txBody>
-      </p:sp>
-      <p:sp>
-        <p:nvSpPr>
-          <p:cNvPr id="13" name="TextBox 12">
-            <a:extLst>
-              <a:ext uri="{FF2B5EF4-FFF2-40B4-BE49-F238E27FC236}">
-                <a16:creationId xmlns:a16="http://schemas.microsoft.com/office/drawing/2014/main" id="{ADDD5EC7-EF07-A56A-317B-8A3276050D30}"/>
-              </a:ext>
-            </a:extLst>
-          </p:cNvPr>
-          <p:cNvSpPr txBox="1"/>
-          <p:nvPr/>
-        </p:nvSpPr>
-        <p:spPr>
-          <a:xfrm>
-            <a:off x="8050491" y="5113978"/>
-            <a:ext cx="3129590" cy="369332"/>
-          </a:xfrm>
-          <a:prstGeom prst="rect">
-            <a:avLst/>
-          </a:prstGeom>
-          <a:noFill/>
-        </p:spPr>
-        <p:txBody>
-          <a:bodyPr wrap="square" rtlCol="0">
-            <a:spAutoFit/>
-          </a:bodyPr>
-          <a:lstStyle/>
-          <a:p>
-            <a:r>
-              <a:rPr lang="ko-KR" altLang="en-US" dirty="0">
-                <a:latin typeface="나눔스퀘어 Light" panose="020B0600000101010101" pitchFamily="50" charset="-127"/>
-                <a:ea typeface="나눔스퀘어 Light" panose="020B0600000101010101" pitchFamily="50" charset="-127"/>
-              </a:rPr>
-              <a:t>절대 아닙니다</a:t>
-            </a:r>
-            <a:r>
-              <a:rPr lang="en-US" altLang="ko-KR" dirty="0">
-                <a:latin typeface="나눔스퀘어 Light" panose="020B0600000101010101" pitchFamily="50" charset="-127"/>
-                <a:ea typeface="나눔스퀘어 Light" panose="020B0600000101010101" pitchFamily="50" charset="-127"/>
-              </a:rPr>
-              <a:t>.)</a:t>
-            </a:r>
-            <a:endParaRPr lang="ko-KR" altLang="en-US" dirty="0">
-              <a:latin typeface="나눔스퀘어 Light" panose="020B0600000101010101" pitchFamily="50" charset="-127"/>
-              <a:ea typeface="나눔스퀘어 Light" panose="020B0600000101010101" pitchFamily="50" charset="-127"/>
-            </a:endParaRPr>
+              <a:t>라이브러리를 사용</a:t>
+            </a:r>
           </a:p>
         </p:txBody>
       </p:sp>
     </p:spTree>
     <p:extLst>
       <p:ext uri="{BB962C8B-B14F-4D97-AF65-F5344CB8AC3E}">
-        <p14:creationId xmlns:p14="http://schemas.microsoft.com/office/powerpoint/2010/main" val="1899511053"/>
+        <p14:creationId xmlns:p14="http://schemas.microsoft.com/office/powerpoint/2010/main" val="36971579"/>
       </p:ext>
     </p:extLst>
   </p:cSld>
@@ -5282,10 +4767,10 @@
       </p:cxnSp>
       <p:sp>
         <p:nvSpPr>
-          <p:cNvPr id="6" name="TextBox 5">
-            <a:extLst>
-              <a:ext uri="{FF2B5EF4-FFF2-40B4-BE49-F238E27FC236}">
-                <a16:creationId xmlns:a16="http://schemas.microsoft.com/office/drawing/2014/main" id="{4D81AF7D-5258-8E15-FF02-E90D5EDB63A3}"/>
+          <p:cNvPr id="2" name="TextBox 1">
+            <a:extLst>
+              <a:ext uri="{FF2B5EF4-FFF2-40B4-BE49-F238E27FC236}">
+                <a16:creationId xmlns:a16="http://schemas.microsoft.com/office/drawing/2014/main" id="{7C0672DE-9A16-449C-C1E8-53F4FCB0C57F}"/>
               </a:ext>
             </a:extLst>
           </p:cNvPr>
@@ -5295,7 +4780,7 @@
         <p:spPr>
           <a:xfrm>
             <a:off x="331694" y="177505"/>
-            <a:ext cx="4827475" cy="523220"/>
+            <a:ext cx="2826415" cy="523220"/>
           </a:xfrm>
           <a:prstGeom prst="rect">
             <a:avLst/>
@@ -5313,7 +4798,7 @@
                 <a:latin typeface="나눔스퀘어 Bold" panose="020B0600000101010101" pitchFamily="50" charset="-127"/>
                 <a:ea typeface="나눔스퀘어 Bold" panose="020B0600000101010101" pitchFamily="50" charset="-127"/>
               </a:rPr>
-              <a:t>Greedy</a:t>
+              <a:t>DS</a:t>
             </a:r>
             <a:r>
               <a:rPr lang="ko-KR" altLang="en-US" sz="2800" dirty="0">
@@ -5327,14 +4812,21 @@
                 <a:latin typeface="나눔스퀘어 Bold" panose="020B0600000101010101" pitchFamily="50" charset="-127"/>
                 <a:ea typeface="나눔스퀘어 Bold" panose="020B0600000101010101" pitchFamily="50" charset="-127"/>
               </a:rPr>
-              <a:t>– 16435 </a:t>
-            </a:r>
-            <a:r>
-              <a:rPr lang="ko-KR" altLang="en-US" sz="2800" dirty="0" err="1">
+              <a:t>– 2164 </a:t>
+            </a:r>
+            <a:r>
+              <a:rPr lang="ko-KR" altLang="en-US" sz="2800" dirty="0">
                 <a:latin typeface="나눔스퀘어 Bold" panose="020B0600000101010101" pitchFamily="50" charset="-127"/>
                 <a:ea typeface="나눔스퀘어 Bold" panose="020B0600000101010101" pitchFamily="50" charset="-127"/>
               </a:rPr>
-              <a:t>스네이크버드</a:t>
+              <a:t>카드</a:t>
+            </a:r>
+            <a:r>
+              <a:rPr lang="en-US" altLang="ko-KR" sz="2800" dirty="0">
+                <a:latin typeface="나눔스퀘어 Bold" panose="020B0600000101010101" pitchFamily="50" charset="-127"/>
+                <a:ea typeface="나눔스퀘어 Bold" panose="020B0600000101010101" pitchFamily="50" charset="-127"/>
+              </a:rPr>
+              <a:t>2</a:t>
             </a:r>
             <a:endParaRPr lang="ko-KR" altLang="en-US" sz="2800" dirty="0">
               <a:latin typeface="나눔스퀘어 Bold" panose="020B0600000101010101" pitchFamily="50" charset="-127"/>
@@ -5345,10 +4837,10 @@
       </p:sp>
       <p:pic>
         <p:nvPicPr>
-          <p:cNvPr id="3" name="그림 2">
-            <a:extLst>
-              <a:ext uri="{FF2B5EF4-FFF2-40B4-BE49-F238E27FC236}">
-                <a16:creationId xmlns:a16="http://schemas.microsoft.com/office/drawing/2014/main" id="{FA589C46-CD63-5AC6-8332-ABB2E4C406BE}"/>
+          <p:cNvPr id="4" name="그림 3">
+            <a:extLst>
+              <a:ext uri="{FF2B5EF4-FFF2-40B4-BE49-F238E27FC236}">
+                <a16:creationId xmlns:a16="http://schemas.microsoft.com/office/drawing/2014/main" id="{B33FFAC5-1C7A-59B5-8C86-A8D769B542A0}"/>
               </a:ext>
             </a:extLst>
           </p:cNvPr>
@@ -5365,128 +4857,8 @@
         </p:blipFill>
         <p:spPr>
           <a:xfrm>
-            <a:off x="331694" y="1007277"/>
-            <a:ext cx="7195942" cy="4939507"/>
-          </a:xfrm>
-          <a:prstGeom prst="rect">
-            <a:avLst/>
-          </a:prstGeom>
-        </p:spPr>
-      </p:pic>
-      <p:pic>
-        <p:nvPicPr>
-          <p:cNvPr id="8" name="그림 7">
-            <a:extLst>
-              <a:ext uri="{FF2B5EF4-FFF2-40B4-BE49-F238E27FC236}">
-                <a16:creationId xmlns:a16="http://schemas.microsoft.com/office/drawing/2014/main" id="{4B39361B-96FC-AED7-0117-C2247189F31B}"/>
-              </a:ext>
-            </a:extLst>
-          </p:cNvPr>
-          <p:cNvPicPr>
-            <a:picLocks noChangeAspect="1"/>
-          </p:cNvPicPr>
-          <p:nvPr/>
-        </p:nvPicPr>
-        <p:blipFill>
-          <a:blip r:embed="rId3"/>
-          <a:stretch>
-            <a:fillRect/>
-          </a:stretch>
-        </p:blipFill>
-        <p:spPr>
-          <a:xfrm>
-            <a:off x="4837449" y="5007753"/>
-            <a:ext cx="1371791" cy="1257475"/>
-          </a:xfrm>
-          <a:prstGeom prst="rect">
-            <a:avLst/>
-          </a:prstGeom>
-        </p:spPr>
-      </p:pic>
-      <p:pic>
-        <p:nvPicPr>
-          <p:cNvPr id="12" name="그림 11">
-            <a:extLst>
-              <a:ext uri="{FF2B5EF4-FFF2-40B4-BE49-F238E27FC236}">
-                <a16:creationId xmlns:a16="http://schemas.microsoft.com/office/drawing/2014/main" id="{7B61A6F2-563B-9EB0-FDE9-71C29B084B05}"/>
-              </a:ext>
-            </a:extLst>
-          </p:cNvPr>
-          <p:cNvPicPr>
-            <a:picLocks noChangeAspect="1"/>
-          </p:cNvPicPr>
-          <p:nvPr/>
-        </p:nvPicPr>
-        <p:blipFill>
-          <a:blip r:embed="rId4"/>
-          <a:stretch>
-            <a:fillRect/>
-          </a:stretch>
-        </p:blipFill>
-        <p:spPr>
-          <a:xfrm>
-            <a:off x="6333451" y="5026808"/>
-            <a:ext cx="1390844" cy="962159"/>
-          </a:xfrm>
-          <a:prstGeom prst="rect">
-            <a:avLst/>
-          </a:prstGeom>
-        </p:spPr>
-      </p:pic>
-      <p:pic>
-        <p:nvPicPr>
-          <p:cNvPr id="16" name="그림 15">
-            <a:extLst>
-              <a:ext uri="{FF2B5EF4-FFF2-40B4-BE49-F238E27FC236}">
-                <a16:creationId xmlns:a16="http://schemas.microsoft.com/office/drawing/2014/main" id="{15810030-2028-54BF-A319-92C2E28410B0}"/>
-              </a:ext>
-            </a:extLst>
-          </p:cNvPr>
-          <p:cNvPicPr>
-            <a:picLocks noChangeAspect="1"/>
-          </p:cNvPicPr>
-          <p:nvPr/>
-        </p:nvPicPr>
-        <p:blipFill>
-          <a:blip r:embed="rId5"/>
-          <a:stretch>
-            <a:fillRect/>
-          </a:stretch>
-        </p:blipFill>
-        <p:spPr>
-          <a:xfrm>
-            <a:off x="8103186" y="5026808"/>
-            <a:ext cx="1933845" cy="1190791"/>
-          </a:xfrm>
-          <a:prstGeom prst="rect">
-            <a:avLst/>
-          </a:prstGeom>
-        </p:spPr>
-      </p:pic>
-      <p:pic>
-        <p:nvPicPr>
-          <p:cNvPr id="20" name="그림 19">
-            <a:extLst>
-              <a:ext uri="{FF2B5EF4-FFF2-40B4-BE49-F238E27FC236}">
-                <a16:creationId xmlns:a16="http://schemas.microsoft.com/office/drawing/2014/main" id="{E672CC38-A8B9-36FD-E0BA-9BEDE6F718E8}"/>
-              </a:ext>
-            </a:extLst>
-          </p:cNvPr>
-          <p:cNvPicPr>
-            <a:picLocks noChangeAspect="1"/>
-          </p:cNvPicPr>
-          <p:nvPr/>
-        </p:nvPicPr>
-        <p:blipFill>
-          <a:blip r:embed="rId6"/>
-          <a:stretch>
-            <a:fillRect/>
-          </a:stretch>
-        </p:blipFill>
-        <p:spPr>
-          <a:xfrm>
-            <a:off x="10157304" y="5026808"/>
-            <a:ext cx="1362265" cy="990738"/>
+            <a:off x="331694" y="951198"/>
+            <a:ext cx="10671142" cy="5779270"/>
           </a:xfrm>
           <a:prstGeom prst="rect">
             <a:avLst/>
@@ -5496,7 +4868,7 @@
     </p:spTree>
     <p:extLst>
       <p:ext uri="{BB962C8B-B14F-4D97-AF65-F5344CB8AC3E}">
-        <p14:creationId xmlns:p14="http://schemas.microsoft.com/office/powerpoint/2010/main" val="3612086494"/>
+        <p14:creationId xmlns:p14="http://schemas.microsoft.com/office/powerpoint/2010/main" val="2401598668"/>
       </p:ext>
     </p:extLst>
   </p:cSld>
@@ -5569,10 +4941,10 @@
       </p:cxnSp>
       <p:sp>
         <p:nvSpPr>
-          <p:cNvPr id="6" name="TextBox 5">
-            <a:extLst>
-              <a:ext uri="{FF2B5EF4-FFF2-40B4-BE49-F238E27FC236}">
-                <a16:creationId xmlns:a16="http://schemas.microsoft.com/office/drawing/2014/main" id="{4D81AF7D-5258-8E15-FF02-E90D5EDB63A3}"/>
+          <p:cNvPr id="2" name="TextBox 1">
+            <a:extLst>
+              <a:ext uri="{FF2B5EF4-FFF2-40B4-BE49-F238E27FC236}">
+                <a16:creationId xmlns:a16="http://schemas.microsoft.com/office/drawing/2014/main" id="{6C7D9011-D631-3335-93A5-B2BD13DFC2BF}"/>
               </a:ext>
             </a:extLst>
           </p:cNvPr>
@@ -5582,7 +4954,7 @@
         <p:spPr>
           <a:xfrm>
             <a:off x="331694" y="177505"/>
-            <a:ext cx="4827475" cy="523220"/>
+            <a:ext cx="2826415" cy="523220"/>
           </a:xfrm>
           <a:prstGeom prst="rect">
             <a:avLst/>
@@ -5600,7 +4972,7 @@
                 <a:latin typeface="나눔스퀘어 Bold" panose="020B0600000101010101" pitchFamily="50" charset="-127"/>
                 <a:ea typeface="나눔스퀘어 Bold" panose="020B0600000101010101" pitchFamily="50" charset="-127"/>
               </a:rPr>
-              <a:t>Greedy</a:t>
+              <a:t>DS</a:t>
             </a:r>
             <a:r>
               <a:rPr lang="ko-KR" altLang="en-US" sz="2800" dirty="0">
@@ -5614,14 +4986,21 @@
                 <a:latin typeface="나눔스퀘어 Bold" panose="020B0600000101010101" pitchFamily="50" charset="-127"/>
                 <a:ea typeface="나눔스퀘어 Bold" panose="020B0600000101010101" pitchFamily="50" charset="-127"/>
               </a:rPr>
-              <a:t>– 16435 </a:t>
-            </a:r>
-            <a:r>
-              <a:rPr lang="ko-KR" altLang="en-US" sz="2800" dirty="0" err="1">
+              <a:t>– 2164 </a:t>
+            </a:r>
+            <a:r>
+              <a:rPr lang="ko-KR" altLang="en-US" sz="2800" dirty="0">
                 <a:latin typeface="나눔스퀘어 Bold" panose="020B0600000101010101" pitchFamily="50" charset="-127"/>
                 <a:ea typeface="나눔스퀘어 Bold" panose="020B0600000101010101" pitchFamily="50" charset="-127"/>
               </a:rPr>
-              <a:t>스네이크버드</a:t>
+              <a:t>카드</a:t>
+            </a:r>
+            <a:r>
+              <a:rPr lang="en-US" altLang="ko-KR" sz="2800" dirty="0">
+                <a:latin typeface="나눔스퀘어 Bold" panose="020B0600000101010101" pitchFamily="50" charset="-127"/>
+                <a:ea typeface="나눔스퀘어 Bold" panose="020B0600000101010101" pitchFamily="50" charset="-127"/>
+              </a:rPr>
+              <a:t>2</a:t>
             </a:r>
             <a:endParaRPr lang="ko-KR" altLang="en-US" sz="2800" dirty="0">
               <a:latin typeface="나눔스퀘어 Bold" panose="020B0600000101010101" pitchFamily="50" charset="-127"/>
@@ -5630,494 +5009,10 @@
           </a:p>
         </p:txBody>
       </p:sp>
-      <p:sp>
-        <p:nvSpPr>
-          <p:cNvPr id="3" name="TextBox 2">
-            <a:extLst>
-              <a:ext uri="{FF2B5EF4-FFF2-40B4-BE49-F238E27FC236}">
-                <a16:creationId xmlns:a16="http://schemas.microsoft.com/office/drawing/2014/main" id="{B99D022C-128B-C352-D829-441470D0CF4E}"/>
-              </a:ext>
-            </a:extLst>
-          </p:cNvPr>
-          <p:cNvSpPr txBox="1"/>
-          <p:nvPr/>
-        </p:nvSpPr>
-        <p:spPr>
-          <a:xfrm>
-            <a:off x="942387" y="1190024"/>
-            <a:ext cx="10237694" cy="369332"/>
-          </a:xfrm>
-          <a:prstGeom prst="rect">
-            <a:avLst/>
-          </a:prstGeom>
-          <a:noFill/>
-        </p:spPr>
-        <p:txBody>
-          <a:bodyPr wrap="square" rtlCol="0">
-            <a:spAutoFit/>
-          </a:bodyPr>
-          <a:lstStyle/>
-          <a:p>
-            <a:r>
-              <a:rPr lang="ko-KR" altLang="en-US" dirty="0">
-                <a:latin typeface="나눔스퀘어 Light" panose="020B0600000101010101" pitchFamily="50" charset="-127"/>
-                <a:ea typeface="나눔스퀘어 Light" panose="020B0600000101010101" pitchFamily="50" charset="-127"/>
-              </a:rPr>
-              <a:t>높은 곳에 있던</a:t>
-            </a:r>
-            <a:r>
-              <a:rPr lang="en-US" altLang="ko-KR" dirty="0">
-                <a:latin typeface="나눔스퀘어 Light" panose="020B0600000101010101" pitchFamily="50" charset="-127"/>
-                <a:ea typeface="나눔스퀘어 Light" panose="020B0600000101010101" pitchFamily="50" charset="-127"/>
-              </a:rPr>
-              <a:t>, </a:t>
-            </a:r>
-            <a:r>
-              <a:rPr lang="ko-KR" altLang="en-US" dirty="0">
-                <a:latin typeface="나눔스퀘어 Light" panose="020B0600000101010101" pitchFamily="50" charset="-127"/>
-                <a:ea typeface="나눔스퀘어 Light" panose="020B0600000101010101" pitchFamily="50" charset="-127"/>
-              </a:rPr>
-              <a:t>낮은 곳에 있던 어느 과일이든 먹으면 이득</a:t>
-            </a:r>
-            <a:r>
-              <a:rPr lang="en-US" altLang="ko-KR" dirty="0">
-                <a:latin typeface="나눔스퀘어 Light" panose="020B0600000101010101" pitchFamily="50" charset="-127"/>
-                <a:ea typeface="나눔스퀘어 Light" panose="020B0600000101010101" pitchFamily="50" charset="-127"/>
-              </a:rPr>
-              <a:t>(</a:t>
-            </a:r>
-            <a:r>
-              <a:rPr lang="ko-KR" altLang="en-US" dirty="0">
-                <a:latin typeface="나눔스퀘어 Light" panose="020B0600000101010101" pitchFamily="50" charset="-127"/>
-                <a:ea typeface="나눔스퀘어 Light" panose="020B0600000101010101" pitchFamily="50" charset="-127"/>
-              </a:rPr>
-              <a:t>늘어나는 길이</a:t>
-            </a:r>
-            <a:r>
-              <a:rPr lang="en-US" altLang="ko-KR" dirty="0">
-                <a:latin typeface="나눔스퀘어 Light" panose="020B0600000101010101" pitchFamily="50" charset="-127"/>
-                <a:ea typeface="나눔스퀘어 Light" panose="020B0600000101010101" pitchFamily="50" charset="-127"/>
-              </a:rPr>
-              <a:t>)</a:t>
-            </a:r>
-            <a:r>
-              <a:rPr lang="ko-KR" altLang="en-US" dirty="0">
-                <a:latin typeface="나눔스퀘어 Light" panose="020B0600000101010101" pitchFamily="50" charset="-127"/>
-                <a:ea typeface="나눔스퀘어 Light" panose="020B0600000101010101" pitchFamily="50" charset="-127"/>
-              </a:rPr>
-              <a:t>이 </a:t>
-            </a:r>
-            <a:r>
-              <a:rPr lang="en-US" altLang="ko-KR" dirty="0">
-                <a:latin typeface="나눔스퀘어 Light" panose="020B0600000101010101" pitchFamily="50" charset="-127"/>
-                <a:ea typeface="나눔스퀘어 Light" panose="020B0600000101010101" pitchFamily="50" charset="-127"/>
-              </a:rPr>
-              <a:t>1</a:t>
-            </a:r>
-            <a:r>
-              <a:rPr lang="ko-KR" altLang="en-US" dirty="0">
-                <a:latin typeface="나눔스퀘어 Light" panose="020B0600000101010101" pitchFamily="50" charset="-127"/>
-                <a:ea typeface="나눔스퀘어 Light" panose="020B0600000101010101" pitchFamily="50" charset="-127"/>
-              </a:rPr>
-              <a:t>로 동일합니다</a:t>
-            </a:r>
-            <a:r>
-              <a:rPr lang="en-US" altLang="ko-KR" dirty="0">
-                <a:latin typeface="나눔스퀘어 Light" panose="020B0600000101010101" pitchFamily="50" charset="-127"/>
-                <a:ea typeface="나눔스퀘어 Light" panose="020B0600000101010101" pitchFamily="50" charset="-127"/>
-              </a:rPr>
-              <a:t>.</a:t>
-            </a:r>
-            <a:endParaRPr lang="ko-KR" altLang="en-US" dirty="0">
-              <a:latin typeface="나눔스퀘어 Light" panose="020B0600000101010101" pitchFamily="50" charset="-127"/>
-              <a:ea typeface="나눔스퀘어 Light" panose="020B0600000101010101" pitchFamily="50" charset="-127"/>
-            </a:endParaRPr>
-          </a:p>
-        </p:txBody>
-      </p:sp>
-      <p:sp>
-        <p:nvSpPr>
-          <p:cNvPr id="4" name="TextBox 3">
-            <a:extLst>
-              <a:ext uri="{FF2B5EF4-FFF2-40B4-BE49-F238E27FC236}">
-                <a16:creationId xmlns:a16="http://schemas.microsoft.com/office/drawing/2014/main" id="{7AC2BEC7-2F14-A09C-A717-39FC82979DC5}"/>
-              </a:ext>
-            </a:extLst>
-          </p:cNvPr>
-          <p:cNvSpPr txBox="1"/>
-          <p:nvPr/>
-        </p:nvSpPr>
-        <p:spPr>
-          <a:xfrm>
-            <a:off x="942387" y="1559356"/>
-            <a:ext cx="10237694" cy="369332"/>
-          </a:xfrm>
-          <a:prstGeom prst="rect">
-            <a:avLst/>
-          </a:prstGeom>
-          <a:noFill/>
-        </p:spPr>
-        <p:txBody>
-          <a:bodyPr wrap="square" rtlCol="0">
-            <a:spAutoFit/>
-          </a:bodyPr>
-          <a:lstStyle/>
-          <a:p>
-            <a:r>
-              <a:rPr lang="ko-KR" altLang="en-US" dirty="0">
-                <a:latin typeface="나눔스퀘어 Light" panose="020B0600000101010101" pitchFamily="50" charset="-127"/>
-                <a:ea typeface="나눔스퀘어 Light" panose="020B0600000101010101" pitchFamily="50" charset="-127"/>
-              </a:rPr>
-              <a:t>그러면</a:t>
-            </a:r>
-            <a:r>
-              <a:rPr lang="en-US" altLang="ko-KR" dirty="0">
-                <a:latin typeface="나눔스퀘어 Light" panose="020B0600000101010101" pitchFamily="50" charset="-127"/>
-                <a:ea typeface="나눔스퀘어 Light" panose="020B0600000101010101" pitchFamily="50" charset="-127"/>
-              </a:rPr>
-              <a:t>, </a:t>
-            </a:r>
-            <a:r>
-              <a:rPr lang="ko-KR" altLang="en-US" dirty="0">
-                <a:latin typeface="나눔스퀘어 Light" panose="020B0600000101010101" pitchFamily="50" charset="-127"/>
-                <a:ea typeface="나눔스퀘어 Light" panose="020B0600000101010101" pitchFamily="50" charset="-127"/>
-              </a:rPr>
-              <a:t>먹을 수 있는 과일부터 먹는게 이득임을 알 수 있습니다</a:t>
-            </a:r>
-            <a:r>
-              <a:rPr lang="en-US" altLang="ko-KR" dirty="0">
-                <a:latin typeface="나눔스퀘어 Light" panose="020B0600000101010101" pitchFamily="50" charset="-127"/>
-                <a:ea typeface="나눔스퀘어 Light" panose="020B0600000101010101" pitchFamily="50" charset="-127"/>
-              </a:rPr>
-              <a:t>.</a:t>
-            </a:r>
-            <a:endParaRPr lang="ko-KR" altLang="en-US" dirty="0">
-              <a:latin typeface="나눔스퀘어 Light" panose="020B0600000101010101" pitchFamily="50" charset="-127"/>
-              <a:ea typeface="나눔스퀘어 Light" panose="020B0600000101010101" pitchFamily="50" charset="-127"/>
-            </a:endParaRPr>
-          </a:p>
-        </p:txBody>
-      </p:sp>
-      <p:sp>
-        <p:nvSpPr>
-          <p:cNvPr id="7" name="TextBox 6">
-            <a:extLst>
-              <a:ext uri="{FF2B5EF4-FFF2-40B4-BE49-F238E27FC236}">
-                <a16:creationId xmlns:a16="http://schemas.microsoft.com/office/drawing/2014/main" id="{312981FD-0889-E0F2-A051-3E294CEB712F}"/>
-              </a:ext>
-            </a:extLst>
-          </p:cNvPr>
-          <p:cNvSpPr txBox="1"/>
-          <p:nvPr/>
-        </p:nvSpPr>
-        <p:spPr>
-          <a:xfrm>
-            <a:off x="942387" y="2667352"/>
-            <a:ext cx="10237694" cy="369332"/>
-          </a:xfrm>
-          <a:prstGeom prst="rect">
-            <a:avLst/>
-          </a:prstGeom>
-          <a:noFill/>
-        </p:spPr>
-        <p:txBody>
-          <a:bodyPr wrap="square" rtlCol="0">
-            <a:spAutoFit/>
-          </a:bodyPr>
-          <a:lstStyle/>
-          <a:p>
-            <a:r>
-              <a:rPr lang="ko-KR" altLang="en-US" dirty="0">
-                <a:latin typeface="나눔스퀘어 Light" panose="020B0600000101010101" pitchFamily="50" charset="-127"/>
-                <a:ea typeface="나눔스퀘어 Light" panose="020B0600000101010101" pitchFamily="50" charset="-127"/>
-              </a:rPr>
-              <a:t>먹을 수 있는 과일 순 → </a:t>
-            </a:r>
-            <a:r>
-              <a:rPr lang="en-US" altLang="ko-KR" dirty="0">
-                <a:latin typeface="나눔스퀘어 Light" panose="020B0600000101010101" pitchFamily="50" charset="-127"/>
-                <a:ea typeface="나눔스퀘어 Light" panose="020B0600000101010101" pitchFamily="50" charset="-127"/>
-              </a:rPr>
-              <a:t>(</a:t>
-            </a:r>
-            <a:r>
-              <a:rPr lang="ko-KR" altLang="en-US" dirty="0">
-                <a:latin typeface="나눔스퀘어 Light" panose="020B0600000101010101" pitchFamily="50" charset="-127"/>
-                <a:ea typeface="나눔스퀘어 Light" panose="020B0600000101010101" pitchFamily="50" charset="-127"/>
-              </a:rPr>
-              <a:t>높이</a:t>
-            </a:r>
-            <a:r>
-              <a:rPr lang="en-US" altLang="ko-KR" dirty="0">
-                <a:latin typeface="나눔스퀘어 Light" panose="020B0600000101010101" pitchFamily="50" charset="-127"/>
-                <a:ea typeface="나눔스퀘어 Light" panose="020B0600000101010101" pitchFamily="50" charset="-127"/>
-              </a:rPr>
-              <a:t>)</a:t>
-            </a:r>
-            <a:r>
-              <a:rPr lang="ko-KR" altLang="en-US" dirty="0">
-                <a:latin typeface="나눔스퀘어 Light" panose="020B0600000101010101" pitchFamily="50" charset="-127"/>
-                <a:ea typeface="나눔스퀘어 Light" panose="020B0600000101010101" pitchFamily="50" charset="-127"/>
-              </a:rPr>
-              <a:t>오름차순</a:t>
-            </a:r>
-          </a:p>
-        </p:txBody>
-      </p:sp>
-      <p:sp>
-        <p:nvSpPr>
-          <p:cNvPr id="8" name="TextBox 7">
-            <a:extLst>
-              <a:ext uri="{FF2B5EF4-FFF2-40B4-BE49-F238E27FC236}">
-                <a16:creationId xmlns:a16="http://schemas.microsoft.com/office/drawing/2014/main" id="{D7E50A58-E52B-6FEC-3A29-9FE46CB3E6CD}"/>
-              </a:ext>
-            </a:extLst>
-          </p:cNvPr>
-          <p:cNvSpPr txBox="1"/>
-          <p:nvPr/>
-        </p:nvSpPr>
-        <p:spPr>
-          <a:xfrm>
-            <a:off x="942387" y="3036684"/>
-            <a:ext cx="10237694" cy="369332"/>
-          </a:xfrm>
-          <a:prstGeom prst="rect">
-            <a:avLst/>
-          </a:prstGeom>
-          <a:noFill/>
-        </p:spPr>
-        <p:txBody>
-          <a:bodyPr wrap="square" rtlCol="0">
-            <a:spAutoFit/>
-          </a:bodyPr>
-          <a:lstStyle/>
-          <a:p>
-            <a:r>
-              <a:rPr lang="ko-KR" altLang="en-US" dirty="0">
-                <a:latin typeface="나눔스퀘어 Light" panose="020B0600000101010101" pitchFamily="50" charset="-127"/>
-                <a:ea typeface="나눔스퀘어 Light" panose="020B0600000101010101" pitchFamily="50" charset="-127"/>
-              </a:rPr>
-              <a:t>오름차순으로 과일을 먹을 수 있을 때</a:t>
-            </a:r>
-            <a:r>
-              <a:rPr lang="en-US" altLang="ko-KR" dirty="0">
-                <a:latin typeface="나눔스퀘어 Light" panose="020B0600000101010101" pitchFamily="50" charset="-127"/>
-                <a:ea typeface="나눔스퀘어 Light" panose="020B0600000101010101" pitchFamily="50" charset="-127"/>
-              </a:rPr>
-              <a:t>(</a:t>
-            </a:r>
-            <a:r>
-              <a:rPr lang="ko-KR" altLang="en-US" dirty="0">
-                <a:latin typeface="나눔스퀘어 Light" panose="020B0600000101010101" pitchFamily="50" charset="-127"/>
-                <a:ea typeface="나눔스퀘어 Light" panose="020B0600000101010101" pitchFamily="50" charset="-127"/>
-              </a:rPr>
-              <a:t>과일 높이 </a:t>
-            </a:r>
-            <a:r>
-              <a:rPr lang="en-US" altLang="ko-KR" dirty="0">
-                <a:latin typeface="나눔스퀘어 Light" panose="020B0600000101010101" pitchFamily="50" charset="-127"/>
-                <a:ea typeface="나눔스퀘어 Light" panose="020B0600000101010101" pitchFamily="50" charset="-127"/>
-              </a:rPr>
-              <a:t>&lt;= </a:t>
-            </a:r>
-            <a:r>
-              <a:rPr lang="ko-KR" altLang="en-US" dirty="0">
-                <a:latin typeface="나눔스퀘어 Light" panose="020B0600000101010101" pitchFamily="50" charset="-127"/>
-                <a:ea typeface="나눔스퀘어 Light" panose="020B0600000101010101" pitchFamily="50" charset="-127"/>
-              </a:rPr>
-              <a:t>자신의 길이</a:t>
-            </a:r>
-            <a:r>
-              <a:rPr lang="en-US" altLang="ko-KR" dirty="0">
-                <a:latin typeface="나눔스퀘어 Light" panose="020B0600000101010101" pitchFamily="50" charset="-127"/>
-                <a:ea typeface="나눔스퀘어 Light" panose="020B0600000101010101" pitchFamily="50" charset="-127"/>
-              </a:rPr>
-              <a:t>)</a:t>
-            </a:r>
-            <a:r>
-              <a:rPr lang="ko-KR" altLang="en-US" dirty="0">
-                <a:latin typeface="나눔스퀘어 Light" panose="020B0600000101010101" pitchFamily="50" charset="-127"/>
-                <a:ea typeface="나눔스퀘어 Light" panose="020B0600000101010101" pitchFamily="50" charset="-127"/>
-              </a:rPr>
-              <a:t>까지 먹으며 길이를 늘리면 됨</a:t>
-            </a:r>
-          </a:p>
-        </p:txBody>
-      </p:sp>
-      <p:pic>
-        <p:nvPicPr>
-          <p:cNvPr id="10" name="그림 9">
-            <a:extLst>
-              <a:ext uri="{FF2B5EF4-FFF2-40B4-BE49-F238E27FC236}">
-                <a16:creationId xmlns:a16="http://schemas.microsoft.com/office/drawing/2014/main" id="{50FA7187-E6CF-B9FC-FA14-2AD1F3EF830D}"/>
-              </a:ext>
-            </a:extLst>
-          </p:cNvPr>
-          <p:cNvPicPr>
-            <a:picLocks noChangeAspect="1"/>
-          </p:cNvPicPr>
-          <p:nvPr/>
-        </p:nvPicPr>
-        <p:blipFill>
-          <a:blip r:embed="rId2"/>
-          <a:stretch>
-            <a:fillRect/>
-          </a:stretch>
-        </p:blipFill>
-        <p:spPr>
-          <a:xfrm>
-            <a:off x="942387" y="3637459"/>
-            <a:ext cx="5910995" cy="2709206"/>
-          </a:xfrm>
-          <a:prstGeom prst="rect">
-            <a:avLst/>
-          </a:prstGeom>
-        </p:spPr>
-      </p:pic>
-      <p:sp>
-        <p:nvSpPr>
-          <p:cNvPr id="11" name="TextBox 10">
-            <a:extLst>
-              <a:ext uri="{FF2B5EF4-FFF2-40B4-BE49-F238E27FC236}">
-                <a16:creationId xmlns:a16="http://schemas.microsoft.com/office/drawing/2014/main" id="{8A97E298-0399-B9DB-BF15-512FCE0D9262}"/>
-              </a:ext>
-            </a:extLst>
-          </p:cNvPr>
-          <p:cNvSpPr txBox="1"/>
-          <p:nvPr/>
-        </p:nvSpPr>
-        <p:spPr>
-          <a:xfrm>
-            <a:off x="7245213" y="4807396"/>
-            <a:ext cx="3934868" cy="369332"/>
-          </a:xfrm>
-          <a:prstGeom prst="rect">
-            <a:avLst/>
-          </a:prstGeom>
-          <a:noFill/>
-        </p:spPr>
-        <p:txBody>
-          <a:bodyPr wrap="square" rtlCol="0">
-            <a:spAutoFit/>
-          </a:bodyPr>
-          <a:lstStyle/>
-          <a:p>
-            <a:r>
-              <a:rPr lang="ko-KR" altLang="en-US" dirty="0">
-                <a:latin typeface="나눔스퀘어 Light" panose="020B0600000101010101" pitchFamily="50" charset="-127"/>
-                <a:ea typeface="나눔스퀘어 Light" panose="020B0600000101010101" pitchFamily="50" charset="-127"/>
-              </a:rPr>
-              <a:t>이 코드의 </a:t>
-            </a:r>
-            <a:r>
-              <a:rPr lang="en-US" altLang="ko-KR" dirty="0">
-                <a:latin typeface="나눔스퀘어 Light" panose="020B0600000101010101" pitchFamily="50" charset="-127"/>
-                <a:ea typeface="나눔스퀘어 Light" panose="020B0600000101010101" pitchFamily="50" charset="-127"/>
-              </a:rPr>
-              <a:t>Big O Notation</a:t>
-            </a:r>
-            <a:r>
-              <a:rPr lang="ko-KR" altLang="en-US" dirty="0">
-                <a:latin typeface="나눔스퀘어 Light" panose="020B0600000101010101" pitchFamily="50" charset="-127"/>
-                <a:ea typeface="나눔스퀘어 Light" panose="020B0600000101010101" pitchFamily="50" charset="-127"/>
-              </a:rPr>
-              <a:t>은</a:t>
-            </a:r>
-            <a:r>
-              <a:rPr lang="en-US" altLang="ko-KR" dirty="0">
-                <a:latin typeface="나눔스퀘어 Light" panose="020B0600000101010101" pitchFamily="50" charset="-127"/>
-                <a:ea typeface="나눔스퀘어 Light" panose="020B0600000101010101" pitchFamily="50" charset="-127"/>
-              </a:rPr>
-              <a:t>?</a:t>
-            </a:r>
-            <a:endParaRPr lang="ko-KR" altLang="en-US" dirty="0">
-              <a:latin typeface="나눔스퀘어 Light" panose="020B0600000101010101" pitchFamily="50" charset="-127"/>
-              <a:ea typeface="나눔스퀘어 Light" panose="020B0600000101010101" pitchFamily="50" charset="-127"/>
-            </a:endParaRPr>
-          </a:p>
-        </p:txBody>
-      </p:sp>
-      <p:sp>
-        <p:nvSpPr>
-          <p:cNvPr id="12" name="TextBox 11">
-            <a:extLst>
-              <a:ext uri="{FF2B5EF4-FFF2-40B4-BE49-F238E27FC236}">
-                <a16:creationId xmlns:a16="http://schemas.microsoft.com/office/drawing/2014/main" id="{9D5D7D09-740C-F075-0A71-D06A7C93CCFE}"/>
-              </a:ext>
-            </a:extLst>
-          </p:cNvPr>
-          <p:cNvSpPr txBox="1"/>
-          <p:nvPr/>
-        </p:nvSpPr>
-        <p:spPr>
-          <a:xfrm>
-            <a:off x="942387" y="1928688"/>
-            <a:ext cx="10237694" cy="369332"/>
-          </a:xfrm>
-          <a:prstGeom prst="rect">
-            <a:avLst/>
-          </a:prstGeom>
-          <a:noFill/>
-        </p:spPr>
-        <p:txBody>
-          <a:bodyPr wrap="square" rtlCol="0">
-            <a:spAutoFit/>
-          </a:bodyPr>
-          <a:lstStyle/>
-          <a:p>
-            <a:r>
-              <a:rPr lang="en-US" altLang="ko-KR" dirty="0">
-                <a:latin typeface="나눔스퀘어 Light" panose="020B0600000101010101" pitchFamily="50" charset="-127"/>
-                <a:ea typeface="나눔스퀘어 Light" panose="020B0600000101010101" pitchFamily="50" charset="-127"/>
-              </a:rPr>
-              <a:t>(</a:t>
-            </a:r>
-            <a:r>
-              <a:rPr lang="ko-KR" altLang="en-US" dirty="0">
-                <a:latin typeface="나눔스퀘어 Light" panose="020B0600000101010101" pitchFamily="50" charset="-127"/>
-                <a:ea typeface="나눔스퀘어 Light" panose="020B0600000101010101" pitchFamily="50" charset="-127"/>
-              </a:rPr>
-              <a:t>그래야 자신의 길이가 늘어나서</a:t>
-            </a:r>
-            <a:r>
-              <a:rPr lang="en-US" altLang="ko-KR" dirty="0">
-                <a:latin typeface="나눔스퀘어 Light" panose="020B0600000101010101" pitchFamily="50" charset="-127"/>
-                <a:ea typeface="나눔스퀘어 Light" panose="020B0600000101010101" pitchFamily="50" charset="-127"/>
-              </a:rPr>
-              <a:t>, </a:t>
-            </a:r>
-            <a:r>
-              <a:rPr lang="ko-KR" altLang="en-US" dirty="0">
-                <a:latin typeface="나눔스퀘어 Light" panose="020B0600000101010101" pitchFamily="50" charset="-127"/>
-                <a:ea typeface="나눔스퀘어 Light" panose="020B0600000101010101" pitchFamily="50" charset="-127"/>
-              </a:rPr>
-              <a:t>먹을 수 있는 과일이 </a:t>
-            </a:r>
-            <a:r>
-              <a:rPr lang="ko-KR" altLang="en-US" dirty="0" err="1">
-                <a:latin typeface="나눔스퀘어 Light" panose="020B0600000101010101" pitchFamily="50" charset="-127"/>
-                <a:ea typeface="나눔스퀘어 Light" panose="020B0600000101010101" pitchFamily="50" charset="-127"/>
-              </a:rPr>
-              <a:t>많아짐</a:t>
-            </a:r>
-            <a:r>
-              <a:rPr lang="en-US" altLang="ko-KR" dirty="0">
-                <a:latin typeface="나눔스퀘어 Light" panose="020B0600000101010101" pitchFamily="50" charset="-127"/>
-                <a:ea typeface="나눔스퀘어 Light" panose="020B0600000101010101" pitchFamily="50" charset="-127"/>
-              </a:rPr>
-              <a:t>)</a:t>
-            </a:r>
-            <a:endParaRPr lang="ko-KR" altLang="en-US" dirty="0">
-              <a:latin typeface="나눔스퀘어 Light" panose="020B0600000101010101" pitchFamily="50" charset="-127"/>
-              <a:ea typeface="나눔스퀘어 Light" panose="020B0600000101010101" pitchFamily="50" charset="-127"/>
-            </a:endParaRPr>
-          </a:p>
-        </p:txBody>
-      </p:sp>
     </p:spTree>
     <p:extLst>
       <p:ext uri="{BB962C8B-B14F-4D97-AF65-F5344CB8AC3E}">
-        <p14:creationId xmlns:p14="http://schemas.microsoft.com/office/powerpoint/2010/main" val="3597371418"/>
+        <p14:creationId xmlns:p14="http://schemas.microsoft.com/office/powerpoint/2010/main" val="1899511053"/>
       </p:ext>
     </p:extLst>
   </p:cSld>
@@ -6193,7 +5088,7 @@
           <p:cNvPr id="6" name="TextBox 5">
             <a:extLst>
               <a:ext uri="{FF2B5EF4-FFF2-40B4-BE49-F238E27FC236}">
-                <a16:creationId xmlns:a16="http://schemas.microsoft.com/office/drawing/2014/main" id="{4D81AF7D-5258-8E15-FF02-E90D5EDB63A3}"/>
+                <a16:creationId xmlns:a16="http://schemas.microsoft.com/office/drawing/2014/main" id="{908ED9B9-09D3-CFA8-625A-6F9BB9B6BD23}"/>
               </a:ext>
             </a:extLst>
           </p:cNvPr>
@@ -6203,7 +5098,7 @@
         <p:spPr>
           <a:xfrm>
             <a:off x="331694" y="177505"/>
-            <a:ext cx="3339889" cy="523220"/>
+            <a:ext cx="2006190" cy="523220"/>
           </a:xfrm>
           <a:prstGeom prst="rect">
             <a:avLst/>
@@ -6221,21 +5116,7 @@
                 <a:latin typeface="나눔스퀘어 Bold" panose="020B0600000101010101" pitchFamily="50" charset="-127"/>
                 <a:ea typeface="나눔스퀘어 Bold" panose="020B0600000101010101" pitchFamily="50" charset="-127"/>
               </a:rPr>
-              <a:t>Greedy</a:t>
-            </a:r>
-            <a:r>
-              <a:rPr lang="ko-KR" altLang="en-US" sz="2800" dirty="0">
-                <a:latin typeface="나눔스퀘어 Bold" panose="020B0600000101010101" pitchFamily="50" charset="-127"/>
-                <a:ea typeface="나눔스퀘어 Bold" panose="020B0600000101010101" pitchFamily="50" charset="-127"/>
-              </a:rPr>
-              <a:t> </a:t>
-            </a:r>
-            <a:r>
-              <a:rPr lang="en-US" altLang="ko-KR" sz="2800" dirty="0">
-                <a:latin typeface="나눔스퀘어 Bold" panose="020B0600000101010101" pitchFamily="50" charset="-127"/>
-                <a:ea typeface="나눔스퀘어 Bold" panose="020B0600000101010101" pitchFamily="50" charset="-127"/>
-              </a:rPr>
-              <a:t>– 10610 30</a:t>
+              <a:t>Homework</a:t>
             </a:r>
             <a:endParaRPr lang="ko-KR" altLang="en-US" sz="2800" dirty="0">
               <a:latin typeface="나눔스퀘어 Bold" panose="020B0600000101010101" pitchFamily="50" charset="-127"/>
@@ -6244,400 +5125,174 @@
           </a:p>
         </p:txBody>
       </p:sp>
-      <p:pic>
-        <p:nvPicPr>
-          <p:cNvPr id="4" name="그림 3">
-            <a:extLst>
-              <a:ext uri="{FF2B5EF4-FFF2-40B4-BE49-F238E27FC236}">
-                <a16:creationId xmlns:a16="http://schemas.microsoft.com/office/drawing/2014/main" id="{BB17A089-70BD-B367-C9B0-3854B43DC128}"/>
-              </a:ext>
-            </a:extLst>
-          </p:cNvPr>
-          <p:cNvPicPr>
-            <a:picLocks noChangeAspect="1"/>
-          </p:cNvPicPr>
-          <p:nvPr/>
-        </p:nvPicPr>
-        <p:blipFill>
-          <a:blip r:embed="rId2"/>
-          <a:stretch>
-            <a:fillRect/>
-          </a:stretch>
-        </p:blipFill>
-        <p:spPr>
-          <a:xfrm>
-            <a:off x="331694" y="989475"/>
-            <a:ext cx="10888595" cy="3715268"/>
+      <p:sp>
+        <p:nvSpPr>
+          <p:cNvPr id="7" name="TextBox 6">
+            <a:extLst>
+              <a:ext uri="{FF2B5EF4-FFF2-40B4-BE49-F238E27FC236}">
+                <a16:creationId xmlns:a16="http://schemas.microsoft.com/office/drawing/2014/main" id="{DD092523-43DA-0A5F-0C04-8239F4BF07FC}"/>
+              </a:ext>
+            </a:extLst>
+          </p:cNvPr>
+          <p:cNvSpPr txBox="1"/>
+          <p:nvPr/>
+        </p:nvSpPr>
+        <p:spPr>
+          <a:xfrm>
+            <a:off x="942387" y="1661364"/>
+            <a:ext cx="8553305" cy="369332"/>
           </a:xfrm>
           <a:prstGeom prst="rect">
             <a:avLst/>
           </a:prstGeom>
-        </p:spPr>
-      </p:pic>
-      <p:pic>
-        <p:nvPicPr>
-          <p:cNvPr id="9" name="그림 8">
-            <a:extLst>
-              <a:ext uri="{FF2B5EF4-FFF2-40B4-BE49-F238E27FC236}">
-                <a16:creationId xmlns:a16="http://schemas.microsoft.com/office/drawing/2014/main" id="{15875BBB-EEAD-DA01-5D3B-33A819757FA5}"/>
-              </a:ext>
-            </a:extLst>
-          </p:cNvPr>
-          <p:cNvPicPr>
-            <a:picLocks noChangeAspect="1"/>
-          </p:cNvPicPr>
-          <p:nvPr/>
-        </p:nvPicPr>
-        <p:blipFill>
-          <a:blip r:embed="rId3"/>
-          <a:stretch>
-            <a:fillRect/>
-          </a:stretch>
-        </p:blipFill>
-        <p:spPr>
-          <a:xfrm>
-            <a:off x="8230088" y="3993912"/>
-            <a:ext cx="1371791" cy="905001"/>
-          </a:xfrm>
-          <a:prstGeom prst="rect">
-            <a:avLst/>
-          </a:prstGeom>
-        </p:spPr>
-      </p:pic>
-      <p:pic>
-        <p:nvPicPr>
-          <p:cNvPr id="11" name="그림 10">
-            <a:extLst>
-              <a:ext uri="{FF2B5EF4-FFF2-40B4-BE49-F238E27FC236}">
-                <a16:creationId xmlns:a16="http://schemas.microsoft.com/office/drawing/2014/main" id="{65AF062B-F2A0-F720-BA21-C8901109575D}"/>
-              </a:ext>
-            </a:extLst>
-          </p:cNvPr>
-          <p:cNvPicPr>
-            <a:picLocks noChangeAspect="1"/>
-          </p:cNvPicPr>
-          <p:nvPr/>
-        </p:nvPicPr>
-        <p:blipFill>
-          <a:blip r:embed="rId4"/>
-          <a:stretch>
-            <a:fillRect/>
-          </a:stretch>
-        </p:blipFill>
-        <p:spPr>
-          <a:xfrm>
-            <a:off x="9673844" y="3993912"/>
-            <a:ext cx="1381318" cy="962159"/>
-          </a:xfrm>
-          <a:prstGeom prst="rect">
-            <a:avLst/>
-          </a:prstGeom>
-        </p:spPr>
-      </p:pic>
-      <p:pic>
-        <p:nvPicPr>
-          <p:cNvPr id="14" name="그림 13">
-            <a:extLst>
-              <a:ext uri="{FF2B5EF4-FFF2-40B4-BE49-F238E27FC236}">
-                <a16:creationId xmlns:a16="http://schemas.microsoft.com/office/drawing/2014/main" id="{FA1763DD-E4AC-7A13-5578-9DD2C406EA7E}"/>
-              </a:ext>
-            </a:extLst>
-          </p:cNvPr>
-          <p:cNvPicPr>
-            <a:picLocks noChangeAspect="1"/>
-          </p:cNvPicPr>
-          <p:nvPr/>
-        </p:nvPicPr>
-        <p:blipFill>
-          <a:blip r:embed="rId5"/>
-          <a:stretch>
-            <a:fillRect/>
-          </a:stretch>
-        </p:blipFill>
-        <p:spPr>
-          <a:xfrm>
-            <a:off x="331694" y="5349921"/>
-            <a:ext cx="1428949" cy="981212"/>
-          </a:xfrm>
-          <a:prstGeom prst="rect">
-            <a:avLst/>
-          </a:prstGeom>
-        </p:spPr>
-      </p:pic>
-      <p:pic>
-        <p:nvPicPr>
-          <p:cNvPr id="17" name="그림 16">
-            <a:extLst>
-              <a:ext uri="{FF2B5EF4-FFF2-40B4-BE49-F238E27FC236}">
-                <a16:creationId xmlns:a16="http://schemas.microsoft.com/office/drawing/2014/main" id="{FF53EC66-1092-0B5A-4B90-B5EB247D4FCD}"/>
-              </a:ext>
-            </a:extLst>
-          </p:cNvPr>
-          <p:cNvPicPr>
-            <a:picLocks noChangeAspect="1"/>
-          </p:cNvPicPr>
-          <p:nvPr/>
-        </p:nvPicPr>
-        <p:blipFill>
-          <a:blip r:embed="rId6"/>
-          <a:stretch>
-            <a:fillRect/>
-          </a:stretch>
-        </p:blipFill>
-        <p:spPr>
-          <a:xfrm>
-            <a:off x="1877341" y="5359447"/>
-            <a:ext cx="1362265" cy="971686"/>
-          </a:xfrm>
-          <a:prstGeom prst="rect">
-            <a:avLst/>
-          </a:prstGeom>
-        </p:spPr>
-      </p:pic>
-      <p:pic>
-        <p:nvPicPr>
-          <p:cNvPr id="19" name="그림 18">
-            <a:extLst>
-              <a:ext uri="{FF2B5EF4-FFF2-40B4-BE49-F238E27FC236}">
-                <a16:creationId xmlns:a16="http://schemas.microsoft.com/office/drawing/2014/main" id="{4DC2FF39-D22B-9568-84E1-680FB1EA9283}"/>
-              </a:ext>
-            </a:extLst>
-          </p:cNvPr>
-          <p:cNvPicPr>
-            <a:picLocks noChangeAspect="1"/>
-          </p:cNvPicPr>
-          <p:nvPr/>
-        </p:nvPicPr>
-        <p:blipFill>
-          <a:blip r:embed="rId7"/>
-          <a:stretch>
-            <a:fillRect/>
-          </a:stretch>
-        </p:blipFill>
-        <p:spPr>
-          <a:xfrm>
-            <a:off x="4314233" y="5359447"/>
-            <a:ext cx="1352739" cy="981212"/>
-          </a:xfrm>
-          <a:prstGeom prst="rect">
-            <a:avLst/>
-          </a:prstGeom>
-        </p:spPr>
-      </p:pic>
-      <p:pic>
-        <p:nvPicPr>
-          <p:cNvPr id="22" name="그림 21">
-            <a:extLst>
-              <a:ext uri="{FF2B5EF4-FFF2-40B4-BE49-F238E27FC236}">
-                <a16:creationId xmlns:a16="http://schemas.microsoft.com/office/drawing/2014/main" id="{32FB14B3-879E-4F0B-A5F7-3EA08E5B4F95}"/>
-              </a:ext>
-            </a:extLst>
-          </p:cNvPr>
-          <p:cNvPicPr>
-            <a:picLocks noChangeAspect="1"/>
-          </p:cNvPicPr>
-          <p:nvPr/>
-        </p:nvPicPr>
-        <p:blipFill>
-          <a:blip r:embed="rId8"/>
-          <a:stretch>
-            <a:fillRect/>
-          </a:stretch>
-        </p:blipFill>
-        <p:spPr>
-          <a:xfrm>
-            <a:off x="5793196" y="5377919"/>
-            <a:ext cx="1362265" cy="981212"/>
-          </a:xfrm>
-          <a:prstGeom prst="rect">
-            <a:avLst/>
-          </a:prstGeom>
-        </p:spPr>
-      </p:pic>
-      <p:pic>
-        <p:nvPicPr>
-          <p:cNvPr id="24" name="그림 23">
-            <a:extLst>
-              <a:ext uri="{FF2B5EF4-FFF2-40B4-BE49-F238E27FC236}">
-                <a16:creationId xmlns:a16="http://schemas.microsoft.com/office/drawing/2014/main" id="{5E517BE0-A5B6-2D0B-20FC-84C065EA954F}"/>
-              </a:ext>
-            </a:extLst>
-          </p:cNvPr>
-          <p:cNvPicPr>
-            <a:picLocks noChangeAspect="1"/>
-          </p:cNvPicPr>
-          <p:nvPr/>
-        </p:nvPicPr>
-        <p:blipFill>
-          <a:blip r:embed="rId9"/>
-          <a:stretch>
-            <a:fillRect/>
-          </a:stretch>
-        </p:blipFill>
-        <p:spPr>
-          <a:xfrm>
-            <a:off x="8230088" y="5359447"/>
-            <a:ext cx="1381318" cy="981212"/>
-          </a:xfrm>
-          <a:prstGeom prst="rect">
-            <a:avLst/>
-          </a:prstGeom>
-        </p:spPr>
-      </p:pic>
-      <p:pic>
-        <p:nvPicPr>
-          <p:cNvPr id="26" name="그림 25">
-            <a:extLst>
-              <a:ext uri="{FF2B5EF4-FFF2-40B4-BE49-F238E27FC236}">
-                <a16:creationId xmlns:a16="http://schemas.microsoft.com/office/drawing/2014/main" id="{E420FEA5-BF7A-8828-A455-F391CBA59C50}"/>
-              </a:ext>
-            </a:extLst>
-          </p:cNvPr>
-          <p:cNvPicPr>
-            <a:picLocks noChangeAspect="1"/>
-          </p:cNvPicPr>
-          <p:nvPr/>
-        </p:nvPicPr>
-        <p:blipFill>
-          <a:blip r:embed="rId10"/>
-          <a:stretch>
-            <a:fillRect/>
-          </a:stretch>
-        </p:blipFill>
-        <p:spPr>
-          <a:xfrm>
-            <a:off x="9673844" y="5373736"/>
-            <a:ext cx="1362265" cy="952633"/>
-          </a:xfrm>
-          <a:prstGeom prst="rect">
-            <a:avLst/>
-          </a:prstGeom>
-        </p:spPr>
-      </p:pic>
-    </p:spTree>
-    <p:extLst>
-      <p:ext uri="{BB962C8B-B14F-4D97-AF65-F5344CB8AC3E}">
-        <p14:creationId xmlns:p14="http://schemas.microsoft.com/office/powerpoint/2010/main" val="4099544141"/>
-      </p:ext>
-    </p:extLst>
-  </p:cSld>
-  <p:clrMapOvr>
-    <a:masterClrMapping/>
-  </p:clrMapOvr>
-</p:sld>
-</file>
-
-<file path=ppt/slides/slide19.xml><?xml version="1.0" encoding="utf-8"?>
-<p:sld xmlns:a="http://schemas.openxmlformats.org/drawingml/2006/main" xmlns:r="http://schemas.openxmlformats.org/officeDocument/2006/relationships" xmlns:p="http://schemas.openxmlformats.org/presentationml/2006/main">
-  <p:cSld>
-    <p:spTree>
-      <p:nvGrpSpPr>
-        <p:cNvPr id="1" name=""/>
-        <p:cNvGrpSpPr/>
-        <p:nvPr/>
-      </p:nvGrpSpPr>
-      <p:grpSpPr>
-        <a:xfrm>
-          <a:off x="0" y="0"/>
-          <a:ext cx="0" cy="0"/>
-          <a:chOff x="0" y="0"/>
-          <a:chExt cx="0" cy="0"/>
-        </a:xfrm>
-      </p:grpSpPr>
-      <p:cxnSp>
-        <p:nvCxnSpPr>
-          <p:cNvPr id="5" name="직선 연결선 4">
-            <a:extLst>
-              <a:ext uri="{FF2B5EF4-FFF2-40B4-BE49-F238E27FC236}">
-                <a16:creationId xmlns:a16="http://schemas.microsoft.com/office/drawing/2014/main" id="{164C2827-EFCE-69A4-D037-1A218415F568}"/>
-              </a:ext>
-            </a:extLst>
-          </p:cNvPr>
-          <p:cNvCxnSpPr/>
-          <p:nvPr/>
-        </p:nvCxnSpPr>
-        <p:spPr>
-          <a:xfrm>
-            <a:off x="0" y="887505"/>
-            <a:ext cx="10237694" cy="0"/>
-          </a:xfrm>
-          <a:prstGeom prst="line">
-            <a:avLst/>
-          </a:prstGeom>
-          <a:ln w="76200">
-            <a:solidFill>
-              <a:schemeClr val="tx1">
-                <a:lumMod val="75000"/>
-                <a:lumOff val="25000"/>
-              </a:schemeClr>
-            </a:solidFill>
-          </a:ln>
-        </p:spPr>
-        <p:style>
-          <a:lnRef idx="1">
-            <a:schemeClr val="accent1"/>
-          </a:lnRef>
-          <a:fillRef idx="0">
-            <a:schemeClr val="accent1"/>
-          </a:fillRef>
-          <a:effectRef idx="0">
-            <a:schemeClr val="accent1"/>
-          </a:effectRef>
-          <a:fontRef idx="minor">
-            <a:schemeClr val="tx1"/>
-          </a:fontRef>
-        </p:style>
-      </p:cxnSp>
-      <p:sp>
-        <p:nvSpPr>
-          <p:cNvPr id="6" name="TextBox 5">
-            <a:extLst>
-              <a:ext uri="{FF2B5EF4-FFF2-40B4-BE49-F238E27FC236}">
-                <a16:creationId xmlns:a16="http://schemas.microsoft.com/office/drawing/2014/main" id="{4D81AF7D-5258-8E15-FF02-E90D5EDB63A3}"/>
-              </a:ext>
-            </a:extLst>
-          </p:cNvPr>
-          <p:cNvSpPr txBox="1"/>
-          <p:nvPr/>
-        </p:nvSpPr>
-        <p:spPr>
-          <a:xfrm>
-            <a:off x="331694" y="177505"/>
-            <a:ext cx="3339889" cy="523220"/>
-          </a:xfrm>
-          <a:prstGeom prst="rect">
-            <a:avLst/>
-          </a:prstGeom>
           <a:noFill/>
         </p:spPr>
         <p:txBody>
-          <a:bodyPr wrap="none" rtlCol="0">
+          <a:bodyPr wrap="square" rtlCol="0">
             <a:spAutoFit/>
           </a:bodyPr>
           <a:lstStyle/>
           <a:p>
             <a:r>
-              <a:rPr lang="en-US" altLang="ko-KR" sz="2800" dirty="0">
+              <a:rPr lang="en-US" altLang="ko-KR" dirty="0">
+                <a:latin typeface="나눔스퀘어 Light" panose="020B0600000101010101" pitchFamily="50" charset="-127"/>
+                <a:ea typeface="나눔스퀘어 Light" panose="020B0600000101010101" pitchFamily="50" charset="-127"/>
+              </a:rPr>
+              <a:t>1. 4949 </a:t>
+            </a:r>
+            <a:r>
+              <a:rPr lang="ko-KR" altLang="en-US" dirty="0" err="1">
+                <a:latin typeface="나눔스퀘어 Light" panose="020B0600000101010101" pitchFamily="50" charset="-127"/>
+                <a:ea typeface="나눔스퀘어 Light" panose="020B0600000101010101" pitchFamily="50" charset="-127"/>
+              </a:rPr>
+              <a:t>균형잡힌</a:t>
+            </a:r>
+            <a:r>
+              <a:rPr lang="ko-KR" altLang="en-US" dirty="0">
+                <a:latin typeface="나눔스퀘어 Light" panose="020B0600000101010101" pitchFamily="50" charset="-127"/>
+                <a:ea typeface="나눔스퀘어 Light" panose="020B0600000101010101" pitchFamily="50" charset="-127"/>
+              </a:rPr>
+              <a:t> 세상</a:t>
+            </a:r>
+          </a:p>
+        </p:txBody>
+      </p:sp>
+      <p:sp>
+        <p:nvSpPr>
+          <p:cNvPr id="8" name="TextBox 7">
+            <a:extLst>
+              <a:ext uri="{FF2B5EF4-FFF2-40B4-BE49-F238E27FC236}">
+                <a16:creationId xmlns:a16="http://schemas.microsoft.com/office/drawing/2014/main" id="{80045CCB-6E92-45F3-05E2-D9718BBAEE86}"/>
+              </a:ext>
+            </a:extLst>
+          </p:cNvPr>
+          <p:cNvSpPr txBox="1"/>
+          <p:nvPr/>
+        </p:nvSpPr>
+        <p:spPr>
+          <a:xfrm>
+            <a:off x="942387" y="2030696"/>
+            <a:ext cx="8553305" cy="369332"/>
+          </a:xfrm>
+          <a:prstGeom prst="rect">
+            <a:avLst/>
+          </a:prstGeom>
+          <a:noFill/>
+        </p:spPr>
+        <p:txBody>
+          <a:bodyPr wrap="square" rtlCol="0">
+            <a:spAutoFit/>
+          </a:bodyPr>
+          <a:lstStyle/>
+          <a:p>
+            <a:r>
+              <a:rPr lang="en-US" altLang="ko-KR" dirty="0">
+                <a:latin typeface="나눔스퀘어 Light" panose="020B0600000101010101" pitchFamily="50" charset="-127"/>
+                <a:ea typeface="나눔스퀘어 Light" panose="020B0600000101010101" pitchFamily="50" charset="-127"/>
+              </a:rPr>
+              <a:t>2. 10773 </a:t>
+            </a:r>
+            <a:r>
+              <a:rPr lang="ko-KR" altLang="en-US" dirty="0">
+                <a:latin typeface="나눔스퀘어 Light" panose="020B0600000101010101" pitchFamily="50" charset="-127"/>
+                <a:ea typeface="나눔스퀘어 Light" panose="020B0600000101010101" pitchFamily="50" charset="-127"/>
+              </a:rPr>
+              <a:t>제로</a:t>
+            </a:r>
+          </a:p>
+        </p:txBody>
+      </p:sp>
+      <p:sp>
+        <p:nvSpPr>
+          <p:cNvPr id="9" name="TextBox 8">
+            <a:extLst>
+              <a:ext uri="{FF2B5EF4-FFF2-40B4-BE49-F238E27FC236}">
+                <a16:creationId xmlns:a16="http://schemas.microsoft.com/office/drawing/2014/main" id="{F3F091EF-3E70-16E8-983D-D9C14C2EAD61}"/>
+              </a:ext>
+            </a:extLst>
+          </p:cNvPr>
+          <p:cNvSpPr txBox="1"/>
+          <p:nvPr/>
+        </p:nvSpPr>
+        <p:spPr>
+          <a:xfrm>
+            <a:off x="942387" y="1190024"/>
+            <a:ext cx="8553305" cy="369332"/>
+          </a:xfrm>
+          <a:prstGeom prst="rect">
+            <a:avLst/>
+          </a:prstGeom>
+          <a:noFill/>
+        </p:spPr>
+        <p:txBody>
+          <a:bodyPr wrap="square" rtlCol="0">
+            <a:spAutoFit/>
+          </a:bodyPr>
+          <a:lstStyle/>
+          <a:p>
+            <a:r>
+              <a:rPr lang="ko-KR" altLang="en-US" dirty="0">
                 <a:latin typeface="나눔스퀘어 Bold" panose="020B0600000101010101" pitchFamily="50" charset="-127"/>
                 <a:ea typeface="나눔스퀘어 Bold" panose="020B0600000101010101" pitchFamily="50" charset="-127"/>
               </a:rPr>
-              <a:t>Greedy</a:t>
-            </a:r>
-            <a:r>
-              <a:rPr lang="ko-KR" altLang="en-US" sz="2800" dirty="0">
+              <a:t>아래 문제들에 대해 스스로 생각하고 풀어보세요</a:t>
+            </a:r>
+            <a:r>
+              <a:rPr lang="en-US" altLang="ko-KR" dirty="0">
                 <a:latin typeface="나눔스퀘어 Bold" panose="020B0600000101010101" pitchFamily="50" charset="-127"/>
                 <a:ea typeface="나눔스퀘어 Bold" panose="020B0600000101010101" pitchFamily="50" charset="-127"/>
               </a:rPr>
-              <a:t> </a:t>
-            </a:r>
-            <a:r>
-              <a:rPr lang="en-US" altLang="ko-KR" sz="2800" dirty="0">
+              <a:t>.</a:t>
+            </a:r>
+            <a:r>
+              <a:rPr lang="ko-KR" altLang="en-US" dirty="0">
                 <a:latin typeface="나눔스퀘어 Bold" panose="020B0600000101010101" pitchFamily="50" charset="-127"/>
                 <a:ea typeface="나눔스퀘어 Bold" panose="020B0600000101010101" pitchFamily="50" charset="-127"/>
               </a:rPr>
-              <a:t>– 10610 30</a:t>
-            </a:r>
-            <a:endParaRPr lang="ko-KR" altLang="en-US" sz="2800" dirty="0">
+              <a:t> </a:t>
+            </a:r>
+            <a:r>
+              <a:rPr lang="en-US" altLang="ko-KR" dirty="0">
+                <a:latin typeface="나눔스퀘어 Bold" panose="020B0600000101010101" pitchFamily="50" charset="-127"/>
+                <a:ea typeface="나눔스퀘어 Bold" panose="020B0600000101010101" pitchFamily="50" charset="-127"/>
+              </a:rPr>
+              <a:t>(</a:t>
+            </a:r>
+            <a:r>
+              <a:rPr lang="ko-KR" altLang="en-US" dirty="0">
+                <a:latin typeface="나눔스퀘어 Bold" panose="020B0600000101010101" pitchFamily="50" charset="-127"/>
+                <a:ea typeface="나눔스퀘어 Bold" panose="020B0600000101010101" pitchFamily="50" charset="-127"/>
+              </a:rPr>
+              <a:t>해설은 따로 진행하진 않겠습니다</a:t>
+            </a:r>
+            <a:r>
+              <a:rPr lang="en-US" altLang="ko-KR" dirty="0">
+                <a:latin typeface="나눔스퀘어 Bold" panose="020B0600000101010101" pitchFamily="50" charset="-127"/>
+                <a:ea typeface="나눔스퀘어 Bold" panose="020B0600000101010101" pitchFamily="50" charset="-127"/>
+              </a:rPr>
+              <a:t>.)</a:t>
+            </a:r>
+            <a:endParaRPr lang="ko-KR" altLang="en-US" dirty="0">
               <a:latin typeface="나눔스퀘어 Bold" panose="020B0600000101010101" pitchFamily="50" charset="-127"/>
               <a:ea typeface="나눔스퀘어 Bold" panose="020B0600000101010101" pitchFamily="50" charset="-127"/>
             </a:endParaRPr>
@@ -6646,10 +5301,10 @@
       </p:sp>
       <p:sp>
         <p:nvSpPr>
-          <p:cNvPr id="3" name="TextBox 2">
-            <a:extLst>
-              <a:ext uri="{FF2B5EF4-FFF2-40B4-BE49-F238E27FC236}">
-                <a16:creationId xmlns:a16="http://schemas.microsoft.com/office/drawing/2014/main" id="{CB2E1765-B8F0-DDCE-604D-2FC685B68C9A}"/>
+          <p:cNvPr id="11" name="TextBox 10">
+            <a:extLst>
+              <a:ext uri="{FF2B5EF4-FFF2-40B4-BE49-F238E27FC236}">
+                <a16:creationId xmlns:a16="http://schemas.microsoft.com/office/drawing/2014/main" id="{CDF0922C-4F6F-DB5B-EC8F-F56AF894275F}"/>
               </a:ext>
             </a:extLst>
           </p:cNvPr>
@@ -6658,7 +5313,7 @@
         </p:nvSpPr>
         <p:spPr>
           <a:xfrm>
-            <a:off x="942387" y="1190024"/>
+            <a:off x="942387" y="3378992"/>
             <a:ext cx="10237694" cy="369332"/>
           </a:xfrm>
           <a:prstGeom prst="rect">
@@ -6674,20 +5329,59 @@
           <a:p>
             <a:r>
               <a:rPr lang="ko-KR" altLang="en-US" dirty="0">
-                <a:latin typeface="나눔스퀘어 Light" panose="020B0600000101010101" pitchFamily="50" charset="-127"/>
-                <a:ea typeface="나눔스퀘어 Light" panose="020B0600000101010101" pitchFamily="50" charset="-127"/>
-              </a:rPr>
-              <a:t>아주 조금은 수학적인 개념이 들어간 문제</a:t>
-            </a:r>
-          </a:p>
-        </p:txBody>
-      </p:sp>
-      <p:sp>
-        <p:nvSpPr>
-          <p:cNvPr id="8" name="TextBox 7">
-            <a:extLst>
-              <a:ext uri="{FF2B5EF4-FFF2-40B4-BE49-F238E27FC236}">
-                <a16:creationId xmlns:a16="http://schemas.microsoft.com/office/drawing/2014/main" id="{AE10D629-B1C8-6A9F-0483-C82E01E76AE8}"/>
+                <a:latin typeface="나눔스퀘어 Bold" panose="020B0600000101010101" pitchFamily="50" charset="-127"/>
+                <a:ea typeface="나눔스퀘어 Bold" panose="020B0600000101010101" pitchFamily="50" charset="-127"/>
+              </a:rPr>
+              <a:t>이진 트리에 대해 공부</a:t>
+            </a:r>
+            <a:r>
+              <a:rPr lang="en-US" altLang="ko-KR" dirty="0">
+                <a:latin typeface="나눔스퀘어 Bold" panose="020B0600000101010101" pitchFamily="50" charset="-127"/>
+                <a:ea typeface="나눔스퀘어 Bold" panose="020B0600000101010101" pitchFamily="50" charset="-127"/>
+              </a:rPr>
+              <a:t>, </a:t>
+            </a:r>
+            <a:r>
+              <a:rPr lang="ko-KR" altLang="en-US" dirty="0">
+                <a:latin typeface="나눔스퀘어 Bold" panose="020B0600000101010101" pitchFamily="50" charset="-127"/>
+                <a:ea typeface="나눔스퀘어 Bold" panose="020B0600000101010101" pitchFamily="50" charset="-127"/>
+              </a:rPr>
+              <a:t>구현</a:t>
+            </a:r>
+            <a:r>
+              <a:rPr lang="en-US" altLang="ko-KR" dirty="0">
+                <a:latin typeface="나눔스퀘어 Bold" panose="020B0600000101010101" pitchFamily="50" charset="-127"/>
+                <a:ea typeface="나눔스퀘어 Bold" panose="020B0600000101010101" pitchFamily="50" charset="-127"/>
+              </a:rPr>
+              <a:t>, </a:t>
+            </a:r>
+            <a:r>
+              <a:rPr lang="ko-KR" altLang="en-US" dirty="0">
+                <a:latin typeface="나눔스퀘어 Bold" panose="020B0600000101010101" pitchFamily="50" charset="-127"/>
+                <a:ea typeface="나눔스퀘어 Bold" panose="020B0600000101010101" pitchFamily="50" charset="-127"/>
+              </a:rPr>
+              <a:t>조사 해보세요</a:t>
+            </a:r>
+            <a:r>
+              <a:rPr lang="en-US" altLang="ko-KR" dirty="0">
+                <a:latin typeface="나눔스퀘어 Bold" panose="020B0600000101010101" pitchFamily="50" charset="-127"/>
+                <a:ea typeface="나눔스퀘어 Bold" panose="020B0600000101010101" pitchFamily="50" charset="-127"/>
+              </a:rPr>
+              <a:t>.</a:t>
+            </a:r>
+            <a:endParaRPr lang="ko-KR" altLang="en-US" dirty="0">
+              <a:latin typeface="나눔스퀘어 Bold" panose="020B0600000101010101" pitchFamily="50" charset="-127"/>
+              <a:ea typeface="나눔스퀘어 Bold" panose="020B0600000101010101" pitchFamily="50" charset="-127"/>
+            </a:endParaRPr>
+          </a:p>
+        </p:txBody>
+      </p:sp>
+      <p:sp>
+        <p:nvSpPr>
+          <p:cNvPr id="12" name="TextBox 11">
+            <a:extLst>
+              <a:ext uri="{FF2B5EF4-FFF2-40B4-BE49-F238E27FC236}">
+                <a16:creationId xmlns:a16="http://schemas.microsoft.com/office/drawing/2014/main" id="{1D90656A-EA8C-C93D-45FA-EC08FF6F6A51}"/>
               </a:ext>
             </a:extLst>
           </p:cNvPr>
@@ -6696,7 +5390,7 @@
         </p:nvSpPr>
         <p:spPr>
           <a:xfrm>
-            <a:off x="942387" y="1861874"/>
+            <a:off x="942387" y="3899153"/>
             <a:ext cx="10237694" cy="369332"/>
           </a:xfrm>
           <a:prstGeom prst="rect">
@@ -6715,42 +5409,35 @@
                 <a:latin typeface="나눔스퀘어 Light" panose="020B0600000101010101" pitchFamily="50" charset="-127"/>
                 <a:ea typeface="나눔스퀘어 Light" panose="020B0600000101010101" pitchFamily="50" charset="-127"/>
               </a:rPr>
-              <a:t>수가 그냥 적당한 자료형 범위</a:t>
+              <a:t>배열 방식도 좋고</a:t>
             </a:r>
             <a:r>
               <a:rPr lang="en-US" altLang="ko-KR" dirty="0">
                 <a:latin typeface="나눔스퀘어 Light" panose="020B0600000101010101" pitchFamily="50" charset="-127"/>
                 <a:ea typeface="나눔스퀘어 Light" panose="020B0600000101010101" pitchFamily="50" charset="-127"/>
               </a:rPr>
-              <a:t>(unsigned long </a:t>
-            </a:r>
-            <a:r>
-              <a:rPr lang="en-US" altLang="ko-KR" dirty="0" err="1">
-                <a:latin typeface="나눔스퀘어 Light" panose="020B0600000101010101" pitchFamily="50" charset="-127"/>
-                <a:ea typeface="나눔스퀘어 Light" panose="020B0600000101010101" pitchFamily="50" charset="-127"/>
-              </a:rPr>
-              <a:t>long</a:t>
+              <a:t>, </a:t>
+            </a:r>
+            <a:r>
+              <a:rPr lang="ko-KR" altLang="en-US" dirty="0" err="1">
+                <a:latin typeface="나눔스퀘어 Light" panose="020B0600000101010101" pitchFamily="50" charset="-127"/>
+                <a:ea typeface="나눔스퀘어 Light" panose="020B0600000101010101" pitchFamily="50" charset="-127"/>
+              </a:rPr>
+              <a:t>링크드</a:t>
+            </a:r>
+            <a:r>
+              <a:rPr lang="ko-KR" altLang="en-US" dirty="0">
+                <a:latin typeface="나눔스퀘어 Light" panose="020B0600000101010101" pitchFamily="50" charset="-127"/>
+                <a:ea typeface="나눔스퀘어 Light" panose="020B0600000101010101" pitchFamily="50" charset="-127"/>
+              </a:rPr>
+              <a:t> 리스트를 사용해 구현해도 좋습니다</a:t>
             </a:r>
             <a:r>
               <a:rPr lang="en-US" altLang="ko-KR" dirty="0">
                 <a:latin typeface="나눔스퀘어 Light" panose="020B0600000101010101" pitchFamily="50" charset="-127"/>
                 <a:ea typeface="나눔스퀘어 Light" panose="020B0600000101010101" pitchFamily="50" charset="-127"/>
               </a:rPr>
-              <a:t> int)</a:t>
-            </a:r>
-            <a:r>
-              <a:rPr lang="ko-KR" altLang="en-US" dirty="0">
-                <a:latin typeface="나눔스퀘어 Light" panose="020B0600000101010101" pitchFamily="50" charset="-127"/>
-                <a:ea typeface="나눔스퀘어 Light" panose="020B0600000101010101" pitchFamily="50" charset="-127"/>
-              </a:rPr>
-              <a:t>안에 있다면</a:t>
-            </a:r>
-            <a:r>
-              <a:rPr lang="en-US" altLang="ko-KR" dirty="0">
-                <a:latin typeface="나눔스퀘어 Light" panose="020B0600000101010101" pitchFamily="50" charset="-127"/>
-                <a:ea typeface="나눔스퀘어 Light" panose="020B0600000101010101" pitchFamily="50" charset="-127"/>
-              </a:rPr>
-              <a:t>,</a:t>
+              <a:t>.</a:t>
             </a:r>
             <a:endParaRPr lang="ko-KR" altLang="en-US" dirty="0">
               <a:latin typeface="나눔스퀘어 Light" panose="020B0600000101010101" pitchFamily="50" charset="-127"/>
@@ -6761,10 +5448,10 @@
       </p:sp>
       <p:sp>
         <p:nvSpPr>
-          <p:cNvPr id="9" name="TextBox 8">
-            <a:extLst>
-              <a:ext uri="{FF2B5EF4-FFF2-40B4-BE49-F238E27FC236}">
-                <a16:creationId xmlns:a16="http://schemas.microsoft.com/office/drawing/2014/main" id="{087C2ACC-4AD6-A547-1F1C-823D2556DF77}"/>
+          <p:cNvPr id="2" name="TextBox 1">
+            <a:extLst>
+              <a:ext uri="{FF2B5EF4-FFF2-40B4-BE49-F238E27FC236}">
+                <a16:creationId xmlns:a16="http://schemas.microsoft.com/office/drawing/2014/main" id="{807C3CD1-8E1B-427F-230D-9C7C2837C1F2}"/>
               </a:ext>
             </a:extLst>
           </p:cNvPr>
@@ -6773,8 +5460,8 @@
         </p:nvSpPr>
         <p:spPr>
           <a:xfrm>
-            <a:off x="942387" y="2231206"/>
-            <a:ext cx="10237694" cy="369332"/>
+            <a:off x="942387" y="2400024"/>
+            <a:ext cx="8553305" cy="369332"/>
           </a:xfrm>
           <a:prstGeom prst="rect">
             <a:avLst/>
@@ -6792,35 +5479,7 @@
                 <a:latin typeface="나눔스퀘어 Light" panose="020B0600000101010101" pitchFamily="50" charset="-127"/>
                 <a:ea typeface="나눔스퀘어 Light" panose="020B0600000101010101" pitchFamily="50" charset="-127"/>
               </a:rPr>
-              <a:t>30</a:t>
-            </a:r>
-            <a:r>
-              <a:rPr lang="ko-KR" altLang="en-US" dirty="0">
-                <a:latin typeface="나눔스퀘어 Light" panose="020B0600000101010101" pitchFamily="50" charset="-127"/>
-                <a:ea typeface="나눔스퀘어 Light" panose="020B0600000101010101" pitchFamily="50" charset="-127"/>
-              </a:rPr>
-              <a:t>의 배수를 판별하는 것은 </a:t>
-            </a:r>
-            <a:r>
-              <a:rPr lang="en-US" altLang="ko-KR" dirty="0">
-                <a:latin typeface="나눔스퀘어 Light" panose="020B0600000101010101" pitchFamily="50" charset="-127"/>
-                <a:ea typeface="나눔스퀘어 Light" panose="020B0600000101010101" pitchFamily="50" charset="-127"/>
-              </a:rPr>
-              <a:t>% </a:t>
-            </a:r>
-            <a:r>
-              <a:rPr lang="ko-KR" altLang="en-US" dirty="0">
-                <a:latin typeface="나눔스퀘어 Light" panose="020B0600000101010101" pitchFamily="50" charset="-127"/>
-                <a:ea typeface="나눔스퀘어 Light" panose="020B0600000101010101" pitchFamily="50" charset="-127"/>
-              </a:rPr>
-              <a:t>연산자를 이용하여 굉장히 쉽게 구현할 수 있습니다</a:t>
-            </a:r>
-            <a:r>
-              <a:rPr lang="en-US" altLang="ko-KR" dirty="0">
-                <a:latin typeface="나눔스퀘어 Light" panose="020B0600000101010101" pitchFamily="50" charset="-127"/>
-                <a:ea typeface="나눔스퀘어 Light" panose="020B0600000101010101" pitchFamily="50" charset="-127"/>
-              </a:rPr>
-              <a:t>.</a:t>
+              <a:t>3. 15828 Router</a:t>
             </a:r>
             <a:endParaRPr lang="ko-KR" altLang="en-US" dirty="0">
               <a:latin typeface="나눔스퀘어 Light" panose="020B0600000101010101" pitchFamily="50" charset="-127"/>
@@ -6829,232 +5488,12 @@
           </a:p>
         </p:txBody>
       </p:sp>
-      <mc:AlternateContent xmlns:mc="http://schemas.openxmlformats.org/markup-compatibility/2006" xmlns:a14="http://schemas.microsoft.com/office/drawing/2010/main">
-        <mc:Choice Requires="a14">
-          <p:sp>
-            <p:nvSpPr>
-              <p:cNvPr id="14" name="TextBox 13">
-                <a:extLst>
-                  <a:ext uri="{FF2B5EF4-FFF2-40B4-BE49-F238E27FC236}">
-                    <a16:creationId xmlns:a16="http://schemas.microsoft.com/office/drawing/2014/main" id="{DEF68817-B154-34CB-E976-24B7A35A8791}"/>
-                  </a:ext>
-                </a:extLst>
-              </p:cNvPr>
-              <p:cNvSpPr txBox="1"/>
-              <p:nvPr/>
-            </p:nvSpPr>
-            <p:spPr>
-              <a:xfrm>
-                <a:off x="942387" y="3815160"/>
-                <a:ext cx="10237694" cy="372410"/>
-              </a:xfrm>
-              <a:prstGeom prst="rect">
-                <a:avLst/>
-              </a:prstGeom>
-              <a:noFill/>
-            </p:spPr>
-            <p:txBody>
-              <a:bodyPr wrap="square" rtlCol="0">
-                <a:spAutoFit/>
-              </a:bodyPr>
-              <a:lstStyle/>
-              <a:p>
-                <a:r>
-                  <a:rPr lang="ko-KR" altLang="en-US" dirty="0">
-                    <a:latin typeface="나눔스퀘어 Light" panose="020B0600000101010101" pitchFamily="50" charset="-127"/>
-                    <a:ea typeface="나눔스퀘어 Light" panose="020B0600000101010101" pitchFamily="50" charset="-127"/>
-                  </a:rPr>
-                  <a:t>그런데</a:t>
-                </a:r>
-                <a:r>
-                  <a:rPr lang="en-US" altLang="ko-KR" dirty="0">
-                    <a:latin typeface="나눔스퀘어 Light" panose="020B0600000101010101" pitchFamily="50" charset="-127"/>
-                    <a:ea typeface="나눔스퀘어 Light" panose="020B0600000101010101" pitchFamily="50" charset="-127"/>
-                  </a:rPr>
-                  <a:t>, </a:t>
-                </a:r>
-                <a:r>
-                  <a:rPr lang="ko-KR" altLang="en-US" dirty="0">
-                    <a:latin typeface="나눔스퀘어 Light" panose="020B0600000101010101" pitchFamily="50" charset="-127"/>
-                    <a:ea typeface="나눔스퀘어 Light" panose="020B0600000101010101" pitchFamily="50" charset="-127"/>
-                  </a:rPr>
-                  <a:t>이 문제의 경우는 </a:t>
-                </a:r>
-                <a:r>
-                  <a:rPr lang="en-US" altLang="ko-KR" dirty="0">
-                    <a:latin typeface="나눔스퀘어 Light" panose="020B0600000101010101" pitchFamily="50" charset="-127"/>
-                    <a:ea typeface="나눔스퀘어 Light" panose="020B0600000101010101" pitchFamily="50" charset="-127"/>
-                  </a:rPr>
-                  <a:t>N</a:t>
-                </a:r>
-                <a:r>
-                  <a:rPr lang="ko-KR" altLang="en-US" dirty="0">
-                    <a:latin typeface="나눔스퀘어 Light" panose="020B0600000101010101" pitchFamily="50" charset="-127"/>
-                    <a:ea typeface="나눔스퀘어 Light" panose="020B0600000101010101" pitchFamily="50" charset="-127"/>
-                  </a:rPr>
-                  <a:t>의 범위가 </a:t>
-                </a:r>
-                <a14:m>
-                  <m:oMath xmlns:m="http://schemas.openxmlformats.org/officeDocument/2006/math">
-                    <m:sSup>
-                      <m:sSupPr>
-                        <m:ctrlPr>
-                          <a:rPr lang="en-US" altLang="ko-KR" i="1" smtClean="0">
-                            <a:latin typeface="Cambria Math" panose="02040503050406030204" pitchFamily="18" charset="0"/>
-                            <a:ea typeface="나눔스퀘어 Light" panose="020B0600000101010101" pitchFamily="50" charset="-127"/>
-                          </a:rPr>
-                        </m:ctrlPr>
-                      </m:sSupPr>
-                      <m:e>
-                        <m:r>
-                          <a:rPr lang="en-US" altLang="ko-KR" b="0" i="1" smtClean="0">
-                            <a:latin typeface="Cambria Math" panose="02040503050406030204" pitchFamily="18" charset="0"/>
-                            <a:ea typeface="나눔스퀘어 Light" panose="020B0600000101010101" pitchFamily="50" charset="-127"/>
-                          </a:rPr>
-                          <m:t>10</m:t>
-                        </m:r>
-                      </m:e>
-                      <m:sup>
-                        <m:r>
-                          <a:rPr lang="en-US" altLang="ko-KR" b="0" i="1" smtClean="0">
-                            <a:latin typeface="Cambria Math" panose="02040503050406030204" pitchFamily="18" charset="0"/>
-                            <a:ea typeface="나눔스퀘어 Light" panose="020B0600000101010101" pitchFamily="50" charset="-127"/>
-                          </a:rPr>
-                          <m:t>5</m:t>
-                        </m:r>
-                      </m:sup>
-                    </m:sSup>
-                    <m:r>
-                      <a:rPr lang="ko-KR" altLang="en-US" i="1">
-                        <a:latin typeface="Cambria Math" panose="02040503050406030204" pitchFamily="18" charset="0"/>
-                        <a:ea typeface="나눔스퀘어 Light" panose="020B0600000101010101" pitchFamily="50" charset="-127"/>
-                      </a:rPr>
-                      <m:t>가</m:t>
-                    </m:r>
-                  </m:oMath>
-                </a14:m>
-                <a:r>
-                  <a:rPr lang="ko-KR" altLang="en-US" dirty="0">
-                    <a:latin typeface="나눔스퀘어 Light" panose="020B0600000101010101" pitchFamily="50" charset="-127"/>
-                    <a:ea typeface="나눔스퀘어 Light" panose="020B0600000101010101" pitchFamily="50" charset="-127"/>
-                  </a:rPr>
-                  <a:t> 아니라</a:t>
-                </a:r>
-                <a:r>
-                  <a:rPr lang="en-US" altLang="ko-KR" dirty="0">
-                    <a:latin typeface="나눔스퀘어 Light" panose="020B0600000101010101" pitchFamily="50" charset="-127"/>
-                    <a:ea typeface="나눔스퀘어 Light" panose="020B0600000101010101" pitchFamily="50" charset="-127"/>
-                  </a:rPr>
-                  <a:t>, N</a:t>
-                </a:r>
-                <a:r>
-                  <a:rPr lang="ko-KR" altLang="en-US" dirty="0">
-                    <a:latin typeface="나눔스퀘어 Light" panose="020B0600000101010101" pitchFamily="50" charset="-127"/>
-                    <a:ea typeface="나눔스퀘어 Light" panose="020B0600000101010101" pitchFamily="50" charset="-127"/>
-                  </a:rPr>
-                  <a:t>을 이루는 자리수가 </a:t>
-                </a:r>
-                <a14:m>
-                  <m:oMath xmlns:m="http://schemas.openxmlformats.org/officeDocument/2006/math">
-                    <m:sSup>
-                      <m:sSupPr>
-                        <m:ctrlPr>
-                          <a:rPr lang="en-US" altLang="ko-KR" i="1">
-                            <a:latin typeface="Cambria Math" panose="02040503050406030204" pitchFamily="18" charset="0"/>
-                            <a:ea typeface="나눔스퀘어 Light" panose="020B0600000101010101" pitchFamily="50" charset="-127"/>
-                          </a:rPr>
-                        </m:ctrlPr>
-                      </m:sSupPr>
-                      <m:e>
-                        <m:r>
-                          <a:rPr lang="en-US" altLang="ko-KR" i="1">
-                            <a:latin typeface="Cambria Math" panose="02040503050406030204" pitchFamily="18" charset="0"/>
-                            <a:ea typeface="나눔스퀘어 Light" panose="020B0600000101010101" pitchFamily="50" charset="-127"/>
-                          </a:rPr>
-                          <m:t>10</m:t>
-                        </m:r>
-                      </m:e>
-                      <m:sup>
-                        <m:r>
-                          <a:rPr lang="en-US" altLang="ko-KR" i="1">
-                            <a:latin typeface="Cambria Math" panose="02040503050406030204" pitchFamily="18" charset="0"/>
-                            <a:ea typeface="나눔스퀘어 Light" panose="020B0600000101010101" pitchFamily="50" charset="-127"/>
-                          </a:rPr>
-                          <m:t>5</m:t>
-                        </m:r>
-                      </m:sup>
-                    </m:sSup>
-                    <m:r>
-                      <a:rPr lang="ko-KR" altLang="en-US" i="1" smtClean="0">
-                        <a:latin typeface="Cambria Math" panose="02040503050406030204" pitchFamily="18" charset="0"/>
-                        <a:ea typeface="나눔스퀘어 Light" panose="020B0600000101010101" pitchFamily="50" charset="-127"/>
-                      </a:rPr>
-                      <m:t>개</m:t>
-                    </m:r>
-                  </m:oMath>
-                </a14:m>
-                <a:r>
-                  <a:rPr lang="ko-KR" altLang="en-US" dirty="0">
-                    <a:latin typeface="나눔스퀘어 Light" panose="020B0600000101010101" pitchFamily="50" charset="-127"/>
-                    <a:ea typeface="나눔스퀘어 Light" panose="020B0600000101010101" pitchFamily="50" charset="-127"/>
-                  </a:rPr>
-                  <a:t>나 되는 것을</a:t>
-                </a:r>
-              </a:p>
-            </p:txBody>
-          </p:sp>
-        </mc:Choice>
-        <mc:Fallback xmlns="">
-          <p:sp>
-            <p:nvSpPr>
-              <p:cNvPr id="14" name="TextBox 13">
-                <a:extLst>
-                  <a:ext uri="{FF2B5EF4-FFF2-40B4-BE49-F238E27FC236}">
-                    <a16:creationId xmlns:a16="http://schemas.microsoft.com/office/drawing/2014/main" id="{DEF68817-B154-34CB-E976-24B7A35A8791}"/>
-                  </a:ext>
-                </a:extLst>
-              </p:cNvPr>
-              <p:cNvSpPr txBox="1">
-                <a:spLocks noRot="1" noChangeAspect="1" noMove="1" noResize="1" noEditPoints="1" noAdjustHandles="1" noChangeArrowheads="1" noChangeShapeType="1" noTextEdit="1"/>
-              </p:cNvSpPr>
-              <p:nvPr/>
-            </p:nvSpPr>
-            <p:spPr>
-              <a:xfrm>
-                <a:off x="942387" y="3815160"/>
-                <a:ext cx="10237694" cy="372410"/>
-              </a:xfrm>
-              <a:prstGeom prst="rect">
-                <a:avLst/>
-              </a:prstGeom>
-              <a:blipFill>
-                <a:blip r:embed="rId2"/>
-                <a:stretch>
-                  <a:fillRect l="-536" t="-6557" b="-27869"/>
-                </a:stretch>
-              </a:blipFill>
-            </p:spPr>
-            <p:txBody>
-              <a:bodyPr/>
-              <a:lstStyle/>
-              <a:p>
-                <a:r>
-                  <a:rPr lang="ko-KR" altLang="en-US">
-                    <a:noFill/>
-                  </a:rPr>
-                  <a:t> </a:t>
-                </a:r>
-              </a:p>
-            </p:txBody>
-          </p:sp>
-        </mc:Fallback>
-      </mc:AlternateContent>
-      <p:sp>
-        <p:nvSpPr>
-          <p:cNvPr id="15" name="TextBox 14">
-            <a:extLst>
-              <a:ext uri="{FF2B5EF4-FFF2-40B4-BE49-F238E27FC236}">
-                <a16:creationId xmlns:a16="http://schemas.microsoft.com/office/drawing/2014/main" id="{552FAED1-A1BB-4658-0EAE-2032F0896015}"/>
+      <p:sp>
+        <p:nvSpPr>
+          <p:cNvPr id="10" name="TextBox 9">
+            <a:extLst>
+              <a:ext uri="{FF2B5EF4-FFF2-40B4-BE49-F238E27FC236}">
+                <a16:creationId xmlns:a16="http://schemas.microsoft.com/office/drawing/2014/main" id="{C572282D-23DE-9D59-D1DB-6011A80C631D}"/>
               </a:ext>
             </a:extLst>
           </p:cNvPr>
@@ -7063,8 +5502,8 @@
         </p:nvSpPr>
         <p:spPr>
           <a:xfrm>
-            <a:off x="942387" y="4184492"/>
-            <a:ext cx="10237694" cy="372410"/>
+            <a:off x="942387" y="4268485"/>
+            <a:ext cx="10237694" cy="369332"/>
           </a:xfrm>
           <a:prstGeom prst="rect">
             <a:avLst/>
@@ -7078,53 +5517,53 @@
           <a:lstStyle/>
           <a:p>
             <a:r>
-              <a:rPr lang="ko-KR" altLang="en-US" dirty="0" err="1">
-                <a:latin typeface="나눔스퀘어 Light" panose="020B0600000101010101" pitchFamily="50" charset="-127"/>
-                <a:ea typeface="나눔스퀘어 Light" panose="020B0600000101010101" pitchFamily="50" charset="-127"/>
-              </a:rPr>
-              <a:t>알아두셔야</a:t>
+              <a:rPr lang="en-US" altLang="ko-KR" dirty="0">
+                <a:latin typeface="나눔스퀘어 Light" panose="020B0600000101010101" pitchFamily="50" charset="-127"/>
+                <a:ea typeface="나눔스퀘어 Light" panose="020B0600000101010101" pitchFamily="50" charset="-127"/>
+              </a:rPr>
+              <a:t>DS</a:t>
             </a:r>
             <a:r>
               <a:rPr lang="ko-KR" altLang="en-US" dirty="0">
                 <a:latin typeface="나눔스퀘어 Light" panose="020B0600000101010101" pitchFamily="50" charset="-127"/>
                 <a:ea typeface="나눔스퀘어 Light" panose="020B0600000101010101" pitchFamily="50" charset="-127"/>
               </a:rPr>
-              <a:t> 합니다</a:t>
+              <a:t> </a:t>
             </a:r>
             <a:r>
               <a:rPr lang="en-US" altLang="ko-KR" dirty="0">
                 <a:latin typeface="나눔스퀘어 Light" panose="020B0600000101010101" pitchFamily="50" charset="-127"/>
                 <a:ea typeface="나눔스퀘어 Light" panose="020B0600000101010101" pitchFamily="50" charset="-127"/>
               </a:rPr>
-              <a:t>. (</a:t>
+              <a:t>/</a:t>
             </a:r>
             <a:r>
               <a:rPr lang="ko-KR" altLang="en-US" dirty="0">
                 <a:latin typeface="나눔스퀘어 Light" panose="020B0600000101010101" pitchFamily="50" charset="-127"/>
                 <a:ea typeface="나눔스퀘어 Light" panose="020B0600000101010101" pitchFamily="50" charset="-127"/>
               </a:rPr>
-              <a:t>즉</a:t>
+              <a:t> </a:t>
             </a:r>
             <a:r>
               <a:rPr lang="en-US" altLang="ko-KR" dirty="0">
                 <a:latin typeface="나눔스퀘어 Light" panose="020B0600000101010101" pitchFamily="50" charset="-127"/>
                 <a:ea typeface="나눔스퀘어 Light" panose="020B0600000101010101" pitchFamily="50" charset="-127"/>
               </a:rPr>
-              <a:t>, </a:t>
+              <a:t>Algorithm</a:t>
             </a:r>
             <a:r>
               <a:rPr lang="ko-KR" altLang="en-US" dirty="0">
                 <a:latin typeface="나눔스퀘어 Light" panose="020B0600000101010101" pitchFamily="50" charset="-127"/>
                 <a:ea typeface="나눔스퀘어 Light" panose="020B0600000101010101" pitchFamily="50" charset="-127"/>
               </a:rPr>
-              <a:t>매우 큰 수가 들어옵니다</a:t>
-            </a:r>
-            <a:r>
-              <a:rPr lang="en-US" altLang="ko-KR" dirty="0">
-                <a:latin typeface="나눔스퀘어 Light" panose="020B0600000101010101" pitchFamily="50" charset="-127"/>
-                <a:ea typeface="나눔스퀘어 Light" panose="020B0600000101010101" pitchFamily="50" charset="-127"/>
-              </a:rPr>
-              <a:t>.)</a:t>
+              <a:t> 수업 때 해보셨던 분들은 생략해도 좋습니다</a:t>
+            </a:r>
+            <a:r>
+              <a:rPr lang="en-US" altLang="ko-KR">
+                <a:latin typeface="나눔스퀘어 Light" panose="020B0600000101010101" pitchFamily="50" charset="-127"/>
+                <a:ea typeface="나눔스퀘어 Light" panose="020B0600000101010101" pitchFamily="50" charset="-127"/>
+              </a:rPr>
+              <a:t>.</a:t>
             </a:r>
             <a:endParaRPr lang="ko-KR" altLang="en-US" dirty="0">
               <a:latin typeface="나눔스퀘어 Light" panose="020B0600000101010101" pitchFamily="50" charset="-127"/>
@@ -7135,10 +5574,10 @@
       </p:sp>
       <p:sp>
         <p:nvSpPr>
-          <p:cNvPr id="16" name="TextBox 15">
-            <a:extLst>
-              <a:ext uri="{FF2B5EF4-FFF2-40B4-BE49-F238E27FC236}">
-                <a16:creationId xmlns:a16="http://schemas.microsoft.com/office/drawing/2014/main" id="{61F6E944-9175-AFDA-1C89-40FBF7C237C1}"/>
+          <p:cNvPr id="4" name="TextBox 3">
+            <a:extLst>
+              <a:ext uri="{FF2B5EF4-FFF2-40B4-BE49-F238E27FC236}">
+                <a16:creationId xmlns:a16="http://schemas.microsoft.com/office/drawing/2014/main" id="{1FFB0E97-045D-CAE2-D4D4-F6AFF27F568B}"/>
               </a:ext>
             </a:extLst>
           </p:cNvPr>
@@ -7147,8 +5586,8 @@
         </p:nvSpPr>
         <p:spPr>
           <a:xfrm>
-            <a:off x="942387" y="4926234"/>
-            <a:ext cx="10237694" cy="372410"/>
+            <a:off x="942387" y="2775391"/>
+            <a:ext cx="8553305" cy="369332"/>
           </a:xfrm>
           <a:prstGeom prst="rect">
             <a:avLst/>
@@ -7166,21 +5605,7 @@
                 <a:latin typeface="나눔스퀘어 Light" panose="020B0600000101010101" pitchFamily="50" charset="-127"/>
                 <a:ea typeface="나눔스퀘어 Light" panose="020B0600000101010101" pitchFamily="50" charset="-127"/>
               </a:rPr>
-              <a:t>Python</a:t>
-            </a:r>
-            <a:r>
-              <a:rPr lang="ko-KR" altLang="en-US" dirty="0">
-                <a:latin typeface="나눔스퀘어 Light" panose="020B0600000101010101" pitchFamily="50" charset="-127"/>
-                <a:ea typeface="나눔스퀘어 Light" panose="020B0600000101010101" pitchFamily="50" charset="-127"/>
-              </a:rPr>
-              <a:t>의 경우에는 이런 큰 수를 입력 받고 사칙연산을 하는데 지장이 없지만</a:t>
-            </a:r>
-            <a:r>
-              <a:rPr lang="en-US" altLang="ko-KR" dirty="0">
-                <a:latin typeface="나눔스퀘어 Light" panose="020B0600000101010101" pitchFamily="50" charset="-127"/>
-                <a:ea typeface="나눔스퀘어 Light" panose="020B0600000101010101" pitchFamily="50" charset="-127"/>
-              </a:rPr>
-              <a:t>,</a:t>
+              <a:t>4. </a:t>
             </a:r>
             <a:endParaRPr lang="ko-KR" altLang="en-US" dirty="0">
               <a:latin typeface="나눔스퀘어 Light" panose="020B0600000101010101" pitchFamily="50" charset="-127"/>
@@ -7191,10 +5616,10 @@
       </p:sp>
       <p:sp>
         <p:nvSpPr>
-          <p:cNvPr id="17" name="TextBox 16">
-            <a:extLst>
-              <a:ext uri="{FF2B5EF4-FFF2-40B4-BE49-F238E27FC236}">
-                <a16:creationId xmlns:a16="http://schemas.microsoft.com/office/drawing/2014/main" id="{1C8C961E-95C6-C996-B762-E323156F23BE}"/>
+          <p:cNvPr id="3" name="TextBox 2">
+            <a:extLst>
+              <a:ext uri="{FF2B5EF4-FFF2-40B4-BE49-F238E27FC236}">
+                <a16:creationId xmlns:a16="http://schemas.microsoft.com/office/drawing/2014/main" id="{F3BF5F63-D9BC-ACFF-9CA6-E8F9B73609D8}"/>
               </a:ext>
             </a:extLst>
           </p:cNvPr>
@@ -7203,8 +5628,8 @@
         </p:nvSpPr>
         <p:spPr>
           <a:xfrm>
-            <a:off x="942387" y="5295566"/>
-            <a:ext cx="10237694" cy="372410"/>
+            <a:off x="942387" y="4868519"/>
+            <a:ext cx="10237694" cy="369332"/>
           </a:xfrm>
           <a:prstGeom prst="rect">
             <a:avLst/>
@@ -7218,83 +5643,32 @@
           <a:lstStyle/>
           <a:p>
             <a:r>
+              <a:rPr lang="ko-KR" altLang="en-US" dirty="0">
+                <a:latin typeface="나눔스퀘어 Bold" panose="020B0600000101010101" pitchFamily="50" charset="-127"/>
+                <a:ea typeface="나눔스퀘어 Bold" panose="020B0600000101010101" pitchFamily="50" charset="-127"/>
+              </a:rPr>
+              <a:t>위에서 구현한 트리의 각 노드들을 어떻게 순회해야 할지 고민해보세요</a:t>
+            </a:r>
+            <a:r>
               <a:rPr lang="en-US" altLang="ko-KR" dirty="0">
-                <a:latin typeface="나눔스퀘어 Light" panose="020B0600000101010101" pitchFamily="50" charset="-127"/>
-                <a:ea typeface="나눔스퀘어 Light" panose="020B0600000101010101" pitchFamily="50" charset="-127"/>
-              </a:rPr>
-              <a:t>C</a:t>
-            </a:r>
-            <a:r>
-              <a:rPr lang="ko-KR" altLang="en-US" dirty="0">
-                <a:latin typeface="나눔스퀘어 Light" panose="020B0600000101010101" pitchFamily="50" charset="-127"/>
-                <a:ea typeface="나눔스퀘어 Light" panose="020B0600000101010101" pitchFamily="50" charset="-127"/>
-              </a:rPr>
-              <a:t>나 </a:t>
-            </a:r>
-            <a:r>
-              <a:rPr lang="en-US" altLang="ko-KR" dirty="0">
-                <a:latin typeface="나눔스퀘어 Light" panose="020B0600000101010101" pitchFamily="50" charset="-127"/>
-                <a:ea typeface="나눔스퀘어 Light" panose="020B0600000101010101" pitchFamily="50" charset="-127"/>
-              </a:rPr>
-              <a:t>Java</a:t>
-            </a:r>
-            <a:r>
-              <a:rPr lang="ko-KR" altLang="en-US" dirty="0">
-                <a:latin typeface="나눔스퀘어 Light" panose="020B0600000101010101" pitchFamily="50" charset="-127"/>
-                <a:ea typeface="나눔스퀘어 Light" panose="020B0600000101010101" pitchFamily="50" charset="-127"/>
-              </a:rPr>
-              <a:t>의 경우는 기본 자료형으로는 어림도 없습니다</a:t>
-            </a:r>
-            <a:r>
-              <a:rPr lang="en-US" altLang="ko-KR" dirty="0">
-                <a:latin typeface="나눔스퀘어 Light" panose="020B0600000101010101" pitchFamily="50" charset="-127"/>
-                <a:ea typeface="나눔스퀘어 Light" panose="020B0600000101010101" pitchFamily="50" charset="-127"/>
-              </a:rPr>
-              <a:t>. (Overflow)</a:t>
+                <a:latin typeface="나눔스퀘어 Bold" panose="020B0600000101010101" pitchFamily="50" charset="-127"/>
+                <a:ea typeface="나눔스퀘어 Bold" panose="020B0600000101010101" pitchFamily="50" charset="-127"/>
+              </a:rPr>
+              <a:t>.</a:t>
             </a:r>
             <a:endParaRPr lang="ko-KR" altLang="en-US" dirty="0">
-              <a:latin typeface="나눔스퀘어 Light" panose="020B0600000101010101" pitchFamily="50" charset="-127"/>
-              <a:ea typeface="나눔스퀘어 Light" panose="020B0600000101010101" pitchFamily="50" charset="-127"/>
+              <a:latin typeface="나눔스퀘어 Bold" panose="020B0600000101010101" pitchFamily="50" charset="-127"/>
+              <a:ea typeface="나눔스퀘어 Bold" panose="020B0600000101010101" pitchFamily="50" charset="-127"/>
             </a:endParaRPr>
           </a:p>
         </p:txBody>
       </p:sp>
-      <p:pic>
-        <p:nvPicPr>
-          <p:cNvPr id="19" name="그림 18">
-            <a:extLst>
-              <a:ext uri="{FF2B5EF4-FFF2-40B4-BE49-F238E27FC236}">
-                <a16:creationId xmlns:a16="http://schemas.microsoft.com/office/drawing/2014/main" id="{82004F3A-DFDB-2D0F-0885-5C1D0637DC0F}"/>
-              </a:ext>
-            </a:extLst>
-          </p:cNvPr>
-          <p:cNvPicPr>
-            <a:picLocks noChangeAspect="1"/>
-          </p:cNvPicPr>
-          <p:nvPr/>
-        </p:nvPicPr>
-        <p:blipFill>
-          <a:blip r:embed="rId3"/>
-          <a:stretch>
-            <a:fillRect/>
-          </a:stretch>
-        </p:blipFill>
-        <p:spPr>
-          <a:xfrm>
-            <a:off x="942387" y="2969870"/>
-            <a:ext cx="4635107" cy="369332"/>
-          </a:xfrm>
-          <a:prstGeom prst="rect">
-            <a:avLst/>
-          </a:prstGeom>
-        </p:spPr>
-      </p:pic>
-      <p:sp>
-        <p:nvSpPr>
-          <p:cNvPr id="20" name="TextBox 19">
-            <a:extLst>
-              <a:ext uri="{FF2B5EF4-FFF2-40B4-BE49-F238E27FC236}">
-                <a16:creationId xmlns:a16="http://schemas.microsoft.com/office/drawing/2014/main" id="{89371E96-2C91-B377-4D9F-3DE0C8EA35C8}"/>
+      <p:sp>
+        <p:nvSpPr>
+          <p:cNvPr id="14" name="TextBox 13">
+            <a:extLst>
+              <a:ext uri="{FF2B5EF4-FFF2-40B4-BE49-F238E27FC236}">
+                <a16:creationId xmlns:a16="http://schemas.microsoft.com/office/drawing/2014/main" id="{257C1EC7-2A81-3047-B154-CBC26011C90C}"/>
               </a:ext>
             </a:extLst>
           </p:cNvPr>
@@ -7303,8 +5677,8 @@
         </p:nvSpPr>
         <p:spPr>
           <a:xfrm>
-            <a:off x="942387" y="6037308"/>
-            <a:ext cx="10237694" cy="372410"/>
+            <a:off x="942387" y="5468553"/>
+            <a:ext cx="10237694" cy="369332"/>
           </a:xfrm>
           <a:prstGeom prst="rect">
             <a:avLst/>
@@ -7319,42 +5693,49 @@
           <a:p>
             <a:r>
               <a:rPr lang="ko-KR" altLang="en-US" dirty="0">
-                <a:latin typeface="나눔스퀘어 Light" panose="020B0600000101010101" pitchFamily="50" charset="-127"/>
-                <a:ea typeface="나눔스퀘어 Light" panose="020B0600000101010101" pitchFamily="50" charset="-127"/>
-              </a:rPr>
-              <a:t>그렇기에</a:t>
+                <a:latin typeface="나눔스퀘어 Bold" panose="020B0600000101010101" pitchFamily="50" charset="-127"/>
+                <a:ea typeface="나눔스퀘어 Bold" panose="020B0600000101010101" pitchFamily="50" charset="-127"/>
+              </a:rPr>
+              <a:t>만약 트리가 이진 트리가 아니라 </a:t>
             </a:r>
             <a:r>
               <a:rPr lang="en-US" altLang="ko-KR" dirty="0">
-                <a:latin typeface="나눔스퀘어 Light" panose="020B0600000101010101" pitchFamily="50" charset="-127"/>
-                <a:ea typeface="나눔스퀘어 Light" panose="020B0600000101010101" pitchFamily="50" charset="-127"/>
+                <a:latin typeface="나눔스퀘어 Bold" panose="020B0600000101010101" pitchFamily="50" charset="-127"/>
+                <a:ea typeface="나눔스퀘어 Bold" panose="020B0600000101010101" pitchFamily="50" charset="-127"/>
+              </a:rPr>
+              <a:t>N</a:t>
+            </a:r>
+            <a:r>
+              <a:rPr lang="ko-KR" altLang="en-US" dirty="0">
+                <a:latin typeface="나눔스퀘어 Bold" panose="020B0600000101010101" pitchFamily="50" charset="-127"/>
+                <a:ea typeface="나눔스퀘어 Bold" panose="020B0600000101010101" pitchFamily="50" charset="-127"/>
+              </a:rPr>
+              <a:t>진 트리라면</a:t>
+            </a:r>
+            <a:r>
+              <a:rPr lang="en-US" altLang="ko-KR" dirty="0">
+                <a:latin typeface="나눔스퀘어 Bold" panose="020B0600000101010101" pitchFamily="50" charset="-127"/>
+                <a:ea typeface="나눔스퀘어 Bold" panose="020B0600000101010101" pitchFamily="50" charset="-127"/>
               </a:rPr>
               <a:t>, </a:t>
             </a:r>
             <a:r>
               <a:rPr lang="ko-KR" altLang="en-US" dirty="0">
-                <a:latin typeface="나눔스퀘어 Light" panose="020B0600000101010101" pitchFamily="50" charset="-127"/>
-                <a:ea typeface="나눔스퀘어 Light" panose="020B0600000101010101" pitchFamily="50" charset="-127"/>
-              </a:rPr>
-              <a:t>문자열로 입력 </a:t>
-            </a:r>
-            <a:r>
-              <a:rPr lang="ko-KR" altLang="en-US" dirty="0" err="1">
-                <a:latin typeface="나눔스퀘어 Light" panose="020B0600000101010101" pitchFamily="50" charset="-127"/>
-                <a:ea typeface="나눔스퀘어 Light" panose="020B0600000101010101" pitchFamily="50" charset="-127"/>
-              </a:rPr>
-              <a:t>받아야겠네요</a:t>
+                <a:latin typeface="나눔스퀘어 Bold" panose="020B0600000101010101" pitchFamily="50" charset="-127"/>
+                <a:ea typeface="나눔스퀘어 Bold" panose="020B0600000101010101" pitchFamily="50" charset="-127"/>
+              </a:rPr>
+              <a:t>다음 노드들을 어떻게 관리해야 할지 고민해보세요</a:t>
             </a:r>
             <a:r>
               <a:rPr lang="en-US" altLang="ko-KR" dirty="0">
-                <a:latin typeface="나눔스퀘어 Light" panose="020B0600000101010101" pitchFamily="50" charset="-127"/>
-                <a:ea typeface="나눔스퀘어 Light" panose="020B0600000101010101" pitchFamily="50" charset="-127"/>
+                <a:latin typeface="나눔스퀘어 Bold" panose="020B0600000101010101" pitchFamily="50" charset="-127"/>
+                <a:ea typeface="나눔스퀘어 Bold" panose="020B0600000101010101" pitchFamily="50" charset="-127"/>
               </a:rPr>
               <a:t>.</a:t>
             </a:r>
             <a:endParaRPr lang="ko-KR" altLang="en-US" dirty="0">
-              <a:latin typeface="나눔스퀘어 Light" panose="020B0600000101010101" pitchFamily="50" charset="-127"/>
-              <a:ea typeface="나눔스퀘어 Light" panose="020B0600000101010101" pitchFamily="50" charset="-127"/>
+              <a:latin typeface="나눔스퀘어 Bold" panose="020B0600000101010101" pitchFamily="50" charset="-127"/>
+              <a:ea typeface="나눔스퀘어 Bold" panose="020B0600000101010101" pitchFamily="50" charset="-127"/>
             </a:endParaRPr>
           </a:p>
         </p:txBody>
@@ -7362,7 +5743,7 @@
     </p:spTree>
     <p:extLst>
       <p:ext uri="{BB962C8B-B14F-4D97-AF65-F5344CB8AC3E}">
-        <p14:creationId xmlns:p14="http://schemas.microsoft.com/office/powerpoint/2010/main" val="1707572753"/>
+        <p14:creationId xmlns:p14="http://schemas.microsoft.com/office/powerpoint/2010/main" val="732558497"/>
       </p:ext>
     </p:extLst>
   </p:cSld>
@@ -9185,1843 +7566,6 @@
     <p:extLst>
       <p:ext uri="{BB962C8B-B14F-4D97-AF65-F5344CB8AC3E}">
         <p14:creationId xmlns:p14="http://schemas.microsoft.com/office/powerpoint/2010/main" val="3851950532"/>
-      </p:ext>
-    </p:extLst>
-  </p:cSld>
-  <p:clrMapOvr>
-    <a:masterClrMapping/>
-  </p:clrMapOvr>
-</p:sld>
-</file>
-
-<file path=ppt/slides/slide20.xml><?xml version="1.0" encoding="utf-8"?>
-<p:sld xmlns:a="http://schemas.openxmlformats.org/drawingml/2006/main" xmlns:r="http://schemas.openxmlformats.org/officeDocument/2006/relationships" xmlns:p="http://schemas.openxmlformats.org/presentationml/2006/main">
-  <p:cSld>
-    <p:spTree>
-      <p:nvGrpSpPr>
-        <p:cNvPr id="1" name=""/>
-        <p:cNvGrpSpPr/>
-        <p:nvPr/>
-      </p:nvGrpSpPr>
-      <p:grpSpPr>
-        <a:xfrm>
-          <a:off x="0" y="0"/>
-          <a:ext cx="0" cy="0"/>
-          <a:chOff x="0" y="0"/>
-          <a:chExt cx="0" cy="0"/>
-        </a:xfrm>
-      </p:grpSpPr>
-      <p:cxnSp>
-        <p:nvCxnSpPr>
-          <p:cNvPr id="5" name="직선 연결선 4">
-            <a:extLst>
-              <a:ext uri="{FF2B5EF4-FFF2-40B4-BE49-F238E27FC236}">
-                <a16:creationId xmlns:a16="http://schemas.microsoft.com/office/drawing/2014/main" id="{164C2827-EFCE-69A4-D037-1A218415F568}"/>
-              </a:ext>
-            </a:extLst>
-          </p:cNvPr>
-          <p:cNvCxnSpPr/>
-          <p:nvPr/>
-        </p:nvCxnSpPr>
-        <p:spPr>
-          <a:xfrm>
-            <a:off x="0" y="887505"/>
-            <a:ext cx="10237694" cy="0"/>
-          </a:xfrm>
-          <a:prstGeom prst="line">
-            <a:avLst/>
-          </a:prstGeom>
-          <a:ln w="76200">
-            <a:solidFill>
-              <a:schemeClr val="tx1">
-                <a:lumMod val="75000"/>
-                <a:lumOff val="25000"/>
-              </a:schemeClr>
-            </a:solidFill>
-          </a:ln>
-        </p:spPr>
-        <p:style>
-          <a:lnRef idx="1">
-            <a:schemeClr val="accent1"/>
-          </a:lnRef>
-          <a:fillRef idx="0">
-            <a:schemeClr val="accent1"/>
-          </a:fillRef>
-          <a:effectRef idx="0">
-            <a:schemeClr val="accent1"/>
-          </a:effectRef>
-          <a:fontRef idx="minor">
-            <a:schemeClr val="tx1"/>
-          </a:fontRef>
-        </p:style>
-      </p:cxnSp>
-      <p:sp>
-        <p:nvSpPr>
-          <p:cNvPr id="6" name="TextBox 5">
-            <a:extLst>
-              <a:ext uri="{FF2B5EF4-FFF2-40B4-BE49-F238E27FC236}">
-                <a16:creationId xmlns:a16="http://schemas.microsoft.com/office/drawing/2014/main" id="{4D81AF7D-5258-8E15-FF02-E90D5EDB63A3}"/>
-              </a:ext>
-            </a:extLst>
-          </p:cNvPr>
-          <p:cNvSpPr txBox="1"/>
-          <p:nvPr/>
-        </p:nvSpPr>
-        <p:spPr>
-          <a:xfrm>
-            <a:off x="331694" y="177505"/>
-            <a:ext cx="3339889" cy="523220"/>
-          </a:xfrm>
-          <a:prstGeom prst="rect">
-            <a:avLst/>
-          </a:prstGeom>
-          <a:noFill/>
-        </p:spPr>
-        <p:txBody>
-          <a:bodyPr wrap="none" rtlCol="0">
-            <a:spAutoFit/>
-          </a:bodyPr>
-          <a:lstStyle/>
-          <a:p>
-            <a:r>
-              <a:rPr lang="en-US" altLang="ko-KR" sz="2800" dirty="0">
-                <a:latin typeface="나눔스퀘어 Bold" panose="020B0600000101010101" pitchFamily="50" charset="-127"/>
-                <a:ea typeface="나눔스퀘어 Bold" panose="020B0600000101010101" pitchFamily="50" charset="-127"/>
-              </a:rPr>
-              <a:t>Greedy</a:t>
-            </a:r>
-            <a:r>
-              <a:rPr lang="ko-KR" altLang="en-US" sz="2800" dirty="0">
-                <a:latin typeface="나눔스퀘어 Bold" panose="020B0600000101010101" pitchFamily="50" charset="-127"/>
-                <a:ea typeface="나눔스퀘어 Bold" panose="020B0600000101010101" pitchFamily="50" charset="-127"/>
-              </a:rPr>
-              <a:t> </a:t>
-            </a:r>
-            <a:r>
-              <a:rPr lang="en-US" altLang="ko-KR" sz="2800" dirty="0">
-                <a:latin typeface="나눔스퀘어 Bold" panose="020B0600000101010101" pitchFamily="50" charset="-127"/>
-                <a:ea typeface="나눔스퀘어 Bold" panose="020B0600000101010101" pitchFamily="50" charset="-127"/>
-              </a:rPr>
-              <a:t>– 10610 30</a:t>
-            </a:r>
-            <a:endParaRPr lang="ko-KR" altLang="en-US" sz="2800" dirty="0">
-              <a:latin typeface="나눔스퀘어 Bold" panose="020B0600000101010101" pitchFamily="50" charset="-127"/>
-              <a:ea typeface="나눔스퀘어 Bold" panose="020B0600000101010101" pitchFamily="50" charset="-127"/>
-            </a:endParaRPr>
-          </a:p>
-        </p:txBody>
-      </p:sp>
-      <mc:AlternateContent xmlns:mc="http://schemas.openxmlformats.org/markup-compatibility/2006" xmlns:a14="http://schemas.microsoft.com/office/drawing/2010/main">
-        <mc:Choice Requires="a14">
-          <p:sp>
-            <p:nvSpPr>
-              <p:cNvPr id="3" name="TextBox 2">
-                <a:extLst>
-                  <a:ext uri="{FF2B5EF4-FFF2-40B4-BE49-F238E27FC236}">
-                    <a16:creationId xmlns:a16="http://schemas.microsoft.com/office/drawing/2014/main" id="{CB2E1765-B8F0-DDCE-604D-2FC685B68C9A}"/>
-                  </a:ext>
-                </a:extLst>
-              </p:cNvPr>
-              <p:cNvSpPr txBox="1"/>
-              <p:nvPr/>
-            </p:nvSpPr>
-            <p:spPr>
-              <a:xfrm>
-                <a:off x="942387" y="1190024"/>
-                <a:ext cx="10237694" cy="369332"/>
-              </a:xfrm>
-              <a:prstGeom prst="rect">
-                <a:avLst/>
-              </a:prstGeom>
-              <a:noFill/>
-            </p:spPr>
-            <p:txBody>
-              <a:bodyPr wrap="square" rtlCol="0">
-                <a:spAutoFit/>
-              </a:bodyPr>
-              <a:lstStyle/>
-              <a:p>
-                <a:r>
-                  <a:rPr lang="en-US" altLang="ko-KR" dirty="0">
-                    <a:latin typeface="나눔스퀘어 Light" panose="020B0600000101010101" pitchFamily="50" charset="-127"/>
-                    <a:ea typeface="나눔스퀘어 Light" panose="020B0600000101010101" pitchFamily="50" charset="-127"/>
-                  </a:rPr>
-                  <a:t>+++ TMI : C</a:t>
-                </a:r>
-                <a:r>
-                  <a:rPr lang="ko-KR" altLang="en-US" dirty="0">
-                    <a:latin typeface="나눔스퀘어 Light" panose="020B0600000101010101" pitchFamily="50" charset="-127"/>
-                    <a:ea typeface="나눔스퀘어 Light" panose="020B0600000101010101" pitchFamily="50" charset="-127"/>
-                  </a:rPr>
-                  <a:t>에서 기본 자료형으로 출력할 수 있는 최대값은 </a:t>
-                </a:r>
-                <a14:m>
-                  <m:oMath xmlns:m="http://schemas.openxmlformats.org/officeDocument/2006/math">
-                    <m:sSup>
-                      <m:sSupPr>
-                        <m:ctrlPr>
-                          <a:rPr lang="en-US" altLang="ko-KR" i="1" smtClean="0">
-                            <a:latin typeface="Cambria Math" panose="02040503050406030204" pitchFamily="18" charset="0"/>
-                            <a:ea typeface="나눔스퀘어 Light" panose="020B0600000101010101" pitchFamily="50" charset="-127"/>
-                          </a:rPr>
-                        </m:ctrlPr>
-                      </m:sSupPr>
-                      <m:e>
-                        <m:r>
-                          <a:rPr lang="en-US" altLang="ko-KR" b="0" i="1" smtClean="0">
-                            <a:latin typeface="Cambria Math" panose="02040503050406030204" pitchFamily="18" charset="0"/>
-                            <a:ea typeface="나눔스퀘어 Light" panose="020B0600000101010101" pitchFamily="50" charset="-127"/>
-                          </a:rPr>
-                          <m:t>2</m:t>
-                        </m:r>
-                      </m:e>
-                      <m:sup>
-                        <m:r>
-                          <a:rPr lang="en-US" altLang="ko-KR" b="0" i="1" smtClean="0">
-                            <a:latin typeface="Cambria Math" panose="02040503050406030204" pitchFamily="18" charset="0"/>
-                            <a:ea typeface="나눔스퀘어 Light" panose="020B0600000101010101" pitchFamily="50" charset="-127"/>
-                          </a:rPr>
-                          <m:t>64</m:t>
-                        </m:r>
-                      </m:sup>
-                    </m:sSup>
-                  </m:oMath>
-                </a14:m>
-                <a:r>
-                  <a:rPr lang="ko-KR" altLang="en-US" dirty="0">
-                    <a:latin typeface="나눔스퀘어 Light" panose="020B0600000101010101" pitchFamily="50" charset="-127"/>
-                    <a:ea typeface="나눔스퀘어 Light" panose="020B0600000101010101" pitchFamily="50" charset="-127"/>
-                  </a:rPr>
-                  <a:t> </a:t>
-                </a:r>
-                <a:r>
-                  <a:rPr lang="en-US" altLang="ko-KR" dirty="0">
-                    <a:latin typeface="나눔스퀘어 Light" panose="020B0600000101010101" pitchFamily="50" charset="-127"/>
-                    <a:ea typeface="나눔스퀘어 Light" panose="020B0600000101010101" pitchFamily="50" charset="-127"/>
-                  </a:rPr>
-                  <a:t>- 1 </a:t>
-                </a:r>
-                <a:r>
-                  <a:rPr lang="ko-KR" altLang="en-US" dirty="0">
-                    <a:latin typeface="나눔스퀘어 Light" panose="020B0600000101010101" pitchFamily="50" charset="-127"/>
-                    <a:ea typeface="나눔스퀘어 Light" panose="020B0600000101010101" pitchFamily="50" charset="-127"/>
-                  </a:rPr>
-                  <a:t>입니다</a:t>
-                </a:r>
-                <a:r>
-                  <a:rPr lang="en-US" altLang="ko-KR" dirty="0">
-                    <a:latin typeface="나눔스퀘어 Light" panose="020B0600000101010101" pitchFamily="50" charset="-127"/>
-                    <a:ea typeface="나눔스퀘어 Light" panose="020B0600000101010101" pitchFamily="50" charset="-127"/>
-                  </a:rPr>
-                  <a:t>.</a:t>
-                </a:r>
-                <a:endParaRPr lang="ko-KR" altLang="en-US" dirty="0">
-                  <a:latin typeface="나눔스퀘어 Light" panose="020B0600000101010101" pitchFamily="50" charset="-127"/>
-                  <a:ea typeface="나눔스퀘어 Light" panose="020B0600000101010101" pitchFamily="50" charset="-127"/>
-                </a:endParaRPr>
-              </a:p>
-            </p:txBody>
-          </p:sp>
-        </mc:Choice>
-        <mc:Fallback xmlns="">
-          <p:sp>
-            <p:nvSpPr>
-              <p:cNvPr id="3" name="TextBox 2">
-                <a:extLst>
-                  <a:ext uri="{FF2B5EF4-FFF2-40B4-BE49-F238E27FC236}">
-                    <a16:creationId xmlns:a16="http://schemas.microsoft.com/office/drawing/2014/main" id="{CB2E1765-B8F0-DDCE-604D-2FC685B68C9A}"/>
-                  </a:ext>
-                </a:extLst>
-              </p:cNvPr>
-              <p:cNvSpPr txBox="1">
-                <a:spLocks noRot="1" noChangeAspect="1" noMove="1" noResize="1" noEditPoints="1" noAdjustHandles="1" noChangeArrowheads="1" noChangeShapeType="1" noTextEdit="1"/>
-              </p:cNvSpPr>
-              <p:nvPr/>
-            </p:nvSpPr>
-            <p:spPr>
-              <a:xfrm>
-                <a:off x="942387" y="1190024"/>
-                <a:ext cx="10237694" cy="369332"/>
-              </a:xfrm>
-              <a:prstGeom prst="rect">
-                <a:avLst/>
-              </a:prstGeom>
-              <a:blipFill>
-                <a:blip r:embed="rId2"/>
-                <a:stretch>
-                  <a:fillRect l="-536" t="-6557" b="-26230"/>
-                </a:stretch>
-              </a:blipFill>
-            </p:spPr>
-            <p:txBody>
-              <a:bodyPr/>
-              <a:lstStyle/>
-              <a:p>
-                <a:r>
-                  <a:rPr lang="ko-KR" altLang="en-US">
-                    <a:noFill/>
-                  </a:rPr>
-                  <a:t> </a:t>
-                </a:r>
-              </a:p>
-            </p:txBody>
-          </p:sp>
-        </mc:Fallback>
-      </mc:AlternateContent>
-      <p:pic>
-        <p:nvPicPr>
-          <p:cNvPr id="13" name="그림 12">
-            <a:extLst>
-              <a:ext uri="{FF2B5EF4-FFF2-40B4-BE49-F238E27FC236}">
-                <a16:creationId xmlns:a16="http://schemas.microsoft.com/office/drawing/2014/main" id="{18101AB5-388D-7F85-AC01-19F9F541C0FC}"/>
-              </a:ext>
-            </a:extLst>
-          </p:cNvPr>
-          <p:cNvPicPr>
-            <a:picLocks noChangeAspect="1"/>
-          </p:cNvPicPr>
-          <p:nvPr/>
-        </p:nvPicPr>
-        <p:blipFill>
-          <a:blip r:embed="rId3"/>
-          <a:stretch>
-            <a:fillRect/>
-          </a:stretch>
-        </p:blipFill>
-        <p:spPr>
-          <a:xfrm>
-            <a:off x="942387" y="1559356"/>
-            <a:ext cx="6010897" cy="2282302"/>
-          </a:xfrm>
-          <a:prstGeom prst="rect">
-            <a:avLst/>
-          </a:prstGeom>
-        </p:spPr>
-      </p:pic>
-      <p:sp>
-        <p:nvSpPr>
-          <p:cNvPr id="2" name="TextBox 1">
-            <a:extLst>
-              <a:ext uri="{FF2B5EF4-FFF2-40B4-BE49-F238E27FC236}">
-                <a16:creationId xmlns:a16="http://schemas.microsoft.com/office/drawing/2014/main" id="{C60E92FA-BD28-3EC7-066D-11110C376B7D}"/>
-              </a:ext>
-            </a:extLst>
-          </p:cNvPr>
-          <p:cNvSpPr txBox="1"/>
-          <p:nvPr/>
-        </p:nvSpPr>
-        <p:spPr>
-          <a:xfrm>
-            <a:off x="942387" y="4210990"/>
-            <a:ext cx="10237694" cy="369332"/>
-          </a:xfrm>
-          <a:prstGeom prst="rect">
-            <a:avLst/>
-          </a:prstGeom>
-          <a:noFill/>
-        </p:spPr>
-        <p:txBody>
-          <a:bodyPr wrap="square" rtlCol="0">
-            <a:spAutoFit/>
-          </a:bodyPr>
-          <a:lstStyle/>
-          <a:p>
-            <a:r>
-              <a:rPr lang="ko-KR" altLang="en-US" dirty="0">
-                <a:latin typeface="나눔스퀘어 Light" panose="020B0600000101010101" pitchFamily="50" charset="-127"/>
-                <a:ea typeface="나눔스퀘어 Light" panose="020B0600000101010101" pitchFamily="50" charset="-127"/>
-              </a:rPr>
-              <a:t>어떤 수가 </a:t>
-            </a:r>
-            <a:r>
-              <a:rPr lang="en-US" altLang="ko-KR" dirty="0">
-                <a:latin typeface="나눔스퀘어 Light" panose="020B0600000101010101" pitchFamily="50" charset="-127"/>
-                <a:ea typeface="나눔스퀘어 Light" panose="020B0600000101010101" pitchFamily="50" charset="-127"/>
-              </a:rPr>
-              <a:t>3</a:t>
-            </a:r>
-            <a:r>
-              <a:rPr lang="ko-KR" altLang="en-US" dirty="0">
-                <a:latin typeface="나눔스퀘어 Light" panose="020B0600000101010101" pitchFamily="50" charset="-127"/>
-                <a:ea typeface="나눔스퀘어 Light" panose="020B0600000101010101" pitchFamily="50" charset="-127"/>
-              </a:rPr>
-              <a:t>의 배수인지를 판별하는 방법은</a:t>
-            </a:r>
-            <a:r>
-              <a:rPr lang="en-US" altLang="ko-KR" dirty="0">
-                <a:latin typeface="나눔스퀘어 Light" panose="020B0600000101010101" pitchFamily="50" charset="-127"/>
-                <a:ea typeface="나눔스퀘어 Light" panose="020B0600000101010101" pitchFamily="50" charset="-127"/>
-              </a:rPr>
-              <a:t>, </a:t>
-            </a:r>
-            <a:r>
-              <a:rPr lang="ko-KR" altLang="en-US" dirty="0">
-                <a:latin typeface="나눔스퀘어 Light" panose="020B0600000101010101" pitchFamily="50" charset="-127"/>
-                <a:ea typeface="나눔스퀘어 Light" panose="020B0600000101010101" pitchFamily="50" charset="-127"/>
-              </a:rPr>
-              <a:t>각 자리의 숫자를 더했을 때 </a:t>
-            </a:r>
-            <a:r>
-              <a:rPr lang="en-US" altLang="ko-KR" dirty="0">
-                <a:latin typeface="나눔스퀘어 Light" panose="020B0600000101010101" pitchFamily="50" charset="-127"/>
-                <a:ea typeface="나눔스퀘어 Light" panose="020B0600000101010101" pitchFamily="50" charset="-127"/>
-              </a:rPr>
-              <a:t>3</a:t>
-            </a:r>
-            <a:r>
-              <a:rPr lang="ko-KR" altLang="en-US" dirty="0">
-                <a:latin typeface="나눔스퀘어 Light" panose="020B0600000101010101" pitchFamily="50" charset="-127"/>
-                <a:ea typeface="나눔스퀘어 Light" panose="020B0600000101010101" pitchFamily="50" charset="-127"/>
-              </a:rPr>
-              <a:t>의 배수인지를 확인하면 됩니다</a:t>
-            </a:r>
-            <a:r>
-              <a:rPr lang="en-US" altLang="ko-KR" dirty="0">
-                <a:latin typeface="나눔스퀘어 Light" panose="020B0600000101010101" pitchFamily="50" charset="-127"/>
-                <a:ea typeface="나눔스퀘어 Light" panose="020B0600000101010101" pitchFamily="50" charset="-127"/>
-              </a:rPr>
-              <a:t>.</a:t>
-            </a:r>
-            <a:endParaRPr lang="ko-KR" altLang="en-US" dirty="0">
-              <a:latin typeface="나눔스퀘어 Light" panose="020B0600000101010101" pitchFamily="50" charset="-127"/>
-              <a:ea typeface="나눔스퀘어 Light" panose="020B0600000101010101" pitchFamily="50" charset="-127"/>
-            </a:endParaRPr>
-          </a:p>
-        </p:txBody>
-      </p:sp>
-      <p:sp>
-        <p:nvSpPr>
-          <p:cNvPr id="4" name="TextBox 3">
-            <a:extLst>
-              <a:ext uri="{FF2B5EF4-FFF2-40B4-BE49-F238E27FC236}">
-                <a16:creationId xmlns:a16="http://schemas.microsoft.com/office/drawing/2014/main" id="{322741E3-ACD1-FAC1-E424-1DC5AEAA5A60}"/>
-              </a:ext>
-            </a:extLst>
-          </p:cNvPr>
-          <p:cNvSpPr txBox="1"/>
-          <p:nvPr/>
-        </p:nvSpPr>
-        <p:spPr>
-          <a:xfrm>
-            <a:off x="942387" y="4580322"/>
-            <a:ext cx="10237694" cy="369332"/>
-          </a:xfrm>
-          <a:prstGeom prst="rect">
-            <a:avLst/>
-          </a:prstGeom>
-          <a:noFill/>
-        </p:spPr>
-        <p:txBody>
-          <a:bodyPr wrap="square" rtlCol="0">
-            <a:spAutoFit/>
-          </a:bodyPr>
-          <a:lstStyle/>
-          <a:p>
-            <a:r>
-              <a:rPr lang="en-US" altLang="ko-KR" dirty="0">
-                <a:latin typeface="나눔스퀘어 Light" panose="020B0600000101010101" pitchFamily="50" charset="-127"/>
-                <a:ea typeface="나눔스퀘어 Light" panose="020B0600000101010101" pitchFamily="50" charset="-127"/>
-              </a:rPr>
-              <a:t>ex : 12345</a:t>
-            </a:r>
-            <a:r>
-              <a:rPr lang="ko-KR" altLang="en-US" dirty="0">
-                <a:latin typeface="나눔스퀘어 Light" panose="020B0600000101010101" pitchFamily="50" charset="-127"/>
-                <a:ea typeface="나눔스퀘어 Light" panose="020B0600000101010101" pitchFamily="50" charset="-127"/>
-              </a:rPr>
-              <a:t>는 </a:t>
-            </a:r>
-            <a:r>
-              <a:rPr lang="en-US" altLang="ko-KR" dirty="0">
-                <a:latin typeface="나눔스퀘어 Light" panose="020B0600000101010101" pitchFamily="50" charset="-127"/>
-                <a:ea typeface="나눔스퀘어 Light" panose="020B0600000101010101" pitchFamily="50" charset="-127"/>
-              </a:rPr>
-              <a:t>1+2+3+4+5 = 15 </a:t>
-            </a:r>
-            <a:r>
-              <a:rPr lang="ko-KR" altLang="en-US" dirty="0">
-                <a:latin typeface="나눔스퀘어 Light" panose="020B0600000101010101" pitchFamily="50" charset="-127"/>
-                <a:ea typeface="나눔스퀘어 Light" panose="020B0600000101010101" pitchFamily="50" charset="-127"/>
-              </a:rPr>
-              <a:t>이고</a:t>
-            </a:r>
-            <a:r>
-              <a:rPr lang="en-US" altLang="ko-KR" dirty="0">
-                <a:latin typeface="나눔스퀘어 Light" panose="020B0600000101010101" pitchFamily="50" charset="-127"/>
-                <a:ea typeface="나눔스퀘어 Light" panose="020B0600000101010101" pitchFamily="50" charset="-127"/>
-              </a:rPr>
-              <a:t>, 15 % 3 == 0 </a:t>
-            </a:r>
-            <a:r>
-              <a:rPr lang="ko-KR" altLang="en-US" dirty="0">
-                <a:latin typeface="나눔스퀘어 Light" panose="020B0600000101010101" pitchFamily="50" charset="-127"/>
-                <a:ea typeface="나눔스퀘어 Light" panose="020B0600000101010101" pitchFamily="50" charset="-127"/>
-              </a:rPr>
-              <a:t>이기 때문에 </a:t>
-            </a:r>
-            <a:r>
-              <a:rPr lang="en-US" altLang="ko-KR" dirty="0">
-                <a:latin typeface="나눔스퀘어 Light" panose="020B0600000101010101" pitchFamily="50" charset="-127"/>
-                <a:ea typeface="나눔스퀘어 Light" panose="020B0600000101010101" pitchFamily="50" charset="-127"/>
-              </a:rPr>
-              <a:t>3</a:t>
-            </a:r>
-            <a:r>
-              <a:rPr lang="ko-KR" altLang="en-US" dirty="0">
-                <a:latin typeface="나눔스퀘어 Light" panose="020B0600000101010101" pitchFamily="50" charset="-127"/>
-                <a:ea typeface="나눔스퀘어 Light" panose="020B0600000101010101" pitchFamily="50" charset="-127"/>
-              </a:rPr>
-              <a:t>의 배수</a:t>
-            </a:r>
-          </a:p>
-        </p:txBody>
-      </p:sp>
-      <p:sp>
-        <p:nvSpPr>
-          <p:cNvPr id="7" name="TextBox 6">
-            <a:extLst>
-              <a:ext uri="{FF2B5EF4-FFF2-40B4-BE49-F238E27FC236}">
-                <a16:creationId xmlns:a16="http://schemas.microsoft.com/office/drawing/2014/main" id="{39A1F1E1-6E15-1D3E-B72F-91D134F77CD1}"/>
-              </a:ext>
-            </a:extLst>
-          </p:cNvPr>
-          <p:cNvSpPr txBox="1"/>
-          <p:nvPr/>
-        </p:nvSpPr>
-        <p:spPr>
-          <a:xfrm>
-            <a:off x="942387" y="4929312"/>
-            <a:ext cx="10237694" cy="369332"/>
-          </a:xfrm>
-          <a:prstGeom prst="rect">
-            <a:avLst/>
-          </a:prstGeom>
-          <a:noFill/>
-        </p:spPr>
-        <p:txBody>
-          <a:bodyPr wrap="square" rtlCol="0">
-            <a:spAutoFit/>
-          </a:bodyPr>
-          <a:lstStyle/>
-          <a:p>
-            <a:r>
-              <a:rPr lang="en-US" altLang="ko-KR" dirty="0">
-                <a:latin typeface="나눔스퀘어 Light" panose="020B0600000101010101" pitchFamily="50" charset="-127"/>
-                <a:ea typeface="나눔스퀘어 Light" panose="020B0600000101010101" pitchFamily="50" charset="-127"/>
-              </a:rPr>
-              <a:t>ex : 1235</a:t>
-            </a:r>
-            <a:r>
-              <a:rPr lang="ko-KR" altLang="en-US" dirty="0">
-                <a:latin typeface="나눔스퀘어 Light" panose="020B0600000101010101" pitchFamily="50" charset="-127"/>
-                <a:ea typeface="나눔스퀘어 Light" panose="020B0600000101010101" pitchFamily="50" charset="-127"/>
-              </a:rPr>
-              <a:t>는 </a:t>
-            </a:r>
-            <a:r>
-              <a:rPr lang="en-US" altLang="ko-KR" dirty="0">
-                <a:latin typeface="나눔스퀘어 Light" panose="020B0600000101010101" pitchFamily="50" charset="-127"/>
-                <a:ea typeface="나눔스퀘어 Light" panose="020B0600000101010101" pitchFamily="50" charset="-127"/>
-              </a:rPr>
-              <a:t>1+2+3+5 = 11 </a:t>
-            </a:r>
-            <a:r>
-              <a:rPr lang="ko-KR" altLang="en-US" dirty="0">
-                <a:latin typeface="나눔스퀘어 Light" panose="020B0600000101010101" pitchFamily="50" charset="-127"/>
-                <a:ea typeface="나눔스퀘어 Light" panose="020B0600000101010101" pitchFamily="50" charset="-127"/>
-              </a:rPr>
-              <a:t>이고</a:t>
-            </a:r>
-            <a:r>
-              <a:rPr lang="en-US" altLang="ko-KR" dirty="0">
-                <a:latin typeface="나눔스퀘어 Light" panose="020B0600000101010101" pitchFamily="50" charset="-127"/>
-                <a:ea typeface="나눔스퀘어 Light" panose="020B0600000101010101" pitchFamily="50" charset="-127"/>
-              </a:rPr>
-              <a:t>, 11 % 3 != 0 </a:t>
-            </a:r>
-            <a:r>
-              <a:rPr lang="ko-KR" altLang="en-US" dirty="0">
-                <a:latin typeface="나눔스퀘어 Light" panose="020B0600000101010101" pitchFamily="50" charset="-127"/>
-                <a:ea typeface="나눔스퀘어 Light" panose="020B0600000101010101" pitchFamily="50" charset="-127"/>
-              </a:rPr>
-              <a:t>이기 때문에 </a:t>
-            </a:r>
-            <a:r>
-              <a:rPr lang="en-US" altLang="ko-KR" dirty="0">
-                <a:latin typeface="나눔스퀘어 Light" panose="020B0600000101010101" pitchFamily="50" charset="-127"/>
-                <a:ea typeface="나눔스퀘어 Light" panose="020B0600000101010101" pitchFamily="50" charset="-127"/>
-              </a:rPr>
-              <a:t>3</a:t>
-            </a:r>
-            <a:r>
-              <a:rPr lang="ko-KR" altLang="en-US" dirty="0">
-                <a:latin typeface="나눔스퀘어 Light" panose="020B0600000101010101" pitchFamily="50" charset="-127"/>
-                <a:ea typeface="나눔스퀘어 Light" panose="020B0600000101010101" pitchFamily="50" charset="-127"/>
-              </a:rPr>
-              <a:t>의 배수가 아님</a:t>
-            </a:r>
-          </a:p>
-        </p:txBody>
-      </p:sp>
-      <p:sp>
-        <p:nvSpPr>
-          <p:cNvPr id="10" name="TextBox 9">
-            <a:extLst>
-              <a:ext uri="{FF2B5EF4-FFF2-40B4-BE49-F238E27FC236}">
-                <a16:creationId xmlns:a16="http://schemas.microsoft.com/office/drawing/2014/main" id="{0E2A8C84-A6ED-DC82-C3E0-F839C99DECAF}"/>
-              </a:ext>
-            </a:extLst>
-          </p:cNvPr>
-          <p:cNvSpPr txBox="1"/>
-          <p:nvPr/>
-        </p:nvSpPr>
-        <p:spPr>
-          <a:xfrm>
-            <a:off x="942387" y="5647634"/>
-            <a:ext cx="10237694" cy="369332"/>
-          </a:xfrm>
-          <a:prstGeom prst="rect">
-            <a:avLst/>
-          </a:prstGeom>
-          <a:noFill/>
-        </p:spPr>
-        <p:txBody>
-          <a:bodyPr wrap="square" rtlCol="0">
-            <a:spAutoFit/>
-          </a:bodyPr>
-          <a:lstStyle/>
-          <a:p>
-            <a:r>
-              <a:rPr lang="en-US" altLang="ko-KR" dirty="0">
-                <a:latin typeface="나눔스퀘어 Light" panose="020B0600000101010101" pitchFamily="50" charset="-127"/>
-                <a:ea typeface="나눔스퀘어 Light" panose="020B0600000101010101" pitchFamily="50" charset="-127"/>
-              </a:rPr>
-              <a:t>30</a:t>
-            </a:r>
-            <a:r>
-              <a:rPr lang="ko-KR" altLang="en-US" dirty="0">
-                <a:latin typeface="나눔스퀘어 Light" panose="020B0600000101010101" pitchFamily="50" charset="-127"/>
-                <a:ea typeface="나눔스퀘어 Light" panose="020B0600000101010101" pitchFamily="50" charset="-127"/>
-              </a:rPr>
-              <a:t>의 배수는 </a:t>
-            </a:r>
-            <a:r>
-              <a:rPr lang="en-US" altLang="ko-KR" dirty="0">
-                <a:latin typeface="나눔스퀘어 Light" panose="020B0600000101010101" pitchFamily="50" charset="-127"/>
-                <a:ea typeface="나눔스퀘어 Light" panose="020B0600000101010101" pitchFamily="50" charset="-127"/>
-              </a:rPr>
-              <a:t>3</a:t>
-            </a:r>
-            <a:r>
-              <a:rPr lang="ko-KR" altLang="en-US" dirty="0">
-                <a:latin typeface="나눔스퀘어 Light" panose="020B0600000101010101" pitchFamily="50" charset="-127"/>
-                <a:ea typeface="나눔스퀘어 Light" panose="020B0600000101010101" pitchFamily="50" charset="-127"/>
-              </a:rPr>
-              <a:t>의 배수에 </a:t>
-            </a:r>
-            <a:r>
-              <a:rPr lang="en-US" altLang="ko-KR" dirty="0">
-                <a:latin typeface="나눔스퀘어 Light" panose="020B0600000101010101" pitchFamily="50" charset="-127"/>
-                <a:ea typeface="나눔스퀘어 Light" panose="020B0600000101010101" pitchFamily="50" charset="-127"/>
-              </a:rPr>
-              <a:t>0</a:t>
-            </a:r>
-            <a:r>
-              <a:rPr lang="ko-KR" altLang="en-US" dirty="0">
-                <a:latin typeface="나눔스퀘어 Light" panose="020B0600000101010101" pitchFamily="50" charset="-127"/>
-                <a:ea typeface="나눔스퀘어 Light" panose="020B0600000101010101" pitchFamily="50" charset="-127"/>
-              </a:rPr>
-              <a:t>이 뒤에 붙기만 하면 됩니다</a:t>
-            </a:r>
-            <a:r>
-              <a:rPr lang="en-US" altLang="ko-KR" dirty="0">
-                <a:latin typeface="나눔스퀘어 Light" panose="020B0600000101010101" pitchFamily="50" charset="-127"/>
-                <a:ea typeface="나눔스퀘어 Light" panose="020B0600000101010101" pitchFamily="50" charset="-127"/>
-              </a:rPr>
-              <a:t>.</a:t>
-            </a:r>
-            <a:endParaRPr lang="ko-KR" altLang="en-US" dirty="0">
-              <a:latin typeface="나눔스퀘어 Light" panose="020B0600000101010101" pitchFamily="50" charset="-127"/>
-              <a:ea typeface="나눔스퀘어 Light" panose="020B0600000101010101" pitchFamily="50" charset="-127"/>
-            </a:endParaRPr>
-          </a:p>
-        </p:txBody>
-      </p:sp>
-      <p:sp>
-        <p:nvSpPr>
-          <p:cNvPr id="11" name="TextBox 10">
-            <a:extLst>
-              <a:ext uri="{FF2B5EF4-FFF2-40B4-BE49-F238E27FC236}">
-                <a16:creationId xmlns:a16="http://schemas.microsoft.com/office/drawing/2014/main" id="{3A32883B-54B3-7771-96B7-7022C3A162AD}"/>
-              </a:ext>
-            </a:extLst>
-          </p:cNvPr>
-          <p:cNvSpPr txBox="1"/>
-          <p:nvPr/>
-        </p:nvSpPr>
-        <p:spPr>
-          <a:xfrm>
-            <a:off x="942387" y="6019190"/>
-            <a:ext cx="10237694" cy="369332"/>
-          </a:xfrm>
-          <a:prstGeom prst="rect">
-            <a:avLst/>
-          </a:prstGeom>
-          <a:noFill/>
-        </p:spPr>
-        <p:txBody>
-          <a:bodyPr wrap="square" rtlCol="0">
-            <a:spAutoFit/>
-          </a:bodyPr>
-          <a:lstStyle/>
-          <a:p>
-            <a:r>
-              <a:rPr lang="en-US" altLang="ko-KR" dirty="0">
-                <a:latin typeface="나눔스퀘어 Light" panose="020B0600000101010101" pitchFamily="50" charset="-127"/>
-                <a:ea typeface="나눔스퀘어 Light" panose="020B0600000101010101" pitchFamily="50" charset="-127"/>
-              </a:rPr>
-              <a:t>ex : 123450</a:t>
-            </a:r>
-            <a:r>
-              <a:rPr lang="ko-KR" altLang="en-US" dirty="0">
-                <a:latin typeface="나눔스퀘어 Light" panose="020B0600000101010101" pitchFamily="50" charset="-127"/>
-                <a:ea typeface="나눔스퀘어 Light" panose="020B0600000101010101" pitchFamily="50" charset="-127"/>
-              </a:rPr>
-              <a:t>은 </a:t>
-            </a:r>
-            <a:r>
-              <a:rPr lang="en-US" altLang="ko-KR" dirty="0">
-                <a:latin typeface="나눔스퀘어 Light" panose="020B0600000101010101" pitchFamily="50" charset="-127"/>
-                <a:ea typeface="나눔스퀘어 Light" panose="020B0600000101010101" pitchFamily="50" charset="-127"/>
-              </a:rPr>
-              <a:t>3</a:t>
-            </a:r>
-            <a:r>
-              <a:rPr lang="ko-KR" altLang="en-US" dirty="0">
-                <a:latin typeface="나눔스퀘어 Light" panose="020B0600000101010101" pitchFamily="50" charset="-127"/>
-                <a:ea typeface="나눔스퀘어 Light" panose="020B0600000101010101" pitchFamily="50" charset="-127"/>
-              </a:rPr>
-              <a:t>의 배수</a:t>
-            </a:r>
-            <a:r>
-              <a:rPr lang="en-US" altLang="ko-KR" dirty="0">
-                <a:latin typeface="나눔스퀘어 Light" panose="020B0600000101010101" pitchFamily="50" charset="-127"/>
-                <a:ea typeface="나눔스퀘어 Light" panose="020B0600000101010101" pitchFamily="50" charset="-127"/>
-              </a:rPr>
-              <a:t>, 12350</a:t>
-            </a:r>
-            <a:r>
-              <a:rPr lang="ko-KR" altLang="en-US" dirty="0">
-                <a:latin typeface="나눔스퀘어 Light" panose="020B0600000101010101" pitchFamily="50" charset="-127"/>
-                <a:ea typeface="나눔스퀘어 Light" panose="020B0600000101010101" pitchFamily="50" charset="-127"/>
-              </a:rPr>
-              <a:t>은 </a:t>
-            </a:r>
-            <a:r>
-              <a:rPr lang="en-US" altLang="ko-KR" dirty="0">
-                <a:latin typeface="나눔스퀘어 Light" panose="020B0600000101010101" pitchFamily="50" charset="-127"/>
-                <a:ea typeface="나눔스퀘어 Light" panose="020B0600000101010101" pitchFamily="50" charset="-127"/>
-              </a:rPr>
-              <a:t>3</a:t>
-            </a:r>
-            <a:r>
-              <a:rPr lang="ko-KR" altLang="en-US" dirty="0">
-                <a:latin typeface="나눔스퀘어 Light" panose="020B0600000101010101" pitchFamily="50" charset="-127"/>
-                <a:ea typeface="나눔스퀘어 Light" panose="020B0600000101010101" pitchFamily="50" charset="-127"/>
-              </a:rPr>
-              <a:t>의 배수가 아님</a:t>
-            </a:r>
-          </a:p>
-        </p:txBody>
-      </p:sp>
-    </p:spTree>
-    <p:extLst>
-      <p:ext uri="{BB962C8B-B14F-4D97-AF65-F5344CB8AC3E}">
-        <p14:creationId xmlns:p14="http://schemas.microsoft.com/office/powerpoint/2010/main" val="1829354676"/>
-      </p:ext>
-    </p:extLst>
-  </p:cSld>
-  <p:clrMapOvr>
-    <a:masterClrMapping/>
-  </p:clrMapOvr>
-</p:sld>
-</file>
-
-<file path=ppt/slides/slide21.xml><?xml version="1.0" encoding="utf-8"?>
-<p:sld xmlns:a="http://schemas.openxmlformats.org/drawingml/2006/main" xmlns:r="http://schemas.openxmlformats.org/officeDocument/2006/relationships" xmlns:p="http://schemas.openxmlformats.org/presentationml/2006/main">
-  <p:cSld>
-    <p:spTree>
-      <p:nvGrpSpPr>
-        <p:cNvPr id="1" name=""/>
-        <p:cNvGrpSpPr/>
-        <p:nvPr/>
-      </p:nvGrpSpPr>
-      <p:grpSpPr>
-        <a:xfrm>
-          <a:off x="0" y="0"/>
-          <a:ext cx="0" cy="0"/>
-          <a:chOff x="0" y="0"/>
-          <a:chExt cx="0" cy="0"/>
-        </a:xfrm>
-      </p:grpSpPr>
-      <p:cxnSp>
-        <p:nvCxnSpPr>
-          <p:cNvPr id="5" name="직선 연결선 4">
-            <a:extLst>
-              <a:ext uri="{FF2B5EF4-FFF2-40B4-BE49-F238E27FC236}">
-                <a16:creationId xmlns:a16="http://schemas.microsoft.com/office/drawing/2014/main" id="{164C2827-EFCE-69A4-D037-1A218415F568}"/>
-              </a:ext>
-            </a:extLst>
-          </p:cNvPr>
-          <p:cNvCxnSpPr/>
-          <p:nvPr/>
-        </p:nvCxnSpPr>
-        <p:spPr>
-          <a:xfrm>
-            <a:off x="0" y="887505"/>
-            <a:ext cx="10237694" cy="0"/>
-          </a:xfrm>
-          <a:prstGeom prst="line">
-            <a:avLst/>
-          </a:prstGeom>
-          <a:ln w="76200">
-            <a:solidFill>
-              <a:schemeClr val="tx1">
-                <a:lumMod val="75000"/>
-                <a:lumOff val="25000"/>
-              </a:schemeClr>
-            </a:solidFill>
-          </a:ln>
-        </p:spPr>
-        <p:style>
-          <a:lnRef idx="1">
-            <a:schemeClr val="accent1"/>
-          </a:lnRef>
-          <a:fillRef idx="0">
-            <a:schemeClr val="accent1"/>
-          </a:fillRef>
-          <a:effectRef idx="0">
-            <a:schemeClr val="accent1"/>
-          </a:effectRef>
-          <a:fontRef idx="minor">
-            <a:schemeClr val="tx1"/>
-          </a:fontRef>
-        </p:style>
-      </p:cxnSp>
-      <p:sp>
-        <p:nvSpPr>
-          <p:cNvPr id="6" name="TextBox 5">
-            <a:extLst>
-              <a:ext uri="{FF2B5EF4-FFF2-40B4-BE49-F238E27FC236}">
-                <a16:creationId xmlns:a16="http://schemas.microsoft.com/office/drawing/2014/main" id="{4D81AF7D-5258-8E15-FF02-E90D5EDB63A3}"/>
-              </a:ext>
-            </a:extLst>
-          </p:cNvPr>
-          <p:cNvSpPr txBox="1"/>
-          <p:nvPr/>
-        </p:nvSpPr>
-        <p:spPr>
-          <a:xfrm>
-            <a:off x="331694" y="177505"/>
-            <a:ext cx="3339889" cy="523220"/>
-          </a:xfrm>
-          <a:prstGeom prst="rect">
-            <a:avLst/>
-          </a:prstGeom>
-          <a:noFill/>
-        </p:spPr>
-        <p:txBody>
-          <a:bodyPr wrap="none" rtlCol="0">
-            <a:spAutoFit/>
-          </a:bodyPr>
-          <a:lstStyle/>
-          <a:p>
-            <a:r>
-              <a:rPr lang="en-US" altLang="ko-KR" sz="2800" dirty="0">
-                <a:latin typeface="나눔스퀘어 Bold" panose="020B0600000101010101" pitchFamily="50" charset="-127"/>
-                <a:ea typeface="나눔스퀘어 Bold" panose="020B0600000101010101" pitchFamily="50" charset="-127"/>
-              </a:rPr>
-              <a:t>Greedy</a:t>
-            </a:r>
-            <a:r>
-              <a:rPr lang="ko-KR" altLang="en-US" sz="2800" dirty="0">
-                <a:latin typeface="나눔스퀘어 Bold" panose="020B0600000101010101" pitchFamily="50" charset="-127"/>
-                <a:ea typeface="나눔스퀘어 Bold" panose="020B0600000101010101" pitchFamily="50" charset="-127"/>
-              </a:rPr>
-              <a:t> </a:t>
-            </a:r>
-            <a:r>
-              <a:rPr lang="en-US" altLang="ko-KR" sz="2800" dirty="0">
-                <a:latin typeface="나눔스퀘어 Bold" panose="020B0600000101010101" pitchFamily="50" charset="-127"/>
-                <a:ea typeface="나눔스퀘어 Bold" panose="020B0600000101010101" pitchFamily="50" charset="-127"/>
-              </a:rPr>
-              <a:t>– 10610 30</a:t>
-            </a:r>
-            <a:endParaRPr lang="ko-KR" altLang="en-US" sz="2800" dirty="0">
-              <a:latin typeface="나눔스퀘어 Bold" panose="020B0600000101010101" pitchFamily="50" charset="-127"/>
-              <a:ea typeface="나눔스퀘어 Bold" panose="020B0600000101010101" pitchFamily="50" charset="-127"/>
-            </a:endParaRPr>
-          </a:p>
-        </p:txBody>
-      </p:sp>
-      <p:sp>
-        <p:nvSpPr>
-          <p:cNvPr id="3" name="TextBox 2">
-            <a:extLst>
-              <a:ext uri="{FF2B5EF4-FFF2-40B4-BE49-F238E27FC236}">
-                <a16:creationId xmlns:a16="http://schemas.microsoft.com/office/drawing/2014/main" id="{CB2E1765-B8F0-DDCE-604D-2FC685B68C9A}"/>
-              </a:ext>
-            </a:extLst>
-          </p:cNvPr>
-          <p:cNvSpPr txBox="1"/>
-          <p:nvPr/>
-        </p:nvSpPr>
-        <p:spPr>
-          <a:xfrm>
-            <a:off x="942387" y="1190024"/>
-            <a:ext cx="10237694" cy="369332"/>
-          </a:xfrm>
-          <a:prstGeom prst="rect">
-            <a:avLst/>
-          </a:prstGeom>
-          <a:noFill/>
-        </p:spPr>
-        <p:txBody>
-          <a:bodyPr wrap="square" rtlCol="0">
-            <a:spAutoFit/>
-          </a:bodyPr>
-          <a:lstStyle/>
-          <a:p>
-            <a:r>
-              <a:rPr lang="en-US" altLang="ko-KR" dirty="0">
-                <a:latin typeface="나눔스퀘어 Light" panose="020B0600000101010101" pitchFamily="50" charset="-127"/>
-                <a:ea typeface="나눔스퀘어 Light" panose="020B0600000101010101" pitchFamily="50" charset="-127"/>
-              </a:rPr>
-              <a:t>30</a:t>
-            </a:r>
-            <a:r>
-              <a:rPr lang="ko-KR" altLang="en-US" dirty="0">
-                <a:latin typeface="나눔스퀘어 Light" panose="020B0600000101010101" pitchFamily="50" charset="-127"/>
-                <a:ea typeface="나눔스퀘어 Light" panose="020B0600000101010101" pitchFamily="50" charset="-127"/>
-              </a:rPr>
-              <a:t>배수의 판별법은 </a:t>
-            </a:r>
-            <a:r>
-              <a:rPr lang="ko-KR" altLang="en-US" dirty="0" err="1">
-                <a:latin typeface="나눔스퀘어 Light" panose="020B0600000101010101" pitchFamily="50" charset="-127"/>
-                <a:ea typeface="나눔스퀘어 Light" panose="020B0600000101010101" pitchFamily="50" charset="-127"/>
-              </a:rPr>
-              <a:t>해결됬으니</a:t>
-            </a:r>
-            <a:r>
-              <a:rPr lang="en-US" altLang="ko-KR" dirty="0">
-                <a:latin typeface="나눔스퀘어 Light" panose="020B0600000101010101" pitchFamily="50" charset="-127"/>
-                <a:ea typeface="나눔스퀘어 Light" panose="020B0600000101010101" pitchFamily="50" charset="-127"/>
-              </a:rPr>
-              <a:t>, </a:t>
-            </a:r>
-            <a:r>
-              <a:rPr lang="ko-KR" altLang="en-US" dirty="0">
-                <a:latin typeface="나눔스퀘어 Light" panose="020B0600000101010101" pitchFamily="50" charset="-127"/>
-                <a:ea typeface="나눔스퀘어 Light" panose="020B0600000101010101" pitchFamily="50" charset="-127"/>
-              </a:rPr>
-              <a:t>이제 수를 크게 만들기만 하면 됩니다</a:t>
-            </a:r>
-            <a:r>
-              <a:rPr lang="en-US" altLang="ko-KR" dirty="0">
-                <a:latin typeface="나눔스퀘어 Light" panose="020B0600000101010101" pitchFamily="50" charset="-127"/>
-                <a:ea typeface="나눔스퀘어 Light" panose="020B0600000101010101" pitchFamily="50" charset="-127"/>
-              </a:rPr>
-              <a:t>.</a:t>
-            </a:r>
-            <a:endParaRPr lang="ko-KR" altLang="en-US" dirty="0">
-              <a:latin typeface="나눔스퀘어 Light" panose="020B0600000101010101" pitchFamily="50" charset="-127"/>
-              <a:ea typeface="나눔스퀘어 Light" panose="020B0600000101010101" pitchFamily="50" charset="-127"/>
-            </a:endParaRPr>
-          </a:p>
-        </p:txBody>
-      </p:sp>
-      <p:sp>
-        <p:nvSpPr>
-          <p:cNvPr id="8" name="TextBox 7">
-            <a:extLst>
-              <a:ext uri="{FF2B5EF4-FFF2-40B4-BE49-F238E27FC236}">
-                <a16:creationId xmlns:a16="http://schemas.microsoft.com/office/drawing/2014/main" id="{12DB2B74-A1C5-43D0-6227-B0350E62B2F8}"/>
-              </a:ext>
-            </a:extLst>
-          </p:cNvPr>
-          <p:cNvSpPr txBox="1"/>
-          <p:nvPr/>
-        </p:nvSpPr>
-        <p:spPr>
-          <a:xfrm>
-            <a:off x="942387" y="1559356"/>
-            <a:ext cx="10237694" cy="369332"/>
-          </a:xfrm>
-          <a:prstGeom prst="rect">
-            <a:avLst/>
-          </a:prstGeom>
-          <a:noFill/>
-        </p:spPr>
-        <p:txBody>
-          <a:bodyPr wrap="square" rtlCol="0">
-            <a:spAutoFit/>
-          </a:bodyPr>
-          <a:lstStyle/>
-          <a:p>
-            <a:r>
-              <a:rPr lang="ko-KR" altLang="en-US" dirty="0">
-                <a:latin typeface="나눔스퀘어 Light" panose="020B0600000101010101" pitchFamily="50" charset="-127"/>
-                <a:ea typeface="나눔스퀘어 Light" panose="020B0600000101010101" pitchFamily="50" charset="-127"/>
-              </a:rPr>
-              <a:t>간단합니다</a:t>
-            </a:r>
-            <a:r>
-              <a:rPr lang="en-US" altLang="ko-KR" dirty="0">
-                <a:latin typeface="나눔스퀘어 Light" panose="020B0600000101010101" pitchFamily="50" charset="-127"/>
-                <a:ea typeface="나눔스퀘어 Light" panose="020B0600000101010101" pitchFamily="50" charset="-127"/>
-              </a:rPr>
-              <a:t>. </a:t>
-            </a:r>
-            <a:r>
-              <a:rPr lang="ko-KR" altLang="en-US" dirty="0">
-                <a:latin typeface="나눔스퀘어 Light" panose="020B0600000101010101" pitchFamily="50" charset="-127"/>
-                <a:ea typeface="나눔스퀘어 Light" panose="020B0600000101010101" pitchFamily="50" charset="-127"/>
-              </a:rPr>
-              <a:t>그냥 큰 수가 앞에 오도록</a:t>
-            </a:r>
-            <a:r>
-              <a:rPr lang="en-US" altLang="ko-KR" dirty="0">
-                <a:latin typeface="나눔스퀘어 Light" panose="020B0600000101010101" pitchFamily="50" charset="-127"/>
-                <a:ea typeface="나눔스퀘어 Light" panose="020B0600000101010101" pitchFamily="50" charset="-127"/>
-              </a:rPr>
-              <a:t>(</a:t>
-            </a:r>
-            <a:r>
-              <a:rPr lang="ko-KR" altLang="en-US" dirty="0">
-                <a:latin typeface="나눔스퀘어 Light" panose="020B0600000101010101" pitchFamily="50" charset="-127"/>
-                <a:ea typeface="나눔스퀘어 Light" panose="020B0600000101010101" pitchFamily="50" charset="-127"/>
-              </a:rPr>
-              <a:t>내림차순</a:t>
-            </a:r>
-            <a:r>
-              <a:rPr lang="en-US" altLang="ko-KR" dirty="0">
-                <a:latin typeface="나눔스퀘어 Light" panose="020B0600000101010101" pitchFamily="50" charset="-127"/>
-                <a:ea typeface="나눔스퀘어 Light" panose="020B0600000101010101" pitchFamily="50" charset="-127"/>
-              </a:rPr>
-              <a:t>) </a:t>
-            </a:r>
-            <a:r>
-              <a:rPr lang="ko-KR" altLang="en-US" dirty="0">
-                <a:latin typeface="나눔스퀘어 Light" panose="020B0600000101010101" pitchFamily="50" charset="-127"/>
-                <a:ea typeface="나눔스퀘어 Light" panose="020B0600000101010101" pitchFamily="50" charset="-127"/>
-              </a:rPr>
-              <a:t>하면 됩니다</a:t>
-            </a:r>
-            <a:r>
-              <a:rPr lang="en-US" altLang="ko-KR" dirty="0">
-                <a:latin typeface="나눔스퀘어 Light" panose="020B0600000101010101" pitchFamily="50" charset="-127"/>
-                <a:ea typeface="나눔스퀘어 Light" panose="020B0600000101010101" pitchFamily="50" charset="-127"/>
-              </a:rPr>
-              <a:t>.</a:t>
-            </a:r>
-            <a:endParaRPr lang="ko-KR" altLang="en-US" dirty="0">
-              <a:latin typeface="나눔스퀘어 Light" panose="020B0600000101010101" pitchFamily="50" charset="-127"/>
-              <a:ea typeface="나눔스퀘어 Light" panose="020B0600000101010101" pitchFamily="50" charset="-127"/>
-            </a:endParaRPr>
-          </a:p>
-        </p:txBody>
-      </p:sp>
-      <p:pic>
-        <p:nvPicPr>
-          <p:cNvPr id="15" name="그림 14">
-            <a:extLst>
-              <a:ext uri="{FF2B5EF4-FFF2-40B4-BE49-F238E27FC236}">
-                <a16:creationId xmlns:a16="http://schemas.microsoft.com/office/drawing/2014/main" id="{E3071453-19D4-D445-C16B-EC5742EA2C3D}"/>
-              </a:ext>
-            </a:extLst>
-          </p:cNvPr>
-          <p:cNvPicPr>
-            <a:picLocks noChangeAspect="1"/>
-          </p:cNvPicPr>
-          <p:nvPr/>
-        </p:nvPicPr>
-        <p:blipFill>
-          <a:blip r:embed="rId2"/>
-          <a:stretch>
-            <a:fillRect/>
-          </a:stretch>
-        </p:blipFill>
-        <p:spPr>
-          <a:xfrm>
-            <a:off x="942387" y="1928687"/>
-            <a:ext cx="7361104" cy="4784101"/>
-          </a:xfrm>
-          <a:prstGeom prst="rect">
-            <a:avLst/>
-          </a:prstGeom>
-        </p:spPr>
-      </p:pic>
-    </p:spTree>
-    <p:extLst>
-      <p:ext uri="{BB962C8B-B14F-4D97-AF65-F5344CB8AC3E}">
-        <p14:creationId xmlns:p14="http://schemas.microsoft.com/office/powerpoint/2010/main" val="1424391052"/>
-      </p:ext>
-    </p:extLst>
-  </p:cSld>
-  <p:clrMapOvr>
-    <a:masterClrMapping/>
-  </p:clrMapOvr>
-</p:sld>
-</file>
-
-<file path=ppt/slides/slide22.xml><?xml version="1.0" encoding="utf-8"?>
-<p:sld xmlns:a="http://schemas.openxmlformats.org/drawingml/2006/main" xmlns:r="http://schemas.openxmlformats.org/officeDocument/2006/relationships" xmlns:p="http://schemas.openxmlformats.org/presentationml/2006/main">
-  <p:cSld>
-    <p:spTree>
-      <p:nvGrpSpPr>
-        <p:cNvPr id="1" name=""/>
-        <p:cNvGrpSpPr/>
-        <p:nvPr/>
-      </p:nvGrpSpPr>
-      <p:grpSpPr>
-        <a:xfrm>
-          <a:off x="0" y="0"/>
-          <a:ext cx="0" cy="0"/>
-          <a:chOff x="0" y="0"/>
-          <a:chExt cx="0" cy="0"/>
-        </a:xfrm>
-      </p:grpSpPr>
-      <p:cxnSp>
-        <p:nvCxnSpPr>
-          <p:cNvPr id="5" name="직선 연결선 4">
-            <a:extLst>
-              <a:ext uri="{FF2B5EF4-FFF2-40B4-BE49-F238E27FC236}">
-                <a16:creationId xmlns:a16="http://schemas.microsoft.com/office/drawing/2014/main" id="{164C2827-EFCE-69A4-D037-1A218415F568}"/>
-              </a:ext>
-            </a:extLst>
-          </p:cNvPr>
-          <p:cNvCxnSpPr/>
-          <p:nvPr/>
-        </p:nvCxnSpPr>
-        <p:spPr>
-          <a:xfrm>
-            <a:off x="0" y="887505"/>
-            <a:ext cx="10237694" cy="0"/>
-          </a:xfrm>
-          <a:prstGeom prst="line">
-            <a:avLst/>
-          </a:prstGeom>
-          <a:ln w="76200">
-            <a:solidFill>
-              <a:schemeClr val="tx1">
-                <a:lumMod val="75000"/>
-                <a:lumOff val="25000"/>
-              </a:schemeClr>
-            </a:solidFill>
-          </a:ln>
-        </p:spPr>
-        <p:style>
-          <a:lnRef idx="1">
-            <a:schemeClr val="accent1"/>
-          </a:lnRef>
-          <a:fillRef idx="0">
-            <a:schemeClr val="accent1"/>
-          </a:fillRef>
-          <a:effectRef idx="0">
-            <a:schemeClr val="accent1"/>
-          </a:effectRef>
-          <a:fontRef idx="minor">
-            <a:schemeClr val="tx1"/>
-          </a:fontRef>
-        </p:style>
-      </p:cxnSp>
-      <p:sp>
-        <p:nvSpPr>
-          <p:cNvPr id="6" name="TextBox 5">
-            <a:extLst>
-              <a:ext uri="{FF2B5EF4-FFF2-40B4-BE49-F238E27FC236}">
-                <a16:creationId xmlns:a16="http://schemas.microsoft.com/office/drawing/2014/main" id="{908ED9B9-09D3-CFA8-625A-6F9BB9B6BD23}"/>
-              </a:ext>
-            </a:extLst>
-          </p:cNvPr>
-          <p:cNvSpPr txBox="1"/>
-          <p:nvPr/>
-        </p:nvSpPr>
-        <p:spPr>
-          <a:xfrm>
-            <a:off x="331694" y="177505"/>
-            <a:ext cx="2006190" cy="523220"/>
-          </a:xfrm>
-          <a:prstGeom prst="rect">
-            <a:avLst/>
-          </a:prstGeom>
-          <a:noFill/>
-        </p:spPr>
-        <p:txBody>
-          <a:bodyPr wrap="none" rtlCol="0">
-            <a:spAutoFit/>
-          </a:bodyPr>
-          <a:lstStyle/>
-          <a:p>
-            <a:r>
-              <a:rPr lang="en-US" altLang="ko-KR" sz="2800" dirty="0">
-                <a:latin typeface="나눔스퀘어 Bold" panose="020B0600000101010101" pitchFamily="50" charset="-127"/>
-                <a:ea typeface="나눔스퀘어 Bold" panose="020B0600000101010101" pitchFamily="50" charset="-127"/>
-              </a:rPr>
-              <a:t>Homework</a:t>
-            </a:r>
-            <a:endParaRPr lang="ko-KR" altLang="en-US" sz="2800" dirty="0">
-              <a:latin typeface="나눔스퀘어 Bold" panose="020B0600000101010101" pitchFamily="50" charset="-127"/>
-              <a:ea typeface="나눔스퀘어 Bold" panose="020B0600000101010101" pitchFamily="50" charset="-127"/>
-            </a:endParaRPr>
-          </a:p>
-        </p:txBody>
-      </p:sp>
-      <p:sp>
-        <p:nvSpPr>
-          <p:cNvPr id="7" name="TextBox 6">
-            <a:extLst>
-              <a:ext uri="{FF2B5EF4-FFF2-40B4-BE49-F238E27FC236}">
-                <a16:creationId xmlns:a16="http://schemas.microsoft.com/office/drawing/2014/main" id="{DD092523-43DA-0A5F-0C04-8239F4BF07FC}"/>
-              </a:ext>
-            </a:extLst>
-          </p:cNvPr>
-          <p:cNvSpPr txBox="1"/>
-          <p:nvPr/>
-        </p:nvSpPr>
-        <p:spPr>
-          <a:xfrm>
-            <a:off x="942387" y="1661364"/>
-            <a:ext cx="8553305" cy="369332"/>
-          </a:xfrm>
-          <a:prstGeom prst="rect">
-            <a:avLst/>
-          </a:prstGeom>
-          <a:noFill/>
-        </p:spPr>
-        <p:txBody>
-          <a:bodyPr wrap="square" rtlCol="0">
-            <a:spAutoFit/>
-          </a:bodyPr>
-          <a:lstStyle/>
-          <a:p>
-            <a:r>
-              <a:rPr lang="en-US" altLang="ko-KR" dirty="0">
-                <a:latin typeface="나눔스퀘어 Light" panose="020B0600000101010101" pitchFamily="50" charset="-127"/>
-                <a:ea typeface="나눔스퀘어 Light" panose="020B0600000101010101" pitchFamily="50" charset="-127"/>
-              </a:rPr>
-              <a:t>1. 4949 </a:t>
-            </a:r>
-            <a:r>
-              <a:rPr lang="ko-KR" altLang="en-US" dirty="0" err="1">
-                <a:latin typeface="나눔스퀘어 Light" panose="020B0600000101010101" pitchFamily="50" charset="-127"/>
-                <a:ea typeface="나눔스퀘어 Light" panose="020B0600000101010101" pitchFamily="50" charset="-127"/>
-              </a:rPr>
-              <a:t>균형잡힌</a:t>
-            </a:r>
-            <a:r>
-              <a:rPr lang="ko-KR" altLang="en-US" dirty="0">
-                <a:latin typeface="나눔스퀘어 Light" panose="020B0600000101010101" pitchFamily="50" charset="-127"/>
-                <a:ea typeface="나눔스퀘어 Light" panose="020B0600000101010101" pitchFamily="50" charset="-127"/>
-              </a:rPr>
-              <a:t> 세상</a:t>
-            </a:r>
-          </a:p>
-        </p:txBody>
-      </p:sp>
-      <p:sp>
-        <p:nvSpPr>
-          <p:cNvPr id="8" name="TextBox 7">
-            <a:extLst>
-              <a:ext uri="{FF2B5EF4-FFF2-40B4-BE49-F238E27FC236}">
-                <a16:creationId xmlns:a16="http://schemas.microsoft.com/office/drawing/2014/main" id="{80045CCB-6E92-45F3-05E2-D9718BBAEE86}"/>
-              </a:ext>
-            </a:extLst>
-          </p:cNvPr>
-          <p:cNvSpPr txBox="1"/>
-          <p:nvPr/>
-        </p:nvSpPr>
-        <p:spPr>
-          <a:xfrm>
-            <a:off x="942387" y="2030696"/>
-            <a:ext cx="8553305" cy="369332"/>
-          </a:xfrm>
-          <a:prstGeom prst="rect">
-            <a:avLst/>
-          </a:prstGeom>
-          <a:noFill/>
-        </p:spPr>
-        <p:txBody>
-          <a:bodyPr wrap="square" rtlCol="0">
-            <a:spAutoFit/>
-          </a:bodyPr>
-          <a:lstStyle/>
-          <a:p>
-            <a:r>
-              <a:rPr lang="en-US" altLang="ko-KR" dirty="0">
-                <a:latin typeface="나눔스퀘어 Light" panose="020B0600000101010101" pitchFamily="50" charset="-127"/>
-                <a:ea typeface="나눔스퀘어 Light" panose="020B0600000101010101" pitchFamily="50" charset="-127"/>
-              </a:rPr>
-              <a:t>2. </a:t>
-            </a:r>
-            <a:endParaRPr lang="ko-KR" altLang="en-US" dirty="0">
-              <a:latin typeface="나눔스퀘어 Light" panose="020B0600000101010101" pitchFamily="50" charset="-127"/>
-              <a:ea typeface="나눔스퀘어 Light" panose="020B0600000101010101" pitchFamily="50" charset="-127"/>
-            </a:endParaRPr>
-          </a:p>
-        </p:txBody>
-      </p:sp>
-      <p:sp>
-        <p:nvSpPr>
-          <p:cNvPr id="9" name="TextBox 8">
-            <a:extLst>
-              <a:ext uri="{FF2B5EF4-FFF2-40B4-BE49-F238E27FC236}">
-                <a16:creationId xmlns:a16="http://schemas.microsoft.com/office/drawing/2014/main" id="{F3F091EF-3E70-16E8-983D-D9C14C2EAD61}"/>
-              </a:ext>
-            </a:extLst>
-          </p:cNvPr>
-          <p:cNvSpPr txBox="1"/>
-          <p:nvPr/>
-        </p:nvSpPr>
-        <p:spPr>
-          <a:xfrm>
-            <a:off x="942387" y="1190024"/>
-            <a:ext cx="8553305" cy="369332"/>
-          </a:xfrm>
-          <a:prstGeom prst="rect">
-            <a:avLst/>
-          </a:prstGeom>
-          <a:noFill/>
-        </p:spPr>
-        <p:txBody>
-          <a:bodyPr wrap="square" rtlCol="0">
-            <a:spAutoFit/>
-          </a:bodyPr>
-          <a:lstStyle/>
-          <a:p>
-            <a:r>
-              <a:rPr lang="ko-KR" altLang="en-US" dirty="0">
-                <a:latin typeface="나눔스퀘어 Bold" panose="020B0600000101010101" pitchFamily="50" charset="-127"/>
-                <a:ea typeface="나눔스퀘어 Bold" panose="020B0600000101010101" pitchFamily="50" charset="-127"/>
-              </a:rPr>
-              <a:t>아래 문제들에 대해 스스로 생각하고 풀어보세요</a:t>
-            </a:r>
-            <a:r>
-              <a:rPr lang="en-US" altLang="ko-KR" dirty="0">
-                <a:latin typeface="나눔스퀘어 Bold" panose="020B0600000101010101" pitchFamily="50" charset="-127"/>
-                <a:ea typeface="나눔스퀘어 Bold" panose="020B0600000101010101" pitchFamily="50" charset="-127"/>
-              </a:rPr>
-              <a:t>.</a:t>
-            </a:r>
-            <a:r>
-              <a:rPr lang="ko-KR" altLang="en-US" dirty="0">
-                <a:latin typeface="나눔스퀘어 Bold" panose="020B0600000101010101" pitchFamily="50" charset="-127"/>
-                <a:ea typeface="나눔스퀘어 Bold" panose="020B0600000101010101" pitchFamily="50" charset="-127"/>
-              </a:rPr>
-              <a:t> </a:t>
-            </a:r>
-            <a:r>
-              <a:rPr lang="en-US" altLang="ko-KR" dirty="0">
-                <a:latin typeface="나눔스퀘어 Bold" panose="020B0600000101010101" pitchFamily="50" charset="-127"/>
-                <a:ea typeface="나눔스퀘어 Bold" panose="020B0600000101010101" pitchFamily="50" charset="-127"/>
-              </a:rPr>
-              <a:t>(</a:t>
-            </a:r>
-            <a:r>
-              <a:rPr lang="ko-KR" altLang="en-US" dirty="0">
-                <a:latin typeface="나눔스퀘어 Bold" panose="020B0600000101010101" pitchFamily="50" charset="-127"/>
-                <a:ea typeface="나눔스퀘어 Bold" panose="020B0600000101010101" pitchFamily="50" charset="-127"/>
-              </a:rPr>
-              <a:t>해설은 따로 진행하진 않겠습니다</a:t>
-            </a:r>
-            <a:r>
-              <a:rPr lang="en-US" altLang="ko-KR" dirty="0">
-                <a:latin typeface="나눔스퀘어 Bold" panose="020B0600000101010101" pitchFamily="50" charset="-127"/>
-                <a:ea typeface="나눔스퀘어 Bold" panose="020B0600000101010101" pitchFamily="50" charset="-127"/>
-              </a:rPr>
-              <a:t>.)</a:t>
-            </a:r>
-            <a:endParaRPr lang="ko-KR" altLang="en-US" dirty="0">
-              <a:latin typeface="나눔스퀘어 Bold" panose="020B0600000101010101" pitchFamily="50" charset="-127"/>
-              <a:ea typeface="나눔스퀘어 Bold" panose="020B0600000101010101" pitchFamily="50" charset="-127"/>
-            </a:endParaRPr>
-          </a:p>
-        </p:txBody>
-      </p:sp>
-      <p:sp>
-        <p:nvSpPr>
-          <p:cNvPr id="11" name="TextBox 10">
-            <a:extLst>
-              <a:ext uri="{FF2B5EF4-FFF2-40B4-BE49-F238E27FC236}">
-                <a16:creationId xmlns:a16="http://schemas.microsoft.com/office/drawing/2014/main" id="{CDF0922C-4F6F-DB5B-EC8F-F56AF894275F}"/>
-              </a:ext>
-            </a:extLst>
-          </p:cNvPr>
-          <p:cNvSpPr txBox="1"/>
-          <p:nvPr/>
-        </p:nvSpPr>
-        <p:spPr>
-          <a:xfrm>
-            <a:off x="942387" y="3304861"/>
-            <a:ext cx="8553305" cy="369332"/>
-          </a:xfrm>
-          <a:prstGeom prst="rect">
-            <a:avLst/>
-          </a:prstGeom>
-          <a:noFill/>
-        </p:spPr>
-        <p:txBody>
-          <a:bodyPr wrap="square" rtlCol="0">
-            <a:spAutoFit/>
-          </a:bodyPr>
-          <a:lstStyle/>
-          <a:p>
-            <a:r>
-              <a:rPr lang="ko-KR" altLang="en-US" dirty="0">
-                <a:latin typeface="나눔스퀘어 Bold" panose="020B0600000101010101" pitchFamily="50" charset="-127"/>
-                <a:ea typeface="나눔스퀘어 Bold" panose="020B0600000101010101" pitchFamily="50" charset="-127"/>
-              </a:rPr>
-              <a:t>선형 자료구조</a:t>
-            </a:r>
-            <a:r>
-              <a:rPr lang="en-US" altLang="ko-KR" dirty="0">
-                <a:latin typeface="나눔스퀘어 Bold" panose="020B0600000101010101" pitchFamily="50" charset="-127"/>
-                <a:ea typeface="나눔스퀘어 Bold" panose="020B0600000101010101" pitchFamily="50" charset="-127"/>
-              </a:rPr>
-              <a:t>(</a:t>
-            </a:r>
-            <a:r>
-              <a:rPr lang="en-US" altLang="ko-KR" dirty="0">
-                <a:latin typeface="나눔스퀘어 Light" panose="020B0600000101010101" pitchFamily="50" charset="-127"/>
-                <a:ea typeface="나눔스퀘어 Light" panose="020B0600000101010101" pitchFamily="50" charset="-127"/>
-              </a:rPr>
-              <a:t>Stack, Queue, List</a:t>
-            </a:r>
-            <a:r>
-              <a:rPr lang="en-US" altLang="ko-KR" dirty="0">
-                <a:latin typeface="나눔스퀘어 Bold" panose="020B0600000101010101" pitchFamily="50" charset="-127"/>
-                <a:ea typeface="나눔스퀘어 Bold" panose="020B0600000101010101" pitchFamily="50" charset="-127"/>
-              </a:rPr>
-              <a:t>)</a:t>
-            </a:r>
-            <a:r>
-              <a:rPr lang="ko-KR" altLang="en-US" dirty="0">
-                <a:latin typeface="나눔스퀘어 Bold" panose="020B0600000101010101" pitchFamily="50" charset="-127"/>
-                <a:ea typeface="나눔스퀘어 Bold" panose="020B0600000101010101" pitchFamily="50" charset="-127"/>
-              </a:rPr>
-              <a:t>에 대해 공부</a:t>
-            </a:r>
-            <a:r>
-              <a:rPr lang="en-US" altLang="ko-KR" dirty="0">
-                <a:latin typeface="나눔스퀘어 Bold" panose="020B0600000101010101" pitchFamily="50" charset="-127"/>
-                <a:ea typeface="나눔스퀘어 Bold" panose="020B0600000101010101" pitchFamily="50" charset="-127"/>
-              </a:rPr>
-              <a:t>, </a:t>
-            </a:r>
-            <a:r>
-              <a:rPr lang="ko-KR" altLang="en-US" dirty="0">
-                <a:latin typeface="나눔스퀘어 Bold" panose="020B0600000101010101" pitchFamily="50" charset="-127"/>
-                <a:ea typeface="나눔스퀘어 Bold" panose="020B0600000101010101" pitchFamily="50" charset="-127"/>
-              </a:rPr>
-              <a:t>구현</a:t>
-            </a:r>
-            <a:r>
-              <a:rPr lang="en-US" altLang="ko-KR" dirty="0">
-                <a:latin typeface="나눔스퀘어 Bold" panose="020B0600000101010101" pitchFamily="50" charset="-127"/>
-                <a:ea typeface="나눔스퀘어 Bold" panose="020B0600000101010101" pitchFamily="50" charset="-127"/>
-              </a:rPr>
-              <a:t>, </a:t>
-            </a:r>
-            <a:r>
-              <a:rPr lang="ko-KR" altLang="en-US" dirty="0">
-                <a:latin typeface="나눔스퀘어 Bold" panose="020B0600000101010101" pitchFamily="50" charset="-127"/>
-                <a:ea typeface="나눔스퀘어 Bold" panose="020B0600000101010101" pitchFamily="50" charset="-127"/>
-              </a:rPr>
-              <a:t>조사 해보세요</a:t>
-            </a:r>
-            <a:r>
-              <a:rPr lang="en-US" altLang="ko-KR" dirty="0">
-                <a:latin typeface="나눔스퀘어 Bold" panose="020B0600000101010101" pitchFamily="50" charset="-127"/>
-                <a:ea typeface="나눔스퀘어 Bold" panose="020B0600000101010101" pitchFamily="50" charset="-127"/>
-              </a:rPr>
-              <a:t>.</a:t>
-            </a:r>
-            <a:endParaRPr lang="ko-KR" altLang="en-US" dirty="0">
-              <a:latin typeface="나눔스퀘어 Bold" panose="020B0600000101010101" pitchFamily="50" charset="-127"/>
-              <a:ea typeface="나눔스퀘어 Bold" panose="020B0600000101010101" pitchFamily="50" charset="-127"/>
-            </a:endParaRPr>
-          </a:p>
-        </p:txBody>
-      </p:sp>
-      <p:sp>
-        <p:nvSpPr>
-          <p:cNvPr id="12" name="TextBox 11">
-            <a:extLst>
-              <a:ext uri="{FF2B5EF4-FFF2-40B4-BE49-F238E27FC236}">
-                <a16:creationId xmlns:a16="http://schemas.microsoft.com/office/drawing/2014/main" id="{1D90656A-EA8C-C93D-45FA-EC08FF6F6A51}"/>
-              </a:ext>
-            </a:extLst>
-          </p:cNvPr>
-          <p:cNvSpPr txBox="1"/>
-          <p:nvPr/>
-        </p:nvSpPr>
-        <p:spPr>
-          <a:xfrm>
-            <a:off x="942387" y="3825022"/>
-            <a:ext cx="10237694" cy="369332"/>
-          </a:xfrm>
-          <a:prstGeom prst="rect">
-            <a:avLst/>
-          </a:prstGeom>
-          <a:noFill/>
-        </p:spPr>
-        <p:txBody>
-          <a:bodyPr wrap="square" rtlCol="0">
-            <a:spAutoFit/>
-          </a:bodyPr>
-          <a:lstStyle/>
-          <a:p>
-            <a:r>
-              <a:rPr lang="ko-KR" altLang="en-US" dirty="0">
-                <a:latin typeface="나눔스퀘어 Light" panose="020B0600000101010101" pitchFamily="50" charset="-127"/>
-                <a:ea typeface="나눔스퀘어 Light" panose="020B0600000101010101" pitchFamily="50" charset="-127"/>
-              </a:rPr>
-              <a:t>배열 방식도 좋고</a:t>
-            </a:r>
-            <a:r>
-              <a:rPr lang="en-US" altLang="ko-KR" dirty="0">
-                <a:latin typeface="나눔스퀘어 Light" panose="020B0600000101010101" pitchFamily="50" charset="-127"/>
-                <a:ea typeface="나눔스퀘어 Light" panose="020B0600000101010101" pitchFamily="50" charset="-127"/>
-              </a:rPr>
-              <a:t>, </a:t>
-            </a:r>
-            <a:r>
-              <a:rPr lang="ko-KR" altLang="en-US" dirty="0" err="1">
-                <a:latin typeface="나눔스퀘어 Light" panose="020B0600000101010101" pitchFamily="50" charset="-127"/>
-                <a:ea typeface="나눔스퀘어 Light" panose="020B0600000101010101" pitchFamily="50" charset="-127"/>
-              </a:rPr>
-              <a:t>링크드</a:t>
-            </a:r>
-            <a:r>
-              <a:rPr lang="ko-KR" altLang="en-US" dirty="0">
-                <a:latin typeface="나눔스퀘어 Light" panose="020B0600000101010101" pitchFamily="50" charset="-127"/>
-                <a:ea typeface="나눔스퀘어 Light" panose="020B0600000101010101" pitchFamily="50" charset="-127"/>
-              </a:rPr>
-              <a:t> 리스트를 사용해 구현해도 좋습니다</a:t>
-            </a:r>
-            <a:r>
-              <a:rPr lang="en-US" altLang="ko-KR" dirty="0">
-                <a:latin typeface="나눔스퀘어 Light" panose="020B0600000101010101" pitchFamily="50" charset="-127"/>
-                <a:ea typeface="나눔스퀘어 Light" panose="020B0600000101010101" pitchFamily="50" charset="-127"/>
-              </a:rPr>
-              <a:t>.</a:t>
-            </a:r>
-            <a:endParaRPr lang="ko-KR" altLang="en-US" dirty="0">
-              <a:latin typeface="나눔스퀘어 Light" panose="020B0600000101010101" pitchFamily="50" charset="-127"/>
-              <a:ea typeface="나눔스퀘어 Light" panose="020B0600000101010101" pitchFamily="50" charset="-127"/>
-            </a:endParaRPr>
-          </a:p>
-        </p:txBody>
-      </p:sp>
-      <p:sp>
-        <p:nvSpPr>
-          <p:cNvPr id="2" name="TextBox 1">
-            <a:extLst>
-              <a:ext uri="{FF2B5EF4-FFF2-40B4-BE49-F238E27FC236}">
-                <a16:creationId xmlns:a16="http://schemas.microsoft.com/office/drawing/2014/main" id="{807C3CD1-8E1B-427F-230D-9C7C2837C1F2}"/>
-              </a:ext>
-            </a:extLst>
-          </p:cNvPr>
-          <p:cNvSpPr txBox="1"/>
-          <p:nvPr/>
-        </p:nvSpPr>
-        <p:spPr>
-          <a:xfrm>
-            <a:off x="942387" y="2400024"/>
-            <a:ext cx="8553305" cy="369332"/>
-          </a:xfrm>
-          <a:prstGeom prst="rect">
-            <a:avLst/>
-          </a:prstGeom>
-          <a:noFill/>
-        </p:spPr>
-        <p:txBody>
-          <a:bodyPr wrap="square" rtlCol="0">
-            <a:spAutoFit/>
-          </a:bodyPr>
-          <a:lstStyle/>
-          <a:p>
-            <a:r>
-              <a:rPr lang="en-US" altLang="ko-KR" dirty="0">
-                <a:latin typeface="나눔스퀘어 Light" panose="020B0600000101010101" pitchFamily="50" charset="-127"/>
-                <a:ea typeface="나눔스퀘어 Light" panose="020B0600000101010101" pitchFamily="50" charset="-127"/>
-              </a:rPr>
-              <a:t>3. </a:t>
-            </a:r>
-            <a:endParaRPr lang="ko-KR" altLang="en-US" dirty="0">
-              <a:latin typeface="나눔스퀘어 Light" panose="020B0600000101010101" pitchFamily="50" charset="-127"/>
-              <a:ea typeface="나눔스퀘어 Light" panose="020B0600000101010101" pitchFamily="50" charset="-127"/>
-            </a:endParaRPr>
-          </a:p>
-        </p:txBody>
-      </p:sp>
-      <p:sp>
-        <p:nvSpPr>
-          <p:cNvPr id="10" name="TextBox 9">
-            <a:extLst>
-              <a:ext uri="{FF2B5EF4-FFF2-40B4-BE49-F238E27FC236}">
-                <a16:creationId xmlns:a16="http://schemas.microsoft.com/office/drawing/2014/main" id="{C572282D-23DE-9D59-D1DB-6011A80C631D}"/>
-              </a:ext>
-            </a:extLst>
-          </p:cNvPr>
-          <p:cNvSpPr txBox="1"/>
-          <p:nvPr/>
-        </p:nvSpPr>
-        <p:spPr>
-          <a:xfrm>
-            <a:off x="942387" y="4194354"/>
-            <a:ext cx="10237694" cy="369332"/>
-          </a:xfrm>
-          <a:prstGeom prst="rect">
-            <a:avLst/>
-          </a:prstGeom>
-          <a:noFill/>
-        </p:spPr>
-        <p:txBody>
-          <a:bodyPr wrap="square" rtlCol="0">
-            <a:spAutoFit/>
-          </a:bodyPr>
-          <a:lstStyle/>
-          <a:p>
-            <a:r>
-              <a:rPr lang="en-US" altLang="ko-KR" dirty="0">
-                <a:latin typeface="나눔스퀘어 Light" panose="020B0600000101010101" pitchFamily="50" charset="-127"/>
-                <a:ea typeface="나눔스퀘어 Light" panose="020B0600000101010101" pitchFamily="50" charset="-127"/>
-              </a:rPr>
-              <a:t>DS</a:t>
-            </a:r>
-            <a:r>
-              <a:rPr lang="ko-KR" altLang="en-US" dirty="0">
-                <a:latin typeface="나눔스퀘어 Light" panose="020B0600000101010101" pitchFamily="50" charset="-127"/>
-                <a:ea typeface="나눔스퀘어 Light" panose="020B0600000101010101" pitchFamily="50" charset="-127"/>
-              </a:rPr>
-              <a:t> </a:t>
-            </a:r>
-            <a:r>
-              <a:rPr lang="en-US" altLang="ko-KR" dirty="0">
-                <a:latin typeface="나눔스퀘어 Light" panose="020B0600000101010101" pitchFamily="50" charset="-127"/>
-                <a:ea typeface="나눔스퀘어 Light" panose="020B0600000101010101" pitchFamily="50" charset="-127"/>
-              </a:rPr>
-              <a:t>/</a:t>
-            </a:r>
-            <a:r>
-              <a:rPr lang="ko-KR" altLang="en-US" dirty="0">
-                <a:latin typeface="나눔스퀘어 Light" panose="020B0600000101010101" pitchFamily="50" charset="-127"/>
-                <a:ea typeface="나눔스퀘어 Light" panose="020B0600000101010101" pitchFamily="50" charset="-127"/>
-              </a:rPr>
-              <a:t> </a:t>
-            </a:r>
-            <a:r>
-              <a:rPr lang="en-US" altLang="ko-KR" dirty="0">
-                <a:latin typeface="나눔스퀘어 Light" panose="020B0600000101010101" pitchFamily="50" charset="-127"/>
-                <a:ea typeface="나눔스퀘어 Light" panose="020B0600000101010101" pitchFamily="50" charset="-127"/>
-              </a:rPr>
-              <a:t>Algorithm</a:t>
-            </a:r>
-            <a:r>
-              <a:rPr lang="ko-KR" altLang="en-US" dirty="0">
-                <a:latin typeface="나눔스퀘어 Light" panose="020B0600000101010101" pitchFamily="50" charset="-127"/>
-                <a:ea typeface="나눔스퀘어 Light" panose="020B0600000101010101" pitchFamily="50" charset="-127"/>
-              </a:rPr>
-              <a:t> 수업 때 해보셨던 분들은 생략해도 좋습니다</a:t>
-            </a:r>
-            <a:r>
-              <a:rPr lang="en-US" altLang="ko-KR">
-                <a:latin typeface="나눔스퀘어 Light" panose="020B0600000101010101" pitchFamily="50" charset="-127"/>
-                <a:ea typeface="나눔스퀘어 Light" panose="020B0600000101010101" pitchFamily="50" charset="-127"/>
-              </a:rPr>
-              <a:t>.</a:t>
-            </a:r>
-            <a:endParaRPr lang="ko-KR" altLang="en-US" dirty="0">
-              <a:latin typeface="나눔스퀘어 Light" panose="020B0600000101010101" pitchFamily="50" charset="-127"/>
-              <a:ea typeface="나눔스퀘어 Light" panose="020B0600000101010101" pitchFamily="50" charset="-127"/>
-            </a:endParaRPr>
-          </a:p>
-        </p:txBody>
-      </p:sp>
-      <p:sp>
-        <p:nvSpPr>
-          <p:cNvPr id="4" name="TextBox 3">
-            <a:extLst>
-              <a:ext uri="{FF2B5EF4-FFF2-40B4-BE49-F238E27FC236}">
-                <a16:creationId xmlns:a16="http://schemas.microsoft.com/office/drawing/2014/main" id="{1FFB0E97-045D-CAE2-D4D4-F6AFF27F568B}"/>
-              </a:ext>
-            </a:extLst>
-          </p:cNvPr>
-          <p:cNvSpPr txBox="1"/>
-          <p:nvPr/>
-        </p:nvSpPr>
-        <p:spPr>
-          <a:xfrm>
-            <a:off x="942387" y="2775391"/>
-            <a:ext cx="8553305" cy="369332"/>
-          </a:xfrm>
-          <a:prstGeom prst="rect">
-            <a:avLst/>
-          </a:prstGeom>
-          <a:noFill/>
-        </p:spPr>
-        <p:txBody>
-          <a:bodyPr wrap="square" rtlCol="0">
-            <a:spAutoFit/>
-          </a:bodyPr>
-          <a:lstStyle/>
-          <a:p>
-            <a:r>
-              <a:rPr lang="en-US" altLang="ko-KR" dirty="0">
-                <a:latin typeface="나눔스퀘어 Light" panose="020B0600000101010101" pitchFamily="50" charset="-127"/>
-                <a:ea typeface="나눔스퀘어 Light" panose="020B0600000101010101" pitchFamily="50" charset="-127"/>
-              </a:rPr>
-              <a:t>4. </a:t>
-            </a:r>
-            <a:endParaRPr lang="ko-KR" altLang="en-US" dirty="0">
-              <a:latin typeface="나눔스퀘어 Light" panose="020B0600000101010101" pitchFamily="50" charset="-127"/>
-              <a:ea typeface="나눔스퀘어 Light" panose="020B0600000101010101" pitchFamily="50" charset="-127"/>
-            </a:endParaRPr>
-          </a:p>
-        </p:txBody>
-      </p:sp>
-      <p:sp>
-        <p:nvSpPr>
-          <p:cNvPr id="3" name="TextBox 2">
-            <a:extLst>
-              <a:ext uri="{FF2B5EF4-FFF2-40B4-BE49-F238E27FC236}">
-                <a16:creationId xmlns:a16="http://schemas.microsoft.com/office/drawing/2014/main" id="{F3BF5F63-D9BC-ACFF-9CA6-E8F9B73609D8}"/>
-              </a:ext>
-            </a:extLst>
-          </p:cNvPr>
-          <p:cNvSpPr txBox="1"/>
-          <p:nvPr/>
-        </p:nvSpPr>
-        <p:spPr>
-          <a:xfrm>
-            <a:off x="942387" y="4683912"/>
-            <a:ext cx="8553305" cy="369332"/>
-          </a:xfrm>
-          <a:prstGeom prst="rect">
-            <a:avLst/>
-          </a:prstGeom>
-          <a:noFill/>
-        </p:spPr>
-        <p:txBody>
-          <a:bodyPr wrap="square" rtlCol="0">
-            <a:spAutoFit/>
-          </a:bodyPr>
-          <a:lstStyle/>
-          <a:p>
-            <a:r>
-              <a:rPr lang="ko-KR" altLang="en-US" dirty="0">
-                <a:latin typeface="나눔스퀘어 Bold" panose="020B0600000101010101" pitchFamily="50" charset="-127"/>
-                <a:ea typeface="나눔스퀘어 Bold" panose="020B0600000101010101" pitchFamily="50" charset="-127"/>
-              </a:rPr>
-              <a:t>위 자료구조의 언어별 표준 라이브러리 사용법을 익혀보세요</a:t>
-            </a:r>
-            <a:r>
-              <a:rPr lang="en-US" altLang="ko-KR" dirty="0">
-                <a:latin typeface="나눔스퀘어 Bold" panose="020B0600000101010101" pitchFamily="50" charset="-127"/>
-                <a:ea typeface="나눔스퀘어 Bold" panose="020B0600000101010101" pitchFamily="50" charset="-127"/>
-              </a:rPr>
-              <a:t>.</a:t>
-            </a:r>
-            <a:endParaRPr lang="ko-KR" altLang="en-US" dirty="0">
-              <a:latin typeface="나눔스퀘어 Bold" panose="020B0600000101010101" pitchFamily="50" charset="-127"/>
-              <a:ea typeface="나눔스퀘어 Bold" panose="020B0600000101010101" pitchFamily="50" charset="-127"/>
-            </a:endParaRPr>
-          </a:p>
-        </p:txBody>
-      </p:sp>
-      <p:sp>
-        <p:nvSpPr>
-          <p:cNvPr id="13" name="TextBox 12">
-            <a:extLst>
-              <a:ext uri="{FF2B5EF4-FFF2-40B4-BE49-F238E27FC236}">
-                <a16:creationId xmlns:a16="http://schemas.microsoft.com/office/drawing/2014/main" id="{43D6A103-105B-52CD-A54A-6EC1ECBA5EB8}"/>
-              </a:ext>
-            </a:extLst>
-          </p:cNvPr>
-          <p:cNvSpPr txBox="1"/>
-          <p:nvPr/>
-        </p:nvSpPr>
-        <p:spPr>
-          <a:xfrm>
-            <a:off x="942387" y="5243941"/>
-            <a:ext cx="10237694" cy="369332"/>
-          </a:xfrm>
-          <a:prstGeom prst="rect">
-            <a:avLst/>
-          </a:prstGeom>
-          <a:noFill/>
-        </p:spPr>
-        <p:txBody>
-          <a:bodyPr wrap="square" rtlCol="0">
-            <a:spAutoFit/>
-          </a:bodyPr>
-          <a:lstStyle/>
-          <a:p>
-            <a:r>
-              <a:rPr lang="en-US" altLang="ko-KR" dirty="0">
-                <a:latin typeface="나눔스퀘어 Light" panose="020B0600000101010101" pitchFamily="50" charset="-127"/>
-                <a:ea typeface="나눔스퀘어 Light" panose="020B0600000101010101" pitchFamily="50" charset="-127"/>
-              </a:rPr>
-              <a:t>C</a:t>
-            </a:r>
-            <a:r>
-              <a:rPr lang="ko-KR" altLang="en-US" dirty="0">
-                <a:latin typeface="나눔스퀘어 Light" panose="020B0600000101010101" pitchFamily="50" charset="-127"/>
-                <a:ea typeface="나눔스퀘어 Light" panose="020B0600000101010101" pitchFamily="50" charset="-127"/>
-              </a:rPr>
-              <a:t>언어의 경우</a:t>
-            </a:r>
-            <a:r>
-              <a:rPr lang="en-US" altLang="ko-KR" dirty="0">
-                <a:latin typeface="나눔스퀘어 Light" panose="020B0600000101010101" pitchFamily="50" charset="-127"/>
-                <a:ea typeface="나눔스퀘어 Light" panose="020B0600000101010101" pitchFamily="50" charset="-127"/>
-              </a:rPr>
-              <a:t>, C++ </a:t>
-            </a:r>
-            <a:r>
-              <a:rPr lang="en-US" altLang="ko-KR" dirty="0" err="1">
-                <a:latin typeface="나눔스퀘어 Light" panose="020B0600000101010101" pitchFamily="50" charset="-127"/>
-                <a:ea typeface="나눔스퀘어 Light" panose="020B0600000101010101" pitchFamily="50" charset="-127"/>
-              </a:rPr>
-              <a:t>stl</a:t>
-            </a:r>
-            <a:r>
-              <a:rPr lang="ko-KR" altLang="en-US" dirty="0">
-                <a:latin typeface="나눔스퀘어 Light" panose="020B0600000101010101" pitchFamily="50" charset="-127"/>
-                <a:ea typeface="나눔스퀘어 Light" panose="020B0600000101010101" pitchFamily="50" charset="-127"/>
-              </a:rPr>
-              <a:t>을 사용할 필요가 있습니다</a:t>
-            </a:r>
-            <a:r>
-              <a:rPr lang="en-US" altLang="ko-KR" dirty="0">
-                <a:latin typeface="나눔스퀘어 Light" panose="020B0600000101010101" pitchFamily="50" charset="-127"/>
-                <a:ea typeface="나눔스퀘어 Light" panose="020B0600000101010101" pitchFamily="50" charset="-127"/>
-              </a:rPr>
-              <a:t>.</a:t>
-            </a:r>
-            <a:endParaRPr lang="ko-KR" altLang="en-US" dirty="0">
-              <a:latin typeface="나눔스퀘어 Light" panose="020B0600000101010101" pitchFamily="50" charset="-127"/>
-              <a:ea typeface="나눔스퀘어 Light" panose="020B0600000101010101" pitchFamily="50" charset="-127"/>
-            </a:endParaRPr>
-          </a:p>
-        </p:txBody>
-      </p:sp>
-    </p:spTree>
-    <p:extLst>
-      <p:ext uri="{BB962C8B-B14F-4D97-AF65-F5344CB8AC3E}">
-        <p14:creationId xmlns:p14="http://schemas.microsoft.com/office/powerpoint/2010/main" val="732558497"/>
       </p:ext>
     </p:extLst>
   </p:cSld>

--- a/study/7_Stack, Queue, List.pptx
+++ b/study/7_Stack, Queue, List.pptx
@@ -14,15 +14,21 @@
     <p:sldId id="399" r:id="rId8"/>
     <p:sldId id="282" r:id="rId9"/>
     <p:sldId id="363" r:id="rId10"/>
-    <p:sldId id="365" r:id="rId11"/>
-    <p:sldId id="366" r:id="rId12"/>
-    <p:sldId id="400" r:id="rId13"/>
-    <p:sldId id="401" r:id="rId14"/>
-    <p:sldId id="277" r:id="rId15"/>
-    <p:sldId id="278" r:id="rId16"/>
-    <p:sldId id="367" r:id="rId17"/>
-    <p:sldId id="368" r:id="rId18"/>
-    <p:sldId id="298" r:id="rId19"/>
+    <p:sldId id="402" r:id="rId11"/>
+    <p:sldId id="403" r:id="rId12"/>
+    <p:sldId id="404" r:id="rId13"/>
+    <p:sldId id="405" r:id="rId14"/>
+    <p:sldId id="407" r:id="rId15"/>
+    <p:sldId id="406" r:id="rId16"/>
+    <p:sldId id="365" r:id="rId17"/>
+    <p:sldId id="366" r:id="rId18"/>
+    <p:sldId id="400" r:id="rId19"/>
+    <p:sldId id="401" r:id="rId20"/>
+    <p:sldId id="277" r:id="rId21"/>
+    <p:sldId id="278" r:id="rId22"/>
+    <p:sldId id="367" r:id="rId23"/>
+    <p:sldId id="368" r:id="rId24"/>
+    <p:sldId id="298" r:id="rId25"/>
   </p:sldIdLst>
   <p:sldSz cx="12192000" cy="6858000"/>
   <p:notesSz cx="6858000" cy="9144000"/>
@@ -276,7 +282,7 @@
           <a:p>
             <a:fld id="{33C37291-AA83-40C0-9297-8F7F3693F6CC}" type="datetimeFigureOut">
               <a:rPr lang="ko-KR" altLang="en-US" smtClean="0"/>
-              <a:t>2022-09-21</a:t>
+              <a:t>2022-09-22</a:t>
             </a:fld>
             <a:endParaRPr lang="ko-KR" altLang="en-US"/>
           </a:p>
@@ -474,7 +480,7 @@
           <a:p>
             <a:fld id="{33C37291-AA83-40C0-9297-8F7F3693F6CC}" type="datetimeFigureOut">
               <a:rPr lang="ko-KR" altLang="en-US" smtClean="0"/>
-              <a:t>2022-09-21</a:t>
+              <a:t>2022-09-22</a:t>
             </a:fld>
             <a:endParaRPr lang="ko-KR" altLang="en-US"/>
           </a:p>
@@ -682,7 +688,7 @@
           <a:p>
             <a:fld id="{33C37291-AA83-40C0-9297-8F7F3693F6CC}" type="datetimeFigureOut">
               <a:rPr lang="ko-KR" altLang="en-US" smtClean="0"/>
-              <a:t>2022-09-21</a:t>
+              <a:t>2022-09-22</a:t>
             </a:fld>
             <a:endParaRPr lang="ko-KR" altLang="en-US"/>
           </a:p>
@@ -880,7 +886,7 @@
           <a:p>
             <a:fld id="{33C37291-AA83-40C0-9297-8F7F3693F6CC}" type="datetimeFigureOut">
               <a:rPr lang="ko-KR" altLang="en-US" smtClean="0"/>
-              <a:t>2022-09-21</a:t>
+              <a:t>2022-09-22</a:t>
             </a:fld>
             <a:endParaRPr lang="ko-KR" altLang="en-US"/>
           </a:p>
@@ -1155,7 +1161,7 @@
           <a:p>
             <a:fld id="{33C37291-AA83-40C0-9297-8F7F3693F6CC}" type="datetimeFigureOut">
               <a:rPr lang="ko-KR" altLang="en-US" smtClean="0"/>
-              <a:t>2022-09-21</a:t>
+              <a:t>2022-09-22</a:t>
             </a:fld>
             <a:endParaRPr lang="ko-KR" altLang="en-US"/>
           </a:p>
@@ -1420,7 +1426,7 @@
           <a:p>
             <a:fld id="{33C37291-AA83-40C0-9297-8F7F3693F6CC}" type="datetimeFigureOut">
               <a:rPr lang="ko-KR" altLang="en-US" smtClean="0"/>
-              <a:t>2022-09-21</a:t>
+              <a:t>2022-09-22</a:t>
             </a:fld>
             <a:endParaRPr lang="ko-KR" altLang="en-US"/>
           </a:p>
@@ -1832,7 +1838,7 @@
           <a:p>
             <a:fld id="{33C37291-AA83-40C0-9297-8F7F3693F6CC}" type="datetimeFigureOut">
               <a:rPr lang="ko-KR" altLang="en-US" smtClean="0"/>
-              <a:t>2022-09-21</a:t>
+              <a:t>2022-09-22</a:t>
             </a:fld>
             <a:endParaRPr lang="ko-KR" altLang="en-US"/>
           </a:p>
@@ -1973,7 +1979,7 @@
           <a:p>
             <a:fld id="{33C37291-AA83-40C0-9297-8F7F3693F6CC}" type="datetimeFigureOut">
               <a:rPr lang="ko-KR" altLang="en-US" smtClean="0"/>
-              <a:t>2022-09-21</a:t>
+              <a:t>2022-09-22</a:t>
             </a:fld>
             <a:endParaRPr lang="ko-KR" altLang="en-US"/>
           </a:p>
@@ -2086,7 +2092,7 @@
           <a:p>
             <a:fld id="{33C37291-AA83-40C0-9297-8F7F3693F6CC}" type="datetimeFigureOut">
               <a:rPr lang="ko-KR" altLang="en-US" smtClean="0"/>
-              <a:t>2022-09-21</a:t>
+              <a:t>2022-09-22</a:t>
             </a:fld>
             <a:endParaRPr lang="ko-KR" altLang="en-US"/>
           </a:p>
@@ -2397,7 +2403,7 @@
           <a:p>
             <a:fld id="{33C37291-AA83-40C0-9297-8F7F3693F6CC}" type="datetimeFigureOut">
               <a:rPr lang="ko-KR" altLang="en-US" smtClean="0"/>
-              <a:t>2022-09-21</a:t>
+              <a:t>2022-09-22</a:t>
             </a:fld>
             <a:endParaRPr lang="ko-KR" altLang="en-US"/>
           </a:p>
@@ -2685,7 +2691,7 @@
           <a:p>
             <a:fld id="{33C37291-AA83-40C0-9297-8F7F3693F6CC}" type="datetimeFigureOut">
               <a:rPr lang="ko-KR" altLang="en-US" smtClean="0"/>
-              <a:t>2022-09-21</a:t>
+              <a:t>2022-09-22</a:t>
             </a:fld>
             <a:endParaRPr lang="ko-KR" altLang="en-US"/>
           </a:p>
@@ -2926,7 +2932,7 @@
           <a:p>
             <a:fld id="{33C37291-AA83-40C0-9297-8F7F3693F6CC}" type="datetimeFigureOut">
               <a:rPr lang="ko-KR" altLang="en-US" smtClean="0"/>
-              <a:t>2022-09-21</a:t>
+              <a:t>2022-09-22</a:t>
             </a:fld>
             <a:endParaRPr lang="ko-KR" altLang="en-US"/>
           </a:p>
@@ -3557,10 +3563,10 @@
       </p:cxnSp>
       <p:sp>
         <p:nvSpPr>
-          <p:cNvPr id="4" name="TextBox 3">
-            <a:extLst>
-              <a:ext uri="{FF2B5EF4-FFF2-40B4-BE49-F238E27FC236}">
-                <a16:creationId xmlns:a16="http://schemas.microsoft.com/office/drawing/2014/main" id="{346A4227-C27D-50F4-7699-BBE332703F0D}"/>
+          <p:cNvPr id="3" name="TextBox 2">
+            <a:extLst>
+              <a:ext uri="{FF2B5EF4-FFF2-40B4-BE49-F238E27FC236}">
+                <a16:creationId xmlns:a16="http://schemas.microsoft.com/office/drawing/2014/main" id="{28FF46E5-50E3-EF2F-1C7A-0DF5C8D071CE}"/>
               </a:ext>
             </a:extLst>
           </p:cNvPr>
@@ -3570,7 +3576,7 @@
         <p:spPr>
           <a:xfrm>
             <a:off x="331694" y="177505"/>
-            <a:ext cx="2606804" cy="523220"/>
+            <a:ext cx="2826415" cy="523220"/>
           </a:xfrm>
           <a:prstGeom prst="rect">
             <a:avLst/>
@@ -3602,24 +3608,122 @@
                 <a:latin typeface="나눔스퀘어 Bold" panose="020B0600000101010101" pitchFamily="50" charset="-127"/>
                 <a:ea typeface="나눔스퀘어 Bold" panose="020B0600000101010101" pitchFamily="50" charset="-127"/>
               </a:rPr>
-              <a:t>– 9012 </a:t>
+              <a:t>– 10828 </a:t>
             </a:r>
             <a:r>
               <a:rPr lang="ko-KR" altLang="en-US" sz="2800" dirty="0">
                 <a:latin typeface="나눔스퀘어 Bold" panose="020B0600000101010101" pitchFamily="50" charset="-127"/>
                 <a:ea typeface="나눔스퀘어 Bold" panose="020B0600000101010101" pitchFamily="50" charset="-127"/>
               </a:rPr>
-              <a:t>괄호</a:t>
-            </a:r>
+              <a:t>스택</a:t>
+            </a:r>
+          </a:p>
+        </p:txBody>
+      </p:sp>
+      <p:sp>
+        <p:nvSpPr>
+          <p:cNvPr id="6" name="TextBox 5">
+            <a:extLst>
+              <a:ext uri="{FF2B5EF4-FFF2-40B4-BE49-F238E27FC236}">
+                <a16:creationId xmlns:a16="http://schemas.microsoft.com/office/drawing/2014/main" id="{8D2F6FC0-2501-8C0D-3759-D4AA68696B7F}"/>
+              </a:ext>
+            </a:extLst>
+          </p:cNvPr>
+          <p:cNvSpPr txBox="1"/>
+          <p:nvPr/>
+        </p:nvSpPr>
+        <p:spPr>
+          <a:xfrm>
+            <a:off x="942387" y="1190024"/>
+            <a:ext cx="10237694" cy="369332"/>
+          </a:xfrm>
+          <a:prstGeom prst="rect">
+            <a:avLst/>
+          </a:prstGeom>
+          <a:noFill/>
+        </p:spPr>
+        <p:txBody>
+          <a:bodyPr wrap="square" rtlCol="0">
+            <a:spAutoFit/>
+          </a:bodyPr>
+          <a:lstStyle/>
+          <a:p>
+            <a:r>
+              <a:rPr lang="en-US" altLang="ko-KR" dirty="0">
+                <a:latin typeface="나눔스퀘어 Bold" panose="020B0600000101010101" pitchFamily="50" charset="-127"/>
+                <a:ea typeface="나눔스퀘어 Bold" panose="020B0600000101010101" pitchFamily="50" charset="-127"/>
+              </a:rPr>
+              <a:t>Python</a:t>
+            </a:r>
+            <a:endParaRPr lang="ko-KR" altLang="en-US" dirty="0">
+              <a:latin typeface="나눔스퀘어 Bold" panose="020B0600000101010101" pitchFamily="50" charset="-127"/>
+              <a:ea typeface="나눔스퀘어 Bold" panose="020B0600000101010101" pitchFamily="50" charset="-127"/>
+            </a:endParaRPr>
+          </a:p>
+        </p:txBody>
+      </p:sp>
+      <p:sp>
+        <p:nvSpPr>
+          <p:cNvPr id="8" name="TextBox 7">
+            <a:extLst>
+              <a:ext uri="{FF2B5EF4-FFF2-40B4-BE49-F238E27FC236}">
+                <a16:creationId xmlns:a16="http://schemas.microsoft.com/office/drawing/2014/main" id="{CD8E3FED-918B-0B44-8445-0682DD85BCE0}"/>
+              </a:ext>
+            </a:extLst>
+          </p:cNvPr>
+          <p:cNvSpPr txBox="1"/>
+          <p:nvPr/>
+        </p:nvSpPr>
+        <p:spPr>
+          <a:xfrm>
+            <a:off x="942387" y="1559356"/>
+            <a:ext cx="10237694" cy="369332"/>
+          </a:xfrm>
+          <a:prstGeom prst="rect">
+            <a:avLst/>
+          </a:prstGeom>
+          <a:noFill/>
+        </p:spPr>
+        <p:txBody>
+          <a:bodyPr wrap="square" rtlCol="0">
+            <a:spAutoFit/>
+          </a:bodyPr>
+          <a:lstStyle/>
+          <a:p>
+            <a:r>
+              <a:rPr lang="en-US" altLang="ko-KR" dirty="0">
+                <a:latin typeface="나눔스퀘어 Light" panose="020B0600000101010101" pitchFamily="50" charset="-127"/>
+                <a:ea typeface="나눔스퀘어 Light" panose="020B0600000101010101" pitchFamily="50" charset="-127"/>
+              </a:rPr>
+              <a:t>Python &amp; Java</a:t>
+            </a:r>
+            <a:r>
+              <a:rPr lang="ko-KR" altLang="en-US" dirty="0">
+                <a:latin typeface="나눔스퀘어 Light" panose="020B0600000101010101" pitchFamily="50" charset="-127"/>
+                <a:ea typeface="나눔스퀘어 Light" panose="020B0600000101010101" pitchFamily="50" charset="-127"/>
+              </a:rPr>
+              <a:t>의 경우 조심해야 할 점이 한 가지 있습니다</a:t>
+            </a:r>
+            <a:r>
+              <a:rPr lang="en-US" altLang="ko-KR" dirty="0">
+                <a:latin typeface="나눔스퀘어 Light" panose="020B0600000101010101" pitchFamily="50" charset="-127"/>
+                <a:ea typeface="나눔스퀘어 Light" panose="020B0600000101010101" pitchFamily="50" charset="-127"/>
+              </a:rPr>
+              <a:t>.</a:t>
+            </a:r>
+            <a:endParaRPr lang="ko-KR" altLang="en-US" dirty="0">
+              <a:latin typeface="나눔스퀘어 Light" panose="020B0600000101010101" pitchFamily="50" charset="-127"/>
+              <a:ea typeface="나눔스퀘어 Light" panose="020B0600000101010101" pitchFamily="50" charset="-127"/>
+            </a:endParaRPr>
           </a:p>
         </p:txBody>
       </p:sp>
       <p:pic>
         <p:nvPicPr>
-          <p:cNvPr id="6" name="그림 5">
-            <a:extLst>
-              <a:ext uri="{FF2B5EF4-FFF2-40B4-BE49-F238E27FC236}">
-                <a16:creationId xmlns:a16="http://schemas.microsoft.com/office/drawing/2014/main" id="{8A234312-CBA7-C8BF-C299-52C5CAA4A087}"/>
+          <p:cNvPr id="12" name="그림 11">
+            <a:extLst>
+              <a:ext uri="{FF2B5EF4-FFF2-40B4-BE49-F238E27FC236}">
+                <a16:creationId xmlns:a16="http://schemas.microsoft.com/office/drawing/2014/main" id="{82670E70-B629-3639-F6AC-75206E6AE573}"/>
               </a:ext>
             </a:extLst>
           </p:cNvPr>
@@ -3636,8 +3740,230 @@
         </p:blipFill>
         <p:spPr>
           <a:xfrm>
-            <a:off x="331694" y="939848"/>
-            <a:ext cx="8959751" cy="5918151"/>
+            <a:off x="942387" y="3139505"/>
+            <a:ext cx="2486372" cy="619211"/>
+          </a:xfrm>
+          <a:prstGeom prst="rect">
+            <a:avLst/>
+          </a:prstGeom>
+        </p:spPr>
+      </p:pic>
+      <p:sp>
+        <p:nvSpPr>
+          <p:cNvPr id="14" name="TextBox 13">
+            <a:extLst>
+              <a:ext uri="{FF2B5EF4-FFF2-40B4-BE49-F238E27FC236}">
+                <a16:creationId xmlns:a16="http://schemas.microsoft.com/office/drawing/2014/main" id="{86D1A5E5-E2A6-2D79-A400-4679F569CAFB}"/>
+              </a:ext>
+            </a:extLst>
+          </p:cNvPr>
+          <p:cNvSpPr txBox="1"/>
+          <p:nvPr/>
+        </p:nvSpPr>
+        <p:spPr>
+          <a:xfrm>
+            <a:off x="942387" y="1928688"/>
+            <a:ext cx="10237694" cy="369332"/>
+          </a:xfrm>
+          <a:prstGeom prst="rect">
+            <a:avLst/>
+          </a:prstGeom>
+          <a:noFill/>
+        </p:spPr>
+        <p:txBody>
+          <a:bodyPr wrap="square" rtlCol="0">
+            <a:spAutoFit/>
+          </a:bodyPr>
+          <a:lstStyle/>
+          <a:p>
+            <a:r>
+              <a:rPr lang="ko-KR" altLang="en-US" dirty="0">
+                <a:latin typeface="나눔스퀘어 Light" panose="020B0600000101010101" pitchFamily="50" charset="-127"/>
+                <a:ea typeface="나눔스퀘어 Light" panose="020B0600000101010101" pitchFamily="50" charset="-127"/>
+              </a:rPr>
+              <a:t>원래 다른 일반 문제들의 경우</a:t>
+            </a:r>
+            <a:r>
+              <a:rPr lang="en-US" altLang="ko-KR" dirty="0">
+                <a:latin typeface="나눔스퀘어 Light" panose="020B0600000101010101" pitchFamily="50" charset="-127"/>
+                <a:ea typeface="나눔스퀘어 Light" panose="020B0600000101010101" pitchFamily="50" charset="-127"/>
+              </a:rPr>
+              <a:t>, </a:t>
+            </a:r>
+            <a:r>
+              <a:rPr lang="ko-KR" altLang="en-US" dirty="0">
+                <a:latin typeface="나눔스퀘어 Light" panose="020B0600000101010101" pitchFamily="50" charset="-127"/>
+                <a:ea typeface="나눔스퀘어 Light" panose="020B0600000101010101" pitchFamily="50" charset="-127"/>
+              </a:rPr>
+              <a:t>언어별 입출력 </a:t>
+            </a:r>
+            <a:r>
+              <a:rPr lang="en-US" altLang="ko-KR" dirty="0">
+                <a:latin typeface="나눔스퀘어 Light" panose="020B0600000101010101" pitchFamily="50" charset="-127"/>
+                <a:ea typeface="나눔스퀘어 Light" panose="020B0600000101010101" pitchFamily="50" charset="-127"/>
+              </a:rPr>
+              <a:t>/ </a:t>
+            </a:r>
+            <a:r>
+              <a:rPr lang="ko-KR" altLang="en-US" dirty="0">
+                <a:latin typeface="나눔스퀘어 Light" panose="020B0600000101010101" pitchFamily="50" charset="-127"/>
+                <a:ea typeface="나눔스퀘어 Light" panose="020B0600000101010101" pitchFamily="50" charset="-127"/>
+              </a:rPr>
+              <a:t>연산 속도 차이를 고려하여 추가 시간을 받는데</a:t>
+            </a:r>
+            <a:r>
+              <a:rPr lang="en-US" altLang="ko-KR" dirty="0">
+                <a:latin typeface="나눔스퀘어 Light" panose="020B0600000101010101" pitchFamily="50" charset="-127"/>
+                <a:ea typeface="나눔스퀘어 Light" panose="020B0600000101010101" pitchFamily="50" charset="-127"/>
+              </a:rPr>
+              <a:t>,</a:t>
+            </a:r>
+            <a:endParaRPr lang="ko-KR" altLang="en-US" dirty="0">
+              <a:latin typeface="나눔스퀘어 Light" panose="020B0600000101010101" pitchFamily="50" charset="-127"/>
+              <a:ea typeface="나눔스퀘어 Light" panose="020B0600000101010101" pitchFamily="50" charset="-127"/>
+            </a:endParaRPr>
+          </a:p>
+        </p:txBody>
+      </p:sp>
+      <p:sp>
+        <p:nvSpPr>
+          <p:cNvPr id="15" name="TextBox 14">
+            <a:extLst>
+              <a:ext uri="{FF2B5EF4-FFF2-40B4-BE49-F238E27FC236}">
+                <a16:creationId xmlns:a16="http://schemas.microsoft.com/office/drawing/2014/main" id="{C97FCA12-7B16-7A6C-3358-207A21006689}"/>
+              </a:ext>
+            </a:extLst>
+          </p:cNvPr>
+          <p:cNvSpPr txBox="1"/>
+          <p:nvPr/>
+        </p:nvSpPr>
+        <p:spPr>
+          <a:xfrm>
+            <a:off x="942387" y="2298020"/>
+            <a:ext cx="10237694" cy="369332"/>
+          </a:xfrm>
+          <a:prstGeom prst="rect">
+            <a:avLst/>
+          </a:prstGeom>
+          <a:noFill/>
+        </p:spPr>
+        <p:txBody>
+          <a:bodyPr wrap="square" rtlCol="0">
+            <a:spAutoFit/>
+          </a:bodyPr>
+          <a:lstStyle/>
+          <a:p>
+            <a:r>
+              <a:rPr lang="ko-KR" altLang="en-US" dirty="0">
+                <a:latin typeface="나눔스퀘어 Light" panose="020B0600000101010101" pitchFamily="50" charset="-127"/>
+                <a:ea typeface="나눔스퀘어 Light" panose="020B0600000101010101" pitchFamily="50" charset="-127"/>
+              </a:rPr>
+              <a:t>이 문제의 경우에는 추가 시간이 없는 문제라서</a:t>
+            </a:r>
+            <a:r>
+              <a:rPr lang="en-US" altLang="ko-KR" dirty="0">
+                <a:latin typeface="나눔스퀘어 Light" panose="020B0600000101010101" pitchFamily="50" charset="-127"/>
+                <a:ea typeface="나눔스퀘어 Light" panose="020B0600000101010101" pitchFamily="50" charset="-127"/>
+              </a:rPr>
+              <a:t>, </a:t>
+            </a:r>
+            <a:r>
+              <a:rPr lang="ko-KR" altLang="en-US" dirty="0">
+                <a:latin typeface="나눔스퀘어 Light" panose="020B0600000101010101" pitchFamily="50" charset="-127"/>
+                <a:ea typeface="나눔스퀘어 Light" panose="020B0600000101010101" pitchFamily="50" charset="-127"/>
+              </a:rPr>
+              <a:t>입출력이 느린 편인 </a:t>
+            </a:r>
+            <a:r>
+              <a:rPr lang="en-US" altLang="ko-KR" dirty="0">
+                <a:latin typeface="나눔스퀘어 Light" panose="020B0600000101010101" pitchFamily="50" charset="-127"/>
+                <a:ea typeface="나눔스퀘어 Light" panose="020B0600000101010101" pitchFamily="50" charset="-127"/>
+              </a:rPr>
+              <a:t>input() </a:t>
+            </a:r>
+            <a:r>
+              <a:rPr lang="ko-KR" altLang="en-US" dirty="0">
+                <a:latin typeface="나눔스퀘어 Light" panose="020B0600000101010101" pitchFamily="50" charset="-127"/>
+                <a:ea typeface="나눔스퀘어 Light" panose="020B0600000101010101" pitchFamily="50" charset="-127"/>
+              </a:rPr>
+              <a:t>함수를 라인 입력마다</a:t>
+            </a:r>
+          </a:p>
+        </p:txBody>
+      </p:sp>
+      <p:sp>
+        <p:nvSpPr>
+          <p:cNvPr id="16" name="TextBox 15">
+            <a:extLst>
+              <a:ext uri="{FF2B5EF4-FFF2-40B4-BE49-F238E27FC236}">
+                <a16:creationId xmlns:a16="http://schemas.microsoft.com/office/drawing/2014/main" id="{6BC9DCD2-095D-5D7F-6319-81967E0A8357}"/>
+              </a:ext>
+            </a:extLst>
+          </p:cNvPr>
+          <p:cNvSpPr txBox="1"/>
+          <p:nvPr/>
+        </p:nvSpPr>
+        <p:spPr>
+          <a:xfrm>
+            <a:off x="942387" y="2667352"/>
+            <a:ext cx="10237694" cy="369332"/>
+          </a:xfrm>
+          <a:prstGeom prst="rect">
+            <a:avLst/>
+          </a:prstGeom>
+          <a:noFill/>
+        </p:spPr>
+        <p:txBody>
+          <a:bodyPr wrap="square" rtlCol="0">
+            <a:spAutoFit/>
+          </a:bodyPr>
+          <a:lstStyle/>
+          <a:p>
+            <a:r>
+              <a:rPr lang="ko-KR" altLang="en-US" dirty="0">
+                <a:latin typeface="나눔스퀘어 Light" panose="020B0600000101010101" pitchFamily="50" charset="-127"/>
+                <a:ea typeface="나눔스퀘어 Light" panose="020B0600000101010101" pitchFamily="50" charset="-127"/>
+              </a:rPr>
+              <a:t>호출하게 되면 알고리즘 들어가기도 전에 입력에서 시간초과가 납니다</a:t>
+            </a:r>
+            <a:r>
+              <a:rPr lang="en-US" altLang="ko-KR" dirty="0">
+                <a:latin typeface="나눔스퀘어 Light" panose="020B0600000101010101" pitchFamily="50" charset="-127"/>
+                <a:ea typeface="나눔스퀘어 Light" panose="020B0600000101010101" pitchFamily="50" charset="-127"/>
+              </a:rPr>
+              <a:t>.</a:t>
+            </a:r>
+            <a:endParaRPr lang="ko-KR" altLang="en-US" dirty="0">
+              <a:latin typeface="나눔스퀘어 Light" panose="020B0600000101010101" pitchFamily="50" charset="-127"/>
+              <a:ea typeface="나눔스퀘어 Light" panose="020B0600000101010101" pitchFamily="50" charset="-127"/>
+            </a:endParaRPr>
+          </a:p>
+        </p:txBody>
+      </p:sp>
+      <p:pic>
+        <p:nvPicPr>
+          <p:cNvPr id="18" name="그림 17">
+            <a:extLst>
+              <a:ext uri="{FF2B5EF4-FFF2-40B4-BE49-F238E27FC236}">
+                <a16:creationId xmlns:a16="http://schemas.microsoft.com/office/drawing/2014/main" id="{D5C7D85F-89DB-78C5-78B9-7DD7EE635A78}"/>
+              </a:ext>
+            </a:extLst>
+          </p:cNvPr>
+          <p:cNvPicPr>
+            <a:picLocks noChangeAspect="1"/>
+          </p:cNvPicPr>
+          <p:nvPr/>
+        </p:nvPicPr>
+        <p:blipFill>
+          <a:blip r:embed="rId3"/>
+          <a:stretch>
+            <a:fillRect/>
+          </a:stretch>
+        </p:blipFill>
+        <p:spPr>
+          <a:xfrm>
+            <a:off x="942387" y="3755998"/>
+            <a:ext cx="8303729" cy="2007494"/>
           </a:xfrm>
           <a:prstGeom prst="rect">
             <a:avLst/>
@@ -3647,7 +3973,7 @@
     </p:spTree>
     <p:extLst>
       <p:ext uri="{BB962C8B-B14F-4D97-AF65-F5344CB8AC3E}">
-        <p14:creationId xmlns:p14="http://schemas.microsoft.com/office/powerpoint/2010/main" val="2702533686"/>
+        <p14:creationId xmlns:p14="http://schemas.microsoft.com/office/powerpoint/2010/main" val="1774583752"/>
       </p:ext>
     </p:extLst>
   </p:cSld>
@@ -3723,7 +4049,66 @@
           <p:cNvPr id="3" name="TextBox 2">
             <a:extLst>
               <a:ext uri="{FF2B5EF4-FFF2-40B4-BE49-F238E27FC236}">
-                <a16:creationId xmlns:a16="http://schemas.microsoft.com/office/drawing/2014/main" id="{DED99750-0EE1-C88D-2F22-1EE36DBD23B3}"/>
+                <a16:creationId xmlns:a16="http://schemas.microsoft.com/office/drawing/2014/main" id="{28FF46E5-50E3-EF2F-1C7A-0DF5C8D071CE}"/>
+              </a:ext>
+            </a:extLst>
+          </p:cNvPr>
+          <p:cNvSpPr txBox="1"/>
+          <p:nvPr/>
+        </p:nvSpPr>
+        <p:spPr>
+          <a:xfrm>
+            <a:off x="331694" y="177505"/>
+            <a:ext cx="2826415" cy="523220"/>
+          </a:xfrm>
+          <a:prstGeom prst="rect">
+            <a:avLst/>
+          </a:prstGeom>
+          <a:noFill/>
+        </p:spPr>
+        <p:txBody>
+          <a:bodyPr wrap="none" rtlCol="0">
+            <a:spAutoFit/>
+          </a:bodyPr>
+          <a:lstStyle/>
+          <a:p>
+            <a:r>
+              <a:rPr lang="en-US" altLang="ko-KR" sz="2800" dirty="0">
+                <a:latin typeface="나눔스퀘어 Bold" panose="020B0600000101010101" pitchFamily="50" charset="-127"/>
+                <a:ea typeface="나눔스퀘어 Bold" panose="020B0600000101010101" pitchFamily="50" charset="-127"/>
+              </a:rPr>
+              <a:t>DS</a:t>
+            </a:r>
+            <a:r>
+              <a:rPr lang="ko-KR" altLang="en-US" sz="2800" dirty="0">
+                <a:latin typeface="나눔스퀘어 Bold" panose="020B0600000101010101" pitchFamily="50" charset="-127"/>
+                <a:ea typeface="나눔스퀘어 Bold" panose="020B0600000101010101" pitchFamily="50" charset="-127"/>
+              </a:rPr>
+              <a:t> </a:t>
+            </a:r>
+            <a:r>
+              <a:rPr lang="en-US" altLang="ko-KR" sz="2800" dirty="0">
+                <a:latin typeface="나눔스퀘어 Bold" panose="020B0600000101010101" pitchFamily="50" charset="-127"/>
+                <a:ea typeface="나눔스퀘어 Bold" panose="020B0600000101010101" pitchFamily="50" charset="-127"/>
+              </a:rPr>
+              <a:t>– 10828 </a:t>
+            </a:r>
+            <a:r>
+              <a:rPr lang="ko-KR" altLang="en-US" sz="2800" dirty="0">
+                <a:latin typeface="나눔스퀘어 Bold" panose="020B0600000101010101" pitchFamily="50" charset="-127"/>
+                <a:ea typeface="나눔스퀘어 Bold" panose="020B0600000101010101" pitchFamily="50" charset="-127"/>
+              </a:rPr>
+              <a:t>스택</a:t>
+            </a:r>
+          </a:p>
+        </p:txBody>
+      </p:sp>
+      <p:sp>
+        <p:nvSpPr>
+          <p:cNvPr id="8" name="TextBox 7">
+            <a:extLst>
+              <a:ext uri="{FF2B5EF4-FFF2-40B4-BE49-F238E27FC236}">
+                <a16:creationId xmlns:a16="http://schemas.microsoft.com/office/drawing/2014/main" id="{CD8E3FED-918B-0B44-8445-0682DD85BCE0}"/>
               </a:ext>
             </a:extLst>
           </p:cNvPr>
@@ -3751,74 +4136,121 @@
                 <a:latin typeface="나눔스퀘어 Light" panose="020B0600000101010101" pitchFamily="50" charset="-127"/>
                 <a:ea typeface="나눔스퀘어 Light" panose="020B0600000101010101" pitchFamily="50" charset="-127"/>
               </a:rPr>
-              <a:t>올바른 괄호 문자열인지 판별하는 문제</a:t>
-            </a:r>
-          </a:p>
-        </p:txBody>
-      </p:sp>
-      <p:sp>
-        <p:nvSpPr>
-          <p:cNvPr id="2" name="TextBox 1">
-            <a:extLst>
-              <a:ext uri="{FF2B5EF4-FFF2-40B4-BE49-F238E27FC236}">
-                <a16:creationId xmlns:a16="http://schemas.microsoft.com/office/drawing/2014/main" id="{18D39D5A-64F9-9DF0-96C3-E9A433FB9C19}"/>
-              </a:ext>
-            </a:extLst>
-          </p:cNvPr>
-          <p:cNvSpPr txBox="1"/>
-          <p:nvPr/>
-        </p:nvSpPr>
-        <p:spPr>
-          <a:xfrm>
-            <a:off x="331694" y="177505"/>
-            <a:ext cx="2606804" cy="523220"/>
+              <a:t>따라서</a:t>
+            </a:r>
+            <a:r>
+              <a:rPr lang="en-US" altLang="ko-KR" dirty="0">
+                <a:latin typeface="나눔스퀘어 Light" panose="020B0600000101010101" pitchFamily="50" charset="-127"/>
+                <a:ea typeface="나눔스퀘어 Light" panose="020B0600000101010101" pitchFamily="50" charset="-127"/>
+              </a:rPr>
+              <a:t>, input() </a:t>
+            </a:r>
+            <a:r>
+              <a:rPr lang="ko-KR" altLang="en-US" dirty="0">
+                <a:latin typeface="나눔스퀘어 Light" panose="020B0600000101010101" pitchFamily="50" charset="-127"/>
+                <a:ea typeface="나눔스퀘어 Light" panose="020B0600000101010101" pitchFamily="50" charset="-127"/>
+              </a:rPr>
+              <a:t>보다는 빠른 </a:t>
+            </a:r>
+            <a:r>
+              <a:rPr lang="en-US" altLang="ko-KR" dirty="0" err="1">
+                <a:latin typeface="나눔스퀘어 Light" panose="020B0600000101010101" pitchFamily="50" charset="-127"/>
+                <a:ea typeface="나눔스퀘어 Light" panose="020B0600000101010101" pitchFamily="50" charset="-127"/>
+              </a:rPr>
+              <a:t>sys.stdin.readline</a:t>
+            </a:r>
+            <a:r>
+              <a:rPr lang="en-US" altLang="ko-KR" dirty="0">
+                <a:latin typeface="나눔스퀘어 Light" panose="020B0600000101010101" pitchFamily="50" charset="-127"/>
+                <a:ea typeface="나눔스퀘어 Light" panose="020B0600000101010101" pitchFamily="50" charset="-127"/>
+              </a:rPr>
+              <a:t>() </a:t>
+            </a:r>
+            <a:r>
+              <a:rPr lang="ko-KR" altLang="en-US" dirty="0">
+                <a:latin typeface="나눔스퀘어 Light" panose="020B0600000101010101" pitchFamily="50" charset="-127"/>
+                <a:ea typeface="나눔스퀘어 Light" panose="020B0600000101010101" pitchFamily="50" charset="-127"/>
+              </a:rPr>
+              <a:t>함수를 사용해야 시간 초과를 피할 수 있습니다</a:t>
+            </a:r>
+            <a:r>
+              <a:rPr lang="en-US" altLang="ko-KR" dirty="0">
+                <a:latin typeface="나눔스퀘어 Light" panose="020B0600000101010101" pitchFamily="50" charset="-127"/>
+                <a:ea typeface="나눔스퀘어 Light" panose="020B0600000101010101" pitchFamily="50" charset="-127"/>
+              </a:rPr>
+              <a:t>.</a:t>
+            </a:r>
+            <a:endParaRPr lang="ko-KR" altLang="en-US" dirty="0">
+              <a:latin typeface="나눔스퀘어 Light" panose="020B0600000101010101" pitchFamily="50" charset="-127"/>
+              <a:ea typeface="나눔스퀘어 Light" panose="020B0600000101010101" pitchFamily="50" charset="-127"/>
+            </a:endParaRPr>
+          </a:p>
+        </p:txBody>
+      </p:sp>
+      <p:pic>
+        <p:nvPicPr>
+          <p:cNvPr id="9" name="그림 8">
+            <a:extLst>
+              <a:ext uri="{FF2B5EF4-FFF2-40B4-BE49-F238E27FC236}">
+                <a16:creationId xmlns:a16="http://schemas.microsoft.com/office/drawing/2014/main" id="{BC14DDE8-1A69-BC14-03D3-A943C9FB4B24}"/>
+              </a:ext>
+            </a:extLst>
+          </p:cNvPr>
+          <p:cNvPicPr>
+            <a:picLocks noChangeAspect="1"/>
+          </p:cNvPicPr>
+          <p:nvPr/>
+        </p:nvPicPr>
+        <p:blipFill>
+          <a:blip r:embed="rId2"/>
+          <a:stretch>
+            <a:fillRect/>
+          </a:stretch>
+        </p:blipFill>
+        <p:spPr>
+          <a:xfrm>
+            <a:off x="942386" y="1559355"/>
+            <a:ext cx="7327363" cy="3446753"/>
           </a:xfrm>
           <a:prstGeom prst="rect">
             <a:avLst/>
           </a:prstGeom>
-          <a:noFill/>
-        </p:spPr>
-        <p:txBody>
-          <a:bodyPr wrap="none" rtlCol="0">
-            <a:spAutoFit/>
-          </a:bodyPr>
-          <a:lstStyle/>
-          <a:p>
-            <a:r>
-              <a:rPr lang="en-US" altLang="ko-KR" sz="2800" dirty="0">
-                <a:latin typeface="나눔스퀘어 Bold" panose="020B0600000101010101" pitchFamily="50" charset="-127"/>
-                <a:ea typeface="나눔스퀘어 Bold" panose="020B0600000101010101" pitchFamily="50" charset="-127"/>
-              </a:rPr>
-              <a:t>DS</a:t>
-            </a:r>
-            <a:r>
-              <a:rPr lang="ko-KR" altLang="en-US" sz="2800" dirty="0">
-                <a:latin typeface="나눔스퀘어 Bold" panose="020B0600000101010101" pitchFamily="50" charset="-127"/>
-                <a:ea typeface="나눔스퀘어 Bold" panose="020B0600000101010101" pitchFamily="50" charset="-127"/>
-              </a:rPr>
-              <a:t> </a:t>
-            </a:r>
-            <a:r>
-              <a:rPr lang="en-US" altLang="ko-KR" sz="2800" dirty="0">
-                <a:latin typeface="나눔스퀘어 Bold" panose="020B0600000101010101" pitchFamily="50" charset="-127"/>
-                <a:ea typeface="나눔스퀘어 Bold" panose="020B0600000101010101" pitchFamily="50" charset="-127"/>
-              </a:rPr>
-              <a:t>– 9012 </a:t>
-            </a:r>
-            <a:r>
-              <a:rPr lang="ko-KR" altLang="en-US" sz="2800" dirty="0">
-                <a:latin typeface="나눔스퀘어 Bold" panose="020B0600000101010101" pitchFamily="50" charset="-127"/>
-                <a:ea typeface="나눔스퀘어 Bold" panose="020B0600000101010101" pitchFamily="50" charset="-127"/>
-              </a:rPr>
-              <a:t>괄호</a:t>
-            </a:r>
-          </a:p>
-        </p:txBody>
-      </p:sp>
+        </p:spPr>
+      </p:pic>
+      <p:pic>
+        <p:nvPicPr>
+          <p:cNvPr id="11" name="그림 10">
+            <a:extLst>
+              <a:ext uri="{FF2B5EF4-FFF2-40B4-BE49-F238E27FC236}">
+                <a16:creationId xmlns:a16="http://schemas.microsoft.com/office/drawing/2014/main" id="{99196CAF-E478-5CA0-37F0-87170D46B297}"/>
+              </a:ext>
+            </a:extLst>
+          </p:cNvPr>
+          <p:cNvPicPr>
+            <a:picLocks noChangeAspect="1"/>
+          </p:cNvPicPr>
+          <p:nvPr/>
+        </p:nvPicPr>
+        <p:blipFill>
+          <a:blip r:embed="rId3"/>
+          <a:stretch>
+            <a:fillRect/>
+          </a:stretch>
+        </p:blipFill>
+        <p:spPr>
+          <a:xfrm>
+            <a:off x="637413" y="5298645"/>
+            <a:ext cx="10917174" cy="1095528"/>
+          </a:xfrm>
+          <a:prstGeom prst="rect">
+            <a:avLst/>
+          </a:prstGeom>
+        </p:spPr>
+      </p:pic>
     </p:spTree>
     <p:extLst>
       <p:ext uri="{BB962C8B-B14F-4D97-AF65-F5344CB8AC3E}">
-        <p14:creationId xmlns:p14="http://schemas.microsoft.com/office/powerpoint/2010/main" val="2583783189"/>
+        <p14:creationId xmlns:p14="http://schemas.microsoft.com/office/powerpoint/2010/main" val="3907139603"/>
       </p:ext>
     </p:extLst>
   </p:cSld>
@@ -3891,10 +4323,10 @@
       </p:cxnSp>
       <p:sp>
         <p:nvSpPr>
-          <p:cNvPr id="2" name="TextBox 1">
-            <a:extLst>
-              <a:ext uri="{FF2B5EF4-FFF2-40B4-BE49-F238E27FC236}">
-                <a16:creationId xmlns:a16="http://schemas.microsoft.com/office/drawing/2014/main" id="{18D39D5A-64F9-9DF0-96C3-E9A433FB9C19}"/>
+          <p:cNvPr id="3" name="TextBox 2">
+            <a:extLst>
+              <a:ext uri="{FF2B5EF4-FFF2-40B4-BE49-F238E27FC236}">
+                <a16:creationId xmlns:a16="http://schemas.microsoft.com/office/drawing/2014/main" id="{28FF46E5-50E3-EF2F-1C7A-0DF5C8D071CE}"/>
               </a:ext>
             </a:extLst>
           </p:cNvPr>
@@ -3904,7 +4336,7 @@
         <p:spPr>
           <a:xfrm>
             <a:off x="331694" y="177505"/>
-            <a:ext cx="3897221" cy="523220"/>
+            <a:ext cx="2826415" cy="523220"/>
           </a:xfrm>
           <a:prstGeom prst="rect">
             <a:avLst/>
@@ -3936,35 +4368,202 @@
                 <a:latin typeface="나눔스퀘어 Bold" panose="020B0600000101010101" pitchFamily="50" charset="-127"/>
                 <a:ea typeface="나눔스퀘어 Bold" panose="020B0600000101010101" pitchFamily="50" charset="-127"/>
               </a:rPr>
-              <a:t>– 1935 </a:t>
+              <a:t>– 10828 </a:t>
             </a:r>
             <a:r>
               <a:rPr lang="ko-KR" altLang="en-US" sz="2800" dirty="0">
                 <a:latin typeface="나눔스퀘어 Bold" panose="020B0600000101010101" pitchFamily="50" charset="-127"/>
                 <a:ea typeface="나눔스퀘어 Bold" panose="020B0600000101010101" pitchFamily="50" charset="-127"/>
               </a:rPr>
-              <a:t>후위 표기식</a:t>
-            </a:r>
-            <a:r>
-              <a:rPr lang="en-US" altLang="ko-KR" sz="2800" dirty="0">
+              <a:t>스택</a:t>
+            </a:r>
+          </a:p>
+        </p:txBody>
+      </p:sp>
+      <p:sp>
+        <p:nvSpPr>
+          <p:cNvPr id="6" name="TextBox 5">
+            <a:extLst>
+              <a:ext uri="{FF2B5EF4-FFF2-40B4-BE49-F238E27FC236}">
+                <a16:creationId xmlns:a16="http://schemas.microsoft.com/office/drawing/2014/main" id="{8D2F6FC0-2501-8C0D-3759-D4AA68696B7F}"/>
+              </a:ext>
+            </a:extLst>
+          </p:cNvPr>
+          <p:cNvSpPr txBox="1"/>
+          <p:nvPr/>
+        </p:nvSpPr>
+        <p:spPr>
+          <a:xfrm>
+            <a:off x="942387" y="1190024"/>
+            <a:ext cx="4291059" cy="369332"/>
+          </a:xfrm>
+          <a:prstGeom prst="rect">
+            <a:avLst/>
+          </a:prstGeom>
+          <a:noFill/>
+        </p:spPr>
+        <p:txBody>
+          <a:bodyPr wrap="square" rtlCol="0">
+            <a:spAutoFit/>
+          </a:bodyPr>
+          <a:lstStyle/>
+          <a:p>
+            <a:r>
+              <a:rPr lang="en-US" altLang="ko-KR" dirty="0">
                 <a:latin typeface="나눔스퀘어 Bold" panose="020B0600000101010101" pitchFamily="50" charset="-127"/>
                 <a:ea typeface="나눔스퀘어 Bold" panose="020B0600000101010101" pitchFamily="50" charset="-127"/>
               </a:rPr>
-              <a:t>2</a:t>
-            </a:r>
-            <a:endParaRPr lang="ko-KR" altLang="en-US" sz="2800" dirty="0">
+              <a:t>Java</a:t>
+            </a:r>
+            <a:endParaRPr lang="ko-KR" altLang="en-US" dirty="0">
               <a:latin typeface="나눔스퀘어 Bold" panose="020B0600000101010101" pitchFamily="50" charset="-127"/>
               <a:ea typeface="나눔스퀘어 Bold" panose="020B0600000101010101" pitchFamily="50" charset="-127"/>
             </a:endParaRPr>
           </a:p>
         </p:txBody>
       </p:sp>
+      <p:sp>
+        <p:nvSpPr>
+          <p:cNvPr id="8" name="TextBox 7">
+            <a:extLst>
+              <a:ext uri="{FF2B5EF4-FFF2-40B4-BE49-F238E27FC236}">
+                <a16:creationId xmlns:a16="http://schemas.microsoft.com/office/drawing/2014/main" id="{CD8E3FED-918B-0B44-8445-0682DD85BCE0}"/>
+              </a:ext>
+            </a:extLst>
+          </p:cNvPr>
+          <p:cNvSpPr txBox="1"/>
+          <p:nvPr/>
+        </p:nvSpPr>
+        <p:spPr>
+          <a:xfrm>
+            <a:off x="942387" y="1520653"/>
+            <a:ext cx="4291059" cy="369332"/>
+          </a:xfrm>
+          <a:prstGeom prst="rect">
+            <a:avLst/>
+          </a:prstGeom>
+          <a:noFill/>
+        </p:spPr>
+        <p:txBody>
+          <a:bodyPr wrap="square" rtlCol="0">
+            <a:spAutoFit/>
+          </a:bodyPr>
+          <a:lstStyle/>
+          <a:p>
+            <a:r>
+              <a:rPr lang="en-US" altLang="ko-KR" dirty="0">
+                <a:latin typeface="나눔스퀘어 Light" panose="020B0600000101010101" pitchFamily="50" charset="-127"/>
+                <a:ea typeface="나눔스퀘어 Light" panose="020B0600000101010101" pitchFamily="50" charset="-127"/>
+              </a:rPr>
+              <a:t>Java</a:t>
+            </a:r>
+            <a:r>
+              <a:rPr lang="ko-KR" altLang="en-US" dirty="0">
+                <a:latin typeface="나눔스퀘어 Light" panose="020B0600000101010101" pitchFamily="50" charset="-127"/>
+                <a:ea typeface="나눔스퀘어 Light" panose="020B0600000101010101" pitchFamily="50" charset="-127"/>
+              </a:rPr>
+              <a:t>역시 </a:t>
+            </a:r>
+            <a:r>
+              <a:rPr lang="en-US" altLang="ko-KR" dirty="0">
+                <a:latin typeface="나눔스퀘어 Light" panose="020B0600000101010101" pitchFamily="50" charset="-127"/>
+                <a:ea typeface="나눔스퀘어 Light" panose="020B0600000101010101" pitchFamily="50" charset="-127"/>
+              </a:rPr>
+              <a:t>Python</a:t>
+            </a:r>
+            <a:r>
+              <a:rPr lang="ko-KR" altLang="en-US" dirty="0">
+                <a:latin typeface="나눔스퀘어 Light" panose="020B0600000101010101" pitchFamily="50" charset="-127"/>
+                <a:ea typeface="나눔스퀘어 Light" panose="020B0600000101010101" pitchFamily="50" charset="-127"/>
+              </a:rPr>
+              <a:t>과 마찬가지로</a:t>
+            </a:r>
+            <a:r>
+              <a:rPr lang="en-US" altLang="ko-KR" dirty="0">
+                <a:latin typeface="나눔스퀘어 Light" panose="020B0600000101010101" pitchFamily="50" charset="-127"/>
+                <a:ea typeface="나눔스퀘어 Light" panose="020B0600000101010101" pitchFamily="50" charset="-127"/>
+              </a:rPr>
+              <a:t>,</a:t>
+            </a:r>
+            <a:endParaRPr lang="ko-KR" altLang="en-US" dirty="0">
+              <a:latin typeface="나눔스퀘어 Light" panose="020B0600000101010101" pitchFamily="50" charset="-127"/>
+              <a:ea typeface="나눔스퀘어 Light" panose="020B0600000101010101" pitchFamily="50" charset="-127"/>
+            </a:endParaRPr>
+          </a:p>
+        </p:txBody>
+      </p:sp>
+      <p:sp>
+        <p:nvSpPr>
+          <p:cNvPr id="7" name="TextBox 6">
+            <a:extLst>
+              <a:ext uri="{FF2B5EF4-FFF2-40B4-BE49-F238E27FC236}">
+                <a16:creationId xmlns:a16="http://schemas.microsoft.com/office/drawing/2014/main" id="{D65954F3-E561-BE7C-9C5D-9388C9AFCCF2}"/>
+              </a:ext>
+            </a:extLst>
+          </p:cNvPr>
+          <p:cNvSpPr txBox="1"/>
+          <p:nvPr/>
+        </p:nvSpPr>
+        <p:spPr>
+          <a:xfrm>
+            <a:off x="942387" y="4028571"/>
+            <a:ext cx="4291059" cy="369332"/>
+          </a:xfrm>
+          <a:prstGeom prst="rect">
+            <a:avLst/>
+          </a:prstGeom>
+          <a:noFill/>
+        </p:spPr>
+        <p:txBody>
+          <a:bodyPr wrap="square" rtlCol="0">
+            <a:spAutoFit/>
+          </a:bodyPr>
+          <a:lstStyle/>
+          <a:p>
+            <a:r>
+              <a:rPr lang="ko-KR" altLang="en-US" dirty="0">
+                <a:latin typeface="나눔스퀘어 Light" panose="020B0600000101010101" pitchFamily="50" charset="-127"/>
+                <a:ea typeface="나눔스퀘어 Light" panose="020B0600000101010101" pitchFamily="50" charset="-127"/>
+              </a:rPr>
+              <a:t>또한</a:t>
+            </a:r>
+            <a:r>
+              <a:rPr lang="en-US" altLang="ko-KR" dirty="0">
+                <a:latin typeface="나눔스퀘어 Light" panose="020B0600000101010101" pitchFamily="50" charset="-127"/>
+                <a:ea typeface="나눔스퀘어 Light" panose="020B0600000101010101" pitchFamily="50" charset="-127"/>
+              </a:rPr>
+              <a:t>, </a:t>
+            </a:r>
+            <a:r>
+              <a:rPr lang="ko-KR" altLang="en-US" dirty="0">
+                <a:latin typeface="나눔스퀘어 Light" panose="020B0600000101010101" pitchFamily="50" charset="-127"/>
+                <a:ea typeface="나눔스퀘어 Light" panose="020B0600000101010101" pitchFamily="50" charset="-127"/>
+              </a:rPr>
+              <a:t>출력을 </a:t>
+            </a:r>
+            <a:r>
+              <a:rPr lang="en-US" altLang="ko-KR" dirty="0">
+                <a:latin typeface="나눔스퀘어 Light" panose="020B0600000101010101" pitchFamily="50" charset="-127"/>
+                <a:ea typeface="나눔스퀘어 Light" panose="020B0600000101010101" pitchFamily="50" charset="-127"/>
+              </a:rPr>
+              <a:t>StringBuilder </a:t>
+            </a:r>
+            <a:r>
+              <a:rPr lang="ko-KR" altLang="en-US" dirty="0">
+                <a:latin typeface="나눔스퀘어 Light" panose="020B0600000101010101" pitchFamily="50" charset="-127"/>
+                <a:ea typeface="나눔스퀘어 Light" panose="020B0600000101010101" pitchFamily="50" charset="-127"/>
+              </a:rPr>
+              <a:t>클래스를 이용해</a:t>
+            </a:r>
+          </a:p>
+        </p:txBody>
+      </p:sp>
       <p:pic>
         <p:nvPicPr>
-          <p:cNvPr id="6" name="그림 5">
-            <a:extLst>
-              <a:ext uri="{FF2B5EF4-FFF2-40B4-BE49-F238E27FC236}">
-                <a16:creationId xmlns:a16="http://schemas.microsoft.com/office/drawing/2014/main" id="{F0ABB7DE-C9D8-CA58-35D0-43FCBADD0B54}"/>
+          <p:cNvPr id="11" name="그림 10">
+            <a:extLst>
+              <a:ext uri="{FF2B5EF4-FFF2-40B4-BE49-F238E27FC236}">
+                <a16:creationId xmlns:a16="http://schemas.microsoft.com/office/drawing/2014/main" id="{1120F500-E2E3-5A34-5662-CDC1243D2CBE}"/>
               </a:ext>
             </a:extLst>
           </p:cNvPr>
@@ -3981,138 +4580,297 @@
         </p:blipFill>
         <p:spPr>
           <a:xfrm>
-            <a:off x="331693" y="955017"/>
-            <a:ext cx="10377155" cy="3778161"/>
+            <a:off x="5233446" y="159434"/>
+            <a:ext cx="6469027" cy="6598840"/>
           </a:xfrm>
           <a:prstGeom prst="rect">
             <a:avLst/>
           </a:prstGeom>
         </p:spPr>
       </p:pic>
-      <p:pic>
-        <p:nvPicPr>
-          <p:cNvPr id="8" name="그림 7">
-            <a:extLst>
-              <a:ext uri="{FF2B5EF4-FFF2-40B4-BE49-F238E27FC236}">
-                <a16:creationId xmlns:a16="http://schemas.microsoft.com/office/drawing/2014/main" id="{D28CB359-D073-379E-E5C6-1B49EB657574}"/>
-              </a:ext>
-            </a:extLst>
-          </p:cNvPr>
-          <p:cNvPicPr>
-            <a:picLocks noChangeAspect="1"/>
-          </p:cNvPicPr>
-          <p:nvPr/>
-        </p:nvPicPr>
-        <p:blipFill>
-          <a:blip r:embed="rId3"/>
-          <a:stretch>
-            <a:fillRect/>
-          </a:stretch>
-        </p:blipFill>
-        <p:spPr>
-          <a:xfrm>
-            <a:off x="4373497" y="3921551"/>
-            <a:ext cx="1395682" cy="2346254"/>
+      <p:sp>
+        <p:nvSpPr>
+          <p:cNvPr id="13" name="TextBox 12">
+            <a:extLst>
+              <a:ext uri="{FF2B5EF4-FFF2-40B4-BE49-F238E27FC236}">
+                <a16:creationId xmlns:a16="http://schemas.microsoft.com/office/drawing/2014/main" id="{7ED7643F-2460-A8B1-D550-739FD4AFECC9}"/>
+              </a:ext>
+            </a:extLst>
+          </p:cNvPr>
+          <p:cNvSpPr txBox="1"/>
+          <p:nvPr/>
+        </p:nvSpPr>
+        <p:spPr>
+          <a:xfrm>
+            <a:off x="942387" y="1861874"/>
+            <a:ext cx="4291059" cy="369332"/>
           </a:xfrm>
           <a:prstGeom prst="rect">
             <a:avLst/>
           </a:prstGeom>
-        </p:spPr>
-      </p:pic>
-      <p:pic>
-        <p:nvPicPr>
-          <p:cNvPr id="10" name="그림 9">
-            <a:extLst>
-              <a:ext uri="{FF2B5EF4-FFF2-40B4-BE49-F238E27FC236}">
-                <a16:creationId xmlns:a16="http://schemas.microsoft.com/office/drawing/2014/main" id="{EA41C19E-CF69-A11F-2F0A-B63A51307F4C}"/>
-              </a:ext>
-            </a:extLst>
-          </p:cNvPr>
-          <p:cNvPicPr>
-            <a:picLocks noChangeAspect="1"/>
-          </p:cNvPicPr>
-          <p:nvPr/>
-        </p:nvPicPr>
-        <p:blipFill>
-          <a:blip r:embed="rId4"/>
-          <a:stretch>
-            <a:fillRect/>
-          </a:stretch>
-        </p:blipFill>
-        <p:spPr>
-          <a:xfrm>
-            <a:off x="5940117" y="3902697"/>
-            <a:ext cx="1370135" cy="969871"/>
+          <a:noFill/>
+        </p:spPr>
+        <p:txBody>
+          <a:bodyPr wrap="square" rtlCol="0">
+            <a:spAutoFit/>
+          </a:bodyPr>
+          <a:lstStyle/>
+          <a:p>
+            <a:r>
+              <a:rPr lang="en-US" altLang="ko-KR" dirty="0">
+                <a:latin typeface="나눔스퀘어 Light" panose="020B0600000101010101" pitchFamily="50" charset="-127"/>
+                <a:ea typeface="나눔스퀘어 Light" panose="020B0600000101010101" pitchFamily="50" charset="-127"/>
+              </a:rPr>
+              <a:t>Scanner</a:t>
+            </a:r>
+            <a:r>
+              <a:rPr lang="ko-KR" altLang="en-US" dirty="0">
+                <a:latin typeface="나눔스퀘어 Light" panose="020B0600000101010101" pitchFamily="50" charset="-127"/>
+                <a:ea typeface="나눔스퀘어 Light" panose="020B0600000101010101" pitchFamily="50" charset="-127"/>
+              </a:rPr>
+              <a:t>의 입력 메서드를 계속 호출 시</a:t>
+            </a:r>
+          </a:p>
+        </p:txBody>
+      </p:sp>
+      <p:sp>
+        <p:nvSpPr>
+          <p:cNvPr id="17" name="TextBox 16">
+            <a:extLst>
+              <a:ext uri="{FF2B5EF4-FFF2-40B4-BE49-F238E27FC236}">
+                <a16:creationId xmlns:a16="http://schemas.microsoft.com/office/drawing/2014/main" id="{1AFBEB49-9B28-3929-B403-C875CE94C7B2}"/>
+              </a:ext>
+            </a:extLst>
+          </p:cNvPr>
+          <p:cNvSpPr txBox="1"/>
+          <p:nvPr/>
+        </p:nvSpPr>
+        <p:spPr>
+          <a:xfrm>
+            <a:off x="942387" y="2220614"/>
+            <a:ext cx="4291059" cy="369332"/>
           </a:xfrm>
           <a:prstGeom prst="rect">
             <a:avLst/>
           </a:prstGeom>
-        </p:spPr>
-      </p:pic>
-      <p:pic>
-        <p:nvPicPr>
-          <p:cNvPr id="12" name="그림 11">
-            <a:extLst>
-              <a:ext uri="{FF2B5EF4-FFF2-40B4-BE49-F238E27FC236}">
-                <a16:creationId xmlns:a16="http://schemas.microsoft.com/office/drawing/2014/main" id="{FD6BDE1B-C3EE-148A-4DF3-717360C0B15F}"/>
-              </a:ext>
-            </a:extLst>
-          </p:cNvPr>
-          <p:cNvPicPr>
-            <a:picLocks noChangeAspect="1"/>
-          </p:cNvPicPr>
-          <p:nvPr/>
-        </p:nvPicPr>
-        <p:blipFill>
-          <a:blip r:embed="rId5"/>
-          <a:stretch>
-            <a:fillRect/>
-          </a:stretch>
-        </p:blipFill>
-        <p:spPr>
-          <a:xfrm>
-            <a:off x="8692884" y="3883843"/>
-            <a:ext cx="1376699" cy="1452342"/>
+          <a:noFill/>
+        </p:spPr>
+        <p:txBody>
+          <a:bodyPr wrap="square" rtlCol="0">
+            <a:spAutoFit/>
+          </a:bodyPr>
+          <a:lstStyle/>
+          <a:p>
+            <a:r>
+              <a:rPr lang="ko-KR" altLang="en-US" dirty="0">
+                <a:latin typeface="나눔스퀘어 Light" panose="020B0600000101010101" pitchFamily="50" charset="-127"/>
+                <a:ea typeface="나눔스퀘어 Light" panose="020B0600000101010101" pitchFamily="50" charset="-127"/>
+              </a:rPr>
+              <a:t>시간 초과를 받게 됩니다</a:t>
+            </a:r>
+            <a:r>
+              <a:rPr lang="en-US" altLang="ko-KR" dirty="0">
+                <a:latin typeface="나눔스퀘어 Light" panose="020B0600000101010101" pitchFamily="50" charset="-127"/>
+                <a:ea typeface="나눔스퀘어 Light" panose="020B0600000101010101" pitchFamily="50" charset="-127"/>
+              </a:rPr>
+              <a:t>.</a:t>
+            </a:r>
+            <a:endParaRPr lang="ko-KR" altLang="en-US" dirty="0">
+              <a:latin typeface="나눔스퀘어 Light" panose="020B0600000101010101" pitchFamily="50" charset="-127"/>
+              <a:ea typeface="나눔스퀘어 Light" panose="020B0600000101010101" pitchFamily="50" charset="-127"/>
+            </a:endParaRPr>
+          </a:p>
+        </p:txBody>
+      </p:sp>
+      <p:sp>
+        <p:nvSpPr>
+          <p:cNvPr id="19" name="TextBox 18">
+            <a:extLst>
+              <a:ext uri="{FF2B5EF4-FFF2-40B4-BE49-F238E27FC236}">
+                <a16:creationId xmlns:a16="http://schemas.microsoft.com/office/drawing/2014/main" id="{4BBA5AAB-AF1B-237D-6FC2-3E8985A9B589}"/>
+              </a:ext>
+            </a:extLst>
+          </p:cNvPr>
+          <p:cNvSpPr txBox="1"/>
+          <p:nvPr/>
+        </p:nvSpPr>
+        <p:spPr>
+          <a:xfrm>
+            <a:off x="942387" y="2920575"/>
+            <a:ext cx="4291059" cy="369332"/>
           </a:xfrm>
           <a:prstGeom prst="rect">
             <a:avLst/>
           </a:prstGeom>
-        </p:spPr>
-      </p:pic>
-      <p:pic>
-        <p:nvPicPr>
-          <p:cNvPr id="14" name="그림 13">
-            <a:extLst>
-              <a:ext uri="{FF2B5EF4-FFF2-40B4-BE49-F238E27FC236}">
-                <a16:creationId xmlns:a16="http://schemas.microsoft.com/office/drawing/2014/main" id="{70E1C66A-1D27-B642-20B5-DB494DE8AF16}"/>
-              </a:ext>
-            </a:extLst>
-          </p:cNvPr>
-          <p:cNvPicPr>
-            <a:picLocks noChangeAspect="1"/>
-          </p:cNvPicPr>
-          <p:nvPr/>
-        </p:nvPicPr>
-        <p:blipFill>
-          <a:blip r:embed="rId6"/>
-          <a:stretch>
-            <a:fillRect/>
-          </a:stretch>
-        </p:blipFill>
-        <p:spPr>
-          <a:xfrm>
-            <a:off x="10233957" y="3883843"/>
-            <a:ext cx="1372839" cy="951017"/>
+          <a:noFill/>
+        </p:spPr>
+        <p:txBody>
+          <a:bodyPr wrap="square" rtlCol="0">
+            <a:spAutoFit/>
+          </a:bodyPr>
+          <a:lstStyle/>
+          <a:p>
+            <a:r>
+              <a:rPr lang="ko-KR" altLang="en-US" dirty="0">
+                <a:latin typeface="나눔스퀘어 Light" panose="020B0600000101010101" pitchFamily="50" charset="-127"/>
+                <a:ea typeface="나눔스퀘어 Light" panose="020B0600000101010101" pitchFamily="50" charset="-127"/>
+              </a:rPr>
+              <a:t>따라서</a:t>
+            </a:r>
+            <a:r>
+              <a:rPr lang="en-US" altLang="ko-KR" dirty="0">
+                <a:latin typeface="나눔스퀘어 Light" panose="020B0600000101010101" pitchFamily="50" charset="-127"/>
+                <a:ea typeface="나눔스퀘어 Light" panose="020B0600000101010101" pitchFamily="50" charset="-127"/>
+              </a:rPr>
+              <a:t>, </a:t>
+            </a:r>
+            <a:r>
+              <a:rPr lang="ko-KR" altLang="en-US" dirty="0">
+                <a:latin typeface="나눔스퀘어 Light" panose="020B0600000101010101" pitchFamily="50" charset="-127"/>
+                <a:ea typeface="나눔스퀘어 Light" panose="020B0600000101010101" pitchFamily="50" charset="-127"/>
+              </a:rPr>
+              <a:t>버퍼를 사용해 입력이 </a:t>
+            </a:r>
+            <a:r>
+              <a:rPr lang="en-US" altLang="ko-KR" dirty="0">
+                <a:latin typeface="나눔스퀘어 Light" panose="020B0600000101010101" pitchFamily="50" charset="-127"/>
+                <a:ea typeface="나눔스퀘어 Light" panose="020B0600000101010101" pitchFamily="50" charset="-127"/>
+              </a:rPr>
+              <a:t>Scanner</a:t>
+            </a:r>
+            <a:r>
+              <a:rPr lang="ko-KR" altLang="en-US" dirty="0">
+                <a:latin typeface="나눔스퀘어 Light" panose="020B0600000101010101" pitchFamily="50" charset="-127"/>
+                <a:ea typeface="나눔스퀘어 Light" panose="020B0600000101010101" pitchFamily="50" charset="-127"/>
+              </a:rPr>
+              <a:t>보단</a:t>
+            </a:r>
+          </a:p>
+        </p:txBody>
+      </p:sp>
+      <p:sp>
+        <p:nvSpPr>
+          <p:cNvPr id="20" name="TextBox 19">
+            <a:extLst>
+              <a:ext uri="{FF2B5EF4-FFF2-40B4-BE49-F238E27FC236}">
+                <a16:creationId xmlns:a16="http://schemas.microsoft.com/office/drawing/2014/main" id="{1E9C35F8-85E1-3B2B-AA3B-9A74414BB352}"/>
+              </a:ext>
+            </a:extLst>
+          </p:cNvPr>
+          <p:cNvSpPr txBox="1"/>
+          <p:nvPr/>
+        </p:nvSpPr>
+        <p:spPr>
+          <a:xfrm>
+            <a:off x="942387" y="3289907"/>
+            <a:ext cx="4291059" cy="369332"/>
           </a:xfrm>
           <a:prstGeom prst="rect">
             <a:avLst/>
           </a:prstGeom>
-        </p:spPr>
-      </p:pic>
+          <a:noFill/>
+        </p:spPr>
+        <p:txBody>
+          <a:bodyPr wrap="square" rtlCol="0">
+            <a:spAutoFit/>
+          </a:bodyPr>
+          <a:lstStyle/>
+          <a:p>
+            <a:r>
+              <a:rPr lang="ko-KR" altLang="en-US" dirty="0">
+                <a:latin typeface="나눔스퀘어 Light" panose="020B0600000101010101" pitchFamily="50" charset="-127"/>
+                <a:ea typeface="나눔스퀘어 Light" panose="020B0600000101010101" pitchFamily="50" charset="-127"/>
+              </a:rPr>
+              <a:t>빠른 </a:t>
+            </a:r>
+            <a:r>
+              <a:rPr lang="en-US" altLang="ko-KR" dirty="0" err="1">
+                <a:latin typeface="나눔스퀘어 Light" panose="020B0600000101010101" pitchFamily="50" charset="-127"/>
+                <a:ea typeface="나눔스퀘어 Light" panose="020B0600000101010101" pitchFamily="50" charset="-127"/>
+              </a:rPr>
+              <a:t>BufferedReader</a:t>
+            </a:r>
+            <a:r>
+              <a:rPr lang="en-US" altLang="ko-KR" dirty="0">
+                <a:latin typeface="나눔스퀘어 Light" panose="020B0600000101010101" pitchFamily="50" charset="-127"/>
+                <a:ea typeface="나눔스퀘어 Light" panose="020B0600000101010101" pitchFamily="50" charset="-127"/>
+              </a:rPr>
+              <a:t> </a:t>
+            </a:r>
+            <a:r>
+              <a:rPr lang="ko-KR" altLang="en-US" dirty="0">
+                <a:latin typeface="나눔스퀘어 Light" panose="020B0600000101010101" pitchFamily="50" charset="-127"/>
+                <a:ea typeface="나눔스퀘어 Light" panose="020B0600000101010101" pitchFamily="50" charset="-127"/>
+              </a:rPr>
+              <a:t>클래스를 사용합니다</a:t>
+            </a:r>
+            <a:r>
+              <a:rPr lang="en-US" altLang="ko-KR" dirty="0">
+                <a:latin typeface="나눔스퀘어 Light" panose="020B0600000101010101" pitchFamily="50" charset="-127"/>
+                <a:ea typeface="나눔스퀘어 Light" panose="020B0600000101010101" pitchFamily="50" charset="-127"/>
+              </a:rPr>
+              <a:t>.</a:t>
+            </a:r>
+            <a:endParaRPr lang="ko-KR" altLang="en-US" dirty="0">
+              <a:latin typeface="나눔스퀘어 Light" panose="020B0600000101010101" pitchFamily="50" charset="-127"/>
+              <a:ea typeface="나눔스퀘어 Light" panose="020B0600000101010101" pitchFamily="50" charset="-127"/>
+            </a:endParaRPr>
+          </a:p>
+        </p:txBody>
+      </p:sp>
+      <p:sp>
+        <p:nvSpPr>
+          <p:cNvPr id="21" name="TextBox 20">
+            <a:extLst>
+              <a:ext uri="{FF2B5EF4-FFF2-40B4-BE49-F238E27FC236}">
+                <a16:creationId xmlns:a16="http://schemas.microsoft.com/office/drawing/2014/main" id="{2F3E394E-2CBF-165D-6723-6AF1F5669285}"/>
+              </a:ext>
+            </a:extLst>
+          </p:cNvPr>
+          <p:cNvSpPr txBox="1"/>
+          <p:nvPr/>
+        </p:nvSpPr>
+        <p:spPr>
+          <a:xfrm>
+            <a:off x="942387" y="4397903"/>
+            <a:ext cx="4291059" cy="369332"/>
+          </a:xfrm>
+          <a:prstGeom prst="rect">
+            <a:avLst/>
+          </a:prstGeom>
+          <a:noFill/>
+        </p:spPr>
+        <p:txBody>
+          <a:bodyPr wrap="square" rtlCol="0">
+            <a:spAutoFit/>
+          </a:bodyPr>
+          <a:lstStyle/>
+          <a:p>
+            <a:r>
+              <a:rPr lang="ko-KR" altLang="en-US" dirty="0">
+                <a:latin typeface="나눔스퀘어 Light" panose="020B0600000101010101" pitchFamily="50" charset="-127"/>
+                <a:ea typeface="나눔스퀘어 Light" panose="020B0600000101010101" pitchFamily="50" charset="-127"/>
+              </a:rPr>
+              <a:t>한꺼번에 모아뒀다 출력합니다</a:t>
+            </a:r>
+            <a:r>
+              <a:rPr lang="en-US" altLang="ko-KR" dirty="0">
+                <a:latin typeface="나눔스퀘어 Light" panose="020B0600000101010101" pitchFamily="50" charset="-127"/>
+                <a:ea typeface="나눔스퀘어 Light" panose="020B0600000101010101" pitchFamily="50" charset="-127"/>
+              </a:rPr>
+              <a:t>.</a:t>
+            </a:r>
+            <a:endParaRPr lang="ko-KR" altLang="en-US" dirty="0">
+              <a:latin typeface="나눔스퀘어 Light" panose="020B0600000101010101" pitchFamily="50" charset="-127"/>
+              <a:ea typeface="나눔스퀘어 Light" panose="020B0600000101010101" pitchFamily="50" charset="-127"/>
+            </a:endParaRPr>
+          </a:p>
+        </p:txBody>
+      </p:sp>
     </p:spTree>
     <p:extLst>
       <p:ext uri="{BB962C8B-B14F-4D97-AF65-F5344CB8AC3E}">
-        <p14:creationId xmlns:p14="http://schemas.microsoft.com/office/powerpoint/2010/main" val="1907416354"/>
+        <p14:creationId xmlns:p14="http://schemas.microsoft.com/office/powerpoint/2010/main" val="2626997421"/>
       </p:ext>
     </p:extLst>
   </p:cSld>
@@ -4188,7 +4946,66 @@
           <p:cNvPr id="3" name="TextBox 2">
             <a:extLst>
               <a:ext uri="{FF2B5EF4-FFF2-40B4-BE49-F238E27FC236}">
-                <a16:creationId xmlns:a16="http://schemas.microsoft.com/office/drawing/2014/main" id="{DED99750-0EE1-C88D-2F22-1EE36DBD23B3}"/>
+                <a16:creationId xmlns:a16="http://schemas.microsoft.com/office/drawing/2014/main" id="{28FF46E5-50E3-EF2F-1C7A-0DF5C8D071CE}"/>
+              </a:ext>
+            </a:extLst>
+          </p:cNvPr>
+          <p:cNvSpPr txBox="1"/>
+          <p:nvPr/>
+        </p:nvSpPr>
+        <p:spPr>
+          <a:xfrm>
+            <a:off x="331694" y="177505"/>
+            <a:ext cx="2826415" cy="523220"/>
+          </a:xfrm>
+          <a:prstGeom prst="rect">
+            <a:avLst/>
+          </a:prstGeom>
+          <a:noFill/>
+        </p:spPr>
+        <p:txBody>
+          <a:bodyPr wrap="none" rtlCol="0">
+            <a:spAutoFit/>
+          </a:bodyPr>
+          <a:lstStyle/>
+          <a:p>
+            <a:r>
+              <a:rPr lang="en-US" altLang="ko-KR" sz="2800" dirty="0">
+                <a:latin typeface="나눔스퀘어 Bold" panose="020B0600000101010101" pitchFamily="50" charset="-127"/>
+                <a:ea typeface="나눔스퀘어 Bold" panose="020B0600000101010101" pitchFamily="50" charset="-127"/>
+              </a:rPr>
+              <a:t>DS</a:t>
+            </a:r>
+            <a:r>
+              <a:rPr lang="ko-KR" altLang="en-US" sz="2800" dirty="0">
+                <a:latin typeface="나눔스퀘어 Bold" panose="020B0600000101010101" pitchFamily="50" charset="-127"/>
+                <a:ea typeface="나눔스퀘어 Bold" panose="020B0600000101010101" pitchFamily="50" charset="-127"/>
+              </a:rPr>
+              <a:t> </a:t>
+            </a:r>
+            <a:r>
+              <a:rPr lang="en-US" altLang="ko-KR" sz="2800" dirty="0">
+                <a:latin typeface="나눔스퀘어 Bold" panose="020B0600000101010101" pitchFamily="50" charset="-127"/>
+                <a:ea typeface="나눔스퀘어 Bold" panose="020B0600000101010101" pitchFamily="50" charset="-127"/>
+              </a:rPr>
+              <a:t>– 10828 </a:t>
+            </a:r>
+            <a:r>
+              <a:rPr lang="ko-KR" altLang="en-US" sz="2800" dirty="0">
+                <a:latin typeface="나눔스퀘어 Bold" panose="020B0600000101010101" pitchFamily="50" charset="-127"/>
+                <a:ea typeface="나눔스퀘어 Bold" panose="020B0600000101010101" pitchFamily="50" charset="-127"/>
+              </a:rPr>
+              <a:t>스택</a:t>
+            </a:r>
+          </a:p>
+        </p:txBody>
+      </p:sp>
+      <p:sp>
+        <p:nvSpPr>
+          <p:cNvPr id="6" name="TextBox 5">
+            <a:extLst>
+              <a:ext uri="{FF2B5EF4-FFF2-40B4-BE49-F238E27FC236}">
+                <a16:creationId xmlns:a16="http://schemas.microsoft.com/office/drawing/2014/main" id="{8D2F6FC0-2501-8C0D-3759-D4AA68696B7F}"/>
               </a:ext>
             </a:extLst>
           </p:cNvPr>
@@ -4212,89 +5029,163 @@
           <a:lstStyle/>
           <a:p>
             <a:r>
-              <a:rPr lang="ko-KR" altLang="en-US" dirty="0">
-                <a:latin typeface="나눔스퀘어 Light" panose="020B0600000101010101" pitchFamily="50" charset="-127"/>
-                <a:ea typeface="나눔스퀘어 Light" panose="020B0600000101010101" pitchFamily="50" charset="-127"/>
-              </a:rPr>
-              <a:t>올바른 괄호 문자열인지 판별하는 문제</a:t>
-            </a:r>
-          </a:p>
-        </p:txBody>
-      </p:sp>
-      <p:sp>
-        <p:nvSpPr>
-          <p:cNvPr id="2" name="TextBox 1">
-            <a:extLst>
-              <a:ext uri="{FF2B5EF4-FFF2-40B4-BE49-F238E27FC236}">
-                <a16:creationId xmlns:a16="http://schemas.microsoft.com/office/drawing/2014/main" id="{18D39D5A-64F9-9DF0-96C3-E9A433FB9C19}"/>
-              </a:ext>
-            </a:extLst>
-          </p:cNvPr>
-          <p:cNvSpPr txBox="1"/>
-          <p:nvPr/>
-        </p:nvSpPr>
-        <p:spPr>
-          <a:xfrm>
-            <a:off x="331694" y="177505"/>
-            <a:ext cx="3897221" cy="523220"/>
-          </a:xfrm>
-          <a:prstGeom prst="rect">
-            <a:avLst/>
-          </a:prstGeom>
-          <a:noFill/>
-        </p:spPr>
-        <p:txBody>
-          <a:bodyPr wrap="none" rtlCol="0">
-            <a:spAutoFit/>
-          </a:bodyPr>
-          <a:lstStyle/>
-          <a:p>
-            <a:r>
-              <a:rPr lang="en-US" altLang="ko-KR" sz="2800" dirty="0">
+              <a:rPr lang="en-US" altLang="ko-KR" dirty="0">
                 <a:latin typeface="나눔스퀘어 Bold" panose="020B0600000101010101" pitchFamily="50" charset="-127"/>
                 <a:ea typeface="나눔스퀘어 Bold" panose="020B0600000101010101" pitchFamily="50" charset="-127"/>
               </a:rPr>
-              <a:t>DS</a:t>
-            </a:r>
-            <a:r>
-              <a:rPr lang="ko-KR" altLang="en-US" sz="2800" dirty="0">
-                <a:latin typeface="나눔스퀘어 Bold" panose="020B0600000101010101" pitchFamily="50" charset="-127"/>
-                <a:ea typeface="나눔스퀘어 Bold" panose="020B0600000101010101" pitchFamily="50" charset="-127"/>
-              </a:rPr>
-              <a:t> </a:t>
-            </a:r>
-            <a:r>
-              <a:rPr lang="en-US" altLang="ko-KR" sz="2800" dirty="0">
-                <a:latin typeface="나눔스퀘어 Bold" panose="020B0600000101010101" pitchFamily="50" charset="-127"/>
-                <a:ea typeface="나눔스퀘어 Bold" panose="020B0600000101010101" pitchFamily="50" charset="-127"/>
-              </a:rPr>
-              <a:t>– 1935 </a:t>
-            </a:r>
-            <a:r>
-              <a:rPr lang="ko-KR" altLang="en-US" sz="2800" dirty="0">
-                <a:latin typeface="나눔스퀘어 Bold" panose="020B0600000101010101" pitchFamily="50" charset="-127"/>
-                <a:ea typeface="나눔스퀘어 Bold" panose="020B0600000101010101" pitchFamily="50" charset="-127"/>
-              </a:rPr>
-              <a:t>후위 표기식</a:t>
-            </a:r>
-            <a:r>
-              <a:rPr lang="en-US" altLang="ko-KR" sz="2800" dirty="0">
-                <a:latin typeface="나눔스퀘어 Bold" panose="020B0600000101010101" pitchFamily="50" charset="-127"/>
-                <a:ea typeface="나눔스퀘어 Bold" panose="020B0600000101010101" pitchFamily="50" charset="-127"/>
-              </a:rPr>
-              <a:t>2</a:t>
-            </a:r>
-            <a:endParaRPr lang="ko-KR" altLang="en-US" sz="2800" dirty="0">
+              <a:t>Java</a:t>
+            </a:r>
+            <a:endParaRPr lang="ko-KR" altLang="en-US" dirty="0">
               <a:latin typeface="나눔스퀘어 Bold" panose="020B0600000101010101" pitchFamily="50" charset="-127"/>
               <a:ea typeface="나눔스퀘어 Bold" panose="020B0600000101010101" pitchFamily="50" charset="-127"/>
             </a:endParaRPr>
           </a:p>
         </p:txBody>
       </p:sp>
+      <p:sp>
+        <p:nvSpPr>
+          <p:cNvPr id="8" name="TextBox 7">
+            <a:extLst>
+              <a:ext uri="{FF2B5EF4-FFF2-40B4-BE49-F238E27FC236}">
+                <a16:creationId xmlns:a16="http://schemas.microsoft.com/office/drawing/2014/main" id="{CD8E3FED-918B-0B44-8445-0682DD85BCE0}"/>
+              </a:ext>
+            </a:extLst>
+          </p:cNvPr>
+          <p:cNvSpPr txBox="1"/>
+          <p:nvPr/>
+        </p:nvSpPr>
+        <p:spPr>
+          <a:xfrm>
+            <a:off x="942387" y="1559356"/>
+            <a:ext cx="10237694" cy="369332"/>
+          </a:xfrm>
+          <a:prstGeom prst="rect">
+            <a:avLst/>
+          </a:prstGeom>
+          <a:noFill/>
+        </p:spPr>
+        <p:txBody>
+          <a:bodyPr wrap="square" rtlCol="0">
+            <a:spAutoFit/>
+          </a:bodyPr>
+          <a:lstStyle/>
+          <a:p>
+            <a:r>
+              <a:rPr lang="ko-KR" altLang="en-US" dirty="0">
+                <a:latin typeface="나눔스퀘어 Light" panose="020B0600000101010101" pitchFamily="50" charset="-127"/>
+                <a:ea typeface="나눔스퀘어 Light" panose="020B0600000101010101" pitchFamily="50" charset="-127"/>
+              </a:rPr>
+              <a:t>자바의 경우에는</a:t>
+            </a:r>
+            <a:r>
+              <a:rPr lang="en-US" altLang="ko-KR" dirty="0">
+                <a:latin typeface="나눔스퀘어 Light" panose="020B0600000101010101" pitchFamily="50" charset="-127"/>
+                <a:ea typeface="나눔스퀘어 Light" panose="020B0600000101010101" pitchFamily="50" charset="-127"/>
+              </a:rPr>
+              <a:t>, </a:t>
+            </a:r>
+            <a:r>
+              <a:rPr lang="ko-KR" altLang="en-US" dirty="0">
+                <a:latin typeface="나눔스퀘어 Light" panose="020B0600000101010101" pitchFamily="50" charset="-127"/>
+                <a:ea typeface="나눔스퀘어 Light" panose="020B0600000101010101" pitchFamily="50" charset="-127"/>
+              </a:rPr>
+              <a:t>언어에 대해 좀 더 깊게 알아야 합니다</a:t>
+            </a:r>
+            <a:r>
+              <a:rPr lang="en-US" altLang="ko-KR" dirty="0">
+                <a:latin typeface="나눔스퀘어 Light" panose="020B0600000101010101" pitchFamily="50" charset="-127"/>
+                <a:ea typeface="나눔스퀘어 Light" panose="020B0600000101010101" pitchFamily="50" charset="-127"/>
+              </a:rPr>
+              <a:t>.</a:t>
+            </a:r>
+            <a:endParaRPr lang="ko-KR" altLang="en-US" dirty="0">
+              <a:latin typeface="나눔스퀘어 Light" panose="020B0600000101010101" pitchFamily="50" charset="-127"/>
+              <a:ea typeface="나눔스퀘어 Light" panose="020B0600000101010101" pitchFamily="50" charset="-127"/>
+            </a:endParaRPr>
+          </a:p>
+        </p:txBody>
+      </p:sp>
+      <p:sp>
+        <p:nvSpPr>
+          <p:cNvPr id="2" name="TextBox 1">
+            <a:extLst>
+              <a:ext uri="{FF2B5EF4-FFF2-40B4-BE49-F238E27FC236}">
+                <a16:creationId xmlns:a16="http://schemas.microsoft.com/office/drawing/2014/main" id="{40E704B0-281D-430F-3CF6-0E9947008B69}"/>
+              </a:ext>
+            </a:extLst>
+          </p:cNvPr>
+          <p:cNvSpPr txBox="1"/>
+          <p:nvPr/>
+        </p:nvSpPr>
+        <p:spPr>
+          <a:xfrm>
+            <a:off x="942387" y="1928688"/>
+            <a:ext cx="10237694" cy="369332"/>
+          </a:xfrm>
+          <a:prstGeom prst="rect">
+            <a:avLst/>
+          </a:prstGeom>
+          <a:noFill/>
+        </p:spPr>
+        <p:txBody>
+          <a:bodyPr wrap="square" rtlCol="0">
+            <a:spAutoFit/>
+          </a:bodyPr>
+          <a:lstStyle/>
+          <a:p>
+            <a:r>
+              <a:rPr lang="ko-KR" altLang="en-US" dirty="0">
+                <a:latin typeface="나눔스퀘어 Light" panose="020B0600000101010101" pitchFamily="50" charset="-127"/>
+                <a:ea typeface="나눔스퀘어 Light" panose="020B0600000101010101" pitchFamily="50" charset="-127"/>
+              </a:rPr>
+              <a:t>스택 자료구조를 사용하기 위해 </a:t>
+            </a:r>
+            <a:r>
+              <a:rPr lang="en-US" altLang="ko-KR" dirty="0">
+                <a:latin typeface="나눔스퀘어 Light" panose="020B0600000101010101" pitchFamily="50" charset="-127"/>
+                <a:ea typeface="나눔스퀘어 Light" panose="020B0600000101010101" pitchFamily="50" charset="-127"/>
+              </a:rPr>
+              <a:t>Java</a:t>
+            </a:r>
+            <a:r>
+              <a:rPr lang="ko-KR" altLang="en-US" dirty="0">
+                <a:latin typeface="나눔스퀘어 Light" panose="020B0600000101010101" pitchFamily="50" charset="-127"/>
+                <a:ea typeface="나눔스퀘어 Light" panose="020B0600000101010101" pitchFamily="50" charset="-127"/>
+              </a:rPr>
+              <a:t>의 </a:t>
+            </a:r>
+            <a:r>
+              <a:rPr lang="en-US" altLang="ko-KR" dirty="0">
+                <a:latin typeface="나눔스퀘어 Light" panose="020B0600000101010101" pitchFamily="50" charset="-127"/>
+                <a:ea typeface="나눔스퀘어 Light" panose="020B0600000101010101" pitchFamily="50" charset="-127"/>
+              </a:rPr>
+              <a:t>Stack </a:t>
+            </a:r>
+            <a:r>
+              <a:rPr lang="ko-KR" altLang="en-US" dirty="0">
+                <a:latin typeface="나눔스퀘어 Light" panose="020B0600000101010101" pitchFamily="50" charset="-127"/>
+                <a:ea typeface="나눔스퀘어 Light" panose="020B0600000101010101" pitchFamily="50" charset="-127"/>
+              </a:rPr>
+              <a:t>클래스를 사용하는 것은 어쩌면 독이 될 지도 모르는 일입니다</a:t>
+            </a:r>
+            <a:r>
+              <a:rPr lang="en-US" altLang="ko-KR" dirty="0">
+                <a:latin typeface="나눔스퀘어 Light" panose="020B0600000101010101" pitchFamily="50" charset="-127"/>
+                <a:ea typeface="나눔스퀘어 Light" panose="020B0600000101010101" pitchFamily="50" charset="-127"/>
+              </a:rPr>
+              <a:t>.</a:t>
+            </a:r>
+            <a:endParaRPr lang="ko-KR" altLang="en-US" dirty="0">
+              <a:latin typeface="나눔스퀘어 Light" panose="020B0600000101010101" pitchFamily="50" charset="-127"/>
+              <a:ea typeface="나눔스퀘어 Light" panose="020B0600000101010101" pitchFamily="50" charset="-127"/>
+            </a:endParaRPr>
+          </a:p>
+        </p:txBody>
+      </p:sp>
     </p:spTree>
     <p:extLst>
       <p:ext uri="{BB962C8B-B14F-4D97-AF65-F5344CB8AC3E}">
-        <p14:creationId xmlns:p14="http://schemas.microsoft.com/office/powerpoint/2010/main" val="4187972177"/>
+        <p14:creationId xmlns:p14="http://schemas.microsoft.com/office/powerpoint/2010/main" val="2461101109"/>
       </p:ext>
     </p:extLst>
   </p:cSld>
@@ -4367,10 +5258,10 @@
       </p:cxnSp>
       <p:sp>
         <p:nvSpPr>
-          <p:cNvPr id="2" name="TextBox 1">
-            <a:extLst>
-              <a:ext uri="{FF2B5EF4-FFF2-40B4-BE49-F238E27FC236}">
-                <a16:creationId xmlns:a16="http://schemas.microsoft.com/office/drawing/2014/main" id="{7A9F668B-4598-7703-B5DB-B80899A1C734}"/>
+          <p:cNvPr id="3" name="TextBox 2">
+            <a:extLst>
+              <a:ext uri="{FF2B5EF4-FFF2-40B4-BE49-F238E27FC236}">
+                <a16:creationId xmlns:a16="http://schemas.microsoft.com/office/drawing/2014/main" id="{28FF46E5-50E3-EF2F-1C7A-0DF5C8D071CE}"/>
               </a:ext>
             </a:extLst>
           </p:cNvPr>
@@ -4380,7 +5271,7 @@
         <p:spPr>
           <a:xfrm>
             <a:off x="331694" y="177505"/>
-            <a:ext cx="2499402" cy="523220"/>
+            <a:ext cx="2436886" cy="523220"/>
           </a:xfrm>
           <a:prstGeom prst="rect">
             <a:avLst/>
@@ -4398,7 +5289,7 @@
                 <a:latin typeface="나눔스퀘어 Bold" panose="020B0600000101010101" pitchFamily="50" charset="-127"/>
                 <a:ea typeface="나눔스퀘어 Bold" panose="020B0600000101010101" pitchFamily="50" charset="-127"/>
               </a:rPr>
-              <a:t>DS</a:t>
+              <a:t>TMI</a:t>
             </a:r>
             <a:r>
               <a:rPr lang="ko-KR" altLang="en-US" sz="2800" dirty="0">
@@ -4412,52 +5303,201 @@
                 <a:latin typeface="나눔스퀘어 Bold" panose="020B0600000101010101" pitchFamily="50" charset="-127"/>
                 <a:ea typeface="나눔스퀘어 Bold" panose="020B0600000101010101" pitchFamily="50" charset="-127"/>
               </a:rPr>
-              <a:t>– 10845 </a:t>
-            </a:r>
-            <a:r>
-              <a:rPr lang="ko-KR" altLang="en-US" sz="2800" dirty="0">
+              <a:t>– Fast I/O</a:t>
+            </a:r>
+            <a:endParaRPr lang="ko-KR" altLang="en-US" sz="2800" dirty="0">
+              <a:latin typeface="나눔스퀘어 Bold" panose="020B0600000101010101" pitchFamily="50" charset="-127"/>
+              <a:ea typeface="나눔스퀘어 Bold" panose="020B0600000101010101" pitchFamily="50" charset="-127"/>
+            </a:endParaRPr>
+          </a:p>
+        </p:txBody>
+      </p:sp>
+      <p:sp>
+        <p:nvSpPr>
+          <p:cNvPr id="6" name="TextBox 5">
+            <a:extLst>
+              <a:ext uri="{FF2B5EF4-FFF2-40B4-BE49-F238E27FC236}">
+                <a16:creationId xmlns:a16="http://schemas.microsoft.com/office/drawing/2014/main" id="{8D2F6FC0-2501-8C0D-3759-D4AA68696B7F}"/>
+              </a:ext>
+            </a:extLst>
+          </p:cNvPr>
+          <p:cNvSpPr txBox="1"/>
+          <p:nvPr/>
+        </p:nvSpPr>
+        <p:spPr>
+          <a:xfrm>
+            <a:off x="942387" y="1190024"/>
+            <a:ext cx="10237694" cy="369332"/>
+          </a:xfrm>
+          <a:prstGeom prst="rect">
+            <a:avLst/>
+          </a:prstGeom>
+          <a:noFill/>
+        </p:spPr>
+        <p:txBody>
+          <a:bodyPr wrap="square" rtlCol="0">
+            <a:spAutoFit/>
+          </a:bodyPr>
+          <a:lstStyle/>
+          <a:p>
+            <a:r>
+              <a:rPr lang="en-US" altLang="ko-KR" dirty="0">
                 <a:latin typeface="나눔스퀘어 Bold" panose="020B0600000101010101" pitchFamily="50" charset="-127"/>
                 <a:ea typeface="나눔스퀘어 Bold" panose="020B0600000101010101" pitchFamily="50" charset="-127"/>
               </a:rPr>
-              <a:t>큐</a:t>
-            </a:r>
-          </a:p>
-        </p:txBody>
-      </p:sp>
-      <p:pic>
-        <p:nvPicPr>
-          <p:cNvPr id="6" name="그림 5">
-            <a:extLst>
-              <a:ext uri="{FF2B5EF4-FFF2-40B4-BE49-F238E27FC236}">
-                <a16:creationId xmlns:a16="http://schemas.microsoft.com/office/drawing/2014/main" id="{BA7E89D0-EC5B-949F-2F86-BB48EDA301A3}"/>
-              </a:ext>
-            </a:extLst>
-          </p:cNvPr>
-          <p:cNvPicPr>
-            <a:picLocks noChangeAspect="1"/>
-          </p:cNvPicPr>
-          <p:nvPr/>
-        </p:nvPicPr>
-        <p:blipFill>
-          <a:blip r:embed="rId2"/>
-          <a:stretch>
-            <a:fillRect/>
-          </a:stretch>
-        </p:blipFill>
-        <p:spPr>
-          <a:xfrm>
-            <a:off x="331694" y="998873"/>
-            <a:ext cx="10869542" cy="5525271"/>
+              <a:t>Java</a:t>
+            </a:r>
+            <a:endParaRPr lang="ko-KR" altLang="en-US" dirty="0">
+              <a:latin typeface="나눔스퀘어 Bold" panose="020B0600000101010101" pitchFamily="50" charset="-127"/>
+              <a:ea typeface="나눔스퀘어 Bold" panose="020B0600000101010101" pitchFamily="50" charset="-127"/>
+            </a:endParaRPr>
+          </a:p>
+        </p:txBody>
+      </p:sp>
+      <p:sp>
+        <p:nvSpPr>
+          <p:cNvPr id="8" name="TextBox 7">
+            <a:extLst>
+              <a:ext uri="{FF2B5EF4-FFF2-40B4-BE49-F238E27FC236}">
+                <a16:creationId xmlns:a16="http://schemas.microsoft.com/office/drawing/2014/main" id="{CD8E3FED-918B-0B44-8445-0682DD85BCE0}"/>
+              </a:ext>
+            </a:extLst>
+          </p:cNvPr>
+          <p:cNvSpPr txBox="1"/>
+          <p:nvPr/>
+        </p:nvSpPr>
+        <p:spPr>
+          <a:xfrm>
+            <a:off x="942387" y="1559356"/>
+            <a:ext cx="10237694" cy="369332"/>
           </a:xfrm>
           <a:prstGeom prst="rect">
             <a:avLst/>
           </a:prstGeom>
-        </p:spPr>
-      </p:pic>
+          <a:noFill/>
+        </p:spPr>
+        <p:txBody>
+          <a:bodyPr wrap="square" rtlCol="0">
+            <a:spAutoFit/>
+          </a:bodyPr>
+          <a:lstStyle/>
+          <a:p>
+            <a:r>
+              <a:rPr lang="ko-KR" altLang="en-US" dirty="0">
+                <a:latin typeface="나눔스퀘어 Light" panose="020B0600000101010101" pitchFamily="50" charset="-127"/>
+                <a:ea typeface="나눔스퀘어 Light" panose="020B0600000101010101" pitchFamily="50" charset="-127"/>
+              </a:rPr>
+              <a:t>자바의 경우에는</a:t>
+            </a:r>
+            <a:r>
+              <a:rPr lang="en-US" altLang="ko-KR" dirty="0">
+                <a:latin typeface="나눔스퀘어 Light" panose="020B0600000101010101" pitchFamily="50" charset="-127"/>
+                <a:ea typeface="나눔스퀘어 Light" panose="020B0600000101010101" pitchFamily="50" charset="-127"/>
+              </a:rPr>
+              <a:t>, </a:t>
+            </a:r>
+            <a:r>
+              <a:rPr lang="ko-KR" altLang="en-US" dirty="0">
+                <a:latin typeface="나눔스퀘어 Light" panose="020B0600000101010101" pitchFamily="50" charset="-127"/>
+                <a:ea typeface="나눔스퀘어 Light" panose="020B0600000101010101" pitchFamily="50" charset="-127"/>
+              </a:rPr>
+              <a:t>언어에 대해 좀 더 깊게 알아야 합니다</a:t>
+            </a:r>
+            <a:r>
+              <a:rPr lang="en-US" altLang="ko-KR" dirty="0">
+                <a:latin typeface="나눔스퀘어 Light" panose="020B0600000101010101" pitchFamily="50" charset="-127"/>
+                <a:ea typeface="나눔스퀘어 Light" panose="020B0600000101010101" pitchFamily="50" charset="-127"/>
+              </a:rPr>
+              <a:t>.</a:t>
+            </a:r>
+            <a:endParaRPr lang="ko-KR" altLang="en-US" dirty="0">
+              <a:latin typeface="나눔스퀘어 Light" panose="020B0600000101010101" pitchFamily="50" charset="-127"/>
+              <a:ea typeface="나눔스퀘어 Light" panose="020B0600000101010101" pitchFamily="50" charset="-127"/>
+            </a:endParaRPr>
+          </a:p>
+        </p:txBody>
+      </p:sp>
+      <p:sp>
+        <p:nvSpPr>
+          <p:cNvPr id="2" name="TextBox 1">
+            <a:extLst>
+              <a:ext uri="{FF2B5EF4-FFF2-40B4-BE49-F238E27FC236}">
+                <a16:creationId xmlns:a16="http://schemas.microsoft.com/office/drawing/2014/main" id="{40E704B0-281D-430F-3CF6-0E9947008B69}"/>
+              </a:ext>
+            </a:extLst>
+          </p:cNvPr>
+          <p:cNvSpPr txBox="1"/>
+          <p:nvPr/>
+        </p:nvSpPr>
+        <p:spPr>
+          <a:xfrm>
+            <a:off x="942387" y="1928688"/>
+            <a:ext cx="10237694" cy="369332"/>
+          </a:xfrm>
+          <a:prstGeom prst="rect">
+            <a:avLst/>
+          </a:prstGeom>
+          <a:noFill/>
+        </p:spPr>
+        <p:txBody>
+          <a:bodyPr wrap="square" rtlCol="0">
+            <a:spAutoFit/>
+          </a:bodyPr>
+          <a:lstStyle/>
+          <a:p>
+            <a:r>
+              <a:rPr lang="ko-KR" altLang="en-US" dirty="0">
+                <a:latin typeface="나눔스퀘어 Light" panose="020B0600000101010101" pitchFamily="50" charset="-127"/>
+                <a:ea typeface="나눔스퀘어 Light" panose="020B0600000101010101" pitchFamily="50" charset="-127"/>
+              </a:rPr>
+              <a:t>스택 자료구조를 사용하기 위해 </a:t>
+            </a:r>
+            <a:r>
+              <a:rPr lang="en-US" altLang="ko-KR" dirty="0">
+                <a:latin typeface="나눔스퀘어 Light" panose="020B0600000101010101" pitchFamily="50" charset="-127"/>
+                <a:ea typeface="나눔스퀘어 Light" panose="020B0600000101010101" pitchFamily="50" charset="-127"/>
+              </a:rPr>
+              <a:t>Java</a:t>
+            </a:r>
+            <a:r>
+              <a:rPr lang="ko-KR" altLang="en-US" dirty="0">
+                <a:latin typeface="나눔스퀘어 Light" panose="020B0600000101010101" pitchFamily="50" charset="-127"/>
+                <a:ea typeface="나눔스퀘어 Light" panose="020B0600000101010101" pitchFamily="50" charset="-127"/>
+              </a:rPr>
+              <a:t>의 </a:t>
+            </a:r>
+            <a:r>
+              <a:rPr lang="en-US" altLang="ko-KR" dirty="0">
+                <a:latin typeface="나눔스퀘어 Light" panose="020B0600000101010101" pitchFamily="50" charset="-127"/>
+                <a:ea typeface="나눔스퀘어 Light" panose="020B0600000101010101" pitchFamily="50" charset="-127"/>
+              </a:rPr>
+              <a:t>Stack </a:t>
+            </a:r>
+            <a:r>
+              <a:rPr lang="ko-KR" altLang="en-US" dirty="0">
+                <a:latin typeface="나눔스퀘어 Light" panose="020B0600000101010101" pitchFamily="50" charset="-127"/>
+                <a:ea typeface="나눔스퀘어 Light" panose="020B0600000101010101" pitchFamily="50" charset="-127"/>
+              </a:rPr>
+              <a:t>클래스를 사용하는 것은 어쩌면 독이 될 지도 모르는 일입니다</a:t>
+            </a:r>
+            <a:r>
+              <a:rPr lang="en-US" altLang="ko-KR" dirty="0">
+                <a:latin typeface="나눔스퀘어 Light" panose="020B0600000101010101" pitchFamily="50" charset="-127"/>
+                <a:ea typeface="나눔스퀘어 Light" panose="020B0600000101010101" pitchFamily="50" charset="-127"/>
+              </a:rPr>
+              <a:t>.</a:t>
+            </a:r>
+            <a:endParaRPr lang="ko-KR" altLang="en-US" dirty="0">
+              <a:latin typeface="나눔스퀘어 Light" panose="020B0600000101010101" pitchFamily="50" charset="-127"/>
+              <a:ea typeface="나눔스퀘어 Light" panose="020B0600000101010101" pitchFamily="50" charset="-127"/>
+            </a:endParaRPr>
+          </a:p>
+        </p:txBody>
+      </p:sp>
     </p:spTree>
     <p:extLst>
       <p:ext uri="{BB962C8B-B14F-4D97-AF65-F5344CB8AC3E}">
-        <p14:creationId xmlns:p14="http://schemas.microsoft.com/office/powerpoint/2010/main" val="3852066961"/>
+        <p14:creationId xmlns:p14="http://schemas.microsoft.com/office/powerpoint/2010/main" val="2643629398"/>
       </p:ext>
     </p:extLst>
   </p:cSld>
@@ -4533,7 +5573,49 @@
           <p:cNvPr id="3" name="TextBox 2">
             <a:extLst>
               <a:ext uri="{FF2B5EF4-FFF2-40B4-BE49-F238E27FC236}">
-                <a16:creationId xmlns:a16="http://schemas.microsoft.com/office/drawing/2014/main" id="{2929977D-4B28-4A77-BFAA-69E6FF174D27}"/>
+                <a16:creationId xmlns:a16="http://schemas.microsoft.com/office/drawing/2014/main" id="{28FF46E5-50E3-EF2F-1C7A-0DF5C8D071CE}"/>
+              </a:ext>
+            </a:extLst>
+          </p:cNvPr>
+          <p:cNvSpPr txBox="1"/>
+          <p:nvPr/>
+        </p:nvSpPr>
+        <p:spPr>
+          <a:xfrm>
+            <a:off x="331694" y="177505"/>
+            <a:ext cx="2909771" cy="523220"/>
+          </a:xfrm>
+          <a:prstGeom prst="rect">
+            <a:avLst/>
+          </a:prstGeom>
+          <a:noFill/>
+        </p:spPr>
+        <p:txBody>
+          <a:bodyPr wrap="none" rtlCol="0">
+            <a:spAutoFit/>
+          </a:bodyPr>
+          <a:lstStyle/>
+          <a:p>
+            <a:r>
+              <a:rPr lang="en-US" altLang="ko-KR" sz="2800" dirty="0">
+                <a:latin typeface="나눔스퀘어 Bold" panose="020B0600000101010101" pitchFamily="50" charset="-127"/>
+                <a:ea typeface="나눔스퀘어 Bold" panose="020B0600000101010101" pitchFamily="50" charset="-127"/>
+              </a:rPr>
+              <a:t>TMI – Java Stack</a:t>
+            </a:r>
+            <a:endParaRPr lang="ko-KR" altLang="en-US" sz="2800" dirty="0">
+              <a:latin typeface="나눔스퀘어 Bold" panose="020B0600000101010101" pitchFamily="50" charset="-127"/>
+              <a:ea typeface="나눔스퀘어 Bold" panose="020B0600000101010101" pitchFamily="50" charset="-127"/>
+            </a:endParaRPr>
+          </a:p>
+        </p:txBody>
+      </p:sp>
+      <p:sp>
+        <p:nvSpPr>
+          <p:cNvPr id="6" name="TextBox 5">
+            <a:extLst>
+              <a:ext uri="{FF2B5EF4-FFF2-40B4-BE49-F238E27FC236}">
+                <a16:creationId xmlns:a16="http://schemas.microsoft.com/office/drawing/2014/main" id="{8D2F6FC0-2501-8C0D-3759-D4AA68696B7F}"/>
               </a:ext>
             </a:extLst>
           </p:cNvPr>
@@ -4557,94 +5639,25 @@
           <a:lstStyle/>
           <a:p>
             <a:r>
-              <a:rPr lang="ko-KR" altLang="en-US" dirty="0">
-                <a:latin typeface="나눔스퀘어 Light" panose="020B0600000101010101" pitchFamily="50" charset="-127"/>
-                <a:ea typeface="나눔스퀘어 Light" panose="020B0600000101010101" pitchFamily="50" charset="-127"/>
-              </a:rPr>
-              <a:t>스택과 마찬가지로</a:t>
-            </a:r>
-            <a:r>
               <a:rPr lang="en-US" altLang="ko-KR" dirty="0">
-                <a:latin typeface="나눔스퀘어 Light" panose="020B0600000101010101" pitchFamily="50" charset="-127"/>
-                <a:ea typeface="나눔스퀘어 Light" panose="020B0600000101010101" pitchFamily="50" charset="-127"/>
-              </a:rPr>
-              <a:t>, </a:t>
-            </a:r>
-            <a:r>
-              <a:rPr lang="ko-KR" altLang="en-US" dirty="0">
-                <a:latin typeface="나눔스퀘어 Light" panose="020B0600000101010101" pitchFamily="50" charset="-127"/>
-                <a:ea typeface="나눔스퀘어 Light" panose="020B0600000101010101" pitchFamily="50" charset="-127"/>
-              </a:rPr>
-              <a:t>구현해본 큐를 채점할 수 있는 문제</a:t>
-            </a:r>
-          </a:p>
-        </p:txBody>
-      </p:sp>
-      <p:sp>
-        <p:nvSpPr>
-          <p:cNvPr id="2" name="TextBox 1">
-            <a:extLst>
-              <a:ext uri="{FF2B5EF4-FFF2-40B4-BE49-F238E27FC236}">
-                <a16:creationId xmlns:a16="http://schemas.microsoft.com/office/drawing/2014/main" id="{CC1A2188-D131-F96B-08B1-C61DDBFCF482}"/>
-              </a:ext>
-            </a:extLst>
-          </p:cNvPr>
-          <p:cNvSpPr txBox="1"/>
-          <p:nvPr/>
-        </p:nvSpPr>
-        <p:spPr>
-          <a:xfrm>
-            <a:off x="331694" y="177505"/>
-            <a:ext cx="2499402" cy="523220"/>
-          </a:xfrm>
-          <a:prstGeom prst="rect">
-            <a:avLst/>
-          </a:prstGeom>
-          <a:noFill/>
-        </p:spPr>
-        <p:txBody>
-          <a:bodyPr wrap="none" rtlCol="0">
-            <a:spAutoFit/>
-          </a:bodyPr>
-          <a:lstStyle/>
-          <a:p>
-            <a:r>
-              <a:rPr lang="en-US" altLang="ko-KR" sz="2800" dirty="0">
                 <a:latin typeface="나눔스퀘어 Bold" panose="020B0600000101010101" pitchFamily="50" charset="-127"/>
                 <a:ea typeface="나눔스퀘어 Bold" panose="020B0600000101010101" pitchFamily="50" charset="-127"/>
               </a:rPr>
-              <a:t>DS</a:t>
-            </a:r>
-            <a:r>
-              <a:rPr lang="ko-KR" altLang="en-US" sz="2800" dirty="0">
-                <a:latin typeface="나눔스퀘어 Bold" panose="020B0600000101010101" pitchFamily="50" charset="-127"/>
-                <a:ea typeface="나눔스퀘어 Bold" panose="020B0600000101010101" pitchFamily="50" charset="-127"/>
-              </a:rPr>
-              <a:t> </a:t>
-            </a:r>
-            <a:r>
-              <a:rPr lang="en-US" altLang="ko-KR" sz="2800" dirty="0">
-                <a:latin typeface="나눔스퀘어 Bold" panose="020B0600000101010101" pitchFamily="50" charset="-127"/>
-                <a:ea typeface="나눔스퀘어 Bold" panose="020B0600000101010101" pitchFamily="50" charset="-127"/>
-              </a:rPr>
-              <a:t>– 10845 </a:t>
-            </a:r>
-            <a:r>
-              <a:rPr lang="ko-KR" altLang="en-US" sz="2800" dirty="0">
-                <a:latin typeface="나눔스퀘어 Bold" panose="020B0600000101010101" pitchFamily="50" charset="-127"/>
-                <a:ea typeface="나눔스퀘어 Bold" panose="020B0600000101010101" pitchFamily="50" charset="-127"/>
-              </a:rPr>
-              <a:t>큐</a:t>
-            </a:r>
-          </a:p>
-        </p:txBody>
-      </p:sp>
-      <p:sp>
-        <p:nvSpPr>
-          <p:cNvPr id="11" name="TextBox 10">
-            <a:extLst>
-              <a:ext uri="{FF2B5EF4-FFF2-40B4-BE49-F238E27FC236}">
-                <a16:creationId xmlns:a16="http://schemas.microsoft.com/office/drawing/2014/main" id="{55838BC7-EF0F-5B81-2952-60BCF736A512}"/>
+              <a:t>Java</a:t>
+            </a:r>
+            <a:endParaRPr lang="ko-KR" altLang="en-US" dirty="0">
+              <a:latin typeface="나눔스퀘어 Bold" panose="020B0600000101010101" pitchFamily="50" charset="-127"/>
+              <a:ea typeface="나눔스퀘어 Bold" panose="020B0600000101010101" pitchFamily="50" charset="-127"/>
+            </a:endParaRPr>
+          </a:p>
+        </p:txBody>
+      </p:sp>
+      <p:sp>
+        <p:nvSpPr>
+          <p:cNvPr id="8" name="TextBox 7">
+            <a:extLst>
+              <a:ext uri="{FF2B5EF4-FFF2-40B4-BE49-F238E27FC236}">
+                <a16:creationId xmlns:a16="http://schemas.microsoft.com/office/drawing/2014/main" id="{CD8E3FED-918B-0B44-8445-0682DD85BCE0}"/>
               </a:ext>
             </a:extLst>
           </p:cNvPr>
@@ -4672,7 +5685,7 @@
                 <a:latin typeface="나눔스퀘어 Light" panose="020B0600000101010101" pitchFamily="50" charset="-127"/>
                 <a:ea typeface="나눔스퀘어 Light" panose="020B0600000101010101" pitchFamily="50" charset="-127"/>
               </a:rPr>
-              <a:t>직접 구현을 해봤다면</a:t>
+              <a:t>자바의 경우에는</a:t>
             </a:r>
             <a:r>
               <a:rPr lang="en-US" altLang="ko-KR" dirty="0">
@@ -4686,15 +5699,187 @@
                 <a:latin typeface="나눔스퀘어 Light" panose="020B0600000101010101" pitchFamily="50" charset="-127"/>
                 <a:ea typeface="나눔스퀘어 Light" panose="020B0600000101010101" pitchFamily="50" charset="-127"/>
               </a:rPr>
-              <a:t>라이브러리를 사용</a:t>
-            </a:r>
+              <a:t>언어에 대해 좀 더 깊게 알아야 합니다</a:t>
+            </a:r>
+            <a:r>
+              <a:rPr lang="en-US" altLang="ko-KR" dirty="0">
+                <a:latin typeface="나눔스퀘어 Light" panose="020B0600000101010101" pitchFamily="50" charset="-127"/>
+                <a:ea typeface="나눔스퀘어 Light" panose="020B0600000101010101" pitchFamily="50" charset="-127"/>
+              </a:rPr>
+              <a:t>.</a:t>
+            </a:r>
+            <a:endParaRPr lang="ko-KR" altLang="en-US" dirty="0">
+              <a:latin typeface="나눔스퀘어 Light" panose="020B0600000101010101" pitchFamily="50" charset="-127"/>
+              <a:ea typeface="나눔스퀘어 Light" panose="020B0600000101010101" pitchFamily="50" charset="-127"/>
+            </a:endParaRPr>
+          </a:p>
+        </p:txBody>
+      </p:sp>
+      <p:sp>
+        <p:nvSpPr>
+          <p:cNvPr id="2" name="TextBox 1">
+            <a:extLst>
+              <a:ext uri="{FF2B5EF4-FFF2-40B4-BE49-F238E27FC236}">
+                <a16:creationId xmlns:a16="http://schemas.microsoft.com/office/drawing/2014/main" id="{40E704B0-281D-430F-3CF6-0E9947008B69}"/>
+              </a:ext>
+            </a:extLst>
+          </p:cNvPr>
+          <p:cNvSpPr txBox="1"/>
+          <p:nvPr/>
+        </p:nvSpPr>
+        <p:spPr>
+          <a:xfrm>
+            <a:off x="942387" y="1928688"/>
+            <a:ext cx="10237694" cy="369332"/>
+          </a:xfrm>
+          <a:prstGeom prst="rect">
+            <a:avLst/>
+          </a:prstGeom>
+          <a:noFill/>
+        </p:spPr>
+        <p:txBody>
+          <a:bodyPr wrap="square" rtlCol="0">
+            <a:spAutoFit/>
+          </a:bodyPr>
+          <a:lstStyle/>
+          <a:p>
+            <a:r>
+              <a:rPr lang="ko-KR" altLang="en-US" dirty="0">
+                <a:latin typeface="나눔스퀘어 Light" panose="020B0600000101010101" pitchFamily="50" charset="-127"/>
+                <a:ea typeface="나눔스퀘어 Light" panose="020B0600000101010101" pitchFamily="50" charset="-127"/>
+              </a:rPr>
+              <a:t>스택 자료구조를 사용하기 위해 </a:t>
+            </a:r>
+            <a:r>
+              <a:rPr lang="en-US" altLang="ko-KR" dirty="0">
+                <a:latin typeface="나눔스퀘어 Light" panose="020B0600000101010101" pitchFamily="50" charset="-127"/>
+                <a:ea typeface="나눔스퀘어 Light" panose="020B0600000101010101" pitchFamily="50" charset="-127"/>
+              </a:rPr>
+              <a:t>Java</a:t>
+            </a:r>
+            <a:r>
+              <a:rPr lang="ko-KR" altLang="en-US" dirty="0">
+                <a:latin typeface="나눔스퀘어 Light" panose="020B0600000101010101" pitchFamily="50" charset="-127"/>
+                <a:ea typeface="나눔스퀘어 Light" panose="020B0600000101010101" pitchFamily="50" charset="-127"/>
+              </a:rPr>
+              <a:t>의 </a:t>
+            </a:r>
+            <a:r>
+              <a:rPr lang="en-US" altLang="ko-KR" dirty="0">
+                <a:latin typeface="나눔스퀘어 Light" panose="020B0600000101010101" pitchFamily="50" charset="-127"/>
+                <a:ea typeface="나눔스퀘어 Light" panose="020B0600000101010101" pitchFamily="50" charset="-127"/>
+              </a:rPr>
+              <a:t>Stack </a:t>
+            </a:r>
+            <a:r>
+              <a:rPr lang="ko-KR" altLang="en-US" dirty="0">
+                <a:latin typeface="나눔스퀘어 Light" panose="020B0600000101010101" pitchFamily="50" charset="-127"/>
+                <a:ea typeface="나눔스퀘어 Light" panose="020B0600000101010101" pitchFamily="50" charset="-127"/>
+              </a:rPr>
+              <a:t>클래스를 사용하는 것은 어쩌면 독이 될 지도 모르는 일입니다</a:t>
+            </a:r>
+            <a:r>
+              <a:rPr lang="en-US" altLang="ko-KR" dirty="0">
+                <a:latin typeface="나눔스퀘어 Light" panose="020B0600000101010101" pitchFamily="50" charset="-127"/>
+                <a:ea typeface="나눔스퀘어 Light" panose="020B0600000101010101" pitchFamily="50" charset="-127"/>
+              </a:rPr>
+              <a:t>.</a:t>
+            </a:r>
+            <a:endParaRPr lang="ko-KR" altLang="en-US" dirty="0">
+              <a:latin typeface="나눔스퀘어 Light" panose="020B0600000101010101" pitchFamily="50" charset="-127"/>
+              <a:ea typeface="나눔스퀘어 Light" panose="020B0600000101010101" pitchFamily="50" charset="-127"/>
+            </a:endParaRPr>
+          </a:p>
+        </p:txBody>
+      </p:sp>
+      <p:sp>
+        <p:nvSpPr>
+          <p:cNvPr id="4" name="TextBox 3">
+            <a:extLst>
+              <a:ext uri="{FF2B5EF4-FFF2-40B4-BE49-F238E27FC236}">
+                <a16:creationId xmlns:a16="http://schemas.microsoft.com/office/drawing/2014/main" id="{812049FF-C90F-93DA-8F81-35079F55B440}"/>
+              </a:ext>
+            </a:extLst>
+          </p:cNvPr>
+          <p:cNvSpPr txBox="1"/>
+          <p:nvPr/>
+        </p:nvSpPr>
+        <p:spPr>
+          <a:xfrm>
+            <a:off x="942387" y="2298020"/>
+            <a:ext cx="10237694" cy="369332"/>
+          </a:xfrm>
+          <a:prstGeom prst="rect">
+            <a:avLst/>
+          </a:prstGeom>
+          <a:noFill/>
+        </p:spPr>
+        <p:txBody>
+          <a:bodyPr wrap="square" rtlCol="0">
+            <a:spAutoFit/>
+          </a:bodyPr>
+          <a:lstStyle/>
+          <a:p>
+            <a:r>
+              <a:rPr lang="en-US" altLang="ko-KR" dirty="0">
+                <a:latin typeface="나눔스퀘어 Light" panose="020B0600000101010101" pitchFamily="50" charset="-127"/>
+                <a:ea typeface="나눔스퀘어 Light" panose="020B0600000101010101" pitchFamily="50" charset="-127"/>
+              </a:rPr>
+              <a:t>https://devlog-wjdrbs96.tistory.com/244</a:t>
+            </a:r>
+            <a:endParaRPr lang="ko-KR" altLang="en-US" dirty="0">
+              <a:latin typeface="나눔스퀘어 Light" panose="020B0600000101010101" pitchFamily="50" charset="-127"/>
+              <a:ea typeface="나눔스퀘어 Light" panose="020B0600000101010101" pitchFamily="50" charset="-127"/>
+            </a:endParaRPr>
+          </a:p>
+        </p:txBody>
+      </p:sp>
+      <p:sp>
+        <p:nvSpPr>
+          <p:cNvPr id="7" name="TextBox 6">
+            <a:extLst>
+              <a:ext uri="{FF2B5EF4-FFF2-40B4-BE49-F238E27FC236}">
+                <a16:creationId xmlns:a16="http://schemas.microsoft.com/office/drawing/2014/main" id="{FFA00178-F8E4-A0A3-4717-F8998CC725F6}"/>
+              </a:ext>
+            </a:extLst>
+          </p:cNvPr>
+          <p:cNvSpPr txBox="1"/>
+          <p:nvPr/>
+        </p:nvSpPr>
+        <p:spPr>
+          <a:xfrm>
+            <a:off x="942387" y="2667352"/>
+            <a:ext cx="10237694" cy="369332"/>
+          </a:xfrm>
+          <a:prstGeom prst="rect">
+            <a:avLst/>
+          </a:prstGeom>
+          <a:noFill/>
+        </p:spPr>
+        <p:txBody>
+          <a:bodyPr wrap="square" rtlCol="0">
+            <a:spAutoFit/>
+          </a:bodyPr>
+          <a:lstStyle/>
+          <a:p>
+            <a:r>
+              <a:rPr lang="en-US" altLang="ko-KR" dirty="0">
+                <a:latin typeface="나눔스퀘어 Light" panose="020B0600000101010101" pitchFamily="50" charset="-127"/>
+                <a:ea typeface="나눔스퀘어 Light" panose="020B0600000101010101" pitchFamily="50" charset="-127"/>
+              </a:rPr>
+              <a:t>https://yeolco.tistory.com/94</a:t>
+            </a:r>
+            <a:endParaRPr lang="ko-KR" altLang="en-US" dirty="0">
+              <a:latin typeface="나눔스퀘어 Light" panose="020B0600000101010101" pitchFamily="50" charset="-127"/>
+              <a:ea typeface="나눔스퀘어 Light" panose="020B0600000101010101" pitchFamily="50" charset="-127"/>
+            </a:endParaRPr>
           </a:p>
         </p:txBody>
       </p:sp>
     </p:spTree>
     <p:extLst>
       <p:ext uri="{BB962C8B-B14F-4D97-AF65-F5344CB8AC3E}">
-        <p14:creationId xmlns:p14="http://schemas.microsoft.com/office/powerpoint/2010/main" val="36971579"/>
+        <p14:creationId xmlns:p14="http://schemas.microsoft.com/office/powerpoint/2010/main" val="4206654783"/>
       </p:ext>
     </p:extLst>
   </p:cSld>
@@ -4767,10 +5952,10 @@
       </p:cxnSp>
       <p:sp>
         <p:nvSpPr>
-          <p:cNvPr id="2" name="TextBox 1">
-            <a:extLst>
-              <a:ext uri="{FF2B5EF4-FFF2-40B4-BE49-F238E27FC236}">
-                <a16:creationId xmlns:a16="http://schemas.microsoft.com/office/drawing/2014/main" id="{7C0672DE-9A16-449C-C1E8-53F4FCB0C57F}"/>
+          <p:cNvPr id="4" name="TextBox 3">
+            <a:extLst>
+              <a:ext uri="{FF2B5EF4-FFF2-40B4-BE49-F238E27FC236}">
+                <a16:creationId xmlns:a16="http://schemas.microsoft.com/office/drawing/2014/main" id="{346A4227-C27D-50F4-7699-BBE332703F0D}"/>
               </a:ext>
             </a:extLst>
           </p:cNvPr>
@@ -4780,7 +5965,7 @@
         <p:spPr>
           <a:xfrm>
             <a:off x="331694" y="177505"/>
-            <a:ext cx="2826415" cy="523220"/>
+            <a:ext cx="2606804" cy="523220"/>
           </a:xfrm>
           <a:prstGeom prst="rect">
             <a:avLst/>
@@ -4812,35 +5997,24 @@
                 <a:latin typeface="나눔스퀘어 Bold" panose="020B0600000101010101" pitchFamily="50" charset="-127"/>
                 <a:ea typeface="나눔스퀘어 Bold" panose="020B0600000101010101" pitchFamily="50" charset="-127"/>
               </a:rPr>
-              <a:t>– 2164 </a:t>
+              <a:t>– 9012 </a:t>
             </a:r>
             <a:r>
               <a:rPr lang="ko-KR" altLang="en-US" sz="2800" dirty="0">
                 <a:latin typeface="나눔스퀘어 Bold" panose="020B0600000101010101" pitchFamily="50" charset="-127"/>
                 <a:ea typeface="나눔스퀘어 Bold" panose="020B0600000101010101" pitchFamily="50" charset="-127"/>
               </a:rPr>
-              <a:t>카드</a:t>
-            </a:r>
-            <a:r>
-              <a:rPr lang="en-US" altLang="ko-KR" sz="2800" dirty="0">
-                <a:latin typeface="나눔스퀘어 Bold" panose="020B0600000101010101" pitchFamily="50" charset="-127"/>
-                <a:ea typeface="나눔스퀘어 Bold" panose="020B0600000101010101" pitchFamily="50" charset="-127"/>
-              </a:rPr>
-              <a:t>2</a:t>
-            </a:r>
-            <a:endParaRPr lang="ko-KR" altLang="en-US" sz="2800" dirty="0">
-              <a:latin typeface="나눔스퀘어 Bold" panose="020B0600000101010101" pitchFamily="50" charset="-127"/>
-              <a:ea typeface="나눔스퀘어 Bold" panose="020B0600000101010101" pitchFamily="50" charset="-127"/>
-            </a:endParaRPr>
+              <a:t>괄호</a:t>
+            </a:r>
           </a:p>
         </p:txBody>
       </p:sp>
       <p:pic>
         <p:nvPicPr>
-          <p:cNvPr id="4" name="그림 3">
-            <a:extLst>
-              <a:ext uri="{FF2B5EF4-FFF2-40B4-BE49-F238E27FC236}">
-                <a16:creationId xmlns:a16="http://schemas.microsoft.com/office/drawing/2014/main" id="{B33FFAC5-1C7A-59B5-8C86-A8D769B542A0}"/>
+          <p:cNvPr id="6" name="그림 5">
+            <a:extLst>
+              <a:ext uri="{FF2B5EF4-FFF2-40B4-BE49-F238E27FC236}">
+                <a16:creationId xmlns:a16="http://schemas.microsoft.com/office/drawing/2014/main" id="{8A234312-CBA7-C8BF-C299-52C5CAA4A087}"/>
               </a:ext>
             </a:extLst>
           </p:cNvPr>
@@ -4857,8 +6031,8 @@
         </p:blipFill>
         <p:spPr>
           <a:xfrm>
-            <a:off x="331694" y="951198"/>
-            <a:ext cx="10671142" cy="5779270"/>
+            <a:off x="331694" y="939848"/>
+            <a:ext cx="8959751" cy="5918151"/>
           </a:xfrm>
           <a:prstGeom prst="rect">
             <a:avLst/>
@@ -4868,7 +6042,7 @@
     </p:spTree>
     <p:extLst>
       <p:ext uri="{BB962C8B-B14F-4D97-AF65-F5344CB8AC3E}">
-        <p14:creationId xmlns:p14="http://schemas.microsoft.com/office/powerpoint/2010/main" val="2401598668"/>
+        <p14:creationId xmlns:p14="http://schemas.microsoft.com/office/powerpoint/2010/main" val="2702533686"/>
       </p:ext>
     </p:extLst>
   </p:cSld>
@@ -4941,10 +6115,48 @@
       </p:cxnSp>
       <p:sp>
         <p:nvSpPr>
+          <p:cNvPr id="3" name="TextBox 2">
+            <a:extLst>
+              <a:ext uri="{FF2B5EF4-FFF2-40B4-BE49-F238E27FC236}">
+                <a16:creationId xmlns:a16="http://schemas.microsoft.com/office/drawing/2014/main" id="{DED99750-0EE1-C88D-2F22-1EE36DBD23B3}"/>
+              </a:ext>
+            </a:extLst>
+          </p:cNvPr>
+          <p:cNvSpPr txBox="1"/>
+          <p:nvPr/>
+        </p:nvSpPr>
+        <p:spPr>
+          <a:xfrm>
+            <a:off x="942387" y="1190024"/>
+            <a:ext cx="10237694" cy="369332"/>
+          </a:xfrm>
+          <a:prstGeom prst="rect">
+            <a:avLst/>
+          </a:prstGeom>
+          <a:noFill/>
+        </p:spPr>
+        <p:txBody>
+          <a:bodyPr wrap="square" rtlCol="0">
+            <a:spAutoFit/>
+          </a:bodyPr>
+          <a:lstStyle/>
+          <a:p>
+            <a:r>
+              <a:rPr lang="ko-KR" altLang="en-US" dirty="0">
+                <a:latin typeface="나눔스퀘어 Light" panose="020B0600000101010101" pitchFamily="50" charset="-127"/>
+                <a:ea typeface="나눔스퀘어 Light" panose="020B0600000101010101" pitchFamily="50" charset="-127"/>
+              </a:rPr>
+              <a:t>올바른 괄호 문자열인지 판별하는 문제</a:t>
+            </a:r>
+          </a:p>
+        </p:txBody>
+      </p:sp>
+      <p:sp>
+        <p:nvSpPr>
           <p:cNvPr id="2" name="TextBox 1">
             <a:extLst>
               <a:ext uri="{FF2B5EF4-FFF2-40B4-BE49-F238E27FC236}">
-                <a16:creationId xmlns:a16="http://schemas.microsoft.com/office/drawing/2014/main" id="{6C7D9011-D631-3335-93A5-B2BD13DFC2BF}"/>
+                <a16:creationId xmlns:a16="http://schemas.microsoft.com/office/drawing/2014/main" id="{18D39D5A-64F9-9DF0-96C3-E9A433FB9C19}"/>
               </a:ext>
             </a:extLst>
           </p:cNvPr>
@@ -4954,7 +6166,7 @@
         <p:spPr>
           <a:xfrm>
             <a:off x="331694" y="177505"/>
-            <a:ext cx="2826415" cy="523220"/>
+            <a:ext cx="2606804" cy="523220"/>
           </a:xfrm>
           <a:prstGeom prst="rect">
             <a:avLst/>
@@ -4986,33 +6198,22 @@
                 <a:latin typeface="나눔스퀘어 Bold" panose="020B0600000101010101" pitchFamily="50" charset="-127"/>
                 <a:ea typeface="나눔스퀘어 Bold" panose="020B0600000101010101" pitchFamily="50" charset="-127"/>
               </a:rPr>
-              <a:t>– 2164 </a:t>
+              <a:t>– 9012 </a:t>
             </a:r>
             <a:r>
               <a:rPr lang="ko-KR" altLang="en-US" sz="2800" dirty="0">
                 <a:latin typeface="나눔스퀘어 Bold" panose="020B0600000101010101" pitchFamily="50" charset="-127"/>
                 <a:ea typeface="나눔스퀘어 Bold" panose="020B0600000101010101" pitchFamily="50" charset="-127"/>
               </a:rPr>
-              <a:t>카드</a:t>
-            </a:r>
-            <a:r>
-              <a:rPr lang="en-US" altLang="ko-KR" sz="2800" dirty="0">
-                <a:latin typeface="나눔스퀘어 Bold" panose="020B0600000101010101" pitchFamily="50" charset="-127"/>
-                <a:ea typeface="나눔스퀘어 Bold" panose="020B0600000101010101" pitchFamily="50" charset="-127"/>
-              </a:rPr>
-              <a:t>2</a:t>
-            </a:r>
-            <a:endParaRPr lang="ko-KR" altLang="en-US" sz="2800" dirty="0">
-              <a:latin typeface="나눔스퀘어 Bold" panose="020B0600000101010101" pitchFamily="50" charset="-127"/>
-              <a:ea typeface="나눔스퀘어 Bold" panose="020B0600000101010101" pitchFamily="50" charset="-127"/>
-            </a:endParaRPr>
+              <a:t>괄호</a:t>
+            </a:r>
           </a:p>
         </p:txBody>
       </p:sp>
     </p:spTree>
     <p:extLst>
       <p:ext uri="{BB962C8B-B14F-4D97-AF65-F5344CB8AC3E}">
-        <p14:creationId xmlns:p14="http://schemas.microsoft.com/office/powerpoint/2010/main" val="1899511053"/>
+        <p14:creationId xmlns:p14="http://schemas.microsoft.com/office/powerpoint/2010/main" val="2583783189"/>
       </p:ext>
     </p:extLst>
   </p:cSld>
@@ -5085,10 +6286,10 @@
       </p:cxnSp>
       <p:sp>
         <p:nvSpPr>
-          <p:cNvPr id="6" name="TextBox 5">
-            <a:extLst>
-              <a:ext uri="{FF2B5EF4-FFF2-40B4-BE49-F238E27FC236}">
-                <a16:creationId xmlns:a16="http://schemas.microsoft.com/office/drawing/2014/main" id="{908ED9B9-09D3-CFA8-625A-6F9BB9B6BD23}"/>
+          <p:cNvPr id="2" name="TextBox 1">
+            <a:extLst>
+              <a:ext uri="{FF2B5EF4-FFF2-40B4-BE49-F238E27FC236}">
+                <a16:creationId xmlns:a16="http://schemas.microsoft.com/office/drawing/2014/main" id="{18D39D5A-64F9-9DF0-96C3-E9A433FB9C19}"/>
               </a:ext>
             </a:extLst>
           </p:cNvPr>
@@ -5098,7 +6299,7 @@
         <p:spPr>
           <a:xfrm>
             <a:off x="331694" y="177505"/>
-            <a:ext cx="2006190" cy="523220"/>
+            <a:ext cx="3897221" cy="523220"/>
           </a:xfrm>
           <a:prstGeom prst="rect">
             <a:avLst/>
@@ -5116,7 +6317,35 @@
                 <a:latin typeface="나눔스퀘어 Bold" panose="020B0600000101010101" pitchFamily="50" charset="-127"/>
                 <a:ea typeface="나눔스퀘어 Bold" panose="020B0600000101010101" pitchFamily="50" charset="-127"/>
               </a:rPr>
-              <a:t>Homework</a:t>
+              <a:t>DS</a:t>
+            </a:r>
+            <a:r>
+              <a:rPr lang="ko-KR" altLang="en-US" sz="2800" dirty="0">
+                <a:latin typeface="나눔스퀘어 Bold" panose="020B0600000101010101" pitchFamily="50" charset="-127"/>
+                <a:ea typeface="나눔스퀘어 Bold" panose="020B0600000101010101" pitchFamily="50" charset="-127"/>
+              </a:rPr>
+              <a:t> </a:t>
+            </a:r>
+            <a:r>
+              <a:rPr lang="en-US" altLang="ko-KR" sz="2800" dirty="0">
+                <a:latin typeface="나눔스퀘어 Bold" panose="020B0600000101010101" pitchFamily="50" charset="-127"/>
+                <a:ea typeface="나눔스퀘어 Bold" panose="020B0600000101010101" pitchFamily="50" charset="-127"/>
+              </a:rPr>
+              <a:t>– 1935 </a:t>
+            </a:r>
+            <a:r>
+              <a:rPr lang="ko-KR" altLang="en-US" sz="2800" dirty="0">
+                <a:latin typeface="나눔스퀘어 Bold" panose="020B0600000101010101" pitchFamily="50" charset="-127"/>
+                <a:ea typeface="나눔스퀘어 Bold" panose="020B0600000101010101" pitchFamily="50" charset="-127"/>
+              </a:rPr>
+              <a:t>후위 표기식</a:t>
+            </a:r>
+            <a:r>
+              <a:rPr lang="en-US" altLang="ko-KR" sz="2800" dirty="0">
+                <a:latin typeface="나눔스퀘어 Bold" panose="020B0600000101010101" pitchFamily="50" charset="-127"/>
+                <a:ea typeface="나눔스퀘어 Bold" panose="020B0600000101010101" pitchFamily="50" charset="-127"/>
+              </a:rPr>
+              <a:t>2</a:t>
             </a:r>
             <a:endParaRPr lang="ko-KR" altLang="en-US" sz="2800" dirty="0">
               <a:latin typeface="나눔스퀘어 Bold" panose="020B0600000101010101" pitchFamily="50" charset="-127"/>
@@ -5125,12 +6354,236 @@
           </a:p>
         </p:txBody>
       </p:sp>
-      <p:sp>
-        <p:nvSpPr>
-          <p:cNvPr id="7" name="TextBox 6">
-            <a:extLst>
-              <a:ext uri="{FF2B5EF4-FFF2-40B4-BE49-F238E27FC236}">
-                <a16:creationId xmlns:a16="http://schemas.microsoft.com/office/drawing/2014/main" id="{DD092523-43DA-0A5F-0C04-8239F4BF07FC}"/>
+      <p:pic>
+        <p:nvPicPr>
+          <p:cNvPr id="6" name="그림 5">
+            <a:extLst>
+              <a:ext uri="{FF2B5EF4-FFF2-40B4-BE49-F238E27FC236}">
+                <a16:creationId xmlns:a16="http://schemas.microsoft.com/office/drawing/2014/main" id="{F0ABB7DE-C9D8-CA58-35D0-43FCBADD0B54}"/>
+              </a:ext>
+            </a:extLst>
+          </p:cNvPr>
+          <p:cNvPicPr>
+            <a:picLocks noChangeAspect="1"/>
+          </p:cNvPicPr>
+          <p:nvPr/>
+        </p:nvPicPr>
+        <p:blipFill>
+          <a:blip r:embed="rId2"/>
+          <a:stretch>
+            <a:fillRect/>
+          </a:stretch>
+        </p:blipFill>
+        <p:spPr>
+          <a:xfrm>
+            <a:off x="331693" y="955017"/>
+            <a:ext cx="10377155" cy="3778161"/>
+          </a:xfrm>
+          <a:prstGeom prst="rect">
+            <a:avLst/>
+          </a:prstGeom>
+        </p:spPr>
+      </p:pic>
+      <p:pic>
+        <p:nvPicPr>
+          <p:cNvPr id="8" name="그림 7">
+            <a:extLst>
+              <a:ext uri="{FF2B5EF4-FFF2-40B4-BE49-F238E27FC236}">
+                <a16:creationId xmlns:a16="http://schemas.microsoft.com/office/drawing/2014/main" id="{D28CB359-D073-379E-E5C6-1B49EB657574}"/>
+              </a:ext>
+            </a:extLst>
+          </p:cNvPr>
+          <p:cNvPicPr>
+            <a:picLocks noChangeAspect="1"/>
+          </p:cNvPicPr>
+          <p:nvPr/>
+        </p:nvPicPr>
+        <p:blipFill>
+          <a:blip r:embed="rId3"/>
+          <a:stretch>
+            <a:fillRect/>
+          </a:stretch>
+        </p:blipFill>
+        <p:spPr>
+          <a:xfrm>
+            <a:off x="4373497" y="3921551"/>
+            <a:ext cx="1395682" cy="2346254"/>
+          </a:xfrm>
+          <a:prstGeom prst="rect">
+            <a:avLst/>
+          </a:prstGeom>
+        </p:spPr>
+      </p:pic>
+      <p:pic>
+        <p:nvPicPr>
+          <p:cNvPr id="10" name="그림 9">
+            <a:extLst>
+              <a:ext uri="{FF2B5EF4-FFF2-40B4-BE49-F238E27FC236}">
+                <a16:creationId xmlns:a16="http://schemas.microsoft.com/office/drawing/2014/main" id="{EA41C19E-CF69-A11F-2F0A-B63A51307F4C}"/>
+              </a:ext>
+            </a:extLst>
+          </p:cNvPr>
+          <p:cNvPicPr>
+            <a:picLocks noChangeAspect="1"/>
+          </p:cNvPicPr>
+          <p:nvPr/>
+        </p:nvPicPr>
+        <p:blipFill>
+          <a:blip r:embed="rId4"/>
+          <a:stretch>
+            <a:fillRect/>
+          </a:stretch>
+        </p:blipFill>
+        <p:spPr>
+          <a:xfrm>
+            <a:off x="5940117" y="3902697"/>
+            <a:ext cx="1370135" cy="969871"/>
+          </a:xfrm>
+          <a:prstGeom prst="rect">
+            <a:avLst/>
+          </a:prstGeom>
+        </p:spPr>
+      </p:pic>
+      <p:pic>
+        <p:nvPicPr>
+          <p:cNvPr id="12" name="그림 11">
+            <a:extLst>
+              <a:ext uri="{FF2B5EF4-FFF2-40B4-BE49-F238E27FC236}">
+                <a16:creationId xmlns:a16="http://schemas.microsoft.com/office/drawing/2014/main" id="{FD6BDE1B-C3EE-148A-4DF3-717360C0B15F}"/>
+              </a:ext>
+            </a:extLst>
+          </p:cNvPr>
+          <p:cNvPicPr>
+            <a:picLocks noChangeAspect="1"/>
+          </p:cNvPicPr>
+          <p:nvPr/>
+        </p:nvPicPr>
+        <p:blipFill>
+          <a:blip r:embed="rId5"/>
+          <a:stretch>
+            <a:fillRect/>
+          </a:stretch>
+        </p:blipFill>
+        <p:spPr>
+          <a:xfrm>
+            <a:off x="8692884" y="3883843"/>
+            <a:ext cx="1376699" cy="1452342"/>
+          </a:xfrm>
+          <a:prstGeom prst="rect">
+            <a:avLst/>
+          </a:prstGeom>
+        </p:spPr>
+      </p:pic>
+      <p:pic>
+        <p:nvPicPr>
+          <p:cNvPr id="14" name="그림 13">
+            <a:extLst>
+              <a:ext uri="{FF2B5EF4-FFF2-40B4-BE49-F238E27FC236}">
+                <a16:creationId xmlns:a16="http://schemas.microsoft.com/office/drawing/2014/main" id="{70E1C66A-1D27-B642-20B5-DB494DE8AF16}"/>
+              </a:ext>
+            </a:extLst>
+          </p:cNvPr>
+          <p:cNvPicPr>
+            <a:picLocks noChangeAspect="1"/>
+          </p:cNvPicPr>
+          <p:nvPr/>
+        </p:nvPicPr>
+        <p:blipFill>
+          <a:blip r:embed="rId6"/>
+          <a:stretch>
+            <a:fillRect/>
+          </a:stretch>
+        </p:blipFill>
+        <p:spPr>
+          <a:xfrm>
+            <a:off x="10233957" y="3883843"/>
+            <a:ext cx="1372839" cy="951017"/>
+          </a:xfrm>
+          <a:prstGeom prst="rect">
+            <a:avLst/>
+          </a:prstGeom>
+        </p:spPr>
+      </p:pic>
+    </p:spTree>
+    <p:extLst>
+      <p:ext uri="{BB962C8B-B14F-4D97-AF65-F5344CB8AC3E}">
+        <p14:creationId xmlns:p14="http://schemas.microsoft.com/office/powerpoint/2010/main" val="1907416354"/>
+      </p:ext>
+    </p:extLst>
+  </p:cSld>
+  <p:clrMapOvr>
+    <a:masterClrMapping/>
+  </p:clrMapOvr>
+</p:sld>
+</file>
+
+<file path=ppt/slides/slide19.xml><?xml version="1.0" encoding="utf-8"?>
+<p:sld xmlns:a="http://schemas.openxmlformats.org/drawingml/2006/main" xmlns:r="http://schemas.openxmlformats.org/officeDocument/2006/relationships" xmlns:p="http://schemas.openxmlformats.org/presentationml/2006/main">
+  <p:cSld>
+    <p:spTree>
+      <p:nvGrpSpPr>
+        <p:cNvPr id="1" name=""/>
+        <p:cNvGrpSpPr/>
+        <p:nvPr/>
+      </p:nvGrpSpPr>
+      <p:grpSpPr>
+        <a:xfrm>
+          <a:off x="0" y="0"/>
+          <a:ext cx="0" cy="0"/>
+          <a:chOff x="0" y="0"/>
+          <a:chExt cx="0" cy="0"/>
+        </a:xfrm>
+      </p:grpSpPr>
+      <p:cxnSp>
+        <p:nvCxnSpPr>
+          <p:cNvPr id="5" name="직선 연결선 4">
+            <a:extLst>
+              <a:ext uri="{FF2B5EF4-FFF2-40B4-BE49-F238E27FC236}">
+                <a16:creationId xmlns:a16="http://schemas.microsoft.com/office/drawing/2014/main" id="{164C2827-EFCE-69A4-D037-1A218415F568}"/>
+              </a:ext>
+            </a:extLst>
+          </p:cNvPr>
+          <p:cNvCxnSpPr/>
+          <p:nvPr/>
+        </p:nvCxnSpPr>
+        <p:spPr>
+          <a:xfrm>
+            <a:off x="0" y="887505"/>
+            <a:ext cx="10237694" cy="0"/>
+          </a:xfrm>
+          <a:prstGeom prst="line">
+            <a:avLst/>
+          </a:prstGeom>
+          <a:ln w="76200">
+            <a:solidFill>
+              <a:schemeClr val="tx1">
+                <a:lumMod val="75000"/>
+                <a:lumOff val="25000"/>
+              </a:schemeClr>
+            </a:solidFill>
+          </a:ln>
+        </p:spPr>
+        <p:style>
+          <a:lnRef idx="1">
+            <a:schemeClr val="accent1"/>
+          </a:lnRef>
+          <a:fillRef idx="0">
+            <a:schemeClr val="accent1"/>
+          </a:fillRef>
+          <a:effectRef idx="0">
+            <a:schemeClr val="accent1"/>
+          </a:effectRef>
+          <a:fontRef idx="minor">
+            <a:schemeClr val="tx1"/>
+          </a:fontRef>
+        </p:style>
+      </p:cxnSp>
+      <p:sp>
+        <p:nvSpPr>
+          <p:cNvPr id="3" name="TextBox 2">
+            <a:extLst>
+              <a:ext uri="{FF2B5EF4-FFF2-40B4-BE49-F238E27FC236}">
+                <a16:creationId xmlns:a16="http://schemas.microsoft.com/office/drawing/2014/main" id="{DED99750-0EE1-C88D-2F22-1EE36DBD23B3}"/>
               </a:ext>
             </a:extLst>
           </p:cNvPr>
@@ -5139,8 +6592,8 @@
         </p:nvSpPr>
         <p:spPr>
           <a:xfrm>
-            <a:off x="942387" y="1661364"/>
-            <a:ext cx="8553305" cy="369332"/>
+            <a:off x="942387" y="1190024"/>
+            <a:ext cx="10237694" cy="369332"/>
           </a:xfrm>
           <a:prstGeom prst="rect">
             <a:avLst/>
@@ -5154,35 +6607,21 @@
           <a:lstStyle/>
           <a:p>
             <a:r>
-              <a:rPr lang="en-US" altLang="ko-KR" dirty="0">
-                <a:latin typeface="나눔스퀘어 Light" panose="020B0600000101010101" pitchFamily="50" charset="-127"/>
-                <a:ea typeface="나눔스퀘어 Light" panose="020B0600000101010101" pitchFamily="50" charset="-127"/>
-              </a:rPr>
-              <a:t>1. 4949 </a:t>
-            </a:r>
-            <a:r>
-              <a:rPr lang="ko-KR" altLang="en-US" dirty="0" err="1">
-                <a:latin typeface="나눔스퀘어 Light" panose="020B0600000101010101" pitchFamily="50" charset="-127"/>
-                <a:ea typeface="나눔스퀘어 Light" panose="020B0600000101010101" pitchFamily="50" charset="-127"/>
-              </a:rPr>
-              <a:t>균형잡힌</a:t>
-            </a:r>
-            <a:r>
               <a:rPr lang="ko-KR" altLang="en-US" dirty="0">
                 <a:latin typeface="나눔스퀘어 Light" panose="020B0600000101010101" pitchFamily="50" charset="-127"/>
                 <a:ea typeface="나눔스퀘어 Light" panose="020B0600000101010101" pitchFamily="50" charset="-127"/>
               </a:rPr>
-              <a:t> 세상</a:t>
-            </a:r>
-          </a:p>
-        </p:txBody>
-      </p:sp>
-      <p:sp>
-        <p:nvSpPr>
-          <p:cNvPr id="8" name="TextBox 7">
-            <a:extLst>
-              <a:ext uri="{FF2B5EF4-FFF2-40B4-BE49-F238E27FC236}">
-                <a16:creationId xmlns:a16="http://schemas.microsoft.com/office/drawing/2014/main" id="{80045CCB-6E92-45F3-05E2-D9718BBAEE86}"/>
+              <a:t>올바른 괄호 문자열인지 판별하는 문제</a:t>
+            </a:r>
+          </a:p>
+        </p:txBody>
+      </p:sp>
+      <p:sp>
+        <p:nvSpPr>
+          <p:cNvPr id="2" name="TextBox 1">
+            <a:extLst>
+              <a:ext uri="{FF2B5EF4-FFF2-40B4-BE49-F238E27FC236}">
+                <a16:creationId xmlns:a16="http://schemas.microsoft.com/office/drawing/2014/main" id="{18D39D5A-64F9-9DF0-96C3-E9A433FB9C19}"/>
               </a:ext>
             </a:extLst>
           </p:cNvPr>
@@ -5191,8 +6630,8 @@
         </p:nvSpPr>
         <p:spPr>
           <a:xfrm>
-            <a:off x="942387" y="2030696"/>
-            <a:ext cx="8553305" cy="369332"/>
+            <a:off x="331694" y="177505"/>
+            <a:ext cx="3897221" cy="523220"/>
           </a:xfrm>
           <a:prstGeom prst="rect">
             <a:avLst/>
@@ -5200,550 +6639,57 @@
           <a:noFill/>
         </p:spPr>
         <p:txBody>
-          <a:bodyPr wrap="square" rtlCol="0">
+          <a:bodyPr wrap="none" rtlCol="0">
             <a:spAutoFit/>
           </a:bodyPr>
           <a:lstStyle/>
           <a:p>
             <a:r>
-              <a:rPr lang="en-US" altLang="ko-KR" dirty="0">
-                <a:latin typeface="나눔스퀘어 Light" panose="020B0600000101010101" pitchFamily="50" charset="-127"/>
-                <a:ea typeface="나눔스퀘어 Light" panose="020B0600000101010101" pitchFamily="50" charset="-127"/>
-              </a:rPr>
-              <a:t>2. 10773 </a:t>
-            </a:r>
-            <a:r>
-              <a:rPr lang="ko-KR" altLang="en-US" dirty="0">
-                <a:latin typeface="나눔스퀘어 Light" panose="020B0600000101010101" pitchFamily="50" charset="-127"/>
-                <a:ea typeface="나눔스퀘어 Light" panose="020B0600000101010101" pitchFamily="50" charset="-127"/>
-              </a:rPr>
-              <a:t>제로</a:t>
-            </a:r>
-          </a:p>
-        </p:txBody>
-      </p:sp>
-      <p:sp>
-        <p:nvSpPr>
-          <p:cNvPr id="9" name="TextBox 8">
-            <a:extLst>
-              <a:ext uri="{FF2B5EF4-FFF2-40B4-BE49-F238E27FC236}">
-                <a16:creationId xmlns:a16="http://schemas.microsoft.com/office/drawing/2014/main" id="{F3F091EF-3E70-16E8-983D-D9C14C2EAD61}"/>
-              </a:ext>
-            </a:extLst>
-          </p:cNvPr>
-          <p:cNvSpPr txBox="1"/>
-          <p:nvPr/>
-        </p:nvSpPr>
-        <p:spPr>
-          <a:xfrm>
-            <a:off x="942387" y="1190024"/>
-            <a:ext cx="8553305" cy="369332"/>
-          </a:xfrm>
-          <a:prstGeom prst="rect">
-            <a:avLst/>
-          </a:prstGeom>
-          <a:noFill/>
-        </p:spPr>
-        <p:txBody>
-          <a:bodyPr wrap="square" rtlCol="0">
-            <a:spAutoFit/>
-          </a:bodyPr>
-          <a:lstStyle/>
-          <a:p>
-            <a:r>
-              <a:rPr lang="ko-KR" altLang="en-US" dirty="0">
+              <a:rPr lang="en-US" altLang="ko-KR" sz="2800" dirty="0">
                 <a:latin typeface="나눔스퀘어 Bold" panose="020B0600000101010101" pitchFamily="50" charset="-127"/>
                 <a:ea typeface="나눔스퀘어 Bold" panose="020B0600000101010101" pitchFamily="50" charset="-127"/>
               </a:rPr>
-              <a:t>아래 문제들에 대해 스스로 생각하고 풀어보세요</a:t>
-            </a:r>
-            <a:r>
-              <a:rPr lang="en-US" altLang="ko-KR" dirty="0">
+              <a:t>DS</a:t>
+            </a:r>
+            <a:r>
+              <a:rPr lang="ko-KR" altLang="en-US" sz="2800" dirty="0">
                 <a:latin typeface="나눔스퀘어 Bold" panose="020B0600000101010101" pitchFamily="50" charset="-127"/>
                 <a:ea typeface="나눔스퀘어 Bold" panose="020B0600000101010101" pitchFamily="50" charset="-127"/>
               </a:rPr>
-              <a:t>.</a:t>
-            </a:r>
-            <a:r>
-              <a:rPr lang="ko-KR" altLang="en-US" dirty="0">
+              <a:t> </a:t>
+            </a:r>
+            <a:r>
+              <a:rPr lang="en-US" altLang="ko-KR" sz="2800" dirty="0">
                 <a:latin typeface="나눔스퀘어 Bold" panose="020B0600000101010101" pitchFamily="50" charset="-127"/>
                 <a:ea typeface="나눔스퀘어 Bold" panose="020B0600000101010101" pitchFamily="50" charset="-127"/>
               </a:rPr>
-              <a:t> </a:t>
-            </a:r>
-            <a:r>
-              <a:rPr lang="en-US" altLang="ko-KR" dirty="0">
+              <a:t>– 1935 </a:t>
+            </a:r>
+            <a:r>
+              <a:rPr lang="ko-KR" altLang="en-US" sz="2800" dirty="0">
                 <a:latin typeface="나눔스퀘어 Bold" panose="020B0600000101010101" pitchFamily="50" charset="-127"/>
                 <a:ea typeface="나눔스퀘어 Bold" panose="020B0600000101010101" pitchFamily="50" charset="-127"/>
               </a:rPr>
-              <a:t>(</a:t>
-            </a:r>
-            <a:r>
-              <a:rPr lang="ko-KR" altLang="en-US" dirty="0">
+              <a:t>후위 표기식</a:t>
+            </a:r>
+            <a:r>
+              <a:rPr lang="en-US" altLang="ko-KR" sz="2800" dirty="0">
                 <a:latin typeface="나눔스퀘어 Bold" panose="020B0600000101010101" pitchFamily="50" charset="-127"/>
                 <a:ea typeface="나눔스퀘어 Bold" panose="020B0600000101010101" pitchFamily="50" charset="-127"/>
               </a:rPr>
-              <a:t>해설은 따로 진행하진 않겠습니다</a:t>
-            </a:r>
-            <a:r>
-              <a:rPr lang="en-US" altLang="ko-KR" dirty="0">
-                <a:latin typeface="나눔스퀘어 Bold" panose="020B0600000101010101" pitchFamily="50" charset="-127"/>
-                <a:ea typeface="나눔스퀘어 Bold" panose="020B0600000101010101" pitchFamily="50" charset="-127"/>
-              </a:rPr>
-              <a:t>.)</a:t>
-            </a:r>
-            <a:endParaRPr lang="ko-KR" altLang="en-US" dirty="0">
+              <a:t>2</a:t>
+            </a:r>
+            <a:endParaRPr lang="ko-KR" altLang="en-US" sz="2800" dirty="0">
               <a:latin typeface="나눔스퀘어 Bold" panose="020B0600000101010101" pitchFamily="50" charset="-127"/>
               <a:ea typeface="나눔스퀘어 Bold" panose="020B0600000101010101" pitchFamily="50" charset="-127"/>
             </a:endParaRPr>
           </a:p>
         </p:txBody>
       </p:sp>
-      <p:sp>
-        <p:nvSpPr>
-          <p:cNvPr id="11" name="TextBox 10">
-            <a:extLst>
-              <a:ext uri="{FF2B5EF4-FFF2-40B4-BE49-F238E27FC236}">
-                <a16:creationId xmlns:a16="http://schemas.microsoft.com/office/drawing/2014/main" id="{CDF0922C-4F6F-DB5B-EC8F-F56AF894275F}"/>
-              </a:ext>
-            </a:extLst>
-          </p:cNvPr>
-          <p:cNvSpPr txBox="1"/>
-          <p:nvPr/>
-        </p:nvSpPr>
-        <p:spPr>
-          <a:xfrm>
-            <a:off x="942387" y="3378992"/>
-            <a:ext cx="10237694" cy="369332"/>
-          </a:xfrm>
-          <a:prstGeom prst="rect">
-            <a:avLst/>
-          </a:prstGeom>
-          <a:noFill/>
-        </p:spPr>
-        <p:txBody>
-          <a:bodyPr wrap="square" rtlCol="0">
-            <a:spAutoFit/>
-          </a:bodyPr>
-          <a:lstStyle/>
-          <a:p>
-            <a:r>
-              <a:rPr lang="ko-KR" altLang="en-US" dirty="0">
-                <a:latin typeface="나눔스퀘어 Bold" panose="020B0600000101010101" pitchFamily="50" charset="-127"/>
-                <a:ea typeface="나눔스퀘어 Bold" panose="020B0600000101010101" pitchFamily="50" charset="-127"/>
-              </a:rPr>
-              <a:t>이진 트리에 대해 공부</a:t>
-            </a:r>
-            <a:r>
-              <a:rPr lang="en-US" altLang="ko-KR" dirty="0">
-                <a:latin typeface="나눔스퀘어 Bold" panose="020B0600000101010101" pitchFamily="50" charset="-127"/>
-                <a:ea typeface="나눔스퀘어 Bold" panose="020B0600000101010101" pitchFamily="50" charset="-127"/>
-              </a:rPr>
-              <a:t>, </a:t>
-            </a:r>
-            <a:r>
-              <a:rPr lang="ko-KR" altLang="en-US" dirty="0">
-                <a:latin typeface="나눔스퀘어 Bold" panose="020B0600000101010101" pitchFamily="50" charset="-127"/>
-                <a:ea typeface="나눔스퀘어 Bold" panose="020B0600000101010101" pitchFamily="50" charset="-127"/>
-              </a:rPr>
-              <a:t>구현</a:t>
-            </a:r>
-            <a:r>
-              <a:rPr lang="en-US" altLang="ko-KR" dirty="0">
-                <a:latin typeface="나눔스퀘어 Bold" panose="020B0600000101010101" pitchFamily="50" charset="-127"/>
-                <a:ea typeface="나눔스퀘어 Bold" panose="020B0600000101010101" pitchFamily="50" charset="-127"/>
-              </a:rPr>
-              <a:t>, </a:t>
-            </a:r>
-            <a:r>
-              <a:rPr lang="ko-KR" altLang="en-US" dirty="0">
-                <a:latin typeface="나눔스퀘어 Bold" panose="020B0600000101010101" pitchFamily="50" charset="-127"/>
-                <a:ea typeface="나눔스퀘어 Bold" panose="020B0600000101010101" pitchFamily="50" charset="-127"/>
-              </a:rPr>
-              <a:t>조사 해보세요</a:t>
-            </a:r>
-            <a:r>
-              <a:rPr lang="en-US" altLang="ko-KR" dirty="0">
-                <a:latin typeface="나눔스퀘어 Bold" panose="020B0600000101010101" pitchFamily="50" charset="-127"/>
-                <a:ea typeface="나눔스퀘어 Bold" panose="020B0600000101010101" pitchFamily="50" charset="-127"/>
-              </a:rPr>
-              <a:t>.</a:t>
-            </a:r>
-            <a:endParaRPr lang="ko-KR" altLang="en-US" dirty="0">
-              <a:latin typeface="나눔스퀘어 Bold" panose="020B0600000101010101" pitchFamily="50" charset="-127"/>
-              <a:ea typeface="나눔스퀘어 Bold" panose="020B0600000101010101" pitchFamily="50" charset="-127"/>
-            </a:endParaRPr>
-          </a:p>
-        </p:txBody>
-      </p:sp>
-      <p:sp>
-        <p:nvSpPr>
-          <p:cNvPr id="12" name="TextBox 11">
-            <a:extLst>
-              <a:ext uri="{FF2B5EF4-FFF2-40B4-BE49-F238E27FC236}">
-                <a16:creationId xmlns:a16="http://schemas.microsoft.com/office/drawing/2014/main" id="{1D90656A-EA8C-C93D-45FA-EC08FF6F6A51}"/>
-              </a:ext>
-            </a:extLst>
-          </p:cNvPr>
-          <p:cNvSpPr txBox="1"/>
-          <p:nvPr/>
-        </p:nvSpPr>
-        <p:spPr>
-          <a:xfrm>
-            <a:off x="942387" y="3899153"/>
-            <a:ext cx="10237694" cy="369332"/>
-          </a:xfrm>
-          <a:prstGeom prst="rect">
-            <a:avLst/>
-          </a:prstGeom>
-          <a:noFill/>
-        </p:spPr>
-        <p:txBody>
-          <a:bodyPr wrap="square" rtlCol="0">
-            <a:spAutoFit/>
-          </a:bodyPr>
-          <a:lstStyle/>
-          <a:p>
-            <a:r>
-              <a:rPr lang="ko-KR" altLang="en-US" dirty="0">
-                <a:latin typeface="나눔스퀘어 Light" panose="020B0600000101010101" pitchFamily="50" charset="-127"/>
-                <a:ea typeface="나눔스퀘어 Light" panose="020B0600000101010101" pitchFamily="50" charset="-127"/>
-              </a:rPr>
-              <a:t>배열 방식도 좋고</a:t>
-            </a:r>
-            <a:r>
-              <a:rPr lang="en-US" altLang="ko-KR" dirty="0">
-                <a:latin typeface="나눔스퀘어 Light" panose="020B0600000101010101" pitchFamily="50" charset="-127"/>
-                <a:ea typeface="나눔스퀘어 Light" panose="020B0600000101010101" pitchFamily="50" charset="-127"/>
-              </a:rPr>
-              <a:t>, </a:t>
-            </a:r>
-            <a:r>
-              <a:rPr lang="ko-KR" altLang="en-US" dirty="0" err="1">
-                <a:latin typeface="나눔스퀘어 Light" panose="020B0600000101010101" pitchFamily="50" charset="-127"/>
-                <a:ea typeface="나눔스퀘어 Light" panose="020B0600000101010101" pitchFamily="50" charset="-127"/>
-              </a:rPr>
-              <a:t>링크드</a:t>
-            </a:r>
-            <a:r>
-              <a:rPr lang="ko-KR" altLang="en-US" dirty="0">
-                <a:latin typeface="나눔스퀘어 Light" panose="020B0600000101010101" pitchFamily="50" charset="-127"/>
-                <a:ea typeface="나눔스퀘어 Light" panose="020B0600000101010101" pitchFamily="50" charset="-127"/>
-              </a:rPr>
-              <a:t> 리스트를 사용해 구현해도 좋습니다</a:t>
-            </a:r>
-            <a:r>
-              <a:rPr lang="en-US" altLang="ko-KR" dirty="0">
-                <a:latin typeface="나눔스퀘어 Light" panose="020B0600000101010101" pitchFamily="50" charset="-127"/>
-                <a:ea typeface="나눔스퀘어 Light" panose="020B0600000101010101" pitchFamily="50" charset="-127"/>
-              </a:rPr>
-              <a:t>.</a:t>
-            </a:r>
-            <a:endParaRPr lang="ko-KR" altLang="en-US" dirty="0">
-              <a:latin typeface="나눔스퀘어 Light" panose="020B0600000101010101" pitchFamily="50" charset="-127"/>
-              <a:ea typeface="나눔스퀘어 Light" panose="020B0600000101010101" pitchFamily="50" charset="-127"/>
-            </a:endParaRPr>
-          </a:p>
-        </p:txBody>
-      </p:sp>
-      <p:sp>
-        <p:nvSpPr>
-          <p:cNvPr id="2" name="TextBox 1">
-            <a:extLst>
-              <a:ext uri="{FF2B5EF4-FFF2-40B4-BE49-F238E27FC236}">
-                <a16:creationId xmlns:a16="http://schemas.microsoft.com/office/drawing/2014/main" id="{807C3CD1-8E1B-427F-230D-9C7C2837C1F2}"/>
-              </a:ext>
-            </a:extLst>
-          </p:cNvPr>
-          <p:cNvSpPr txBox="1"/>
-          <p:nvPr/>
-        </p:nvSpPr>
-        <p:spPr>
-          <a:xfrm>
-            <a:off x="942387" y="2400024"/>
-            <a:ext cx="8553305" cy="369332"/>
-          </a:xfrm>
-          <a:prstGeom prst="rect">
-            <a:avLst/>
-          </a:prstGeom>
-          <a:noFill/>
-        </p:spPr>
-        <p:txBody>
-          <a:bodyPr wrap="square" rtlCol="0">
-            <a:spAutoFit/>
-          </a:bodyPr>
-          <a:lstStyle/>
-          <a:p>
-            <a:r>
-              <a:rPr lang="en-US" altLang="ko-KR" dirty="0">
-                <a:latin typeface="나눔스퀘어 Light" panose="020B0600000101010101" pitchFamily="50" charset="-127"/>
-                <a:ea typeface="나눔스퀘어 Light" panose="020B0600000101010101" pitchFamily="50" charset="-127"/>
-              </a:rPr>
-              <a:t>3. 15828 Router</a:t>
-            </a:r>
-            <a:endParaRPr lang="ko-KR" altLang="en-US" dirty="0">
-              <a:latin typeface="나눔스퀘어 Light" panose="020B0600000101010101" pitchFamily="50" charset="-127"/>
-              <a:ea typeface="나눔스퀘어 Light" panose="020B0600000101010101" pitchFamily="50" charset="-127"/>
-            </a:endParaRPr>
-          </a:p>
-        </p:txBody>
-      </p:sp>
-      <p:sp>
-        <p:nvSpPr>
-          <p:cNvPr id="10" name="TextBox 9">
-            <a:extLst>
-              <a:ext uri="{FF2B5EF4-FFF2-40B4-BE49-F238E27FC236}">
-                <a16:creationId xmlns:a16="http://schemas.microsoft.com/office/drawing/2014/main" id="{C572282D-23DE-9D59-D1DB-6011A80C631D}"/>
-              </a:ext>
-            </a:extLst>
-          </p:cNvPr>
-          <p:cNvSpPr txBox="1"/>
-          <p:nvPr/>
-        </p:nvSpPr>
-        <p:spPr>
-          <a:xfrm>
-            <a:off x="942387" y="4268485"/>
-            <a:ext cx="10237694" cy="369332"/>
-          </a:xfrm>
-          <a:prstGeom prst="rect">
-            <a:avLst/>
-          </a:prstGeom>
-          <a:noFill/>
-        </p:spPr>
-        <p:txBody>
-          <a:bodyPr wrap="square" rtlCol="0">
-            <a:spAutoFit/>
-          </a:bodyPr>
-          <a:lstStyle/>
-          <a:p>
-            <a:r>
-              <a:rPr lang="en-US" altLang="ko-KR" dirty="0">
-                <a:latin typeface="나눔스퀘어 Light" panose="020B0600000101010101" pitchFamily="50" charset="-127"/>
-                <a:ea typeface="나눔스퀘어 Light" panose="020B0600000101010101" pitchFamily="50" charset="-127"/>
-              </a:rPr>
-              <a:t>DS</a:t>
-            </a:r>
-            <a:r>
-              <a:rPr lang="ko-KR" altLang="en-US" dirty="0">
-                <a:latin typeface="나눔스퀘어 Light" panose="020B0600000101010101" pitchFamily="50" charset="-127"/>
-                <a:ea typeface="나눔스퀘어 Light" panose="020B0600000101010101" pitchFamily="50" charset="-127"/>
-              </a:rPr>
-              <a:t> </a:t>
-            </a:r>
-            <a:r>
-              <a:rPr lang="en-US" altLang="ko-KR" dirty="0">
-                <a:latin typeface="나눔스퀘어 Light" panose="020B0600000101010101" pitchFamily="50" charset="-127"/>
-                <a:ea typeface="나눔스퀘어 Light" panose="020B0600000101010101" pitchFamily="50" charset="-127"/>
-              </a:rPr>
-              <a:t>/</a:t>
-            </a:r>
-            <a:r>
-              <a:rPr lang="ko-KR" altLang="en-US" dirty="0">
-                <a:latin typeface="나눔스퀘어 Light" panose="020B0600000101010101" pitchFamily="50" charset="-127"/>
-                <a:ea typeface="나눔스퀘어 Light" panose="020B0600000101010101" pitchFamily="50" charset="-127"/>
-              </a:rPr>
-              <a:t> </a:t>
-            </a:r>
-            <a:r>
-              <a:rPr lang="en-US" altLang="ko-KR" dirty="0">
-                <a:latin typeface="나눔스퀘어 Light" panose="020B0600000101010101" pitchFamily="50" charset="-127"/>
-                <a:ea typeface="나눔스퀘어 Light" panose="020B0600000101010101" pitchFamily="50" charset="-127"/>
-              </a:rPr>
-              <a:t>Algorithm</a:t>
-            </a:r>
-            <a:r>
-              <a:rPr lang="ko-KR" altLang="en-US" dirty="0">
-                <a:latin typeface="나눔스퀘어 Light" panose="020B0600000101010101" pitchFamily="50" charset="-127"/>
-                <a:ea typeface="나눔스퀘어 Light" panose="020B0600000101010101" pitchFamily="50" charset="-127"/>
-              </a:rPr>
-              <a:t> 수업 때 해보셨던 분들은 생략해도 좋습니다</a:t>
-            </a:r>
-            <a:r>
-              <a:rPr lang="en-US" altLang="ko-KR">
-                <a:latin typeface="나눔스퀘어 Light" panose="020B0600000101010101" pitchFamily="50" charset="-127"/>
-                <a:ea typeface="나눔스퀘어 Light" panose="020B0600000101010101" pitchFamily="50" charset="-127"/>
-              </a:rPr>
-              <a:t>.</a:t>
-            </a:r>
-            <a:endParaRPr lang="ko-KR" altLang="en-US" dirty="0">
-              <a:latin typeface="나눔스퀘어 Light" panose="020B0600000101010101" pitchFamily="50" charset="-127"/>
-              <a:ea typeface="나눔스퀘어 Light" panose="020B0600000101010101" pitchFamily="50" charset="-127"/>
-            </a:endParaRPr>
-          </a:p>
-        </p:txBody>
-      </p:sp>
-      <p:sp>
-        <p:nvSpPr>
-          <p:cNvPr id="4" name="TextBox 3">
-            <a:extLst>
-              <a:ext uri="{FF2B5EF4-FFF2-40B4-BE49-F238E27FC236}">
-                <a16:creationId xmlns:a16="http://schemas.microsoft.com/office/drawing/2014/main" id="{1FFB0E97-045D-CAE2-D4D4-F6AFF27F568B}"/>
-              </a:ext>
-            </a:extLst>
-          </p:cNvPr>
-          <p:cNvSpPr txBox="1"/>
-          <p:nvPr/>
-        </p:nvSpPr>
-        <p:spPr>
-          <a:xfrm>
-            <a:off x="942387" y="2775391"/>
-            <a:ext cx="8553305" cy="369332"/>
-          </a:xfrm>
-          <a:prstGeom prst="rect">
-            <a:avLst/>
-          </a:prstGeom>
-          <a:noFill/>
-        </p:spPr>
-        <p:txBody>
-          <a:bodyPr wrap="square" rtlCol="0">
-            <a:spAutoFit/>
-          </a:bodyPr>
-          <a:lstStyle/>
-          <a:p>
-            <a:r>
-              <a:rPr lang="en-US" altLang="ko-KR" dirty="0">
-                <a:latin typeface="나눔스퀘어 Light" panose="020B0600000101010101" pitchFamily="50" charset="-127"/>
-                <a:ea typeface="나눔스퀘어 Light" panose="020B0600000101010101" pitchFamily="50" charset="-127"/>
-              </a:rPr>
-              <a:t>4. </a:t>
-            </a:r>
-            <a:endParaRPr lang="ko-KR" altLang="en-US" dirty="0">
-              <a:latin typeface="나눔스퀘어 Light" panose="020B0600000101010101" pitchFamily="50" charset="-127"/>
-              <a:ea typeface="나눔스퀘어 Light" panose="020B0600000101010101" pitchFamily="50" charset="-127"/>
-            </a:endParaRPr>
-          </a:p>
-        </p:txBody>
-      </p:sp>
-      <p:sp>
-        <p:nvSpPr>
-          <p:cNvPr id="3" name="TextBox 2">
-            <a:extLst>
-              <a:ext uri="{FF2B5EF4-FFF2-40B4-BE49-F238E27FC236}">
-                <a16:creationId xmlns:a16="http://schemas.microsoft.com/office/drawing/2014/main" id="{F3BF5F63-D9BC-ACFF-9CA6-E8F9B73609D8}"/>
-              </a:ext>
-            </a:extLst>
-          </p:cNvPr>
-          <p:cNvSpPr txBox="1"/>
-          <p:nvPr/>
-        </p:nvSpPr>
-        <p:spPr>
-          <a:xfrm>
-            <a:off x="942387" y="4868519"/>
-            <a:ext cx="10237694" cy="369332"/>
-          </a:xfrm>
-          <a:prstGeom prst="rect">
-            <a:avLst/>
-          </a:prstGeom>
-          <a:noFill/>
-        </p:spPr>
-        <p:txBody>
-          <a:bodyPr wrap="square" rtlCol="0">
-            <a:spAutoFit/>
-          </a:bodyPr>
-          <a:lstStyle/>
-          <a:p>
-            <a:r>
-              <a:rPr lang="ko-KR" altLang="en-US" dirty="0">
-                <a:latin typeface="나눔스퀘어 Bold" panose="020B0600000101010101" pitchFamily="50" charset="-127"/>
-                <a:ea typeface="나눔스퀘어 Bold" panose="020B0600000101010101" pitchFamily="50" charset="-127"/>
-              </a:rPr>
-              <a:t>위에서 구현한 트리의 각 노드들을 어떻게 순회해야 할지 고민해보세요</a:t>
-            </a:r>
-            <a:r>
-              <a:rPr lang="en-US" altLang="ko-KR" dirty="0">
-                <a:latin typeface="나눔스퀘어 Bold" panose="020B0600000101010101" pitchFamily="50" charset="-127"/>
-                <a:ea typeface="나눔스퀘어 Bold" panose="020B0600000101010101" pitchFamily="50" charset="-127"/>
-              </a:rPr>
-              <a:t>.</a:t>
-            </a:r>
-            <a:endParaRPr lang="ko-KR" altLang="en-US" dirty="0">
-              <a:latin typeface="나눔스퀘어 Bold" panose="020B0600000101010101" pitchFamily="50" charset="-127"/>
-              <a:ea typeface="나눔스퀘어 Bold" panose="020B0600000101010101" pitchFamily="50" charset="-127"/>
-            </a:endParaRPr>
-          </a:p>
-        </p:txBody>
-      </p:sp>
-      <p:sp>
-        <p:nvSpPr>
-          <p:cNvPr id="14" name="TextBox 13">
-            <a:extLst>
-              <a:ext uri="{FF2B5EF4-FFF2-40B4-BE49-F238E27FC236}">
-                <a16:creationId xmlns:a16="http://schemas.microsoft.com/office/drawing/2014/main" id="{257C1EC7-2A81-3047-B154-CBC26011C90C}"/>
-              </a:ext>
-            </a:extLst>
-          </p:cNvPr>
-          <p:cNvSpPr txBox="1"/>
-          <p:nvPr/>
-        </p:nvSpPr>
-        <p:spPr>
-          <a:xfrm>
-            <a:off x="942387" y="5468553"/>
-            <a:ext cx="10237694" cy="369332"/>
-          </a:xfrm>
-          <a:prstGeom prst="rect">
-            <a:avLst/>
-          </a:prstGeom>
-          <a:noFill/>
-        </p:spPr>
-        <p:txBody>
-          <a:bodyPr wrap="square" rtlCol="0">
-            <a:spAutoFit/>
-          </a:bodyPr>
-          <a:lstStyle/>
-          <a:p>
-            <a:r>
-              <a:rPr lang="ko-KR" altLang="en-US" dirty="0">
-                <a:latin typeface="나눔스퀘어 Bold" panose="020B0600000101010101" pitchFamily="50" charset="-127"/>
-                <a:ea typeface="나눔스퀘어 Bold" panose="020B0600000101010101" pitchFamily="50" charset="-127"/>
-              </a:rPr>
-              <a:t>만약 트리가 이진 트리가 아니라 </a:t>
-            </a:r>
-            <a:r>
-              <a:rPr lang="en-US" altLang="ko-KR" dirty="0">
-                <a:latin typeface="나눔스퀘어 Bold" panose="020B0600000101010101" pitchFamily="50" charset="-127"/>
-                <a:ea typeface="나눔스퀘어 Bold" panose="020B0600000101010101" pitchFamily="50" charset="-127"/>
-              </a:rPr>
-              <a:t>N</a:t>
-            </a:r>
-            <a:r>
-              <a:rPr lang="ko-KR" altLang="en-US" dirty="0">
-                <a:latin typeface="나눔스퀘어 Bold" panose="020B0600000101010101" pitchFamily="50" charset="-127"/>
-                <a:ea typeface="나눔스퀘어 Bold" panose="020B0600000101010101" pitchFamily="50" charset="-127"/>
-              </a:rPr>
-              <a:t>진 트리라면</a:t>
-            </a:r>
-            <a:r>
-              <a:rPr lang="en-US" altLang="ko-KR" dirty="0">
-                <a:latin typeface="나눔스퀘어 Bold" panose="020B0600000101010101" pitchFamily="50" charset="-127"/>
-                <a:ea typeface="나눔스퀘어 Bold" panose="020B0600000101010101" pitchFamily="50" charset="-127"/>
-              </a:rPr>
-              <a:t>, </a:t>
-            </a:r>
-            <a:r>
-              <a:rPr lang="ko-KR" altLang="en-US" dirty="0">
-                <a:latin typeface="나눔스퀘어 Bold" panose="020B0600000101010101" pitchFamily="50" charset="-127"/>
-                <a:ea typeface="나눔스퀘어 Bold" panose="020B0600000101010101" pitchFamily="50" charset="-127"/>
-              </a:rPr>
-              <a:t>다음 노드들을 어떻게 관리해야 할지 고민해보세요</a:t>
-            </a:r>
-            <a:r>
-              <a:rPr lang="en-US" altLang="ko-KR" dirty="0">
-                <a:latin typeface="나눔스퀘어 Bold" panose="020B0600000101010101" pitchFamily="50" charset="-127"/>
-                <a:ea typeface="나눔스퀘어 Bold" panose="020B0600000101010101" pitchFamily="50" charset="-127"/>
-              </a:rPr>
-              <a:t>.</a:t>
-            </a:r>
-            <a:endParaRPr lang="ko-KR" altLang="en-US" dirty="0">
-              <a:latin typeface="나눔스퀘어 Bold" panose="020B0600000101010101" pitchFamily="50" charset="-127"/>
-              <a:ea typeface="나눔스퀘어 Bold" panose="020B0600000101010101" pitchFamily="50" charset="-127"/>
-            </a:endParaRPr>
-          </a:p>
-        </p:txBody>
-      </p:sp>
     </p:spTree>
     <p:extLst>
       <p:ext uri="{BB962C8B-B14F-4D97-AF65-F5344CB8AC3E}">
-        <p14:creationId xmlns:p14="http://schemas.microsoft.com/office/powerpoint/2010/main" val="732558497"/>
+        <p14:creationId xmlns:p14="http://schemas.microsoft.com/office/powerpoint/2010/main" val="4187972177"/>
       </p:ext>
     </p:extLst>
   </p:cSld>
@@ -7566,6 +8512,1455 @@
     <p:extLst>
       <p:ext uri="{BB962C8B-B14F-4D97-AF65-F5344CB8AC3E}">
         <p14:creationId xmlns:p14="http://schemas.microsoft.com/office/powerpoint/2010/main" val="3851950532"/>
+      </p:ext>
+    </p:extLst>
+  </p:cSld>
+  <p:clrMapOvr>
+    <a:masterClrMapping/>
+  </p:clrMapOvr>
+</p:sld>
+</file>
+
+<file path=ppt/slides/slide20.xml><?xml version="1.0" encoding="utf-8"?>
+<p:sld xmlns:a="http://schemas.openxmlformats.org/drawingml/2006/main" xmlns:r="http://schemas.openxmlformats.org/officeDocument/2006/relationships" xmlns:p="http://schemas.openxmlformats.org/presentationml/2006/main">
+  <p:cSld>
+    <p:spTree>
+      <p:nvGrpSpPr>
+        <p:cNvPr id="1" name=""/>
+        <p:cNvGrpSpPr/>
+        <p:nvPr/>
+      </p:nvGrpSpPr>
+      <p:grpSpPr>
+        <a:xfrm>
+          <a:off x="0" y="0"/>
+          <a:ext cx="0" cy="0"/>
+          <a:chOff x="0" y="0"/>
+          <a:chExt cx="0" cy="0"/>
+        </a:xfrm>
+      </p:grpSpPr>
+      <p:cxnSp>
+        <p:nvCxnSpPr>
+          <p:cNvPr id="5" name="직선 연결선 4">
+            <a:extLst>
+              <a:ext uri="{FF2B5EF4-FFF2-40B4-BE49-F238E27FC236}">
+                <a16:creationId xmlns:a16="http://schemas.microsoft.com/office/drawing/2014/main" id="{164C2827-EFCE-69A4-D037-1A218415F568}"/>
+              </a:ext>
+            </a:extLst>
+          </p:cNvPr>
+          <p:cNvCxnSpPr/>
+          <p:nvPr/>
+        </p:nvCxnSpPr>
+        <p:spPr>
+          <a:xfrm>
+            <a:off x="0" y="887505"/>
+            <a:ext cx="10237694" cy="0"/>
+          </a:xfrm>
+          <a:prstGeom prst="line">
+            <a:avLst/>
+          </a:prstGeom>
+          <a:ln w="76200">
+            <a:solidFill>
+              <a:schemeClr val="tx1">
+                <a:lumMod val="75000"/>
+                <a:lumOff val="25000"/>
+              </a:schemeClr>
+            </a:solidFill>
+          </a:ln>
+        </p:spPr>
+        <p:style>
+          <a:lnRef idx="1">
+            <a:schemeClr val="accent1"/>
+          </a:lnRef>
+          <a:fillRef idx="0">
+            <a:schemeClr val="accent1"/>
+          </a:fillRef>
+          <a:effectRef idx="0">
+            <a:schemeClr val="accent1"/>
+          </a:effectRef>
+          <a:fontRef idx="minor">
+            <a:schemeClr val="tx1"/>
+          </a:fontRef>
+        </p:style>
+      </p:cxnSp>
+      <p:sp>
+        <p:nvSpPr>
+          <p:cNvPr id="2" name="TextBox 1">
+            <a:extLst>
+              <a:ext uri="{FF2B5EF4-FFF2-40B4-BE49-F238E27FC236}">
+                <a16:creationId xmlns:a16="http://schemas.microsoft.com/office/drawing/2014/main" id="{7A9F668B-4598-7703-B5DB-B80899A1C734}"/>
+              </a:ext>
+            </a:extLst>
+          </p:cNvPr>
+          <p:cNvSpPr txBox="1"/>
+          <p:nvPr/>
+        </p:nvSpPr>
+        <p:spPr>
+          <a:xfrm>
+            <a:off x="331694" y="177505"/>
+            <a:ext cx="2499402" cy="523220"/>
+          </a:xfrm>
+          <a:prstGeom prst="rect">
+            <a:avLst/>
+          </a:prstGeom>
+          <a:noFill/>
+        </p:spPr>
+        <p:txBody>
+          <a:bodyPr wrap="none" rtlCol="0">
+            <a:spAutoFit/>
+          </a:bodyPr>
+          <a:lstStyle/>
+          <a:p>
+            <a:r>
+              <a:rPr lang="en-US" altLang="ko-KR" sz="2800" dirty="0">
+                <a:latin typeface="나눔스퀘어 Bold" panose="020B0600000101010101" pitchFamily="50" charset="-127"/>
+                <a:ea typeface="나눔스퀘어 Bold" panose="020B0600000101010101" pitchFamily="50" charset="-127"/>
+              </a:rPr>
+              <a:t>DS</a:t>
+            </a:r>
+            <a:r>
+              <a:rPr lang="ko-KR" altLang="en-US" sz="2800" dirty="0">
+                <a:latin typeface="나눔스퀘어 Bold" panose="020B0600000101010101" pitchFamily="50" charset="-127"/>
+                <a:ea typeface="나눔스퀘어 Bold" panose="020B0600000101010101" pitchFamily="50" charset="-127"/>
+              </a:rPr>
+              <a:t> </a:t>
+            </a:r>
+            <a:r>
+              <a:rPr lang="en-US" altLang="ko-KR" sz="2800" dirty="0">
+                <a:latin typeface="나눔스퀘어 Bold" panose="020B0600000101010101" pitchFamily="50" charset="-127"/>
+                <a:ea typeface="나눔스퀘어 Bold" panose="020B0600000101010101" pitchFamily="50" charset="-127"/>
+              </a:rPr>
+              <a:t>– 10845 </a:t>
+            </a:r>
+            <a:r>
+              <a:rPr lang="ko-KR" altLang="en-US" sz="2800" dirty="0">
+                <a:latin typeface="나눔스퀘어 Bold" panose="020B0600000101010101" pitchFamily="50" charset="-127"/>
+                <a:ea typeface="나눔스퀘어 Bold" panose="020B0600000101010101" pitchFamily="50" charset="-127"/>
+              </a:rPr>
+              <a:t>큐</a:t>
+            </a:r>
+          </a:p>
+        </p:txBody>
+      </p:sp>
+      <p:pic>
+        <p:nvPicPr>
+          <p:cNvPr id="6" name="그림 5">
+            <a:extLst>
+              <a:ext uri="{FF2B5EF4-FFF2-40B4-BE49-F238E27FC236}">
+                <a16:creationId xmlns:a16="http://schemas.microsoft.com/office/drawing/2014/main" id="{BA7E89D0-EC5B-949F-2F86-BB48EDA301A3}"/>
+              </a:ext>
+            </a:extLst>
+          </p:cNvPr>
+          <p:cNvPicPr>
+            <a:picLocks noChangeAspect="1"/>
+          </p:cNvPicPr>
+          <p:nvPr/>
+        </p:nvPicPr>
+        <p:blipFill>
+          <a:blip r:embed="rId2"/>
+          <a:stretch>
+            <a:fillRect/>
+          </a:stretch>
+        </p:blipFill>
+        <p:spPr>
+          <a:xfrm>
+            <a:off x="331694" y="998873"/>
+            <a:ext cx="10869542" cy="5525271"/>
+          </a:xfrm>
+          <a:prstGeom prst="rect">
+            <a:avLst/>
+          </a:prstGeom>
+        </p:spPr>
+      </p:pic>
+    </p:spTree>
+    <p:extLst>
+      <p:ext uri="{BB962C8B-B14F-4D97-AF65-F5344CB8AC3E}">
+        <p14:creationId xmlns:p14="http://schemas.microsoft.com/office/powerpoint/2010/main" val="3852066961"/>
+      </p:ext>
+    </p:extLst>
+  </p:cSld>
+  <p:clrMapOvr>
+    <a:masterClrMapping/>
+  </p:clrMapOvr>
+</p:sld>
+</file>
+
+<file path=ppt/slides/slide21.xml><?xml version="1.0" encoding="utf-8"?>
+<p:sld xmlns:a="http://schemas.openxmlformats.org/drawingml/2006/main" xmlns:r="http://schemas.openxmlformats.org/officeDocument/2006/relationships" xmlns:p="http://schemas.openxmlformats.org/presentationml/2006/main">
+  <p:cSld>
+    <p:spTree>
+      <p:nvGrpSpPr>
+        <p:cNvPr id="1" name=""/>
+        <p:cNvGrpSpPr/>
+        <p:nvPr/>
+      </p:nvGrpSpPr>
+      <p:grpSpPr>
+        <a:xfrm>
+          <a:off x="0" y="0"/>
+          <a:ext cx="0" cy="0"/>
+          <a:chOff x="0" y="0"/>
+          <a:chExt cx="0" cy="0"/>
+        </a:xfrm>
+      </p:grpSpPr>
+      <p:cxnSp>
+        <p:nvCxnSpPr>
+          <p:cNvPr id="5" name="직선 연결선 4">
+            <a:extLst>
+              <a:ext uri="{FF2B5EF4-FFF2-40B4-BE49-F238E27FC236}">
+                <a16:creationId xmlns:a16="http://schemas.microsoft.com/office/drawing/2014/main" id="{164C2827-EFCE-69A4-D037-1A218415F568}"/>
+              </a:ext>
+            </a:extLst>
+          </p:cNvPr>
+          <p:cNvCxnSpPr/>
+          <p:nvPr/>
+        </p:nvCxnSpPr>
+        <p:spPr>
+          <a:xfrm>
+            <a:off x="0" y="887505"/>
+            <a:ext cx="10237694" cy="0"/>
+          </a:xfrm>
+          <a:prstGeom prst="line">
+            <a:avLst/>
+          </a:prstGeom>
+          <a:ln w="76200">
+            <a:solidFill>
+              <a:schemeClr val="tx1">
+                <a:lumMod val="75000"/>
+                <a:lumOff val="25000"/>
+              </a:schemeClr>
+            </a:solidFill>
+          </a:ln>
+        </p:spPr>
+        <p:style>
+          <a:lnRef idx="1">
+            <a:schemeClr val="accent1"/>
+          </a:lnRef>
+          <a:fillRef idx="0">
+            <a:schemeClr val="accent1"/>
+          </a:fillRef>
+          <a:effectRef idx="0">
+            <a:schemeClr val="accent1"/>
+          </a:effectRef>
+          <a:fontRef idx="minor">
+            <a:schemeClr val="tx1"/>
+          </a:fontRef>
+        </p:style>
+      </p:cxnSp>
+      <p:sp>
+        <p:nvSpPr>
+          <p:cNvPr id="3" name="TextBox 2">
+            <a:extLst>
+              <a:ext uri="{FF2B5EF4-FFF2-40B4-BE49-F238E27FC236}">
+                <a16:creationId xmlns:a16="http://schemas.microsoft.com/office/drawing/2014/main" id="{2929977D-4B28-4A77-BFAA-69E6FF174D27}"/>
+              </a:ext>
+            </a:extLst>
+          </p:cNvPr>
+          <p:cNvSpPr txBox="1"/>
+          <p:nvPr/>
+        </p:nvSpPr>
+        <p:spPr>
+          <a:xfrm>
+            <a:off x="942387" y="1190024"/>
+            <a:ext cx="10237694" cy="369332"/>
+          </a:xfrm>
+          <a:prstGeom prst="rect">
+            <a:avLst/>
+          </a:prstGeom>
+          <a:noFill/>
+        </p:spPr>
+        <p:txBody>
+          <a:bodyPr wrap="square" rtlCol="0">
+            <a:spAutoFit/>
+          </a:bodyPr>
+          <a:lstStyle/>
+          <a:p>
+            <a:r>
+              <a:rPr lang="ko-KR" altLang="en-US" dirty="0">
+                <a:latin typeface="나눔스퀘어 Light" panose="020B0600000101010101" pitchFamily="50" charset="-127"/>
+                <a:ea typeface="나눔스퀘어 Light" panose="020B0600000101010101" pitchFamily="50" charset="-127"/>
+              </a:rPr>
+              <a:t>스택과 마찬가지로</a:t>
+            </a:r>
+            <a:r>
+              <a:rPr lang="en-US" altLang="ko-KR" dirty="0">
+                <a:latin typeface="나눔스퀘어 Light" panose="020B0600000101010101" pitchFamily="50" charset="-127"/>
+                <a:ea typeface="나눔스퀘어 Light" panose="020B0600000101010101" pitchFamily="50" charset="-127"/>
+              </a:rPr>
+              <a:t>, </a:t>
+            </a:r>
+            <a:r>
+              <a:rPr lang="ko-KR" altLang="en-US" dirty="0">
+                <a:latin typeface="나눔스퀘어 Light" panose="020B0600000101010101" pitchFamily="50" charset="-127"/>
+                <a:ea typeface="나눔스퀘어 Light" panose="020B0600000101010101" pitchFamily="50" charset="-127"/>
+              </a:rPr>
+              <a:t>구현해본 큐를 채점할 수 있는 문제</a:t>
+            </a:r>
+          </a:p>
+        </p:txBody>
+      </p:sp>
+      <p:sp>
+        <p:nvSpPr>
+          <p:cNvPr id="2" name="TextBox 1">
+            <a:extLst>
+              <a:ext uri="{FF2B5EF4-FFF2-40B4-BE49-F238E27FC236}">
+                <a16:creationId xmlns:a16="http://schemas.microsoft.com/office/drawing/2014/main" id="{CC1A2188-D131-F96B-08B1-C61DDBFCF482}"/>
+              </a:ext>
+            </a:extLst>
+          </p:cNvPr>
+          <p:cNvSpPr txBox="1"/>
+          <p:nvPr/>
+        </p:nvSpPr>
+        <p:spPr>
+          <a:xfrm>
+            <a:off x="331694" y="177505"/>
+            <a:ext cx="2499402" cy="523220"/>
+          </a:xfrm>
+          <a:prstGeom prst="rect">
+            <a:avLst/>
+          </a:prstGeom>
+          <a:noFill/>
+        </p:spPr>
+        <p:txBody>
+          <a:bodyPr wrap="none" rtlCol="0">
+            <a:spAutoFit/>
+          </a:bodyPr>
+          <a:lstStyle/>
+          <a:p>
+            <a:r>
+              <a:rPr lang="en-US" altLang="ko-KR" sz="2800" dirty="0">
+                <a:latin typeface="나눔스퀘어 Bold" panose="020B0600000101010101" pitchFamily="50" charset="-127"/>
+                <a:ea typeface="나눔스퀘어 Bold" panose="020B0600000101010101" pitchFamily="50" charset="-127"/>
+              </a:rPr>
+              <a:t>DS</a:t>
+            </a:r>
+            <a:r>
+              <a:rPr lang="ko-KR" altLang="en-US" sz="2800" dirty="0">
+                <a:latin typeface="나눔스퀘어 Bold" panose="020B0600000101010101" pitchFamily="50" charset="-127"/>
+                <a:ea typeface="나눔스퀘어 Bold" panose="020B0600000101010101" pitchFamily="50" charset="-127"/>
+              </a:rPr>
+              <a:t> </a:t>
+            </a:r>
+            <a:r>
+              <a:rPr lang="en-US" altLang="ko-KR" sz="2800" dirty="0">
+                <a:latin typeface="나눔스퀘어 Bold" panose="020B0600000101010101" pitchFamily="50" charset="-127"/>
+                <a:ea typeface="나눔스퀘어 Bold" panose="020B0600000101010101" pitchFamily="50" charset="-127"/>
+              </a:rPr>
+              <a:t>– 10845 </a:t>
+            </a:r>
+            <a:r>
+              <a:rPr lang="ko-KR" altLang="en-US" sz="2800" dirty="0">
+                <a:latin typeface="나눔스퀘어 Bold" panose="020B0600000101010101" pitchFamily="50" charset="-127"/>
+                <a:ea typeface="나눔스퀘어 Bold" panose="020B0600000101010101" pitchFamily="50" charset="-127"/>
+              </a:rPr>
+              <a:t>큐</a:t>
+            </a:r>
+          </a:p>
+        </p:txBody>
+      </p:sp>
+      <p:sp>
+        <p:nvSpPr>
+          <p:cNvPr id="11" name="TextBox 10">
+            <a:extLst>
+              <a:ext uri="{FF2B5EF4-FFF2-40B4-BE49-F238E27FC236}">
+                <a16:creationId xmlns:a16="http://schemas.microsoft.com/office/drawing/2014/main" id="{55838BC7-EF0F-5B81-2952-60BCF736A512}"/>
+              </a:ext>
+            </a:extLst>
+          </p:cNvPr>
+          <p:cNvSpPr txBox="1"/>
+          <p:nvPr/>
+        </p:nvSpPr>
+        <p:spPr>
+          <a:xfrm>
+            <a:off x="942387" y="1559356"/>
+            <a:ext cx="10237694" cy="369332"/>
+          </a:xfrm>
+          <a:prstGeom prst="rect">
+            <a:avLst/>
+          </a:prstGeom>
+          <a:noFill/>
+        </p:spPr>
+        <p:txBody>
+          <a:bodyPr wrap="square" rtlCol="0">
+            <a:spAutoFit/>
+          </a:bodyPr>
+          <a:lstStyle/>
+          <a:p>
+            <a:r>
+              <a:rPr lang="ko-KR" altLang="en-US" dirty="0">
+                <a:latin typeface="나눔스퀘어 Light" panose="020B0600000101010101" pitchFamily="50" charset="-127"/>
+                <a:ea typeface="나눔스퀘어 Light" panose="020B0600000101010101" pitchFamily="50" charset="-127"/>
+              </a:rPr>
+              <a:t>직접 구현을 해봤다면</a:t>
+            </a:r>
+            <a:r>
+              <a:rPr lang="en-US" altLang="ko-KR" dirty="0">
+                <a:latin typeface="나눔스퀘어 Light" panose="020B0600000101010101" pitchFamily="50" charset="-127"/>
+                <a:ea typeface="나눔스퀘어 Light" panose="020B0600000101010101" pitchFamily="50" charset="-127"/>
+              </a:rPr>
+              <a:t>, </a:t>
+            </a:r>
+            <a:r>
+              <a:rPr lang="ko-KR" altLang="en-US" dirty="0">
+                <a:latin typeface="나눔스퀘어 Light" panose="020B0600000101010101" pitchFamily="50" charset="-127"/>
+                <a:ea typeface="나눔스퀘어 Light" panose="020B0600000101010101" pitchFamily="50" charset="-127"/>
+              </a:rPr>
+              <a:t>라이브러리를 사용</a:t>
+            </a:r>
+          </a:p>
+        </p:txBody>
+      </p:sp>
+    </p:spTree>
+    <p:extLst>
+      <p:ext uri="{BB962C8B-B14F-4D97-AF65-F5344CB8AC3E}">
+        <p14:creationId xmlns:p14="http://schemas.microsoft.com/office/powerpoint/2010/main" val="36971579"/>
+      </p:ext>
+    </p:extLst>
+  </p:cSld>
+  <p:clrMapOvr>
+    <a:masterClrMapping/>
+  </p:clrMapOvr>
+</p:sld>
+</file>
+
+<file path=ppt/slides/slide22.xml><?xml version="1.0" encoding="utf-8"?>
+<p:sld xmlns:a="http://schemas.openxmlformats.org/drawingml/2006/main" xmlns:r="http://schemas.openxmlformats.org/officeDocument/2006/relationships" xmlns:p="http://schemas.openxmlformats.org/presentationml/2006/main">
+  <p:cSld>
+    <p:spTree>
+      <p:nvGrpSpPr>
+        <p:cNvPr id="1" name=""/>
+        <p:cNvGrpSpPr/>
+        <p:nvPr/>
+      </p:nvGrpSpPr>
+      <p:grpSpPr>
+        <a:xfrm>
+          <a:off x="0" y="0"/>
+          <a:ext cx="0" cy="0"/>
+          <a:chOff x="0" y="0"/>
+          <a:chExt cx="0" cy="0"/>
+        </a:xfrm>
+      </p:grpSpPr>
+      <p:cxnSp>
+        <p:nvCxnSpPr>
+          <p:cNvPr id="5" name="직선 연결선 4">
+            <a:extLst>
+              <a:ext uri="{FF2B5EF4-FFF2-40B4-BE49-F238E27FC236}">
+                <a16:creationId xmlns:a16="http://schemas.microsoft.com/office/drawing/2014/main" id="{164C2827-EFCE-69A4-D037-1A218415F568}"/>
+              </a:ext>
+            </a:extLst>
+          </p:cNvPr>
+          <p:cNvCxnSpPr/>
+          <p:nvPr/>
+        </p:nvCxnSpPr>
+        <p:spPr>
+          <a:xfrm>
+            <a:off x="0" y="887505"/>
+            <a:ext cx="10237694" cy="0"/>
+          </a:xfrm>
+          <a:prstGeom prst="line">
+            <a:avLst/>
+          </a:prstGeom>
+          <a:ln w="76200">
+            <a:solidFill>
+              <a:schemeClr val="tx1">
+                <a:lumMod val="75000"/>
+                <a:lumOff val="25000"/>
+              </a:schemeClr>
+            </a:solidFill>
+          </a:ln>
+        </p:spPr>
+        <p:style>
+          <a:lnRef idx="1">
+            <a:schemeClr val="accent1"/>
+          </a:lnRef>
+          <a:fillRef idx="0">
+            <a:schemeClr val="accent1"/>
+          </a:fillRef>
+          <a:effectRef idx="0">
+            <a:schemeClr val="accent1"/>
+          </a:effectRef>
+          <a:fontRef idx="minor">
+            <a:schemeClr val="tx1"/>
+          </a:fontRef>
+        </p:style>
+      </p:cxnSp>
+      <p:sp>
+        <p:nvSpPr>
+          <p:cNvPr id="2" name="TextBox 1">
+            <a:extLst>
+              <a:ext uri="{FF2B5EF4-FFF2-40B4-BE49-F238E27FC236}">
+                <a16:creationId xmlns:a16="http://schemas.microsoft.com/office/drawing/2014/main" id="{7C0672DE-9A16-449C-C1E8-53F4FCB0C57F}"/>
+              </a:ext>
+            </a:extLst>
+          </p:cNvPr>
+          <p:cNvSpPr txBox="1"/>
+          <p:nvPr/>
+        </p:nvSpPr>
+        <p:spPr>
+          <a:xfrm>
+            <a:off x="331694" y="177505"/>
+            <a:ext cx="2826415" cy="523220"/>
+          </a:xfrm>
+          <a:prstGeom prst="rect">
+            <a:avLst/>
+          </a:prstGeom>
+          <a:noFill/>
+        </p:spPr>
+        <p:txBody>
+          <a:bodyPr wrap="none" rtlCol="0">
+            <a:spAutoFit/>
+          </a:bodyPr>
+          <a:lstStyle/>
+          <a:p>
+            <a:r>
+              <a:rPr lang="en-US" altLang="ko-KR" sz="2800" dirty="0">
+                <a:latin typeface="나눔스퀘어 Bold" panose="020B0600000101010101" pitchFamily="50" charset="-127"/>
+                <a:ea typeface="나눔스퀘어 Bold" panose="020B0600000101010101" pitchFamily="50" charset="-127"/>
+              </a:rPr>
+              <a:t>DS</a:t>
+            </a:r>
+            <a:r>
+              <a:rPr lang="ko-KR" altLang="en-US" sz="2800" dirty="0">
+                <a:latin typeface="나눔스퀘어 Bold" panose="020B0600000101010101" pitchFamily="50" charset="-127"/>
+                <a:ea typeface="나눔스퀘어 Bold" panose="020B0600000101010101" pitchFamily="50" charset="-127"/>
+              </a:rPr>
+              <a:t> </a:t>
+            </a:r>
+            <a:r>
+              <a:rPr lang="en-US" altLang="ko-KR" sz="2800" dirty="0">
+                <a:latin typeface="나눔스퀘어 Bold" panose="020B0600000101010101" pitchFamily="50" charset="-127"/>
+                <a:ea typeface="나눔스퀘어 Bold" panose="020B0600000101010101" pitchFamily="50" charset="-127"/>
+              </a:rPr>
+              <a:t>– 2164 </a:t>
+            </a:r>
+            <a:r>
+              <a:rPr lang="ko-KR" altLang="en-US" sz="2800" dirty="0">
+                <a:latin typeface="나눔스퀘어 Bold" panose="020B0600000101010101" pitchFamily="50" charset="-127"/>
+                <a:ea typeface="나눔스퀘어 Bold" panose="020B0600000101010101" pitchFamily="50" charset="-127"/>
+              </a:rPr>
+              <a:t>카드</a:t>
+            </a:r>
+            <a:r>
+              <a:rPr lang="en-US" altLang="ko-KR" sz="2800" dirty="0">
+                <a:latin typeface="나눔스퀘어 Bold" panose="020B0600000101010101" pitchFamily="50" charset="-127"/>
+                <a:ea typeface="나눔스퀘어 Bold" panose="020B0600000101010101" pitchFamily="50" charset="-127"/>
+              </a:rPr>
+              <a:t>2</a:t>
+            </a:r>
+            <a:endParaRPr lang="ko-KR" altLang="en-US" sz="2800" dirty="0">
+              <a:latin typeface="나눔스퀘어 Bold" panose="020B0600000101010101" pitchFamily="50" charset="-127"/>
+              <a:ea typeface="나눔스퀘어 Bold" panose="020B0600000101010101" pitchFamily="50" charset="-127"/>
+            </a:endParaRPr>
+          </a:p>
+        </p:txBody>
+      </p:sp>
+      <p:pic>
+        <p:nvPicPr>
+          <p:cNvPr id="4" name="그림 3">
+            <a:extLst>
+              <a:ext uri="{FF2B5EF4-FFF2-40B4-BE49-F238E27FC236}">
+                <a16:creationId xmlns:a16="http://schemas.microsoft.com/office/drawing/2014/main" id="{B33FFAC5-1C7A-59B5-8C86-A8D769B542A0}"/>
+              </a:ext>
+            </a:extLst>
+          </p:cNvPr>
+          <p:cNvPicPr>
+            <a:picLocks noChangeAspect="1"/>
+          </p:cNvPicPr>
+          <p:nvPr/>
+        </p:nvPicPr>
+        <p:blipFill>
+          <a:blip r:embed="rId2"/>
+          <a:stretch>
+            <a:fillRect/>
+          </a:stretch>
+        </p:blipFill>
+        <p:spPr>
+          <a:xfrm>
+            <a:off x="331694" y="951198"/>
+            <a:ext cx="10671142" cy="5779270"/>
+          </a:xfrm>
+          <a:prstGeom prst="rect">
+            <a:avLst/>
+          </a:prstGeom>
+        </p:spPr>
+      </p:pic>
+    </p:spTree>
+    <p:extLst>
+      <p:ext uri="{BB962C8B-B14F-4D97-AF65-F5344CB8AC3E}">
+        <p14:creationId xmlns:p14="http://schemas.microsoft.com/office/powerpoint/2010/main" val="2401598668"/>
+      </p:ext>
+    </p:extLst>
+  </p:cSld>
+  <p:clrMapOvr>
+    <a:masterClrMapping/>
+  </p:clrMapOvr>
+</p:sld>
+</file>
+
+<file path=ppt/slides/slide23.xml><?xml version="1.0" encoding="utf-8"?>
+<p:sld xmlns:a="http://schemas.openxmlformats.org/drawingml/2006/main" xmlns:r="http://schemas.openxmlformats.org/officeDocument/2006/relationships" xmlns:p="http://schemas.openxmlformats.org/presentationml/2006/main">
+  <p:cSld>
+    <p:spTree>
+      <p:nvGrpSpPr>
+        <p:cNvPr id="1" name=""/>
+        <p:cNvGrpSpPr/>
+        <p:nvPr/>
+      </p:nvGrpSpPr>
+      <p:grpSpPr>
+        <a:xfrm>
+          <a:off x="0" y="0"/>
+          <a:ext cx="0" cy="0"/>
+          <a:chOff x="0" y="0"/>
+          <a:chExt cx="0" cy="0"/>
+        </a:xfrm>
+      </p:grpSpPr>
+      <p:cxnSp>
+        <p:nvCxnSpPr>
+          <p:cNvPr id="5" name="직선 연결선 4">
+            <a:extLst>
+              <a:ext uri="{FF2B5EF4-FFF2-40B4-BE49-F238E27FC236}">
+                <a16:creationId xmlns:a16="http://schemas.microsoft.com/office/drawing/2014/main" id="{164C2827-EFCE-69A4-D037-1A218415F568}"/>
+              </a:ext>
+            </a:extLst>
+          </p:cNvPr>
+          <p:cNvCxnSpPr/>
+          <p:nvPr/>
+        </p:nvCxnSpPr>
+        <p:spPr>
+          <a:xfrm>
+            <a:off x="0" y="887505"/>
+            <a:ext cx="10237694" cy="0"/>
+          </a:xfrm>
+          <a:prstGeom prst="line">
+            <a:avLst/>
+          </a:prstGeom>
+          <a:ln w="76200">
+            <a:solidFill>
+              <a:schemeClr val="tx1">
+                <a:lumMod val="75000"/>
+                <a:lumOff val="25000"/>
+              </a:schemeClr>
+            </a:solidFill>
+          </a:ln>
+        </p:spPr>
+        <p:style>
+          <a:lnRef idx="1">
+            <a:schemeClr val="accent1"/>
+          </a:lnRef>
+          <a:fillRef idx="0">
+            <a:schemeClr val="accent1"/>
+          </a:fillRef>
+          <a:effectRef idx="0">
+            <a:schemeClr val="accent1"/>
+          </a:effectRef>
+          <a:fontRef idx="minor">
+            <a:schemeClr val="tx1"/>
+          </a:fontRef>
+        </p:style>
+      </p:cxnSp>
+      <p:sp>
+        <p:nvSpPr>
+          <p:cNvPr id="2" name="TextBox 1">
+            <a:extLst>
+              <a:ext uri="{FF2B5EF4-FFF2-40B4-BE49-F238E27FC236}">
+                <a16:creationId xmlns:a16="http://schemas.microsoft.com/office/drawing/2014/main" id="{6C7D9011-D631-3335-93A5-B2BD13DFC2BF}"/>
+              </a:ext>
+            </a:extLst>
+          </p:cNvPr>
+          <p:cNvSpPr txBox="1"/>
+          <p:nvPr/>
+        </p:nvSpPr>
+        <p:spPr>
+          <a:xfrm>
+            <a:off x="331694" y="177505"/>
+            <a:ext cx="2826415" cy="523220"/>
+          </a:xfrm>
+          <a:prstGeom prst="rect">
+            <a:avLst/>
+          </a:prstGeom>
+          <a:noFill/>
+        </p:spPr>
+        <p:txBody>
+          <a:bodyPr wrap="none" rtlCol="0">
+            <a:spAutoFit/>
+          </a:bodyPr>
+          <a:lstStyle/>
+          <a:p>
+            <a:r>
+              <a:rPr lang="en-US" altLang="ko-KR" sz="2800" dirty="0">
+                <a:latin typeface="나눔스퀘어 Bold" panose="020B0600000101010101" pitchFamily="50" charset="-127"/>
+                <a:ea typeface="나눔스퀘어 Bold" panose="020B0600000101010101" pitchFamily="50" charset="-127"/>
+              </a:rPr>
+              <a:t>DS</a:t>
+            </a:r>
+            <a:r>
+              <a:rPr lang="ko-KR" altLang="en-US" sz="2800" dirty="0">
+                <a:latin typeface="나눔스퀘어 Bold" panose="020B0600000101010101" pitchFamily="50" charset="-127"/>
+                <a:ea typeface="나눔스퀘어 Bold" panose="020B0600000101010101" pitchFamily="50" charset="-127"/>
+              </a:rPr>
+              <a:t> </a:t>
+            </a:r>
+            <a:r>
+              <a:rPr lang="en-US" altLang="ko-KR" sz="2800" dirty="0">
+                <a:latin typeface="나눔스퀘어 Bold" panose="020B0600000101010101" pitchFamily="50" charset="-127"/>
+                <a:ea typeface="나눔스퀘어 Bold" panose="020B0600000101010101" pitchFamily="50" charset="-127"/>
+              </a:rPr>
+              <a:t>– 2164 </a:t>
+            </a:r>
+            <a:r>
+              <a:rPr lang="ko-KR" altLang="en-US" sz="2800" dirty="0">
+                <a:latin typeface="나눔스퀘어 Bold" panose="020B0600000101010101" pitchFamily="50" charset="-127"/>
+                <a:ea typeface="나눔스퀘어 Bold" panose="020B0600000101010101" pitchFamily="50" charset="-127"/>
+              </a:rPr>
+              <a:t>카드</a:t>
+            </a:r>
+            <a:r>
+              <a:rPr lang="en-US" altLang="ko-KR" sz="2800" dirty="0">
+                <a:latin typeface="나눔스퀘어 Bold" panose="020B0600000101010101" pitchFamily="50" charset="-127"/>
+                <a:ea typeface="나눔스퀘어 Bold" panose="020B0600000101010101" pitchFamily="50" charset="-127"/>
+              </a:rPr>
+              <a:t>2</a:t>
+            </a:r>
+            <a:endParaRPr lang="ko-KR" altLang="en-US" sz="2800" dirty="0">
+              <a:latin typeface="나눔스퀘어 Bold" panose="020B0600000101010101" pitchFamily="50" charset="-127"/>
+              <a:ea typeface="나눔스퀘어 Bold" panose="020B0600000101010101" pitchFamily="50" charset="-127"/>
+            </a:endParaRPr>
+          </a:p>
+        </p:txBody>
+      </p:sp>
+    </p:spTree>
+    <p:extLst>
+      <p:ext uri="{BB962C8B-B14F-4D97-AF65-F5344CB8AC3E}">
+        <p14:creationId xmlns:p14="http://schemas.microsoft.com/office/powerpoint/2010/main" val="1899511053"/>
+      </p:ext>
+    </p:extLst>
+  </p:cSld>
+  <p:clrMapOvr>
+    <a:masterClrMapping/>
+  </p:clrMapOvr>
+</p:sld>
+</file>
+
+<file path=ppt/slides/slide24.xml><?xml version="1.0" encoding="utf-8"?>
+<p:sld xmlns:a="http://schemas.openxmlformats.org/drawingml/2006/main" xmlns:r="http://schemas.openxmlformats.org/officeDocument/2006/relationships" xmlns:p="http://schemas.openxmlformats.org/presentationml/2006/main">
+  <p:cSld>
+    <p:spTree>
+      <p:nvGrpSpPr>
+        <p:cNvPr id="1" name=""/>
+        <p:cNvGrpSpPr/>
+        <p:nvPr/>
+      </p:nvGrpSpPr>
+      <p:grpSpPr>
+        <a:xfrm>
+          <a:off x="0" y="0"/>
+          <a:ext cx="0" cy="0"/>
+          <a:chOff x="0" y="0"/>
+          <a:chExt cx="0" cy="0"/>
+        </a:xfrm>
+      </p:grpSpPr>
+      <p:cxnSp>
+        <p:nvCxnSpPr>
+          <p:cNvPr id="5" name="직선 연결선 4">
+            <a:extLst>
+              <a:ext uri="{FF2B5EF4-FFF2-40B4-BE49-F238E27FC236}">
+                <a16:creationId xmlns:a16="http://schemas.microsoft.com/office/drawing/2014/main" id="{164C2827-EFCE-69A4-D037-1A218415F568}"/>
+              </a:ext>
+            </a:extLst>
+          </p:cNvPr>
+          <p:cNvCxnSpPr/>
+          <p:nvPr/>
+        </p:nvCxnSpPr>
+        <p:spPr>
+          <a:xfrm>
+            <a:off x="0" y="887505"/>
+            <a:ext cx="10237694" cy="0"/>
+          </a:xfrm>
+          <a:prstGeom prst="line">
+            <a:avLst/>
+          </a:prstGeom>
+          <a:ln w="76200">
+            <a:solidFill>
+              <a:schemeClr val="tx1">
+                <a:lumMod val="75000"/>
+                <a:lumOff val="25000"/>
+              </a:schemeClr>
+            </a:solidFill>
+          </a:ln>
+        </p:spPr>
+        <p:style>
+          <a:lnRef idx="1">
+            <a:schemeClr val="accent1"/>
+          </a:lnRef>
+          <a:fillRef idx="0">
+            <a:schemeClr val="accent1"/>
+          </a:fillRef>
+          <a:effectRef idx="0">
+            <a:schemeClr val="accent1"/>
+          </a:effectRef>
+          <a:fontRef idx="minor">
+            <a:schemeClr val="tx1"/>
+          </a:fontRef>
+        </p:style>
+      </p:cxnSp>
+      <p:sp>
+        <p:nvSpPr>
+          <p:cNvPr id="6" name="TextBox 5">
+            <a:extLst>
+              <a:ext uri="{FF2B5EF4-FFF2-40B4-BE49-F238E27FC236}">
+                <a16:creationId xmlns:a16="http://schemas.microsoft.com/office/drawing/2014/main" id="{908ED9B9-09D3-CFA8-625A-6F9BB9B6BD23}"/>
+              </a:ext>
+            </a:extLst>
+          </p:cNvPr>
+          <p:cNvSpPr txBox="1"/>
+          <p:nvPr/>
+        </p:nvSpPr>
+        <p:spPr>
+          <a:xfrm>
+            <a:off x="331694" y="177505"/>
+            <a:ext cx="2006190" cy="523220"/>
+          </a:xfrm>
+          <a:prstGeom prst="rect">
+            <a:avLst/>
+          </a:prstGeom>
+          <a:noFill/>
+        </p:spPr>
+        <p:txBody>
+          <a:bodyPr wrap="none" rtlCol="0">
+            <a:spAutoFit/>
+          </a:bodyPr>
+          <a:lstStyle/>
+          <a:p>
+            <a:r>
+              <a:rPr lang="en-US" altLang="ko-KR" sz="2800" dirty="0">
+                <a:latin typeface="나눔스퀘어 Bold" panose="020B0600000101010101" pitchFamily="50" charset="-127"/>
+                <a:ea typeface="나눔스퀘어 Bold" panose="020B0600000101010101" pitchFamily="50" charset="-127"/>
+              </a:rPr>
+              <a:t>Homework</a:t>
+            </a:r>
+            <a:endParaRPr lang="ko-KR" altLang="en-US" sz="2800" dirty="0">
+              <a:latin typeface="나눔스퀘어 Bold" panose="020B0600000101010101" pitchFamily="50" charset="-127"/>
+              <a:ea typeface="나눔스퀘어 Bold" panose="020B0600000101010101" pitchFamily="50" charset="-127"/>
+            </a:endParaRPr>
+          </a:p>
+        </p:txBody>
+      </p:sp>
+      <p:sp>
+        <p:nvSpPr>
+          <p:cNvPr id="7" name="TextBox 6">
+            <a:extLst>
+              <a:ext uri="{FF2B5EF4-FFF2-40B4-BE49-F238E27FC236}">
+                <a16:creationId xmlns:a16="http://schemas.microsoft.com/office/drawing/2014/main" id="{DD092523-43DA-0A5F-0C04-8239F4BF07FC}"/>
+              </a:ext>
+            </a:extLst>
+          </p:cNvPr>
+          <p:cNvSpPr txBox="1"/>
+          <p:nvPr/>
+        </p:nvSpPr>
+        <p:spPr>
+          <a:xfrm>
+            <a:off x="942387" y="1661364"/>
+            <a:ext cx="8553305" cy="369332"/>
+          </a:xfrm>
+          <a:prstGeom prst="rect">
+            <a:avLst/>
+          </a:prstGeom>
+          <a:noFill/>
+        </p:spPr>
+        <p:txBody>
+          <a:bodyPr wrap="square" rtlCol="0">
+            <a:spAutoFit/>
+          </a:bodyPr>
+          <a:lstStyle/>
+          <a:p>
+            <a:r>
+              <a:rPr lang="en-US" altLang="ko-KR" dirty="0">
+                <a:latin typeface="나눔스퀘어 Light" panose="020B0600000101010101" pitchFamily="50" charset="-127"/>
+                <a:ea typeface="나눔스퀘어 Light" panose="020B0600000101010101" pitchFamily="50" charset="-127"/>
+              </a:rPr>
+              <a:t>1. 4949 </a:t>
+            </a:r>
+            <a:r>
+              <a:rPr lang="ko-KR" altLang="en-US" dirty="0" err="1">
+                <a:latin typeface="나눔스퀘어 Light" panose="020B0600000101010101" pitchFamily="50" charset="-127"/>
+                <a:ea typeface="나눔스퀘어 Light" panose="020B0600000101010101" pitchFamily="50" charset="-127"/>
+              </a:rPr>
+              <a:t>균형잡힌</a:t>
+            </a:r>
+            <a:r>
+              <a:rPr lang="ko-KR" altLang="en-US" dirty="0">
+                <a:latin typeface="나눔스퀘어 Light" panose="020B0600000101010101" pitchFamily="50" charset="-127"/>
+                <a:ea typeface="나눔스퀘어 Light" panose="020B0600000101010101" pitchFamily="50" charset="-127"/>
+              </a:rPr>
+              <a:t> 세상</a:t>
+            </a:r>
+          </a:p>
+        </p:txBody>
+      </p:sp>
+      <p:sp>
+        <p:nvSpPr>
+          <p:cNvPr id="8" name="TextBox 7">
+            <a:extLst>
+              <a:ext uri="{FF2B5EF4-FFF2-40B4-BE49-F238E27FC236}">
+                <a16:creationId xmlns:a16="http://schemas.microsoft.com/office/drawing/2014/main" id="{80045CCB-6E92-45F3-05E2-D9718BBAEE86}"/>
+              </a:ext>
+            </a:extLst>
+          </p:cNvPr>
+          <p:cNvSpPr txBox="1"/>
+          <p:nvPr/>
+        </p:nvSpPr>
+        <p:spPr>
+          <a:xfrm>
+            <a:off x="942387" y="2030696"/>
+            <a:ext cx="8553305" cy="369332"/>
+          </a:xfrm>
+          <a:prstGeom prst="rect">
+            <a:avLst/>
+          </a:prstGeom>
+          <a:noFill/>
+        </p:spPr>
+        <p:txBody>
+          <a:bodyPr wrap="square" rtlCol="0">
+            <a:spAutoFit/>
+          </a:bodyPr>
+          <a:lstStyle/>
+          <a:p>
+            <a:r>
+              <a:rPr lang="en-US" altLang="ko-KR" dirty="0">
+                <a:latin typeface="나눔스퀘어 Light" panose="020B0600000101010101" pitchFamily="50" charset="-127"/>
+                <a:ea typeface="나눔스퀘어 Light" panose="020B0600000101010101" pitchFamily="50" charset="-127"/>
+              </a:rPr>
+              <a:t>2. 10773 </a:t>
+            </a:r>
+            <a:r>
+              <a:rPr lang="ko-KR" altLang="en-US" dirty="0">
+                <a:latin typeface="나눔스퀘어 Light" panose="020B0600000101010101" pitchFamily="50" charset="-127"/>
+                <a:ea typeface="나눔스퀘어 Light" panose="020B0600000101010101" pitchFamily="50" charset="-127"/>
+              </a:rPr>
+              <a:t>제로</a:t>
+            </a:r>
+          </a:p>
+        </p:txBody>
+      </p:sp>
+      <p:sp>
+        <p:nvSpPr>
+          <p:cNvPr id="9" name="TextBox 8">
+            <a:extLst>
+              <a:ext uri="{FF2B5EF4-FFF2-40B4-BE49-F238E27FC236}">
+                <a16:creationId xmlns:a16="http://schemas.microsoft.com/office/drawing/2014/main" id="{F3F091EF-3E70-16E8-983D-D9C14C2EAD61}"/>
+              </a:ext>
+            </a:extLst>
+          </p:cNvPr>
+          <p:cNvSpPr txBox="1"/>
+          <p:nvPr/>
+        </p:nvSpPr>
+        <p:spPr>
+          <a:xfrm>
+            <a:off x="942387" y="1190024"/>
+            <a:ext cx="8553305" cy="369332"/>
+          </a:xfrm>
+          <a:prstGeom prst="rect">
+            <a:avLst/>
+          </a:prstGeom>
+          <a:noFill/>
+        </p:spPr>
+        <p:txBody>
+          <a:bodyPr wrap="square" rtlCol="0">
+            <a:spAutoFit/>
+          </a:bodyPr>
+          <a:lstStyle/>
+          <a:p>
+            <a:r>
+              <a:rPr lang="ko-KR" altLang="en-US" dirty="0">
+                <a:latin typeface="나눔스퀘어 Bold" panose="020B0600000101010101" pitchFamily="50" charset="-127"/>
+                <a:ea typeface="나눔스퀘어 Bold" panose="020B0600000101010101" pitchFamily="50" charset="-127"/>
+              </a:rPr>
+              <a:t>아래 문제들에 대해 스스로 생각하고 풀어보세요</a:t>
+            </a:r>
+            <a:r>
+              <a:rPr lang="en-US" altLang="ko-KR" dirty="0">
+                <a:latin typeface="나눔스퀘어 Bold" panose="020B0600000101010101" pitchFamily="50" charset="-127"/>
+                <a:ea typeface="나눔스퀘어 Bold" panose="020B0600000101010101" pitchFamily="50" charset="-127"/>
+              </a:rPr>
+              <a:t>.</a:t>
+            </a:r>
+            <a:r>
+              <a:rPr lang="ko-KR" altLang="en-US" dirty="0">
+                <a:latin typeface="나눔스퀘어 Bold" panose="020B0600000101010101" pitchFamily="50" charset="-127"/>
+                <a:ea typeface="나눔스퀘어 Bold" panose="020B0600000101010101" pitchFamily="50" charset="-127"/>
+              </a:rPr>
+              <a:t> </a:t>
+            </a:r>
+            <a:r>
+              <a:rPr lang="en-US" altLang="ko-KR" dirty="0">
+                <a:latin typeface="나눔스퀘어 Bold" panose="020B0600000101010101" pitchFamily="50" charset="-127"/>
+                <a:ea typeface="나눔스퀘어 Bold" panose="020B0600000101010101" pitchFamily="50" charset="-127"/>
+              </a:rPr>
+              <a:t>(</a:t>
+            </a:r>
+            <a:r>
+              <a:rPr lang="ko-KR" altLang="en-US" dirty="0">
+                <a:latin typeface="나눔스퀘어 Bold" panose="020B0600000101010101" pitchFamily="50" charset="-127"/>
+                <a:ea typeface="나눔스퀘어 Bold" panose="020B0600000101010101" pitchFamily="50" charset="-127"/>
+              </a:rPr>
+              <a:t>해설은 따로 진행하진 않겠습니다</a:t>
+            </a:r>
+            <a:r>
+              <a:rPr lang="en-US" altLang="ko-KR" dirty="0">
+                <a:latin typeface="나눔스퀘어 Bold" panose="020B0600000101010101" pitchFamily="50" charset="-127"/>
+                <a:ea typeface="나눔스퀘어 Bold" panose="020B0600000101010101" pitchFamily="50" charset="-127"/>
+              </a:rPr>
+              <a:t>.)</a:t>
+            </a:r>
+            <a:endParaRPr lang="ko-KR" altLang="en-US" dirty="0">
+              <a:latin typeface="나눔스퀘어 Bold" panose="020B0600000101010101" pitchFamily="50" charset="-127"/>
+              <a:ea typeface="나눔스퀘어 Bold" panose="020B0600000101010101" pitchFamily="50" charset="-127"/>
+            </a:endParaRPr>
+          </a:p>
+        </p:txBody>
+      </p:sp>
+      <p:sp>
+        <p:nvSpPr>
+          <p:cNvPr id="11" name="TextBox 10">
+            <a:extLst>
+              <a:ext uri="{FF2B5EF4-FFF2-40B4-BE49-F238E27FC236}">
+                <a16:creationId xmlns:a16="http://schemas.microsoft.com/office/drawing/2014/main" id="{CDF0922C-4F6F-DB5B-EC8F-F56AF894275F}"/>
+              </a:ext>
+            </a:extLst>
+          </p:cNvPr>
+          <p:cNvSpPr txBox="1"/>
+          <p:nvPr/>
+        </p:nvSpPr>
+        <p:spPr>
+          <a:xfrm>
+            <a:off x="942387" y="3378992"/>
+            <a:ext cx="10237694" cy="369332"/>
+          </a:xfrm>
+          <a:prstGeom prst="rect">
+            <a:avLst/>
+          </a:prstGeom>
+          <a:noFill/>
+        </p:spPr>
+        <p:txBody>
+          <a:bodyPr wrap="square" rtlCol="0">
+            <a:spAutoFit/>
+          </a:bodyPr>
+          <a:lstStyle/>
+          <a:p>
+            <a:r>
+              <a:rPr lang="ko-KR" altLang="en-US" dirty="0">
+                <a:latin typeface="나눔스퀘어 Bold" panose="020B0600000101010101" pitchFamily="50" charset="-127"/>
+                <a:ea typeface="나눔스퀘어 Bold" panose="020B0600000101010101" pitchFamily="50" charset="-127"/>
+              </a:rPr>
+              <a:t>이진 트리에 대해 공부</a:t>
+            </a:r>
+            <a:r>
+              <a:rPr lang="en-US" altLang="ko-KR" dirty="0">
+                <a:latin typeface="나눔스퀘어 Bold" panose="020B0600000101010101" pitchFamily="50" charset="-127"/>
+                <a:ea typeface="나눔스퀘어 Bold" panose="020B0600000101010101" pitchFamily="50" charset="-127"/>
+              </a:rPr>
+              <a:t>, </a:t>
+            </a:r>
+            <a:r>
+              <a:rPr lang="ko-KR" altLang="en-US" dirty="0">
+                <a:latin typeface="나눔스퀘어 Bold" panose="020B0600000101010101" pitchFamily="50" charset="-127"/>
+                <a:ea typeface="나눔스퀘어 Bold" panose="020B0600000101010101" pitchFamily="50" charset="-127"/>
+              </a:rPr>
+              <a:t>구현</a:t>
+            </a:r>
+            <a:r>
+              <a:rPr lang="en-US" altLang="ko-KR" dirty="0">
+                <a:latin typeface="나눔스퀘어 Bold" panose="020B0600000101010101" pitchFamily="50" charset="-127"/>
+                <a:ea typeface="나눔스퀘어 Bold" panose="020B0600000101010101" pitchFamily="50" charset="-127"/>
+              </a:rPr>
+              <a:t>, </a:t>
+            </a:r>
+            <a:r>
+              <a:rPr lang="ko-KR" altLang="en-US" dirty="0">
+                <a:latin typeface="나눔스퀘어 Bold" panose="020B0600000101010101" pitchFamily="50" charset="-127"/>
+                <a:ea typeface="나눔스퀘어 Bold" panose="020B0600000101010101" pitchFamily="50" charset="-127"/>
+              </a:rPr>
+              <a:t>조사 해보세요</a:t>
+            </a:r>
+            <a:r>
+              <a:rPr lang="en-US" altLang="ko-KR" dirty="0">
+                <a:latin typeface="나눔스퀘어 Bold" panose="020B0600000101010101" pitchFamily="50" charset="-127"/>
+                <a:ea typeface="나눔스퀘어 Bold" panose="020B0600000101010101" pitchFamily="50" charset="-127"/>
+              </a:rPr>
+              <a:t>.</a:t>
+            </a:r>
+            <a:endParaRPr lang="ko-KR" altLang="en-US" dirty="0">
+              <a:latin typeface="나눔스퀘어 Bold" panose="020B0600000101010101" pitchFamily="50" charset="-127"/>
+              <a:ea typeface="나눔스퀘어 Bold" panose="020B0600000101010101" pitchFamily="50" charset="-127"/>
+            </a:endParaRPr>
+          </a:p>
+        </p:txBody>
+      </p:sp>
+      <p:sp>
+        <p:nvSpPr>
+          <p:cNvPr id="12" name="TextBox 11">
+            <a:extLst>
+              <a:ext uri="{FF2B5EF4-FFF2-40B4-BE49-F238E27FC236}">
+                <a16:creationId xmlns:a16="http://schemas.microsoft.com/office/drawing/2014/main" id="{1D90656A-EA8C-C93D-45FA-EC08FF6F6A51}"/>
+              </a:ext>
+            </a:extLst>
+          </p:cNvPr>
+          <p:cNvSpPr txBox="1"/>
+          <p:nvPr/>
+        </p:nvSpPr>
+        <p:spPr>
+          <a:xfrm>
+            <a:off x="942387" y="3899153"/>
+            <a:ext cx="10237694" cy="369332"/>
+          </a:xfrm>
+          <a:prstGeom prst="rect">
+            <a:avLst/>
+          </a:prstGeom>
+          <a:noFill/>
+        </p:spPr>
+        <p:txBody>
+          <a:bodyPr wrap="square" rtlCol="0">
+            <a:spAutoFit/>
+          </a:bodyPr>
+          <a:lstStyle/>
+          <a:p>
+            <a:r>
+              <a:rPr lang="ko-KR" altLang="en-US" dirty="0">
+                <a:latin typeface="나눔스퀘어 Light" panose="020B0600000101010101" pitchFamily="50" charset="-127"/>
+                <a:ea typeface="나눔스퀘어 Light" panose="020B0600000101010101" pitchFamily="50" charset="-127"/>
+              </a:rPr>
+              <a:t>배열 방식도 좋고</a:t>
+            </a:r>
+            <a:r>
+              <a:rPr lang="en-US" altLang="ko-KR" dirty="0">
+                <a:latin typeface="나눔스퀘어 Light" panose="020B0600000101010101" pitchFamily="50" charset="-127"/>
+                <a:ea typeface="나눔스퀘어 Light" panose="020B0600000101010101" pitchFamily="50" charset="-127"/>
+              </a:rPr>
+              <a:t>, </a:t>
+            </a:r>
+            <a:r>
+              <a:rPr lang="ko-KR" altLang="en-US" dirty="0" err="1">
+                <a:latin typeface="나눔스퀘어 Light" panose="020B0600000101010101" pitchFamily="50" charset="-127"/>
+                <a:ea typeface="나눔스퀘어 Light" panose="020B0600000101010101" pitchFamily="50" charset="-127"/>
+              </a:rPr>
+              <a:t>링크드</a:t>
+            </a:r>
+            <a:r>
+              <a:rPr lang="ko-KR" altLang="en-US" dirty="0">
+                <a:latin typeface="나눔스퀘어 Light" panose="020B0600000101010101" pitchFamily="50" charset="-127"/>
+                <a:ea typeface="나눔스퀘어 Light" panose="020B0600000101010101" pitchFamily="50" charset="-127"/>
+              </a:rPr>
+              <a:t> 리스트를 사용해 구현해도 좋습니다</a:t>
+            </a:r>
+            <a:r>
+              <a:rPr lang="en-US" altLang="ko-KR" dirty="0">
+                <a:latin typeface="나눔스퀘어 Light" panose="020B0600000101010101" pitchFamily="50" charset="-127"/>
+                <a:ea typeface="나눔스퀘어 Light" panose="020B0600000101010101" pitchFamily="50" charset="-127"/>
+              </a:rPr>
+              <a:t>.</a:t>
+            </a:r>
+            <a:endParaRPr lang="ko-KR" altLang="en-US" dirty="0">
+              <a:latin typeface="나눔스퀘어 Light" panose="020B0600000101010101" pitchFamily="50" charset="-127"/>
+              <a:ea typeface="나눔스퀘어 Light" panose="020B0600000101010101" pitchFamily="50" charset="-127"/>
+            </a:endParaRPr>
+          </a:p>
+        </p:txBody>
+      </p:sp>
+      <p:sp>
+        <p:nvSpPr>
+          <p:cNvPr id="2" name="TextBox 1">
+            <a:extLst>
+              <a:ext uri="{FF2B5EF4-FFF2-40B4-BE49-F238E27FC236}">
+                <a16:creationId xmlns:a16="http://schemas.microsoft.com/office/drawing/2014/main" id="{807C3CD1-8E1B-427F-230D-9C7C2837C1F2}"/>
+              </a:ext>
+            </a:extLst>
+          </p:cNvPr>
+          <p:cNvSpPr txBox="1"/>
+          <p:nvPr/>
+        </p:nvSpPr>
+        <p:spPr>
+          <a:xfrm>
+            <a:off x="942387" y="2400024"/>
+            <a:ext cx="8553305" cy="369332"/>
+          </a:xfrm>
+          <a:prstGeom prst="rect">
+            <a:avLst/>
+          </a:prstGeom>
+          <a:noFill/>
+        </p:spPr>
+        <p:txBody>
+          <a:bodyPr wrap="square" rtlCol="0">
+            <a:spAutoFit/>
+          </a:bodyPr>
+          <a:lstStyle/>
+          <a:p>
+            <a:r>
+              <a:rPr lang="en-US" altLang="ko-KR" dirty="0">
+                <a:latin typeface="나눔스퀘어 Light" panose="020B0600000101010101" pitchFamily="50" charset="-127"/>
+                <a:ea typeface="나눔스퀘어 Light" panose="020B0600000101010101" pitchFamily="50" charset="-127"/>
+              </a:rPr>
+              <a:t>3. 15828 Router</a:t>
+            </a:r>
+            <a:endParaRPr lang="ko-KR" altLang="en-US" dirty="0">
+              <a:latin typeface="나눔스퀘어 Light" panose="020B0600000101010101" pitchFamily="50" charset="-127"/>
+              <a:ea typeface="나눔스퀘어 Light" panose="020B0600000101010101" pitchFamily="50" charset="-127"/>
+            </a:endParaRPr>
+          </a:p>
+        </p:txBody>
+      </p:sp>
+      <p:sp>
+        <p:nvSpPr>
+          <p:cNvPr id="10" name="TextBox 9">
+            <a:extLst>
+              <a:ext uri="{FF2B5EF4-FFF2-40B4-BE49-F238E27FC236}">
+                <a16:creationId xmlns:a16="http://schemas.microsoft.com/office/drawing/2014/main" id="{C572282D-23DE-9D59-D1DB-6011A80C631D}"/>
+              </a:ext>
+            </a:extLst>
+          </p:cNvPr>
+          <p:cNvSpPr txBox="1"/>
+          <p:nvPr/>
+        </p:nvSpPr>
+        <p:spPr>
+          <a:xfrm>
+            <a:off x="942387" y="4268485"/>
+            <a:ext cx="10237694" cy="369332"/>
+          </a:xfrm>
+          <a:prstGeom prst="rect">
+            <a:avLst/>
+          </a:prstGeom>
+          <a:noFill/>
+        </p:spPr>
+        <p:txBody>
+          <a:bodyPr wrap="square" rtlCol="0">
+            <a:spAutoFit/>
+          </a:bodyPr>
+          <a:lstStyle/>
+          <a:p>
+            <a:r>
+              <a:rPr lang="en-US" altLang="ko-KR" dirty="0">
+                <a:latin typeface="나눔스퀘어 Light" panose="020B0600000101010101" pitchFamily="50" charset="-127"/>
+                <a:ea typeface="나눔스퀘어 Light" panose="020B0600000101010101" pitchFamily="50" charset="-127"/>
+              </a:rPr>
+              <a:t>DS</a:t>
+            </a:r>
+            <a:r>
+              <a:rPr lang="ko-KR" altLang="en-US" dirty="0">
+                <a:latin typeface="나눔스퀘어 Light" panose="020B0600000101010101" pitchFamily="50" charset="-127"/>
+                <a:ea typeface="나눔스퀘어 Light" panose="020B0600000101010101" pitchFamily="50" charset="-127"/>
+              </a:rPr>
+              <a:t> </a:t>
+            </a:r>
+            <a:r>
+              <a:rPr lang="en-US" altLang="ko-KR" dirty="0">
+                <a:latin typeface="나눔스퀘어 Light" panose="020B0600000101010101" pitchFamily="50" charset="-127"/>
+                <a:ea typeface="나눔스퀘어 Light" panose="020B0600000101010101" pitchFamily="50" charset="-127"/>
+              </a:rPr>
+              <a:t>/</a:t>
+            </a:r>
+            <a:r>
+              <a:rPr lang="ko-KR" altLang="en-US" dirty="0">
+                <a:latin typeface="나눔스퀘어 Light" panose="020B0600000101010101" pitchFamily="50" charset="-127"/>
+                <a:ea typeface="나눔스퀘어 Light" panose="020B0600000101010101" pitchFamily="50" charset="-127"/>
+              </a:rPr>
+              <a:t> </a:t>
+            </a:r>
+            <a:r>
+              <a:rPr lang="en-US" altLang="ko-KR" dirty="0">
+                <a:latin typeface="나눔스퀘어 Light" panose="020B0600000101010101" pitchFamily="50" charset="-127"/>
+                <a:ea typeface="나눔스퀘어 Light" panose="020B0600000101010101" pitchFamily="50" charset="-127"/>
+              </a:rPr>
+              <a:t>Algorithm</a:t>
+            </a:r>
+            <a:r>
+              <a:rPr lang="ko-KR" altLang="en-US" dirty="0">
+                <a:latin typeface="나눔스퀘어 Light" panose="020B0600000101010101" pitchFamily="50" charset="-127"/>
+                <a:ea typeface="나눔스퀘어 Light" panose="020B0600000101010101" pitchFamily="50" charset="-127"/>
+              </a:rPr>
+              <a:t> 수업 때 해보셨던 분들은 생략해도 좋습니다</a:t>
+            </a:r>
+            <a:r>
+              <a:rPr lang="en-US" altLang="ko-KR">
+                <a:latin typeface="나눔스퀘어 Light" panose="020B0600000101010101" pitchFamily="50" charset="-127"/>
+                <a:ea typeface="나눔스퀘어 Light" panose="020B0600000101010101" pitchFamily="50" charset="-127"/>
+              </a:rPr>
+              <a:t>.</a:t>
+            </a:r>
+            <a:endParaRPr lang="ko-KR" altLang="en-US" dirty="0">
+              <a:latin typeface="나눔스퀘어 Light" panose="020B0600000101010101" pitchFamily="50" charset="-127"/>
+              <a:ea typeface="나눔스퀘어 Light" panose="020B0600000101010101" pitchFamily="50" charset="-127"/>
+            </a:endParaRPr>
+          </a:p>
+        </p:txBody>
+      </p:sp>
+      <p:sp>
+        <p:nvSpPr>
+          <p:cNvPr id="4" name="TextBox 3">
+            <a:extLst>
+              <a:ext uri="{FF2B5EF4-FFF2-40B4-BE49-F238E27FC236}">
+                <a16:creationId xmlns:a16="http://schemas.microsoft.com/office/drawing/2014/main" id="{1FFB0E97-045D-CAE2-D4D4-F6AFF27F568B}"/>
+              </a:ext>
+            </a:extLst>
+          </p:cNvPr>
+          <p:cNvSpPr txBox="1"/>
+          <p:nvPr/>
+        </p:nvSpPr>
+        <p:spPr>
+          <a:xfrm>
+            <a:off x="942387" y="2775391"/>
+            <a:ext cx="8553305" cy="369332"/>
+          </a:xfrm>
+          <a:prstGeom prst="rect">
+            <a:avLst/>
+          </a:prstGeom>
+          <a:noFill/>
+        </p:spPr>
+        <p:txBody>
+          <a:bodyPr wrap="square" rtlCol="0">
+            <a:spAutoFit/>
+          </a:bodyPr>
+          <a:lstStyle/>
+          <a:p>
+            <a:r>
+              <a:rPr lang="en-US" altLang="ko-KR" dirty="0">
+                <a:latin typeface="나눔스퀘어 Light" panose="020B0600000101010101" pitchFamily="50" charset="-127"/>
+                <a:ea typeface="나눔스퀘어 Light" panose="020B0600000101010101" pitchFamily="50" charset="-127"/>
+              </a:rPr>
+              <a:t>4. </a:t>
+            </a:r>
+            <a:endParaRPr lang="ko-KR" altLang="en-US" dirty="0">
+              <a:latin typeface="나눔스퀘어 Light" panose="020B0600000101010101" pitchFamily="50" charset="-127"/>
+              <a:ea typeface="나눔스퀘어 Light" panose="020B0600000101010101" pitchFamily="50" charset="-127"/>
+            </a:endParaRPr>
+          </a:p>
+        </p:txBody>
+      </p:sp>
+      <p:sp>
+        <p:nvSpPr>
+          <p:cNvPr id="3" name="TextBox 2">
+            <a:extLst>
+              <a:ext uri="{FF2B5EF4-FFF2-40B4-BE49-F238E27FC236}">
+                <a16:creationId xmlns:a16="http://schemas.microsoft.com/office/drawing/2014/main" id="{F3BF5F63-D9BC-ACFF-9CA6-E8F9B73609D8}"/>
+              </a:ext>
+            </a:extLst>
+          </p:cNvPr>
+          <p:cNvSpPr txBox="1"/>
+          <p:nvPr/>
+        </p:nvSpPr>
+        <p:spPr>
+          <a:xfrm>
+            <a:off x="942387" y="4868519"/>
+            <a:ext cx="10237694" cy="369332"/>
+          </a:xfrm>
+          <a:prstGeom prst="rect">
+            <a:avLst/>
+          </a:prstGeom>
+          <a:noFill/>
+        </p:spPr>
+        <p:txBody>
+          <a:bodyPr wrap="square" rtlCol="0">
+            <a:spAutoFit/>
+          </a:bodyPr>
+          <a:lstStyle/>
+          <a:p>
+            <a:r>
+              <a:rPr lang="ko-KR" altLang="en-US" dirty="0">
+                <a:latin typeface="나눔스퀘어 Bold" panose="020B0600000101010101" pitchFamily="50" charset="-127"/>
+                <a:ea typeface="나눔스퀘어 Bold" panose="020B0600000101010101" pitchFamily="50" charset="-127"/>
+              </a:rPr>
+              <a:t>위에서 구현한 트리의 각 노드들을 어떻게 순회해야 할지 고민해보세요</a:t>
+            </a:r>
+            <a:r>
+              <a:rPr lang="en-US" altLang="ko-KR" dirty="0">
+                <a:latin typeface="나눔스퀘어 Bold" panose="020B0600000101010101" pitchFamily="50" charset="-127"/>
+                <a:ea typeface="나눔스퀘어 Bold" panose="020B0600000101010101" pitchFamily="50" charset="-127"/>
+              </a:rPr>
+              <a:t>.</a:t>
+            </a:r>
+            <a:endParaRPr lang="ko-KR" altLang="en-US" dirty="0">
+              <a:latin typeface="나눔스퀘어 Bold" panose="020B0600000101010101" pitchFamily="50" charset="-127"/>
+              <a:ea typeface="나눔스퀘어 Bold" panose="020B0600000101010101" pitchFamily="50" charset="-127"/>
+            </a:endParaRPr>
+          </a:p>
+        </p:txBody>
+      </p:sp>
+      <p:sp>
+        <p:nvSpPr>
+          <p:cNvPr id="14" name="TextBox 13">
+            <a:extLst>
+              <a:ext uri="{FF2B5EF4-FFF2-40B4-BE49-F238E27FC236}">
+                <a16:creationId xmlns:a16="http://schemas.microsoft.com/office/drawing/2014/main" id="{257C1EC7-2A81-3047-B154-CBC26011C90C}"/>
+              </a:ext>
+            </a:extLst>
+          </p:cNvPr>
+          <p:cNvSpPr txBox="1"/>
+          <p:nvPr/>
+        </p:nvSpPr>
+        <p:spPr>
+          <a:xfrm>
+            <a:off x="942387" y="5468553"/>
+            <a:ext cx="10237694" cy="369332"/>
+          </a:xfrm>
+          <a:prstGeom prst="rect">
+            <a:avLst/>
+          </a:prstGeom>
+          <a:noFill/>
+        </p:spPr>
+        <p:txBody>
+          <a:bodyPr wrap="square" rtlCol="0">
+            <a:spAutoFit/>
+          </a:bodyPr>
+          <a:lstStyle/>
+          <a:p>
+            <a:r>
+              <a:rPr lang="ko-KR" altLang="en-US" dirty="0">
+                <a:latin typeface="나눔스퀘어 Bold" panose="020B0600000101010101" pitchFamily="50" charset="-127"/>
+                <a:ea typeface="나눔스퀘어 Bold" panose="020B0600000101010101" pitchFamily="50" charset="-127"/>
+              </a:rPr>
+              <a:t>만약 트리가 이진 트리가 아니라 </a:t>
+            </a:r>
+            <a:r>
+              <a:rPr lang="en-US" altLang="ko-KR" dirty="0">
+                <a:latin typeface="나눔스퀘어 Bold" panose="020B0600000101010101" pitchFamily="50" charset="-127"/>
+                <a:ea typeface="나눔스퀘어 Bold" panose="020B0600000101010101" pitchFamily="50" charset="-127"/>
+              </a:rPr>
+              <a:t>N</a:t>
+            </a:r>
+            <a:r>
+              <a:rPr lang="ko-KR" altLang="en-US" dirty="0">
+                <a:latin typeface="나눔스퀘어 Bold" panose="020B0600000101010101" pitchFamily="50" charset="-127"/>
+                <a:ea typeface="나눔스퀘어 Bold" panose="020B0600000101010101" pitchFamily="50" charset="-127"/>
+              </a:rPr>
+              <a:t>진 트리라면</a:t>
+            </a:r>
+            <a:r>
+              <a:rPr lang="en-US" altLang="ko-KR" dirty="0">
+                <a:latin typeface="나눔스퀘어 Bold" panose="020B0600000101010101" pitchFamily="50" charset="-127"/>
+                <a:ea typeface="나눔스퀘어 Bold" panose="020B0600000101010101" pitchFamily="50" charset="-127"/>
+              </a:rPr>
+              <a:t>, </a:t>
+            </a:r>
+            <a:r>
+              <a:rPr lang="ko-KR" altLang="en-US" dirty="0">
+                <a:latin typeface="나눔스퀘어 Bold" panose="020B0600000101010101" pitchFamily="50" charset="-127"/>
+                <a:ea typeface="나눔스퀘어 Bold" panose="020B0600000101010101" pitchFamily="50" charset="-127"/>
+              </a:rPr>
+              <a:t>다음 노드들을 어떻게 관리해야 할지 고민해보세요</a:t>
+            </a:r>
+            <a:r>
+              <a:rPr lang="en-US" altLang="ko-KR" dirty="0">
+                <a:latin typeface="나눔스퀘어 Bold" panose="020B0600000101010101" pitchFamily="50" charset="-127"/>
+                <a:ea typeface="나눔스퀘어 Bold" panose="020B0600000101010101" pitchFamily="50" charset="-127"/>
+              </a:rPr>
+              <a:t>.</a:t>
+            </a:r>
+            <a:endParaRPr lang="ko-KR" altLang="en-US" dirty="0">
+              <a:latin typeface="나눔스퀘어 Bold" panose="020B0600000101010101" pitchFamily="50" charset="-127"/>
+              <a:ea typeface="나눔스퀘어 Bold" panose="020B0600000101010101" pitchFamily="50" charset="-127"/>
+            </a:endParaRPr>
+          </a:p>
+        </p:txBody>
+      </p:sp>
+    </p:spTree>
+    <p:extLst>
+      <p:ext uri="{BB962C8B-B14F-4D97-AF65-F5344CB8AC3E}">
+        <p14:creationId xmlns:p14="http://schemas.microsoft.com/office/powerpoint/2010/main" val="732558497"/>
       </p:ext>
     </p:extLst>
   </p:cSld>
@@ -10931,6 +13326,78 @@
           </a:p>
         </p:txBody>
       </p:sp>
+      <p:pic>
+        <p:nvPicPr>
+          <p:cNvPr id="4" name="그림 3">
+            <a:extLst>
+              <a:ext uri="{FF2B5EF4-FFF2-40B4-BE49-F238E27FC236}">
+                <a16:creationId xmlns:a16="http://schemas.microsoft.com/office/drawing/2014/main" id="{7FED0422-A734-E34B-2C8C-FF1CCE389922}"/>
+              </a:ext>
+            </a:extLst>
+          </p:cNvPr>
+          <p:cNvPicPr>
+            <a:picLocks noChangeAspect="1"/>
+          </p:cNvPicPr>
+          <p:nvPr/>
+        </p:nvPicPr>
+        <p:blipFill>
+          <a:blip r:embed="rId2"/>
+          <a:stretch>
+            <a:fillRect/>
+          </a:stretch>
+        </p:blipFill>
+        <p:spPr>
+          <a:xfrm>
+            <a:off x="942387" y="2551787"/>
+            <a:ext cx="6899286" cy="3911595"/>
+          </a:xfrm>
+          <a:prstGeom prst="rect">
+            <a:avLst/>
+          </a:prstGeom>
+        </p:spPr>
+      </p:pic>
+      <p:sp>
+        <p:nvSpPr>
+          <p:cNvPr id="6" name="TextBox 5">
+            <a:extLst>
+              <a:ext uri="{FF2B5EF4-FFF2-40B4-BE49-F238E27FC236}">
+                <a16:creationId xmlns:a16="http://schemas.microsoft.com/office/drawing/2014/main" id="{8D2F6FC0-2501-8C0D-3759-D4AA68696B7F}"/>
+              </a:ext>
+            </a:extLst>
+          </p:cNvPr>
+          <p:cNvSpPr txBox="1"/>
+          <p:nvPr/>
+        </p:nvSpPr>
+        <p:spPr>
+          <a:xfrm>
+            <a:off x="942387" y="2182456"/>
+            <a:ext cx="10237694" cy="369332"/>
+          </a:xfrm>
+          <a:prstGeom prst="rect">
+            <a:avLst/>
+          </a:prstGeom>
+          <a:noFill/>
+        </p:spPr>
+        <p:txBody>
+          <a:bodyPr wrap="square" rtlCol="0">
+            <a:spAutoFit/>
+          </a:bodyPr>
+          <a:lstStyle/>
+          <a:p>
+            <a:r>
+              <a:rPr lang="en-US" altLang="ko-KR" dirty="0">
+                <a:latin typeface="나눔스퀘어 Bold" panose="020B0600000101010101" pitchFamily="50" charset="-127"/>
+                <a:ea typeface="나눔스퀘어 Bold" panose="020B0600000101010101" pitchFamily="50" charset="-127"/>
+              </a:rPr>
+              <a:t>C++</a:t>
+            </a:r>
+            <a:endParaRPr lang="ko-KR" altLang="en-US" dirty="0">
+              <a:latin typeface="나눔스퀘어 Bold" panose="020B0600000101010101" pitchFamily="50" charset="-127"/>
+              <a:ea typeface="나눔스퀘어 Bold" panose="020B0600000101010101" pitchFamily="50" charset="-127"/>
+            </a:endParaRPr>
+          </a:p>
+        </p:txBody>
+      </p:sp>
     </p:spTree>
     <p:extLst>
       <p:ext uri="{BB962C8B-B14F-4D97-AF65-F5344CB8AC3E}">

--- a/study/7_Stack, Queue, List.pptx
+++ b/study/7_Stack, Queue, List.pptx
@@ -17,18 +17,21 @@
     <p:sldId id="402" r:id="rId11"/>
     <p:sldId id="403" r:id="rId12"/>
     <p:sldId id="404" r:id="rId13"/>
-    <p:sldId id="405" r:id="rId14"/>
-    <p:sldId id="407" r:id="rId15"/>
+    <p:sldId id="407" r:id="rId14"/>
+    <p:sldId id="408" r:id="rId15"/>
     <p:sldId id="406" r:id="rId16"/>
-    <p:sldId id="365" r:id="rId17"/>
-    <p:sldId id="366" r:id="rId18"/>
-    <p:sldId id="400" r:id="rId19"/>
-    <p:sldId id="401" r:id="rId20"/>
-    <p:sldId id="277" r:id="rId21"/>
-    <p:sldId id="278" r:id="rId22"/>
-    <p:sldId id="367" r:id="rId23"/>
-    <p:sldId id="368" r:id="rId24"/>
-    <p:sldId id="298" r:id="rId25"/>
+    <p:sldId id="410" r:id="rId17"/>
+    <p:sldId id="411" r:id="rId18"/>
+    <p:sldId id="412" r:id="rId19"/>
+    <p:sldId id="365" r:id="rId20"/>
+    <p:sldId id="366" r:id="rId21"/>
+    <p:sldId id="400" r:id="rId22"/>
+    <p:sldId id="401" r:id="rId23"/>
+    <p:sldId id="277" r:id="rId24"/>
+    <p:sldId id="278" r:id="rId25"/>
+    <p:sldId id="367" r:id="rId26"/>
+    <p:sldId id="368" r:id="rId27"/>
+    <p:sldId id="298" r:id="rId28"/>
   </p:sldIdLst>
   <p:sldSz cx="12192000" cy="6858000"/>
   <p:notesSz cx="6858000" cy="9144000"/>
@@ -4956,7 +4959,7 @@
         <p:spPr>
           <a:xfrm>
             <a:off x="331694" y="177505"/>
-            <a:ext cx="2826415" cy="523220"/>
+            <a:ext cx="5384807" cy="523220"/>
           </a:xfrm>
           <a:prstGeom prst="rect">
             <a:avLst/>
@@ -4974,7 +4977,7 @@
                 <a:latin typeface="나눔스퀘어 Bold" panose="020B0600000101010101" pitchFamily="50" charset="-127"/>
                 <a:ea typeface="나눔스퀘어 Bold" panose="020B0600000101010101" pitchFamily="50" charset="-127"/>
               </a:rPr>
-              <a:t>DS</a:t>
+              <a:t>TMI</a:t>
             </a:r>
             <a:r>
               <a:rPr lang="ko-KR" altLang="en-US" sz="2800" dirty="0">
@@ -4988,204 +4991,63 @@
                 <a:latin typeface="나눔스퀘어 Bold" panose="020B0600000101010101" pitchFamily="50" charset="-127"/>
                 <a:ea typeface="나눔스퀘어 Bold" panose="020B0600000101010101" pitchFamily="50" charset="-127"/>
               </a:rPr>
-              <a:t>– 10828 </a:t>
+              <a:t>– Fast I/O – 15552 </a:t>
             </a:r>
             <a:r>
               <a:rPr lang="ko-KR" altLang="en-US" sz="2800" dirty="0">
                 <a:latin typeface="나눔스퀘어 Bold" panose="020B0600000101010101" pitchFamily="50" charset="-127"/>
                 <a:ea typeface="나눔스퀘어 Bold" panose="020B0600000101010101" pitchFamily="50" charset="-127"/>
               </a:rPr>
-              <a:t>스택</a:t>
-            </a:r>
-          </a:p>
-        </p:txBody>
-      </p:sp>
-      <p:sp>
-        <p:nvSpPr>
-          <p:cNvPr id="6" name="TextBox 5">
-            <a:extLst>
-              <a:ext uri="{FF2B5EF4-FFF2-40B4-BE49-F238E27FC236}">
-                <a16:creationId xmlns:a16="http://schemas.microsoft.com/office/drawing/2014/main" id="{8D2F6FC0-2501-8C0D-3759-D4AA68696B7F}"/>
-              </a:ext>
-            </a:extLst>
-          </p:cNvPr>
-          <p:cNvSpPr txBox="1"/>
-          <p:nvPr/>
-        </p:nvSpPr>
-        <p:spPr>
-          <a:xfrm>
-            <a:off x="942387" y="1190024"/>
-            <a:ext cx="10237694" cy="369332"/>
-          </a:xfrm>
-          <a:prstGeom prst="rect">
-            <a:avLst/>
-          </a:prstGeom>
-          <a:noFill/>
-        </p:spPr>
-        <p:txBody>
-          <a:bodyPr wrap="square" rtlCol="0">
-            <a:spAutoFit/>
-          </a:bodyPr>
-          <a:lstStyle/>
-          <a:p>
-            <a:r>
-              <a:rPr lang="en-US" altLang="ko-KR" dirty="0">
+              <a:t>빠른 </a:t>
+            </a:r>
+            <a:r>
+              <a:rPr lang="en-US" altLang="ko-KR" sz="2800" dirty="0">
                 <a:latin typeface="나눔스퀘어 Bold" panose="020B0600000101010101" pitchFamily="50" charset="-127"/>
                 <a:ea typeface="나눔스퀘어 Bold" panose="020B0600000101010101" pitchFamily="50" charset="-127"/>
               </a:rPr>
-              <a:t>Java</a:t>
-            </a:r>
-            <a:endParaRPr lang="ko-KR" altLang="en-US" dirty="0">
+              <a:t>A+B</a:t>
+            </a:r>
+            <a:endParaRPr lang="ko-KR" altLang="en-US" sz="2800" dirty="0">
               <a:latin typeface="나눔스퀘어 Bold" panose="020B0600000101010101" pitchFamily="50" charset="-127"/>
               <a:ea typeface="나눔스퀘어 Bold" panose="020B0600000101010101" pitchFamily="50" charset="-127"/>
             </a:endParaRPr>
           </a:p>
         </p:txBody>
       </p:sp>
-      <p:sp>
-        <p:nvSpPr>
-          <p:cNvPr id="8" name="TextBox 7">
-            <a:extLst>
-              <a:ext uri="{FF2B5EF4-FFF2-40B4-BE49-F238E27FC236}">
-                <a16:creationId xmlns:a16="http://schemas.microsoft.com/office/drawing/2014/main" id="{CD8E3FED-918B-0B44-8445-0682DD85BCE0}"/>
-              </a:ext>
-            </a:extLst>
-          </p:cNvPr>
-          <p:cNvSpPr txBox="1"/>
-          <p:nvPr/>
-        </p:nvSpPr>
-        <p:spPr>
-          <a:xfrm>
-            <a:off x="942387" y="1559356"/>
-            <a:ext cx="10237694" cy="369332"/>
+      <p:pic>
+        <p:nvPicPr>
+          <p:cNvPr id="9" name="그림 8">
+            <a:extLst>
+              <a:ext uri="{FF2B5EF4-FFF2-40B4-BE49-F238E27FC236}">
+                <a16:creationId xmlns:a16="http://schemas.microsoft.com/office/drawing/2014/main" id="{3914A0BC-AE14-4E26-0DE5-3AADCF46B5AF}"/>
+              </a:ext>
+            </a:extLst>
+          </p:cNvPr>
+          <p:cNvPicPr>
+            <a:picLocks noChangeAspect="1"/>
+          </p:cNvPicPr>
+          <p:nvPr/>
+        </p:nvPicPr>
+        <p:blipFill>
+          <a:blip r:embed="rId2"/>
+          <a:stretch>
+            <a:fillRect/>
+          </a:stretch>
+        </p:blipFill>
+        <p:spPr>
+          <a:xfrm>
+            <a:off x="331694" y="971146"/>
+            <a:ext cx="10237695" cy="5886853"/>
           </a:xfrm>
           <a:prstGeom prst="rect">
             <a:avLst/>
           </a:prstGeom>
-          <a:noFill/>
-        </p:spPr>
-        <p:txBody>
-          <a:bodyPr wrap="square" rtlCol="0">
-            <a:spAutoFit/>
-          </a:bodyPr>
-          <a:lstStyle/>
-          <a:p>
-            <a:r>
-              <a:rPr lang="ko-KR" altLang="en-US" dirty="0">
-                <a:latin typeface="나눔스퀘어 Light" panose="020B0600000101010101" pitchFamily="50" charset="-127"/>
-                <a:ea typeface="나눔스퀘어 Light" panose="020B0600000101010101" pitchFamily="50" charset="-127"/>
-              </a:rPr>
-              <a:t>자바의 경우에는</a:t>
-            </a:r>
-            <a:r>
-              <a:rPr lang="en-US" altLang="ko-KR" dirty="0">
-                <a:latin typeface="나눔스퀘어 Light" panose="020B0600000101010101" pitchFamily="50" charset="-127"/>
-                <a:ea typeface="나눔스퀘어 Light" panose="020B0600000101010101" pitchFamily="50" charset="-127"/>
-              </a:rPr>
-              <a:t>, </a:t>
-            </a:r>
-            <a:r>
-              <a:rPr lang="ko-KR" altLang="en-US" dirty="0">
-                <a:latin typeface="나눔스퀘어 Light" panose="020B0600000101010101" pitchFamily="50" charset="-127"/>
-                <a:ea typeface="나눔스퀘어 Light" panose="020B0600000101010101" pitchFamily="50" charset="-127"/>
-              </a:rPr>
-              <a:t>언어에 대해 좀 더 깊게 알아야 합니다</a:t>
-            </a:r>
-            <a:r>
-              <a:rPr lang="en-US" altLang="ko-KR" dirty="0">
-                <a:latin typeface="나눔스퀘어 Light" panose="020B0600000101010101" pitchFamily="50" charset="-127"/>
-                <a:ea typeface="나눔스퀘어 Light" panose="020B0600000101010101" pitchFamily="50" charset="-127"/>
-              </a:rPr>
-              <a:t>.</a:t>
-            </a:r>
-            <a:endParaRPr lang="ko-KR" altLang="en-US" dirty="0">
-              <a:latin typeface="나눔스퀘어 Light" panose="020B0600000101010101" pitchFamily="50" charset="-127"/>
-              <a:ea typeface="나눔스퀘어 Light" panose="020B0600000101010101" pitchFamily="50" charset="-127"/>
-            </a:endParaRPr>
-          </a:p>
-        </p:txBody>
-      </p:sp>
-      <p:sp>
-        <p:nvSpPr>
-          <p:cNvPr id="2" name="TextBox 1">
-            <a:extLst>
-              <a:ext uri="{FF2B5EF4-FFF2-40B4-BE49-F238E27FC236}">
-                <a16:creationId xmlns:a16="http://schemas.microsoft.com/office/drawing/2014/main" id="{40E704B0-281D-430F-3CF6-0E9947008B69}"/>
-              </a:ext>
-            </a:extLst>
-          </p:cNvPr>
-          <p:cNvSpPr txBox="1"/>
-          <p:nvPr/>
-        </p:nvSpPr>
-        <p:spPr>
-          <a:xfrm>
-            <a:off x="942387" y="1928688"/>
-            <a:ext cx="10237694" cy="369332"/>
-          </a:xfrm>
-          <a:prstGeom prst="rect">
-            <a:avLst/>
-          </a:prstGeom>
-          <a:noFill/>
-        </p:spPr>
-        <p:txBody>
-          <a:bodyPr wrap="square" rtlCol="0">
-            <a:spAutoFit/>
-          </a:bodyPr>
-          <a:lstStyle/>
-          <a:p>
-            <a:r>
-              <a:rPr lang="ko-KR" altLang="en-US" dirty="0">
-                <a:latin typeface="나눔스퀘어 Light" panose="020B0600000101010101" pitchFamily="50" charset="-127"/>
-                <a:ea typeface="나눔스퀘어 Light" panose="020B0600000101010101" pitchFamily="50" charset="-127"/>
-              </a:rPr>
-              <a:t>스택 자료구조를 사용하기 위해 </a:t>
-            </a:r>
-            <a:r>
-              <a:rPr lang="en-US" altLang="ko-KR" dirty="0">
-                <a:latin typeface="나눔스퀘어 Light" panose="020B0600000101010101" pitchFamily="50" charset="-127"/>
-                <a:ea typeface="나눔스퀘어 Light" panose="020B0600000101010101" pitchFamily="50" charset="-127"/>
-              </a:rPr>
-              <a:t>Java</a:t>
-            </a:r>
-            <a:r>
-              <a:rPr lang="ko-KR" altLang="en-US" dirty="0">
-                <a:latin typeface="나눔스퀘어 Light" panose="020B0600000101010101" pitchFamily="50" charset="-127"/>
-                <a:ea typeface="나눔스퀘어 Light" panose="020B0600000101010101" pitchFamily="50" charset="-127"/>
-              </a:rPr>
-              <a:t>의 </a:t>
-            </a:r>
-            <a:r>
-              <a:rPr lang="en-US" altLang="ko-KR" dirty="0">
-                <a:latin typeface="나눔스퀘어 Light" panose="020B0600000101010101" pitchFamily="50" charset="-127"/>
-                <a:ea typeface="나눔스퀘어 Light" panose="020B0600000101010101" pitchFamily="50" charset="-127"/>
-              </a:rPr>
-              <a:t>Stack </a:t>
-            </a:r>
-            <a:r>
-              <a:rPr lang="ko-KR" altLang="en-US" dirty="0">
-                <a:latin typeface="나눔스퀘어 Light" panose="020B0600000101010101" pitchFamily="50" charset="-127"/>
-                <a:ea typeface="나눔스퀘어 Light" panose="020B0600000101010101" pitchFamily="50" charset="-127"/>
-              </a:rPr>
-              <a:t>클래스를 사용하는 것은 어쩌면 독이 될 지도 모르는 일입니다</a:t>
-            </a:r>
-            <a:r>
-              <a:rPr lang="en-US" altLang="ko-KR" dirty="0">
-                <a:latin typeface="나눔스퀘어 Light" panose="020B0600000101010101" pitchFamily="50" charset="-127"/>
-                <a:ea typeface="나눔스퀘어 Light" panose="020B0600000101010101" pitchFamily="50" charset="-127"/>
-              </a:rPr>
-              <a:t>.</a:t>
-            </a:r>
-            <a:endParaRPr lang="ko-KR" altLang="en-US" dirty="0">
-              <a:latin typeface="나눔스퀘어 Light" panose="020B0600000101010101" pitchFamily="50" charset="-127"/>
-              <a:ea typeface="나눔스퀘어 Light" panose="020B0600000101010101" pitchFamily="50" charset="-127"/>
-            </a:endParaRPr>
-          </a:p>
-        </p:txBody>
-      </p:sp>
+        </p:spPr>
+      </p:pic>
     </p:spTree>
     <p:extLst>
       <p:ext uri="{BB962C8B-B14F-4D97-AF65-F5344CB8AC3E}">
-        <p14:creationId xmlns:p14="http://schemas.microsoft.com/office/powerpoint/2010/main" val="2461101109"/>
+        <p14:creationId xmlns:p14="http://schemas.microsoft.com/office/powerpoint/2010/main" val="2643629398"/>
       </p:ext>
     </p:extLst>
   </p:cSld>
@@ -5271,7 +5133,7 @@
         <p:spPr>
           <a:xfrm>
             <a:off x="331694" y="177505"/>
-            <a:ext cx="2436886" cy="523220"/>
+            <a:ext cx="5384807" cy="523220"/>
           </a:xfrm>
           <a:prstGeom prst="rect">
             <a:avLst/>
@@ -5303,7 +5165,21 @@
                 <a:latin typeface="나눔스퀘어 Bold" panose="020B0600000101010101" pitchFamily="50" charset="-127"/>
                 <a:ea typeface="나눔스퀘어 Bold" panose="020B0600000101010101" pitchFamily="50" charset="-127"/>
               </a:rPr>
-              <a:t>– Fast I/O</a:t>
+              <a:t>– Fast I/O – 15552 </a:t>
+            </a:r>
+            <a:r>
+              <a:rPr lang="ko-KR" altLang="en-US" sz="2800" dirty="0">
+                <a:latin typeface="나눔스퀘어 Bold" panose="020B0600000101010101" pitchFamily="50" charset="-127"/>
+                <a:ea typeface="나눔스퀘어 Bold" panose="020B0600000101010101" pitchFamily="50" charset="-127"/>
+              </a:rPr>
+              <a:t>빠른 </a:t>
+            </a:r>
+            <a:r>
+              <a:rPr lang="en-US" altLang="ko-KR" sz="2800" dirty="0">
+                <a:latin typeface="나눔스퀘어 Bold" panose="020B0600000101010101" pitchFamily="50" charset="-127"/>
+                <a:ea typeface="나눔스퀘어 Bold" panose="020B0600000101010101" pitchFamily="50" charset="-127"/>
+              </a:rPr>
+              <a:t>A+B</a:t>
             </a:r>
             <a:endParaRPr lang="ko-KR" altLang="en-US" sz="2800" dirty="0">
               <a:latin typeface="나눔스퀘어 Bold" panose="020B0600000101010101" pitchFamily="50" charset="-127"/>
@@ -5314,10 +5190,10 @@
       </p:sp>
       <p:sp>
         <p:nvSpPr>
-          <p:cNvPr id="6" name="TextBox 5">
-            <a:extLst>
-              <a:ext uri="{FF2B5EF4-FFF2-40B4-BE49-F238E27FC236}">
-                <a16:creationId xmlns:a16="http://schemas.microsoft.com/office/drawing/2014/main" id="{8D2F6FC0-2501-8C0D-3759-D4AA68696B7F}"/>
+          <p:cNvPr id="8" name="TextBox 7">
+            <a:extLst>
+              <a:ext uri="{FF2B5EF4-FFF2-40B4-BE49-F238E27FC236}">
+                <a16:creationId xmlns:a16="http://schemas.microsoft.com/office/drawing/2014/main" id="{CD8E3FED-918B-0B44-8445-0682DD85BCE0}"/>
               </a:ext>
             </a:extLst>
           </p:cNvPr>
@@ -5341,67 +5217,39 @@
           <a:lstStyle/>
           <a:p>
             <a:r>
+              <a:rPr lang="ko-KR" altLang="en-US" dirty="0">
+                <a:latin typeface="나눔스퀘어 Light" panose="020B0600000101010101" pitchFamily="50" charset="-127"/>
+                <a:ea typeface="나눔스퀘어 Light" panose="020B0600000101010101" pitchFamily="50" charset="-127"/>
+              </a:rPr>
+              <a:t>방금 전 문제에서 봤듯이</a:t>
+            </a:r>
+            <a:r>
               <a:rPr lang="en-US" altLang="ko-KR" dirty="0">
-                <a:latin typeface="나눔스퀘어 Bold" panose="020B0600000101010101" pitchFamily="50" charset="-127"/>
-                <a:ea typeface="나눔스퀘어 Bold" panose="020B0600000101010101" pitchFamily="50" charset="-127"/>
-              </a:rPr>
-              <a:t>Java</a:t>
-            </a:r>
-            <a:endParaRPr lang="ko-KR" altLang="en-US" dirty="0">
-              <a:latin typeface="나눔스퀘어 Bold" panose="020B0600000101010101" pitchFamily="50" charset="-127"/>
-              <a:ea typeface="나눔스퀘어 Bold" panose="020B0600000101010101" pitchFamily="50" charset="-127"/>
-            </a:endParaRPr>
-          </a:p>
-        </p:txBody>
-      </p:sp>
-      <p:sp>
-        <p:nvSpPr>
-          <p:cNvPr id="8" name="TextBox 7">
-            <a:extLst>
-              <a:ext uri="{FF2B5EF4-FFF2-40B4-BE49-F238E27FC236}">
-                <a16:creationId xmlns:a16="http://schemas.microsoft.com/office/drawing/2014/main" id="{CD8E3FED-918B-0B44-8445-0682DD85BCE0}"/>
-              </a:ext>
-            </a:extLst>
-          </p:cNvPr>
-          <p:cNvSpPr txBox="1"/>
-          <p:nvPr/>
-        </p:nvSpPr>
-        <p:spPr>
-          <a:xfrm>
-            <a:off x="942387" y="1559356"/>
-            <a:ext cx="10237694" cy="369332"/>
-          </a:xfrm>
-          <a:prstGeom prst="rect">
-            <a:avLst/>
-          </a:prstGeom>
-          <a:noFill/>
-        </p:spPr>
-        <p:txBody>
-          <a:bodyPr wrap="square" rtlCol="0">
-            <a:spAutoFit/>
-          </a:bodyPr>
-          <a:lstStyle/>
-          <a:p>
+                <a:latin typeface="나눔스퀘어 Light" panose="020B0600000101010101" pitchFamily="50" charset="-127"/>
+                <a:ea typeface="나눔스퀘어 Light" panose="020B0600000101010101" pitchFamily="50" charset="-127"/>
+              </a:rPr>
+              <a:t>, </a:t>
+            </a:r>
             <a:r>
               <a:rPr lang="ko-KR" altLang="en-US" dirty="0">
                 <a:latin typeface="나눔스퀘어 Light" panose="020B0600000101010101" pitchFamily="50" charset="-127"/>
                 <a:ea typeface="나눔스퀘어 Light" panose="020B0600000101010101" pitchFamily="50" charset="-127"/>
               </a:rPr>
-              <a:t>자바의 경우에는</a:t>
-            </a:r>
-            <a:r>
-              <a:rPr lang="en-US" altLang="ko-KR" dirty="0">
-                <a:latin typeface="나눔스퀘어 Light" panose="020B0600000101010101" pitchFamily="50" charset="-127"/>
-                <a:ea typeface="나눔스퀘어 Light" panose="020B0600000101010101" pitchFamily="50" charset="-127"/>
-              </a:rPr>
-              <a:t>, </a:t>
+              <a:t>언어별로 빠른 입출력을 하는 방법을 </a:t>
+            </a:r>
+            <a:r>
+              <a:rPr lang="ko-KR" altLang="en-US" dirty="0" err="1">
+                <a:latin typeface="나눔스퀘어 Light" panose="020B0600000101010101" pitchFamily="50" charset="-127"/>
+                <a:ea typeface="나눔스퀘어 Light" panose="020B0600000101010101" pitchFamily="50" charset="-127"/>
+              </a:rPr>
+              <a:t>알아두면</a:t>
             </a:r>
             <a:r>
               <a:rPr lang="ko-KR" altLang="en-US" dirty="0">
                 <a:latin typeface="나눔스퀘어 Light" panose="020B0600000101010101" pitchFamily="50" charset="-127"/>
                 <a:ea typeface="나눔스퀘어 Light" panose="020B0600000101010101" pitchFamily="50" charset="-127"/>
               </a:rPr>
-              <a:t>언어에 대해 좀 더 깊게 알아야 합니다</a:t>
+              <a:t> 좋습니다</a:t>
             </a:r>
             <a:r>
               <a:rPr lang="en-US" altLang="ko-KR" dirty="0">
@@ -5431,7 +5279,7 @@
         </p:nvSpPr>
         <p:spPr>
           <a:xfrm>
-            <a:off x="942387" y="1928688"/>
+            <a:off x="942387" y="1559356"/>
             <a:ext cx="10237694" cy="369332"/>
           </a:xfrm>
           <a:prstGeom prst="rect">
@@ -5446,46 +5294,25 @@
           <a:lstStyle/>
           <a:p>
             <a:r>
+              <a:rPr lang="en-US" altLang="ko-KR" dirty="0">
+                <a:latin typeface="나눔스퀘어 Light" panose="020B0600000101010101" pitchFamily="50" charset="-127"/>
+                <a:ea typeface="나눔스퀘어 Light" panose="020B0600000101010101" pitchFamily="50" charset="-127"/>
+              </a:rPr>
+              <a:t>(</a:t>
+            </a:r>
+            <a:r>
               <a:rPr lang="ko-KR" altLang="en-US" dirty="0">
                 <a:latin typeface="나눔스퀘어 Light" panose="020B0600000101010101" pitchFamily="50" charset="-127"/>
                 <a:ea typeface="나눔스퀘어 Light" panose="020B0600000101010101" pitchFamily="50" charset="-127"/>
               </a:rPr>
-              <a:t>스택 자료구조를 사용하기 위해 </a:t>
+              <a:t>모르면 어쩌면 그 문제를 그 언어로 못 풀 수도 있습니다</a:t>
             </a:r>
             <a:r>
               <a:rPr lang="en-US" altLang="ko-KR" dirty="0">
                 <a:latin typeface="나눔스퀘어 Light" panose="020B0600000101010101" pitchFamily="50" charset="-127"/>
                 <a:ea typeface="나눔스퀘어 Light" panose="020B0600000101010101" pitchFamily="50" charset="-127"/>
               </a:rPr>
-              <a:t>Java</a:t>
-            </a:r>
-            <a:r>
-              <a:rPr lang="ko-KR" altLang="en-US" dirty="0">
-                <a:latin typeface="나눔스퀘어 Light" panose="020B0600000101010101" pitchFamily="50" charset="-127"/>
-                <a:ea typeface="나눔스퀘어 Light" panose="020B0600000101010101" pitchFamily="50" charset="-127"/>
-              </a:rPr>
-              <a:t>의 </a:t>
-            </a:r>
-            <a:r>
-              <a:rPr lang="en-US" altLang="ko-KR" dirty="0">
-                <a:latin typeface="나눔스퀘어 Light" panose="020B0600000101010101" pitchFamily="50" charset="-127"/>
-                <a:ea typeface="나눔스퀘어 Light" panose="020B0600000101010101" pitchFamily="50" charset="-127"/>
-              </a:rPr>
-              <a:t>Stack </a:t>
-            </a:r>
-            <a:r>
-              <a:rPr lang="ko-KR" altLang="en-US" dirty="0">
-                <a:latin typeface="나눔스퀘어 Light" panose="020B0600000101010101" pitchFamily="50" charset="-127"/>
-                <a:ea typeface="나눔스퀘어 Light" panose="020B0600000101010101" pitchFamily="50" charset="-127"/>
-              </a:rPr>
-              <a:t>클래스를 사용하는 것은 어쩌면 독이 될 지도 모르는 일입니다</a:t>
-            </a:r>
-            <a:r>
-              <a:rPr lang="en-US" altLang="ko-KR" dirty="0">
-                <a:latin typeface="나눔스퀘어 Light" panose="020B0600000101010101" pitchFamily="50" charset="-127"/>
-                <a:ea typeface="나눔스퀘어 Light" panose="020B0600000101010101" pitchFamily="50" charset="-127"/>
-              </a:rPr>
-              <a:t>.</a:t>
+              <a:t>.)</a:t>
             </a:r>
             <a:endParaRPr lang="ko-KR" altLang="en-US" dirty="0">
               <a:latin typeface="나눔스퀘어 Light" panose="020B0600000101010101" pitchFamily="50" charset="-127"/>
@@ -5494,10 +5321,143 @@
           </a:p>
         </p:txBody>
       </p:sp>
+      <p:sp>
+        <p:nvSpPr>
+          <p:cNvPr id="4" name="TextBox 3">
+            <a:extLst>
+              <a:ext uri="{FF2B5EF4-FFF2-40B4-BE49-F238E27FC236}">
+                <a16:creationId xmlns:a16="http://schemas.microsoft.com/office/drawing/2014/main" id="{3E156E26-D7CF-77EF-95B1-7662CBE3695B}"/>
+              </a:ext>
+            </a:extLst>
+          </p:cNvPr>
+          <p:cNvSpPr txBox="1"/>
+          <p:nvPr/>
+        </p:nvSpPr>
+        <p:spPr>
+          <a:xfrm>
+            <a:off x="942387" y="1928688"/>
+            <a:ext cx="10237694" cy="369332"/>
+          </a:xfrm>
+          <a:prstGeom prst="rect">
+            <a:avLst/>
+          </a:prstGeom>
+          <a:noFill/>
+        </p:spPr>
+        <p:txBody>
+          <a:bodyPr wrap="square" rtlCol="0">
+            <a:spAutoFit/>
+          </a:bodyPr>
+          <a:lstStyle/>
+          <a:p>
+            <a:r>
+              <a:rPr lang="ko-KR" altLang="en-US" dirty="0">
+                <a:latin typeface="나눔스퀘어 Light" panose="020B0600000101010101" pitchFamily="50" charset="-127"/>
+                <a:ea typeface="나눔스퀘어 Light" panose="020B0600000101010101" pitchFamily="50" charset="-127"/>
+              </a:rPr>
+              <a:t>빠른 입출력을 잘 </a:t>
+            </a:r>
+            <a:r>
+              <a:rPr lang="ko-KR" altLang="en-US" dirty="0" err="1">
+                <a:latin typeface="나눔스퀘어 Light" panose="020B0600000101010101" pitchFamily="50" charset="-127"/>
+                <a:ea typeface="나눔스퀘어 Light" panose="020B0600000101010101" pitchFamily="50" charset="-127"/>
+              </a:rPr>
+              <a:t>알아두세요</a:t>
+            </a:r>
+            <a:r>
+              <a:rPr lang="en-US" altLang="ko-KR" dirty="0">
+                <a:latin typeface="나눔스퀘어 Light" panose="020B0600000101010101" pitchFamily="50" charset="-127"/>
+                <a:ea typeface="나눔스퀘어 Light" panose="020B0600000101010101" pitchFamily="50" charset="-127"/>
+              </a:rPr>
+              <a:t>.</a:t>
+            </a:r>
+            <a:endParaRPr lang="ko-KR" altLang="en-US" dirty="0">
+              <a:latin typeface="나눔스퀘어 Light" panose="020B0600000101010101" pitchFamily="50" charset="-127"/>
+              <a:ea typeface="나눔스퀘어 Light" panose="020B0600000101010101" pitchFamily="50" charset="-127"/>
+            </a:endParaRPr>
+          </a:p>
+        </p:txBody>
+      </p:sp>
+      <p:sp>
+        <p:nvSpPr>
+          <p:cNvPr id="6" name="TextBox 5">
+            <a:extLst>
+              <a:ext uri="{FF2B5EF4-FFF2-40B4-BE49-F238E27FC236}">
+                <a16:creationId xmlns:a16="http://schemas.microsoft.com/office/drawing/2014/main" id="{616E1D25-2B2E-B806-71B3-C6A943CAA6CC}"/>
+              </a:ext>
+            </a:extLst>
+          </p:cNvPr>
+          <p:cNvSpPr txBox="1"/>
+          <p:nvPr/>
+        </p:nvSpPr>
+        <p:spPr>
+          <a:xfrm>
+            <a:off x="942387" y="2667352"/>
+            <a:ext cx="10237694" cy="369332"/>
+          </a:xfrm>
+          <a:prstGeom prst="rect">
+            <a:avLst/>
+          </a:prstGeom>
+          <a:noFill/>
+        </p:spPr>
+        <p:txBody>
+          <a:bodyPr wrap="square" rtlCol="0">
+            <a:spAutoFit/>
+          </a:bodyPr>
+          <a:lstStyle/>
+          <a:p>
+            <a:r>
+              <a:rPr lang="ko-KR" altLang="en-US" dirty="0">
+                <a:latin typeface="나눔스퀘어 Light" panose="020B0600000101010101" pitchFamily="50" charset="-127"/>
+                <a:ea typeface="나눔스퀘어 Light" panose="020B0600000101010101" pitchFamily="50" charset="-127"/>
+              </a:rPr>
+              <a:t>빠른 입출력을 위한 함수를 쓸 때</a:t>
+            </a:r>
+            <a:r>
+              <a:rPr lang="en-US" altLang="ko-KR" dirty="0">
+                <a:latin typeface="나눔스퀘어 Light" panose="020B0600000101010101" pitchFamily="50" charset="-127"/>
+                <a:ea typeface="나눔스퀘어 Light" panose="020B0600000101010101" pitchFamily="50" charset="-127"/>
+              </a:rPr>
+              <a:t>, </a:t>
+            </a:r>
+            <a:r>
+              <a:rPr lang="ko-KR" altLang="en-US" dirty="0">
+                <a:latin typeface="나눔스퀘어 Light" panose="020B0600000101010101" pitchFamily="50" charset="-127"/>
+                <a:ea typeface="나눔스퀘어 Light" panose="020B0600000101010101" pitchFamily="50" charset="-127"/>
+              </a:rPr>
+              <a:t>왜 그 함수를 쓰면 다른 함수보다 빨리 동작하는지도 </a:t>
+            </a:r>
+            <a:r>
+              <a:rPr lang="ko-KR" altLang="en-US" dirty="0" err="1">
+                <a:latin typeface="나눔스퀘어 Light" panose="020B0600000101010101" pitchFamily="50" charset="-127"/>
+                <a:ea typeface="나눔스퀘어 Light" panose="020B0600000101010101" pitchFamily="50" charset="-127"/>
+              </a:rPr>
+              <a:t>알아두면</a:t>
+            </a:r>
+            <a:r>
+              <a:rPr lang="ko-KR" altLang="en-US" dirty="0">
+                <a:latin typeface="나눔스퀘어 Light" panose="020B0600000101010101" pitchFamily="50" charset="-127"/>
+                <a:ea typeface="나눔스퀘어 Light" panose="020B0600000101010101" pitchFamily="50" charset="-127"/>
+              </a:rPr>
+              <a:t> 좋겠네요</a:t>
+            </a:r>
+            <a:r>
+              <a:rPr lang="en-US" altLang="ko-KR" dirty="0">
+                <a:latin typeface="나눔스퀘어 Light" panose="020B0600000101010101" pitchFamily="50" charset="-127"/>
+                <a:ea typeface="나눔스퀘어 Light" panose="020B0600000101010101" pitchFamily="50" charset="-127"/>
+              </a:rPr>
+              <a:t>.</a:t>
+            </a:r>
+            <a:endParaRPr lang="ko-KR" altLang="en-US" dirty="0">
+              <a:latin typeface="나눔스퀘어 Light" panose="020B0600000101010101" pitchFamily="50" charset="-127"/>
+              <a:ea typeface="나눔스퀘어 Light" panose="020B0600000101010101" pitchFamily="50" charset="-127"/>
+            </a:endParaRPr>
+          </a:p>
+        </p:txBody>
+      </p:sp>
     </p:spTree>
     <p:extLst>
       <p:ext uri="{BB962C8B-B14F-4D97-AF65-F5344CB8AC3E}">
-        <p14:creationId xmlns:p14="http://schemas.microsoft.com/office/powerpoint/2010/main" val="2643629398"/>
+        <p14:creationId xmlns:p14="http://schemas.microsoft.com/office/powerpoint/2010/main" val="3963584044"/>
       </p:ext>
     </p:extLst>
   </p:cSld>
@@ -5776,7 +5736,66 @@
                 <a:latin typeface="나눔스퀘어 Light" panose="020B0600000101010101" pitchFamily="50" charset="-127"/>
                 <a:ea typeface="나눔스퀘어 Light" panose="020B0600000101010101" pitchFamily="50" charset="-127"/>
               </a:rPr>
-              <a:t>클래스를 사용하는 것은 어쩌면 독이 될 지도 모르는 일입니다</a:t>
+              <a:t>클래스를 사용하는 것은</a:t>
+            </a:r>
+          </a:p>
+        </p:txBody>
+      </p:sp>
+      <p:sp>
+        <p:nvSpPr>
+          <p:cNvPr id="9" name="TextBox 8">
+            <a:extLst>
+              <a:ext uri="{FF2B5EF4-FFF2-40B4-BE49-F238E27FC236}">
+                <a16:creationId xmlns:a16="http://schemas.microsoft.com/office/drawing/2014/main" id="{9CEEB8F5-9D10-02EB-FE90-9F127EE00232}"/>
+              </a:ext>
+            </a:extLst>
+          </p:cNvPr>
+          <p:cNvSpPr txBox="1"/>
+          <p:nvPr/>
+        </p:nvSpPr>
+        <p:spPr>
+          <a:xfrm>
+            <a:off x="942387" y="2298020"/>
+            <a:ext cx="10237694" cy="369332"/>
+          </a:xfrm>
+          <a:prstGeom prst="rect">
+            <a:avLst/>
+          </a:prstGeom>
+          <a:noFill/>
+        </p:spPr>
+        <p:txBody>
+          <a:bodyPr wrap="square" rtlCol="0">
+            <a:spAutoFit/>
+          </a:bodyPr>
+          <a:lstStyle/>
+          <a:p>
+            <a:r>
+              <a:rPr lang="en-US" altLang="ko-KR" dirty="0">
+                <a:latin typeface="나눔스퀘어 Light" panose="020B0600000101010101" pitchFamily="50" charset="-127"/>
+                <a:ea typeface="나눔스퀘어 Light" panose="020B0600000101010101" pitchFamily="50" charset="-127"/>
+              </a:rPr>
+              <a:t>(</a:t>
+            </a:r>
+            <a:r>
+              <a:rPr lang="ko-KR" altLang="en-US" dirty="0">
+                <a:latin typeface="나눔스퀘어 Light" panose="020B0600000101010101" pitchFamily="50" charset="-127"/>
+                <a:ea typeface="나눔스퀘어 Light" panose="020B0600000101010101" pitchFamily="50" charset="-127"/>
+              </a:rPr>
+              <a:t>몇 가지 이슈 때문에</a:t>
+            </a:r>
+            <a:r>
+              <a:rPr lang="en-US" altLang="ko-KR" dirty="0">
+                <a:latin typeface="나눔스퀘어 Light" panose="020B0600000101010101" pitchFamily="50" charset="-127"/>
+                <a:ea typeface="나눔스퀘어 Light" panose="020B0600000101010101" pitchFamily="50" charset="-127"/>
+              </a:rPr>
+              <a:t>)</a:t>
+            </a:r>
+            <a:r>
+              <a:rPr lang="ko-KR" altLang="en-US" dirty="0">
+                <a:latin typeface="나눔스퀘어 Light" panose="020B0600000101010101" pitchFamily="50" charset="-127"/>
+                <a:ea typeface="나눔스퀘어 Light" panose="020B0600000101010101" pitchFamily="50" charset="-127"/>
+              </a:rPr>
+              <a:t> 어쩌면 독이 될 지도 모르는 일입니다</a:t>
             </a:r>
             <a:r>
               <a:rPr lang="en-US" altLang="ko-KR" dirty="0">
@@ -5794,10 +5813,10 @@
       </p:sp>
       <p:sp>
         <p:nvSpPr>
-          <p:cNvPr id="4" name="TextBox 3">
-            <a:extLst>
-              <a:ext uri="{FF2B5EF4-FFF2-40B4-BE49-F238E27FC236}">
-                <a16:creationId xmlns:a16="http://schemas.microsoft.com/office/drawing/2014/main" id="{812049FF-C90F-93DA-8F81-35079F55B440}"/>
+          <p:cNvPr id="11" name="TextBox 10">
+            <a:extLst>
+              <a:ext uri="{FF2B5EF4-FFF2-40B4-BE49-F238E27FC236}">
+                <a16:creationId xmlns:a16="http://schemas.microsoft.com/office/drawing/2014/main" id="{D96CCFF7-B59C-FD33-11A5-0DA1908F24BB}"/>
               </a:ext>
             </a:extLst>
           </p:cNvPr>
@@ -5806,7 +5825,7 @@
         </p:nvSpPr>
         <p:spPr>
           <a:xfrm>
-            <a:off x="942387" y="2298020"/>
+            <a:off x="942387" y="3036684"/>
             <a:ext cx="10237694" cy="369332"/>
           </a:xfrm>
           <a:prstGeom prst="rect">
@@ -5821,11 +5840,32 @@
           <a:lstStyle/>
           <a:p>
             <a:r>
+              <a:rPr lang="ko-KR" altLang="en-US" dirty="0">
+                <a:latin typeface="나눔스퀘어 Light" panose="020B0600000101010101" pitchFamily="50" charset="-127"/>
+                <a:ea typeface="나눔스퀘어 Light" panose="020B0600000101010101" pitchFamily="50" charset="-127"/>
+              </a:rPr>
+              <a:t>우선</a:t>
+            </a:r>
+            <a:r>
               <a:rPr lang="en-US" altLang="ko-KR" dirty="0">
                 <a:latin typeface="나눔스퀘어 Light" panose="020B0600000101010101" pitchFamily="50" charset="-127"/>
                 <a:ea typeface="나눔스퀘어 Light" panose="020B0600000101010101" pitchFamily="50" charset="-127"/>
               </a:rPr>
-              <a:t>https://devlog-wjdrbs96.tistory.com/244</a:t>
+              <a:t>, </a:t>
+            </a:r>
+            <a:r>
+              <a:rPr lang="ko-KR" altLang="en-US" dirty="0">
+                <a:latin typeface="나눔스퀘어 Light" panose="020B0600000101010101" pitchFamily="50" charset="-127"/>
+                <a:ea typeface="나눔스퀘어 Light" panose="020B0600000101010101" pitchFamily="50" charset="-127"/>
+              </a:rPr>
+              <a:t>스택의 구현부를 까보겠습니다</a:t>
+            </a:r>
+            <a:r>
+              <a:rPr lang="en-US" altLang="ko-KR" dirty="0">
+                <a:latin typeface="나눔스퀘어 Light" panose="020B0600000101010101" pitchFamily="50" charset="-127"/>
+                <a:ea typeface="나눔스퀘어 Light" panose="020B0600000101010101" pitchFamily="50" charset="-127"/>
+              </a:rPr>
+              <a:t>.</a:t>
             </a:r>
             <a:endParaRPr lang="ko-KR" altLang="en-US" dirty="0">
               <a:latin typeface="나눔스퀘어 Light" panose="020B0600000101010101" pitchFamily="50" charset="-127"/>
@@ -5834,12 +5874,42 @@
           </a:p>
         </p:txBody>
       </p:sp>
-      <p:sp>
-        <p:nvSpPr>
-          <p:cNvPr id="7" name="TextBox 6">
-            <a:extLst>
-              <a:ext uri="{FF2B5EF4-FFF2-40B4-BE49-F238E27FC236}">
-                <a16:creationId xmlns:a16="http://schemas.microsoft.com/office/drawing/2014/main" id="{FFA00178-F8E4-A0A3-4717-F8998CC725F6}"/>
+      <p:pic>
+        <p:nvPicPr>
+          <p:cNvPr id="13" name="그림 12">
+            <a:extLst>
+              <a:ext uri="{FF2B5EF4-FFF2-40B4-BE49-F238E27FC236}">
+                <a16:creationId xmlns:a16="http://schemas.microsoft.com/office/drawing/2014/main" id="{096222B3-7543-57F9-EF68-5923B3DF1F72}"/>
+              </a:ext>
+            </a:extLst>
+          </p:cNvPr>
+          <p:cNvPicPr>
+            <a:picLocks noChangeAspect="1"/>
+          </p:cNvPicPr>
+          <p:nvPr/>
+        </p:nvPicPr>
+        <p:blipFill>
+          <a:blip r:embed="rId2"/>
+          <a:stretch>
+            <a:fillRect/>
+          </a:stretch>
+        </p:blipFill>
+        <p:spPr>
+          <a:xfrm>
+            <a:off x="942387" y="3406016"/>
+            <a:ext cx="4963218" cy="1733792"/>
+          </a:xfrm>
+          <a:prstGeom prst="rect">
+            <a:avLst/>
+          </a:prstGeom>
+        </p:spPr>
+      </p:pic>
+      <p:sp>
+        <p:nvSpPr>
+          <p:cNvPr id="14" name="TextBox 13">
+            <a:extLst>
+              <a:ext uri="{FF2B5EF4-FFF2-40B4-BE49-F238E27FC236}">
+                <a16:creationId xmlns:a16="http://schemas.microsoft.com/office/drawing/2014/main" id="{B69C991A-6969-06F8-BD4B-DBB9FF5FCC3A}"/>
               </a:ext>
             </a:extLst>
           </p:cNvPr>
@@ -5848,7 +5918,7 @@
         </p:nvSpPr>
         <p:spPr>
           <a:xfrm>
-            <a:off x="942387" y="2667352"/>
+            <a:off x="942387" y="5139808"/>
             <a:ext cx="10237694" cy="369332"/>
           </a:xfrm>
           <a:prstGeom prst="rect">
@@ -5867,7 +5937,175 @@
                 <a:latin typeface="나눔스퀘어 Light" panose="020B0600000101010101" pitchFamily="50" charset="-127"/>
                 <a:ea typeface="나눔스퀘어 Light" panose="020B0600000101010101" pitchFamily="50" charset="-127"/>
               </a:rPr>
-              <a:t>https://yeolco.tistory.com/94</a:t>
+              <a:t>extends Vector&lt;E&gt; </a:t>
+            </a:r>
+            <a:r>
+              <a:rPr lang="ko-KR" altLang="en-US" dirty="0">
+                <a:latin typeface="나눔스퀘어 Light" panose="020B0600000101010101" pitchFamily="50" charset="-127"/>
+                <a:ea typeface="나눔스퀘어 Light" panose="020B0600000101010101" pitchFamily="50" charset="-127"/>
+              </a:rPr>
+              <a:t>라고 </a:t>
+            </a:r>
+            <a:r>
+              <a:rPr lang="ko-KR" altLang="en-US" dirty="0" err="1">
+                <a:latin typeface="나눔스퀘어 Light" panose="020B0600000101010101" pitchFamily="50" charset="-127"/>
+                <a:ea typeface="나눔스퀘어 Light" panose="020B0600000101010101" pitchFamily="50" charset="-127"/>
+              </a:rPr>
+              <a:t>써있네요</a:t>
+            </a:r>
+            <a:r>
+              <a:rPr lang="en-US" altLang="ko-KR" dirty="0">
+                <a:latin typeface="나눔스퀘어 Light" panose="020B0600000101010101" pitchFamily="50" charset="-127"/>
+                <a:ea typeface="나눔스퀘어 Light" panose="020B0600000101010101" pitchFamily="50" charset="-127"/>
+              </a:rPr>
+              <a:t>. </a:t>
+            </a:r>
+            <a:r>
+              <a:rPr lang="ko-KR" altLang="en-US" dirty="0">
+                <a:latin typeface="나눔스퀘어 Light" panose="020B0600000101010101" pitchFamily="50" charset="-127"/>
+                <a:ea typeface="나눔스퀘어 Light" panose="020B0600000101010101" pitchFamily="50" charset="-127"/>
+              </a:rPr>
+              <a:t>즉 벡터 클래스를 상속받고 있습니다</a:t>
+            </a:r>
+            <a:r>
+              <a:rPr lang="en-US" altLang="ko-KR" dirty="0">
+                <a:latin typeface="나눔스퀘어 Light" panose="020B0600000101010101" pitchFamily="50" charset="-127"/>
+                <a:ea typeface="나눔스퀘어 Light" panose="020B0600000101010101" pitchFamily="50" charset="-127"/>
+              </a:rPr>
+              <a:t>.</a:t>
+            </a:r>
+            <a:endParaRPr lang="ko-KR" altLang="en-US" dirty="0">
+              <a:latin typeface="나눔스퀘어 Light" panose="020B0600000101010101" pitchFamily="50" charset="-127"/>
+              <a:ea typeface="나눔스퀘어 Light" panose="020B0600000101010101" pitchFamily="50" charset="-127"/>
+            </a:endParaRPr>
+          </a:p>
+        </p:txBody>
+      </p:sp>
+      <p:sp>
+        <p:nvSpPr>
+          <p:cNvPr id="15" name="TextBox 14">
+            <a:extLst>
+              <a:ext uri="{FF2B5EF4-FFF2-40B4-BE49-F238E27FC236}">
+                <a16:creationId xmlns:a16="http://schemas.microsoft.com/office/drawing/2014/main" id="{46988A77-EFB7-A4FD-476B-90724DD31383}"/>
+              </a:ext>
+            </a:extLst>
+          </p:cNvPr>
+          <p:cNvSpPr txBox="1"/>
+          <p:nvPr/>
+        </p:nvSpPr>
+        <p:spPr>
+          <a:xfrm>
+            <a:off x="942387" y="5509140"/>
+            <a:ext cx="10237694" cy="369332"/>
+          </a:xfrm>
+          <a:prstGeom prst="rect">
+            <a:avLst/>
+          </a:prstGeom>
+          <a:noFill/>
+        </p:spPr>
+        <p:txBody>
+          <a:bodyPr wrap="square" rtlCol="0">
+            <a:spAutoFit/>
+          </a:bodyPr>
+          <a:lstStyle/>
+          <a:p>
+            <a:r>
+              <a:rPr lang="ko-KR" altLang="en-US" dirty="0">
+                <a:latin typeface="나눔스퀘어 Light" panose="020B0600000101010101" pitchFamily="50" charset="-127"/>
+                <a:ea typeface="나눔스퀘어 Light" panose="020B0600000101010101" pitchFamily="50" charset="-127"/>
+              </a:rPr>
+              <a:t>이게 어떤 문제를 초래할까요</a:t>
+            </a:r>
+            <a:r>
+              <a:rPr lang="en-US" altLang="ko-KR" dirty="0">
+                <a:latin typeface="나눔스퀘어 Light" panose="020B0600000101010101" pitchFamily="50" charset="-127"/>
+                <a:ea typeface="나눔스퀘어 Light" panose="020B0600000101010101" pitchFamily="50" charset="-127"/>
+              </a:rPr>
+              <a:t>? </a:t>
+            </a:r>
+            <a:r>
+              <a:rPr lang="ko-KR" altLang="en-US" dirty="0">
+                <a:latin typeface="나눔스퀘어 Light" panose="020B0600000101010101" pitchFamily="50" charset="-127"/>
+                <a:ea typeface="나눔스퀘어 Light" panose="020B0600000101010101" pitchFamily="50" charset="-127"/>
+              </a:rPr>
+              <a:t>충분히 생각하신 후</a:t>
+            </a:r>
+            <a:r>
+              <a:rPr lang="en-US" altLang="ko-KR" dirty="0">
+                <a:latin typeface="나눔스퀘어 Light" panose="020B0600000101010101" pitchFamily="50" charset="-127"/>
+                <a:ea typeface="나눔스퀘어 Light" panose="020B0600000101010101" pitchFamily="50" charset="-127"/>
+              </a:rPr>
+              <a:t>, </a:t>
+            </a:r>
+            <a:r>
+              <a:rPr lang="ko-KR" altLang="en-US" dirty="0">
+                <a:latin typeface="나눔스퀘어 Light" panose="020B0600000101010101" pitchFamily="50" charset="-127"/>
+                <a:ea typeface="나눔스퀘어 Light" panose="020B0600000101010101" pitchFamily="50" charset="-127"/>
+              </a:rPr>
+              <a:t>다음 페이지로 넘겨주세요</a:t>
+            </a:r>
+            <a:r>
+              <a:rPr lang="en-US" altLang="ko-KR" dirty="0">
+                <a:latin typeface="나눔스퀘어 Light" panose="020B0600000101010101" pitchFamily="50" charset="-127"/>
+                <a:ea typeface="나눔스퀘어 Light" panose="020B0600000101010101" pitchFamily="50" charset="-127"/>
+              </a:rPr>
+              <a:t>.</a:t>
+            </a:r>
+            <a:endParaRPr lang="ko-KR" altLang="en-US" dirty="0">
+              <a:latin typeface="나눔스퀘어 Light" panose="020B0600000101010101" pitchFamily="50" charset="-127"/>
+              <a:ea typeface="나눔스퀘어 Light" panose="020B0600000101010101" pitchFamily="50" charset="-127"/>
+            </a:endParaRPr>
+          </a:p>
+        </p:txBody>
+      </p:sp>
+      <p:sp>
+        <p:nvSpPr>
+          <p:cNvPr id="16" name="TextBox 15">
+            <a:extLst>
+              <a:ext uri="{FF2B5EF4-FFF2-40B4-BE49-F238E27FC236}">
+                <a16:creationId xmlns:a16="http://schemas.microsoft.com/office/drawing/2014/main" id="{6C35CB83-F680-3BDD-88C4-57478B5DDA02}"/>
+              </a:ext>
+            </a:extLst>
+          </p:cNvPr>
+          <p:cNvSpPr txBox="1"/>
+          <p:nvPr/>
+        </p:nvSpPr>
+        <p:spPr>
+          <a:xfrm>
+            <a:off x="942387" y="5878472"/>
+            <a:ext cx="10237694" cy="369332"/>
+          </a:xfrm>
+          <a:prstGeom prst="rect">
+            <a:avLst/>
+          </a:prstGeom>
+          <a:noFill/>
+        </p:spPr>
+        <p:txBody>
+          <a:bodyPr wrap="square" rtlCol="0">
+            <a:spAutoFit/>
+          </a:bodyPr>
+          <a:lstStyle/>
+          <a:p>
+            <a:r>
+              <a:rPr lang="en-US" altLang="ko-KR" dirty="0">
+                <a:latin typeface="나눔스퀘어 Light" panose="020B0600000101010101" pitchFamily="50" charset="-127"/>
+                <a:ea typeface="나눔스퀘어 Light" panose="020B0600000101010101" pitchFamily="50" charset="-127"/>
+              </a:rPr>
+              <a:t>(</a:t>
+            </a:r>
+            <a:r>
+              <a:rPr lang="ko-KR" altLang="en-US" dirty="0">
+                <a:latin typeface="나눔스퀘어 Light" panose="020B0600000101010101" pitchFamily="50" charset="-127"/>
+                <a:ea typeface="나눔스퀘어 Light" panose="020B0600000101010101" pitchFamily="50" charset="-127"/>
+              </a:rPr>
+              <a:t>크게 두 가지 문제점</a:t>
+            </a:r>
+            <a:r>
+              <a:rPr lang="en-US" altLang="ko-KR" dirty="0">
+                <a:latin typeface="나눔스퀘어 Light" panose="020B0600000101010101" pitchFamily="50" charset="-127"/>
+                <a:ea typeface="나눔스퀘어 Light" panose="020B0600000101010101" pitchFamily="50" charset="-127"/>
+              </a:rPr>
+              <a:t>)</a:t>
             </a:r>
             <a:endParaRPr lang="ko-KR" altLang="en-US" dirty="0">
               <a:latin typeface="나눔스퀘어 Light" panose="020B0600000101010101" pitchFamily="50" charset="-127"/>
@@ -5952,10 +6190,10 @@
       </p:cxnSp>
       <p:sp>
         <p:nvSpPr>
-          <p:cNvPr id="4" name="TextBox 3">
-            <a:extLst>
-              <a:ext uri="{FF2B5EF4-FFF2-40B4-BE49-F238E27FC236}">
-                <a16:creationId xmlns:a16="http://schemas.microsoft.com/office/drawing/2014/main" id="{346A4227-C27D-50F4-7699-BBE332703F0D}"/>
+          <p:cNvPr id="3" name="TextBox 2">
+            <a:extLst>
+              <a:ext uri="{FF2B5EF4-FFF2-40B4-BE49-F238E27FC236}">
+                <a16:creationId xmlns:a16="http://schemas.microsoft.com/office/drawing/2014/main" id="{28FF46E5-50E3-EF2F-1C7A-0DF5C8D071CE}"/>
               </a:ext>
             </a:extLst>
           </p:cNvPr>
@@ -5965,7 +6203,7 @@
         <p:spPr>
           <a:xfrm>
             <a:off x="331694" y="177505"/>
-            <a:ext cx="2606804" cy="523220"/>
+            <a:ext cx="2909771" cy="523220"/>
           </a:xfrm>
           <a:prstGeom prst="rect">
             <a:avLst/>
@@ -5983,38 +6221,143 @@
                 <a:latin typeface="나눔스퀘어 Bold" panose="020B0600000101010101" pitchFamily="50" charset="-127"/>
                 <a:ea typeface="나눔스퀘어 Bold" panose="020B0600000101010101" pitchFamily="50" charset="-127"/>
               </a:rPr>
-              <a:t>DS</a:t>
-            </a:r>
-            <a:r>
-              <a:rPr lang="ko-KR" altLang="en-US" sz="2800" dirty="0">
-                <a:latin typeface="나눔스퀘어 Bold" panose="020B0600000101010101" pitchFamily="50" charset="-127"/>
-                <a:ea typeface="나눔스퀘어 Bold" panose="020B0600000101010101" pitchFamily="50" charset="-127"/>
-              </a:rPr>
-              <a:t> </a:t>
-            </a:r>
-            <a:r>
-              <a:rPr lang="en-US" altLang="ko-KR" sz="2800" dirty="0">
-                <a:latin typeface="나눔스퀘어 Bold" panose="020B0600000101010101" pitchFamily="50" charset="-127"/>
-                <a:ea typeface="나눔스퀘어 Bold" panose="020B0600000101010101" pitchFamily="50" charset="-127"/>
-              </a:rPr>
-              <a:t>– 9012 </a:t>
-            </a:r>
-            <a:r>
-              <a:rPr lang="ko-KR" altLang="en-US" sz="2800" dirty="0">
-                <a:latin typeface="나눔스퀘어 Bold" panose="020B0600000101010101" pitchFamily="50" charset="-127"/>
-                <a:ea typeface="나눔스퀘어 Bold" panose="020B0600000101010101" pitchFamily="50" charset="-127"/>
-              </a:rPr>
-              <a:t>괄호</a:t>
-            </a:r>
+              <a:t>TMI – Java Stack</a:t>
+            </a:r>
+            <a:endParaRPr lang="ko-KR" altLang="en-US" sz="2800" dirty="0">
+              <a:latin typeface="나눔스퀘어 Bold" panose="020B0600000101010101" pitchFamily="50" charset="-127"/>
+              <a:ea typeface="나눔스퀘어 Bold" panose="020B0600000101010101" pitchFamily="50" charset="-127"/>
+            </a:endParaRPr>
+          </a:p>
+        </p:txBody>
+      </p:sp>
+      <p:sp>
+        <p:nvSpPr>
+          <p:cNvPr id="8" name="TextBox 7">
+            <a:extLst>
+              <a:ext uri="{FF2B5EF4-FFF2-40B4-BE49-F238E27FC236}">
+                <a16:creationId xmlns:a16="http://schemas.microsoft.com/office/drawing/2014/main" id="{CD8E3FED-918B-0B44-8445-0682DD85BCE0}"/>
+              </a:ext>
+            </a:extLst>
+          </p:cNvPr>
+          <p:cNvSpPr txBox="1"/>
+          <p:nvPr/>
+        </p:nvSpPr>
+        <p:spPr>
+          <a:xfrm>
+            <a:off x="942387" y="1185484"/>
+            <a:ext cx="10237694" cy="369332"/>
+          </a:xfrm>
+          <a:prstGeom prst="rect">
+            <a:avLst/>
+          </a:prstGeom>
+          <a:noFill/>
+        </p:spPr>
+        <p:txBody>
+          <a:bodyPr wrap="square" rtlCol="0">
+            <a:spAutoFit/>
+          </a:bodyPr>
+          <a:lstStyle/>
+          <a:p>
+            <a:r>
+              <a:rPr lang="en-US" altLang="ko-KR" dirty="0">
+                <a:latin typeface="나눔스퀘어 Light" panose="020B0600000101010101" pitchFamily="50" charset="-127"/>
+                <a:ea typeface="나눔스퀘어 Light" panose="020B0600000101010101" pitchFamily="50" charset="-127"/>
+              </a:rPr>
+              <a:t>Vector </a:t>
+            </a:r>
+            <a:r>
+              <a:rPr lang="ko-KR" altLang="en-US" dirty="0">
+                <a:latin typeface="나눔스퀘어 Light" panose="020B0600000101010101" pitchFamily="50" charset="-127"/>
+                <a:ea typeface="나눔스퀘어 Light" panose="020B0600000101010101" pitchFamily="50" charset="-127"/>
+              </a:rPr>
+              <a:t>클래스를 상속받은 </a:t>
+            </a:r>
+            <a:r>
+              <a:rPr lang="en-US" altLang="ko-KR" dirty="0">
+                <a:latin typeface="나눔스퀘어 Light" panose="020B0600000101010101" pitchFamily="50" charset="-127"/>
+                <a:ea typeface="나눔스퀘어 Light" panose="020B0600000101010101" pitchFamily="50" charset="-127"/>
+              </a:rPr>
+              <a:t>Stack </a:t>
+            </a:r>
+            <a:r>
+              <a:rPr lang="ko-KR" altLang="en-US" dirty="0">
+                <a:latin typeface="나눔스퀘어 Light" panose="020B0600000101010101" pitchFamily="50" charset="-127"/>
+                <a:ea typeface="나눔스퀘어 Light" panose="020B0600000101010101" pitchFamily="50" charset="-127"/>
+              </a:rPr>
+              <a:t>클래스는 </a:t>
+            </a:r>
+            <a:r>
+              <a:rPr lang="en-US" altLang="ko-KR" dirty="0">
+                <a:latin typeface="나눔스퀘어 Light" panose="020B0600000101010101" pitchFamily="50" charset="-127"/>
+                <a:ea typeface="나눔스퀘어 Light" panose="020B0600000101010101" pitchFamily="50" charset="-127"/>
+              </a:rPr>
+              <a:t>Vector </a:t>
+            </a:r>
+            <a:r>
+              <a:rPr lang="ko-KR" altLang="en-US" dirty="0">
+                <a:latin typeface="나눔스퀘어 Light" panose="020B0600000101010101" pitchFamily="50" charset="-127"/>
+                <a:ea typeface="나눔스퀘어 Light" panose="020B0600000101010101" pitchFamily="50" charset="-127"/>
+              </a:rPr>
+              <a:t>클래스가 가지고 있던</a:t>
+            </a:r>
+          </a:p>
+        </p:txBody>
+      </p:sp>
+      <p:sp>
+        <p:nvSpPr>
+          <p:cNvPr id="4" name="TextBox 3">
+            <a:extLst>
+              <a:ext uri="{FF2B5EF4-FFF2-40B4-BE49-F238E27FC236}">
+                <a16:creationId xmlns:a16="http://schemas.microsoft.com/office/drawing/2014/main" id="{5AEE3E3B-59F8-B262-1822-F892D97AEA58}"/>
+              </a:ext>
+            </a:extLst>
+          </p:cNvPr>
+          <p:cNvSpPr txBox="1"/>
+          <p:nvPr/>
+        </p:nvSpPr>
+        <p:spPr>
+          <a:xfrm>
+            <a:off x="942387" y="1554816"/>
+            <a:ext cx="10237694" cy="369332"/>
+          </a:xfrm>
+          <a:prstGeom prst="rect">
+            <a:avLst/>
+          </a:prstGeom>
+          <a:noFill/>
+        </p:spPr>
+        <p:txBody>
+          <a:bodyPr wrap="square" rtlCol="0">
+            <a:spAutoFit/>
+          </a:bodyPr>
+          <a:lstStyle/>
+          <a:p>
+            <a:r>
+              <a:rPr lang="ko-KR" altLang="en-US" dirty="0">
+                <a:latin typeface="나눔스퀘어 Light" panose="020B0600000101010101" pitchFamily="50" charset="-127"/>
+                <a:ea typeface="나눔스퀘어 Light" panose="020B0600000101010101" pitchFamily="50" charset="-127"/>
+              </a:rPr>
+              <a:t>메서드들을 그대로 사용할 수 있게 됩니다</a:t>
+            </a:r>
+            <a:r>
+              <a:rPr lang="en-US" altLang="ko-KR" dirty="0">
+                <a:latin typeface="나눔스퀘어 Light" panose="020B0600000101010101" pitchFamily="50" charset="-127"/>
+                <a:ea typeface="나눔스퀘어 Light" panose="020B0600000101010101" pitchFamily="50" charset="-127"/>
+              </a:rPr>
+              <a:t>.</a:t>
+            </a:r>
+            <a:endParaRPr lang="ko-KR" altLang="en-US" dirty="0">
+              <a:latin typeface="나눔스퀘어 Light" panose="020B0600000101010101" pitchFamily="50" charset="-127"/>
+              <a:ea typeface="나눔스퀘어 Light" panose="020B0600000101010101" pitchFamily="50" charset="-127"/>
+            </a:endParaRPr>
           </a:p>
         </p:txBody>
       </p:sp>
       <p:pic>
         <p:nvPicPr>
-          <p:cNvPr id="6" name="그림 5">
-            <a:extLst>
-              <a:ext uri="{FF2B5EF4-FFF2-40B4-BE49-F238E27FC236}">
-                <a16:creationId xmlns:a16="http://schemas.microsoft.com/office/drawing/2014/main" id="{8A234312-CBA7-C8BF-C299-52C5CAA4A087}"/>
+          <p:cNvPr id="10" name="그림 9">
+            <a:extLst>
+              <a:ext uri="{FF2B5EF4-FFF2-40B4-BE49-F238E27FC236}">
+                <a16:creationId xmlns:a16="http://schemas.microsoft.com/office/drawing/2014/main" id="{E40E4D7D-673C-EAD2-FA00-E6EEA25F48A9}"/>
               </a:ext>
             </a:extLst>
           </p:cNvPr>
@@ -6031,8 +6374,8 @@
         </p:blipFill>
         <p:spPr>
           <a:xfrm>
-            <a:off x="331694" y="939848"/>
-            <a:ext cx="8959751" cy="5918151"/>
+            <a:off x="942387" y="1924148"/>
+            <a:ext cx="8182759" cy="4363427"/>
           </a:xfrm>
           <a:prstGeom prst="rect">
             <a:avLst/>
@@ -6042,7 +6385,7 @@
     </p:spTree>
     <p:extLst>
       <p:ext uri="{BB962C8B-B14F-4D97-AF65-F5344CB8AC3E}">
-        <p14:creationId xmlns:p14="http://schemas.microsoft.com/office/powerpoint/2010/main" val="2702533686"/>
+        <p14:creationId xmlns:p14="http://schemas.microsoft.com/office/powerpoint/2010/main" val="263716456"/>
       </p:ext>
     </p:extLst>
   </p:cSld>
@@ -6118,7 +6461,7 @@
           <p:cNvPr id="3" name="TextBox 2">
             <a:extLst>
               <a:ext uri="{FF2B5EF4-FFF2-40B4-BE49-F238E27FC236}">
-                <a16:creationId xmlns:a16="http://schemas.microsoft.com/office/drawing/2014/main" id="{DED99750-0EE1-C88D-2F22-1EE36DBD23B3}"/>
+                <a16:creationId xmlns:a16="http://schemas.microsoft.com/office/drawing/2014/main" id="{28FF46E5-50E3-EF2F-1C7A-0DF5C8D071CE}"/>
               </a:ext>
             </a:extLst>
           </p:cNvPr>
@@ -6127,7 +6470,49 @@
         </p:nvSpPr>
         <p:spPr>
           <a:xfrm>
-            <a:off x="942387" y="1190024"/>
+            <a:off x="331694" y="177505"/>
+            <a:ext cx="2909771" cy="523220"/>
+          </a:xfrm>
+          <a:prstGeom prst="rect">
+            <a:avLst/>
+          </a:prstGeom>
+          <a:noFill/>
+        </p:spPr>
+        <p:txBody>
+          <a:bodyPr wrap="none" rtlCol="0">
+            <a:spAutoFit/>
+          </a:bodyPr>
+          <a:lstStyle/>
+          <a:p>
+            <a:r>
+              <a:rPr lang="en-US" altLang="ko-KR" sz="2800" dirty="0">
+                <a:latin typeface="나눔스퀘어 Bold" panose="020B0600000101010101" pitchFamily="50" charset="-127"/>
+                <a:ea typeface="나눔스퀘어 Bold" panose="020B0600000101010101" pitchFamily="50" charset="-127"/>
+              </a:rPr>
+              <a:t>TMI – Java Stack</a:t>
+            </a:r>
+            <a:endParaRPr lang="ko-KR" altLang="en-US" sz="2800" dirty="0">
+              <a:latin typeface="나눔스퀘어 Bold" panose="020B0600000101010101" pitchFamily="50" charset="-127"/>
+              <a:ea typeface="나눔스퀘어 Bold" panose="020B0600000101010101" pitchFamily="50" charset="-127"/>
+            </a:endParaRPr>
+          </a:p>
+        </p:txBody>
+      </p:sp>
+      <p:sp>
+        <p:nvSpPr>
+          <p:cNvPr id="8" name="TextBox 7">
+            <a:extLst>
+              <a:ext uri="{FF2B5EF4-FFF2-40B4-BE49-F238E27FC236}">
+                <a16:creationId xmlns:a16="http://schemas.microsoft.com/office/drawing/2014/main" id="{CD8E3FED-918B-0B44-8445-0682DD85BCE0}"/>
+              </a:ext>
+            </a:extLst>
+          </p:cNvPr>
+          <p:cNvSpPr txBox="1"/>
+          <p:nvPr/>
+        </p:nvSpPr>
+        <p:spPr>
+          <a:xfrm>
+            <a:off x="942387" y="1185484"/>
             <a:ext cx="10237694" cy="369332"/>
           </a:xfrm>
           <a:prstGeom prst="rect">
@@ -6146,74 +6531,84 @@
                 <a:latin typeface="나눔스퀘어 Light" panose="020B0600000101010101" pitchFamily="50" charset="-127"/>
                 <a:ea typeface="나눔스퀘어 Light" panose="020B0600000101010101" pitchFamily="50" charset="-127"/>
               </a:rPr>
-              <a:t>올바른 괄호 문자열인지 판별하는 문제</a:t>
-            </a:r>
-          </a:p>
-        </p:txBody>
-      </p:sp>
-      <p:sp>
-        <p:nvSpPr>
-          <p:cNvPr id="2" name="TextBox 1">
-            <a:extLst>
-              <a:ext uri="{FF2B5EF4-FFF2-40B4-BE49-F238E27FC236}">
-                <a16:creationId xmlns:a16="http://schemas.microsoft.com/office/drawing/2014/main" id="{18D39D5A-64F9-9DF0-96C3-E9A433FB9C19}"/>
-              </a:ext>
-            </a:extLst>
-          </p:cNvPr>
-          <p:cNvSpPr txBox="1"/>
-          <p:nvPr/>
-        </p:nvSpPr>
-        <p:spPr>
-          <a:xfrm>
-            <a:off x="331694" y="177505"/>
-            <a:ext cx="2606804" cy="523220"/>
+              <a:t>이러한 점 때문에</a:t>
+            </a:r>
+            <a:r>
+              <a:rPr lang="en-US" altLang="ko-KR" dirty="0">
+                <a:latin typeface="나눔스퀘어 Light" panose="020B0600000101010101" pitchFamily="50" charset="-127"/>
+                <a:ea typeface="나눔스퀘어 Light" panose="020B0600000101010101" pitchFamily="50" charset="-127"/>
+              </a:rPr>
+              <a:t>, Stack </a:t>
+            </a:r>
+            <a:r>
+              <a:rPr lang="ko-KR" altLang="en-US" dirty="0">
+                <a:latin typeface="나눔스퀘어 Light" panose="020B0600000101010101" pitchFamily="50" charset="-127"/>
+                <a:ea typeface="나눔스퀘어 Light" panose="020B0600000101010101" pitchFamily="50" charset="-127"/>
+              </a:rPr>
+              <a:t>클래스 주석에는 </a:t>
+            </a:r>
+            <a:r>
+              <a:rPr lang="en-US" altLang="ko-KR" dirty="0">
+                <a:latin typeface="나눔스퀘어 Light" panose="020B0600000101010101" pitchFamily="50" charset="-127"/>
+                <a:ea typeface="나눔스퀘어 Light" panose="020B0600000101010101" pitchFamily="50" charset="-127"/>
+              </a:rPr>
+              <a:t>Deque</a:t>
+            </a:r>
+            <a:r>
+              <a:rPr lang="ko-KR" altLang="en-US" dirty="0">
+                <a:latin typeface="나눔스퀘어 Light" panose="020B0600000101010101" pitchFamily="50" charset="-127"/>
+                <a:ea typeface="나눔스퀘어 Light" panose="020B0600000101010101" pitchFamily="50" charset="-127"/>
+              </a:rPr>
+              <a:t>를 이용할 것을 권하고 있습니다</a:t>
+            </a:r>
+            <a:r>
+              <a:rPr lang="en-US" altLang="ko-KR" dirty="0">
+                <a:latin typeface="나눔스퀘어 Light" panose="020B0600000101010101" pitchFamily="50" charset="-127"/>
+                <a:ea typeface="나눔스퀘어 Light" panose="020B0600000101010101" pitchFamily="50" charset="-127"/>
+              </a:rPr>
+              <a:t>.</a:t>
+            </a:r>
+            <a:endParaRPr lang="ko-KR" altLang="en-US" dirty="0">
+              <a:latin typeface="나눔스퀘어 Light" panose="020B0600000101010101" pitchFamily="50" charset="-127"/>
+              <a:ea typeface="나눔스퀘어 Light" panose="020B0600000101010101" pitchFamily="50" charset="-127"/>
+            </a:endParaRPr>
+          </a:p>
+        </p:txBody>
+      </p:sp>
+      <p:pic>
+        <p:nvPicPr>
+          <p:cNvPr id="6" name="그림 5">
+            <a:extLst>
+              <a:ext uri="{FF2B5EF4-FFF2-40B4-BE49-F238E27FC236}">
+                <a16:creationId xmlns:a16="http://schemas.microsoft.com/office/drawing/2014/main" id="{AFEDFE8B-D71D-88D1-0C27-2843BECC762E}"/>
+              </a:ext>
+            </a:extLst>
+          </p:cNvPr>
+          <p:cNvPicPr>
+            <a:picLocks noChangeAspect="1"/>
+          </p:cNvPicPr>
+          <p:nvPr/>
+        </p:nvPicPr>
+        <p:blipFill>
+          <a:blip r:embed="rId2"/>
+          <a:stretch>
+            <a:fillRect/>
+          </a:stretch>
+        </p:blipFill>
+        <p:spPr>
+          <a:xfrm>
+            <a:off x="942387" y="1554816"/>
+            <a:ext cx="8935697" cy="5077534"/>
           </a:xfrm>
           <a:prstGeom prst="rect">
             <a:avLst/>
           </a:prstGeom>
-          <a:noFill/>
-        </p:spPr>
-        <p:txBody>
-          <a:bodyPr wrap="none" rtlCol="0">
-            <a:spAutoFit/>
-          </a:bodyPr>
-          <a:lstStyle/>
-          <a:p>
-            <a:r>
-              <a:rPr lang="en-US" altLang="ko-KR" sz="2800" dirty="0">
-                <a:latin typeface="나눔스퀘어 Bold" panose="020B0600000101010101" pitchFamily="50" charset="-127"/>
-                <a:ea typeface="나눔스퀘어 Bold" panose="020B0600000101010101" pitchFamily="50" charset="-127"/>
-              </a:rPr>
-              <a:t>DS</a:t>
-            </a:r>
-            <a:r>
-              <a:rPr lang="ko-KR" altLang="en-US" sz="2800" dirty="0">
-                <a:latin typeface="나눔스퀘어 Bold" panose="020B0600000101010101" pitchFamily="50" charset="-127"/>
-                <a:ea typeface="나눔스퀘어 Bold" panose="020B0600000101010101" pitchFamily="50" charset="-127"/>
-              </a:rPr>
-              <a:t> </a:t>
-            </a:r>
-            <a:r>
-              <a:rPr lang="en-US" altLang="ko-KR" sz="2800" dirty="0">
-                <a:latin typeface="나눔스퀘어 Bold" panose="020B0600000101010101" pitchFamily="50" charset="-127"/>
-                <a:ea typeface="나눔스퀘어 Bold" panose="020B0600000101010101" pitchFamily="50" charset="-127"/>
-              </a:rPr>
-              <a:t>– 9012 </a:t>
-            </a:r>
-            <a:r>
-              <a:rPr lang="ko-KR" altLang="en-US" sz="2800" dirty="0">
-                <a:latin typeface="나눔스퀘어 Bold" panose="020B0600000101010101" pitchFamily="50" charset="-127"/>
-                <a:ea typeface="나눔스퀘어 Bold" panose="020B0600000101010101" pitchFamily="50" charset="-127"/>
-              </a:rPr>
-              <a:t>괄호</a:t>
-            </a:r>
-          </a:p>
-        </p:txBody>
-      </p:sp>
+        </p:spPr>
+      </p:pic>
     </p:spTree>
     <p:extLst>
       <p:ext uri="{BB962C8B-B14F-4D97-AF65-F5344CB8AC3E}">
-        <p14:creationId xmlns:p14="http://schemas.microsoft.com/office/powerpoint/2010/main" val="2583783189"/>
+        <p14:creationId xmlns:p14="http://schemas.microsoft.com/office/powerpoint/2010/main" val="3695452220"/>
       </p:ext>
     </p:extLst>
   </p:cSld>
@@ -6286,10 +6681,10 @@
       </p:cxnSp>
       <p:sp>
         <p:nvSpPr>
-          <p:cNvPr id="2" name="TextBox 1">
-            <a:extLst>
-              <a:ext uri="{FF2B5EF4-FFF2-40B4-BE49-F238E27FC236}">
-                <a16:creationId xmlns:a16="http://schemas.microsoft.com/office/drawing/2014/main" id="{18D39D5A-64F9-9DF0-96C3-E9A433FB9C19}"/>
+          <p:cNvPr id="3" name="TextBox 2">
+            <a:extLst>
+              <a:ext uri="{FF2B5EF4-FFF2-40B4-BE49-F238E27FC236}">
+                <a16:creationId xmlns:a16="http://schemas.microsoft.com/office/drawing/2014/main" id="{28FF46E5-50E3-EF2F-1C7A-0DF5C8D071CE}"/>
               </a:ext>
             </a:extLst>
           </p:cNvPr>
@@ -6299,7 +6694,7 @@
         <p:spPr>
           <a:xfrm>
             <a:off x="331694" y="177505"/>
-            <a:ext cx="3897221" cy="523220"/>
+            <a:ext cx="2909771" cy="523220"/>
           </a:xfrm>
           <a:prstGeom prst="rect">
             <a:avLst/>
@@ -6317,35 +6712,7 @@
                 <a:latin typeface="나눔스퀘어 Bold" panose="020B0600000101010101" pitchFamily="50" charset="-127"/>
                 <a:ea typeface="나눔스퀘어 Bold" panose="020B0600000101010101" pitchFamily="50" charset="-127"/>
               </a:rPr>
-              <a:t>DS</a:t>
-            </a:r>
-            <a:r>
-              <a:rPr lang="ko-KR" altLang="en-US" sz="2800" dirty="0">
-                <a:latin typeface="나눔스퀘어 Bold" panose="020B0600000101010101" pitchFamily="50" charset="-127"/>
-                <a:ea typeface="나눔스퀘어 Bold" panose="020B0600000101010101" pitchFamily="50" charset="-127"/>
-              </a:rPr>
-              <a:t> </a:t>
-            </a:r>
-            <a:r>
-              <a:rPr lang="en-US" altLang="ko-KR" sz="2800" dirty="0">
-                <a:latin typeface="나눔스퀘어 Bold" panose="020B0600000101010101" pitchFamily="50" charset="-127"/>
-                <a:ea typeface="나눔스퀘어 Bold" panose="020B0600000101010101" pitchFamily="50" charset="-127"/>
-              </a:rPr>
-              <a:t>– 1935 </a:t>
-            </a:r>
-            <a:r>
-              <a:rPr lang="ko-KR" altLang="en-US" sz="2800" dirty="0">
-                <a:latin typeface="나눔스퀘어 Bold" panose="020B0600000101010101" pitchFamily="50" charset="-127"/>
-                <a:ea typeface="나눔스퀘어 Bold" panose="020B0600000101010101" pitchFamily="50" charset="-127"/>
-              </a:rPr>
-              <a:t>후위 표기식</a:t>
-            </a:r>
-            <a:r>
-              <a:rPr lang="en-US" altLang="ko-KR" sz="2800" dirty="0">
-                <a:latin typeface="나눔스퀘어 Bold" panose="020B0600000101010101" pitchFamily="50" charset="-127"/>
-                <a:ea typeface="나눔스퀘어 Bold" panose="020B0600000101010101" pitchFamily="50" charset="-127"/>
-              </a:rPr>
-              <a:t>2</a:t>
+              <a:t>TMI – Java Stack</a:t>
             </a:r>
             <a:endParaRPr lang="ko-KR" altLang="en-US" sz="2800" dirty="0">
               <a:latin typeface="나눔스퀘어 Bold" panose="020B0600000101010101" pitchFamily="50" charset="-127"/>
@@ -6354,160 +6721,475 @@
           </a:p>
         </p:txBody>
       </p:sp>
-      <p:pic>
-        <p:nvPicPr>
-          <p:cNvPr id="6" name="그림 5">
-            <a:extLst>
-              <a:ext uri="{FF2B5EF4-FFF2-40B4-BE49-F238E27FC236}">
-                <a16:creationId xmlns:a16="http://schemas.microsoft.com/office/drawing/2014/main" id="{F0ABB7DE-C9D8-CA58-35D0-43FCBADD0B54}"/>
-              </a:ext>
-            </a:extLst>
-          </p:cNvPr>
-          <p:cNvPicPr>
-            <a:picLocks noChangeAspect="1"/>
-          </p:cNvPicPr>
-          <p:nvPr/>
-        </p:nvPicPr>
-        <p:blipFill>
-          <a:blip r:embed="rId2"/>
-          <a:stretch>
-            <a:fillRect/>
-          </a:stretch>
-        </p:blipFill>
-        <p:spPr>
-          <a:xfrm>
-            <a:off x="331693" y="955017"/>
-            <a:ext cx="10377155" cy="3778161"/>
+      <p:sp>
+        <p:nvSpPr>
+          <p:cNvPr id="8" name="TextBox 7">
+            <a:extLst>
+              <a:ext uri="{FF2B5EF4-FFF2-40B4-BE49-F238E27FC236}">
+                <a16:creationId xmlns:a16="http://schemas.microsoft.com/office/drawing/2014/main" id="{CD8E3FED-918B-0B44-8445-0682DD85BCE0}"/>
+              </a:ext>
+            </a:extLst>
+          </p:cNvPr>
+          <p:cNvSpPr txBox="1"/>
+          <p:nvPr/>
+        </p:nvSpPr>
+        <p:spPr>
+          <a:xfrm>
+            <a:off x="942387" y="2662812"/>
+            <a:ext cx="10237694" cy="369332"/>
           </a:xfrm>
           <a:prstGeom prst="rect">
             <a:avLst/>
           </a:prstGeom>
-        </p:spPr>
-      </p:pic>
-      <p:pic>
-        <p:nvPicPr>
-          <p:cNvPr id="8" name="그림 7">
-            <a:extLst>
-              <a:ext uri="{FF2B5EF4-FFF2-40B4-BE49-F238E27FC236}">
-                <a16:creationId xmlns:a16="http://schemas.microsoft.com/office/drawing/2014/main" id="{D28CB359-D073-379E-E5C6-1B49EB657574}"/>
-              </a:ext>
-            </a:extLst>
-          </p:cNvPr>
-          <p:cNvPicPr>
-            <a:picLocks noChangeAspect="1"/>
-          </p:cNvPicPr>
-          <p:nvPr/>
-        </p:nvPicPr>
-        <p:blipFill>
-          <a:blip r:embed="rId3"/>
-          <a:stretch>
-            <a:fillRect/>
-          </a:stretch>
-        </p:blipFill>
-        <p:spPr>
-          <a:xfrm>
-            <a:off x="4373497" y="3921551"/>
-            <a:ext cx="1395682" cy="2346254"/>
+          <a:noFill/>
+        </p:spPr>
+        <p:txBody>
+          <a:bodyPr wrap="square" rtlCol="0">
+            <a:spAutoFit/>
+          </a:bodyPr>
+          <a:lstStyle/>
+          <a:p>
+            <a:r>
+              <a:rPr lang="ko-KR" altLang="en-US" dirty="0">
+                <a:latin typeface="나눔스퀘어 Light" panose="020B0600000101010101" pitchFamily="50" charset="-127"/>
+                <a:ea typeface="나눔스퀘어 Light" panose="020B0600000101010101" pitchFamily="50" charset="-127"/>
+              </a:rPr>
+              <a:t>또</a:t>
+            </a:r>
+            <a:r>
+              <a:rPr lang="en-US" altLang="ko-KR" dirty="0">
+                <a:latin typeface="나눔스퀘어 Light" panose="020B0600000101010101" pitchFamily="50" charset="-127"/>
+                <a:ea typeface="나눔스퀘어 Light" panose="020B0600000101010101" pitchFamily="50" charset="-127"/>
+              </a:rPr>
+              <a:t>, Vector </a:t>
+            </a:r>
+            <a:r>
+              <a:rPr lang="ko-KR" altLang="en-US" dirty="0">
+                <a:latin typeface="나눔스퀘어 Light" panose="020B0600000101010101" pitchFamily="50" charset="-127"/>
+                <a:ea typeface="나눔스퀘어 Light" panose="020B0600000101010101" pitchFamily="50" charset="-127"/>
+              </a:rPr>
+              <a:t>클래스는 </a:t>
+            </a:r>
+            <a:r>
+              <a:rPr lang="en-US" altLang="ko-KR" dirty="0">
+                <a:latin typeface="나눔스퀘어 Light" panose="020B0600000101010101" pitchFamily="50" charset="-127"/>
+                <a:ea typeface="나눔스퀘어 Light" panose="020B0600000101010101" pitchFamily="50" charset="-127"/>
+              </a:rPr>
+              <a:t>Thread Safe </a:t>
+            </a:r>
+            <a:r>
+              <a:rPr lang="ko-KR" altLang="en-US" dirty="0">
+                <a:latin typeface="나눔스퀘어 Light" panose="020B0600000101010101" pitchFamily="50" charset="-127"/>
+                <a:ea typeface="나눔스퀘어 Light" panose="020B0600000101010101" pitchFamily="50" charset="-127"/>
+              </a:rPr>
+              <a:t>한 특징을 가지고 있습니다</a:t>
+            </a:r>
+            <a:r>
+              <a:rPr lang="en-US" altLang="ko-KR" dirty="0">
+                <a:latin typeface="나눔스퀘어 Light" panose="020B0600000101010101" pitchFamily="50" charset="-127"/>
+                <a:ea typeface="나눔스퀘어 Light" panose="020B0600000101010101" pitchFamily="50" charset="-127"/>
+              </a:rPr>
+              <a:t>.</a:t>
+            </a:r>
+            <a:endParaRPr lang="ko-KR" altLang="en-US" dirty="0">
+              <a:latin typeface="나눔스퀘어 Light" panose="020B0600000101010101" pitchFamily="50" charset="-127"/>
+              <a:ea typeface="나눔스퀘어 Light" panose="020B0600000101010101" pitchFamily="50" charset="-127"/>
+            </a:endParaRPr>
+          </a:p>
+        </p:txBody>
+      </p:sp>
+      <p:sp>
+        <p:nvSpPr>
+          <p:cNvPr id="2" name="TextBox 1">
+            <a:extLst>
+              <a:ext uri="{FF2B5EF4-FFF2-40B4-BE49-F238E27FC236}">
+                <a16:creationId xmlns:a16="http://schemas.microsoft.com/office/drawing/2014/main" id="{2E851D32-BF9F-4B74-4382-3FDC4E48DE69}"/>
+              </a:ext>
+            </a:extLst>
+          </p:cNvPr>
+          <p:cNvSpPr txBox="1"/>
+          <p:nvPr/>
+        </p:nvSpPr>
+        <p:spPr>
+          <a:xfrm>
+            <a:off x="942387" y="3032144"/>
+            <a:ext cx="10237694" cy="369332"/>
           </a:xfrm>
           <a:prstGeom prst="rect">
             <a:avLst/>
           </a:prstGeom>
-        </p:spPr>
-      </p:pic>
-      <p:pic>
-        <p:nvPicPr>
-          <p:cNvPr id="10" name="그림 9">
-            <a:extLst>
-              <a:ext uri="{FF2B5EF4-FFF2-40B4-BE49-F238E27FC236}">
-                <a16:creationId xmlns:a16="http://schemas.microsoft.com/office/drawing/2014/main" id="{EA41C19E-CF69-A11F-2F0A-B63A51307F4C}"/>
-              </a:ext>
-            </a:extLst>
-          </p:cNvPr>
-          <p:cNvPicPr>
-            <a:picLocks noChangeAspect="1"/>
-          </p:cNvPicPr>
-          <p:nvPr/>
-        </p:nvPicPr>
-        <p:blipFill>
-          <a:blip r:embed="rId4"/>
-          <a:stretch>
-            <a:fillRect/>
-          </a:stretch>
-        </p:blipFill>
-        <p:spPr>
-          <a:xfrm>
-            <a:off x="5940117" y="3902697"/>
-            <a:ext cx="1370135" cy="969871"/>
+          <a:noFill/>
+        </p:spPr>
+        <p:txBody>
+          <a:bodyPr wrap="square" rtlCol="0">
+            <a:spAutoFit/>
+          </a:bodyPr>
+          <a:lstStyle/>
+          <a:p>
+            <a:r>
+              <a:rPr lang="ko-KR" altLang="en-US" dirty="0">
+                <a:latin typeface="나눔스퀘어 Light" panose="020B0600000101010101" pitchFamily="50" charset="-127"/>
+                <a:ea typeface="나눔스퀘어 Light" panose="020B0600000101010101" pitchFamily="50" charset="-127"/>
+              </a:rPr>
+              <a:t>즉</a:t>
+            </a:r>
+            <a:r>
+              <a:rPr lang="en-US" altLang="ko-KR" dirty="0">
+                <a:latin typeface="나눔스퀘어 Light" panose="020B0600000101010101" pitchFamily="50" charset="-127"/>
+                <a:ea typeface="나눔스퀘어 Light" panose="020B0600000101010101" pitchFamily="50" charset="-127"/>
+              </a:rPr>
+              <a:t>, synchronized </a:t>
+            </a:r>
+            <a:r>
+              <a:rPr lang="ko-KR" altLang="en-US" dirty="0">
+                <a:latin typeface="나눔스퀘어 Light" panose="020B0600000101010101" pitchFamily="50" charset="-127"/>
+                <a:ea typeface="나눔스퀘어 Light" panose="020B0600000101010101" pitchFamily="50" charset="-127"/>
+              </a:rPr>
+              <a:t>키워드가 붙어있고</a:t>
+            </a:r>
+            <a:r>
+              <a:rPr lang="en-US" altLang="ko-KR" dirty="0">
+                <a:latin typeface="나눔스퀘어 Light" panose="020B0600000101010101" pitchFamily="50" charset="-127"/>
+                <a:ea typeface="나눔스퀘어 Light" panose="020B0600000101010101" pitchFamily="50" charset="-127"/>
+              </a:rPr>
+              <a:t>, </a:t>
+            </a:r>
+            <a:r>
+              <a:rPr lang="ko-KR" altLang="en-US" dirty="0" err="1">
+                <a:latin typeface="나눔스퀘어 Light" panose="020B0600000101010101" pitchFamily="50" charset="-127"/>
+                <a:ea typeface="나눔스퀘어 Light" panose="020B0600000101010101" pitchFamily="50" charset="-127"/>
+              </a:rPr>
+              <a:t>멀티스레드</a:t>
+            </a:r>
+            <a:r>
+              <a:rPr lang="ko-KR" altLang="en-US" dirty="0">
+                <a:latin typeface="나눔스퀘어 Light" panose="020B0600000101010101" pitchFamily="50" charset="-127"/>
+                <a:ea typeface="나눔스퀘어 Light" panose="020B0600000101010101" pitchFamily="50" charset="-127"/>
+              </a:rPr>
+              <a:t> 환경이 아닐 때 사용하면 </a:t>
+            </a:r>
+            <a:r>
+              <a:rPr lang="en-US" altLang="ko-KR" dirty="0">
+                <a:latin typeface="나눔스퀘어 Light" panose="020B0600000101010101" pitchFamily="50" charset="-127"/>
+                <a:ea typeface="나눔스퀘어 Light" panose="020B0600000101010101" pitchFamily="50" charset="-127"/>
+              </a:rPr>
+              <a:t>lock</a:t>
+            </a:r>
+            <a:r>
+              <a:rPr lang="ko-KR" altLang="en-US" dirty="0">
+                <a:latin typeface="나눔스퀘어 Light" panose="020B0600000101010101" pitchFamily="50" charset="-127"/>
+                <a:ea typeface="나눔스퀘어 Light" panose="020B0600000101010101" pitchFamily="50" charset="-127"/>
+              </a:rPr>
+              <a:t>을 거는 작업에</a:t>
+            </a:r>
+          </a:p>
+        </p:txBody>
+      </p:sp>
+      <p:sp>
+        <p:nvSpPr>
+          <p:cNvPr id="4" name="TextBox 3">
+            <a:extLst>
+              <a:ext uri="{FF2B5EF4-FFF2-40B4-BE49-F238E27FC236}">
+                <a16:creationId xmlns:a16="http://schemas.microsoft.com/office/drawing/2014/main" id="{F7EDA33C-2F63-88BB-9F18-B049DF9AB282}"/>
+              </a:ext>
+            </a:extLst>
+          </p:cNvPr>
+          <p:cNvSpPr txBox="1"/>
+          <p:nvPr/>
+        </p:nvSpPr>
+        <p:spPr>
+          <a:xfrm>
+            <a:off x="942387" y="3401476"/>
+            <a:ext cx="10237694" cy="369332"/>
           </a:xfrm>
           <a:prstGeom prst="rect">
             <a:avLst/>
           </a:prstGeom>
-        </p:spPr>
-      </p:pic>
-      <p:pic>
-        <p:nvPicPr>
-          <p:cNvPr id="12" name="그림 11">
-            <a:extLst>
-              <a:ext uri="{FF2B5EF4-FFF2-40B4-BE49-F238E27FC236}">
-                <a16:creationId xmlns:a16="http://schemas.microsoft.com/office/drawing/2014/main" id="{FD6BDE1B-C3EE-148A-4DF3-717360C0B15F}"/>
-              </a:ext>
-            </a:extLst>
-          </p:cNvPr>
-          <p:cNvPicPr>
-            <a:picLocks noChangeAspect="1"/>
-          </p:cNvPicPr>
-          <p:nvPr/>
-        </p:nvPicPr>
-        <p:blipFill>
-          <a:blip r:embed="rId5"/>
-          <a:stretch>
-            <a:fillRect/>
-          </a:stretch>
-        </p:blipFill>
-        <p:spPr>
-          <a:xfrm>
-            <a:off x="8692884" y="3883843"/>
-            <a:ext cx="1376699" cy="1452342"/>
+          <a:noFill/>
+        </p:spPr>
+        <p:txBody>
+          <a:bodyPr wrap="square" rtlCol="0">
+            <a:spAutoFit/>
+          </a:bodyPr>
+          <a:lstStyle/>
+          <a:p>
+            <a:r>
+              <a:rPr lang="ko-KR" altLang="en-US" dirty="0">
+                <a:latin typeface="나눔스퀘어 Light" panose="020B0600000101010101" pitchFamily="50" charset="-127"/>
+                <a:ea typeface="나눔스퀘어 Light" panose="020B0600000101010101" pitchFamily="50" charset="-127"/>
+              </a:rPr>
+              <a:t>많은 오버헤드가 발생하게 됩니다</a:t>
+            </a:r>
+            <a:r>
+              <a:rPr lang="en-US" altLang="ko-KR" dirty="0">
+                <a:latin typeface="나눔스퀘어 Light" panose="020B0600000101010101" pitchFamily="50" charset="-127"/>
+                <a:ea typeface="나눔스퀘어 Light" panose="020B0600000101010101" pitchFamily="50" charset="-127"/>
+              </a:rPr>
+              <a:t>.</a:t>
+            </a:r>
+            <a:endParaRPr lang="ko-KR" altLang="en-US" dirty="0">
+              <a:latin typeface="나눔스퀘어 Light" panose="020B0600000101010101" pitchFamily="50" charset="-127"/>
+              <a:ea typeface="나눔스퀘어 Light" panose="020B0600000101010101" pitchFamily="50" charset="-127"/>
+            </a:endParaRPr>
+          </a:p>
+        </p:txBody>
+      </p:sp>
+      <p:sp>
+        <p:nvSpPr>
+          <p:cNvPr id="7" name="TextBox 6">
+            <a:extLst>
+              <a:ext uri="{FF2B5EF4-FFF2-40B4-BE49-F238E27FC236}">
+                <a16:creationId xmlns:a16="http://schemas.microsoft.com/office/drawing/2014/main" id="{5742402C-C24E-9BD0-2D26-C5756E9E15C2}"/>
+              </a:ext>
+            </a:extLst>
+          </p:cNvPr>
+          <p:cNvSpPr txBox="1"/>
+          <p:nvPr/>
+        </p:nvSpPr>
+        <p:spPr>
+          <a:xfrm>
+            <a:off x="942387" y="1185484"/>
+            <a:ext cx="10237694" cy="369332"/>
           </a:xfrm>
           <a:prstGeom prst="rect">
             <a:avLst/>
           </a:prstGeom>
-        </p:spPr>
-      </p:pic>
-      <p:pic>
-        <p:nvPicPr>
-          <p:cNvPr id="14" name="그림 13">
-            <a:extLst>
-              <a:ext uri="{FF2B5EF4-FFF2-40B4-BE49-F238E27FC236}">
-                <a16:creationId xmlns:a16="http://schemas.microsoft.com/office/drawing/2014/main" id="{70E1C66A-1D27-B642-20B5-DB494DE8AF16}"/>
-              </a:ext>
-            </a:extLst>
-          </p:cNvPr>
-          <p:cNvPicPr>
-            <a:picLocks noChangeAspect="1"/>
-          </p:cNvPicPr>
-          <p:nvPr/>
-        </p:nvPicPr>
-        <p:blipFill>
-          <a:blip r:embed="rId6"/>
-          <a:stretch>
-            <a:fillRect/>
-          </a:stretch>
-        </p:blipFill>
-        <p:spPr>
-          <a:xfrm>
-            <a:off x="10233957" y="3883843"/>
-            <a:ext cx="1372839" cy="951017"/>
+          <a:noFill/>
+        </p:spPr>
+        <p:txBody>
+          <a:bodyPr wrap="square" rtlCol="0">
+            <a:spAutoFit/>
+          </a:bodyPr>
+          <a:lstStyle/>
+          <a:p>
+            <a:r>
+              <a:rPr lang="en-US" altLang="ko-KR" dirty="0">
+                <a:latin typeface="나눔스퀘어 Light" panose="020B0600000101010101" pitchFamily="50" charset="-127"/>
+                <a:ea typeface="나눔스퀘어 Light" panose="020B0600000101010101" pitchFamily="50" charset="-127"/>
+              </a:rPr>
+              <a:t>Stack</a:t>
+            </a:r>
+            <a:r>
+              <a:rPr lang="ko-KR" altLang="en-US" dirty="0">
+                <a:latin typeface="나눔스퀘어 Light" panose="020B0600000101010101" pitchFamily="50" charset="-127"/>
+                <a:ea typeface="나눔스퀘어 Light" panose="020B0600000101010101" pitchFamily="50" charset="-127"/>
+              </a:rPr>
+              <a:t> 클래스는 </a:t>
+            </a:r>
+            <a:r>
+              <a:rPr lang="en-US" altLang="ko-KR" dirty="0">
+                <a:latin typeface="나눔스퀘어 Light" panose="020B0600000101010101" pitchFamily="50" charset="-127"/>
+                <a:ea typeface="나눔스퀘어 Light" panose="020B0600000101010101" pitchFamily="50" charset="-127"/>
+              </a:rPr>
+              <a:t>Vector </a:t>
+            </a:r>
+            <a:r>
+              <a:rPr lang="ko-KR" altLang="en-US" dirty="0">
+                <a:latin typeface="나눔스퀘어 Light" panose="020B0600000101010101" pitchFamily="50" charset="-127"/>
+                <a:ea typeface="나눔스퀘어 Light" panose="020B0600000101010101" pitchFamily="50" charset="-127"/>
+              </a:rPr>
+              <a:t>클래스를 잘못 확장</a:t>
+            </a:r>
+            <a:r>
+              <a:rPr lang="en-US" altLang="ko-KR" dirty="0">
+                <a:latin typeface="나눔스퀘어 Light" panose="020B0600000101010101" pitchFamily="50" charset="-127"/>
+                <a:ea typeface="나눔스퀘어 Light" panose="020B0600000101010101" pitchFamily="50" charset="-127"/>
+              </a:rPr>
+              <a:t>(</a:t>
+            </a:r>
+            <a:r>
+              <a:rPr lang="ko-KR" altLang="en-US" dirty="0">
+                <a:latin typeface="나눔스퀘어 Light" panose="020B0600000101010101" pitchFamily="50" charset="-127"/>
+                <a:ea typeface="나눔스퀘어 Light" panose="020B0600000101010101" pitchFamily="50" charset="-127"/>
+              </a:rPr>
+              <a:t>상속</a:t>
+            </a:r>
+            <a:r>
+              <a:rPr lang="en-US" altLang="ko-KR" dirty="0">
+                <a:latin typeface="나눔스퀘어 Light" panose="020B0600000101010101" pitchFamily="50" charset="-127"/>
+                <a:ea typeface="나눔스퀘어 Light" panose="020B0600000101010101" pitchFamily="50" charset="-127"/>
+              </a:rPr>
+              <a:t>)</a:t>
+            </a:r>
+            <a:r>
+              <a:rPr lang="ko-KR" altLang="en-US" dirty="0">
+                <a:latin typeface="나눔스퀘어 Light" panose="020B0600000101010101" pitchFamily="50" charset="-127"/>
+                <a:ea typeface="나눔스퀘어 Light" panose="020B0600000101010101" pitchFamily="50" charset="-127"/>
+              </a:rPr>
+              <a:t>해 만든 것은 자바의 큰 실수 입니다</a:t>
+            </a:r>
+            <a:r>
+              <a:rPr lang="en-US" altLang="ko-KR" dirty="0">
+                <a:latin typeface="나눔스퀘어 Light" panose="020B0600000101010101" pitchFamily="50" charset="-127"/>
+                <a:ea typeface="나눔스퀘어 Light" panose="020B0600000101010101" pitchFamily="50" charset="-127"/>
+              </a:rPr>
+              <a:t>.</a:t>
+            </a:r>
+            <a:endParaRPr lang="ko-KR" altLang="en-US" dirty="0">
+              <a:latin typeface="나눔스퀘어 Light" panose="020B0600000101010101" pitchFamily="50" charset="-127"/>
+              <a:ea typeface="나눔스퀘어 Light" panose="020B0600000101010101" pitchFamily="50" charset="-127"/>
+            </a:endParaRPr>
+          </a:p>
+        </p:txBody>
+      </p:sp>
+      <p:sp>
+        <p:nvSpPr>
+          <p:cNvPr id="9" name="TextBox 8">
+            <a:extLst>
+              <a:ext uri="{FF2B5EF4-FFF2-40B4-BE49-F238E27FC236}">
+                <a16:creationId xmlns:a16="http://schemas.microsoft.com/office/drawing/2014/main" id="{8D0F91A7-E5C2-2249-8DE2-1959F35F2002}"/>
+              </a:ext>
+            </a:extLst>
+          </p:cNvPr>
+          <p:cNvSpPr txBox="1"/>
+          <p:nvPr/>
+        </p:nvSpPr>
+        <p:spPr>
+          <a:xfrm>
+            <a:off x="942387" y="1554816"/>
+            <a:ext cx="10237694" cy="369332"/>
           </a:xfrm>
           <a:prstGeom prst="rect">
             <a:avLst/>
           </a:prstGeom>
-        </p:spPr>
-      </p:pic>
+          <a:noFill/>
+        </p:spPr>
+        <p:txBody>
+          <a:bodyPr wrap="square" rtlCol="0">
+            <a:spAutoFit/>
+          </a:bodyPr>
+          <a:lstStyle/>
+          <a:p>
+            <a:r>
+              <a:rPr lang="en-US" altLang="ko-KR" dirty="0">
+                <a:latin typeface="나눔스퀘어 Light" panose="020B0600000101010101" pitchFamily="50" charset="-127"/>
+                <a:ea typeface="나눔스퀘어 Light" panose="020B0600000101010101" pitchFamily="50" charset="-127"/>
+              </a:rPr>
+              <a:t>(</a:t>
+            </a:r>
+            <a:r>
+              <a:rPr lang="ko-KR" altLang="en-US" dirty="0">
+                <a:latin typeface="나눔스퀘어 Light" panose="020B0600000101010101" pitchFamily="50" charset="-127"/>
+                <a:ea typeface="나눔스퀘어 Light" panose="020B0600000101010101" pitchFamily="50" charset="-127"/>
+              </a:rPr>
+              <a:t>앞에서 </a:t>
+            </a:r>
+            <a:r>
+              <a:rPr lang="en-US" altLang="ko-KR" dirty="0">
+                <a:latin typeface="나눔스퀘어 Light" panose="020B0600000101010101" pitchFamily="50" charset="-127"/>
+                <a:ea typeface="나눔스퀘어 Light" panose="020B0600000101010101" pitchFamily="50" charset="-127"/>
+              </a:rPr>
+              <a:t>LIFO </a:t>
+            </a:r>
+            <a:r>
+              <a:rPr lang="ko-KR" altLang="en-US" dirty="0">
+                <a:latin typeface="나눔스퀘어 Light" panose="020B0600000101010101" pitchFamily="50" charset="-127"/>
+                <a:ea typeface="나눔스퀘어 Light" panose="020B0600000101010101" pitchFamily="50" charset="-127"/>
+              </a:rPr>
+              <a:t>구조를 깨는 것을 봄</a:t>
+            </a:r>
+            <a:r>
+              <a:rPr lang="en-US" altLang="ko-KR" dirty="0">
+                <a:latin typeface="나눔스퀘어 Light" panose="020B0600000101010101" pitchFamily="50" charset="-127"/>
+                <a:ea typeface="나눔스퀘어 Light" panose="020B0600000101010101" pitchFamily="50" charset="-127"/>
+              </a:rPr>
+              <a:t>)</a:t>
+            </a:r>
+            <a:endParaRPr lang="ko-KR" altLang="en-US" dirty="0">
+              <a:latin typeface="나눔스퀘어 Light" panose="020B0600000101010101" pitchFamily="50" charset="-127"/>
+              <a:ea typeface="나눔스퀘어 Light" panose="020B0600000101010101" pitchFamily="50" charset="-127"/>
+            </a:endParaRPr>
+          </a:p>
+        </p:txBody>
+      </p:sp>
+      <p:sp>
+        <p:nvSpPr>
+          <p:cNvPr id="10" name="TextBox 9">
+            <a:extLst>
+              <a:ext uri="{FF2B5EF4-FFF2-40B4-BE49-F238E27FC236}">
+                <a16:creationId xmlns:a16="http://schemas.microsoft.com/office/drawing/2014/main" id="{68D8FE64-E64C-22C6-E129-A077ADD59B30}"/>
+              </a:ext>
+            </a:extLst>
+          </p:cNvPr>
+          <p:cNvSpPr txBox="1"/>
+          <p:nvPr/>
+        </p:nvSpPr>
+        <p:spPr>
+          <a:xfrm>
+            <a:off x="942387" y="1924148"/>
+            <a:ext cx="10237694" cy="369332"/>
+          </a:xfrm>
+          <a:prstGeom prst="rect">
+            <a:avLst/>
+          </a:prstGeom>
+          <a:noFill/>
+        </p:spPr>
+        <p:txBody>
+          <a:bodyPr wrap="square" rtlCol="0">
+            <a:spAutoFit/>
+          </a:bodyPr>
+          <a:lstStyle/>
+          <a:p>
+            <a:r>
+              <a:rPr lang="en-US" altLang="ko-KR" dirty="0">
+                <a:latin typeface="나눔스퀘어 Light" panose="020B0600000101010101" pitchFamily="50" charset="-127"/>
+                <a:ea typeface="나눔스퀘어 Light" panose="020B0600000101010101" pitchFamily="50" charset="-127"/>
+              </a:rPr>
+              <a:t>LIFO </a:t>
+            </a:r>
+            <a:r>
+              <a:rPr lang="ko-KR" altLang="en-US" dirty="0">
+                <a:latin typeface="나눔스퀘어 Light" panose="020B0600000101010101" pitchFamily="50" charset="-127"/>
+                <a:ea typeface="나눔스퀘어 Light" panose="020B0600000101010101" pitchFamily="50" charset="-127"/>
+              </a:rPr>
+              <a:t>구조를 지키지 않는 클래스</a:t>
+            </a:r>
+            <a:r>
+              <a:rPr lang="en-US" altLang="ko-KR" dirty="0">
+                <a:latin typeface="나눔스퀘어 Light" panose="020B0600000101010101" pitchFamily="50" charset="-127"/>
+                <a:ea typeface="나눔스퀘어 Light" panose="020B0600000101010101" pitchFamily="50" charset="-127"/>
+              </a:rPr>
+              <a:t>(</a:t>
+            </a:r>
+            <a:r>
+              <a:rPr lang="ko-KR" altLang="en-US" dirty="0">
+                <a:latin typeface="나눔스퀘어 Light" panose="020B0600000101010101" pitchFamily="50" charset="-127"/>
+                <a:ea typeface="나눔스퀘어 Light" panose="020B0600000101010101" pitchFamily="50" charset="-127"/>
+              </a:rPr>
+              <a:t>자료구조</a:t>
+            </a:r>
+            <a:r>
+              <a:rPr lang="en-US" altLang="ko-KR" dirty="0">
+                <a:latin typeface="나눔스퀘어 Light" panose="020B0600000101010101" pitchFamily="50" charset="-127"/>
+                <a:ea typeface="나눔스퀘어 Light" panose="020B0600000101010101" pitchFamily="50" charset="-127"/>
+              </a:rPr>
+              <a:t>)</a:t>
+            </a:r>
+            <a:r>
+              <a:rPr lang="ko-KR" altLang="en-US" dirty="0">
+                <a:latin typeface="나눔스퀘어 Light" panose="020B0600000101010101" pitchFamily="50" charset="-127"/>
+                <a:ea typeface="나눔스퀘어 Light" panose="020B0600000101010101" pitchFamily="50" charset="-127"/>
+              </a:rPr>
+              <a:t>를 과연 스택이라고 할 수 있을까요</a:t>
+            </a:r>
+            <a:r>
+              <a:rPr lang="en-US" altLang="ko-KR" dirty="0">
+                <a:latin typeface="나눔스퀘어 Light" panose="020B0600000101010101" pitchFamily="50" charset="-127"/>
+                <a:ea typeface="나눔스퀘어 Light" panose="020B0600000101010101" pitchFamily="50" charset="-127"/>
+              </a:rPr>
+              <a:t>?</a:t>
+            </a:r>
+            <a:endParaRPr lang="ko-KR" altLang="en-US" dirty="0">
+              <a:latin typeface="나눔스퀘어 Light" panose="020B0600000101010101" pitchFamily="50" charset="-127"/>
+              <a:ea typeface="나눔스퀘어 Light" panose="020B0600000101010101" pitchFamily="50" charset="-127"/>
+            </a:endParaRPr>
+          </a:p>
+        </p:txBody>
+      </p:sp>
     </p:spTree>
     <p:extLst>
       <p:ext uri="{BB962C8B-B14F-4D97-AF65-F5344CB8AC3E}">
-        <p14:creationId xmlns:p14="http://schemas.microsoft.com/office/powerpoint/2010/main" val="1907416354"/>
+        <p14:creationId xmlns:p14="http://schemas.microsoft.com/office/powerpoint/2010/main" val="343545372"/>
       </p:ext>
     </p:extLst>
   </p:cSld>
@@ -6580,10 +7262,10 @@
       </p:cxnSp>
       <p:sp>
         <p:nvSpPr>
-          <p:cNvPr id="3" name="TextBox 2">
-            <a:extLst>
-              <a:ext uri="{FF2B5EF4-FFF2-40B4-BE49-F238E27FC236}">
-                <a16:creationId xmlns:a16="http://schemas.microsoft.com/office/drawing/2014/main" id="{DED99750-0EE1-C88D-2F22-1EE36DBD23B3}"/>
+          <p:cNvPr id="4" name="TextBox 3">
+            <a:extLst>
+              <a:ext uri="{FF2B5EF4-FFF2-40B4-BE49-F238E27FC236}">
+                <a16:creationId xmlns:a16="http://schemas.microsoft.com/office/drawing/2014/main" id="{346A4227-C27D-50F4-7699-BBE332703F0D}"/>
               </a:ext>
             </a:extLst>
           </p:cNvPr>
@@ -6592,46 +7274,8 @@
         </p:nvSpPr>
         <p:spPr>
           <a:xfrm>
-            <a:off x="942387" y="1190024"/>
-            <a:ext cx="10237694" cy="369332"/>
-          </a:xfrm>
-          <a:prstGeom prst="rect">
-            <a:avLst/>
-          </a:prstGeom>
-          <a:noFill/>
-        </p:spPr>
-        <p:txBody>
-          <a:bodyPr wrap="square" rtlCol="0">
-            <a:spAutoFit/>
-          </a:bodyPr>
-          <a:lstStyle/>
-          <a:p>
-            <a:r>
-              <a:rPr lang="ko-KR" altLang="en-US" dirty="0">
-                <a:latin typeface="나눔스퀘어 Light" panose="020B0600000101010101" pitchFamily="50" charset="-127"/>
-                <a:ea typeface="나눔스퀘어 Light" panose="020B0600000101010101" pitchFamily="50" charset="-127"/>
-              </a:rPr>
-              <a:t>올바른 괄호 문자열인지 판별하는 문제</a:t>
-            </a:r>
-          </a:p>
-        </p:txBody>
-      </p:sp>
-      <p:sp>
-        <p:nvSpPr>
-          <p:cNvPr id="2" name="TextBox 1">
-            <a:extLst>
-              <a:ext uri="{FF2B5EF4-FFF2-40B4-BE49-F238E27FC236}">
-                <a16:creationId xmlns:a16="http://schemas.microsoft.com/office/drawing/2014/main" id="{18D39D5A-64F9-9DF0-96C3-E9A433FB9C19}"/>
-              </a:ext>
-            </a:extLst>
-          </p:cNvPr>
-          <p:cNvSpPr txBox="1"/>
-          <p:nvPr/>
-        </p:nvSpPr>
-        <p:spPr>
-          <a:xfrm>
             <a:off x="331694" y="177505"/>
-            <a:ext cx="3897221" cy="523220"/>
+            <a:ext cx="2606804" cy="523220"/>
           </a:xfrm>
           <a:prstGeom prst="rect">
             <a:avLst/>
@@ -6663,33 +7307,52 @@
                 <a:latin typeface="나눔스퀘어 Bold" panose="020B0600000101010101" pitchFamily="50" charset="-127"/>
                 <a:ea typeface="나눔스퀘어 Bold" panose="020B0600000101010101" pitchFamily="50" charset="-127"/>
               </a:rPr>
-              <a:t>– 1935 </a:t>
+              <a:t>– 9012 </a:t>
             </a:r>
             <a:r>
               <a:rPr lang="ko-KR" altLang="en-US" sz="2800" dirty="0">
                 <a:latin typeface="나눔스퀘어 Bold" panose="020B0600000101010101" pitchFamily="50" charset="-127"/>
                 <a:ea typeface="나눔스퀘어 Bold" panose="020B0600000101010101" pitchFamily="50" charset="-127"/>
               </a:rPr>
-              <a:t>후위 표기식</a:t>
-            </a:r>
-            <a:r>
-              <a:rPr lang="en-US" altLang="ko-KR" sz="2800" dirty="0">
-                <a:latin typeface="나눔스퀘어 Bold" panose="020B0600000101010101" pitchFamily="50" charset="-127"/>
-                <a:ea typeface="나눔스퀘어 Bold" panose="020B0600000101010101" pitchFamily="50" charset="-127"/>
-              </a:rPr>
-              <a:t>2</a:t>
-            </a:r>
-            <a:endParaRPr lang="ko-KR" altLang="en-US" sz="2800" dirty="0">
-              <a:latin typeface="나눔스퀘어 Bold" panose="020B0600000101010101" pitchFamily="50" charset="-127"/>
-              <a:ea typeface="나눔스퀘어 Bold" panose="020B0600000101010101" pitchFamily="50" charset="-127"/>
-            </a:endParaRPr>
-          </a:p>
-        </p:txBody>
-      </p:sp>
+              <a:t>괄호</a:t>
+            </a:r>
+          </a:p>
+        </p:txBody>
+      </p:sp>
+      <p:pic>
+        <p:nvPicPr>
+          <p:cNvPr id="6" name="그림 5">
+            <a:extLst>
+              <a:ext uri="{FF2B5EF4-FFF2-40B4-BE49-F238E27FC236}">
+                <a16:creationId xmlns:a16="http://schemas.microsoft.com/office/drawing/2014/main" id="{8A234312-CBA7-C8BF-C299-52C5CAA4A087}"/>
+              </a:ext>
+            </a:extLst>
+          </p:cNvPr>
+          <p:cNvPicPr>
+            <a:picLocks noChangeAspect="1"/>
+          </p:cNvPicPr>
+          <p:nvPr/>
+        </p:nvPicPr>
+        <p:blipFill>
+          <a:blip r:embed="rId2"/>
+          <a:stretch>
+            <a:fillRect/>
+          </a:stretch>
+        </p:blipFill>
+        <p:spPr>
+          <a:xfrm>
+            <a:off x="331694" y="939848"/>
+            <a:ext cx="8959751" cy="5918151"/>
+          </a:xfrm>
+          <a:prstGeom prst="rect">
+            <a:avLst/>
+          </a:prstGeom>
+        </p:spPr>
+      </p:pic>
     </p:spTree>
     <p:extLst>
       <p:ext uri="{BB962C8B-B14F-4D97-AF65-F5344CB8AC3E}">
-        <p14:creationId xmlns:p14="http://schemas.microsoft.com/office/powerpoint/2010/main" val="4187972177"/>
+        <p14:creationId xmlns:p14="http://schemas.microsoft.com/office/powerpoint/2010/main" val="2702533686"/>
       </p:ext>
     </p:extLst>
   </p:cSld>
@@ -8584,10 +9247,48 @@
       </p:cxnSp>
       <p:sp>
         <p:nvSpPr>
+          <p:cNvPr id="3" name="TextBox 2">
+            <a:extLst>
+              <a:ext uri="{FF2B5EF4-FFF2-40B4-BE49-F238E27FC236}">
+                <a16:creationId xmlns:a16="http://schemas.microsoft.com/office/drawing/2014/main" id="{DED99750-0EE1-C88D-2F22-1EE36DBD23B3}"/>
+              </a:ext>
+            </a:extLst>
+          </p:cNvPr>
+          <p:cNvSpPr txBox="1"/>
+          <p:nvPr/>
+        </p:nvSpPr>
+        <p:spPr>
+          <a:xfrm>
+            <a:off x="942387" y="1190024"/>
+            <a:ext cx="10237694" cy="369332"/>
+          </a:xfrm>
+          <a:prstGeom prst="rect">
+            <a:avLst/>
+          </a:prstGeom>
+          <a:noFill/>
+        </p:spPr>
+        <p:txBody>
+          <a:bodyPr wrap="square" rtlCol="0">
+            <a:spAutoFit/>
+          </a:bodyPr>
+          <a:lstStyle/>
+          <a:p>
+            <a:r>
+              <a:rPr lang="ko-KR" altLang="en-US" dirty="0">
+                <a:latin typeface="나눔스퀘어 Light" panose="020B0600000101010101" pitchFamily="50" charset="-127"/>
+                <a:ea typeface="나눔스퀘어 Light" panose="020B0600000101010101" pitchFamily="50" charset="-127"/>
+              </a:rPr>
+              <a:t>올바른 괄호 문자열인지 판별하는 문제</a:t>
+            </a:r>
+          </a:p>
+        </p:txBody>
+      </p:sp>
+      <p:sp>
+        <p:nvSpPr>
           <p:cNvPr id="2" name="TextBox 1">
             <a:extLst>
               <a:ext uri="{FF2B5EF4-FFF2-40B4-BE49-F238E27FC236}">
-                <a16:creationId xmlns:a16="http://schemas.microsoft.com/office/drawing/2014/main" id="{7A9F668B-4598-7703-B5DB-B80899A1C734}"/>
+                <a16:creationId xmlns:a16="http://schemas.microsoft.com/office/drawing/2014/main" id="{18D39D5A-64F9-9DF0-96C3-E9A433FB9C19}"/>
               </a:ext>
             </a:extLst>
           </p:cNvPr>
@@ -8597,7 +9298,7 @@
         <p:spPr>
           <a:xfrm>
             <a:off x="331694" y="177505"/>
-            <a:ext cx="2499402" cy="523220"/>
+            <a:ext cx="2606804" cy="523220"/>
           </a:xfrm>
           <a:prstGeom prst="rect">
             <a:avLst/>
@@ -8629,52 +9330,22 @@
                 <a:latin typeface="나눔스퀘어 Bold" panose="020B0600000101010101" pitchFamily="50" charset="-127"/>
                 <a:ea typeface="나눔스퀘어 Bold" panose="020B0600000101010101" pitchFamily="50" charset="-127"/>
               </a:rPr>
-              <a:t>– 10845 </a:t>
+              <a:t>– 9012 </a:t>
             </a:r>
             <a:r>
               <a:rPr lang="ko-KR" altLang="en-US" sz="2800" dirty="0">
                 <a:latin typeface="나눔스퀘어 Bold" panose="020B0600000101010101" pitchFamily="50" charset="-127"/>
                 <a:ea typeface="나눔스퀘어 Bold" panose="020B0600000101010101" pitchFamily="50" charset="-127"/>
               </a:rPr>
-              <a:t>큐</a:t>
-            </a:r>
-          </a:p>
-        </p:txBody>
-      </p:sp>
-      <p:pic>
-        <p:nvPicPr>
-          <p:cNvPr id="6" name="그림 5">
-            <a:extLst>
-              <a:ext uri="{FF2B5EF4-FFF2-40B4-BE49-F238E27FC236}">
-                <a16:creationId xmlns:a16="http://schemas.microsoft.com/office/drawing/2014/main" id="{BA7E89D0-EC5B-949F-2F86-BB48EDA301A3}"/>
-              </a:ext>
-            </a:extLst>
-          </p:cNvPr>
-          <p:cNvPicPr>
-            <a:picLocks noChangeAspect="1"/>
-          </p:cNvPicPr>
-          <p:nvPr/>
-        </p:nvPicPr>
-        <p:blipFill>
-          <a:blip r:embed="rId2"/>
-          <a:stretch>
-            <a:fillRect/>
-          </a:stretch>
-        </p:blipFill>
-        <p:spPr>
-          <a:xfrm>
-            <a:off x="331694" y="998873"/>
-            <a:ext cx="10869542" cy="5525271"/>
-          </a:xfrm>
-          <a:prstGeom prst="rect">
-            <a:avLst/>
-          </a:prstGeom>
-        </p:spPr>
-      </p:pic>
+              <a:t>괄호</a:t>
+            </a:r>
+          </a:p>
+        </p:txBody>
+      </p:sp>
     </p:spTree>
     <p:extLst>
       <p:ext uri="{BB962C8B-B14F-4D97-AF65-F5344CB8AC3E}">
-        <p14:creationId xmlns:p14="http://schemas.microsoft.com/office/powerpoint/2010/main" val="3852066961"/>
+        <p14:creationId xmlns:p14="http://schemas.microsoft.com/office/powerpoint/2010/main" val="2583783189"/>
       </p:ext>
     </p:extLst>
   </p:cSld>
@@ -8747,10 +9418,10 @@
       </p:cxnSp>
       <p:sp>
         <p:nvSpPr>
-          <p:cNvPr id="3" name="TextBox 2">
-            <a:extLst>
-              <a:ext uri="{FF2B5EF4-FFF2-40B4-BE49-F238E27FC236}">
-                <a16:creationId xmlns:a16="http://schemas.microsoft.com/office/drawing/2014/main" id="{2929977D-4B28-4A77-BFAA-69E6FF174D27}"/>
+          <p:cNvPr id="2" name="TextBox 1">
+            <a:extLst>
+              <a:ext uri="{FF2B5EF4-FFF2-40B4-BE49-F238E27FC236}">
+                <a16:creationId xmlns:a16="http://schemas.microsoft.com/office/drawing/2014/main" id="{18D39D5A-64F9-9DF0-96C3-E9A433FB9C19}"/>
               </a:ext>
             </a:extLst>
           </p:cNvPr>
@@ -8759,60 +9430,8 @@
         </p:nvSpPr>
         <p:spPr>
           <a:xfrm>
-            <a:off x="942387" y="1190024"/>
-            <a:ext cx="10237694" cy="369332"/>
-          </a:xfrm>
-          <a:prstGeom prst="rect">
-            <a:avLst/>
-          </a:prstGeom>
-          <a:noFill/>
-        </p:spPr>
-        <p:txBody>
-          <a:bodyPr wrap="square" rtlCol="0">
-            <a:spAutoFit/>
-          </a:bodyPr>
-          <a:lstStyle/>
-          <a:p>
-            <a:r>
-              <a:rPr lang="ko-KR" altLang="en-US" dirty="0">
-                <a:latin typeface="나눔스퀘어 Light" panose="020B0600000101010101" pitchFamily="50" charset="-127"/>
-                <a:ea typeface="나눔스퀘어 Light" panose="020B0600000101010101" pitchFamily="50" charset="-127"/>
-              </a:rPr>
-              <a:t>스택과 마찬가지로</a:t>
-            </a:r>
-            <a:r>
-              <a:rPr lang="en-US" altLang="ko-KR" dirty="0">
-                <a:latin typeface="나눔스퀘어 Light" panose="020B0600000101010101" pitchFamily="50" charset="-127"/>
-                <a:ea typeface="나눔스퀘어 Light" panose="020B0600000101010101" pitchFamily="50" charset="-127"/>
-              </a:rPr>
-              <a:t>, </a:t>
-            </a:r>
-            <a:r>
-              <a:rPr lang="ko-KR" altLang="en-US" dirty="0">
-                <a:latin typeface="나눔스퀘어 Light" panose="020B0600000101010101" pitchFamily="50" charset="-127"/>
-                <a:ea typeface="나눔스퀘어 Light" panose="020B0600000101010101" pitchFamily="50" charset="-127"/>
-              </a:rPr>
-              <a:t>구현해본 큐를 채점할 수 있는 문제</a:t>
-            </a:r>
-          </a:p>
-        </p:txBody>
-      </p:sp>
-      <p:sp>
-        <p:nvSpPr>
-          <p:cNvPr id="2" name="TextBox 1">
-            <a:extLst>
-              <a:ext uri="{FF2B5EF4-FFF2-40B4-BE49-F238E27FC236}">
-                <a16:creationId xmlns:a16="http://schemas.microsoft.com/office/drawing/2014/main" id="{CC1A2188-D131-F96B-08B1-C61DDBFCF482}"/>
-              </a:ext>
-            </a:extLst>
-          </p:cNvPr>
-          <p:cNvSpPr txBox="1"/>
-          <p:nvPr/>
-        </p:nvSpPr>
-        <p:spPr>
-          <a:xfrm>
             <a:off x="331694" y="177505"/>
-            <a:ext cx="2499402" cy="523220"/>
+            <a:ext cx="3897221" cy="523220"/>
           </a:xfrm>
           <a:prstGeom prst="rect">
             <a:avLst/>
@@ -8844,74 +9463,183 @@
                 <a:latin typeface="나눔스퀘어 Bold" panose="020B0600000101010101" pitchFamily="50" charset="-127"/>
                 <a:ea typeface="나눔스퀘어 Bold" panose="020B0600000101010101" pitchFamily="50" charset="-127"/>
               </a:rPr>
-              <a:t>– 10845 </a:t>
+              <a:t>– 1935 </a:t>
             </a:r>
             <a:r>
               <a:rPr lang="ko-KR" altLang="en-US" sz="2800" dirty="0">
                 <a:latin typeface="나눔스퀘어 Bold" panose="020B0600000101010101" pitchFamily="50" charset="-127"/>
                 <a:ea typeface="나눔스퀘어 Bold" panose="020B0600000101010101" pitchFamily="50" charset="-127"/>
               </a:rPr>
-              <a:t>큐</a:t>
-            </a:r>
-          </a:p>
-        </p:txBody>
-      </p:sp>
-      <p:sp>
-        <p:nvSpPr>
-          <p:cNvPr id="11" name="TextBox 10">
-            <a:extLst>
-              <a:ext uri="{FF2B5EF4-FFF2-40B4-BE49-F238E27FC236}">
-                <a16:creationId xmlns:a16="http://schemas.microsoft.com/office/drawing/2014/main" id="{55838BC7-EF0F-5B81-2952-60BCF736A512}"/>
-              </a:ext>
-            </a:extLst>
-          </p:cNvPr>
-          <p:cNvSpPr txBox="1"/>
-          <p:nvPr/>
-        </p:nvSpPr>
-        <p:spPr>
-          <a:xfrm>
-            <a:off x="942387" y="1559356"/>
-            <a:ext cx="10237694" cy="369332"/>
+              <a:t>후위 표기식</a:t>
+            </a:r>
+            <a:r>
+              <a:rPr lang="en-US" altLang="ko-KR" sz="2800" dirty="0">
+                <a:latin typeface="나눔스퀘어 Bold" panose="020B0600000101010101" pitchFamily="50" charset="-127"/>
+                <a:ea typeface="나눔스퀘어 Bold" panose="020B0600000101010101" pitchFamily="50" charset="-127"/>
+              </a:rPr>
+              <a:t>2</a:t>
+            </a:r>
+            <a:endParaRPr lang="ko-KR" altLang="en-US" sz="2800" dirty="0">
+              <a:latin typeface="나눔스퀘어 Bold" panose="020B0600000101010101" pitchFamily="50" charset="-127"/>
+              <a:ea typeface="나눔스퀘어 Bold" panose="020B0600000101010101" pitchFamily="50" charset="-127"/>
+            </a:endParaRPr>
+          </a:p>
+        </p:txBody>
+      </p:sp>
+      <p:pic>
+        <p:nvPicPr>
+          <p:cNvPr id="6" name="그림 5">
+            <a:extLst>
+              <a:ext uri="{FF2B5EF4-FFF2-40B4-BE49-F238E27FC236}">
+                <a16:creationId xmlns:a16="http://schemas.microsoft.com/office/drawing/2014/main" id="{F0ABB7DE-C9D8-CA58-35D0-43FCBADD0B54}"/>
+              </a:ext>
+            </a:extLst>
+          </p:cNvPr>
+          <p:cNvPicPr>
+            <a:picLocks noChangeAspect="1"/>
+          </p:cNvPicPr>
+          <p:nvPr/>
+        </p:nvPicPr>
+        <p:blipFill>
+          <a:blip r:embed="rId2"/>
+          <a:stretch>
+            <a:fillRect/>
+          </a:stretch>
+        </p:blipFill>
+        <p:spPr>
+          <a:xfrm>
+            <a:off x="331693" y="955017"/>
+            <a:ext cx="10377155" cy="3778161"/>
           </a:xfrm>
           <a:prstGeom prst="rect">
             <a:avLst/>
           </a:prstGeom>
-          <a:noFill/>
-        </p:spPr>
-        <p:txBody>
-          <a:bodyPr wrap="square" rtlCol="0">
-            <a:spAutoFit/>
-          </a:bodyPr>
-          <a:lstStyle/>
-          <a:p>
-            <a:r>
-              <a:rPr lang="ko-KR" altLang="en-US" dirty="0">
-                <a:latin typeface="나눔스퀘어 Light" panose="020B0600000101010101" pitchFamily="50" charset="-127"/>
-                <a:ea typeface="나눔스퀘어 Light" panose="020B0600000101010101" pitchFamily="50" charset="-127"/>
-              </a:rPr>
-              <a:t>직접 구현을 해봤다면</a:t>
-            </a:r>
-            <a:r>
-              <a:rPr lang="en-US" altLang="ko-KR" dirty="0">
-                <a:latin typeface="나눔스퀘어 Light" panose="020B0600000101010101" pitchFamily="50" charset="-127"/>
-                <a:ea typeface="나눔스퀘어 Light" panose="020B0600000101010101" pitchFamily="50" charset="-127"/>
-              </a:rPr>
-              <a:t>, </a:t>
-            </a:r>
-            <a:r>
-              <a:rPr lang="ko-KR" altLang="en-US" dirty="0">
-                <a:latin typeface="나눔스퀘어 Light" panose="020B0600000101010101" pitchFamily="50" charset="-127"/>
-                <a:ea typeface="나눔스퀘어 Light" panose="020B0600000101010101" pitchFamily="50" charset="-127"/>
-              </a:rPr>
-              <a:t>라이브러리를 사용</a:t>
-            </a:r>
-          </a:p>
-        </p:txBody>
-      </p:sp>
+        </p:spPr>
+      </p:pic>
+      <p:pic>
+        <p:nvPicPr>
+          <p:cNvPr id="8" name="그림 7">
+            <a:extLst>
+              <a:ext uri="{FF2B5EF4-FFF2-40B4-BE49-F238E27FC236}">
+                <a16:creationId xmlns:a16="http://schemas.microsoft.com/office/drawing/2014/main" id="{D28CB359-D073-379E-E5C6-1B49EB657574}"/>
+              </a:ext>
+            </a:extLst>
+          </p:cNvPr>
+          <p:cNvPicPr>
+            <a:picLocks noChangeAspect="1"/>
+          </p:cNvPicPr>
+          <p:nvPr/>
+        </p:nvPicPr>
+        <p:blipFill>
+          <a:blip r:embed="rId3"/>
+          <a:stretch>
+            <a:fillRect/>
+          </a:stretch>
+        </p:blipFill>
+        <p:spPr>
+          <a:xfrm>
+            <a:off x="4373497" y="3921551"/>
+            <a:ext cx="1395682" cy="2346254"/>
+          </a:xfrm>
+          <a:prstGeom prst="rect">
+            <a:avLst/>
+          </a:prstGeom>
+        </p:spPr>
+      </p:pic>
+      <p:pic>
+        <p:nvPicPr>
+          <p:cNvPr id="10" name="그림 9">
+            <a:extLst>
+              <a:ext uri="{FF2B5EF4-FFF2-40B4-BE49-F238E27FC236}">
+                <a16:creationId xmlns:a16="http://schemas.microsoft.com/office/drawing/2014/main" id="{EA41C19E-CF69-A11F-2F0A-B63A51307F4C}"/>
+              </a:ext>
+            </a:extLst>
+          </p:cNvPr>
+          <p:cNvPicPr>
+            <a:picLocks noChangeAspect="1"/>
+          </p:cNvPicPr>
+          <p:nvPr/>
+        </p:nvPicPr>
+        <p:blipFill>
+          <a:blip r:embed="rId4"/>
+          <a:stretch>
+            <a:fillRect/>
+          </a:stretch>
+        </p:blipFill>
+        <p:spPr>
+          <a:xfrm>
+            <a:off x="5940117" y="3902697"/>
+            <a:ext cx="1370135" cy="969871"/>
+          </a:xfrm>
+          <a:prstGeom prst="rect">
+            <a:avLst/>
+          </a:prstGeom>
+        </p:spPr>
+      </p:pic>
+      <p:pic>
+        <p:nvPicPr>
+          <p:cNvPr id="12" name="그림 11">
+            <a:extLst>
+              <a:ext uri="{FF2B5EF4-FFF2-40B4-BE49-F238E27FC236}">
+                <a16:creationId xmlns:a16="http://schemas.microsoft.com/office/drawing/2014/main" id="{FD6BDE1B-C3EE-148A-4DF3-717360C0B15F}"/>
+              </a:ext>
+            </a:extLst>
+          </p:cNvPr>
+          <p:cNvPicPr>
+            <a:picLocks noChangeAspect="1"/>
+          </p:cNvPicPr>
+          <p:nvPr/>
+        </p:nvPicPr>
+        <p:blipFill>
+          <a:blip r:embed="rId5"/>
+          <a:stretch>
+            <a:fillRect/>
+          </a:stretch>
+        </p:blipFill>
+        <p:spPr>
+          <a:xfrm>
+            <a:off x="8692884" y="3883843"/>
+            <a:ext cx="1376699" cy="1452342"/>
+          </a:xfrm>
+          <a:prstGeom prst="rect">
+            <a:avLst/>
+          </a:prstGeom>
+        </p:spPr>
+      </p:pic>
+      <p:pic>
+        <p:nvPicPr>
+          <p:cNvPr id="14" name="그림 13">
+            <a:extLst>
+              <a:ext uri="{FF2B5EF4-FFF2-40B4-BE49-F238E27FC236}">
+                <a16:creationId xmlns:a16="http://schemas.microsoft.com/office/drawing/2014/main" id="{70E1C66A-1D27-B642-20B5-DB494DE8AF16}"/>
+              </a:ext>
+            </a:extLst>
+          </p:cNvPr>
+          <p:cNvPicPr>
+            <a:picLocks noChangeAspect="1"/>
+          </p:cNvPicPr>
+          <p:nvPr/>
+        </p:nvPicPr>
+        <p:blipFill>
+          <a:blip r:embed="rId6"/>
+          <a:stretch>
+            <a:fillRect/>
+          </a:stretch>
+        </p:blipFill>
+        <p:spPr>
+          <a:xfrm>
+            <a:off x="10233957" y="3883843"/>
+            <a:ext cx="1372839" cy="951017"/>
+          </a:xfrm>
+          <a:prstGeom prst="rect">
+            <a:avLst/>
+          </a:prstGeom>
+        </p:spPr>
+      </p:pic>
     </p:spTree>
     <p:extLst>
       <p:ext uri="{BB962C8B-B14F-4D97-AF65-F5344CB8AC3E}">
-        <p14:creationId xmlns:p14="http://schemas.microsoft.com/office/powerpoint/2010/main" val="36971579"/>
+        <p14:creationId xmlns:p14="http://schemas.microsoft.com/office/powerpoint/2010/main" val="1907416354"/>
       </p:ext>
     </p:extLst>
   </p:cSld>
@@ -8984,10 +9712,48 @@
       </p:cxnSp>
       <p:sp>
         <p:nvSpPr>
+          <p:cNvPr id="3" name="TextBox 2">
+            <a:extLst>
+              <a:ext uri="{FF2B5EF4-FFF2-40B4-BE49-F238E27FC236}">
+                <a16:creationId xmlns:a16="http://schemas.microsoft.com/office/drawing/2014/main" id="{DED99750-0EE1-C88D-2F22-1EE36DBD23B3}"/>
+              </a:ext>
+            </a:extLst>
+          </p:cNvPr>
+          <p:cNvSpPr txBox="1"/>
+          <p:nvPr/>
+        </p:nvSpPr>
+        <p:spPr>
+          <a:xfrm>
+            <a:off x="942387" y="1190024"/>
+            <a:ext cx="10237694" cy="369332"/>
+          </a:xfrm>
+          <a:prstGeom prst="rect">
+            <a:avLst/>
+          </a:prstGeom>
+          <a:noFill/>
+        </p:spPr>
+        <p:txBody>
+          <a:bodyPr wrap="square" rtlCol="0">
+            <a:spAutoFit/>
+          </a:bodyPr>
+          <a:lstStyle/>
+          <a:p>
+            <a:r>
+              <a:rPr lang="ko-KR" altLang="en-US" dirty="0">
+                <a:latin typeface="나눔스퀘어 Light" panose="020B0600000101010101" pitchFamily="50" charset="-127"/>
+                <a:ea typeface="나눔스퀘어 Light" panose="020B0600000101010101" pitchFamily="50" charset="-127"/>
+              </a:rPr>
+              <a:t>올바른 괄호 문자열인지 판별하는 문제</a:t>
+            </a:r>
+          </a:p>
+        </p:txBody>
+      </p:sp>
+      <p:sp>
+        <p:nvSpPr>
           <p:cNvPr id="2" name="TextBox 1">
             <a:extLst>
               <a:ext uri="{FF2B5EF4-FFF2-40B4-BE49-F238E27FC236}">
-                <a16:creationId xmlns:a16="http://schemas.microsoft.com/office/drawing/2014/main" id="{7C0672DE-9A16-449C-C1E8-53F4FCB0C57F}"/>
+                <a16:creationId xmlns:a16="http://schemas.microsoft.com/office/drawing/2014/main" id="{18D39D5A-64F9-9DF0-96C3-E9A433FB9C19}"/>
               </a:ext>
             </a:extLst>
           </p:cNvPr>
@@ -8997,7 +9763,7 @@
         <p:spPr>
           <a:xfrm>
             <a:off x="331694" y="177505"/>
-            <a:ext cx="2826415" cy="523220"/>
+            <a:ext cx="3897221" cy="523220"/>
           </a:xfrm>
           <a:prstGeom prst="rect">
             <a:avLst/>
@@ -9029,14 +9795,14 @@
                 <a:latin typeface="나눔스퀘어 Bold" panose="020B0600000101010101" pitchFamily="50" charset="-127"/>
                 <a:ea typeface="나눔스퀘어 Bold" panose="020B0600000101010101" pitchFamily="50" charset="-127"/>
               </a:rPr>
-              <a:t>– 2164 </a:t>
+              <a:t>– 1935 </a:t>
             </a:r>
             <a:r>
               <a:rPr lang="ko-KR" altLang="en-US" sz="2800" dirty="0">
                 <a:latin typeface="나눔스퀘어 Bold" panose="020B0600000101010101" pitchFamily="50" charset="-127"/>
                 <a:ea typeface="나눔스퀘어 Bold" panose="020B0600000101010101" pitchFamily="50" charset="-127"/>
               </a:rPr>
-              <a:t>카드</a:t>
+              <a:t>후위 표기식</a:t>
             </a:r>
             <a:r>
               <a:rPr lang="en-US" altLang="ko-KR" sz="2800" dirty="0">
@@ -9052,40 +9818,10 @@
           </a:p>
         </p:txBody>
       </p:sp>
-      <p:pic>
-        <p:nvPicPr>
-          <p:cNvPr id="4" name="그림 3">
-            <a:extLst>
-              <a:ext uri="{FF2B5EF4-FFF2-40B4-BE49-F238E27FC236}">
-                <a16:creationId xmlns:a16="http://schemas.microsoft.com/office/drawing/2014/main" id="{B33FFAC5-1C7A-59B5-8C86-A8D769B542A0}"/>
-              </a:ext>
-            </a:extLst>
-          </p:cNvPr>
-          <p:cNvPicPr>
-            <a:picLocks noChangeAspect="1"/>
-          </p:cNvPicPr>
-          <p:nvPr/>
-        </p:nvPicPr>
-        <p:blipFill>
-          <a:blip r:embed="rId2"/>
-          <a:stretch>
-            <a:fillRect/>
-          </a:stretch>
-        </p:blipFill>
-        <p:spPr>
-          <a:xfrm>
-            <a:off x="331694" y="951198"/>
-            <a:ext cx="10671142" cy="5779270"/>
-          </a:xfrm>
-          <a:prstGeom prst="rect">
-            <a:avLst/>
-          </a:prstGeom>
-        </p:spPr>
-      </p:pic>
     </p:spTree>
     <p:extLst>
       <p:ext uri="{BB962C8B-B14F-4D97-AF65-F5344CB8AC3E}">
-        <p14:creationId xmlns:p14="http://schemas.microsoft.com/office/powerpoint/2010/main" val="2401598668"/>
+        <p14:creationId xmlns:p14="http://schemas.microsoft.com/office/powerpoint/2010/main" val="4187972177"/>
       </p:ext>
     </p:extLst>
   </p:cSld>
@@ -9161,6 +9897,580 @@
           <p:cNvPr id="2" name="TextBox 1">
             <a:extLst>
               <a:ext uri="{FF2B5EF4-FFF2-40B4-BE49-F238E27FC236}">
+                <a16:creationId xmlns:a16="http://schemas.microsoft.com/office/drawing/2014/main" id="{7A9F668B-4598-7703-B5DB-B80899A1C734}"/>
+              </a:ext>
+            </a:extLst>
+          </p:cNvPr>
+          <p:cNvSpPr txBox="1"/>
+          <p:nvPr/>
+        </p:nvSpPr>
+        <p:spPr>
+          <a:xfrm>
+            <a:off x="331694" y="177505"/>
+            <a:ext cx="2499402" cy="523220"/>
+          </a:xfrm>
+          <a:prstGeom prst="rect">
+            <a:avLst/>
+          </a:prstGeom>
+          <a:noFill/>
+        </p:spPr>
+        <p:txBody>
+          <a:bodyPr wrap="none" rtlCol="0">
+            <a:spAutoFit/>
+          </a:bodyPr>
+          <a:lstStyle/>
+          <a:p>
+            <a:r>
+              <a:rPr lang="en-US" altLang="ko-KR" sz="2800" dirty="0">
+                <a:latin typeface="나눔스퀘어 Bold" panose="020B0600000101010101" pitchFamily="50" charset="-127"/>
+                <a:ea typeface="나눔스퀘어 Bold" panose="020B0600000101010101" pitchFamily="50" charset="-127"/>
+              </a:rPr>
+              <a:t>DS</a:t>
+            </a:r>
+            <a:r>
+              <a:rPr lang="ko-KR" altLang="en-US" sz="2800" dirty="0">
+                <a:latin typeface="나눔스퀘어 Bold" panose="020B0600000101010101" pitchFamily="50" charset="-127"/>
+                <a:ea typeface="나눔스퀘어 Bold" panose="020B0600000101010101" pitchFamily="50" charset="-127"/>
+              </a:rPr>
+              <a:t> </a:t>
+            </a:r>
+            <a:r>
+              <a:rPr lang="en-US" altLang="ko-KR" sz="2800" dirty="0">
+                <a:latin typeface="나눔스퀘어 Bold" panose="020B0600000101010101" pitchFamily="50" charset="-127"/>
+                <a:ea typeface="나눔스퀘어 Bold" panose="020B0600000101010101" pitchFamily="50" charset="-127"/>
+              </a:rPr>
+              <a:t>– 10845 </a:t>
+            </a:r>
+            <a:r>
+              <a:rPr lang="ko-KR" altLang="en-US" sz="2800" dirty="0">
+                <a:latin typeface="나눔스퀘어 Bold" panose="020B0600000101010101" pitchFamily="50" charset="-127"/>
+                <a:ea typeface="나눔스퀘어 Bold" panose="020B0600000101010101" pitchFamily="50" charset="-127"/>
+              </a:rPr>
+              <a:t>큐</a:t>
+            </a:r>
+          </a:p>
+        </p:txBody>
+      </p:sp>
+      <p:pic>
+        <p:nvPicPr>
+          <p:cNvPr id="6" name="그림 5">
+            <a:extLst>
+              <a:ext uri="{FF2B5EF4-FFF2-40B4-BE49-F238E27FC236}">
+                <a16:creationId xmlns:a16="http://schemas.microsoft.com/office/drawing/2014/main" id="{BA7E89D0-EC5B-949F-2F86-BB48EDA301A3}"/>
+              </a:ext>
+            </a:extLst>
+          </p:cNvPr>
+          <p:cNvPicPr>
+            <a:picLocks noChangeAspect="1"/>
+          </p:cNvPicPr>
+          <p:nvPr/>
+        </p:nvPicPr>
+        <p:blipFill>
+          <a:blip r:embed="rId2"/>
+          <a:stretch>
+            <a:fillRect/>
+          </a:stretch>
+        </p:blipFill>
+        <p:spPr>
+          <a:xfrm>
+            <a:off x="331694" y="998873"/>
+            <a:ext cx="10869542" cy="5525271"/>
+          </a:xfrm>
+          <a:prstGeom prst="rect">
+            <a:avLst/>
+          </a:prstGeom>
+        </p:spPr>
+      </p:pic>
+    </p:spTree>
+    <p:extLst>
+      <p:ext uri="{BB962C8B-B14F-4D97-AF65-F5344CB8AC3E}">
+        <p14:creationId xmlns:p14="http://schemas.microsoft.com/office/powerpoint/2010/main" val="3852066961"/>
+      </p:ext>
+    </p:extLst>
+  </p:cSld>
+  <p:clrMapOvr>
+    <a:masterClrMapping/>
+  </p:clrMapOvr>
+</p:sld>
+</file>
+
+<file path=ppt/slides/slide24.xml><?xml version="1.0" encoding="utf-8"?>
+<p:sld xmlns:a="http://schemas.openxmlformats.org/drawingml/2006/main" xmlns:r="http://schemas.openxmlformats.org/officeDocument/2006/relationships" xmlns:p="http://schemas.openxmlformats.org/presentationml/2006/main">
+  <p:cSld>
+    <p:spTree>
+      <p:nvGrpSpPr>
+        <p:cNvPr id="1" name=""/>
+        <p:cNvGrpSpPr/>
+        <p:nvPr/>
+      </p:nvGrpSpPr>
+      <p:grpSpPr>
+        <a:xfrm>
+          <a:off x="0" y="0"/>
+          <a:ext cx="0" cy="0"/>
+          <a:chOff x="0" y="0"/>
+          <a:chExt cx="0" cy="0"/>
+        </a:xfrm>
+      </p:grpSpPr>
+      <p:cxnSp>
+        <p:nvCxnSpPr>
+          <p:cNvPr id="5" name="직선 연결선 4">
+            <a:extLst>
+              <a:ext uri="{FF2B5EF4-FFF2-40B4-BE49-F238E27FC236}">
+                <a16:creationId xmlns:a16="http://schemas.microsoft.com/office/drawing/2014/main" id="{164C2827-EFCE-69A4-D037-1A218415F568}"/>
+              </a:ext>
+            </a:extLst>
+          </p:cNvPr>
+          <p:cNvCxnSpPr/>
+          <p:nvPr/>
+        </p:nvCxnSpPr>
+        <p:spPr>
+          <a:xfrm>
+            <a:off x="0" y="887505"/>
+            <a:ext cx="10237694" cy="0"/>
+          </a:xfrm>
+          <a:prstGeom prst="line">
+            <a:avLst/>
+          </a:prstGeom>
+          <a:ln w="76200">
+            <a:solidFill>
+              <a:schemeClr val="tx1">
+                <a:lumMod val="75000"/>
+                <a:lumOff val="25000"/>
+              </a:schemeClr>
+            </a:solidFill>
+          </a:ln>
+        </p:spPr>
+        <p:style>
+          <a:lnRef idx="1">
+            <a:schemeClr val="accent1"/>
+          </a:lnRef>
+          <a:fillRef idx="0">
+            <a:schemeClr val="accent1"/>
+          </a:fillRef>
+          <a:effectRef idx="0">
+            <a:schemeClr val="accent1"/>
+          </a:effectRef>
+          <a:fontRef idx="minor">
+            <a:schemeClr val="tx1"/>
+          </a:fontRef>
+        </p:style>
+      </p:cxnSp>
+      <p:sp>
+        <p:nvSpPr>
+          <p:cNvPr id="3" name="TextBox 2">
+            <a:extLst>
+              <a:ext uri="{FF2B5EF4-FFF2-40B4-BE49-F238E27FC236}">
+                <a16:creationId xmlns:a16="http://schemas.microsoft.com/office/drawing/2014/main" id="{2929977D-4B28-4A77-BFAA-69E6FF174D27}"/>
+              </a:ext>
+            </a:extLst>
+          </p:cNvPr>
+          <p:cNvSpPr txBox="1"/>
+          <p:nvPr/>
+        </p:nvSpPr>
+        <p:spPr>
+          <a:xfrm>
+            <a:off x="942387" y="1190024"/>
+            <a:ext cx="10237694" cy="369332"/>
+          </a:xfrm>
+          <a:prstGeom prst="rect">
+            <a:avLst/>
+          </a:prstGeom>
+          <a:noFill/>
+        </p:spPr>
+        <p:txBody>
+          <a:bodyPr wrap="square" rtlCol="0">
+            <a:spAutoFit/>
+          </a:bodyPr>
+          <a:lstStyle/>
+          <a:p>
+            <a:r>
+              <a:rPr lang="ko-KR" altLang="en-US" dirty="0">
+                <a:latin typeface="나눔스퀘어 Light" panose="020B0600000101010101" pitchFamily="50" charset="-127"/>
+                <a:ea typeface="나눔스퀘어 Light" panose="020B0600000101010101" pitchFamily="50" charset="-127"/>
+              </a:rPr>
+              <a:t>스택과 마찬가지로</a:t>
+            </a:r>
+            <a:r>
+              <a:rPr lang="en-US" altLang="ko-KR" dirty="0">
+                <a:latin typeface="나눔스퀘어 Light" panose="020B0600000101010101" pitchFamily="50" charset="-127"/>
+                <a:ea typeface="나눔스퀘어 Light" panose="020B0600000101010101" pitchFamily="50" charset="-127"/>
+              </a:rPr>
+              <a:t>, </a:t>
+            </a:r>
+            <a:r>
+              <a:rPr lang="ko-KR" altLang="en-US" dirty="0">
+                <a:latin typeface="나눔스퀘어 Light" panose="020B0600000101010101" pitchFamily="50" charset="-127"/>
+                <a:ea typeface="나눔스퀘어 Light" panose="020B0600000101010101" pitchFamily="50" charset="-127"/>
+              </a:rPr>
+              <a:t>구현해본 큐를 채점할 수 있는 문제</a:t>
+            </a:r>
+          </a:p>
+        </p:txBody>
+      </p:sp>
+      <p:sp>
+        <p:nvSpPr>
+          <p:cNvPr id="2" name="TextBox 1">
+            <a:extLst>
+              <a:ext uri="{FF2B5EF4-FFF2-40B4-BE49-F238E27FC236}">
+                <a16:creationId xmlns:a16="http://schemas.microsoft.com/office/drawing/2014/main" id="{CC1A2188-D131-F96B-08B1-C61DDBFCF482}"/>
+              </a:ext>
+            </a:extLst>
+          </p:cNvPr>
+          <p:cNvSpPr txBox="1"/>
+          <p:nvPr/>
+        </p:nvSpPr>
+        <p:spPr>
+          <a:xfrm>
+            <a:off x="331694" y="177505"/>
+            <a:ext cx="2499402" cy="523220"/>
+          </a:xfrm>
+          <a:prstGeom prst="rect">
+            <a:avLst/>
+          </a:prstGeom>
+          <a:noFill/>
+        </p:spPr>
+        <p:txBody>
+          <a:bodyPr wrap="none" rtlCol="0">
+            <a:spAutoFit/>
+          </a:bodyPr>
+          <a:lstStyle/>
+          <a:p>
+            <a:r>
+              <a:rPr lang="en-US" altLang="ko-KR" sz="2800" dirty="0">
+                <a:latin typeface="나눔스퀘어 Bold" panose="020B0600000101010101" pitchFamily="50" charset="-127"/>
+                <a:ea typeface="나눔스퀘어 Bold" panose="020B0600000101010101" pitchFamily="50" charset="-127"/>
+              </a:rPr>
+              <a:t>DS</a:t>
+            </a:r>
+            <a:r>
+              <a:rPr lang="ko-KR" altLang="en-US" sz="2800" dirty="0">
+                <a:latin typeface="나눔스퀘어 Bold" panose="020B0600000101010101" pitchFamily="50" charset="-127"/>
+                <a:ea typeface="나눔스퀘어 Bold" panose="020B0600000101010101" pitchFamily="50" charset="-127"/>
+              </a:rPr>
+              <a:t> </a:t>
+            </a:r>
+            <a:r>
+              <a:rPr lang="en-US" altLang="ko-KR" sz="2800" dirty="0">
+                <a:latin typeface="나눔스퀘어 Bold" panose="020B0600000101010101" pitchFamily="50" charset="-127"/>
+                <a:ea typeface="나눔스퀘어 Bold" panose="020B0600000101010101" pitchFamily="50" charset="-127"/>
+              </a:rPr>
+              <a:t>– 10845 </a:t>
+            </a:r>
+            <a:r>
+              <a:rPr lang="ko-KR" altLang="en-US" sz="2800" dirty="0">
+                <a:latin typeface="나눔스퀘어 Bold" panose="020B0600000101010101" pitchFamily="50" charset="-127"/>
+                <a:ea typeface="나눔스퀘어 Bold" panose="020B0600000101010101" pitchFamily="50" charset="-127"/>
+              </a:rPr>
+              <a:t>큐</a:t>
+            </a:r>
+          </a:p>
+        </p:txBody>
+      </p:sp>
+      <p:sp>
+        <p:nvSpPr>
+          <p:cNvPr id="11" name="TextBox 10">
+            <a:extLst>
+              <a:ext uri="{FF2B5EF4-FFF2-40B4-BE49-F238E27FC236}">
+                <a16:creationId xmlns:a16="http://schemas.microsoft.com/office/drawing/2014/main" id="{55838BC7-EF0F-5B81-2952-60BCF736A512}"/>
+              </a:ext>
+            </a:extLst>
+          </p:cNvPr>
+          <p:cNvSpPr txBox="1"/>
+          <p:nvPr/>
+        </p:nvSpPr>
+        <p:spPr>
+          <a:xfrm>
+            <a:off x="942387" y="1559356"/>
+            <a:ext cx="10237694" cy="369332"/>
+          </a:xfrm>
+          <a:prstGeom prst="rect">
+            <a:avLst/>
+          </a:prstGeom>
+          <a:noFill/>
+        </p:spPr>
+        <p:txBody>
+          <a:bodyPr wrap="square" rtlCol="0">
+            <a:spAutoFit/>
+          </a:bodyPr>
+          <a:lstStyle/>
+          <a:p>
+            <a:r>
+              <a:rPr lang="ko-KR" altLang="en-US" dirty="0">
+                <a:latin typeface="나눔스퀘어 Light" panose="020B0600000101010101" pitchFamily="50" charset="-127"/>
+                <a:ea typeface="나눔스퀘어 Light" panose="020B0600000101010101" pitchFamily="50" charset="-127"/>
+              </a:rPr>
+              <a:t>직접 구현을 해봤다면</a:t>
+            </a:r>
+            <a:r>
+              <a:rPr lang="en-US" altLang="ko-KR" dirty="0">
+                <a:latin typeface="나눔스퀘어 Light" panose="020B0600000101010101" pitchFamily="50" charset="-127"/>
+                <a:ea typeface="나눔스퀘어 Light" panose="020B0600000101010101" pitchFamily="50" charset="-127"/>
+              </a:rPr>
+              <a:t>, </a:t>
+            </a:r>
+            <a:r>
+              <a:rPr lang="ko-KR" altLang="en-US" dirty="0">
+                <a:latin typeface="나눔스퀘어 Light" panose="020B0600000101010101" pitchFamily="50" charset="-127"/>
+                <a:ea typeface="나눔스퀘어 Light" panose="020B0600000101010101" pitchFamily="50" charset="-127"/>
+              </a:rPr>
+              <a:t>라이브러리를 사용</a:t>
+            </a:r>
+          </a:p>
+        </p:txBody>
+      </p:sp>
+    </p:spTree>
+    <p:extLst>
+      <p:ext uri="{BB962C8B-B14F-4D97-AF65-F5344CB8AC3E}">
+        <p14:creationId xmlns:p14="http://schemas.microsoft.com/office/powerpoint/2010/main" val="36971579"/>
+      </p:ext>
+    </p:extLst>
+  </p:cSld>
+  <p:clrMapOvr>
+    <a:masterClrMapping/>
+  </p:clrMapOvr>
+</p:sld>
+</file>
+
+<file path=ppt/slides/slide25.xml><?xml version="1.0" encoding="utf-8"?>
+<p:sld xmlns:a="http://schemas.openxmlformats.org/drawingml/2006/main" xmlns:r="http://schemas.openxmlformats.org/officeDocument/2006/relationships" xmlns:p="http://schemas.openxmlformats.org/presentationml/2006/main">
+  <p:cSld>
+    <p:spTree>
+      <p:nvGrpSpPr>
+        <p:cNvPr id="1" name=""/>
+        <p:cNvGrpSpPr/>
+        <p:nvPr/>
+      </p:nvGrpSpPr>
+      <p:grpSpPr>
+        <a:xfrm>
+          <a:off x="0" y="0"/>
+          <a:ext cx="0" cy="0"/>
+          <a:chOff x="0" y="0"/>
+          <a:chExt cx="0" cy="0"/>
+        </a:xfrm>
+      </p:grpSpPr>
+      <p:cxnSp>
+        <p:nvCxnSpPr>
+          <p:cNvPr id="5" name="직선 연결선 4">
+            <a:extLst>
+              <a:ext uri="{FF2B5EF4-FFF2-40B4-BE49-F238E27FC236}">
+                <a16:creationId xmlns:a16="http://schemas.microsoft.com/office/drawing/2014/main" id="{164C2827-EFCE-69A4-D037-1A218415F568}"/>
+              </a:ext>
+            </a:extLst>
+          </p:cNvPr>
+          <p:cNvCxnSpPr/>
+          <p:nvPr/>
+        </p:nvCxnSpPr>
+        <p:spPr>
+          <a:xfrm>
+            <a:off x="0" y="887505"/>
+            <a:ext cx="10237694" cy="0"/>
+          </a:xfrm>
+          <a:prstGeom prst="line">
+            <a:avLst/>
+          </a:prstGeom>
+          <a:ln w="76200">
+            <a:solidFill>
+              <a:schemeClr val="tx1">
+                <a:lumMod val="75000"/>
+                <a:lumOff val="25000"/>
+              </a:schemeClr>
+            </a:solidFill>
+          </a:ln>
+        </p:spPr>
+        <p:style>
+          <a:lnRef idx="1">
+            <a:schemeClr val="accent1"/>
+          </a:lnRef>
+          <a:fillRef idx="0">
+            <a:schemeClr val="accent1"/>
+          </a:fillRef>
+          <a:effectRef idx="0">
+            <a:schemeClr val="accent1"/>
+          </a:effectRef>
+          <a:fontRef idx="minor">
+            <a:schemeClr val="tx1"/>
+          </a:fontRef>
+        </p:style>
+      </p:cxnSp>
+      <p:sp>
+        <p:nvSpPr>
+          <p:cNvPr id="2" name="TextBox 1">
+            <a:extLst>
+              <a:ext uri="{FF2B5EF4-FFF2-40B4-BE49-F238E27FC236}">
+                <a16:creationId xmlns:a16="http://schemas.microsoft.com/office/drawing/2014/main" id="{7C0672DE-9A16-449C-C1E8-53F4FCB0C57F}"/>
+              </a:ext>
+            </a:extLst>
+          </p:cNvPr>
+          <p:cNvSpPr txBox="1"/>
+          <p:nvPr/>
+        </p:nvSpPr>
+        <p:spPr>
+          <a:xfrm>
+            <a:off x="331694" y="177505"/>
+            <a:ext cx="2826415" cy="523220"/>
+          </a:xfrm>
+          <a:prstGeom prst="rect">
+            <a:avLst/>
+          </a:prstGeom>
+          <a:noFill/>
+        </p:spPr>
+        <p:txBody>
+          <a:bodyPr wrap="none" rtlCol="0">
+            <a:spAutoFit/>
+          </a:bodyPr>
+          <a:lstStyle/>
+          <a:p>
+            <a:r>
+              <a:rPr lang="en-US" altLang="ko-KR" sz="2800" dirty="0">
+                <a:latin typeface="나눔스퀘어 Bold" panose="020B0600000101010101" pitchFamily="50" charset="-127"/>
+                <a:ea typeface="나눔스퀘어 Bold" panose="020B0600000101010101" pitchFamily="50" charset="-127"/>
+              </a:rPr>
+              <a:t>DS</a:t>
+            </a:r>
+            <a:r>
+              <a:rPr lang="ko-KR" altLang="en-US" sz="2800" dirty="0">
+                <a:latin typeface="나눔스퀘어 Bold" panose="020B0600000101010101" pitchFamily="50" charset="-127"/>
+                <a:ea typeface="나눔스퀘어 Bold" panose="020B0600000101010101" pitchFamily="50" charset="-127"/>
+              </a:rPr>
+              <a:t> </a:t>
+            </a:r>
+            <a:r>
+              <a:rPr lang="en-US" altLang="ko-KR" sz="2800" dirty="0">
+                <a:latin typeface="나눔스퀘어 Bold" panose="020B0600000101010101" pitchFamily="50" charset="-127"/>
+                <a:ea typeface="나눔스퀘어 Bold" panose="020B0600000101010101" pitchFamily="50" charset="-127"/>
+              </a:rPr>
+              <a:t>– 2164 </a:t>
+            </a:r>
+            <a:r>
+              <a:rPr lang="ko-KR" altLang="en-US" sz="2800" dirty="0">
+                <a:latin typeface="나눔스퀘어 Bold" panose="020B0600000101010101" pitchFamily="50" charset="-127"/>
+                <a:ea typeface="나눔스퀘어 Bold" panose="020B0600000101010101" pitchFamily="50" charset="-127"/>
+              </a:rPr>
+              <a:t>카드</a:t>
+            </a:r>
+            <a:r>
+              <a:rPr lang="en-US" altLang="ko-KR" sz="2800" dirty="0">
+                <a:latin typeface="나눔스퀘어 Bold" panose="020B0600000101010101" pitchFamily="50" charset="-127"/>
+                <a:ea typeface="나눔스퀘어 Bold" panose="020B0600000101010101" pitchFamily="50" charset="-127"/>
+              </a:rPr>
+              <a:t>2</a:t>
+            </a:r>
+            <a:endParaRPr lang="ko-KR" altLang="en-US" sz="2800" dirty="0">
+              <a:latin typeface="나눔스퀘어 Bold" panose="020B0600000101010101" pitchFamily="50" charset="-127"/>
+              <a:ea typeface="나눔스퀘어 Bold" panose="020B0600000101010101" pitchFamily="50" charset="-127"/>
+            </a:endParaRPr>
+          </a:p>
+        </p:txBody>
+      </p:sp>
+      <p:pic>
+        <p:nvPicPr>
+          <p:cNvPr id="4" name="그림 3">
+            <a:extLst>
+              <a:ext uri="{FF2B5EF4-FFF2-40B4-BE49-F238E27FC236}">
+                <a16:creationId xmlns:a16="http://schemas.microsoft.com/office/drawing/2014/main" id="{B33FFAC5-1C7A-59B5-8C86-A8D769B542A0}"/>
+              </a:ext>
+            </a:extLst>
+          </p:cNvPr>
+          <p:cNvPicPr>
+            <a:picLocks noChangeAspect="1"/>
+          </p:cNvPicPr>
+          <p:nvPr/>
+        </p:nvPicPr>
+        <p:blipFill>
+          <a:blip r:embed="rId2"/>
+          <a:stretch>
+            <a:fillRect/>
+          </a:stretch>
+        </p:blipFill>
+        <p:spPr>
+          <a:xfrm>
+            <a:off x="331694" y="951198"/>
+            <a:ext cx="10671142" cy="5779270"/>
+          </a:xfrm>
+          <a:prstGeom prst="rect">
+            <a:avLst/>
+          </a:prstGeom>
+        </p:spPr>
+      </p:pic>
+    </p:spTree>
+    <p:extLst>
+      <p:ext uri="{BB962C8B-B14F-4D97-AF65-F5344CB8AC3E}">
+        <p14:creationId xmlns:p14="http://schemas.microsoft.com/office/powerpoint/2010/main" val="2401598668"/>
+      </p:ext>
+    </p:extLst>
+  </p:cSld>
+  <p:clrMapOvr>
+    <a:masterClrMapping/>
+  </p:clrMapOvr>
+</p:sld>
+</file>
+
+<file path=ppt/slides/slide26.xml><?xml version="1.0" encoding="utf-8"?>
+<p:sld xmlns:a="http://schemas.openxmlformats.org/drawingml/2006/main" xmlns:r="http://schemas.openxmlformats.org/officeDocument/2006/relationships" xmlns:p="http://schemas.openxmlformats.org/presentationml/2006/main">
+  <p:cSld>
+    <p:spTree>
+      <p:nvGrpSpPr>
+        <p:cNvPr id="1" name=""/>
+        <p:cNvGrpSpPr/>
+        <p:nvPr/>
+      </p:nvGrpSpPr>
+      <p:grpSpPr>
+        <a:xfrm>
+          <a:off x="0" y="0"/>
+          <a:ext cx="0" cy="0"/>
+          <a:chOff x="0" y="0"/>
+          <a:chExt cx="0" cy="0"/>
+        </a:xfrm>
+      </p:grpSpPr>
+      <p:cxnSp>
+        <p:nvCxnSpPr>
+          <p:cNvPr id="5" name="직선 연결선 4">
+            <a:extLst>
+              <a:ext uri="{FF2B5EF4-FFF2-40B4-BE49-F238E27FC236}">
+                <a16:creationId xmlns:a16="http://schemas.microsoft.com/office/drawing/2014/main" id="{164C2827-EFCE-69A4-D037-1A218415F568}"/>
+              </a:ext>
+            </a:extLst>
+          </p:cNvPr>
+          <p:cNvCxnSpPr/>
+          <p:nvPr/>
+        </p:nvCxnSpPr>
+        <p:spPr>
+          <a:xfrm>
+            <a:off x="0" y="887505"/>
+            <a:ext cx="10237694" cy="0"/>
+          </a:xfrm>
+          <a:prstGeom prst="line">
+            <a:avLst/>
+          </a:prstGeom>
+          <a:ln w="76200">
+            <a:solidFill>
+              <a:schemeClr val="tx1">
+                <a:lumMod val="75000"/>
+                <a:lumOff val="25000"/>
+              </a:schemeClr>
+            </a:solidFill>
+          </a:ln>
+        </p:spPr>
+        <p:style>
+          <a:lnRef idx="1">
+            <a:schemeClr val="accent1"/>
+          </a:lnRef>
+          <a:fillRef idx="0">
+            <a:schemeClr val="accent1"/>
+          </a:fillRef>
+          <a:effectRef idx="0">
+            <a:schemeClr val="accent1"/>
+          </a:effectRef>
+          <a:fontRef idx="minor">
+            <a:schemeClr val="tx1"/>
+          </a:fontRef>
+        </p:style>
+      </p:cxnSp>
+      <p:sp>
+        <p:nvSpPr>
+          <p:cNvPr id="2" name="TextBox 1">
+            <a:extLst>
+              <a:ext uri="{FF2B5EF4-FFF2-40B4-BE49-F238E27FC236}">
                 <a16:creationId xmlns:a16="http://schemas.microsoft.com/office/drawing/2014/main" id="{6C7D9011-D631-3335-93A5-B2BD13DFC2BF}"/>
               </a:ext>
             </a:extLst>
@@ -9239,7 +10549,7 @@
 </p:sld>
 </file>
 
-<file path=ppt/slides/slide24.xml><?xml version="1.0" encoding="utf-8"?>
+<file path=ppt/slides/slide27.xml><?xml version="1.0" encoding="utf-8"?>
 <p:sld xmlns:a="http://schemas.openxmlformats.org/drawingml/2006/main" xmlns:r="http://schemas.openxmlformats.org/officeDocument/2006/relationships" xmlns:p="http://schemas.openxmlformats.org/presentationml/2006/main">
   <p:cSld>
     <p:spTree>

--- a/study/7_Stack, Queue, List.pptx
+++ b/study/7_Stack, Queue, List.pptx
@@ -25,13 +25,14 @@
     <p:sldId id="412" r:id="rId19"/>
     <p:sldId id="365" r:id="rId20"/>
     <p:sldId id="366" r:id="rId21"/>
-    <p:sldId id="400" r:id="rId22"/>
-    <p:sldId id="401" r:id="rId23"/>
-    <p:sldId id="277" r:id="rId24"/>
-    <p:sldId id="278" r:id="rId25"/>
-    <p:sldId id="367" r:id="rId26"/>
-    <p:sldId id="368" r:id="rId27"/>
-    <p:sldId id="298" r:id="rId28"/>
+    <p:sldId id="413" r:id="rId22"/>
+    <p:sldId id="400" r:id="rId23"/>
+    <p:sldId id="401" r:id="rId24"/>
+    <p:sldId id="277" r:id="rId25"/>
+    <p:sldId id="278" r:id="rId26"/>
+    <p:sldId id="367" r:id="rId27"/>
+    <p:sldId id="368" r:id="rId28"/>
+    <p:sldId id="298" r:id="rId29"/>
   </p:sldIdLst>
   <p:sldSz cx="12192000" cy="6858000"/>
   <p:notesSz cx="6858000" cy="9144000"/>
@@ -285,7 +286,7 @@
           <a:p>
             <a:fld id="{33C37291-AA83-40C0-9297-8F7F3693F6CC}" type="datetimeFigureOut">
               <a:rPr lang="ko-KR" altLang="en-US" smtClean="0"/>
-              <a:t>2022-09-22</a:t>
+              <a:t>2022-09-23</a:t>
             </a:fld>
             <a:endParaRPr lang="ko-KR" altLang="en-US"/>
           </a:p>
@@ -483,7 +484,7 @@
           <a:p>
             <a:fld id="{33C37291-AA83-40C0-9297-8F7F3693F6CC}" type="datetimeFigureOut">
               <a:rPr lang="ko-KR" altLang="en-US" smtClean="0"/>
-              <a:t>2022-09-22</a:t>
+              <a:t>2022-09-23</a:t>
             </a:fld>
             <a:endParaRPr lang="ko-KR" altLang="en-US"/>
           </a:p>
@@ -691,7 +692,7 @@
           <a:p>
             <a:fld id="{33C37291-AA83-40C0-9297-8F7F3693F6CC}" type="datetimeFigureOut">
               <a:rPr lang="ko-KR" altLang="en-US" smtClean="0"/>
-              <a:t>2022-09-22</a:t>
+              <a:t>2022-09-23</a:t>
             </a:fld>
             <a:endParaRPr lang="ko-KR" altLang="en-US"/>
           </a:p>
@@ -889,7 +890,7 @@
           <a:p>
             <a:fld id="{33C37291-AA83-40C0-9297-8F7F3693F6CC}" type="datetimeFigureOut">
               <a:rPr lang="ko-KR" altLang="en-US" smtClean="0"/>
-              <a:t>2022-09-22</a:t>
+              <a:t>2022-09-23</a:t>
             </a:fld>
             <a:endParaRPr lang="ko-KR" altLang="en-US"/>
           </a:p>
@@ -1164,7 +1165,7 @@
           <a:p>
             <a:fld id="{33C37291-AA83-40C0-9297-8F7F3693F6CC}" type="datetimeFigureOut">
               <a:rPr lang="ko-KR" altLang="en-US" smtClean="0"/>
-              <a:t>2022-09-22</a:t>
+              <a:t>2022-09-23</a:t>
             </a:fld>
             <a:endParaRPr lang="ko-KR" altLang="en-US"/>
           </a:p>
@@ -1429,7 +1430,7 @@
           <a:p>
             <a:fld id="{33C37291-AA83-40C0-9297-8F7F3693F6CC}" type="datetimeFigureOut">
               <a:rPr lang="ko-KR" altLang="en-US" smtClean="0"/>
-              <a:t>2022-09-22</a:t>
+              <a:t>2022-09-23</a:t>
             </a:fld>
             <a:endParaRPr lang="ko-KR" altLang="en-US"/>
           </a:p>
@@ -1841,7 +1842,7 @@
           <a:p>
             <a:fld id="{33C37291-AA83-40C0-9297-8F7F3693F6CC}" type="datetimeFigureOut">
               <a:rPr lang="ko-KR" altLang="en-US" smtClean="0"/>
-              <a:t>2022-09-22</a:t>
+              <a:t>2022-09-23</a:t>
             </a:fld>
             <a:endParaRPr lang="ko-KR" altLang="en-US"/>
           </a:p>
@@ -1982,7 +1983,7 @@
           <a:p>
             <a:fld id="{33C37291-AA83-40C0-9297-8F7F3693F6CC}" type="datetimeFigureOut">
               <a:rPr lang="ko-KR" altLang="en-US" smtClean="0"/>
-              <a:t>2022-09-22</a:t>
+              <a:t>2022-09-23</a:t>
             </a:fld>
             <a:endParaRPr lang="ko-KR" altLang="en-US"/>
           </a:p>
@@ -2095,7 +2096,7 @@
           <a:p>
             <a:fld id="{33C37291-AA83-40C0-9297-8F7F3693F6CC}" type="datetimeFigureOut">
               <a:rPr lang="ko-KR" altLang="en-US" smtClean="0"/>
-              <a:t>2022-09-22</a:t>
+              <a:t>2022-09-23</a:t>
             </a:fld>
             <a:endParaRPr lang="ko-KR" altLang="en-US"/>
           </a:p>
@@ -2406,7 +2407,7 @@
           <a:p>
             <a:fld id="{33C37291-AA83-40C0-9297-8F7F3693F6CC}" type="datetimeFigureOut">
               <a:rPr lang="ko-KR" altLang="en-US" smtClean="0"/>
-              <a:t>2022-09-22</a:t>
+              <a:t>2022-09-23</a:t>
             </a:fld>
             <a:endParaRPr lang="ko-KR" altLang="en-US"/>
           </a:p>
@@ -2694,7 +2695,7 @@
           <a:p>
             <a:fld id="{33C37291-AA83-40C0-9297-8F7F3693F6CC}" type="datetimeFigureOut">
               <a:rPr lang="ko-KR" altLang="en-US" smtClean="0"/>
-              <a:t>2022-09-22</a:t>
+              <a:t>2022-09-23</a:t>
             </a:fld>
             <a:endParaRPr lang="ko-KR" altLang="en-US"/>
           </a:p>
@@ -2935,7 +2936,7 @@
           <a:p>
             <a:fld id="{33C37291-AA83-40C0-9297-8F7F3693F6CC}" type="datetimeFigureOut">
               <a:rPr lang="ko-KR" altLang="en-US" smtClean="0"/>
-              <a:t>2022-09-22</a:t>
+              <a:t>2022-09-23</a:t>
             </a:fld>
             <a:endParaRPr lang="ko-KR" altLang="en-US"/>
           </a:p>
@@ -9342,6 +9343,334 @@
           </a:p>
         </p:txBody>
       </p:sp>
+      <p:sp>
+        <p:nvSpPr>
+          <p:cNvPr id="6" name="TextBox 5">
+            <a:extLst>
+              <a:ext uri="{FF2B5EF4-FFF2-40B4-BE49-F238E27FC236}">
+                <a16:creationId xmlns:a16="http://schemas.microsoft.com/office/drawing/2014/main" id="{0A731321-957A-4BD9-9347-CD0C67655581}"/>
+              </a:ext>
+            </a:extLst>
+          </p:cNvPr>
+          <p:cNvSpPr txBox="1"/>
+          <p:nvPr/>
+        </p:nvSpPr>
+        <p:spPr>
+          <a:xfrm>
+            <a:off x="942387" y="1861874"/>
+            <a:ext cx="10237694" cy="369332"/>
+          </a:xfrm>
+          <a:prstGeom prst="rect">
+            <a:avLst/>
+          </a:prstGeom>
+          <a:noFill/>
+        </p:spPr>
+        <p:txBody>
+          <a:bodyPr wrap="square" rtlCol="0">
+            <a:spAutoFit/>
+          </a:bodyPr>
+          <a:lstStyle/>
+          <a:p>
+            <a:r>
+              <a:rPr lang="ko-KR" altLang="en-US" dirty="0">
+                <a:latin typeface="나눔스퀘어 Light" panose="020B0600000101010101" pitchFamily="50" charset="-127"/>
+                <a:ea typeface="나눔스퀘어 Light" panose="020B0600000101010101" pitchFamily="50" charset="-127"/>
+              </a:rPr>
+              <a:t>문자열을 입력 받아서</a:t>
+            </a:r>
+            <a:r>
+              <a:rPr lang="en-US" altLang="ko-KR" dirty="0">
+                <a:latin typeface="나눔스퀘어 Light" panose="020B0600000101010101" pitchFamily="50" charset="-127"/>
+                <a:ea typeface="나눔스퀘어 Light" panose="020B0600000101010101" pitchFamily="50" charset="-127"/>
+              </a:rPr>
+              <a:t>, </a:t>
+            </a:r>
+            <a:r>
+              <a:rPr lang="ko-KR" altLang="en-US" dirty="0">
+                <a:latin typeface="나눔스퀘어 Light" panose="020B0600000101010101" pitchFamily="50" charset="-127"/>
+                <a:ea typeface="나눔스퀘어 Light" panose="020B0600000101010101" pitchFamily="50" charset="-127"/>
+              </a:rPr>
+              <a:t>순차 탐색 중</a:t>
+            </a:r>
+          </a:p>
+        </p:txBody>
+      </p:sp>
+      <p:sp>
+        <p:nvSpPr>
+          <p:cNvPr id="7" name="TextBox 6">
+            <a:extLst>
+              <a:ext uri="{FF2B5EF4-FFF2-40B4-BE49-F238E27FC236}">
+                <a16:creationId xmlns:a16="http://schemas.microsoft.com/office/drawing/2014/main" id="{6D678E8D-78C9-477F-B53B-C731A0ABE13D}"/>
+              </a:ext>
+            </a:extLst>
+          </p:cNvPr>
+          <p:cNvSpPr txBox="1"/>
+          <p:nvPr/>
+        </p:nvSpPr>
+        <p:spPr>
+          <a:xfrm>
+            <a:off x="942387" y="2231206"/>
+            <a:ext cx="10237694" cy="369332"/>
+          </a:xfrm>
+          <a:prstGeom prst="rect">
+            <a:avLst/>
+          </a:prstGeom>
+          <a:noFill/>
+        </p:spPr>
+        <p:txBody>
+          <a:bodyPr wrap="square" rtlCol="0">
+            <a:spAutoFit/>
+          </a:bodyPr>
+          <a:lstStyle/>
+          <a:p>
+            <a:r>
+              <a:rPr lang="en-US" altLang="ko-KR" dirty="0">
+                <a:latin typeface="나눔스퀘어 Light" panose="020B0600000101010101" pitchFamily="50" charset="-127"/>
+                <a:ea typeface="나눔스퀘어 Light" panose="020B0600000101010101" pitchFamily="50" charset="-127"/>
+              </a:rPr>
+              <a:t>‘ ( ‘ </a:t>
+            </a:r>
+            <a:r>
+              <a:rPr lang="ko-KR" altLang="en-US" dirty="0">
+                <a:latin typeface="나눔스퀘어 Light" panose="020B0600000101010101" pitchFamily="50" charset="-127"/>
+                <a:ea typeface="나눔스퀘어 Light" panose="020B0600000101010101" pitchFamily="50" charset="-127"/>
+              </a:rPr>
+              <a:t>가 나온다면</a:t>
+            </a:r>
+            <a:r>
+              <a:rPr lang="en-US" altLang="ko-KR" dirty="0">
+                <a:latin typeface="나눔스퀘어 Light" panose="020B0600000101010101" pitchFamily="50" charset="-127"/>
+                <a:ea typeface="나눔스퀘어 Light" panose="020B0600000101010101" pitchFamily="50" charset="-127"/>
+              </a:rPr>
+              <a:t>, </a:t>
+            </a:r>
+            <a:r>
+              <a:rPr lang="ko-KR" altLang="en-US" dirty="0">
+                <a:latin typeface="나눔스퀘어 Light" panose="020B0600000101010101" pitchFamily="50" charset="-127"/>
+                <a:ea typeface="나눔스퀘어 Light" panose="020B0600000101010101" pitchFamily="50" charset="-127"/>
+              </a:rPr>
+              <a:t>스택에 집어넣고</a:t>
+            </a:r>
+          </a:p>
+        </p:txBody>
+      </p:sp>
+      <p:sp>
+        <p:nvSpPr>
+          <p:cNvPr id="8" name="TextBox 7">
+            <a:extLst>
+              <a:ext uri="{FF2B5EF4-FFF2-40B4-BE49-F238E27FC236}">
+                <a16:creationId xmlns:a16="http://schemas.microsoft.com/office/drawing/2014/main" id="{506F0431-BC30-4C0C-92D9-5F6924250EE8}"/>
+              </a:ext>
+            </a:extLst>
+          </p:cNvPr>
+          <p:cNvSpPr txBox="1"/>
+          <p:nvPr/>
+        </p:nvSpPr>
+        <p:spPr>
+          <a:xfrm>
+            <a:off x="942387" y="2600538"/>
+            <a:ext cx="10237694" cy="369332"/>
+          </a:xfrm>
+          <a:prstGeom prst="rect">
+            <a:avLst/>
+          </a:prstGeom>
+          <a:noFill/>
+        </p:spPr>
+        <p:txBody>
+          <a:bodyPr wrap="square" rtlCol="0">
+            <a:spAutoFit/>
+          </a:bodyPr>
+          <a:lstStyle/>
+          <a:p>
+            <a:r>
+              <a:rPr lang="en-US" altLang="ko-KR" dirty="0">
+                <a:latin typeface="나눔스퀘어 Light" panose="020B0600000101010101" pitchFamily="50" charset="-127"/>
+                <a:ea typeface="나눔스퀘어 Light" panose="020B0600000101010101" pitchFamily="50" charset="-127"/>
+              </a:rPr>
+              <a:t>‘ ) ‘ </a:t>
+            </a:r>
+            <a:r>
+              <a:rPr lang="ko-KR" altLang="en-US" dirty="0">
+                <a:latin typeface="나눔스퀘어 Light" panose="020B0600000101010101" pitchFamily="50" charset="-127"/>
+                <a:ea typeface="나눔스퀘어 Light" panose="020B0600000101010101" pitchFamily="50" charset="-127"/>
+              </a:rPr>
+              <a:t>가 나온다면 스택에서 빼면 됩니다</a:t>
+            </a:r>
+            <a:r>
+              <a:rPr lang="en-US" altLang="ko-KR" dirty="0">
+                <a:latin typeface="나눔스퀘어 Light" panose="020B0600000101010101" pitchFamily="50" charset="-127"/>
+                <a:ea typeface="나눔스퀘어 Light" panose="020B0600000101010101" pitchFamily="50" charset="-127"/>
+              </a:rPr>
+              <a:t>.</a:t>
+            </a:r>
+            <a:endParaRPr lang="ko-KR" altLang="en-US" dirty="0">
+              <a:latin typeface="나눔스퀘어 Light" panose="020B0600000101010101" pitchFamily="50" charset="-127"/>
+              <a:ea typeface="나눔스퀘어 Light" panose="020B0600000101010101" pitchFamily="50" charset="-127"/>
+            </a:endParaRPr>
+          </a:p>
+        </p:txBody>
+      </p:sp>
+      <p:sp>
+        <p:nvSpPr>
+          <p:cNvPr id="9" name="TextBox 8">
+            <a:extLst>
+              <a:ext uri="{FF2B5EF4-FFF2-40B4-BE49-F238E27FC236}">
+                <a16:creationId xmlns:a16="http://schemas.microsoft.com/office/drawing/2014/main" id="{20B57E3C-3912-4A9B-95F1-CA42170B4180}"/>
+              </a:ext>
+            </a:extLst>
+          </p:cNvPr>
+          <p:cNvSpPr txBox="1"/>
+          <p:nvPr/>
+        </p:nvSpPr>
+        <p:spPr>
+          <a:xfrm>
+            <a:off x="942387" y="3339202"/>
+            <a:ext cx="10237694" cy="369332"/>
+          </a:xfrm>
+          <a:prstGeom prst="rect">
+            <a:avLst/>
+          </a:prstGeom>
+          <a:noFill/>
+        </p:spPr>
+        <p:txBody>
+          <a:bodyPr wrap="square" rtlCol="0">
+            <a:spAutoFit/>
+          </a:bodyPr>
+          <a:lstStyle/>
+          <a:p>
+            <a:r>
+              <a:rPr lang="ko-KR" altLang="en-US" dirty="0">
+                <a:latin typeface="나눔스퀘어 Light" panose="020B0600000101010101" pitchFamily="50" charset="-127"/>
+                <a:ea typeface="나눔스퀘어 Light" panose="020B0600000101010101" pitchFamily="50" charset="-127"/>
+              </a:rPr>
+              <a:t>만약 스택에서 빼려고 할 때 </a:t>
+            </a:r>
+            <a:r>
+              <a:rPr lang="en-US" altLang="ko-KR" dirty="0">
+                <a:latin typeface="나눔스퀘어 Light" panose="020B0600000101010101" pitchFamily="50" charset="-127"/>
+                <a:ea typeface="나눔스퀘어 Light" panose="020B0600000101010101" pitchFamily="50" charset="-127"/>
+              </a:rPr>
+              <a:t>(</a:t>
+            </a:r>
+            <a:r>
+              <a:rPr lang="ko-KR" altLang="en-US" dirty="0">
+                <a:latin typeface="나눔스퀘어 Light" panose="020B0600000101010101" pitchFamily="50" charset="-127"/>
+                <a:ea typeface="나눔스퀘어 Light" panose="020B0600000101010101" pitchFamily="50" charset="-127"/>
+              </a:rPr>
+              <a:t>닫는 괄호일 때</a:t>
+            </a:r>
+            <a:r>
+              <a:rPr lang="en-US" altLang="ko-KR" dirty="0">
+                <a:latin typeface="나눔스퀘어 Light" panose="020B0600000101010101" pitchFamily="50" charset="-127"/>
+                <a:ea typeface="나눔스퀘어 Light" panose="020B0600000101010101" pitchFamily="50" charset="-127"/>
+              </a:rPr>
+              <a:t>) </a:t>
+            </a:r>
+            <a:r>
+              <a:rPr lang="ko-KR" altLang="en-US" dirty="0">
+                <a:latin typeface="나눔스퀘어 Light" panose="020B0600000101010101" pitchFamily="50" charset="-127"/>
+                <a:ea typeface="나눔스퀘어 Light" panose="020B0600000101010101" pitchFamily="50" charset="-127"/>
+              </a:rPr>
+              <a:t>스택이 </a:t>
+            </a:r>
+            <a:r>
+              <a:rPr lang="ko-KR" altLang="en-US" dirty="0" err="1">
+                <a:latin typeface="나눔스퀘어 Light" panose="020B0600000101010101" pitchFamily="50" charset="-127"/>
+                <a:ea typeface="나눔스퀘어 Light" panose="020B0600000101010101" pitchFamily="50" charset="-127"/>
+              </a:rPr>
+              <a:t>비어있거나</a:t>
+            </a:r>
+            <a:r>
+              <a:rPr lang="en-US" altLang="ko-KR" dirty="0">
+                <a:latin typeface="나눔스퀘어 Light" panose="020B0600000101010101" pitchFamily="50" charset="-127"/>
+                <a:ea typeface="나눔스퀘어 Light" panose="020B0600000101010101" pitchFamily="50" charset="-127"/>
+              </a:rPr>
+              <a:t>,</a:t>
+            </a:r>
+            <a:endParaRPr lang="ko-KR" altLang="en-US" dirty="0">
+              <a:latin typeface="나눔스퀘어 Light" panose="020B0600000101010101" pitchFamily="50" charset="-127"/>
+              <a:ea typeface="나눔스퀘어 Light" panose="020B0600000101010101" pitchFamily="50" charset="-127"/>
+            </a:endParaRPr>
+          </a:p>
+        </p:txBody>
+      </p:sp>
+      <p:sp>
+        <p:nvSpPr>
+          <p:cNvPr id="10" name="TextBox 9">
+            <a:extLst>
+              <a:ext uri="{FF2B5EF4-FFF2-40B4-BE49-F238E27FC236}">
+                <a16:creationId xmlns:a16="http://schemas.microsoft.com/office/drawing/2014/main" id="{DD4843A9-166A-4E35-8942-061CB9E5ABBF}"/>
+              </a:ext>
+            </a:extLst>
+          </p:cNvPr>
+          <p:cNvSpPr txBox="1"/>
+          <p:nvPr/>
+        </p:nvSpPr>
+        <p:spPr>
+          <a:xfrm>
+            <a:off x="942387" y="3708534"/>
+            <a:ext cx="10237694" cy="369332"/>
+          </a:xfrm>
+          <a:prstGeom prst="rect">
+            <a:avLst/>
+          </a:prstGeom>
+          <a:noFill/>
+        </p:spPr>
+        <p:txBody>
+          <a:bodyPr wrap="square" rtlCol="0">
+            <a:spAutoFit/>
+          </a:bodyPr>
+          <a:lstStyle/>
+          <a:p>
+            <a:r>
+              <a:rPr lang="ko-KR" altLang="en-US" dirty="0">
+                <a:latin typeface="나눔스퀘어 Light" panose="020B0600000101010101" pitchFamily="50" charset="-127"/>
+                <a:ea typeface="나눔스퀘어 Light" panose="020B0600000101010101" pitchFamily="50" charset="-127"/>
+              </a:rPr>
+              <a:t>문자열의 순회가 끝났는데</a:t>
+            </a:r>
+            <a:r>
+              <a:rPr lang="en-US" altLang="ko-KR" dirty="0">
+                <a:latin typeface="나눔스퀘어 Light" panose="020B0600000101010101" pitchFamily="50" charset="-127"/>
+                <a:ea typeface="나눔스퀘어 Light" panose="020B0600000101010101" pitchFamily="50" charset="-127"/>
+              </a:rPr>
+              <a:t>, </a:t>
+            </a:r>
+            <a:r>
+              <a:rPr lang="ko-KR" altLang="en-US" dirty="0">
+                <a:latin typeface="나눔스퀘어 Light" panose="020B0600000101010101" pitchFamily="50" charset="-127"/>
+                <a:ea typeface="나눔스퀘어 Light" panose="020B0600000101010101" pitchFamily="50" charset="-127"/>
+              </a:rPr>
+              <a:t>스택이 </a:t>
+            </a:r>
+            <a:r>
+              <a:rPr lang="ko-KR" altLang="en-US" dirty="0" err="1">
+                <a:latin typeface="나눔스퀘어 Light" panose="020B0600000101010101" pitchFamily="50" charset="-127"/>
+                <a:ea typeface="나눔스퀘어 Light" panose="020B0600000101010101" pitchFamily="50" charset="-127"/>
+              </a:rPr>
+              <a:t>비어있지</a:t>
+            </a:r>
+            <a:r>
+              <a:rPr lang="ko-KR" altLang="en-US" dirty="0">
+                <a:latin typeface="나눔스퀘어 Light" panose="020B0600000101010101" pitchFamily="50" charset="-127"/>
+                <a:ea typeface="나눔스퀘어 Light" panose="020B0600000101010101" pitchFamily="50" charset="-127"/>
+              </a:rPr>
+              <a:t> 않다면 짝이 맞지 않음을 알 수 있습니다</a:t>
+            </a:r>
+            <a:r>
+              <a:rPr lang="en-US" altLang="ko-KR" dirty="0">
+                <a:latin typeface="나눔스퀘어 Light" panose="020B0600000101010101" pitchFamily="50" charset="-127"/>
+                <a:ea typeface="나눔스퀘어 Light" panose="020B0600000101010101" pitchFamily="50" charset="-127"/>
+              </a:rPr>
+              <a:t>.</a:t>
+            </a:r>
+            <a:endParaRPr lang="ko-KR" altLang="en-US" dirty="0">
+              <a:latin typeface="나눔스퀘어 Light" panose="020B0600000101010101" pitchFamily="50" charset="-127"/>
+              <a:ea typeface="나눔스퀘어 Light" panose="020B0600000101010101" pitchFamily="50" charset="-127"/>
+            </a:endParaRPr>
+          </a:p>
+        </p:txBody>
+      </p:sp>
     </p:spTree>
     <p:extLst>
       <p:ext uri="{BB962C8B-B14F-4D97-AF65-F5344CB8AC3E}">
@@ -9418,6 +9747,55 @@
       </p:cxnSp>
       <p:sp>
         <p:nvSpPr>
+          <p:cNvPr id="3" name="TextBox 2">
+            <a:extLst>
+              <a:ext uri="{FF2B5EF4-FFF2-40B4-BE49-F238E27FC236}">
+                <a16:creationId xmlns:a16="http://schemas.microsoft.com/office/drawing/2014/main" id="{DED99750-0EE1-C88D-2F22-1EE36DBD23B3}"/>
+              </a:ext>
+            </a:extLst>
+          </p:cNvPr>
+          <p:cNvSpPr txBox="1"/>
+          <p:nvPr/>
+        </p:nvSpPr>
+        <p:spPr>
+          <a:xfrm>
+            <a:off x="942387" y="1190024"/>
+            <a:ext cx="10237694" cy="369332"/>
+          </a:xfrm>
+          <a:prstGeom prst="rect">
+            <a:avLst/>
+          </a:prstGeom>
+          <a:noFill/>
+        </p:spPr>
+        <p:txBody>
+          <a:bodyPr wrap="square" rtlCol="0">
+            <a:spAutoFit/>
+          </a:bodyPr>
+          <a:lstStyle/>
+          <a:p>
+            <a:r>
+              <a:rPr lang="ko-KR" altLang="en-US" dirty="0">
+                <a:latin typeface="나눔스퀘어 Light" panose="020B0600000101010101" pitchFamily="50" charset="-127"/>
+                <a:ea typeface="나눔스퀘어 Light" panose="020B0600000101010101" pitchFamily="50" charset="-127"/>
+              </a:rPr>
+              <a:t>대략적인 </a:t>
+            </a:r>
+            <a:r>
+              <a:rPr lang="ko-KR" altLang="en-US" dirty="0" err="1">
+                <a:latin typeface="나눔스퀘어 Light" panose="020B0600000101010101" pitchFamily="50" charset="-127"/>
+                <a:ea typeface="나눔스퀘어 Light" panose="020B0600000101010101" pitchFamily="50" charset="-127"/>
+              </a:rPr>
+              <a:t>슈도코드</a:t>
+            </a:r>
+            <a:endParaRPr lang="ko-KR" altLang="en-US" dirty="0">
+              <a:latin typeface="나눔스퀘어 Light" panose="020B0600000101010101" pitchFamily="50" charset="-127"/>
+              <a:ea typeface="나눔스퀘어 Light" panose="020B0600000101010101" pitchFamily="50" charset="-127"/>
+            </a:endParaRPr>
+          </a:p>
+        </p:txBody>
+      </p:sp>
+      <p:sp>
+        <p:nvSpPr>
           <p:cNvPr id="2" name="TextBox 1">
             <a:extLst>
               <a:ext uri="{FF2B5EF4-FFF2-40B4-BE49-F238E27FC236}">
@@ -9431,7 +9809,7 @@
         <p:spPr>
           <a:xfrm>
             <a:off x="331694" y="177505"/>
-            <a:ext cx="3897221" cy="523220"/>
+            <a:ext cx="2606804" cy="523220"/>
           </a:xfrm>
           <a:prstGeom prst="rect">
             <a:avLst/>
@@ -9463,35 +9841,24 @@
                 <a:latin typeface="나눔스퀘어 Bold" panose="020B0600000101010101" pitchFamily="50" charset="-127"/>
                 <a:ea typeface="나눔스퀘어 Bold" panose="020B0600000101010101" pitchFamily="50" charset="-127"/>
               </a:rPr>
-              <a:t>– 1935 </a:t>
+              <a:t>– 9012 </a:t>
             </a:r>
             <a:r>
               <a:rPr lang="ko-KR" altLang="en-US" sz="2800" dirty="0">
                 <a:latin typeface="나눔스퀘어 Bold" panose="020B0600000101010101" pitchFamily="50" charset="-127"/>
                 <a:ea typeface="나눔스퀘어 Bold" panose="020B0600000101010101" pitchFamily="50" charset="-127"/>
               </a:rPr>
-              <a:t>후위 표기식</a:t>
-            </a:r>
-            <a:r>
-              <a:rPr lang="en-US" altLang="ko-KR" sz="2800" dirty="0">
-                <a:latin typeface="나눔스퀘어 Bold" panose="020B0600000101010101" pitchFamily="50" charset="-127"/>
-                <a:ea typeface="나눔스퀘어 Bold" panose="020B0600000101010101" pitchFamily="50" charset="-127"/>
-              </a:rPr>
-              <a:t>2</a:t>
-            </a:r>
-            <a:endParaRPr lang="ko-KR" altLang="en-US" sz="2800" dirty="0">
-              <a:latin typeface="나눔스퀘어 Bold" panose="020B0600000101010101" pitchFamily="50" charset="-127"/>
-              <a:ea typeface="나눔스퀘어 Bold" panose="020B0600000101010101" pitchFamily="50" charset="-127"/>
-            </a:endParaRPr>
+              <a:t>괄호</a:t>
+            </a:r>
           </a:p>
         </p:txBody>
       </p:sp>
       <p:pic>
         <p:nvPicPr>
-          <p:cNvPr id="6" name="그림 5">
-            <a:extLst>
-              <a:ext uri="{FF2B5EF4-FFF2-40B4-BE49-F238E27FC236}">
-                <a16:creationId xmlns:a16="http://schemas.microsoft.com/office/drawing/2014/main" id="{F0ABB7DE-C9D8-CA58-35D0-43FCBADD0B54}"/>
+          <p:cNvPr id="11" name="그림 10">
+            <a:extLst>
+              <a:ext uri="{FF2B5EF4-FFF2-40B4-BE49-F238E27FC236}">
+                <a16:creationId xmlns:a16="http://schemas.microsoft.com/office/drawing/2014/main" id="{53AF06DB-C71B-40CD-B65A-284F974C8096}"/>
               </a:ext>
             </a:extLst>
           </p:cNvPr>
@@ -9508,128 +9875,8 @@
         </p:blipFill>
         <p:spPr>
           <a:xfrm>
-            <a:off x="331693" y="955017"/>
-            <a:ext cx="10377155" cy="3778161"/>
-          </a:xfrm>
-          <a:prstGeom prst="rect">
-            <a:avLst/>
-          </a:prstGeom>
-        </p:spPr>
-      </p:pic>
-      <p:pic>
-        <p:nvPicPr>
-          <p:cNvPr id="8" name="그림 7">
-            <a:extLst>
-              <a:ext uri="{FF2B5EF4-FFF2-40B4-BE49-F238E27FC236}">
-                <a16:creationId xmlns:a16="http://schemas.microsoft.com/office/drawing/2014/main" id="{D28CB359-D073-379E-E5C6-1B49EB657574}"/>
-              </a:ext>
-            </a:extLst>
-          </p:cNvPr>
-          <p:cNvPicPr>
-            <a:picLocks noChangeAspect="1"/>
-          </p:cNvPicPr>
-          <p:nvPr/>
-        </p:nvPicPr>
-        <p:blipFill>
-          <a:blip r:embed="rId3"/>
-          <a:stretch>
-            <a:fillRect/>
-          </a:stretch>
-        </p:blipFill>
-        <p:spPr>
-          <a:xfrm>
-            <a:off x="4373497" y="3921551"/>
-            <a:ext cx="1395682" cy="2346254"/>
-          </a:xfrm>
-          <a:prstGeom prst="rect">
-            <a:avLst/>
-          </a:prstGeom>
-        </p:spPr>
-      </p:pic>
-      <p:pic>
-        <p:nvPicPr>
-          <p:cNvPr id="10" name="그림 9">
-            <a:extLst>
-              <a:ext uri="{FF2B5EF4-FFF2-40B4-BE49-F238E27FC236}">
-                <a16:creationId xmlns:a16="http://schemas.microsoft.com/office/drawing/2014/main" id="{EA41C19E-CF69-A11F-2F0A-B63A51307F4C}"/>
-              </a:ext>
-            </a:extLst>
-          </p:cNvPr>
-          <p:cNvPicPr>
-            <a:picLocks noChangeAspect="1"/>
-          </p:cNvPicPr>
-          <p:nvPr/>
-        </p:nvPicPr>
-        <p:blipFill>
-          <a:blip r:embed="rId4"/>
-          <a:stretch>
-            <a:fillRect/>
-          </a:stretch>
-        </p:blipFill>
-        <p:spPr>
-          <a:xfrm>
-            <a:off x="5940117" y="3902697"/>
-            <a:ext cx="1370135" cy="969871"/>
-          </a:xfrm>
-          <a:prstGeom prst="rect">
-            <a:avLst/>
-          </a:prstGeom>
-        </p:spPr>
-      </p:pic>
-      <p:pic>
-        <p:nvPicPr>
-          <p:cNvPr id="12" name="그림 11">
-            <a:extLst>
-              <a:ext uri="{FF2B5EF4-FFF2-40B4-BE49-F238E27FC236}">
-                <a16:creationId xmlns:a16="http://schemas.microsoft.com/office/drawing/2014/main" id="{FD6BDE1B-C3EE-148A-4DF3-717360C0B15F}"/>
-              </a:ext>
-            </a:extLst>
-          </p:cNvPr>
-          <p:cNvPicPr>
-            <a:picLocks noChangeAspect="1"/>
-          </p:cNvPicPr>
-          <p:nvPr/>
-        </p:nvPicPr>
-        <p:blipFill>
-          <a:blip r:embed="rId5"/>
-          <a:stretch>
-            <a:fillRect/>
-          </a:stretch>
-        </p:blipFill>
-        <p:spPr>
-          <a:xfrm>
-            <a:off x="8692884" y="3883843"/>
-            <a:ext cx="1376699" cy="1452342"/>
-          </a:xfrm>
-          <a:prstGeom prst="rect">
-            <a:avLst/>
-          </a:prstGeom>
-        </p:spPr>
-      </p:pic>
-      <p:pic>
-        <p:nvPicPr>
-          <p:cNvPr id="14" name="그림 13">
-            <a:extLst>
-              <a:ext uri="{FF2B5EF4-FFF2-40B4-BE49-F238E27FC236}">
-                <a16:creationId xmlns:a16="http://schemas.microsoft.com/office/drawing/2014/main" id="{70E1C66A-1D27-B642-20B5-DB494DE8AF16}"/>
-              </a:ext>
-            </a:extLst>
-          </p:cNvPr>
-          <p:cNvPicPr>
-            <a:picLocks noChangeAspect="1"/>
-          </p:cNvPicPr>
-          <p:nvPr/>
-        </p:nvPicPr>
-        <p:blipFill>
-          <a:blip r:embed="rId6"/>
-          <a:stretch>
-            <a:fillRect/>
-          </a:stretch>
-        </p:blipFill>
-        <p:spPr>
-          <a:xfrm>
-            <a:off x="10233957" y="3883843"/>
-            <a:ext cx="1372839" cy="951017"/>
+            <a:off x="942386" y="1559356"/>
+            <a:ext cx="7637169" cy="4954457"/>
           </a:xfrm>
           <a:prstGeom prst="rect">
             <a:avLst/>
@@ -9639,7 +9886,7 @@
     </p:spTree>
     <p:extLst>
       <p:ext uri="{BB962C8B-B14F-4D97-AF65-F5344CB8AC3E}">
-        <p14:creationId xmlns:p14="http://schemas.microsoft.com/office/powerpoint/2010/main" val="1907416354"/>
+        <p14:creationId xmlns:p14="http://schemas.microsoft.com/office/powerpoint/2010/main" val="1268275603"/>
       </p:ext>
     </p:extLst>
   </p:cSld>
@@ -9712,44 +9959,6 @@
       </p:cxnSp>
       <p:sp>
         <p:nvSpPr>
-          <p:cNvPr id="3" name="TextBox 2">
-            <a:extLst>
-              <a:ext uri="{FF2B5EF4-FFF2-40B4-BE49-F238E27FC236}">
-                <a16:creationId xmlns:a16="http://schemas.microsoft.com/office/drawing/2014/main" id="{DED99750-0EE1-C88D-2F22-1EE36DBD23B3}"/>
-              </a:ext>
-            </a:extLst>
-          </p:cNvPr>
-          <p:cNvSpPr txBox="1"/>
-          <p:nvPr/>
-        </p:nvSpPr>
-        <p:spPr>
-          <a:xfrm>
-            <a:off x="942387" y="1190024"/>
-            <a:ext cx="10237694" cy="369332"/>
-          </a:xfrm>
-          <a:prstGeom prst="rect">
-            <a:avLst/>
-          </a:prstGeom>
-          <a:noFill/>
-        </p:spPr>
-        <p:txBody>
-          <a:bodyPr wrap="square" rtlCol="0">
-            <a:spAutoFit/>
-          </a:bodyPr>
-          <a:lstStyle/>
-          <a:p>
-            <a:r>
-              <a:rPr lang="ko-KR" altLang="en-US" dirty="0">
-                <a:latin typeface="나눔스퀘어 Light" panose="020B0600000101010101" pitchFamily="50" charset="-127"/>
-                <a:ea typeface="나눔스퀘어 Light" panose="020B0600000101010101" pitchFamily="50" charset="-127"/>
-              </a:rPr>
-              <a:t>올바른 괄호 문자열인지 판별하는 문제</a:t>
-            </a:r>
-          </a:p>
-        </p:txBody>
-      </p:sp>
-      <p:sp>
-        <p:nvSpPr>
           <p:cNvPr id="2" name="TextBox 1">
             <a:extLst>
               <a:ext uri="{FF2B5EF4-FFF2-40B4-BE49-F238E27FC236}">
@@ -9818,10 +10027,160 @@
           </a:p>
         </p:txBody>
       </p:sp>
+      <p:pic>
+        <p:nvPicPr>
+          <p:cNvPr id="6" name="그림 5">
+            <a:extLst>
+              <a:ext uri="{FF2B5EF4-FFF2-40B4-BE49-F238E27FC236}">
+                <a16:creationId xmlns:a16="http://schemas.microsoft.com/office/drawing/2014/main" id="{F0ABB7DE-C9D8-CA58-35D0-43FCBADD0B54}"/>
+              </a:ext>
+            </a:extLst>
+          </p:cNvPr>
+          <p:cNvPicPr>
+            <a:picLocks noChangeAspect="1"/>
+          </p:cNvPicPr>
+          <p:nvPr/>
+        </p:nvPicPr>
+        <p:blipFill>
+          <a:blip r:embed="rId2"/>
+          <a:stretch>
+            <a:fillRect/>
+          </a:stretch>
+        </p:blipFill>
+        <p:spPr>
+          <a:xfrm>
+            <a:off x="331693" y="955017"/>
+            <a:ext cx="10377155" cy="3778161"/>
+          </a:xfrm>
+          <a:prstGeom prst="rect">
+            <a:avLst/>
+          </a:prstGeom>
+        </p:spPr>
+      </p:pic>
+      <p:pic>
+        <p:nvPicPr>
+          <p:cNvPr id="8" name="그림 7">
+            <a:extLst>
+              <a:ext uri="{FF2B5EF4-FFF2-40B4-BE49-F238E27FC236}">
+                <a16:creationId xmlns:a16="http://schemas.microsoft.com/office/drawing/2014/main" id="{D28CB359-D073-379E-E5C6-1B49EB657574}"/>
+              </a:ext>
+            </a:extLst>
+          </p:cNvPr>
+          <p:cNvPicPr>
+            <a:picLocks noChangeAspect="1"/>
+          </p:cNvPicPr>
+          <p:nvPr/>
+        </p:nvPicPr>
+        <p:blipFill>
+          <a:blip r:embed="rId3"/>
+          <a:stretch>
+            <a:fillRect/>
+          </a:stretch>
+        </p:blipFill>
+        <p:spPr>
+          <a:xfrm>
+            <a:off x="4373497" y="3921551"/>
+            <a:ext cx="1395682" cy="2346254"/>
+          </a:xfrm>
+          <a:prstGeom prst="rect">
+            <a:avLst/>
+          </a:prstGeom>
+        </p:spPr>
+      </p:pic>
+      <p:pic>
+        <p:nvPicPr>
+          <p:cNvPr id="10" name="그림 9">
+            <a:extLst>
+              <a:ext uri="{FF2B5EF4-FFF2-40B4-BE49-F238E27FC236}">
+                <a16:creationId xmlns:a16="http://schemas.microsoft.com/office/drawing/2014/main" id="{EA41C19E-CF69-A11F-2F0A-B63A51307F4C}"/>
+              </a:ext>
+            </a:extLst>
+          </p:cNvPr>
+          <p:cNvPicPr>
+            <a:picLocks noChangeAspect="1"/>
+          </p:cNvPicPr>
+          <p:nvPr/>
+        </p:nvPicPr>
+        <p:blipFill>
+          <a:blip r:embed="rId4"/>
+          <a:stretch>
+            <a:fillRect/>
+          </a:stretch>
+        </p:blipFill>
+        <p:spPr>
+          <a:xfrm>
+            <a:off x="5940117" y="3902697"/>
+            <a:ext cx="1370135" cy="969871"/>
+          </a:xfrm>
+          <a:prstGeom prst="rect">
+            <a:avLst/>
+          </a:prstGeom>
+        </p:spPr>
+      </p:pic>
+      <p:pic>
+        <p:nvPicPr>
+          <p:cNvPr id="12" name="그림 11">
+            <a:extLst>
+              <a:ext uri="{FF2B5EF4-FFF2-40B4-BE49-F238E27FC236}">
+                <a16:creationId xmlns:a16="http://schemas.microsoft.com/office/drawing/2014/main" id="{FD6BDE1B-C3EE-148A-4DF3-717360C0B15F}"/>
+              </a:ext>
+            </a:extLst>
+          </p:cNvPr>
+          <p:cNvPicPr>
+            <a:picLocks noChangeAspect="1"/>
+          </p:cNvPicPr>
+          <p:nvPr/>
+        </p:nvPicPr>
+        <p:blipFill>
+          <a:blip r:embed="rId5"/>
+          <a:stretch>
+            <a:fillRect/>
+          </a:stretch>
+        </p:blipFill>
+        <p:spPr>
+          <a:xfrm>
+            <a:off x="8692884" y="3883843"/>
+            <a:ext cx="1376699" cy="1452342"/>
+          </a:xfrm>
+          <a:prstGeom prst="rect">
+            <a:avLst/>
+          </a:prstGeom>
+        </p:spPr>
+      </p:pic>
+      <p:pic>
+        <p:nvPicPr>
+          <p:cNvPr id="14" name="그림 13">
+            <a:extLst>
+              <a:ext uri="{FF2B5EF4-FFF2-40B4-BE49-F238E27FC236}">
+                <a16:creationId xmlns:a16="http://schemas.microsoft.com/office/drawing/2014/main" id="{70E1C66A-1D27-B642-20B5-DB494DE8AF16}"/>
+              </a:ext>
+            </a:extLst>
+          </p:cNvPr>
+          <p:cNvPicPr>
+            <a:picLocks noChangeAspect="1"/>
+          </p:cNvPicPr>
+          <p:nvPr/>
+        </p:nvPicPr>
+        <p:blipFill>
+          <a:blip r:embed="rId6"/>
+          <a:stretch>
+            <a:fillRect/>
+          </a:stretch>
+        </p:blipFill>
+        <p:spPr>
+          <a:xfrm>
+            <a:off x="10233957" y="3883843"/>
+            <a:ext cx="1372839" cy="951017"/>
+          </a:xfrm>
+          <a:prstGeom prst="rect">
+            <a:avLst/>
+          </a:prstGeom>
+        </p:spPr>
+      </p:pic>
     </p:spTree>
     <p:extLst>
       <p:ext uri="{BB962C8B-B14F-4D97-AF65-F5344CB8AC3E}">
-        <p14:creationId xmlns:p14="http://schemas.microsoft.com/office/powerpoint/2010/main" val="4187972177"/>
+        <p14:creationId xmlns:p14="http://schemas.microsoft.com/office/powerpoint/2010/main" val="1907416354"/>
       </p:ext>
     </p:extLst>
   </p:cSld>
@@ -9894,10 +10253,59 @@
       </p:cxnSp>
       <p:sp>
         <p:nvSpPr>
+          <p:cNvPr id="3" name="TextBox 2">
+            <a:extLst>
+              <a:ext uri="{FF2B5EF4-FFF2-40B4-BE49-F238E27FC236}">
+                <a16:creationId xmlns:a16="http://schemas.microsoft.com/office/drawing/2014/main" id="{DED99750-0EE1-C88D-2F22-1EE36DBD23B3}"/>
+              </a:ext>
+            </a:extLst>
+          </p:cNvPr>
+          <p:cNvSpPr txBox="1"/>
+          <p:nvPr/>
+        </p:nvSpPr>
+        <p:spPr>
+          <a:xfrm>
+            <a:off x="942387" y="1190024"/>
+            <a:ext cx="10237694" cy="369332"/>
+          </a:xfrm>
+          <a:prstGeom prst="rect">
+            <a:avLst/>
+          </a:prstGeom>
+          <a:noFill/>
+        </p:spPr>
+        <p:txBody>
+          <a:bodyPr wrap="square" rtlCol="0">
+            <a:spAutoFit/>
+          </a:bodyPr>
+          <a:lstStyle/>
+          <a:p>
+            <a:r>
+              <a:rPr lang="ko-KR" altLang="en-US" dirty="0">
+                <a:latin typeface="나눔스퀘어 Light" panose="020B0600000101010101" pitchFamily="50" charset="-127"/>
+                <a:ea typeface="나눔스퀘어 Light" panose="020B0600000101010101" pitchFamily="50" charset="-127"/>
+              </a:rPr>
+              <a:t>우선 후위 표기식의 원리를 알아야 합니다</a:t>
+            </a:r>
+            <a:r>
+              <a:rPr lang="en-US" altLang="ko-KR" dirty="0">
+                <a:latin typeface="나눔스퀘어 Light" panose="020B0600000101010101" pitchFamily="50" charset="-127"/>
+                <a:ea typeface="나눔스퀘어 Light" panose="020B0600000101010101" pitchFamily="50" charset="-127"/>
+              </a:rPr>
+              <a:t>.</a:t>
+            </a:r>
+            <a:endParaRPr lang="ko-KR" altLang="en-US" dirty="0">
+              <a:latin typeface="나눔스퀘어 Light" panose="020B0600000101010101" pitchFamily="50" charset="-127"/>
+              <a:ea typeface="나눔스퀘어 Light" panose="020B0600000101010101" pitchFamily="50" charset="-127"/>
+            </a:endParaRPr>
+          </a:p>
+        </p:txBody>
+      </p:sp>
+      <p:sp>
+        <p:nvSpPr>
           <p:cNvPr id="2" name="TextBox 1">
             <a:extLst>
               <a:ext uri="{FF2B5EF4-FFF2-40B4-BE49-F238E27FC236}">
-                <a16:creationId xmlns:a16="http://schemas.microsoft.com/office/drawing/2014/main" id="{7A9F668B-4598-7703-B5DB-B80899A1C734}"/>
+                <a16:creationId xmlns:a16="http://schemas.microsoft.com/office/drawing/2014/main" id="{18D39D5A-64F9-9DF0-96C3-E9A433FB9C19}"/>
               </a:ext>
             </a:extLst>
           </p:cNvPr>
@@ -9907,7 +10315,7 @@
         <p:spPr>
           <a:xfrm>
             <a:off x="331694" y="177505"/>
-            <a:ext cx="2499402" cy="523220"/>
+            <a:ext cx="3897221" cy="523220"/>
           </a:xfrm>
           <a:prstGeom prst="rect">
             <a:avLst/>
@@ -9939,52 +10347,96 @@
                 <a:latin typeface="나눔스퀘어 Bold" panose="020B0600000101010101" pitchFamily="50" charset="-127"/>
                 <a:ea typeface="나눔스퀘어 Bold" panose="020B0600000101010101" pitchFamily="50" charset="-127"/>
               </a:rPr>
-              <a:t>– 10845 </a:t>
+              <a:t>– 1935 </a:t>
             </a:r>
             <a:r>
               <a:rPr lang="ko-KR" altLang="en-US" sz="2800" dirty="0">
                 <a:latin typeface="나눔스퀘어 Bold" panose="020B0600000101010101" pitchFamily="50" charset="-127"/>
                 <a:ea typeface="나눔스퀘어 Bold" panose="020B0600000101010101" pitchFamily="50" charset="-127"/>
               </a:rPr>
-              <a:t>큐</a:t>
-            </a:r>
-          </a:p>
-        </p:txBody>
-      </p:sp>
-      <p:pic>
-        <p:nvPicPr>
-          <p:cNvPr id="6" name="그림 5">
-            <a:extLst>
-              <a:ext uri="{FF2B5EF4-FFF2-40B4-BE49-F238E27FC236}">
-                <a16:creationId xmlns:a16="http://schemas.microsoft.com/office/drawing/2014/main" id="{BA7E89D0-EC5B-949F-2F86-BB48EDA301A3}"/>
-              </a:ext>
-            </a:extLst>
-          </p:cNvPr>
-          <p:cNvPicPr>
-            <a:picLocks noChangeAspect="1"/>
-          </p:cNvPicPr>
-          <p:nvPr/>
-        </p:nvPicPr>
-        <p:blipFill>
-          <a:blip r:embed="rId2"/>
-          <a:stretch>
-            <a:fillRect/>
-          </a:stretch>
-        </p:blipFill>
-        <p:spPr>
-          <a:xfrm>
-            <a:off x="331694" y="998873"/>
-            <a:ext cx="10869542" cy="5525271"/>
+              <a:t>후위 표기식</a:t>
+            </a:r>
+            <a:r>
+              <a:rPr lang="en-US" altLang="ko-KR" sz="2800" dirty="0">
+                <a:latin typeface="나눔스퀘어 Bold" panose="020B0600000101010101" pitchFamily="50" charset="-127"/>
+                <a:ea typeface="나눔스퀘어 Bold" panose="020B0600000101010101" pitchFamily="50" charset="-127"/>
+              </a:rPr>
+              <a:t>2</a:t>
+            </a:r>
+            <a:endParaRPr lang="ko-KR" altLang="en-US" sz="2800" dirty="0">
+              <a:latin typeface="나눔스퀘어 Bold" panose="020B0600000101010101" pitchFamily="50" charset="-127"/>
+              <a:ea typeface="나눔스퀘어 Bold" panose="020B0600000101010101" pitchFamily="50" charset="-127"/>
+            </a:endParaRPr>
+          </a:p>
+        </p:txBody>
+      </p:sp>
+      <p:sp>
+        <p:nvSpPr>
+          <p:cNvPr id="6" name="TextBox 5">
+            <a:extLst>
+              <a:ext uri="{FF2B5EF4-FFF2-40B4-BE49-F238E27FC236}">
+                <a16:creationId xmlns:a16="http://schemas.microsoft.com/office/drawing/2014/main" id="{1ABB7C3D-1A1B-469B-817C-E2D8EDC86C60}"/>
+              </a:ext>
+            </a:extLst>
+          </p:cNvPr>
+          <p:cNvSpPr txBox="1"/>
+          <p:nvPr/>
+        </p:nvSpPr>
+        <p:spPr>
+          <a:xfrm>
+            <a:off x="942387" y="1559356"/>
+            <a:ext cx="10237694" cy="369332"/>
           </a:xfrm>
           <a:prstGeom prst="rect">
             <a:avLst/>
           </a:prstGeom>
-        </p:spPr>
-      </p:pic>
+          <a:noFill/>
+        </p:spPr>
+        <p:txBody>
+          <a:bodyPr wrap="square" rtlCol="0">
+            <a:spAutoFit/>
+          </a:bodyPr>
+          <a:lstStyle/>
+          <a:p>
+            <a:r>
+              <a:rPr lang="ko-KR" altLang="en-US" dirty="0">
+                <a:latin typeface="나눔스퀘어 Light" panose="020B0600000101010101" pitchFamily="50" charset="-127"/>
+                <a:ea typeface="나눔스퀘어 Light" panose="020B0600000101010101" pitchFamily="50" charset="-127"/>
+              </a:rPr>
+              <a:t>후위 표기식이란</a:t>
+            </a:r>
+            <a:r>
+              <a:rPr lang="en-US" altLang="ko-KR" dirty="0">
+                <a:latin typeface="나눔스퀘어 Light" panose="020B0600000101010101" pitchFamily="50" charset="-127"/>
+                <a:ea typeface="나눔스퀘어 Light" panose="020B0600000101010101" pitchFamily="50" charset="-127"/>
+              </a:rPr>
+              <a:t>, </a:t>
+            </a:r>
+            <a:r>
+              <a:rPr lang="ko-KR" altLang="en-US" dirty="0">
+                <a:latin typeface="나눔스퀘어 Light" panose="020B0600000101010101" pitchFamily="50" charset="-127"/>
+                <a:ea typeface="나눔스퀘어 Light" panose="020B0600000101010101" pitchFamily="50" charset="-127"/>
+              </a:rPr>
+              <a:t>말 그대로 연산자가 피연산자의 뒤에 있는 수식을 의미합니다</a:t>
+            </a:r>
+            <a:r>
+              <a:rPr lang="en-US" altLang="ko-KR">
+                <a:latin typeface="나눔스퀘어 Light" panose="020B0600000101010101" pitchFamily="50" charset="-127"/>
+                <a:ea typeface="나눔스퀘어 Light" panose="020B0600000101010101" pitchFamily="50" charset="-127"/>
+              </a:rPr>
+              <a:t>.</a:t>
+            </a:r>
+            <a:endParaRPr lang="ko-KR" altLang="en-US" dirty="0">
+              <a:latin typeface="나눔스퀘어 Light" panose="020B0600000101010101" pitchFamily="50" charset="-127"/>
+              <a:ea typeface="나눔스퀘어 Light" panose="020B0600000101010101" pitchFamily="50" charset="-127"/>
+            </a:endParaRPr>
+          </a:p>
+        </p:txBody>
+      </p:sp>
     </p:spTree>
     <p:extLst>
       <p:ext uri="{BB962C8B-B14F-4D97-AF65-F5344CB8AC3E}">
-        <p14:creationId xmlns:p14="http://schemas.microsoft.com/office/powerpoint/2010/main" val="3852066961"/>
+        <p14:creationId xmlns:p14="http://schemas.microsoft.com/office/powerpoint/2010/main" val="4187972177"/>
       </p:ext>
     </p:extLst>
   </p:cSld>
@@ -10057,62 +10509,10 @@
       </p:cxnSp>
       <p:sp>
         <p:nvSpPr>
-          <p:cNvPr id="3" name="TextBox 2">
-            <a:extLst>
-              <a:ext uri="{FF2B5EF4-FFF2-40B4-BE49-F238E27FC236}">
-                <a16:creationId xmlns:a16="http://schemas.microsoft.com/office/drawing/2014/main" id="{2929977D-4B28-4A77-BFAA-69E6FF174D27}"/>
-              </a:ext>
-            </a:extLst>
-          </p:cNvPr>
-          <p:cNvSpPr txBox="1"/>
-          <p:nvPr/>
-        </p:nvSpPr>
-        <p:spPr>
-          <a:xfrm>
-            <a:off x="942387" y="1190024"/>
-            <a:ext cx="10237694" cy="369332"/>
-          </a:xfrm>
-          <a:prstGeom prst="rect">
-            <a:avLst/>
-          </a:prstGeom>
-          <a:noFill/>
-        </p:spPr>
-        <p:txBody>
-          <a:bodyPr wrap="square" rtlCol="0">
-            <a:spAutoFit/>
-          </a:bodyPr>
-          <a:lstStyle/>
-          <a:p>
-            <a:r>
-              <a:rPr lang="ko-KR" altLang="en-US" dirty="0">
-                <a:latin typeface="나눔스퀘어 Light" panose="020B0600000101010101" pitchFamily="50" charset="-127"/>
-                <a:ea typeface="나눔스퀘어 Light" panose="020B0600000101010101" pitchFamily="50" charset="-127"/>
-              </a:rPr>
-              <a:t>스택과 마찬가지로</a:t>
-            </a:r>
-            <a:r>
-              <a:rPr lang="en-US" altLang="ko-KR" dirty="0">
-                <a:latin typeface="나눔스퀘어 Light" panose="020B0600000101010101" pitchFamily="50" charset="-127"/>
-                <a:ea typeface="나눔스퀘어 Light" panose="020B0600000101010101" pitchFamily="50" charset="-127"/>
-              </a:rPr>
-              <a:t>, </a:t>
-            </a:r>
-            <a:r>
-              <a:rPr lang="ko-KR" altLang="en-US" dirty="0">
-                <a:latin typeface="나눔스퀘어 Light" panose="020B0600000101010101" pitchFamily="50" charset="-127"/>
-                <a:ea typeface="나눔스퀘어 Light" panose="020B0600000101010101" pitchFamily="50" charset="-127"/>
-              </a:rPr>
-              <a:t>구현해본 큐를 채점할 수 있는 문제</a:t>
-            </a:r>
-          </a:p>
-        </p:txBody>
-      </p:sp>
-      <p:sp>
-        <p:nvSpPr>
           <p:cNvPr id="2" name="TextBox 1">
             <a:extLst>
               <a:ext uri="{FF2B5EF4-FFF2-40B4-BE49-F238E27FC236}">
-                <a16:creationId xmlns:a16="http://schemas.microsoft.com/office/drawing/2014/main" id="{CC1A2188-D131-F96B-08B1-C61DDBFCF482}"/>
+                <a16:creationId xmlns:a16="http://schemas.microsoft.com/office/drawing/2014/main" id="{7A9F668B-4598-7703-B5DB-B80899A1C734}"/>
               </a:ext>
             </a:extLst>
           </p:cNvPr>
@@ -10166,62 +10566,40 @@
           </a:p>
         </p:txBody>
       </p:sp>
-      <p:sp>
-        <p:nvSpPr>
-          <p:cNvPr id="11" name="TextBox 10">
-            <a:extLst>
-              <a:ext uri="{FF2B5EF4-FFF2-40B4-BE49-F238E27FC236}">
-                <a16:creationId xmlns:a16="http://schemas.microsoft.com/office/drawing/2014/main" id="{55838BC7-EF0F-5B81-2952-60BCF736A512}"/>
-              </a:ext>
-            </a:extLst>
-          </p:cNvPr>
-          <p:cNvSpPr txBox="1"/>
-          <p:nvPr/>
-        </p:nvSpPr>
-        <p:spPr>
-          <a:xfrm>
-            <a:off x="942387" y="1559356"/>
-            <a:ext cx="10237694" cy="369332"/>
+      <p:pic>
+        <p:nvPicPr>
+          <p:cNvPr id="6" name="그림 5">
+            <a:extLst>
+              <a:ext uri="{FF2B5EF4-FFF2-40B4-BE49-F238E27FC236}">
+                <a16:creationId xmlns:a16="http://schemas.microsoft.com/office/drawing/2014/main" id="{BA7E89D0-EC5B-949F-2F86-BB48EDA301A3}"/>
+              </a:ext>
+            </a:extLst>
+          </p:cNvPr>
+          <p:cNvPicPr>
+            <a:picLocks noChangeAspect="1"/>
+          </p:cNvPicPr>
+          <p:nvPr/>
+        </p:nvPicPr>
+        <p:blipFill>
+          <a:blip r:embed="rId2"/>
+          <a:stretch>
+            <a:fillRect/>
+          </a:stretch>
+        </p:blipFill>
+        <p:spPr>
+          <a:xfrm>
+            <a:off x="331694" y="998873"/>
+            <a:ext cx="10869542" cy="5525271"/>
           </a:xfrm>
           <a:prstGeom prst="rect">
             <a:avLst/>
           </a:prstGeom>
-          <a:noFill/>
-        </p:spPr>
-        <p:txBody>
-          <a:bodyPr wrap="square" rtlCol="0">
-            <a:spAutoFit/>
-          </a:bodyPr>
-          <a:lstStyle/>
-          <a:p>
-            <a:r>
-              <a:rPr lang="ko-KR" altLang="en-US" dirty="0">
-                <a:latin typeface="나눔스퀘어 Light" panose="020B0600000101010101" pitchFamily="50" charset="-127"/>
-                <a:ea typeface="나눔스퀘어 Light" panose="020B0600000101010101" pitchFamily="50" charset="-127"/>
-              </a:rPr>
-              <a:t>직접 구현을 해봤다면</a:t>
-            </a:r>
-            <a:r>
-              <a:rPr lang="en-US" altLang="ko-KR" dirty="0">
-                <a:latin typeface="나눔스퀘어 Light" panose="020B0600000101010101" pitchFamily="50" charset="-127"/>
-                <a:ea typeface="나눔스퀘어 Light" panose="020B0600000101010101" pitchFamily="50" charset="-127"/>
-              </a:rPr>
-              <a:t>, </a:t>
-            </a:r>
-            <a:r>
-              <a:rPr lang="ko-KR" altLang="en-US" dirty="0">
-                <a:latin typeface="나눔스퀘어 Light" panose="020B0600000101010101" pitchFamily="50" charset="-127"/>
-                <a:ea typeface="나눔스퀘어 Light" panose="020B0600000101010101" pitchFamily="50" charset="-127"/>
-              </a:rPr>
-              <a:t>라이브러리를 사용</a:t>
-            </a:r>
-          </a:p>
-        </p:txBody>
-      </p:sp>
+        </p:spPr>
+      </p:pic>
     </p:spTree>
     <p:extLst>
       <p:ext uri="{BB962C8B-B14F-4D97-AF65-F5344CB8AC3E}">
-        <p14:creationId xmlns:p14="http://schemas.microsoft.com/office/powerpoint/2010/main" val="36971579"/>
+        <p14:creationId xmlns:p14="http://schemas.microsoft.com/office/powerpoint/2010/main" val="3852066961"/>
       </p:ext>
     </p:extLst>
   </p:cSld>
@@ -10294,10 +10672,62 @@
       </p:cxnSp>
       <p:sp>
         <p:nvSpPr>
+          <p:cNvPr id="3" name="TextBox 2">
+            <a:extLst>
+              <a:ext uri="{FF2B5EF4-FFF2-40B4-BE49-F238E27FC236}">
+                <a16:creationId xmlns:a16="http://schemas.microsoft.com/office/drawing/2014/main" id="{2929977D-4B28-4A77-BFAA-69E6FF174D27}"/>
+              </a:ext>
+            </a:extLst>
+          </p:cNvPr>
+          <p:cNvSpPr txBox="1"/>
+          <p:nvPr/>
+        </p:nvSpPr>
+        <p:spPr>
+          <a:xfrm>
+            <a:off x="942387" y="1190024"/>
+            <a:ext cx="10237694" cy="369332"/>
+          </a:xfrm>
+          <a:prstGeom prst="rect">
+            <a:avLst/>
+          </a:prstGeom>
+          <a:noFill/>
+        </p:spPr>
+        <p:txBody>
+          <a:bodyPr wrap="square" rtlCol="0">
+            <a:spAutoFit/>
+          </a:bodyPr>
+          <a:lstStyle/>
+          <a:p>
+            <a:r>
+              <a:rPr lang="ko-KR" altLang="en-US" dirty="0">
+                <a:latin typeface="나눔스퀘어 Light" panose="020B0600000101010101" pitchFamily="50" charset="-127"/>
+                <a:ea typeface="나눔스퀘어 Light" panose="020B0600000101010101" pitchFamily="50" charset="-127"/>
+              </a:rPr>
+              <a:t>스택과 마찬가지로</a:t>
+            </a:r>
+            <a:r>
+              <a:rPr lang="en-US" altLang="ko-KR" dirty="0">
+                <a:latin typeface="나눔스퀘어 Light" panose="020B0600000101010101" pitchFamily="50" charset="-127"/>
+                <a:ea typeface="나눔스퀘어 Light" panose="020B0600000101010101" pitchFamily="50" charset="-127"/>
+              </a:rPr>
+              <a:t>, </a:t>
+            </a:r>
+            <a:r>
+              <a:rPr lang="ko-KR" altLang="en-US" dirty="0">
+                <a:latin typeface="나눔스퀘어 Light" panose="020B0600000101010101" pitchFamily="50" charset="-127"/>
+                <a:ea typeface="나눔스퀘어 Light" panose="020B0600000101010101" pitchFamily="50" charset="-127"/>
+              </a:rPr>
+              <a:t>구현해본 큐를 채점할 수 있는 문제</a:t>
+            </a:r>
+          </a:p>
+        </p:txBody>
+      </p:sp>
+      <p:sp>
+        <p:nvSpPr>
           <p:cNvPr id="2" name="TextBox 1">
             <a:extLst>
               <a:ext uri="{FF2B5EF4-FFF2-40B4-BE49-F238E27FC236}">
-                <a16:creationId xmlns:a16="http://schemas.microsoft.com/office/drawing/2014/main" id="{7C0672DE-9A16-449C-C1E8-53F4FCB0C57F}"/>
+                <a16:creationId xmlns:a16="http://schemas.microsoft.com/office/drawing/2014/main" id="{CC1A2188-D131-F96B-08B1-C61DDBFCF482}"/>
               </a:ext>
             </a:extLst>
           </p:cNvPr>
@@ -10307,7 +10737,7 @@
         <p:spPr>
           <a:xfrm>
             <a:off x="331694" y="177505"/>
-            <a:ext cx="2826415" cy="523220"/>
+            <a:ext cx="2499402" cy="523220"/>
           </a:xfrm>
           <a:prstGeom prst="rect">
             <a:avLst/>
@@ -10339,63 +10769,74 @@
                 <a:latin typeface="나눔스퀘어 Bold" panose="020B0600000101010101" pitchFamily="50" charset="-127"/>
                 <a:ea typeface="나눔스퀘어 Bold" panose="020B0600000101010101" pitchFamily="50" charset="-127"/>
               </a:rPr>
-              <a:t>– 2164 </a:t>
+              <a:t>– 10845 </a:t>
             </a:r>
             <a:r>
               <a:rPr lang="ko-KR" altLang="en-US" sz="2800" dirty="0">
                 <a:latin typeface="나눔스퀘어 Bold" panose="020B0600000101010101" pitchFamily="50" charset="-127"/>
                 <a:ea typeface="나눔스퀘어 Bold" panose="020B0600000101010101" pitchFamily="50" charset="-127"/>
               </a:rPr>
-              <a:t>카드</a:t>
-            </a:r>
-            <a:r>
-              <a:rPr lang="en-US" altLang="ko-KR" sz="2800" dirty="0">
-                <a:latin typeface="나눔스퀘어 Bold" panose="020B0600000101010101" pitchFamily="50" charset="-127"/>
-                <a:ea typeface="나눔스퀘어 Bold" panose="020B0600000101010101" pitchFamily="50" charset="-127"/>
-              </a:rPr>
-              <a:t>2</a:t>
-            </a:r>
-            <a:endParaRPr lang="ko-KR" altLang="en-US" sz="2800" dirty="0">
-              <a:latin typeface="나눔스퀘어 Bold" panose="020B0600000101010101" pitchFamily="50" charset="-127"/>
-              <a:ea typeface="나눔스퀘어 Bold" panose="020B0600000101010101" pitchFamily="50" charset="-127"/>
-            </a:endParaRPr>
-          </a:p>
-        </p:txBody>
-      </p:sp>
-      <p:pic>
-        <p:nvPicPr>
-          <p:cNvPr id="4" name="그림 3">
-            <a:extLst>
-              <a:ext uri="{FF2B5EF4-FFF2-40B4-BE49-F238E27FC236}">
-                <a16:creationId xmlns:a16="http://schemas.microsoft.com/office/drawing/2014/main" id="{B33FFAC5-1C7A-59B5-8C86-A8D769B542A0}"/>
-              </a:ext>
-            </a:extLst>
-          </p:cNvPr>
-          <p:cNvPicPr>
-            <a:picLocks noChangeAspect="1"/>
-          </p:cNvPicPr>
-          <p:nvPr/>
-        </p:nvPicPr>
-        <p:blipFill>
-          <a:blip r:embed="rId2"/>
-          <a:stretch>
-            <a:fillRect/>
-          </a:stretch>
-        </p:blipFill>
-        <p:spPr>
-          <a:xfrm>
-            <a:off x="331694" y="951198"/>
-            <a:ext cx="10671142" cy="5779270"/>
+              <a:t>큐</a:t>
+            </a:r>
+          </a:p>
+        </p:txBody>
+      </p:sp>
+      <p:sp>
+        <p:nvSpPr>
+          <p:cNvPr id="11" name="TextBox 10">
+            <a:extLst>
+              <a:ext uri="{FF2B5EF4-FFF2-40B4-BE49-F238E27FC236}">
+                <a16:creationId xmlns:a16="http://schemas.microsoft.com/office/drawing/2014/main" id="{55838BC7-EF0F-5B81-2952-60BCF736A512}"/>
+              </a:ext>
+            </a:extLst>
+          </p:cNvPr>
+          <p:cNvSpPr txBox="1"/>
+          <p:nvPr/>
+        </p:nvSpPr>
+        <p:spPr>
+          <a:xfrm>
+            <a:off x="942387" y="1559356"/>
+            <a:ext cx="10237694" cy="369332"/>
           </a:xfrm>
           <a:prstGeom prst="rect">
             <a:avLst/>
           </a:prstGeom>
-        </p:spPr>
-      </p:pic>
+          <a:noFill/>
+        </p:spPr>
+        <p:txBody>
+          <a:bodyPr wrap="square" rtlCol="0">
+            <a:spAutoFit/>
+          </a:bodyPr>
+          <a:lstStyle/>
+          <a:p>
+            <a:r>
+              <a:rPr lang="ko-KR" altLang="en-US" dirty="0">
+                <a:latin typeface="나눔스퀘어 Light" panose="020B0600000101010101" pitchFamily="50" charset="-127"/>
+                <a:ea typeface="나눔스퀘어 Light" panose="020B0600000101010101" pitchFamily="50" charset="-127"/>
+              </a:rPr>
+              <a:t>직접 구현을 해봤다면</a:t>
+            </a:r>
+            <a:r>
+              <a:rPr lang="en-US" altLang="ko-KR" dirty="0">
+                <a:latin typeface="나눔스퀘어 Light" panose="020B0600000101010101" pitchFamily="50" charset="-127"/>
+                <a:ea typeface="나눔스퀘어 Light" panose="020B0600000101010101" pitchFamily="50" charset="-127"/>
+              </a:rPr>
+              <a:t>, </a:t>
+            </a:r>
+            <a:r>
+              <a:rPr lang="ko-KR" altLang="en-US" dirty="0">
+                <a:latin typeface="나눔스퀘어 Light" panose="020B0600000101010101" pitchFamily="50" charset="-127"/>
+                <a:ea typeface="나눔스퀘어 Light" panose="020B0600000101010101" pitchFamily="50" charset="-127"/>
+              </a:rPr>
+              <a:t>라이브러리를 사용</a:t>
+            </a:r>
+          </a:p>
+        </p:txBody>
+      </p:sp>
     </p:spTree>
     <p:extLst>
       <p:ext uri="{BB962C8B-B14F-4D97-AF65-F5344CB8AC3E}">
-        <p14:creationId xmlns:p14="http://schemas.microsoft.com/office/powerpoint/2010/main" val="2401598668"/>
+        <p14:creationId xmlns:p14="http://schemas.microsoft.com/office/powerpoint/2010/main" val="36971579"/>
       </p:ext>
     </p:extLst>
   </p:cSld>
@@ -10471,6 +10912,180 @@
           <p:cNvPr id="2" name="TextBox 1">
             <a:extLst>
               <a:ext uri="{FF2B5EF4-FFF2-40B4-BE49-F238E27FC236}">
+                <a16:creationId xmlns:a16="http://schemas.microsoft.com/office/drawing/2014/main" id="{7C0672DE-9A16-449C-C1E8-53F4FCB0C57F}"/>
+              </a:ext>
+            </a:extLst>
+          </p:cNvPr>
+          <p:cNvSpPr txBox="1"/>
+          <p:nvPr/>
+        </p:nvSpPr>
+        <p:spPr>
+          <a:xfrm>
+            <a:off x="331694" y="177505"/>
+            <a:ext cx="2826415" cy="523220"/>
+          </a:xfrm>
+          <a:prstGeom prst="rect">
+            <a:avLst/>
+          </a:prstGeom>
+          <a:noFill/>
+        </p:spPr>
+        <p:txBody>
+          <a:bodyPr wrap="none" rtlCol="0">
+            <a:spAutoFit/>
+          </a:bodyPr>
+          <a:lstStyle/>
+          <a:p>
+            <a:r>
+              <a:rPr lang="en-US" altLang="ko-KR" sz="2800" dirty="0">
+                <a:latin typeface="나눔스퀘어 Bold" panose="020B0600000101010101" pitchFamily="50" charset="-127"/>
+                <a:ea typeface="나눔스퀘어 Bold" panose="020B0600000101010101" pitchFamily="50" charset="-127"/>
+              </a:rPr>
+              <a:t>DS</a:t>
+            </a:r>
+            <a:r>
+              <a:rPr lang="ko-KR" altLang="en-US" sz="2800" dirty="0">
+                <a:latin typeface="나눔스퀘어 Bold" panose="020B0600000101010101" pitchFamily="50" charset="-127"/>
+                <a:ea typeface="나눔스퀘어 Bold" panose="020B0600000101010101" pitchFamily="50" charset="-127"/>
+              </a:rPr>
+              <a:t> </a:t>
+            </a:r>
+            <a:r>
+              <a:rPr lang="en-US" altLang="ko-KR" sz="2800" dirty="0">
+                <a:latin typeface="나눔스퀘어 Bold" panose="020B0600000101010101" pitchFamily="50" charset="-127"/>
+                <a:ea typeface="나눔스퀘어 Bold" panose="020B0600000101010101" pitchFamily="50" charset="-127"/>
+              </a:rPr>
+              <a:t>– 2164 </a:t>
+            </a:r>
+            <a:r>
+              <a:rPr lang="ko-KR" altLang="en-US" sz="2800" dirty="0">
+                <a:latin typeface="나눔스퀘어 Bold" panose="020B0600000101010101" pitchFamily="50" charset="-127"/>
+                <a:ea typeface="나눔스퀘어 Bold" panose="020B0600000101010101" pitchFamily="50" charset="-127"/>
+              </a:rPr>
+              <a:t>카드</a:t>
+            </a:r>
+            <a:r>
+              <a:rPr lang="en-US" altLang="ko-KR" sz="2800" dirty="0">
+                <a:latin typeface="나눔스퀘어 Bold" panose="020B0600000101010101" pitchFamily="50" charset="-127"/>
+                <a:ea typeface="나눔스퀘어 Bold" panose="020B0600000101010101" pitchFamily="50" charset="-127"/>
+              </a:rPr>
+              <a:t>2</a:t>
+            </a:r>
+            <a:endParaRPr lang="ko-KR" altLang="en-US" sz="2800" dirty="0">
+              <a:latin typeface="나눔스퀘어 Bold" panose="020B0600000101010101" pitchFamily="50" charset="-127"/>
+              <a:ea typeface="나눔스퀘어 Bold" panose="020B0600000101010101" pitchFamily="50" charset="-127"/>
+            </a:endParaRPr>
+          </a:p>
+        </p:txBody>
+      </p:sp>
+      <p:pic>
+        <p:nvPicPr>
+          <p:cNvPr id="4" name="그림 3">
+            <a:extLst>
+              <a:ext uri="{FF2B5EF4-FFF2-40B4-BE49-F238E27FC236}">
+                <a16:creationId xmlns:a16="http://schemas.microsoft.com/office/drawing/2014/main" id="{B33FFAC5-1C7A-59B5-8C86-A8D769B542A0}"/>
+              </a:ext>
+            </a:extLst>
+          </p:cNvPr>
+          <p:cNvPicPr>
+            <a:picLocks noChangeAspect="1"/>
+          </p:cNvPicPr>
+          <p:nvPr/>
+        </p:nvPicPr>
+        <p:blipFill>
+          <a:blip r:embed="rId2"/>
+          <a:stretch>
+            <a:fillRect/>
+          </a:stretch>
+        </p:blipFill>
+        <p:spPr>
+          <a:xfrm>
+            <a:off x="331694" y="951198"/>
+            <a:ext cx="10671142" cy="5779270"/>
+          </a:xfrm>
+          <a:prstGeom prst="rect">
+            <a:avLst/>
+          </a:prstGeom>
+        </p:spPr>
+      </p:pic>
+    </p:spTree>
+    <p:extLst>
+      <p:ext uri="{BB962C8B-B14F-4D97-AF65-F5344CB8AC3E}">
+        <p14:creationId xmlns:p14="http://schemas.microsoft.com/office/powerpoint/2010/main" val="2401598668"/>
+      </p:ext>
+    </p:extLst>
+  </p:cSld>
+  <p:clrMapOvr>
+    <a:masterClrMapping/>
+  </p:clrMapOvr>
+</p:sld>
+</file>
+
+<file path=ppt/slides/slide27.xml><?xml version="1.0" encoding="utf-8"?>
+<p:sld xmlns:a="http://schemas.openxmlformats.org/drawingml/2006/main" xmlns:r="http://schemas.openxmlformats.org/officeDocument/2006/relationships" xmlns:p="http://schemas.openxmlformats.org/presentationml/2006/main">
+  <p:cSld>
+    <p:spTree>
+      <p:nvGrpSpPr>
+        <p:cNvPr id="1" name=""/>
+        <p:cNvGrpSpPr/>
+        <p:nvPr/>
+      </p:nvGrpSpPr>
+      <p:grpSpPr>
+        <a:xfrm>
+          <a:off x="0" y="0"/>
+          <a:ext cx="0" cy="0"/>
+          <a:chOff x="0" y="0"/>
+          <a:chExt cx="0" cy="0"/>
+        </a:xfrm>
+      </p:grpSpPr>
+      <p:cxnSp>
+        <p:nvCxnSpPr>
+          <p:cNvPr id="5" name="직선 연결선 4">
+            <a:extLst>
+              <a:ext uri="{FF2B5EF4-FFF2-40B4-BE49-F238E27FC236}">
+                <a16:creationId xmlns:a16="http://schemas.microsoft.com/office/drawing/2014/main" id="{164C2827-EFCE-69A4-D037-1A218415F568}"/>
+              </a:ext>
+            </a:extLst>
+          </p:cNvPr>
+          <p:cNvCxnSpPr/>
+          <p:nvPr/>
+        </p:nvCxnSpPr>
+        <p:spPr>
+          <a:xfrm>
+            <a:off x="0" y="887505"/>
+            <a:ext cx="10237694" cy="0"/>
+          </a:xfrm>
+          <a:prstGeom prst="line">
+            <a:avLst/>
+          </a:prstGeom>
+          <a:ln w="76200">
+            <a:solidFill>
+              <a:schemeClr val="tx1">
+                <a:lumMod val="75000"/>
+                <a:lumOff val="25000"/>
+              </a:schemeClr>
+            </a:solidFill>
+          </a:ln>
+        </p:spPr>
+        <p:style>
+          <a:lnRef idx="1">
+            <a:schemeClr val="accent1"/>
+          </a:lnRef>
+          <a:fillRef idx="0">
+            <a:schemeClr val="accent1"/>
+          </a:fillRef>
+          <a:effectRef idx="0">
+            <a:schemeClr val="accent1"/>
+          </a:effectRef>
+          <a:fontRef idx="minor">
+            <a:schemeClr val="tx1"/>
+          </a:fontRef>
+        </p:style>
+      </p:cxnSp>
+      <p:sp>
+        <p:nvSpPr>
+          <p:cNvPr id="2" name="TextBox 1">
+            <a:extLst>
+              <a:ext uri="{FF2B5EF4-FFF2-40B4-BE49-F238E27FC236}">
                 <a16:creationId xmlns:a16="http://schemas.microsoft.com/office/drawing/2014/main" id="{6C7D9011-D631-3335-93A5-B2BD13DFC2BF}"/>
               </a:ext>
             </a:extLst>
@@ -10549,7 +11164,7 @@
 </p:sld>
 </file>
 
-<file path=ppt/slides/slide27.xml><?xml version="1.0" encoding="utf-8"?>
+<file path=ppt/slides/slide28.xml><?xml version="1.0" encoding="utf-8"?>
 <p:sld xmlns:a="http://schemas.openxmlformats.org/drawingml/2006/main" xmlns:r="http://schemas.openxmlformats.org/officeDocument/2006/relationships" xmlns:p="http://schemas.openxmlformats.org/presentationml/2006/main">
   <p:cSld>
     <p:spTree>

--- a/study/7_Stack, Queue, List.pptx
+++ b/study/7_Stack, Queue, List.pptx
@@ -28,11 +28,12 @@
     <p:sldId id="413" r:id="rId22"/>
     <p:sldId id="400" r:id="rId23"/>
     <p:sldId id="401" r:id="rId24"/>
-    <p:sldId id="277" r:id="rId25"/>
-    <p:sldId id="278" r:id="rId26"/>
-    <p:sldId id="367" r:id="rId27"/>
-    <p:sldId id="368" r:id="rId28"/>
-    <p:sldId id="298" r:id="rId29"/>
+    <p:sldId id="415" r:id="rId25"/>
+    <p:sldId id="277" r:id="rId26"/>
+    <p:sldId id="278" r:id="rId27"/>
+    <p:sldId id="367" r:id="rId28"/>
+    <p:sldId id="368" r:id="rId29"/>
+    <p:sldId id="298" r:id="rId30"/>
   </p:sldIdLst>
   <p:sldSz cx="12192000" cy="6858000"/>
   <p:notesSz cx="6858000" cy="9144000"/>
@@ -286,7 +287,7 @@
           <a:p>
             <a:fld id="{33C37291-AA83-40C0-9297-8F7F3693F6CC}" type="datetimeFigureOut">
               <a:rPr lang="ko-KR" altLang="en-US" smtClean="0"/>
-              <a:t>2022-09-23</a:t>
+              <a:t>2022-09-25</a:t>
             </a:fld>
             <a:endParaRPr lang="ko-KR" altLang="en-US"/>
           </a:p>
@@ -484,7 +485,7 @@
           <a:p>
             <a:fld id="{33C37291-AA83-40C0-9297-8F7F3693F6CC}" type="datetimeFigureOut">
               <a:rPr lang="ko-KR" altLang="en-US" smtClean="0"/>
-              <a:t>2022-09-23</a:t>
+              <a:t>2022-09-25</a:t>
             </a:fld>
             <a:endParaRPr lang="ko-KR" altLang="en-US"/>
           </a:p>
@@ -692,7 +693,7 @@
           <a:p>
             <a:fld id="{33C37291-AA83-40C0-9297-8F7F3693F6CC}" type="datetimeFigureOut">
               <a:rPr lang="ko-KR" altLang="en-US" smtClean="0"/>
-              <a:t>2022-09-23</a:t>
+              <a:t>2022-09-25</a:t>
             </a:fld>
             <a:endParaRPr lang="ko-KR" altLang="en-US"/>
           </a:p>
@@ -890,7 +891,7 @@
           <a:p>
             <a:fld id="{33C37291-AA83-40C0-9297-8F7F3693F6CC}" type="datetimeFigureOut">
               <a:rPr lang="ko-KR" altLang="en-US" smtClean="0"/>
-              <a:t>2022-09-23</a:t>
+              <a:t>2022-09-25</a:t>
             </a:fld>
             <a:endParaRPr lang="ko-KR" altLang="en-US"/>
           </a:p>
@@ -1165,7 +1166,7 @@
           <a:p>
             <a:fld id="{33C37291-AA83-40C0-9297-8F7F3693F6CC}" type="datetimeFigureOut">
               <a:rPr lang="ko-KR" altLang="en-US" smtClean="0"/>
-              <a:t>2022-09-23</a:t>
+              <a:t>2022-09-25</a:t>
             </a:fld>
             <a:endParaRPr lang="ko-KR" altLang="en-US"/>
           </a:p>
@@ -1430,7 +1431,7 @@
           <a:p>
             <a:fld id="{33C37291-AA83-40C0-9297-8F7F3693F6CC}" type="datetimeFigureOut">
               <a:rPr lang="ko-KR" altLang="en-US" smtClean="0"/>
-              <a:t>2022-09-23</a:t>
+              <a:t>2022-09-25</a:t>
             </a:fld>
             <a:endParaRPr lang="ko-KR" altLang="en-US"/>
           </a:p>
@@ -1842,7 +1843,7 @@
           <a:p>
             <a:fld id="{33C37291-AA83-40C0-9297-8F7F3693F6CC}" type="datetimeFigureOut">
               <a:rPr lang="ko-KR" altLang="en-US" smtClean="0"/>
-              <a:t>2022-09-23</a:t>
+              <a:t>2022-09-25</a:t>
             </a:fld>
             <a:endParaRPr lang="ko-KR" altLang="en-US"/>
           </a:p>
@@ -1983,7 +1984,7 @@
           <a:p>
             <a:fld id="{33C37291-AA83-40C0-9297-8F7F3693F6CC}" type="datetimeFigureOut">
               <a:rPr lang="ko-KR" altLang="en-US" smtClean="0"/>
-              <a:t>2022-09-23</a:t>
+              <a:t>2022-09-25</a:t>
             </a:fld>
             <a:endParaRPr lang="ko-KR" altLang="en-US"/>
           </a:p>
@@ -2096,7 +2097,7 @@
           <a:p>
             <a:fld id="{33C37291-AA83-40C0-9297-8F7F3693F6CC}" type="datetimeFigureOut">
               <a:rPr lang="ko-KR" altLang="en-US" smtClean="0"/>
-              <a:t>2022-09-23</a:t>
+              <a:t>2022-09-25</a:t>
             </a:fld>
             <a:endParaRPr lang="ko-KR" altLang="en-US"/>
           </a:p>
@@ -2407,7 +2408,7 @@
           <a:p>
             <a:fld id="{33C37291-AA83-40C0-9297-8F7F3693F6CC}" type="datetimeFigureOut">
               <a:rPr lang="ko-KR" altLang="en-US" smtClean="0"/>
-              <a:t>2022-09-23</a:t>
+              <a:t>2022-09-25</a:t>
             </a:fld>
             <a:endParaRPr lang="ko-KR" altLang="en-US"/>
           </a:p>
@@ -2695,7 +2696,7 @@
           <a:p>
             <a:fld id="{33C37291-AA83-40C0-9297-8F7F3693F6CC}" type="datetimeFigureOut">
               <a:rPr lang="ko-KR" altLang="en-US" smtClean="0"/>
-              <a:t>2022-09-23</a:t>
+              <a:t>2022-09-25</a:t>
             </a:fld>
             <a:endParaRPr lang="ko-KR" altLang="en-US"/>
           </a:p>
@@ -2936,7 +2937,7 @@
           <a:p>
             <a:fld id="{33C37291-AA83-40C0-9297-8F7F3693F6CC}" type="datetimeFigureOut">
               <a:rPr lang="ko-KR" altLang="en-US" smtClean="0"/>
-              <a:t>2022-09-23</a:t>
+              <a:t>2022-09-25</a:t>
             </a:fld>
             <a:endParaRPr lang="ko-KR" altLang="en-US"/>
           </a:p>
@@ -10433,6 +10434,394 @@
           </a:p>
         </p:txBody>
       </p:sp>
+      <p:sp>
+        <p:nvSpPr>
+          <p:cNvPr id="4" name="TextBox 3">
+            <a:extLst>
+              <a:ext uri="{FF2B5EF4-FFF2-40B4-BE49-F238E27FC236}">
+                <a16:creationId xmlns:a16="http://schemas.microsoft.com/office/drawing/2014/main" id="{77C91571-4639-DE6D-2E91-64CE8911ABF4}"/>
+              </a:ext>
+            </a:extLst>
+          </p:cNvPr>
+          <p:cNvSpPr txBox="1"/>
+          <p:nvPr/>
+        </p:nvSpPr>
+        <p:spPr>
+          <a:xfrm>
+            <a:off x="942387" y="2298020"/>
+            <a:ext cx="10237694" cy="369332"/>
+          </a:xfrm>
+          <a:prstGeom prst="rect">
+            <a:avLst/>
+          </a:prstGeom>
+          <a:noFill/>
+        </p:spPr>
+        <p:txBody>
+          <a:bodyPr wrap="square" rtlCol="0">
+            <a:spAutoFit/>
+          </a:bodyPr>
+          <a:lstStyle/>
+          <a:p>
+            <a:r>
+              <a:rPr lang="ko-KR" altLang="en-US" dirty="0">
+                <a:latin typeface="나눔스퀘어 Light" panose="020B0600000101010101" pitchFamily="50" charset="-127"/>
+                <a:ea typeface="나눔스퀘어 Light" panose="020B0600000101010101" pitchFamily="50" charset="-127"/>
+              </a:rPr>
+              <a:t>중위 표기식</a:t>
+            </a:r>
+            <a:r>
+              <a:rPr lang="en-US" altLang="ko-KR" dirty="0">
+                <a:latin typeface="나눔스퀘어 Light" panose="020B0600000101010101" pitchFamily="50" charset="-127"/>
+                <a:ea typeface="나눔스퀘어 Light" panose="020B0600000101010101" pitchFamily="50" charset="-127"/>
+              </a:rPr>
+              <a:t>(Infix Expression) : 3 + 5 × 2</a:t>
+            </a:r>
+            <a:endParaRPr lang="ko-KR" altLang="en-US" dirty="0">
+              <a:latin typeface="나눔스퀘어 Light" panose="020B0600000101010101" pitchFamily="50" charset="-127"/>
+              <a:ea typeface="나눔스퀘어 Light" panose="020B0600000101010101" pitchFamily="50" charset="-127"/>
+            </a:endParaRPr>
+          </a:p>
+        </p:txBody>
+      </p:sp>
+      <p:sp>
+        <p:nvSpPr>
+          <p:cNvPr id="7" name="TextBox 6">
+            <a:extLst>
+              <a:ext uri="{FF2B5EF4-FFF2-40B4-BE49-F238E27FC236}">
+                <a16:creationId xmlns:a16="http://schemas.microsoft.com/office/drawing/2014/main" id="{4D4A6D87-56C1-CCC6-94E3-AC8B7D8C26DC}"/>
+              </a:ext>
+            </a:extLst>
+          </p:cNvPr>
+          <p:cNvSpPr txBox="1"/>
+          <p:nvPr/>
+        </p:nvSpPr>
+        <p:spPr>
+          <a:xfrm>
+            <a:off x="942387" y="2667352"/>
+            <a:ext cx="10237694" cy="369332"/>
+          </a:xfrm>
+          <a:prstGeom prst="rect">
+            <a:avLst/>
+          </a:prstGeom>
+          <a:noFill/>
+        </p:spPr>
+        <p:txBody>
+          <a:bodyPr wrap="square" rtlCol="0">
+            <a:spAutoFit/>
+          </a:bodyPr>
+          <a:lstStyle/>
+          <a:p>
+            <a:r>
+              <a:rPr lang="ko-KR" altLang="en-US" dirty="0">
+                <a:latin typeface="나눔스퀘어 Light" panose="020B0600000101010101" pitchFamily="50" charset="-127"/>
+                <a:ea typeface="나눔스퀘어 Light" panose="020B0600000101010101" pitchFamily="50" charset="-127"/>
+              </a:rPr>
+              <a:t>전위 표기식</a:t>
+            </a:r>
+            <a:r>
+              <a:rPr lang="en-US" altLang="ko-KR" dirty="0">
+                <a:latin typeface="나눔스퀘어 Light" panose="020B0600000101010101" pitchFamily="50" charset="-127"/>
+                <a:ea typeface="나눔스퀘어 Light" panose="020B0600000101010101" pitchFamily="50" charset="-127"/>
+              </a:rPr>
+              <a:t>(Prefix Expression) : + 3 × 5 2</a:t>
+            </a:r>
+            <a:endParaRPr lang="ko-KR" altLang="en-US" dirty="0">
+              <a:latin typeface="나눔스퀘어 Light" panose="020B0600000101010101" pitchFamily="50" charset="-127"/>
+              <a:ea typeface="나눔스퀘어 Light" panose="020B0600000101010101" pitchFamily="50" charset="-127"/>
+            </a:endParaRPr>
+          </a:p>
+        </p:txBody>
+      </p:sp>
+      <p:sp>
+        <p:nvSpPr>
+          <p:cNvPr id="8" name="TextBox 7">
+            <a:extLst>
+              <a:ext uri="{FF2B5EF4-FFF2-40B4-BE49-F238E27FC236}">
+                <a16:creationId xmlns:a16="http://schemas.microsoft.com/office/drawing/2014/main" id="{9CE4BE3B-0498-D7BD-4517-8AA724CA2E49}"/>
+              </a:ext>
+            </a:extLst>
+          </p:cNvPr>
+          <p:cNvSpPr txBox="1"/>
+          <p:nvPr/>
+        </p:nvSpPr>
+        <p:spPr>
+          <a:xfrm>
+            <a:off x="942387" y="3036684"/>
+            <a:ext cx="10237694" cy="369332"/>
+          </a:xfrm>
+          <a:prstGeom prst="rect">
+            <a:avLst/>
+          </a:prstGeom>
+          <a:noFill/>
+        </p:spPr>
+        <p:txBody>
+          <a:bodyPr wrap="square" rtlCol="0">
+            <a:spAutoFit/>
+          </a:bodyPr>
+          <a:lstStyle/>
+          <a:p>
+            <a:r>
+              <a:rPr lang="ko-KR" altLang="en-US" dirty="0">
+                <a:latin typeface="나눔스퀘어 Light" panose="020B0600000101010101" pitchFamily="50" charset="-127"/>
+                <a:ea typeface="나눔스퀘어 Light" panose="020B0600000101010101" pitchFamily="50" charset="-127"/>
+              </a:rPr>
+              <a:t>후위 표기식</a:t>
+            </a:r>
+            <a:r>
+              <a:rPr lang="en-US" altLang="ko-KR" dirty="0">
+                <a:latin typeface="나눔스퀘어 Light" panose="020B0600000101010101" pitchFamily="50" charset="-127"/>
+                <a:ea typeface="나눔스퀘어 Light" panose="020B0600000101010101" pitchFamily="50" charset="-127"/>
+              </a:rPr>
+              <a:t>(Postfix Expression) : 3 5 2 × +</a:t>
+            </a:r>
+            <a:endParaRPr lang="ko-KR" altLang="en-US" dirty="0">
+              <a:latin typeface="나눔스퀘어 Light" panose="020B0600000101010101" pitchFamily="50" charset="-127"/>
+              <a:ea typeface="나눔스퀘어 Light" panose="020B0600000101010101" pitchFamily="50" charset="-127"/>
+            </a:endParaRPr>
+          </a:p>
+        </p:txBody>
+      </p:sp>
+      <p:sp>
+        <p:nvSpPr>
+          <p:cNvPr id="10" name="TextBox 9">
+            <a:extLst>
+              <a:ext uri="{FF2B5EF4-FFF2-40B4-BE49-F238E27FC236}">
+                <a16:creationId xmlns:a16="http://schemas.microsoft.com/office/drawing/2014/main" id="{1AEAB63E-A479-57C5-D010-1B9701AF7F8A}"/>
+              </a:ext>
+            </a:extLst>
+          </p:cNvPr>
+          <p:cNvSpPr txBox="1"/>
+          <p:nvPr/>
+        </p:nvSpPr>
+        <p:spPr>
+          <a:xfrm>
+            <a:off x="942387" y="4144680"/>
+            <a:ext cx="10237694" cy="369332"/>
+          </a:xfrm>
+          <a:prstGeom prst="rect">
+            <a:avLst/>
+          </a:prstGeom>
+          <a:noFill/>
+        </p:spPr>
+        <p:txBody>
+          <a:bodyPr wrap="square" rtlCol="0">
+            <a:spAutoFit/>
+          </a:bodyPr>
+          <a:lstStyle/>
+          <a:p>
+            <a:r>
+              <a:rPr lang="ko-KR" altLang="en-US" dirty="0">
+                <a:latin typeface="나눔스퀘어 Light" panose="020B0600000101010101" pitchFamily="50" charset="-127"/>
+                <a:ea typeface="나눔스퀘어 Light" panose="020B0600000101010101" pitchFamily="50" charset="-127"/>
+              </a:rPr>
+              <a:t>왜 후위 표기법을 쓸까요</a:t>
+            </a:r>
+            <a:r>
+              <a:rPr lang="en-US" altLang="ko-KR" dirty="0">
+                <a:latin typeface="나눔스퀘어 Light" panose="020B0600000101010101" pitchFamily="50" charset="-127"/>
+                <a:ea typeface="나눔스퀘어 Light" panose="020B0600000101010101" pitchFamily="50" charset="-127"/>
+              </a:rPr>
+              <a:t>?</a:t>
+            </a:r>
+            <a:endParaRPr lang="ko-KR" altLang="en-US" dirty="0">
+              <a:latin typeface="나눔스퀘어 Light" panose="020B0600000101010101" pitchFamily="50" charset="-127"/>
+              <a:ea typeface="나눔스퀘어 Light" panose="020B0600000101010101" pitchFamily="50" charset="-127"/>
+            </a:endParaRPr>
+          </a:p>
+        </p:txBody>
+      </p:sp>
+      <p:sp>
+        <p:nvSpPr>
+          <p:cNvPr id="11" name="TextBox 10">
+            <a:extLst>
+              <a:ext uri="{FF2B5EF4-FFF2-40B4-BE49-F238E27FC236}">
+                <a16:creationId xmlns:a16="http://schemas.microsoft.com/office/drawing/2014/main" id="{B788C7A4-E1D7-B78F-695C-A0FC5A41DE44}"/>
+              </a:ext>
+            </a:extLst>
+          </p:cNvPr>
+          <p:cNvSpPr txBox="1"/>
+          <p:nvPr/>
+        </p:nvSpPr>
+        <p:spPr>
+          <a:xfrm>
+            <a:off x="942387" y="4514012"/>
+            <a:ext cx="10237694" cy="369332"/>
+          </a:xfrm>
+          <a:prstGeom prst="rect">
+            <a:avLst/>
+          </a:prstGeom>
+          <a:noFill/>
+        </p:spPr>
+        <p:txBody>
+          <a:bodyPr wrap="square" rtlCol="0">
+            <a:spAutoFit/>
+          </a:bodyPr>
+          <a:lstStyle/>
+          <a:p>
+            <a:r>
+              <a:rPr lang="ko-KR" altLang="en-US" dirty="0">
+                <a:latin typeface="나눔스퀘어 Light" panose="020B0600000101010101" pitchFamily="50" charset="-127"/>
+                <a:ea typeface="나눔스퀘어 Light" panose="020B0600000101010101" pitchFamily="50" charset="-127"/>
+              </a:rPr>
+              <a:t>괄호가 </a:t>
+            </a:r>
+            <a:r>
+              <a:rPr lang="ko-KR" altLang="en-US" dirty="0" err="1">
+                <a:latin typeface="나눔스퀘어 Light" panose="020B0600000101010101" pitchFamily="50" charset="-127"/>
+                <a:ea typeface="나눔스퀘어 Light" panose="020B0600000101010101" pitchFamily="50" charset="-127"/>
+              </a:rPr>
+              <a:t>필요없음</a:t>
+            </a:r>
+            <a:r>
+              <a:rPr lang="ko-KR" altLang="en-US" dirty="0">
+                <a:latin typeface="나눔스퀘어 Light" panose="020B0600000101010101" pitchFamily="50" charset="-127"/>
+                <a:ea typeface="나눔스퀘어 Light" panose="020B0600000101010101" pitchFamily="50" charset="-127"/>
+              </a:rPr>
+              <a:t> </a:t>
+            </a:r>
+            <a:r>
+              <a:rPr lang="en-US" altLang="ko-KR" dirty="0">
+                <a:latin typeface="나눔스퀘어 Light" panose="020B0600000101010101" pitchFamily="50" charset="-127"/>
+                <a:ea typeface="나눔스퀘어 Light" panose="020B0600000101010101" pitchFamily="50" charset="-127"/>
+              </a:rPr>
+              <a:t>(</a:t>
+            </a:r>
+            <a:r>
+              <a:rPr lang="ko-KR" altLang="en-US" dirty="0">
+                <a:latin typeface="나눔스퀘어 Light" panose="020B0600000101010101" pitchFamily="50" charset="-127"/>
+                <a:ea typeface="나눔스퀘어 Light" panose="020B0600000101010101" pitchFamily="50" charset="-127"/>
+              </a:rPr>
+              <a:t>괄호를 쓰지 않고도 먼저 계산해야 할 내용을 나타낼 수 있음</a:t>
+            </a:r>
+            <a:r>
+              <a:rPr lang="en-US" altLang="ko-KR" dirty="0">
+                <a:latin typeface="나눔스퀘어 Light" panose="020B0600000101010101" pitchFamily="50" charset="-127"/>
+                <a:ea typeface="나눔스퀘어 Light" panose="020B0600000101010101" pitchFamily="50" charset="-127"/>
+              </a:rPr>
+              <a:t>)</a:t>
+            </a:r>
+            <a:endParaRPr lang="ko-KR" altLang="en-US" dirty="0">
+              <a:latin typeface="나눔스퀘어 Light" panose="020B0600000101010101" pitchFamily="50" charset="-127"/>
+              <a:ea typeface="나눔스퀘어 Light" panose="020B0600000101010101" pitchFamily="50" charset="-127"/>
+            </a:endParaRPr>
+          </a:p>
+        </p:txBody>
+      </p:sp>
+      <p:sp>
+        <p:nvSpPr>
+          <p:cNvPr id="12" name="TextBox 11">
+            <a:extLst>
+              <a:ext uri="{FF2B5EF4-FFF2-40B4-BE49-F238E27FC236}">
+                <a16:creationId xmlns:a16="http://schemas.microsoft.com/office/drawing/2014/main" id="{723CE4CA-B836-BE86-9B44-C457D4672D74}"/>
+              </a:ext>
+            </a:extLst>
+          </p:cNvPr>
+          <p:cNvSpPr txBox="1"/>
+          <p:nvPr/>
+        </p:nvSpPr>
+        <p:spPr>
+          <a:xfrm>
+            <a:off x="942387" y="4883344"/>
+            <a:ext cx="10237694" cy="369332"/>
+          </a:xfrm>
+          <a:prstGeom prst="rect">
+            <a:avLst/>
+          </a:prstGeom>
+          <a:noFill/>
+        </p:spPr>
+        <p:txBody>
+          <a:bodyPr wrap="square" rtlCol="0">
+            <a:spAutoFit/>
+          </a:bodyPr>
+          <a:lstStyle/>
+          <a:p>
+            <a:r>
+              <a:rPr lang="ko-KR" altLang="en-US" dirty="0">
+                <a:latin typeface="나눔스퀘어 Light" panose="020B0600000101010101" pitchFamily="50" charset="-127"/>
+                <a:ea typeface="나눔스퀘어 Light" panose="020B0600000101010101" pitchFamily="50" charset="-127"/>
+              </a:rPr>
+              <a:t>연산자 우선순위를 고려할 필요가 없음</a:t>
+            </a:r>
+          </a:p>
+        </p:txBody>
+      </p:sp>
+      <p:sp>
+        <p:nvSpPr>
+          <p:cNvPr id="13" name="TextBox 12">
+            <a:extLst>
+              <a:ext uri="{FF2B5EF4-FFF2-40B4-BE49-F238E27FC236}">
+                <a16:creationId xmlns:a16="http://schemas.microsoft.com/office/drawing/2014/main" id="{1F1D051D-FE0F-CE16-A388-74DA2F3B2A60}"/>
+              </a:ext>
+            </a:extLst>
+          </p:cNvPr>
+          <p:cNvSpPr txBox="1"/>
+          <p:nvPr/>
+        </p:nvSpPr>
+        <p:spPr>
+          <a:xfrm>
+            <a:off x="942387" y="5252676"/>
+            <a:ext cx="10237694" cy="369332"/>
+          </a:xfrm>
+          <a:prstGeom prst="rect">
+            <a:avLst/>
+          </a:prstGeom>
+          <a:noFill/>
+        </p:spPr>
+        <p:txBody>
+          <a:bodyPr wrap="square" rtlCol="0">
+            <a:spAutoFit/>
+          </a:bodyPr>
+          <a:lstStyle/>
+          <a:p>
+            <a:r>
+              <a:rPr lang="ko-KR" altLang="en-US" dirty="0">
+                <a:latin typeface="나눔스퀘어 Light" panose="020B0600000101010101" pitchFamily="50" charset="-127"/>
+                <a:ea typeface="나눔스퀘어 Light" panose="020B0600000101010101" pitchFamily="50" charset="-127"/>
+              </a:rPr>
+              <a:t>수식을 읽으면서 바로 계산할 수 있음 </a:t>
+            </a:r>
+            <a:r>
+              <a:rPr lang="en-US" altLang="ko-KR" dirty="0">
+                <a:latin typeface="나눔스퀘어 Light" panose="020B0600000101010101" pitchFamily="50" charset="-127"/>
+                <a:ea typeface="나눔스퀘어 Light" panose="020B0600000101010101" pitchFamily="50" charset="-127"/>
+              </a:rPr>
+              <a:t>(</a:t>
+            </a:r>
+            <a:r>
+              <a:rPr lang="ko-KR" altLang="en-US" dirty="0">
+                <a:latin typeface="나눔스퀘어 Light" panose="020B0600000101010101" pitchFamily="50" charset="-127"/>
+                <a:ea typeface="나눔스퀘어 Light" panose="020B0600000101010101" pitchFamily="50" charset="-127"/>
+              </a:rPr>
+              <a:t>중위 표현식의 경우</a:t>
+            </a:r>
+            <a:r>
+              <a:rPr lang="en-US" altLang="ko-KR" dirty="0">
+                <a:latin typeface="나눔스퀘어 Light" panose="020B0600000101010101" pitchFamily="50" charset="-127"/>
+                <a:ea typeface="나눔스퀘어 Light" panose="020B0600000101010101" pitchFamily="50" charset="-127"/>
+              </a:rPr>
+              <a:t>, </a:t>
+            </a:r>
+            <a:r>
+              <a:rPr lang="ko-KR" altLang="en-US" dirty="0">
+                <a:latin typeface="나눔스퀘어 Light" panose="020B0600000101010101" pitchFamily="50" charset="-127"/>
+                <a:ea typeface="나눔스퀘어 Light" panose="020B0600000101010101" pitchFamily="50" charset="-127"/>
+              </a:rPr>
+              <a:t>괄호가 존재해 수식을 끝까지 읽은 후에 계산 가능</a:t>
+            </a:r>
+            <a:r>
+              <a:rPr lang="en-US" altLang="ko-KR" dirty="0">
+                <a:latin typeface="나눔스퀘어 Light" panose="020B0600000101010101" pitchFamily="50" charset="-127"/>
+                <a:ea typeface="나눔스퀘어 Light" panose="020B0600000101010101" pitchFamily="50" charset="-127"/>
+              </a:rPr>
+              <a:t>)</a:t>
+            </a:r>
+            <a:endParaRPr lang="ko-KR" altLang="en-US" dirty="0">
+              <a:latin typeface="나눔스퀘어 Light" panose="020B0600000101010101" pitchFamily="50" charset="-127"/>
+              <a:ea typeface="나눔스퀘어 Light" panose="020B0600000101010101" pitchFamily="50" charset="-127"/>
+            </a:endParaRPr>
+          </a:p>
+        </p:txBody>
+      </p:sp>
     </p:spTree>
     <p:extLst>
       <p:ext uri="{BB962C8B-B14F-4D97-AF65-F5344CB8AC3E}">
@@ -10509,10 +10898,90 @@
       </p:cxnSp>
       <p:sp>
         <p:nvSpPr>
+          <p:cNvPr id="3" name="TextBox 2">
+            <a:extLst>
+              <a:ext uri="{FF2B5EF4-FFF2-40B4-BE49-F238E27FC236}">
+                <a16:creationId xmlns:a16="http://schemas.microsoft.com/office/drawing/2014/main" id="{DED99750-0EE1-C88D-2F22-1EE36DBD23B3}"/>
+              </a:ext>
+            </a:extLst>
+          </p:cNvPr>
+          <p:cNvSpPr txBox="1"/>
+          <p:nvPr/>
+        </p:nvSpPr>
+        <p:spPr>
+          <a:xfrm>
+            <a:off x="942387" y="1190024"/>
+            <a:ext cx="10237694" cy="369332"/>
+          </a:xfrm>
+          <a:prstGeom prst="rect">
+            <a:avLst/>
+          </a:prstGeom>
+          <a:noFill/>
+        </p:spPr>
+        <p:txBody>
+          <a:bodyPr wrap="square" rtlCol="0">
+            <a:spAutoFit/>
+          </a:bodyPr>
+          <a:lstStyle/>
+          <a:p>
+            <a:r>
+              <a:rPr lang="ko-KR" altLang="en-US" dirty="0">
+                <a:latin typeface="나눔스퀘어 Light" panose="020B0600000101010101" pitchFamily="50" charset="-127"/>
+                <a:ea typeface="나눔스퀘어 Light" panose="020B0600000101010101" pitchFamily="50" charset="-127"/>
+              </a:rPr>
+              <a:t>후위 표기식을 계산할 때</a:t>
+            </a:r>
+            <a:r>
+              <a:rPr lang="en-US" altLang="ko-KR" dirty="0">
+                <a:latin typeface="나눔스퀘어 Light" panose="020B0600000101010101" pitchFamily="50" charset="-127"/>
+                <a:ea typeface="나눔스퀘어 Light" panose="020B0600000101010101" pitchFamily="50" charset="-127"/>
+              </a:rPr>
+              <a:t>, </a:t>
+            </a:r>
+            <a:r>
+              <a:rPr lang="ko-KR" altLang="en-US" dirty="0">
+                <a:latin typeface="나눔스퀘어 Light" panose="020B0600000101010101" pitchFamily="50" charset="-127"/>
+                <a:ea typeface="나눔스퀘어 Light" panose="020B0600000101010101" pitchFamily="50" charset="-127"/>
+              </a:rPr>
+              <a:t>연산자가 나온다면 앞의 두 숫자</a:t>
+            </a:r>
+            <a:r>
+              <a:rPr lang="en-US" altLang="ko-KR" dirty="0">
+                <a:latin typeface="나눔스퀘어 Light" panose="020B0600000101010101" pitchFamily="50" charset="-127"/>
+                <a:ea typeface="나눔스퀘어 Light" panose="020B0600000101010101" pitchFamily="50" charset="-127"/>
+              </a:rPr>
+              <a:t>(</a:t>
+            </a:r>
+            <a:r>
+              <a:rPr lang="ko-KR" altLang="en-US" dirty="0">
+                <a:latin typeface="나눔스퀘어 Light" panose="020B0600000101010101" pitchFamily="50" charset="-127"/>
+                <a:ea typeface="나눔스퀘어 Light" panose="020B0600000101010101" pitchFamily="50" charset="-127"/>
+              </a:rPr>
+              <a:t>피연산자</a:t>
+            </a:r>
+            <a:r>
+              <a:rPr lang="en-US" altLang="ko-KR" dirty="0">
+                <a:latin typeface="나눔스퀘어 Light" panose="020B0600000101010101" pitchFamily="50" charset="-127"/>
+                <a:ea typeface="나눔스퀘어 Light" panose="020B0600000101010101" pitchFamily="50" charset="-127"/>
+              </a:rPr>
+              <a:t>)</a:t>
+            </a:r>
+            <a:r>
+              <a:rPr lang="ko-KR" altLang="en-US" dirty="0">
+                <a:latin typeface="나눔스퀘어 Light" panose="020B0600000101010101" pitchFamily="50" charset="-127"/>
+                <a:ea typeface="나눔스퀘어 Light" panose="020B0600000101010101" pitchFamily="50" charset="-127"/>
+              </a:rPr>
+              <a:t>로 바로바로 연산을 해주면</a:t>
+            </a:r>
+          </a:p>
+        </p:txBody>
+      </p:sp>
+      <p:sp>
+        <p:nvSpPr>
           <p:cNvPr id="2" name="TextBox 1">
             <a:extLst>
               <a:ext uri="{FF2B5EF4-FFF2-40B4-BE49-F238E27FC236}">
-                <a16:creationId xmlns:a16="http://schemas.microsoft.com/office/drawing/2014/main" id="{7A9F668B-4598-7703-B5DB-B80899A1C734}"/>
+                <a16:creationId xmlns:a16="http://schemas.microsoft.com/office/drawing/2014/main" id="{18D39D5A-64F9-9DF0-96C3-E9A433FB9C19}"/>
               </a:ext>
             </a:extLst>
           </p:cNvPr>
@@ -10522,7 +10991,7 @@
         <p:spPr>
           <a:xfrm>
             <a:off x="331694" y="177505"/>
-            <a:ext cx="2499402" cy="523220"/>
+            <a:ext cx="3897221" cy="523220"/>
           </a:xfrm>
           <a:prstGeom prst="rect">
             <a:avLst/>
@@ -10554,52 +11023,750 @@
                 <a:latin typeface="나눔스퀘어 Bold" panose="020B0600000101010101" pitchFamily="50" charset="-127"/>
                 <a:ea typeface="나눔스퀘어 Bold" panose="020B0600000101010101" pitchFamily="50" charset="-127"/>
               </a:rPr>
-              <a:t>– 10845 </a:t>
+              <a:t>– 1935 </a:t>
             </a:r>
             <a:r>
               <a:rPr lang="ko-KR" altLang="en-US" sz="2800" dirty="0">
                 <a:latin typeface="나눔스퀘어 Bold" panose="020B0600000101010101" pitchFamily="50" charset="-127"/>
                 <a:ea typeface="나눔스퀘어 Bold" panose="020B0600000101010101" pitchFamily="50" charset="-127"/>
               </a:rPr>
-              <a:t>큐</a:t>
-            </a:r>
-          </a:p>
-        </p:txBody>
-      </p:sp>
-      <p:pic>
-        <p:nvPicPr>
-          <p:cNvPr id="6" name="그림 5">
-            <a:extLst>
-              <a:ext uri="{FF2B5EF4-FFF2-40B4-BE49-F238E27FC236}">
-                <a16:creationId xmlns:a16="http://schemas.microsoft.com/office/drawing/2014/main" id="{BA7E89D0-EC5B-949F-2F86-BB48EDA301A3}"/>
-              </a:ext>
-            </a:extLst>
-          </p:cNvPr>
-          <p:cNvPicPr>
-            <a:picLocks noChangeAspect="1"/>
-          </p:cNvPicPr>
-          <p:nvPr/>
-        </p:nvPicPr>
-        <p:blipFill>
-          <a:blip r:embed="rId2"/>
-          <a:stretch>
-            <a:fillRect/>
-          </a:stretch>
-        </p:blipFill>
-        <p:spPr>
-          <a:xfrm>
-            <a:off x="331694" y="998873"/>
-            <a:ext cx="10869542" cy="5525271"/>
-          </a:xfrm>
-          <a:prstGeom prst="rect">
-            <a:avLst/>
-          </a:prstGeom>
-        </p:spPr>
-      </p:pic>
+              <a:t>후위 표기식</a:t>
+            </a:r>
+            <a:r>
+              <a:rPr lang="en-US" altLang="ko-KR" sz="2800" dirty="0">
+                <a:latin typeface="나눔스퀘어 Bold" panose="020B0600000101010101" pitchFamily="50" charset="-127"/>
+                <a:ea typeface="나눔스퀘어 Bold" panose="020B0600000101010101" pitchFamily="50" charset="-127"/>
+              </a:rPr>
+              <a:t>2</a:t>
+            </a:r>
+            <a:endParaRPr lang="ko-KR" altLang="en-US" sz="2800" dirty="0">
+              <a:latin typeface="나눔스퀘어 Bold" panose="020B0600000101010101" pitchFamily="50" charset="-127"/>
+              <a:ea typeface="나눔스퀘어 Bold" panose="020B0600000101010101" pitchFamily="50" charset="-127"/>
+            </a:endParaRPr>
+          </a:p>
+        </p:txBody>
+      </p:sp>
+      <p:sp>
+        <p:nvSpPr>
+          <p:cNvPr id="6" name="TextBox 5">
+            <a:extLst>
+              <a:ext uri="{FF2B5EF4-FFF2-40B4-BE49-F238E27FC236}">
+                <a16:creationId xmlns:a16="http://schemas.microsoft.com/office/drawing/2014/main" id="{1ABB7C3D-1A1B-469B-817C-E2D8EDC86C60}"/>
+              </a:ext>
+            </a:extLst>
+          </p:cNvPr>
+          <p:cNvSpPr txBox="1"/>
+          <p:nvPr/>
+        </p:nvSpPr>
+        <p:spPr>
+          <a:xfrm>
+            <a:off x="942387" y="1559356"/>
+            <a:ext cx="10237694" cy="369332"/>
+          </a:xfrm>
+          <a:prstGeom prst="rect">
+            <a:avLst/>
+          </a:prstGeom>
+          <a:noFill/>
+        </p:spPr>
+        <p:txBody>
+          <a:bodyPr wrap="square" rtlCol="0">
+            <a:spAutoFit/>
+          </a:bodyPr>
+          <a:lstStyle/>
+          <a:p>
+            <a:r>
+              <a:rPr lang="ko-KR" altLang="en-US" dirty="0">
+                <a:latin typeface="나눔스퀘어 Light" panose="020B0600000101010101" pitchFamily="50" charset="-127"/>
+                <a:ea typeface="나눔스퀘어 Light" panose="020B0600000101010101" pitchFamily="50" charset="-127"/>
+              </a:rPr>
+              <a:t>식의 결과를 얻을 수 있습니다</a:t>
+            </a:r>
+            <a:r>
+              <a:rPr lang="en-US" altLang="ko-KR" dirty="0">
+                <a:latin typeface="나눔스퀘어 Light" panose="020B0600000101010101" pitchFamily="50" charset="-127"/>
+                <a:ea typeface="나눔스퀘어 Light" panose="020B0600000101010101" pitchFamily="50" charset="-127"/>
+              </a:rPr>
+              <a:t>.</a:t>
+            </a:r>
+            <a:endParaRPr lang="ko-KR" altLang="en-US" dirty="0">
+              <a:latin typeface="나눔스퀘어 Light" panose="020B0600000101010101" pitchFamily="50" charset="-127"/>
+              <a:ea typeface="나눔스퀘어 Light" panose="020B0600000101010101" pitchFamily="50" charset="-127"/>
+            </a:endParaRPr>
+          </a:p>
+        </p:txBody>
+      </p:sp>
+      <p:sp>
+        <p:nvSpPr>
+          <p:cNvPr id="8" name="TextBox 7">
+            <a:extLst>
+              <a:ext uri="{FF2B5EF4-FFF2-40B4-BE49-F238E27FC236}">
+                <a16:creationId xmlns:a16="http://schemas.microsoft.com/office/drawing/2014/main" id="{9CE4BE3B-0498-D7BD-4517-8AA724CA2E49}"/>
+              </a:ext>
+            </a:extLst>
+          </p:cNvPr>
+          <p:cNvSpPr txBox="1"/>
+          <p:nvPr/>
+        </p:nvSpPr>
+        <p:spPr>
+          <a:xfrm>
+            <a:off x="942387" y="2298020"/>
+            <a:ext cx="10237694" cy="369332"/>
+          </a:xfrm>
+          <a:prstGeom prst="rect">
+            <a:avLst/>
+          </a:prstGeom>
+          <a:noFill/>
+        </p:spPr>
+        <p:txBody>
+          <a:bodyPr wrap="square" rtlCol="0">
+            <a:spAutoFit/>
+          </a:bodyPr>
+          <a:lstStyle/>
+          <a:p>
+            <a:r>
+              <a:rPr lang="en-US" altLang="ko-KR" dirty="0">
+                <a:solidFill>
+                  <a:srgbClr val="FF0000"/>
+                </a:solidFill>
+                <a:latin typeface="나눔스퀘어 Bold" panose="020B0600000101010101" pitchFamily="50" charset="-127"/>
+                <a:ea typeface="나눔스퀘어 Bold" panose="020B0600000101010101" pitchFamily="50" charset="-127"/>
+              </a:rPr>
+              <a:t>3</a:t>
+            </a:r>
+            <a:r>
+              <a:rPr lang="en-US" altLang="ko-KR" dirty="0">
+                <a:latin typeface="나눔스퀘어 Light" panose="020B0600000101010101" pitchFamily="50" charset="-127"/>
+                <a:ea typeface="나눔스퀘어 Light" panose="020B0600000101010101" pitchFamily="50" charset="-127"/>
+              </a:rPr>
+              <a:t> 5 2 × +</a:t>
+            </a:r>
+            <a:endParaRPr lang="ko-KR" altLang="en-US" dirty="0">
+              <a:latin typeface="나눔스퀘어 Light" panose="020B0600000101010101" pitchFamily="50" charset="-127"/>
+              <a:ea typeface="나눔스퀘어 Light" panose="020B0600000101010101" pitchFamily="50" charset="-127"/>
+            </a:endParaRPr>
+          </a:p>
+        </p:txBody>
+      </p:sp>
+      <p:sp>
+        <p:nvSpPr>
+          <p:cNvPr id="9" name="TextBox 8">
+            <a:extLst>
+              <a:ext uri="{FF2B5EF4-FFF2-40B4-BE49-F238E27FC236}">
+                <a16:creationId xmlns:a16="http://schemas.microsoft.com/office/drawing/2014/main" id="{6388F8F9-C1DD-73D7-AD20-06037BE4E52D}"/>
+              </a:ext>
+            </a:extLst>
+          </p:cNvPr>
+          <p:cNvSpPr txBox="1"/>
+          <p:nvPr/>
+        </p:nvSpPr>
+        <p:spPr>
+          <a:xfrm>
+            <a:off x="942387" y="2667352"/>
+            <a:ext cx="10237694" cy="369332"/>
+          </a:xfrm>
+          <a:prstGeom prst="rect">
+            <a:avLst/>
+          </a:prstGeom>
+          <a:noFill/>
+        </p:spPr>
+        <p:txBody>
+          <a:bodyPr wrap="square" rtlCol="0">
+            <a:spAutoFit/>
+          </a:bodyPr>
+          <a:lstStyle/>
+          <a:p>
+            <a:r>
+              <a:rPr lang="en-US" altLang="ko-KR" dirty="0">
+                <a:latin typeface="나눔스퀘어 Bold" panose="020B0600000101010101" pitchFamily="50" charset="-127"/>
+                <a:ea typeface="나눔스퀘어 Bold" panose="020B0600000101010101" pitchFamily="50" charset="-127"/>
+              </a:rPr>
+              <a:t>3</a:t>
+            </a:r>
+            <a:r>
+              <a:rPr lang="en-US" altLang="ko-KR" dirty="0">
+                <a:latin typeface="나눔스퀘어 Light" panose="020B0600000101010101" pitchFamily="50" charset="-127"/>
+                <a:ea typeface="나눔스퀘어 Light" panose="020B0600000101010101" pitchFamily="50" charset="-127"/>
+              </a:rPr>
+              <a:t> </a:t>
+            </a:r>
+            <a:r>
+              <a:rPr lang="en-US" altLang="ko-KR" dirty="0">
+                <a:solidFill>
+                  <a:srgbClr val="FF0000"/>
+                </a:solidFill>
+                <a:latin typeface="나눔스퀘어 Bold" panose="020B0600000101010101" pitchFamily="50" charset="-127"/>
+                <a:ea typeface="나눔스퀘어 Bold" panose="020B0600000101010101" pitchFamily="50" charset="-127"/>
+              </a:rPr>
+              <a:t>5</a:t>
+            </a:r>
+            <a:r>
+              <a:rPr lang="en-US" altLang="ko-KR" dirty="0">
+                <a:latin typeface="나눔스퀘어 Light" panose="020B0600000101010101" pitchFamily="50" charset="-127"/>
+                <a:ea typeface="나눔스퀘어 Light" panose="020B0600000101010101" pitchFamily="50" charset="-127"/>
+              </a:rPr>
+              <a:t> 2 × +</a:t>
+            </a:r>
+            <a:endParaRPr lang="ko-KR" altLang="en-US" dirty="0">
+              <a:latin typeface="나눔스퀘어 Light" panose="020B0600000101010101" pitchFamily="50" charset="-127"/>
+              <a:ea typeface="나눔스퀘어 Light" panose="020B0600000101010101" pitchFamily="50" charset="-127"/>
+            </a:endParaRPr>
+          </a:p>
+        </p:txBody>
+      </p:sp>
+      <p:sp>
+        <p:nvSpPr>
+          <p:cNvPr id="14" name="TextBox 13">
+            <a:extLst>
+              <a:ext uri="{FF2B5EF4-FFF2-40B4-BE49-F238E27FC236}">
+                <a16:creationId xmlns:a16="http://schemas.microsoft.com/office/drawing/2014/main" id="{61605BB1-540F-BFE0-1E16-C619A83288DB}"/>
+              </a:ext>
+            </a:extLst>
+          </p:cNvPr>
+          <p:cNvSpPr txBox="1"/>
+          <p:nvPr/>
+        </p:nvSpPr>
+        <p:spPr>
+          <a:xfrm>
+            <a:off x="942387" y="3036684"/>
+            <a:ext cx="10237694" cy="369332"/>
+          </a:xfrm>
+          <a:prstGeom prst="rect">
+            <a:avLst/>
+          </a:prstGeom>
+          <a:noFill/>
+        </p:spPr>
+        <p:txBody>
+          <a:bodyPr wrap="square" rtlCol="0">
+            <a:spAutoFit/>
+          </a:bodyPr>
+          <a:lstStyle/>
+          <a:p>
+            <a:r>
+              <a:rPr lang="en-US" altLang="ko-KR" dirty="0">
+                <a:latin typeface="나눔스퀘어 Bold" panose="020B0600000101010101" pitchFamily="50" charset="-127"/>
+                <a:ea typeface="나눔스퀘어 Bold" panose="020B0600000101010101" pitchFamily="50" charset="-127"/>
+              </a:rPr>
+              <a:t>3</a:t>
+            </a:r>
+            <a:r>
+              <a:rPr lang="en-US" altLang="ko-KR" dirty="0">
+                <a:latin typeface="나눔스퀘어 Light" panose="020B0600000101010101" pitchFamily="50" charset="-127"/>
+                <a:ea typeface="나눔스퀘어 Light" panose="020B0600000101010101" pitchFamily="50" charset="-127"/>
+              </a:rPr>
+              <a:t> </a:t>
+            </a:r>
+            <a:r>
+              <a:rPr lang="en-US" altLang="ko-KR" dirty="0">
+                <a:latin typeface="나눔스퀘어 Bold" panose="020B0600000101010101" pitchFamily="50" charset="-127"/>
+                <a:ea typeface="나눔스퀘어 Bold" panose="020B0600000101010101" pitchFamily="50" charset="-127"/>
+              </a:rPr>
+              <a:t>5</a:t>
+            </a:r>
+            <a:r>
+              <a:rPr lang="en-US" altLang="ko-KR" dirty="0">
+                <a:latin typeface="나눔스퀘어 Light" panose="020B0600000101010101" pitchFamily="50" charset="-127"/>
+                <a:ea typeface="나눔스퀘어 Light" panose="020B0600000101010101" pitchFamily="50" charset="-127"/>
+              </a:rPr>
+              <a:t> </a:t>
+            </a:r>
+            <a:r>
+              <a:rPr lang="en-US" altLang="ko-KR" dirty="0">
+                <a:solidFill>
+                  <a:srgbClr val="FF0000"/>
+                </a:solidFill>
+                <a:latin typeface="나눔스퀘어 Bold" panose="020B0600000101010101" pitchFamily="50" charset="-127"/>
+                <a:ea typeface="나눔스퀘어 Bold" panose="020B0600000101010101" pitchFamily="50" charset="-127"/>
+              </a:rPr>
+              <a:t>2</a:t>
+            </a:r>
+            <a:r>
+              <a:rPr lang="en-US" altLang="ko-KR" dirty="0">
+                <a:latin typeface="나눔스퀘어 Light" panose="020B0600000101010101" pitchFamily="50" charset="-127"/>
+                <a:ea typeface="나눔스퀘어 Light" panose="020B0600000101010101" pitchFamily="50" charset="-127"/>
+              </a:rPr>
+              <a:t> × +</a:t>
+            </a:r>
+            <a:endParaRPr lang="ko-KR" altLang="en-US" dirty="0">
+              <a:latin typeface="나눔스퀘어 Light" panose="020B0600000101010101" pitchFamily="50" charset="-127"/>
+              <a:ea typeface="나눔스퀘어 Light" panose="020B0600000101010101" pitchFamily="50" charset="-127"/>
+            </a:endParaRPr>
+          </a:p>
+        </p:txBody>
+      </p:sp>
+      <p:sp>
+        <p:nvSpPr>
+          <p:cNvPr id="15" name="TextBox 14">
+            <a:extLst>
+              <a:ext uri="{FF2B5EF4-FFF2-40B4-BE49-F238E27FC236}">
+                <a16:creationId xmlns:a16="http://schemas.microsoft.com/office/drawing/2014/main" id="{BC2EF3A1-ACC4-4107-5CF0-9600110B0453}"/>
+              </a:ext>
+            </a:extLst>
+          </p:cNvPr>
+          <p:cNvSpPr txBox="1"/>
+          <p:nvPr/>
+        </p:nvSpPr>
+        <p:spPr>
+          <a:xfrm>
+            <a:off x="942387" y="3406016"/>
+            <a:ext cx="10237694" cy="369332"/>
+          </a:xfrm>
+          <a:prstGeom prst="rect">
+            <a:avLst/>
+          </a:prstGeom>
+          <a:noFill/>
+        </p:spPr>
+        <p:txBody>
+          <a:bodyPr wrap="square" rtlCol="0">
+            <a:spAutoFit/>
+          </a:bodyPr>
+          <a:lstStyle/>
+          <a:p>
+            <a:r>
+              <a:rPr lang="en-US" altLang="ko-KR" dirty="0">
+                <a:latin typeface="나눔스퀘어 Bold" panose="020B0600000101010101" pitchFamily="50" charset="-127"/>
+                <a:ea typeface="나눔스퀘어 Bold" panose="020B0600000101010101" pitchFamily="50" charset="-127"/>
+              </a:rPr>
+              <a:t>3</a:t>
+            </a:r>
+            <a:r>
+              <a:rPr lang="en-US" altLang="ko-KR" dirty="0">
+                <a:latin typeface="나눔스퀘어 Light" panose="020B0600000101010101" pitchFamily="50" charset="-127"/>
+                <a:ea typeface="나눔스퀘어 Light" panose="020B0600000101010101" pitchFamily="50" charset="-127"/>
+              </a:rPr>
+              <a:t> </a:t>
+            </a:r>
+            <a:r>
+              <a:rPr lang="en-US" altLang="ko-KR" dirty="0">
+                <a:latin typeface="나눔스퀘어 Bold" panose="020B0600000101010101" pitchFamily="50" charset="-127"/>
+                <a:ea typeface="나눔스퀘어 Bold" panose="020B0600000101010101" pitchFamily="50" charset="-127"/>
+              </a:rPr>
+              <a:t>5</a:t>
+            </a:r>
+            <a:r>
+              <a:rPr lang="en-US" altLang="ko-KR" dirty="0">
+                <a:latin typeface="나눔스퀘어 Light" panose="020B0600000101010101" pitchFamily="50" charset="-127"/>
+                <a:ea typeface="나눔스퀘어 Light" panose="020B0600000101010101" pitchFamily="50" charset="-127"/>
+              </a:rPr>
+              <a:t> </a:t>
+            </a:r>
+            <a:r>
+              <a:rPr lang="en-US" altLang="ko-KR" dirty="0">
+                <a:latin typeface="나눔스퀘어 Bold" panose="020B0600000101010101" pitchFamily="50" charset="-127"/>
+                <a:ea typeface="나눔스퀘어 Bold" panose="020B0600000101010101" pitchFamily="50" charset="-127"/>
+              </a:rPr>
+              <a:t>2</a:t>
+            </a:r>
+            <a:r>
+              <a:rPr lang="en-US" altLang="ko-KR" dirty="0">
+                <a:latin typeface="나눔스퀘어 Light" panose="020B0600000101010101" pitchFamily="50" charset="-127"/>
+                <a:ea typeface="나눔스퀘어 Light" panose="020B0600000101010101" pitchFamily="50" charset="-127"/>
+              </a:rPr>
+              <a:t> </a:t>
+            </a:r>
+            <a:r>
+              <a:rPr lang="en-US" altLang="ko-KR" dirty="0">
+                <a:solidFill>
+                  <a:srgbClr val="FF0000"/>
+                </a:solidFill>
+                <a:latin typeface="나눔스퀘어 Bold" panose="020B0600000101010101" pitchFamily="50" charset="-127"/>
+                <a:ea typeface="나눔스퀘어 Bold" panose="020B0600000101010101" pitchFamily="50" charset="-127"/>
+              </a:rPr>
+              <a:t>×</a:t>
+            </a:r>
+            <a:r>
+              <a:rPr lang="en-US" altLang="ko-KR" dirty="0">
+                <a:latin typeface="나눔스퀘어 Light" panose="020B0600000101010101" pitchFamily="50" charset="-127"/>
+                <a:ea typeface="나눔스퀘어 Light" panose="020B0600000101010101" pitchFamily="50" charset="-127"/>
+              </a:rPr>
+              <a:t> +    </a:t>
+            </a:r>
+            <a:r>
+              <a:rPr lang="ko-KR" altLang="en-US" dirty="0">
+                <a:latin typeface="나눔스퀘어 Light" panose="020B0600000101010101" pitchFamily="50" charset="-127"/>
+                <a:ea typeface="나눔스퀘어 Light" panose="020B0600000101010101" pitchFamily="50" charset="-127"/>
+              </a:rPr>
+              <a:t>→    </a:t>
+            </a:r>
+            <a:r>
+              <a:rPr lang="en-US" altLang="ko-KR" dirty="0">
+                <a:latin typeface="나눔스퀘어 Light" panose="020B0600000101010101" pitchFamily="50" charset="-127"/>
+                <a:ea typeface="나눔스퀘어 Light" panose="020B0600000101010101" pitchFamily="50" charset="-127"/>
+              </a:rPr>
+              <a:t>5 × 2    </a:t>
+            </a:r>
+            <a:r>
+              <a:rPr lang="ko-KR" altLang="en-US" dirty="0">
+                <a:latin typeface="나눔스퀘어 Light" panose="020B0600000101010101" pitchFamily="50" charset="-127"/>
+                <a:ea typeface="나눔스퀘어 Light" panose="020B0600000101010101" pitchFamily="50" charset="-127"/>
+              </a:rPr>
+              <a:t>→    </a:t>
+            </a:r>
+            <a:r>
+              <a:rPr lang="en-US" altLang="ko-KR" dirty="0">
+                <a:latin typeface="나눔스퀘어 Bold" panose="020B0600000101010101" pitchFamily="50" charset="-127"/>
+                <a:ea typeface="나눔스퀘어 Bold" panose="020B0600000101010101" pitchFamily="50" charset="-127"/>
+              </a:rPr>
+              <a:t>3</a:t>
+            </a:r>
+            <a:r>
+              <a:rPr lang="en-US" altLang="ko-KR" dirty="0">
+                <a:latin typeface="나눔스퀘어 Light" panose="020B0600000101010101" pitchFamily="50" charset="-127"/>
+                <a:ea typeface="나눔스퀘어 Light" panose="020B0600000101010101" pitchFamily="50" charset="-127"/>
+              </a:rPr>
+              <a:t> </a:t>
+            </a:r>
+            <a:r>
+              <a:rPr lang="en-US" altLang="ko-KR" dirty="0">
+                <a:solidFill>
+                  <a:srgbClr val="FF0000"/>
+                </a:solidFill>
+                <a:latin typeface="나눔스퀘어 Bold" panose="020B0600000101010101" pitchFamily="50" charset="-127"/>
+                <a:ea typeface="나눔스퀘어 Bold" panose="020B0600000101010101" pitchFamily="50" charset="-127"/>
+              </a:rPr>
+              <a:t>10</a:t>
+            </a:r>
+            <a:r>
+              <a:rPr lang="en-US" altLang="ko-KR" dirty="0">
+                <a:latin typeface="나눔스퀘어 Light" panose="020B0600000101010101" pitchFamily="50" charset="-127"/>
+                <a:ea typeface="나눔스퀘어 Light" panose="020B0600000101010101" pitchFamily="50" charset="-127"/>
+              </a:rPr>
+              <a:t> +</a:t>
+            </a:r>
+            <a:endParaRPr lang="ko-KR" altLang="en-US" dirty="0">
+              <a:latin typeface="나눔스퀘어 Light" panose="020B0600000101010101" pitchFamily="50" charset="-127"/>
+              <a:ea typeface="나눔스퀘어 Light" panose="020B0600000101010101" pitchFamily="50" charset="-127"/>
+            </a:endParaRPr>
+          </a:p>
+        </p:txBody>
+      </p:sp>
+      <p:sp>
+        <p:nvSpPr>
+          <p:cNvPr id="16" name="TextBox 15">
+            <a:extLst>
+              <a:ext uri="{FF2B5EF4-FFF2-40B4-BE49-F238E27FC236}">
+                <a16:creationId xmlns:a16="http://schemas.microsoft.com/office/drawing/2014/main" id="{E9BFA9A0-799D-AA0C-3119-0279F363567B}"/>
+              </a:ext>
+            </a:extLst>
+          </p:cNvPr>
+          <p:cNvSpPr txBox="1"/>
+          <p:nvPr/>
+        </p:nvSpPr>
+        <p:spPr>
+          <a:xfrm>
+            <a:off x="942387" y="3775348"/>
+            <a:ext cx="10237694" cy="369332"/>
+          </a:xfrm>
+          <a:prstGeom prst="rect">
+            <a:avLst/>
+          </a:prstGeom>
+          <a:noFill/>
+        </p:spPr>
+        <p:txBody>
+          <a:bodyPr wrap="square" rtlCol="0">
+            <a:spAutoFit/>
+          </a:bodyPr>
+          <a:lstStyle/>
+          <a:p>
+            <a:r>
+              <a:rPr lang="en-US" altLang="ko-KR" dirty="0">
+                <a:latin typeface="나눔스퀘어 Bold" panose="020B0600000101010101" pitchFamily="50" charset="-127"/>
+                <a:ea typeface="나눔스퀘어 Bold" panose="020B0600000101010101" pitchFamily="50" charset="-127"/>
+              </a:rPr>
+              <a:t>3 10 </a:t>
+            </a:r>
+            <a:r>
+              <a:rPr lang="en-US" altLang="ko-KR" dirty="0">
+                <a:solidFill>
+                  <a:srgbClr val="FF0000"/>
+                </a:solidFill>
+                <a:latin typeface="나눔스퀘어 Bold" panose="020B0600000101010101" pitchFamily="50" charset="-127"/>
+                <a:ea typeface="나눔스퀘어 Bold" panose="020B0600000101010101" pitchFamily="50" charset="-127"/>
+              </a:rPr>
+              <a:t>+</a:t>
+            </a:r>
+            <a:r>
+              <a:rPr lang="en-US" altLang="ko-KR" dirty="0">
+                <a:latin typeface="나눔스퀘어 Light" panose="020B0600000101010101" pitchFamily="50" charset="-127"/>
+                <a:ea typeface="나눔스퀘어 Light" panose="020B0600000101010101" pitchFamily="50" charset="-127"/>
+              </a:rPr>
+              <a:t>    </a:t>
+            </a:r>
+            <a:r>
+              <a:rPr lang="ko-KR" altLang="en-US" dirty="0">
+                <a:latin typeface="나눔스퀘어 Light" panose="020B0600000101010101" pitchFamily="50" charset="-127"/>
+                <a:ea typeface="나눔스퀘어 Light" panose="020B0600000101010101" pitchFamily="50" charset="-127"/>
+              </a:rPr>
+              <a:t>→    </a:t>
+            </a:r>
+            <a:r>
+              <a:rPr lang="en-US" altLang="ko-KR" dirty="0">
+                <a:latin typeface="나눔스퀘어 Light" panose="020B0600000101010101" pitchFamily="50" charset="-127"/>
+                <a:ea typeface="나눔스퀘어 Light" panose="020B0600000101010101" pitchFamily="50" charset="-127"/>
+              </a:rPr>
+              <a:t>3 + 10    </a:t>
+            </a:r>
+            <a:r>
+              <a:rPr lang="ko-KR" altLang="en-US" dirty="0">
+                <a:latin typeface="나눔스퀘어 Light" panose="020B0600000101010101" pitchFamily="50" charset="-127"/>
+                <a:ea typeface="나눔스퀘어 Light" panose="020B0600000101010101" pitchFamily="50" charset="-127"/>
+              </a:rPr>
+              <a:t>→    </a:t>
+            </a:r>
+            <a:r>
+              <a:rPr lang="en-US" altLang="ko-KR" dirty="0">
+                <a:solidFill>
+                  <a:srgbClr val="FF0000"/>
+                </a:solidFill>
+                <a:latin typeface="나눔스퀘어 Bold" panose="020B0600000101010101" pitchFamily="50" charset="-127"/>
+                <a:ea typeface="나눔스퀘어 Bold" panose="020B0600000101010101" pitchFamily="50" charset="-127"/>
+              </a:rPr>
+              <a:t>13</a:t>
+            </a:r>
+            <a:endParaRPr lang="ko-KR" altLang="en-US" dirty="0">
+              <a:solidFill>
+                <a:srgbClr val="FF0000"/>
+              </a:solidFill>
+              <a:latin typeface="나눔스퀘어 Bold" panose="020B0600000101010101" pitchFamily="50" charset="-127"/>
+              <a:ea typeface="나눔스퀘어 Bold" panose="020B0600000101010101" pitchFamily="50" charset="-127"/>
+            </a:endParaRPr>
+          </a:p>
+        </p:txBody>
+      </p:sp>
+      <p:sp>
+        <p:nvSpPr>
+          <p:cNvPr id="17" name="TextBox 16">
+            <a:extLst>
+              <a:ext uri="{FF2B5EF4-FFF2-40B4-BE49-F238E27FC236}">
+                <a16:creationId xmlns:a16="http://schemas.microsoft.com/office/drawing/2014/main" id="{E90C5712-0F57-DF57-42C9-282BD83BB812}"/>
+              </a:ext>
+            </a:extLst>
+          </p:cNvPr>
+          <p:cNvSpPr txBox="1"/>
+          <p:nvPr/>
+        </p:nvSpPr>
+        <p:spPr>
+          <a:xfrm>
+            <a:off x="942387" y="4514012"/>
+            <a:ext cx="10237694" cy="369332"/>
+          </a:xfrm>
+          <a:prstGeom prst="rect">
+            <a:avLst/>
+          </a:prstGeom>
+          <a:noFill/>
+        </p:spPr>
+        <p:txBody>
+          <a:bodyPr wrap="square" rtlCol="0">
+            <a:spAutoFit/>
+          </a:bodyPr>
+          <a:lstStyle/>
+          <a:p>
+            <a:r>
+              <a:rPr lang="ko-KR" altLang="en-US" dirty="0">
+                <a:latin typeface="나눔스퀘어 Light" panose="020B0600000101010101" pitchFamily="50" charset="-127"/>
+                <a:ea typeface="나눔스퀘어 Light" panose="020B0600000101010101" pitchFamily="50" charset="-127"/>
+              </a:rPr>
+              <a:t>식을 자료구조를 이용하며 구한다고 생각하면</a:t>
+            </a:r>
+            <a:r>
+              <a:rPr lang="en-US" altLang="ko-KR" dirty="0">
+                <a:latin typeface="나눔스퀘어 Light" panose="020B0600000101010101" pitchFamily="50" charset="-127"/>
+                <a:ea typeface="나눔스퀘어 Light" panose="020B0600000101010101" pitchFamily="50" charset="-127"/>
+              </a:rPr>
+              <a:t>, </a:t>
+            </a:r>
+            <a:r>
+              <a:rPr lang="ko-KR" altLang="en-US" dirty="0">
+                <a:latin typeface="나눔스퀘어 Light" panose="020B0600000101010101" pitchFamily="50" charset="-127"/>
+                <a:ea typeface="나눔스퀘어 Light" panose="020B0600000101010101" pitchFamily="50" charset="-127"/>
+              </a:rPr>
+              <a:t>차례차례로 넣어가다</a:t>
+            </a:r>
+            <a:r>
+              <a:rPr lang="en-US" altLang="ko-KR" dirty="0">
+                <a:latin typeface="나눔스퀘어 Light" panose="020B0600000101010101" pitchFamily="50" charset="-127"/>
+                <a:ea typeface="나눔스퀘어 Light" panose="020B0600000101010101" pitchFamily="50" charset="-127"/>
+              </a:rPr>
+              <a:t>(push)</a:t>
+            </a:r>
+            <a:endParaRPr lang="ko-KR" altLang="en-US" dirty="0">
+              <a:latin typeface="나눔스퀘어 Light" panose="020B0600000101010101" pitchFamily="50" charset="-127"/>
+              <a:ea typeface="나눔스퀘어 Light" panose="020B0600000101010101" pitchFamily="50" charset="-127"/>
+            </a:endParaRPr>
+          </a:p>
+        </p:txBody>
+      </p:sp>
+      <p:sp>
+        <p:nvSpPr>
+          <p:cNvPr id="19" name="TextBox 18">
+            <a:extLst>
+              <a:ext uri="{FF2B5EF4-FFF2-40B4-BE49-F238E27FC236}">
+                <a16:creationId xmlns:a16="http://schemas.microsoft.com/office/drawing/2014/main" id="{1C49B39F-1036-EB11-797B-90366B9B79E2}"/>
+              </a:ext>
+            </a:extLst>
+          </p:cNvPr>
+          <p:cNvSpPr txBox="1"/>
+          <p:nvPr/>
+        </p:nvSpPr>
+        <p:spPr>
+          <a:xfrm>
+            <a:off x="942387" y="4883344"/>
+            <a:ext cx="10237694" cy="369332"/>
+          </a:xfrm>
+          <a:prstGeom prst="rect">
+            <a:avLst/>
+          </a:prstGeom>
+          <a:noFill/>
+        </p:spPr>
+        <p:txBody>
+          <a:bodyPr wrap="square" rtlCol="0">
+            <a:spAutoFit/>
+          </a:bodyPr>
+          <a:lstStyle/>
+          <a:p>
+            <a:r>
+              <a:rPr lang="ko-KR" altLang="en-US" dirty="0">
+                <a:latin typeface="나눔스퀘어 Light" panose="020B0600000101010101" pitchFamily="50" charset="-127"/>
+                <a:ea typeface="나눔스퀘어 Light" panose="020B0600000101010101" pitchFamily="50" charset="-127"/>
+              </a:rPr>
+              <a:t>마지막에 넣었던 두 개의 수를 꺼내어</a:t>
+            </a:r>
+            <a:r>
+              <a:rPr lang="en-US" altLang="ko-KR" dirty="0">
+                <a:latin typeface="나눔스퀘어 Light" panose="020B0600000101010101" pitchFamily="50" charset="-127"/>
+                <a:ea typeface="나눔스퀘어 Light" panose="020B0600000101010101" pitchFamily="50" charset="-127"/>
+              </a:rPr>
+              <a:t>(</a:t>
+            </a:r>
+            <a:r>
+              <a:rPr lang="ko-KR" altLang="en-US" dirty="0" err="1">
+                <a:latin typeface="나눔스퀘어 Light" panose="020B0600000101010101" pitchFamily="50" charset="-127"/>
+                <a:ea typeface="나눔스퀘어 Light" panose="020B0600000101010101" pitchFamily="50" charset="-127"/>
+              </a:rPr>
+              <a:t>후입선출</a:t>
+            </a:r>
+            <a:r>
+              <a:rPr lang="en-US" altLang="ko-KR" dirty="0">
+                <a:latin typeface="나눔스퀘어 Light" panose="020B0600000101010101" pitchFamily="50" charset="-127"/>
+                <a:ea typeface="나눔스퀘어 Light" panose="020B0600000101010101" pitchFamily="50" charset="-127"/>
+              </a:rPr>
+              <a:t>)(pop) </a:t>
+            </a:r>
+            <a:r>
+              <a:rPr lang="ko-KR" altLang="en-US" dirty="0">
+                <a:latin typeface="나눔스퀘어 Light" panose="020B0600000101010101" pitchFamily="50" charset="-127"/>
+                <a:ea typeface="나눔스퀘어 Light" panose="020B0600000101010101" pitchFamily="50" charset="-127"/>
+              </a:rPr>
+              <a:t>연산을 하고 다시 </a:t>
+            </a:r>
+            <a:r>
+              <a:rPr lang="en-US" altLang="ko-KR" dirty="0">
+                <a:latin typeface="나눔스퀘어 Light" panose="020B0600000101010101" pitchFamily="50" charset="-127"/>
+                <a:ea typeface="나눔스퀘어 Light" panose="020B0600000101010101" pitchFamily="50" charset="-127"/>
+              </a:rPr>
+              <a:t>DS</a:t>
+            </a:r>
+            <a:r>
+              <a:rPr lang="ko-KR" altLang="en-US" dirty="0">
+                <a:latin typeface="나눔스퀘어 Light" panose="020B0600000101010101" pitchFamily="50" charset="-127"/>
+                <a:ea typeface="나눔스퀘어 Light" panose="020B0600000101010101" pitchFamily="50" charset="-127"/>
+              </a:rPr>
+              <a:t>에 넣는</a:t>
+            </a:r>
+            <a:r>
+              <a:rPr lang="en-US" altLang="ko-KR" dirty="0">
+                <a:latin typeface="나눔스퀘어 Light" panose="020B0600000101010101" pitchFamily="50" charset="-127"/>
+                <a:ea typeface="나눔스퀘어 Light" panose="020B0600000101010101" pitchFamily="50" charset="-127"/>
+              </a:rPr>
+              <a:t>(push) </a:t>
+            </a:r>
+            <a:r>
+              <a:rPr lang="ko-KR" altLang="en-US" dirty="0">
+                <a:latin typeface="나눔스퀘어 Light" panose="020B0600000101010101" pitchFamily="50" charset="-127"/>
+                <a:ea typeface="나눔스퀘어 Light" panose="020B0600000101010101" pitchFamily="50" charset="-127"/>
+              </a:rPr>
+              <a:t>구조가 될 것이고</a:t>
+            </a:r>
+            <a:r>
+              <a:rPr lang="en-US" altLang="ko-KR" dirty="0">
+                <a:latin typeface="나눔스퀘어 Light" panose="020B0600000101010101" pitchFamily="50" charset="-127"/>
+                <a:ea typeface="나눔스퀘어 Light" panose="020B0600000101010101" pitchFamily="50" charset="-127"/>
+              </a:rPr>
+              <a:t>,</a:t>
+            </a:r>
+            <a:endParaRPr lang="ko-KR" altLang="en-US" dirty="0">
+              <a:latin typeface="나눔스퀘어 Light" panose="020B0600000101010101" pitchFamily="50" charset="-127"/>
+              <a:ea typeface="나눔스퀘어 Light" panose="020B0600000101010101" pitchFamily="50" charset="-127"/>
+            </a:endParaRPr>
+          </a:p>
+        </p:txBody>
+      </p:sp>
+      <p:sp>
+        <p:nvSpPr>
+          <p:cNvPr id="20" name="TextBox 19">
+            <a:extLst>
+              <a:ext uri="{FF2B5EF4-FFF2-40B4-BE49-F238E27FC236}">
+                <a16:creationId xmlns:a16="http://schemas.microsoft.com/office/drawing/2014/main" id="{D93017DD-944A-A344-0D22-28B86517492A}"/>
+              </a:ext>
+            </a:extLst>
+          </p:cNvPr>
+          <p:cNvSpPr txBox="1"/>
+          <p:nvPr/>
+        </p:nvSpPr>
+        <p:spPr>
+          <a:xfrm>
+            <a:off x="942387" y="5252676"/>
+            <a:ext cx="10237694" cy="369332"/>
+          </a:xfrm>
+          <a:prstGeom prst="rect">
+            <a:avLst/>
+          </a:prstGeom>
+          <a:noFill/>
+        </p:spPr>
+        <p:txBody>
+          <a:bodyPr wrap="square" rtlCol="0">
+            <a:spAutoFit/>
+          </a:bodyPr>
+          <a:lstStyle/>
+          <a:p>
+            <a:r>
+              <a:rPr lang="ko-KR" altLang="en-US" dirty="0">
+                <a:latin typeface="나눔스퀘어 Light" panose="020B0600000101010101" pitchFamily="50" charset="-127"/>
+                <a:ea typeface="나눔스퀘어 Light" panose="020B0600000101010101" pitchFamily="50" charset="-127"/>
+              </a:rPr>
+              <a:t>이러한 자료구조는 스택이니</a:t>
+            </a:r>
+            <a:r>
+              <a:rPr lang="en-US" altLang="ko-KR" dirty="0">
+                <a:latin typeface="나눔스퀘어 Light" panose="020B0600000101010101" pitchFamily="50" charset="-127"/>
+                <a:ea typeface="나눔스퀘어 Light" panose="020B0600000101010101" pitchFamily="50" charset="-127"/>
+              </a:rPr>
+              <a:t>, </a:t>
+            </a:r>
+            <a:r>
+              <a:rPr lang="ko-KR" altLang="en-US" dirty="0">
+                <a:latin typeface="나눔스퀘어 Light" panose="020B0600000101010101" pitchFamily="50" charset="-127"/>
+                <a:ea typeface="나눔스퀘어 Light" panose="020B0600000101010101" pitchFamily="50" charset="-127"/>
+              </a:rPr>
+              <a:t>문제를 풀기 위해 스택을 사용할 수 있습니다</a:t>
+            </a:r>
+            <a:r>
+              <a:rPr lang="en-US" altLang="ko-KR" dirty="0">
+                <a:latin typeface="나눔스퀘어 Light" panose="020B0600000101010101" pitchFamily="50" charset="-127"/>
+                <a:ea typeface="나눔스퀘어 Light" panose="020B0600000101010101" pitchFamily="50" charset="-127"/>
+              </a:rPr>
+              <a:t>.</a:t>
+            </a:r>
+            <a:endParaRPr lang="ko-KR" altLang="en-US" dirty="0">
+              <a:latin typeface="나눔스퀘어 Light" panose="020B0600000101010101" pitchFamily="50" charset="-127"/>
+              <a:ea typeface="나눔스퀘어 Light" panose="020B0600000101010101" pitchFamily="50" charset="-127"/>
+            </a:endParaRPr>
+          </a:p>
+        </p:txBody>
+      </p:sp>
     </p:spTree>
     <p:extLst>
       <p:ext uri="{BB962C8B-B14F-4D97-AF65-F5344CB8AC3E}">
-        <p14:creationId xmlns:p14="http://schemas.microsoft.com/office/powerpoint/2010/main" val="3852066961"/>
+        <p14:creationId xmlns:p14="http://schemas.microsoft.com/office/powerpoint/2010/main" val="1072907716"/>
       </p:ext>
     </p:extLst>
   </p:cSld>
@@ -10672,62 +11839,10 @@
       </p:cxnSp>
       <p:sp>
         <p:nvSpPr>
-          <p:cNvPr id="3" name="TextBox 2">
-            <a:extLst>
-              <a:ext uri="{FF2B5EF4-FFF2-40B4-BE49-F238E27FC236}">
-                <a16:creationId xmlns:a16="http://schemas.microsoft.com/office/drawing/2014/main" id="{2929977D-4B28-4A77-BFAA-69E6FF174D27}"/>
-              </a:ext>
-            </a:extLst>
-          </p:cNvPr>
-          <p:cNvSpPr txBox="1"/>
-          <p:nvPr/>
-        </p:nvSpPr>
-        <p:spPr>
-          <a:xfrm>
-            <a:off x="942387" y="1190024"/>
-            <a:ext cx="10237694" cy="369332"/>
-          </a:xfrm>
-          <a:prstGeom prst="rect">
-            <a:avLst/>
-          </a:prstGeom>
-          <a:noFill/>
-        </p:spPr>
-        <p:txBody>
-          <a:bodyPr wrap="square" rtlCol="0">
-            <a:spAutoFit/>
-          </a:bodyPr>
-          <a:lstStyle/>
-          <a:p>
-            <a:r>
-              <a:rPr lang="ko-KR" altLang="en-US" dirty="0">
-                <a:latin typeface="나눔스퀘어 Light" panose="020B0600000101010101" pitchFamily="50" charset="-127"/>
-                <a:ea typeface="나눔스퀘어 Light" panose="020B0600000101010101" pitchFamily="50" charset="-127"/>
-              </a:rPr>
-              <a:t>스택과 마찬가지로</a:t>
-            </a:r>
-            <a:r>
-              <a:rPr lang="en-US" altLang="ko-KR" dirty="0">
-                <a:latin typeface="나눔스퀘어 Light" panose="020B0600000101010101" pitchFamily="50" charset="-127"/>
-                <a:ea typeface="나눔스퀘어 Light" panose="020B0600000101010101" pitchFamily="50" charset="-127"/>
-              </a:rPr>
-              <a:t>, </a:t>
-            </a:r>
-            <a:r>
-              <a:rPr lang="ko-KR" altLang="en-US" dirty="0">
-                <a:latin typeface="나눔스퀘어 Light" panose="020B0600000101010101" pitchFamily="50" charset="-127"/>
-                <a:ea typeface="나눔스퀘어 Light" panose="020B0600000101010101" pitchFamily="50" charset="-127"/>
-              </a:rPr>
-              <a:t>구현해본 큐를 채점할 수 있는 문제</a:t>
-            </a:r>
-          </a:p>
-        </p:txBody>
-      </p:sp>
-      <p:sp>
-        <p:nvSpPr>
           <p:cNvPr id="2" name="TextBox 1">
             <a:extLst>
               <a:ext uri="{FF2B5EF4-FFF2-40B4-BE49-F238E27FC236}">
-                <a16:creationId xmlns:a16="http://schemas.microsoft.com/office/drawing/2014/main" id="{CC1A2188-D131-F96B-08B1-C61DDBFCF482}"/>
+                <a16:creationId xmlns:a16="http://schemas.microsoft.com/office/drawing/2014/main" id="{7A9F668B-4598-7703-B5DB-B80899A1C734}"/>
               </a:ext>
             </a:extLst>
           </p:cNvPr>
@@ -10781,62 +11896,40 @@
           </a:p>
         </p:txBody>
       </p:sp>
-      <p:sp>
-        <p:nvSpPr>
-          <p:cNvPr id="11" name="TextBox 10">
-            <a:extLst>
-              <a:ext uri="{FF2B5EF4-FFF2-40B4-BE49-F238E27FC236}">
-                <a16:creationId xmlns:a16="http://schemas.microsoft.com/office/drawing/2014/main" id="{55838BC7-EF0F-5B81-2952-60BCF736A512}"/>
-              </a:ext>
-            </a:extLst>
-          </p:cNvPr>
-          <p:cNvSpPr txBox="1"/>
-          <p:nvPr/>
-        </p:nvSpPr>
-        <p:spPr>
-          <a:xfrm>
-            <a:off x="942387" y="1559356"/>
-            <a:ext cx="10237694" cy="369332"/>
-          </a:xfrm>
-          <a:prstGeom prst="rect">
-            <a:avLst/>
-          </a:prstGeom>
-          <a:noFill/>
-        </p:spPr>
-        <p:txBody>
-          <a:bodyPr wrap="square" rtlCol="0">
-            <a:spAutoFit/>
-          </a:bodyPr>
-          <a:lstStyle/>
-          <a:p>
-            <a:r>
-              <a:rPr lang="ko-KR" altLang="en-US" dirty="0">
-                <a:latin typeface="나눔스퀘어 Light" panose="020B0600000101010101" pitchFamily="50" charset="-127"/>
-                <a:ea typeface="나눔스퀘어 Light" panose="020B0600000101010101" pitchFamily="50" charset="-127"/>
-              </a:rPr>
-              <a:t>직접 구현을 해봤다면</a:t>
-            </a:r>
-            <a:r>
-              <a:rPr lang="en-US" altLang="ko-KR" dirty="0">
-                <a:latin typeface="나눔스퀘어 Light" panose="020B0600000101010101" pitchFamily="50" charset="-127"/>
-                <a:ea typeface="나눔스퀘어 Light" panose="020B0600000101010101" pitchFamily="50" charset="-127"/>
-              </a:rPr>
-              <a:t>, </a:t>
-            </a:r>
-            <a:r>
-              <a:rPr lang="ko-KR" altLang="en-US" dirty="0">
-                <a:latin typeface="나눔스퀘어 Light" panose="020B0600000101010101" pitchFamily="50" charset="-127"/>
-                <a:ea typeface="나눔스퀘어 Light" panose="020B0600000101010101" pitchFamily="50" charset="-127"/>
-              </a:rPr>
-              <a:t>라이브러리를 사용</a:t>
-            </a:r>
-          </a:p>
-        </p:txBody>
-      </p:sp>
+      <p:pic>
+        <p:nvPicPr>
+          <p:cNvPr id="6" name="그림 5">
+            <a:extLst>
+              <a:ext uri="{FF2B5EF4-FFF2-40B4-BE49-F238E27FC236}">
+                <a16:creationId xmlns:a16="http://schemas.microsoft.com/office/drawing/2014/main" id="{BA7E89D0-EC5B-949F-2F86-BB48EDA301A3}"/>
+              </a:ext>
+            </a:extLst>
+          </p:cNvPr>
+          <p:cNvPicPr>
+            <a:picLocks noChangeAspect="1"/>
+          </p:cNvPicPr>
+          <p:nvPr/>
+        </p:nvPicPr>
+        <p:blipFill>
+          <a:blip r:embed="rId2"/>
+          <a:stretch>
+            <a:fillRect/>
+          </a:stretch>
+        </p:blipFill>
+        <p:spPr>
+          <a:xfrm>
+            <a:off x="331694" y="998873"/>
+            <a:ext cx="10869542" cy="5525271"/>
+          </a:xfrm>
+          <a:prstGeom prst="rect">
+            <a:avLst/>
+          </a:prstGeom>
+        </p:spPr>
+      </p:pic>
     </p:spTree>
     <p:extLst>
       <p:ext uri="{BB962C8B-B14F-4D97-AF65-F5344CB8AC3E}">
-        <p14:creationId xmlns:p14="http://schemas.microsoft.com/office/powerpoint/2010/main" val="36971579"/>
+        <p14:creationId xmlns:p14="http://schemas.microsoft.com/office/powerpoint/2010/main" val="3852066961"/>
       </p:ext>
     </p:extLst>
   </p:cSld>
@@ -10909,10 +12002,62 @@
       </p:cxnSp>
       <p:sp>
         <p:nvSpPr>
+          <p:cNvPr id="3" name="TextBox 2">
+            <a:extLst>
+              <a:ext uri="{FF2B5EF4-FFF2-40B4-BE49-F238E27FC236}">
+                <a16:creationId xmlns:a16="http://schemas.microsoft.com/office/drawing/2014/main" id="{2929977D-4B28-4A77-BFAA-69E6FF174D27}"/>
+              </a:ext>
+            </a:extLst>
+          </p:cNvPr>
+          <p:cNvSpPr txBox="1"/>
+          <p:nvPr/>
+        </p:nvSpPr>
+        <p:spPr>
+          <a:xfrm>
+            <a:off x="942387" y="1190024"/>
+            <a:ext cx="10237694" cy="369332"/>
+          </a:xfrm>
+          <a:prstGeom prst="rect">
+            <a:avLst/>
+          </a:prstGeom>
+          <a:noFill/>
+        </p:spPr>
+        <p:txBody>
+          <a:bodyPr wrap="square" rtlCol="0">
+            <a:spAutoFit/>
+          </a:bodyPr>
+          <a:lstStyle/>
+          <a:p>
+            <a:r>
+              <a:rPr lang="ko-KR" altLang="en-US" dirty="0">
+                <a:latin typeface="나눔스퀘어 Light" panose="020B0600000101010101" pitchFamily="50" charset="-127"/>
+                <a:ea typeface="나눔스퀘어 Light" panose="020B0600000101010101" pitchFamily="50" charset="-127"/>
+              </a:rPr>
+              <a:t>스택과 마찬가지로</a:t>
+            </a:r>
+            <a:r>
+              <a:rPr lang="en-US" altLang="ko-KR" dirty="0">
+                <a:latin typeface="나눔스퀘어 Light" panose="020B0600000101010101" pitchFamily="50" charset="-127"/>
+                <a:ea typeface="나눔스퀘어 Light" panose="020B0600000101010101" pitchFamily="50" charset="-127"/>
+              </a:rPr>
+              <a:t>, </a:t>
+            </a:r>
+            <a:r>
+              <a:rPr lang="ko-KR" altLang="en-US" dirty="0">
+                <a:latin typeface="나눔스퀘어 Light" panose="020B0600000101010101" pitchFamily="50" charset="-127"/>
+                <a:ea typeface="나눔스퀘어 Light" panose="020B0600000101010101" pitchFamily="50" charset="-127"/>
+              </a:rPr>
+              <a:t>구현해본 큐를 채점할 수 있는 문제</a:t>
+            </a:r>
+          </a:p>
+        </p:txBody>
+      </p:sp>
+      <p:sp>
+        <p:nvSpPr>
           <p:cNvPr id="2" name="TextBox 1">
             <a:extLst>
               <a:ext uri="{FF2B5EF4-FFF2-40B4-BE49-F238E27FC236}">
-                <a16:creationId xmlns:a16="http://schemas.microsoft.com/office/drawing/2014/main" id="{7C0672DE-9A16-449C-C1E8-53F4FCB0C57F}"/>
+                <a16:creationId xmlns:a16="http://schemas.microsoft.com/office/drawing/2014/main" id="{CC1A2188-D131-F96B-08B1-C61DDBFCF482}"/>
               </a:ext>
             </a:extLst>
           </p:cNvPr>
@@ -10922,7 +12067,7 @@
         <p:spPr>
           <a:xfrm>
             <a:off x="331694" y="177505"/>
-            <a:ext cx="2826415" cy="523220"/>
+            <a:ext cx="2499402" cy="523220"/>
           </a:xfrm>
           <a:prstGeom prst="rect">
             <a:avLst/>
@@ -10954,63 +12099,74 @@
                 <a:latin typeface="나눔스퀘어 Bold" panose="020B0600000101010101" pitchFamily="50" charset="-127"/>
                 <a:ea typeface="나눔스퀘어 Bold" panose="020B0600000101010101" pitchFamily="50" charset="-127"/>
               </a:rPr>
-              <a:t>– 2164 </a:t>
+              <a:t>– 10845 </a:t>
             </a:r>
             <a:r>
               <a:rPr lang="ko-KR" altLang="en-US" sz="2800" dirty="0">
                 <a:latin typeface="나눔스퀘어 Bold" panose="020B0600000101010101" pitchFamily="50" charset="-127"/>
                 <a:ea typeface="나눔스퀘어 Bold" panose="020B0600000101010101" pitchFamily="50" charset="-127"/>
               </a:rPr>
-              <a:t>카드</a:t>
-            </a:r>
-            <a:r>
-              <a:rPr lang="en-US" altLang="ko-KR" sz="2800" dirty="0">
-                <a:latin typeface="나눔스퀘어 Bold" panose="020B0600000101010101" pitchFamily="50" charset="-127"/>
-                <a:ea typeface="나눔스퀘어 Bold" panose="020B0600000101010101" pitchFamily="50" charset="-127"/>
-              </a:rPr>
-              <a:t>2</a:t>
-            </a:r>
-            <a:endParaRPr lang="ko-KR" altLang="en-US" sz="2800" dirty="0">
-              <a:latin typeface="나눔스퀘어 Bold" panose="020B0600000101010101" pitchFamily="50" charset="-127"/>
-              <a:ea typeface="나눔스퀘어 Bold" panose="020B0600000101010101" pitchFamily="50" charset="-127"/>
-            </a:endParaRPr>
-          </a:p>
-        </p:txBody>
-      </p:sp>
-      <p:pic>
-        <p:nvPicPr>
-          <p:cNvPr id="4" name="그림 3">
-            <a:extLst>
-              <a:ext uri="{FF2B5EF4-FFF2-40B4-BE49-F238E27FC236}">
-                <a16:creationId xmlns:a16="http://schemas.microsoft.com/office/drawing/2014/main" id="{B33FFAC5-1C7A-59B5-8C86-A8D769B542A0}"/>
-              </a:ext>
-            </a:extLst>
-          </p:cNvPr>
-          <p:cNvPicPr>
-            <a:picLocks noChangeAspect="1"/>
-          </p:cNvPicPr>
-          <p:nvPr/>
-        </p:nvPicPr>
-        <p:blipFill>
-          <a:blip r:embed="rId2"/>
-          <a:stretch>
-            <a:fillRect/>
-          </a:stretch>
-        </p:blipFill>
-        <p:spPr>
-          <a:xfrm>
-            <a:off x="331694" y="951198"/>
-            <a:ext cx="10671142" cy="5779270"/>
-          </a:xfrm>
-          <a:prstGeom prst="rect">
-            <a:avLst/>
-          </a:prstGeom>
-        </p:spPr>
-      </p:pic>
+              <a:t>큐</a:t>
+            </a:r>
+          </a:p>
+        </p:txBody>
+      </p:sp>
+      <p:sp>
+        <p:nvSpPr>
+          <p:cNvPr id="11" name="TextBox 10">
+            <a:extLst>
+              <a:ext uri="{FF2B5EF4-FFF2-40B4-BE49-F238E27FC236}">
+                <a16:creationId xmlns:a16="http://schemas.microsoft.com/office/drawing/2014/main" id="{55838BC7-EF0F-5B81-2952-60BCF736A512}"/>
+              </a:ext>
+            </a:extLst>
+          </p:cNvPr>
+          <p:cNvSpPr txBox="1"/>
+          <p:nvPr/>
+        </p:nvSpPr>
+        <p:spPr>
+          <a:xfrm>
+            <a:off x="942387" y="1559356"/>
+            <a:ext cx="10237694" cy="369332"/>
+          </a:xfrm>
+          <a:prstGeom prst="rect">
+            <a:avLst/>
+          </a:prstGeom>
+          <a:noFill/>
+        </p:spPr>
+        <p:txBody>
+          <a:bodyPr wrap="square" rtlCol="0">
+            <a:spAutoFit/>
+          </a:bodyPr>
+          <a:lstStyle/>
+          <a:p>
+            <a:r>
+              <a:rPr lang="ko-KR" altLang="en-US" dirty="0">
+                <a:latin typeface="나눔스퀘어 Light" panose="020B0600000101010101" pitchFamily="50" charset="-127"/>
+                <a:ea typeface="나눔스퀘어 Light" panose="020B0600000101010101" pitchFamily="50" charset="-127"/>
+              </a:rPr>
+              <a:t>직접 구현을 해봤다면</a:t>
+            </a:r>
+            <a:r>
+              <a:rPr lang="en-US" altLang="ko-KR" dirty="0">
+                <a:latin typeface="나눔스퀘어 Light" panose="020B0600000101010101" pitchFamily="50" charset="-127"/>
+                <a:ea typeface="나눔스퀘어 Light" panose="020B0600000101010101" pitchFamily="50" charset="-127"/>
+              </a:rPr>
+              <a:t>, </a:t>
+            </a:r>
+            <a:r>
+              <a:rPr lang="ko-KR" altLang="en-US" dirty="0">
+                <a:latin typeface="나눔스퀘어 Light" panose="020B0600000101010101" pitchFamily="50" charset="-127"/>
+                <a:ea typeface="나눔스퀘어 Light" panose="020B0600000101010101" pitchFamily="50" charset="-127"/>
+              </a:rPr>
+              <a:t>라이브러리를 사용</a:t>
+            </a:r>
+          </a:p>
+        </p:txBody>
+      </p:sp>
     </p:spTree>
     <p:extLst>
       <p:ext uri="{BB962C8B-B14F-4D97-AF65-F5344CB8AC3E}">
-        <p14:creationId xmlns:p14="http://schemas.microsoft.com/office/powerpoint/2010/main" val="2401598668"/>
+        <p14:creationId xmlns:p14="http://schemas.microsoft.com/office/powerpoint/2010/main" val="36971579"/>
       </p:ext>
     </p:extLst>
   </p:cSld>
@@ -11086,6 +12242,180 @@
           <p:cNvPr id="2" name="TextBox 1">
             <a:extLst>
               <a:ext uri="{FF2B5EF4-FFF2-40B4-BE49-F238E27FC236}">
+                <a16:creationId xmlns:a16="http://schemas.microsoft.com/office/drawing/2014/main" id="{7C0672DE-9A16-449C-C1E8-53F4FCB0C57F}"/>
+              </a:ext>
+            </a:extLst>
+          </p:cNvPr>
+          <p:cNvSpPr txBox="1"/>
+          <p:nvPr/>
+        </p:nvSpPr>
+        <p:spPr>
+          <a:xfrm>
+            <a:off x="331694" y="177505"/>
+            <a:ext cx="2826415" cy="523220"/>
+          </a:xfrm>
+          <a:prstGeom prst="rect">
+            <a:avLst/>
+          </a:prstGeom>
+          <a:noFill/>
+        </p:spPr>
+        <p:txBody>
+          <a:bodyPr wrap="none" rtlCol="0">
+            <a:spAutoFit/>
+          </a:bodyPr>
+          <a:lstStyle/>
+          <a:p>
+            <a:r>
+              <a:rPr lang="en-US" altLang="ko-KR" sz="2800" dirty="0">
+                <a:latin typeface="나눔스퀘어 Bold" panose="020B0600000101010101" pitchFamily="50" charset="-127"/>
+                <a:ea typeface="나눔스퀘어 Bold" panose="020B0600000101010101" pitchFamily="50" charset="-127"/>
+              </a:rPr>
+              <a:t>DS</a:t>
+            </a:r>
+            <a:r>
+              <a:rPr lang="ko-KR" altLang="en-US" sz="2800" dirty="0">
+                <a:latin typeface="나눔스퀘어 Bold" panose="020B0600000101010101" pitchFamily="50" charset="-127"/>
+                <a:ea typeface="나눔스퀘어 Bold" panose="020B0600000101010101" pitchFamily="50" charset="-127"/>
+              </a:rPr>
+              <a:t> </a:t>
+            </a:r>
+            <a:r>
+              <a:rPr lang="en-US" altLang="ko-KR" sz="2800" dirty="0">
+                <a:latin typeface="나눔스퀘어 Bold" panose="020B0600000101010101" pitchFamily="50" charset="-127"/>
+                <a:ea typeface="나눔스퀘어 Bold" panose="020B0600000101010101" pitchFamily="50" charset="-127"/>
+              </a:rPr>
+              <a:t>– 2164 </a:t>
+            </a:r>
+            <a:r>
+              <a:rPr lang="ko-KR" altLang="en-US" sz="2800" dirty="0">
+                <a:latin typeface="나눔스퀘어 Bold" panose="020B0600000101010101" pitchFamily="50" charset="-127"/>
+                <a:ea typeface="나눔스퀘어 Bold" panose="020B0600000101010101" pitchFamily="50" charset="-127"/>
+              </a:rPr>
+              <a:t>카드</a:t>
+            </a:r>
+            <a:r>
+              <a:rPr lang="en-US" altLang="ko-KR" sz="2800" dirty="0">
+                <a:latin typeface="나눔스퀘어 Bold" panose="020B0600000101010101" pitchFamily="50" charset="-127"/>
+                <a:ea typeface="나눔스퀘어 Bold" panose="020B0600000101010101" pitchFamily="50" charset="-127"/>
+              </a:rPr>
+              <a:t>2</a:t>
+            </a:r>
+            <a:endParaRPr lang="ko-KR" altLang="en-US" sz="2800" dirty="0">
+              <a:latin typeface="나눔스퀘어 Bold" panose="020B0600000101010101" pitchFamily="50" charset="-127"/>
+              <a:ea typeface="나눔스퀘어 Bold" panose="020B0600000101010101" pitchFamily="50" charset="-127"/>
+            </a:endParaRPr>
+          </a:p>
+        </p:txBody>
+      </p:sp>
+      <p:pic>
+        <p:nvPicPr>
+          <p:cNvPr id="4" name="그림 3">
+            <a:extLst>
+              <a:ext uri="{FF2B5EF4-FFF2-40B4-BE49-F238E27FC236}">
+                <a16:creationId xmlns:a16="http://schemas.microsoft.com/office/drawing/2014/main" id="{B33FFAC5-1C7A-59B5-8C86-A8D769B542A0}"/>
+              </a:ext>
+            </a:extLst>
+          </p:cNvPr>
+          <p:cNvPicPr>
+            <a:picLocks noChangeAspect="1"/>
+          </p:cNvPicPr>
+          <p:nvPr/>
+        </p:nvPicPr>
+        <p:blipFill>
+          <a:blip r:embed="rId2"/>
+          <a:stretch>
+            <a:fillRect/>
+          </a:stretch>
+        </p:blipFill>
+        <p:spPr>
+          <a:xfrm>
+            <a:off x="331694" y="951198"/>
+            <a:ext cx="10671142" cy="5779270"/>
+          </a:xfrm>
+          <a:prstGeom prst="rect">
+            <a:avLst/>
+          </a:prstGeom>
+        </p:spPr>
+      </p:pic>
+    </p:spTree>
+    <p:extLst>
+      <p:ext uri="{BB962C8B-B14F-4D97-AF65-F5344CB8AC3E}">
+        <p14:creationId xmlns:p14="http://schemas.microsoft.com/office/powerpoint/2010/main" val="2401598668"/>
+      </p:ext>
+    </p:extLst>
+  </p:cSld>
+  <p:clrMapOvr>
+    <a:masterClrMapping/>
+  </p:clrMapOvr>
+</p:sld>
+</file>
+
+<file path=ppt/slides/slide28.xml><?xml version="1.0" encoding="utf-8"?>
+<p:sld xmlns:a="http://schemas.openxmlformats.org/drawingml/2006/main" xmlns:r="http://schemas.openxmlformats.org/officeDocument/2006/relationships" xmlns:p="http://schemas.openxmlformats.org/presentationml/2006/main">
+  <p:cSld>
+    <p:spTree>
+      <p:nvGrpSpPr>
+        <p:cNvPr id="1" name=""/>
+        <p:cNvGrpSpPr/>
+        <p:nvPr/>
+      </p:nvGrpSpPr>
+      <p:grpSpPr>
+        <a:xfrm>
+          <a:off x="0" y="0"/>
+          <a:ext cx="0" cy="0"/>
+          <a:chOff x="0" y="0"/>
+          <a:chExt cx="0" cy="0"/>
+        </a:xfrm>
+      </p:grpSpPr>
+      <p:cxnSp>
+        <p:nvCxnSpPr>
+          <p:cNvPr id="5" name="직선 연결선 4">
+            <a:extLst>
+              <a:ext uri="{FF2B5EF4-FFF2-40B4-BE49-F238E27FC236}">
+                <a16:creationId xmlns:a16="http://schemas.microsoft.com/office/drawing/2014/main" id="{164C2827-EFCE-69A4-D037-1A218415F568}"/>
+              </a:ext>
+            </a:extLst>
+          </p:cNvPr>
+          <p:cNvCxnSpPr/>
+          <p:nvPr/>
+        </p:nvCxnSpPr>
+        <p:spPr>
+          <a:xfrm>
+            <a:off x="0" y="887505"/>
+            <a:ext cx="10237694" cy="0"/>
+          </a:xfrm>
+          <a:prstGeom prst="line">
+            <a:avLst/>
+          </a:prstGeom>
+          <a:ln w="76200">
+            <a:solidFill>
+              <a:schemeClr val="tx1">
+                <a:lumMod val="75000"/>
+                <a:lumOff val="25000"/>
+              </a:schemeClr>
+            </a:solidFill>
+          </a:ln>
+        </p:spPr>
+        <p:style>
+          <a:lnRef idx="1">
+            <a:schemeClr val="accent1"/>
+          </a:lnRef>
+          <a:fillRef idx="0">
+            <a:schemeClr val="accent1"/>
+          </a:fillRef>
+          <a:effectRef idx="0">
+            <a:schemeClr val="accent1"/>
+          </a:effectRef>
+          <a:fontRef idx="minor">
+            <a:schemeClr val="tx1"/>
+          </a:fontRef>
+        </p:style>
+      </p:cxnSp>
+      <p:sp>
+        <p:nvSpPr>
+          <p:cNvPr id="2" name="TextBox 1">
+            <a:extLst>
+              <a:ext uri="{FF2B5EF4-FFF2-40B4-BE49-F238E27FC236}">
                 <a16:creationId xmlns:a16="http://schemas.microsoft.com/office/drawing/2014/main" id="{6C7D9011-D631-3335-93A5-B2BD13DFC2BF}"/>
               </a:ext>
             </a:extLst>
@@ -11164,7 +12494,7 @@
 </p:sld>
 </file>
 
-<file path=ppt/slides/slide28.xml><?xml version="1.0" encoding="utf-8"?>
+<file path=ppt/slides/slide29.xml><?xml version="1.0" encoding="utf-8"?>
 <p:sld xmlns:a="http://schemas.openxmlformats.org/drawingml/2006/main" xmlns:r="http://schemas.openxmlformats.org/officeDocument/2006/relationships" xmlns:p="http://schemas.openxmlformats.org/presentationml/2006/main">
   <p:cSld>
     <p:spTree>

--- a/study/7_Stack, Queue, List.pptx
+++ b/study/7_Stack, Queue, List.pptx
@@ -34,7 +34,8 @@
     <p:sldId id="278" r:id="rId28"/>
     <p:sldId id="367" r:id="rId29"/>
     <p:sldId id="368" r:id="rId30"/>
-    <p:sldId id="298" r:id="rId31"/>
+    <p:sldId id="417" r:id="rId31"/>
+    <p:sldId id="298" r:id="rId32"/>
   </p:sldIdLst>
   <p:sldSz cx="12192000" cy="6858000"/>
   <p:notesSz cx="6858000" cy="9144000"/>
@@ -288,7 +289,7 @@
           <a:p>
             <a:fld id="{33C37291-AA83-40C0-9297-8F7F3693F6CC}" type="datetimeFigureOut">
               <a:rPr lang="ko-KR" altLang="en-US" smtClean="0"/>
-              <a:t>2022-09-26</a:t>
+              <a:t>2022-10-03</a:t>
             </a:fld>
             <a:endParaRPr lang="ko-KR" altLang="en-US"/>
           </a:p>
@@ -486,7 +487,7 @@
           <a:p>
             <a:fld id="{33C37291-AA83-40C0-9297-8F7F3693F6CC}" type="datetimeFigureOut">
               <a:rPr lang="ko-KR" altLang="en-US" smtClean="0"/>
-              <a:t>2022-09-26</a:t>
+              <a:t>2022-10-03</a:t>
             </a:fld>
             <a:endParaRPr lang="ko-KR" altLang="en-US"/>
           </a:p>
@@ -694,7 +695,7 @@
           <a:p>
             <a:fld id="{33C37291-AA83-40C0-9297-8F7F3693F6CC}" type="datetimeFigureOut">
               <a:rPr lang="ko-KR" altLang="en-US" smtClean="0"/>
-              <a:t>2022-09-26</a:t>
+              <a:t>2022-10-03</a:t>
             </a:fld>
             <a:endParaRPr lang="ko-KR" altLang="en-US"/>
           </a:p>
@@ -892,7 +893,7 @@
           <a:p>
             <a:fld id="{33C37291-AA83-40C0-9297-8F7F3693F6CC}" type="datetimeFigureOut">
               <a:rPr lang="ko-KR" altLang="en-US" smtClean="0"/>
-              <a:t>2022-09-26</a:t>
+              <a:t>2022-10-03</a:t>
             </a:fld>
             <a:endParaRPr lang="ko-KR" altLang="en-US"/>
           </a:p>
@@ -1167,7 +1168,7 @@
           <a:p>
             <a:fld id="{33C37291-AA83-40C0-9297-8F7F3693F6CC}" type="datetimeFigureOut">
               <a:rPr lang="ko-KR" altLang="en-US" smtClean="0"/>
-              <a:t>2022-09-26</a:t>
+              <a:t>2022-10-03</a:t>
             </a:fld>
             <a:endParaRPr lang="ko-KR" altLang="en-US"/>
           </a:p>
@@ -1432,7 +1433,7 @@
           <a:p>
             <a:fld id="{33C37291-AA83-40C0-9297-8F7F3693F6CC}" type="datetimeFigureOut">
               <a:rPr lang="ko-KR" altLang="en-US" smtClean="0"/>
-              <a:t>2022-09-26</a:t>
+              <a:t>2022-10-03</a:t>
             </a:fld>
             <a:endParaRPr lang="ko-KR" altLang="en-US"/>
           </a:p>
@@ -1844,7 +1845,7 @@
           <a:p>
             <a:fld id="{33C37291-AA83-40C0-9297-8F7F3693F6CC}" type="datetimeFigureOut">
               <a:rPr lang="ko-KR" altLang="en-US" smtClean="0"/>
-              <a:t>2022-09-26</a:t>
+              <a:t>2022-10-03</a:t>
             </a:fld>
             <a:endParaRPr lang="ko-KR" altLang="en-US"/>
           </a:p>
@@ -1985,7 +1986,7 @@
           <a:p>
             <a:fld id="{33C37291-AA83-40C0-9297-8F7F3693F6CC}" type="datetimeFigureOut">
               <a:rPr lang="ko-KR" altLang="en-US" smtClean="0"/>
-              <a:t>2022-09-26</a:t>
+              <a:t>2022-10-03</a:t>
             </a:fld>
             <a:endParaRPr lang="ko-KR" altLang="en-US"/>
           </a:p>
@@ -2098,7 +2099,7 @@
           <a:p>
             <a:fld id="{33C37291-AA83-40C0-9297-8F7F3693F6CC}" type="datetimeFigureOut">
               <a:rPr lang="ko-KR" altLang="en-US" smtClean="0"/>
-              <a:t>2022-09-26</a:t>
+              <a:t>2022-10-03</a:t>
             </a:fld>
             <a:endParaRPr lang="ko-KR" altLang="en-US"/>
           </a:p>
@@ -2409,7 +2410,7 @@
           <a:p>
             <a:fld id="{33C37291-AA83-40C0-9297-8F7F3693F6CC}" type="datetimeFigureOut">
               <a:rPr lang="ko-KR" altLang="en-US" smtClean="0"/>
-              <a:t>2022-09-26</a:t>
+              <a:t>2022-10-03</a:t>
             </a:fld>
             <a:endParaRPr lang="ko-KR" altLang="en-US"/>
           </a:p>
@@ -2697,7 +2698,7 @@
           <a:p>
             <a:fld id="{33C37291-AA83-40C0-9297-8F7F3693F6CC}" type="datetimeFigureOut">
               <a:rPr lang="ko-KR" altLang="en-US" smtClean="0"/>
-              <a:t>2022-09-26</a:t>
+              <a:t>2022-10-03</a:t>
             </a:fld>
             <a:endParaRPr lang="ko-KR" altLang="en-US"/>
           </a:p>
@@ -2938,7 +2939,7 @@
           <a:p>
             <a:fld id="{33C37291-AA83-40C0-9297-8F7F3693F6CC}" type="datetimeFigureOut">
               <a:rPr lang="ko-KR" altLang="en-US" smtClean="0"/>
-              <a:t>2022-09-26</a:t>
+              <a:t>2022-10-03</a:t>
             </a:fld>
             <a:endParaRPr lang="ko-KR" altLang="en-US"/>
           </a:p>
@@ -12897,6 +12898,36 @@
           </a:p>
         </p:txBody>
       </p:sp>
+      <p:pic>
+        <p:nvPicPr>
+          <p:cNvPr id="9" name="그림 8">
+            <a:extLst>
+              <a:ext uri="{FF2B5EF4-FFF2-40B4-BE49-F238E27FC236}">
+                <a16:creationId xmlns:a16="http://schemas.microsoft.com/office/drawing/2014/main" id="{1862923B-5DA6-B45F-2103-54B5FE2E6B02}"/>
+              </a:ext>
+            </a:extLst>
+          </p:cNvPr>
+          <p:cNvPicPr>
+            <a:picLocks noChangeAspect="1"/>
+          </p:cNvPicPr>
+          <p:nvPr/>
+        </p:nvPicPr>
+        <p:blipFill>
+          <a:blip r:embed="rId2"/>
+          <a:stretch>
+            <a:fillRect/>
+          </a:stretch>
+        </p:blipFill>
+        <p:spPr>
+          <a:xfrm>
+            <a:off x="942387" y="1928688"/>
+            <a:ext cx="9873426" cy="4519246"/>
+          </a:xfrm>
+          <a:prstGeom prst="rect">
+            <a:avLst/>
+          </a:prstGeom>
+        </p:spPr>
+      </p:pic>
     </p:spTree>
     <p:extLst>
       <p:ext uri="{BB962C8B-B14F-4D97-AF65-F5344CB8AC3E}">
@@ -13310,10 +13341,10 @@
       </p:cxnSp>
       <p:sp>
         <p:nvSpPr>
-          <p:cNvPr id="6" name="TextBox 5">
-            <a:extLst>
-              <a:ext uri="{FF2B5EF4-FFF2-40B4-BE49-F238E27FC236}">
-                <a16:creationId xmlns:a16="http://schemas.microsoft.com/office/drawing/2014/main" id="{908ED9B9-09D3-CFA8-625A-6F9BB9B6BD23}"/>
+          <p:cNvPr id="2" name="TextBox 1">
+            <a:extLst>
+              <a:ext uri="{FF2B5EF4-FFF2-40B4-BE49-F238E27FC236}">
+                <a16:creationId xmlns:a16="http://schemas.microsoft.com/office/drawing/2014/main" id="{6C7D9011-D631-3335-93A5-B2BD13DFC2BF}"/>
               </a:ext>
             </a:extLst>
           </p:cNvPr>
@@ -13323,7 +13354,7 @@
         <p:spPr>
           <a:xfrm>
             <a:off x="331694" y="177505"/>
-            <a:ext cx="2006190" cy="523220"/>
+            <a:ext cx="2826415" cy="523220"/>
           </a:xfrm>
           <a:prstGeom prst="rect">
             <a:avLst/>
@@ -13341,7 +13372,35 @@
                 <a:latin typeface="나눔스퀘어 Bold" panose="020B0600000101010101" pitchFamily="50" charset="-127"/>
                 <a:ea typeface="나눔스퀘어 Bold" panose="020B0600000101010101" pitchFamily="50" charset="-127"/>
               </a:rPr>
-              <a:t>Homework</a:t>
+              <a:t>DS</a:t>
+            </a:r>
+            <a:r>
+              <a:rPr lang="ko-KR" altLang="en-US" sz="2800" dirty="0">
+                <a:latin typeface="나눔스퀘어 Bold" panose="020B0600000101010101" pitchFamily="50" charset="-127"/>
+                <a:ea typeface="나눔스퀘어 Bold" panose="020B0600000101010101" pitchFamily="50" charset="-127"/>
+              </a:rPr>
+              <a:t> </a:t>
+            </a:r>
+            <a:r>
+              <a:rPr lang="en-US" altLang="ko-KR" sz="2800" dirty="0">
+                <a:latin typeface="나눔스퀘어 Bold" panose="020B0600000101010101" pitchFamily="50" charset="-127"/>
+                <a:ea typeface="나눔스퀘어 Bold" panose="020B0600000101010101" pitchFamily="50" charset="-127"/>
+              </a:rPr>
+              <a:t>– 2164 </a:t>
+            </a:r>
+            <a:r>
+              <a:rPr lang="ko-KR" altLang="en-US" sz="2800" dirty="0">
+                <a:latin typeface="나눔스퀘어 Bold" panose="020B0600000101010101" pitchFamily="50" charset="-127"/>
+                <a:ea typeface="나눔스퀘어 Bold" panose="020B0600000101010101" pitchFamily="50" charset="-127"/>
+              </a:rPr>
+              <a:t>카드</a:t>
+            </a:r>
+            <a:r>
+              <a:rPr lang="en-US" altLang="ko-KR" sz="2800" dirty="0">
+                <a:latin typeface="나눔스퀘어 Bold" panose="020B0600000101010101" pitchFamily="50" charset="-127"/>
+                <a:ea typeface="나눔스퀘어 Bold" panose="020B0600000101010101" pitchFamily="50" charset="-127"/>
+              </a:rPr>
+              <a:t>2</a:t>
             </a:r>
             <a:endParaRPr lang="ko-KR" altLang="en-US" sz="2800" dirty="0">
               <a:latin typeface="나눔스퀘어 Bold" panose="020B0600000101010101" pitchFamily="50" charset="-127"/>
@@ -13352,6 +13411,215 @@
       </p:sp>
       <p:sp>
         <p:nvSpPr>
+          <p:cNvPr id="3" name="TextBox 2">
+            <a:extLst>
+              <a:ext uri="{FF2B5EF4-FFF2-40B4-BE49-F238E27FC236}">
+                <a16:creationId xmlns:a16="http://schemas.microsoft.com/office/drawing/2014/main" id="{55A2659C-619F-80B4-6BDF-B649C7E7DBE9}"/>
+              </a:ext>
+            </a:extLst>
+          </p:cNvPr>
+          <p:cNvSpPr txBox="1"/>
+          <p:nvPr/>
+        </p:nvSpPr>
+        <p:spPr>
+          <a:xfrm>
+            <a:off x="942387" y="1190024"/>
+            <a:ext cx="10237694" cy="369332"/>
+          </a:xfrm>
+          <a:prstGeom prst="rect">
+            <a:avLst/>
+          </a:prstGeom>
+          <a:noFill/>
+        </p:spPr>
+        <p:txBody>
+          <a:bodyPr wrap="square" rtlCol="0">
+            <a:spAutoFit/>
+          </a:bodyPr>
+          <a:lstStyle/>
+          <a:p>
+            <a:r>
+              <a:rPr lang="ko-KR" altLang="en-US" dirty="0">
+                <a:latin typeface="나눔스퀘어 Light" panose="020B0600000101010101" pitchFamily="50" charset="-127"/>
+                <a:ea typeface="나눔스퀘어 Light" panose="020B0600000101010101" pitchFamily="50" charset="-127"/>
+              </a:rPr>
+              <a:t>전형적인 큐를 사용하는 문제이지만</a:t>
+            </a:r>
+            <a:r>
+              <a:rPr lang="en-US" altLang="ko-KR" dirty="0">
+                <a:latin typeface="나눔스퀘어 Light" panose="020B0600000101010101" pitchFamily="50" charset="-127"/>
+                <a:ea typeface="나눔스퀘어 Light" panose="020B0600000101010101" pitchFamily="50" charset="-127"/>
+              </a:rPr>
+              <a:t>, </a:t>
+            </a:r>
+            <a:r>
+              <a:rPr lang="ko-KR" altLang="en-US" dirty="0">
+                <a:latin typeface="나눔스퀘어 Light" panose="020B0600000101010101" pitchFamily="50" charset="-127"/>
+                <a:ea typeface="나눔스퀘어 Light" panose="020B0600000101010101" pitchFamily="50" charset="-127"/>
+              </a:rPr>
+              <a:t>꼭 큐를 사용해야만 풀 수 있는 것은 아닙니다</a:t>
+            </a:r>
+            <a:r>
+              <a:rPr lang="en-US" altLang="ko-KR" dirty="0">
+                <a:latin typeface="나눔스퀘어 Light" panose="020B0600000101010101" pitchFamily="50" charset="-127"/>
+                <a:ea typeface="나눔스퀘어 Light" panose="020B0600000101010101" pitchFamily="50" charset="-127"/>
+              </a:rPr>
+              <a:t>.</a:t>
+            </a:r>
+            <a:endParaRPr lang="ko-KR" altLang="en-US" dirty="0">
+              <a:latin typeface="나눔스퀘어 Light" panose="020B0600000101010101" pitchFamily="50" charset="-127"/>
+              <a:ea typeface="나눔스퀘어 Light" panose="020B0600000101010101" pitchFamily="50" charset="-127"/>
+            </a:endParaRPr>
+          </a:p>
+        </p:txBody>
+      </p:sp>
+      <p:pic>
+        <p:nvPicPr>
+          <p:cNvPr id="7" name="그림 6">
+            <a:extLst>
+              <a:ext uri="{FF2B5EF4-FFF2-40B4-BE49-F238E27FC236}">
+                <a16:creationId xmlns:a16="http://schemas.microsoft.com/office/drawing/2014/main" id="{08960CF1-584A-57E2-87E2-9438B5FB4070}"/>
+              </a:ext>
+            </a:extLst>
+          </p:cNvPr>
+          <p:cNvPicPr>
+            <a:picLocks noChangeAspect="1"/>
+          </p:cNvPicPr>
+          <p:nvPr/>
+        </p:nvPicPr>
+        <p:blipFill>
+          <a:blip r:embed="rId2"/>
+          <a:stretch>
+            <a:fillRect/>
+          </a:stretch>
+        </p:blipFill>
+        <p:spPr>
+          <a:xfrm>
+            <a:off x="942387" y="1559356"/>
+            <a:ext cx="5260450" cy="4553308"/>
+          </a:xfrm>
+          <a:prstGeom prst="rect">
+            <a:avLst/>
+          </a:prstGeom>
+        </p:spPr>
+      </p:pic>
+    </p:spTree>
+    <p:extLst>
+      <p:ext uri="{BB962C8B-B14F-4D97-AF65-F5344CB8AC3E}">
+        <p14:creationId xmlns:p14="http://schemas.microsoft.com/office/powerpoint/2010/main" val="168362199"/>
+      </p:ext>
+    </p:extLst>
+  </p:cSld>
+  <p:clrMapOvr>
+    <a:masterClrMapping/>
+  </p:clrMapOvr>
+</p:sld>
+</file>
+
+<file path=ppt/slides/slide31.xml><?xml version="1.0" encoding="utf-8"?>
+<p:sld xmlns:a="http://schemas.openxmlformats.org/drawingml/2006/main" xmlns:r="http://schemas.openxmlformats.org/officeDocument/2006/relationships" xmlns:p="http://schemas.openxmlformats.org/presentationml/2006/main">
+  <p:cSld>
+    <p:spTree>
+      <p:nvGrpSpPr>
+        <p:cNvPr id="1" name=""/>
+        <p:cNvGrpSpPr/>
+        <p:nvPr/>
+      </p:nvGrpSpPr>
+      <p:grpSpPr>
+        <a:xfrm>
+          <a:off x="0" y="0"/>
+          <a:ext cx="0" cy="0"/>
+          <a:chOff x="0" y="0"/>
+          <a:chExt cx="0" cy="0"/>
+        </a:xfrm>
+      </p:grpSpPr>
+      <p:cxnSp>
+        <p:nvCxnSpPr>
+          <p:cNvPr id="5" name="직선 연결선 4">
+            <a:extLst>
+              <a:ext uri="{FF2B5EF4-FFF2-40B4-BE49-F238E27FC236}">
+                <a16:creationId xmlns:a16="http://schemas.microsoft.com/office/drawing/2014/main" id="{164C2827-EFCE-69A4-D037-1A218415F568}"/>
+              </a:ext>
+            </a:extLst>
+          </p:cNvPr>
+          <p:cNvCxnSpPr/>
+          <p:nvPr/>
+        </p:nvCxnSpPr>
+        <p:spPr>
+          <a:xfrm>
+            <a:off x="0" y="887505"/>
+            <a:ext cx="10237694" cy="0"/>
+          </a:xfrm>
+          <a:prstGeom prst="line">
+            <a:avLst/>
+          </a:prstGeom>
+          <a:ln w="76200">
+            <a:solidFill>
+              <a:schemeClr val="tx1">
+                <a:lumMod val="75000"/>
+                <a:lumOff val="25000"/>
+              </a:schemeClr>
+            </a:solidFill>
+          </a:ln>
+        </p:spPr>
+        <p:style>
+          <a:lnRef idx="1">
+            <a:schemeClr val="accent1"/>
+          </a:lnRef>
+          <a:fillRef idx="0">
+            <a:schemeClr val="accent1"/>
+          </a:fillRef>
+          <a:effectRef idx="0">
+            <a:schemeClr val="accent1"/>
+          </a:effectRef>
+          <a:fontRef idx="minor">
+            <a:schemeClr val="tx1"/>
+          </a:fontRef>
+        </p:style>
+      </p:cxnSp>
+      <p:sp>
+        <p:nvSpPr>
+          <p:cNvPr id="6" name="TextBox 5">
+            <a:extLst>
+              <a:ext uri="{FF2B5EF4-FFF2-40B4-BE49-F238E27FC236}">
+                <a16:creationId xmlns:a16="http://schemas.microsoft.com/office/drawing/2014/main" id="{908ED9B9-09D3-CFA8-625A-6F9BB9B6BD23}"/>
+              </a:ext>
+            </a:extLst>
+          </p:cNvPr>
+          <p:cNvSpPr txBox="1"/>
+          <p:nvPr/>
+        </p:nvSpPr>
+        <p:spPr>
+          <a:xfrm>
+            <a:off x="331694" y="177505"/>
+            <a:ext cx="2006190" cy="523220"/>
+          </a:xfrm>
+          <a:prstGeom prst="rect">
+            <a:avLst/>
+          </a:prstGeom>
+          <a:noFill/>
+        </p:spPr>
+        <p:txBody>
+          <a:bodyPr wrap="none" rtlCol="0">
+            <a:spAutoFit/>
+          </a:bodyPr>
+          <a:lstStyle/>
+          <a:p>
+            <a:r>
+              <a:rPr lang="en-US" altLang="ko-KR" sz="2800" dirty="0">
+                <a:latin typeface="나눔스퀘어 Bold" panose="020B0600000101010101" pitchFamily="50" charset="-127"/>
+                <a:ea typeface="나눔스퀘어 Bold" panose="020B0600000101010101" pitchFamily="50" charset="-127"/>
+              </a:rPr>
+              <a:t>Homework</a:t>
+            </a:r>
+            <a:endParaRPr lang="ko-KR" altLang="en-US" sz="2800" dirty="0">
+              <a:latin typeface="나눔스퀘어 Bold" panose="020B0600000101010101" pitchFamily="50" charset="-127"/>
+              <a:ea typeface="나눔스퀘어 Bold" panose="020B0600000101010101" pitchFamily="50" charset="-127"/>
+            </a:endParaRPr>
+          </a:p>
+        </p:txBody>
+      </p:sp>
+      <p:sp>
+        <p:nvSpPr>
           <p:cNvPr id="7" name="TextBox 6">
             <a:extLst>
               <a:ext uri="{FF2B5EF4-FFF2-40B4-BE49-F238E27FC236}">
@@ -13789,48 +14057,6 @@
                 <a:ea typeface="나눔스퀘어 Light" panose="020B0600000101010101" pitchFamily="50" charset="-127"/>
               </a:rPr>
               <a:t>.</a:t>
-            </a:r>
-            <a:endParaRPr lang="ko-KR" altLang="en-US" dirty="0">
-              <a:latin typeface="나눔스퀘어 Light" panose="020B0600000101010101" pitchFamily="50" charset="-127"/>
-              <a:ea typeface="나눔스퀘어 Light" panose="020B0600000101010101" pitchFamily="50" charset="-127"/>
-            </a:endParaRPr>
-          </a:p>
-        </p:txBody>
-      </p:sp>
-      <p:sp>
-        <p:nvSpPr>
-          <p:cNvPr id="4" name="TextBox 3">
-            <a:extLst>
-              <a:ext uri="{FF2B5EF4-FFF2-40B4-BE49-F238E27FC236}">
-                <a16:creationId xmlns:a16="http://schemas.microsoft.com/office/drawing/2014/main" id="{1FFB0E97-045D-CAE2-D4D4-F6AFF27F568B}"/>
-              </a:ext>
-            </a:extLst>
-          </p:cNvPr>
-          <p:cNvSpPr txBox="1"/>
-          <p:nvPr/>
-        </p:nvSpPr>
-        <p:spPr>
-          <a:xfrm>
-            <a:off x="942387" y="2775391"/>
-            <a:ext cx="8553305" cy="369332"/>
-          </a:xfrm>
-          <a:prstGeom prst="rect">
-            <a:avLst/>
-          </a:prstGeom>
-          <a:noFill/>
-        </p:spPr>
-        <p:txBody>
-          <a:bodyPr wrap="square" rtlCol="0">
-            <a:spAutoFit/>
-          </a:bodyPr>
-          <a:lstStyle/>
-          <a:p>
-            <a:r>
-              <a:rPr lang="en-US" altLang="ko-KR" dirty="0">
-                <a:latin typeface="나눔스퀘어 Light" panose="020B0600000101010101" pitchFamily="50" charset="-127"/>
-                <a:ea typeface="나눔스퀘어 Light" panose="020B0600000101010101" pitchFamily="50" charset="-127"/>
-              </a:rPr>
-              <a:t>4. </a:t>
             </a:r>
             <a:endParaRPr lang="ko-KR" altLang="en-US" dirty="0">
               <a:latin typeface="나눔스퀘어 Light" panose="020B0600000101010101" pitchFamily="50" charset="-127"/>

--- a/study/7_Stack, Queue, List.pptx
+++ b/study/7_Stack, Queue, List.pptx
@@ -289,7 +289,7 @@
           <a:p>
             <a:fld id="{33C37291-AA83-40C0-9297-8F7F3693F6CC}" type="datetimeFigureOut">
               <a:rPr lang="ko-KR" altLang="en-US" smtClean="0"/>
-              <a:t>2022-10-03</a:t>
+              <a:t>2022-10-10</a:t>
             </a:fld>
             <a:endParaRPr lang="ko-KR" altLang="en-US"/>
           </a:p>
@@ -487,7 +487,7 @@
           <a:p>
             <a:fld id="{33C37291-AA83-40C0-9297-8F7F3693F6CC}" type="datetimeFigureOut">
               <a:rPr lang="ko-KR" altLang="en-US" smtClean="0"/>
-              <a:t>2022-10-03</a:t>
+              <a:t>2022-10-10</a:t>
             </a:fld>
             <a:endParaRPr lang="ko-KR" altLang="en-US"/>
           </a:p>
@@ -695,7 +695,7 @@
           <a:p>
             <a:fld id="{33C37291-AA83-40C0-9297-8F7F3693F6CC}" type="datetimeFigureOut">
               <a:rPr lang="ko-KR" altLang="en-US" smtClean="0"/>
-              <a:t>2022-10-03</a:t>
+              <a:t>2022-10-10</a:t>
             </a:fld>
             <a:endParaRPr lang="ko-KR" altLang="en-US"/>
           </a:p>
@@ -893,7 +893,7 @@
           <a:p>
             <a:fld id="{33C37291-AA83-40C0-9297-8F7F3693F6CC}" type="datetimeFigureOut">
               <a:rPr lang="ko-KR" altLang="en-US" smtClean="0"/>
-              <a:t>2022-10-03</a:t>
+              <a:t>2022-10-10</a:t>
             </a:fld>
             <a:endParaRPr lang="ko-KR" altLang="en-US"/>
           </a:p>
@@ -1168,7 +1168,7 @@
           <a:p>
             <a:fld id="{33C37291-AA83-40C0-9297-8F7F3693F6CC}" type="datetimeFigureOut">
               <a:rPr lang="ko-KR" altLang="en-US" smtClean="0"/>
-              <a:t>2022-10-03</a:t>
+              <a:t>2022-10-10</a:t>
             </a:fld>
             <a:endParaRPr lang="ko-KR" altLang="en-US"/>
           </a:p>
@@ -1433,7 +1433,7 @@
           <a:p>
             <a:fld id="{33C37291-AA83-40C0-9297-8F7F3693F6CC}" type="datetimeFigureOut">
               <a:rPr lang="ko-KR" altLang="en-US" smtClean="0"/>
-              <a:t>2022-10-03</a:t>
+              <a:t>2022-10-10</a:t>
             </a:fld>
             <a:endParaRPr lang="ko-KR" altLang="en-US"/>
           </a:p>
@@ -1845,7 +1845,7 @@
           <a:p>
             <a:fld id="{33C37291-AA83-40C0-9297-8F7F3693F6CC}" type="datetimeFigureOut">
               <a:rPr lang="ko-KR" altLang="en-US" smtClean="0"/>
-              <a:t>2022-10-03</a:t>
+              <a:t>2022-10-10</a:t>
             </a:fld>
             <a:endParaRPr lang="ko-KR" altLang="en-US"/>
           </a:p>
@@ -1986,7 +1986,7 @@
           <a:p>
             <a:fld id="{33C37291-AA83-40C0-9297-8F7F3693F6CC}" type="datetimeFigureOut">
               <a:rPr lang="ko-KR" altLang="en-US" smtClean="0"/>
-              <a:t>2022-10-03</a:t>
+              <a:t>2022-10-10</a:t>
             </a:fld>
             <a:endParaRPr lang="ko-KR" altLang="en-US"/>
           </a:p>
@@ -2099,7 +2099,7 @@
           <a:p>
             <a:fld id="{33C37291-AA83-40C0-9297-8F7F3693F6CC}" type="datetimeFigureOut">
               <a:rPr lang="ko-KR" altLang="en-US" smtClean="0"/>
-              <a:t>2022-10-03</a:t>
+              <a:t>2022-10-10</a:t>
             </a:fld>
             <a:endParaRPr lang="ko-KR" altLang="en-US"/>
           </a:p>
@@ -2410,7 +2410,7 @@
           <a:p>
             <a:fld id="{33C37291-AA83-40C0-9297-8F7F3693F6CC}" type="datetimeFigureOut">
               <a:rPr lang="ko-KR" altLang="en-US" smtClean="0"/>
-              <a:t>2022-10-03</a:t>
+              <a:t>2022-10-10</a:t>
             </a:fld>
             <a:endParaRPr lang="ko-KR" altLang="en-US"/>
           </a:p>
@@ -2698,7 +2698,7 @@
           <a:p>
             <a:fld id="{33C37291-AA83-40C0-9297-8F7F3693F6CC}" type="datetimeFigureOut">
               <a:rPr lang="ko-KR" altLang="en-US" smtClean="0"/>
-              <a:t>2022-10-03</a:t>
+              <a:t>2022-10-10</a:t>
             </a:fld>
             <a:endParaRPr lang="ko-KR" altLang="en-US"/>
           </a:p>
@@ -2939,7 +2939,7 @@
           <a:p>
             <a:fld id="{33C37291-AA83-40C0-9297-8F7F3693F6CC}" type="datetimeFigureOut">
               <a:rPr lang="ko-KR" altLang="en-US" smtClean="0"/>
-              <a:t>2022-10-03</a:t>
+              <a:t>2022-10-10</a:t>
             </a:fld>
             <a:endParaRPr lang="ko-KR" altLang="en-US"/>
           </a:p>
@@ -13806,7 +13806,7 @@
         </p:nvSpPr>
         <p:spPr>
           <a:xfrm>
-            <a:off x="942387" y="3378992"/>
+            <a:off x="942387" y="3059668"/>
             <a:ext cx="10237694" cy="369332"/>
           </a:xfrm>
           <a:prstGeom prst="rect">
@@ -13883,7 +13883,7 @@
         </p:nvSpPr>
         <p:spPr>
           <a:xfrm>
-            <a:off x="942387" y="3899153"/>
+            <a:off x="942387" y="3579829"/>
             <a:ext cx="10237694" cy="369332"/>
           </a:xfrm>
           <a:prstGeom prst="rect">
@@ -13995,7 +13995,7 @@
         </p:nvSpPr>
         <p:spPr>
           <a:xfrm>
-            <a:off x="942387" y="4268485"/>
+            <a:off x="942387" y="3949161"/>
             <a:ext cx="10237694" cy="369332"/>
           </a:xfrm>
           <a:prstGeom prst="rect">
@@ -14079,7 +14079,7 @@
         </p:nvSpPr>
         <p:spPr>
           <a:xfrm>
-            <a:off x="942387" y="4868519"/>
+            <a:off x="942387" y="4549195"/>
             <a:ext cx="10237694" cy="369332"/>
           </a:xfrm>
           <a:prstGeom prst="rect">
@@ -14128,7 +14128,7 @@
         </p:nvSpPr>
         <p:spPr>
           <a:xfrm>
-            <a:off x="942387" y="5468553"/>
+            <a:off x="942387" y="5149229"/>
             <a:ext cx="10237694" cy="369332"/>
           </a:xfrm>
           <a:prstGeom prst="rect">
@@ -14179,6 +14179,69 @@
             </a:r>
             <a:r>
               <a:rPr lang="en-US" altLang="ko-KR" dirty="0">
+                <a:latin typeface="나눔스퀘어 Bold" panose="020B0600000101010101" pitchFamily="50" charset="-127"/>
+                <a:ea typeface="나눔스퀘어 Bold" panose="020B0600000101010101" pitchFamily="50" charset="-127"/>
+              </a:rPr>
+              <a:t>.</a:t>
+            </a:r>
+            <a:endParaRPr lang="ko-KR" altLang="en-US" dirty="0">
+              <a:latin typeface="나눔스퀘어 Bold" panose="020B0600000101010101" pitchFamily="50" charset="-127"/>
+              <a:ea typeface="나눔스퀘어 Bold" panose="020B0600000101010101" pitchFamily="50" charset="-127"/>
+            </a:endParaRPr>
+          </a:p>
+        </p:txBody>
+      </p:sp>
+      <p:sp>
+        <p:nvSpPr>
+          <p:cNvPr id="4" name="TextBox 3">
+            <a:extLst>
+              <a:ext uri="{FF2B5EF4-FFF2-40B4-BE49-F238E27FC236}">
+                <a16:creationId xmlns:a16="http://schemas.microsoft.com/office/drawing/2014/main" id="{9B2F4F7D-C35E-7491-6B7F-C97FB83472B8}"/>
+              </a:ext>
+            </a:extLst>
+          </p:cNvPr>
+          <p:cNvSpPr txBox="1"/>
+          <p:nvPr/>
+        </p:nvSpPr>
+        <p:spPr>
+          <a:xfrm>
+            <a:off x="942387" y="5749263"/>
+            <a:ext cx="10237694" cy="369332"/>
+          </a:xfrm>
+          <a:prstGeom prst="rect">
+            <a:avLst/>
+          </a:prstGeom>
+          <a:noFill/>
+        </p:spPr>
+        <p:txBody>
+          <a:bodyPr wrap="square" rtlCol="0">
+            <a:spAutoFit/>
+          </a:bodyPr>
+          <a:lstStyle/>
+          <a:p>
+            <a:r>
+              <a:rPr lang="ko-KR" altLang="en-US" dirty="0">
+                <a:latin typeface="나눔스퀘어 Bold" panose="020B0600000101010101" pitchFamily="50" charset="-127"/>
+                <a:ea typeface="나눔스퀘어 Bold" panose="020B0600000101010101" pitchFamily="50" charset="-127"/>
+              </a:rPr>
+              <a:t>트리</a:t>
+            </a:r>
+            <a:r>
+              <a:rPr lang="en-US" altLang="ko-KR" dirty="0">
+                <a:latin typeface="나눔스퀘어 Bold" panose="020B0600000101010101" pitchFamily="50" charset="-127"/>
+                <a:ea typeface="나눔스퀘어 Bold" panose="020B0600000101010101" pitchFamily="50" charset="-127"/>
+              </a:rPr>
+              <a:t>, </a:t>
+            </a:r>
+            <a:r>
+              <a:rPr lang="ko-KR" altLang="en-US" dirty="0">
+                <a:latin typeface="나눔스퀘어 Bold" panose="020B0600000101010101" pitchFamily="50" charset="-127"/>
+                <a:ea typeface="나눔스퀘어 Bold" panose="020B0600000101010101" pitchFamily="50" charset="-127"/>
+              </a:rPr>
+              <a:t>그래프의 이론에 대해 공부해보세요</a:t>
+            </a:r>
+            <a:r>
+              <a:rPr lang="en-US" altLang="ko-KR">
                 <a:latin typeface="나눔스퀘어 Bold" panose="020B0600000101010101" pitchFamily="50" charset="-127"/>
                 <a:ea typeface="나눔스퀘어 Bold" panose="020B0600000101010101" pitchFamily="50" charset="-127"/>
               </a:rPr>
